--- a/lectures3/Pythonlearn-06-Strings.pptx
+++ b/lectures3/Pythonlearn-06-Strings.pptx
@@ -248,6 +248,11 @@
       </a:defRPr>
     </a:lvl9pPr>
   </p:defaultTextStyle>
+  <p:extLst>
+    <p:ext uri="{EFAFB233-063F-42B5-8137-9DF3F51BA10A}">
+      <p15:sldGuideLst xmlns:p15="http://schemas.microsoft.com/office/powerpoint/2012/main"/>
+    </p:ext>
+  </p:extLst>
 </p:presentation>
 </file>
 
@@ -588,8 +593,8 @@
         </p:nvSpPr>
         <p:spPr>
           <a:xfrm>
-            <a:off x="1143225" y="685800"/>
-            <a:ext cx="4572225" cy="3429000"/>
+            <a:off x="381000" y="685800"/>
+            <a:ext cx="6096000" cy="3429000"/>
           </a:xfrm>
           <a:custGeom>
             <a:avLst/>
@@ -698,8 +703,8 @@
         </p:nvSpPr>
         <p:spPr>
           <a:xfrm>
-            <a:off x="1143225" y="685800"/>
-            <a:ext cx="4572225" cy="3429000"/>
+            <a:off x="381000" y="685800"/>
+            <a:ext cx="6096000" cy="3429000"/>
           </a:xfrm>
           <a:custGeom>
             <a:avLst/>
@@ -808,8 +813,8 @@
         </p:nvSpPr>
         <p:spPr>
           <a:xfrm>
-            <a:off x="1143225" y="685800"/>
-            <a:ext cx="4572225" cy="3429000"/>
+            <a:off x="381000" y="685800"/>
+            <a:ext cx="6096000" cy="3429000"/>
           </a:xfrm>
           <a:custGeom>
             <a:avLst/>
@@ -918,8 +923,8 @@
         </p:nvSpPr>
         <p:spPr>
           <a:xfrm>
-            <a:off x="1143225" y="685800"/>
-            <a:ext cx="4572225" cy="3429000"/>
+            <a:off x="381000" y="685800"/>
+            <a:ext cx="6096000" cy="3429000"/>
           </a:xfrm>
           <a:custGeom>
             <a:avLst/>
@@ -1028,8 +1033,8 @@
         </p:nvSpPr>
         <p:spPr>
           <a:xfrm>
-            <a:off x="1143225" y="685800"/>
-            <a:ext cx="4572225" cy="3429000"/>
+            <a:off x="381000" y="685800"/>
+            <a:ext cx="6096000" cy="3429000"/>
           </a:xfrm>
           <a:custGeom>
             <a:avLst/>
@@ -1138,8 +1143,8 @@
         </p:nvSpPr>
         <p:spPr>
           <a:xfrm>
-            <a:off x="1143225" y="685800"/>
-            <a:ext cx="4572225" cy="3429000"/>
+            <a:off x="381000" y="685800"/>
+            <a:ext cx="6096000" cy="3429000"/>
           </a:xfrm>
           <a:custGeom>
             <a:avLst/>
@@ -1248,8 +1253,8 @@
         </p:nvSpPr>
         <p:spPr>
           <a:xfrm>
-            <a:off x="1143225" y="685800"/>
-            <a:ext cx="4572225" cy="3429000"/>
+            <a:off x="381000" y="685800"/>
+            <a:ext cx="6096000" cy="3429000"/>
           </a:xfrm>
           <a:custGeom>
             <a:avLst/>
@@ -1358,8 +1363,8 @@
         </p:nvSpPr>
         <p:spPr>
           <a:xfrm>
-            <a:off x="1143225" y="685800"/>
-            <a:ext cx="4572225" cy="3429000"/>
+            <a:off x="381000" y="685800"/>
+            <a:ext cx="6096000" cy="3429000"/>
           </a:xfrm>
           <a:custGeom>
             <a:avLst/>
@@ -1468,8 +1473,8 @@
         </p:nvSpPr>
         <p:spPr>
           <a:xfrm>
-            <a:off x="1143225" y="685800"/>
-            <a:ext cx="4572225" cy="3429000"/>
+            <a:off x="381000" y="685800"/>
+            <a:ext cx="6096000" cy="3429000"/>
           </a:xfrm>
           <a:custGeom>
             <a:avLst/>
@@ -1578,8 +1583,8 @@
         </p:nvSpPr>
         <p:spPr>
           <a:xfrm>
-            <a:off x="1143225" y="685800"/>
-            <a:ext cx="4572225" cy="3429000"/>
+            <a:off x="381000" y="685800"/>
+            <a:ext cx="6096000" cy="3429000"/>
           </a:xfrm>
           <a:custGeom>
             <a:avLst/>
@@ -1688,8 +1693,8 @@
         </p:nvSpPr>
         <p:spPr>
           <a:xfrm>
-            <a:off x="1143225" y="685800"/>
-            <a:ext cx="4572225" cy="3429000"/>
+            <a:off x="381000" y="685800"/>
+            <a:ext cx="6096000" cy="3429000"/>
           </a:xfrm>
           <a:custGeom>
             <a:avLst/>
@@ -1798,8 +1803,8 @@
         </p:nvSpPr>
         <p:spPr>
           <a:xfrm>
-            <a:off x="1143225" y="685800"/>
-            <a:ext cx="4572225" cy="3429000"/>
+            <a:off x="381000" y="685800"/>
+            <a:ext cx="6096000" cy="3429000"/>
           </a:xfrm>
           <a:custGeom>
             <a:avLst/>
@@ -1908,8 +1913,8 @@
         </p:nvSpPr>
         <p:spPr>
           <a:xfrm>
-            <a:off x="1143225" y="685800"/>
-            <a:ext cx="4572225" cy="3429000"/>
+            <a:off x="381000" y="685800"/>
+            <a:ext cx="6096000" cy="3429000"/>
           </a:xfrm>
           <a:custGeom>
             <a:avLst/>
@@ -2018,8 +2023,8 @@
         </p:nvSpPr>
         <p:spPr>
           <a:xfrm>
-            <a:off x="1143225" y="685800"/>
-            <a:ext cx="4572225" cy="3429000"/>
+            <a:off x="381000" y="685800"/>
+            <a:ext cx="6096000" cy="3429000"/>
           </a:xfrm>
           <a:custGeom>
             <a:avLst/>
@@ -2238,8 +2243,8 @@
         </p:nvSpPr>
         <p:spPr>
           <a:xfrm>
-            <a:off x="1143225" y="685800"/>
-            <a:ext cx="4572225" cy="3429000"/>
+            <a:off x="381000" y="685800"/>
+            <a:ext cx="6096000" cy="3429000"/>
           </a:xfrm>
           <a:custGeom>
             <a:avLst/>
@@ -2348,8 +2353,8 @@
         </p:nvSpPr>
         <p:spPr>
           <a:xfrm>
-            <a:off x="1143225" y="685800"/>
-            <a:ext cx="4572225" cy="3429000"/>
+            <a:off x="381000" y="685800"/>
+            <a:ext cx="6096000" cy="3429000"/>
           </a:xfrm>
           <a:custGeom>
             <a:avLst/>
@@ -2458,8 +2463,8 @@
         </p:nvSpPr>
         <p:spPr>
           <a:xfrm>
-            <a:off x="1143225" y="685800"/>
-            <a:ext cx="4572225" cy="3429000"/>
+            <a:off x="381000" y="685800"/>
+            <a:ext cx="6096000" cy="3429000"/>
           </a:xfrm>
           <a:custGeom>
             <a:avLst/>
@@ -2568,8 +2573,8 @@
         </p:nvSpPr>
         <p:spPr>
           <a:xfrm>
-            <a:off x="1143225" y="685800"/>
-            <a:ext cx="4572225" cy="3429000"/>
+            <a:off x="381000" y="685800"/>
+            <a:ext cx="6096000" cy="3429000"/>
           </a:xfrm>
           <a:custGeom>
             <a:avLst/>
@@ -2678,8 +2683,8 @@
         </p:nvSpPr>
         <p:spPr>
           <a:xfrm>
-            <a:off x="1143225" y="685800"/>
-            <a:ext cx="4572225" cy="3429000"/>
+            <a:off x="381000" y="685800"/>
+            <a:ext cx="6096000" cy="3429000"/>
           </a:xfrm>
           <a:custGeom>
             <a:avLst/>
@@ -2788,8 +2793,8 @@
         </p:nvSpPr>
         <p:spPr>
           <a:xfrm>
-            <a:off x="1143225" y="685800"/>
-            <a:ext cx="4572225" cy="3429000"/>
+            <a:off x="381000" y="685800"/>
+            <a:ext cx="6096000" cy="3429000"/>
           </a:xfrm>
           <a:custGeom>
             <a:avLst/>
@@ -2898,8 +2903,8 @@
         </p:nvSpPr>
         <p:spPr>
           <a:xfrm>
-            <a:off x="1143225" y="685800"/>
-            <a:ext cx="4572225" cy="3429000"/>
+            <a:off x="381000" y="685800"/>
+            <a:ext cx="6096000" cy="3429000"/>
           </a:xfrm>
           <a:custGeom>
             <a:avLst/>
@@ -3008,8 +3013,8 @@
         </p:nvSpPr>
         <p:spPr>
           <a:xfrm>
-            <a:off x="1143225" y="685800"/>
-            <a:ext cx="4572225" cy="3429000"/>
+            <a:off x="381000" y="685800"/>
+            <a:ext cx="6096000" cy="3429000"/>
           </a:xfrm>
           <a:custGeom>
             <a:avLst/>
@@ -3118,8 +3123,8 @@
         </p:nvSpPr>
         <p:spPr>
           <a:xfrm>
-            <a:off x="1143225" y="685800"/>
-            <a:ext cx="4572225" cy="3429000"/>
+            <a:off x="381000" y="685800"/>
+            <a:ext cx="6096000" cy="3429000"/>
           </a:xfrm>
           <a:custGeom>
             <a:avLst/>
@@ -3338,8 +3343,8 @@
         </p:nvSpPr>
         <p:spPr>
           <a:xfrm>
-            <a:off x="1143225" y="685800"/>
-            <a:ext cx="4572225" cy="3429000"/>
+            <a:off x="381000" y="685800"/>
+            <a:ext cx="6096000" cy="3429000"/>
           </a:xfrm>
           <a:custGeom>
             <a:avLst/>
@@ -3448,8 +3453,8 @@
         </p:nvSpPr>
         <p:spPr>
           <a:xfrm>
-            <a:off x="1143225" y="685800"/>
-            <a:ext cx="4572225" cy="3429000"/>
+            <a:off x="381000" y="685800"/>
+            <a:ext cx="6096000" cy="3429000"/>
           </a:xfrm>
           <a:custGeom>
             <a:avLst/>
@@ -3558,8 +3563,8 @@
         </p:nvSpPr>
         <p:spPr>
           <a:xfrm>
-            <a:off x="1143225" y="685800"/>
-            <a:ext cx="4572225" cy="3429000"/>
+            <a:off x="381000" y="685800"/>
+            <a:ext cx="6096000" cy="3429000"/>
           </a:xfrm>
           <a:custGeom>
             <a:avLst/>
@@ -3668,8 +3673,8 @@
         </p:nvSpPr>
         <p:spPr>
           <a:xfrm>
-            <a:off x="1143225" y="685800"/>
-            <a:ext cx="4572225" cy="3429000"/>
+            <a:off x="381000" y="685800"/>
+            <a:ext cx="6096000" cy="3429000"/>
           </a:xfrm>
           <a:custGeom>
             <a:avLst/>
@@ -3778,8 +3783,8 @@
         </p:nvSpPr>
         <p:spPr>
           <a:xfrm>
-            <a:off x="1143225" y="685800"/>
-            <a:ext cx="4572225" cy="3429000"/>
+            <a:off x="381000" y="685800"/>
+            <a:ext cx="6096000" cy="3429000"/>
           </a:xfrm>
           <a:custGeom>
             <a:avLst/>
@@ -3888,8 +3893,8 @@
         </p:nvSpPr>
         <p:spPr>
           <a:xfrm>
-            <a:off x="1143225" y="685800"/>
-            <a:ext cx="4572225" cy="3429000"/>
+            <a:off x="381000" y="685800"/>
+            <a:ext cx="6096000" cy="3429000"/>
           </a:xfrm>
           <a:custGeom>
             <a:avLst/>
@@ -22109,13 +22114,13 @@
               <a:buNone/>
             </a:pPr>
             <a:r>
-              <a:rPr lang="en-US" sz="7600" b="0" i="0" u="none" strike="noStrike" cap="none">
+              <a:rPr lang="en-US" sz="7600" u="none" strike="noStrike" cap="none">
                 <a:solidFill>
                   <a:srgbClr val="FFFF00"/>
                 </a:solidFill>
-                <a:latin typeface="Cabin"/>
-                <a:ea typeface="Cabin"/>
-                <a:cs typeface="Cabin"/>
+                <a:latin typeface="Arial" charset="0"/>
+                <a:ea typeface="Arial" charset="0"/>
+                <a:cs typeface="Arial" charset="0"/>
                 <a:sym typeface="Cabin"/>
               </a:rPr>
               <a:t>Strings</a:t>
@@ -22170,13 +22175,13 @@
               <a:buNone/>
             </a:pPr>
             <a:r>
-              <a:rPr lang="en-US" sz="4800" b="0" i="0" u="none" strike="noStrike" cap="none">
-                <a:solidFill>
-                  <a:schemeClr val="lt1"/>
-                </a:solidFill>
-                <a:latin typeface="Cabin"/>
-                <a:ea typeface="Cabin"/>
-                <a:cs typeface="Cabin"/>
+              <a:rPr lang="en-US" sz="4800" u="none" strike="noStrike" cap="none">
+                <a:solidFill>
+                  <a:schemeClr val="lt1"/>
+                </a:solidFill>
+                <a:latin typeface="Arial" charset="0"/>
+                <a:ea typeface="Arial" charset="0"/>
+                <a:cs typeface="Arial" charset="0"/>
                 <a:sym typeface="Cabin"/>
               </a:rPr>
               <a:t>Chapter 6</a:t>
@@ -22227,13 +22232,13 @@
               <a:buNone/>
             </a:pPr>
             <a:r>
-              <a:rPr lang="en-US" sz="3200" b="0" i="0" u="none" strike="noStrike" cap="none">
+              <a:rPr lang="en-US" sz="3200" u="none" strike="noStrike" cap="none">
                 <a:solidFill>
                   <a:srgbClr val="FFFF00"/>
                 </a:solidFill>
-                <a:latin typeface="Cabin"/>
-                <a:ea typeface="Cabin"/>
-                <a:cs typeface="Cabin"/>
+                <a:latin typeface="Arial" charset="0"/>
+                <a:ea typeface="Arial" charset="0"/>
+                <a:cs typeface="Arial" charset="0"/>
                 <a:sym typeface="Cabin"/>
               </a:rPr>
               <a:t>Python for Informatics: Exploring Information</a:t>
@@ -22258,13 +22263,13 @@
               <a:buNone/>
             </a:pPr>
             <a:r>
-              <a:rPr lang="en-US" sz="3200" b="0" i="0" u="sng" strike="noStrike" cap="none">
+              <a:rPr lang="en-US" sz="3200" u="sng" strike="noStrike" cap="none">
                 <a:solidFill>
                   <a:srgbClr val="FFFF00"/>
                 </a:solidFill>
-                <a:latin typeface="Cabin"/>
-                <a:ea typeface="Cabin"/>
-                <a:cs typeface="Cabin"/>
+                <a:latin typeface="Arial" charset="0"/>
+                <a:ea typeface="Arial" charset="0"/>
+                <a:cs typeface="Arial" charset="0"/>
                 <a:sym typeface="Cabin"/>
                 <a:hlinkClick r:id="rId3"/>
               </a:rPr>
@@ -22399,13 +22404,13 @@
               <a:buNone/>
             </a:pPr>
             <a:r>
-              <a:rPr lang="en-US" sz="7600" b="0" i="0" u="none" strike="noStrike" cap="none">
+              <a:rPr lang="en-US" sz="7600" u="none" strike="noStrike" cap="none">
                 <a:solidFill>
                   <a:srgbClr val="FFFF00"/>
                 </a:solidFill>
-                <a:latin typeface="Cabin"/>
-                <a:ea typeface="Cabin"/>
-                <a:cs typeface="Cabin"/>
+                <a:latin typeface="Arial" charset="0"/>
+                <a:ea typeface="Arial" charset="0"/>
+                <a:cs typeface="Arial" charset="0"/>
                 <a:sym typeface="Cabin"/>
               </a:rPr>
               <a:t>Looping Through Strings</a:t>
@@ -22460,37 +22465,37 @@
               <a:buChar char="•"/>
             </a:pPr>
             <a:r>
-              <a:rPr lang="en-US" sz="3600" b="0" i="0" u="none" strike="noStrike" cap="none">
-                <a:solidFill>
-                  <a:schemeClr val="lt1"/>
-                </a:solidFill>
-                <a:latin typeface="Cabin"/>
-                <a:ea typeface="Cabin"/>
-                <a:cs typeface="Cabin"/>
+              <a:rPr lang="en-US" sz="3600" u="none" strike="noStrike" cap="none">
+                <a:solidFill>
+                  <a:schemeClr val="lt1"/>
+                </a:solidFill>
+                <a:latin typeface="Arial" charset="0"/>
+                <a:ea typeface="Arial" charset="0"/>
+                <a:cs typeface="Arial" charset="0"/>
                 <a:sym typeface="Cabin"/>
               </a:rPr>
               <a:t>A definite loop using a </a:t>
             </a:r>
             <a:r>
-              <a:rPr lang="en-US" sz="3600" b="0" i="0" u="none" strike="noStrike" cap="none">
+              <a:rPr lang="en-US" sz="3600" u="none" strike="noStrike" cap="none">
                 <a:solidFill>
                   <a:srgbClr val="FFFF00"/>
                 </a:solidFill>
-                <a:latin typeface="Cabin"/>
-                <a:ea typeface="Cabin"/>
-                <a:cs typeface="Cabin"/>
+                <a:latin typeface="Arial" charset="0"/>
+                <a:ea typeface="Arial" charset="0"/>
+                <a:cs typeface="Arial" charset="0"/>
                 <a:sym typeface="Cabin"/>
               </a:rPr>
               <a:t>for</a:t>
             </a:r>
             <a:r>
-              <a:rPr lang="en-US" sz="3600" b="0" i="0" u="none" strike="noStrike" cap="none">
-                <a:solidFill>
-                  <a:schemeClr val="lt1"/>
-                </a:solidFill>
-                <a:latin typeface="Cabin"/>
-                <a:ea typeface="Cabin"/>
-                <a:cs typeface="Cabin"/>
+              <a:rPr lang="en-US" sz="3600" u="none" strike="noStrike" cap="none">
+                <a:solidFill>
+                  <a:schemeClr val="lt1"/>
+                </a:solidFill>
+                <a:latin typeface="Arial" charset="0"/>
+                <a:ea typeface="Arial" charset="0"/>
+                <a:cs typeface="Arial" charset="0"/>
                 <a:sym typeface="Cabin"/>
               </a:rPr>
               <a:t> statement is much more elegant</a:t>
@@ -22515,61 +22520,61 @@
               <a:buChar char="•"/>
             </a:pPr>
             <a:r>
-              <a:rPr lang="en-US" sz="3600" b="0" i="0" u="none" strike="noStrike" cap="none">
-                <a:solidFill>
-                  <a:schemeClr val="lt1"/>
-                </a:solidFill>
-                <a:latin typeface="Cabin"/>
-                <a:ea typeface="Cabin"/>
-                <a:cs typeface="Cabin"/>
+              <a:rPr lang="en-US" sz="3600" u="none" strike="noStrike" cap="none">
+                <a:solidFill>
+                  <a:schemeClr val="lt1"/>
+                </a:solidFill>
+                <a:latin typeface="Arial" charset="0"/>
+                <a:ea typeface="Arial" charset="0"/>
+                <a:cs typeface="Arial" charset="0"/>
                 <a:sym typeface="Cabin"/>
               </a:rPr>
               <a:t>The </a:t>
             </a:r>
             <a:r>
-              <a:rPr lang="en-US" sz="3600" b="0" i="0" u="none" strike="noStrike" cap="none">
+              <a:rPr lang="en-US" sz="3600" u="none" strike="noStrike" cap="none">
                 <a:solidFill>
                   <a:srgbClr val="00FF00"/>
                 </a:solidFill>
-                <a:latin typeface="Cabin"/>
-                <a:ea typeface="Cabin"/>
-                <a:cs typeface="Cabin"/>
+                <a:latin typeface="Arial" charset="0"/>
+                <a:ea typeface="Arial" charset="0"/>
+                <a:cs typeface="Arial" charset="0"/>
                 <a:sym typeface="Cabin"/>
               </a:rPr>
               <a:t>iteration variable</a:t>
             </a:r>
             <a:r>
-              <a:rPr lang="en-US" sz="3600" b="0" i="0" u="none" strike="noStrike" cap="none">
-                <a:solidFill>
-                  <a:schemeClr val="lt1"/>
-                </a:solidFill>
-                <a:latin typeface="Cabin"/>
-                <a:ea typeface="Cabin"/>
-                <a:cs typeface="Cabin"/>
+              <a:rPr lang="en-US" sz="3600" u="none" strike="noStrike" cap="none">
+                <a:solidFill>
+                  <a:schemeClr val="lt1"/>
+                </a:solidFill>
+                <a:latin typeface="Arial" charset="0"/>
+                <a:ea typeface="Arial" charset="0"/>
+                <a:cs typeface="Arial" charset="0"/>
                 <a:sym typeface="Cabin"/>
               </a:rPr>
               <a:t> is completely taken care of by the </a:t>
             </a:r>
             <a:r>
-              <a:rPr lang="en-US" sz="3600" b="0" i="0" u="none" strike="noStrike" cap="none">
+              <a:rPr lang="en-US" sz="3600" u="none" strike="noStrike" cap="none">
                 <a:solidFill>
                   <a:srgbClr val="FFFF00"/>
                 </a:solidFill>
-                <a:latin typeface="Cabin"/>
-                <a:ea typeface="Cabin"/>
-                <a:cs typeface="Cabin"/>
+                <a:latin typeface="Arial" charset="0"/>
+                <a:ea typeface="Arial" charset="0"/>
+                <a:cs typeface="Arial" charset="0"/>
                 <a:sym typeface="Cabin"/>
               </a:rPr>
               <a:t>for</a:t>
             </a:r>
             <a:r>
-              <a:rPr lang="en-US" sz="3600" b="0" i="0" u="none" strike="noStrike" cap="none">
-                <a:solidFill>
-                  <a:schemeClr val="lt1"/>
-                </a:solidFill>
-                <a:latin typeface="Cabin"/>
-                <a:ea typeface="Cabin"/>
-                <a:cs typeface="Cabin"/>
+              <a:rPr lang="en-US" sz="3600" u="none" strike="noStrike" cap="none">
+                <a:solidFill>
+                  <a:schemeClr val="lt1"/>
+                </a:solidFill>
+                <a:latin typeface="Arial" charset="0"/>
+                <a:ea typeface="Arial" charset="0"/>
+                <a:cs typeface="Arial" charset="0"/>
                 <a:sym typeface="Cabin"/>
               </a:rPr>
               <a:t> loop</a:t>
@@ -22620,13 +22625,13 @@
               <a:buNone/>
             </a:pPr>
             <a:r>
-              <a:rPr lang="en-US" sz="3600" b="0" i="0" u="none" strike="noStrike" cap="none">
+              <a:rPr lang="en-US" sz="3600" u="none" strike="noStrike" cap="none">
                 <a:solidFill>
                   <a:srgbClr val="FF00FF"/>
                 </a:solidFill>
-                <a:latin typeface="Cabin"/>
-                <a:ea typeface="Cabin"/>
-                <a:cs typeface="Cabin"/>
+                <a:latin typeface="Arial" charset="0"/>
+                <a:ea typeface="Arial" charset="0"/>
+                <a:cs typeface="Arial" charset="0"/>
                 <a:sym typeface="Cabin"/>
               </a:rPr>
               <a:t>b</a:t>
@@ -22651,13 +22656,13 @@
               <a:buNone/>
             </a:pPr>
             <a:r>
-              <a:rPr lang="en-US" sz="3600" b="0" i="0" u="none" strike="noStrike" cap="none">
+              <a:rPr lang="en-US" sz="3600" u="none" strike="noStrike" cap="none">
                 <a:solidFill>
                   <a:srgbClr val="FF00FF"/>
                 </a:solidFill>
-                <a:latin typeface="Cabin"/>
-                <a:ea typeface="Cabin"/>
-                <a:cs typeface="Cabin"/>
+                <a:latin typeface="Arial" charset="0"/>
+                <a:ea typeface="Arial" charset="0"/>
+                <a:cs typeface="Arial" charset="0"/>
                 <a:sym typeface="Cabin"/>
               </a:rPr>
               <a:t>a</a:t>
@@ -22682,13 +22687,13 @@
               <a:buNone/>
             </a:pPr>
             <a:r>
-              <a:rPr lang="en-US" sz="3600" b="0" i="0" u="none" strike="noStrike" cap="none">
+              <a:rPr lang="en-US" sz="3600" u="none" strike="noStrike" cap="none">
                 <a:solidFill>
                   <a:srgbClr val="FF00FF"/>
                 </a:solidFill>
-                <a:latin typeface="Cabin"/>
-                <a:ea typeface="Cabin"/>
-                <a:cs typeface="Cabin"/>
+                <a:latin typeface="Arial" charset="0"/>
+                <a:ea typeface="Arial" charset="0"/>
+                <a:cs typeface="Arial" charset="0"/>
                 <a:sym typeface="Cabin"/>
               </a:rPr>
               <a:t>n</a:t>
@@ -22713,13 +22718,13 @@
               <a:buNone/>
             </a:pPr>
             <a:r>
-              <a:rPr lang="en-US" sz="3600" b="0" i="0" u="none" strike="noStrike" cap="none">
+              <a:rPr lang="en-US" sz="3600" u="none" strike="noStrike" cap="none">
                 <a:solidFill>
                   <a:srgbClr val="FF00FF"/>
                 </a:solidFill>
-                <a:latin typeface="Cabin"/>
-                <a:ea typeface="Cabin"/>
-                <a:cs typeface="Cabin"/>
+                <a:latin typeface="Arial" charset="0"/>
+                <a:ea typeface="Arial" charset="0"/>
+                <a:cs typeface="Arial" charset="0"/>
                 <a:sym typeface="Cabin"/>
               </a:rPr>
               <a:t>a</a:t>
@@ -22744,13 +22749,13 @@
               <a:buNone/>
             </a:pPr>
             <a:r>
-              <a:rPr lang="en-US" sz="3600" b="0" i="0" u="none" strike="noStrike" cap="none">
+              <a:rPr lang="en-US" sz="3600" u="none" strike="noStrike" cap="none">
                 <a:solidFill>
                   <a:srgbClr val="FF00FF"/>
                 </a:solidFill>
-                <a:latin typeface="Cabin"/>
-                <a:ea typeface="Cabin"/>
-                <a:cs typeface="Cabin"/>
+                <a:latin typeface="Arial" charset="0"/>
+                <a:ea typeface="Arial" charset="0"/>
+                <a:cs typeface="Arial" charset="0"/>
                 <a:sym typeface="Cabin"/>
               </a:rPr>
               <a:t>n</a:t>
@@ -22775,13 +22780,13 @@
               <a:buNone/>
             </a:pPr>
             <a:r>
-              <a:rPr lang="en-US" sz="3600" b="0" i="0" u="none" strike="noStrike" cap="none">
+              <a:rPr lang="en-US" sz="3600" u="none" strike="noStrike" cap="none">
                 <a:solidFill>
                   <a:srgbClr val="FF00FF"/>
                 </a:solidFill>
-                <a:latin typeface="Cabin"/>
-                <a:ea typeface="Cabin"/>
-                <a:cs typeface="Cabin"/>
+                <a:latin typeface="Arial" charset="0"/>
+                <a:ea typeface="Arial" charset="0"/>
+                <a:cs typeface="Arial" charset="0"/>
                 <a:sym typeface="Cabin"/>
               </a:rPr>
               <a:t>a</a:t>
@@ -23100,13 +23105,13 @@
               <a:buNone/>
             </a:pPr>
             <a:r>
-              <a:rPr lang="en-US" sz="7600" b="0" i="0" u="none" strike="noStrike" cap="none">
+              <a:rPr lang="en-US" sz="7600" u="none" strike="noStrike" cap="none">
                 <a:solidFill>
                   <a:srgbClr val="FFFF00"/>
                 </a:solidFill>
-                <a:latin typeface="Cabin"/>
-                <a:ea typeface="Cabin"/>
-                <a:cs typeface="Cabin"/>
+                <a:latin typeface="Arial" charset="0"/>
+                <a:ea typeface="Arial" charset="0"/>
+                <a:cs typeface="Arial" charset="0"/>
                 <a:sym typeface="Cabin"/>
               </a:rPr>
               <a:t>Looping Through Strings</a:t>
@@ -23161,49 +23166,49 @@
               <a:buChar char="•"/>
             </a:pPr>
             <a:r>
-              <a:rPr lang="en-US" sz="3600" b="0" i="0" u="none" strike="noStrike" cap="none">
-                <a:solidFill>
-                  <a:schemeClr val="lt1"/>
-                </a:solidFill>
-                <a:latin typeface="Cabin"/>
-                <a:ea typeface="Cabin"/>
-                <a:cs typeface="Cabin"/>
+              <a:rPr lang="en-US" sz="3600" u="none" strike="noStrike" cap="none">
+                <a:solidFill>
+                  <a:schemeClr val="lt1"/>
+                </a:solidFill>
+                <a:latin typeface="Arial" charset="0"/>
+                <a:ea typeface="Arial" charset="0"/>
+                <a:cs typeface="Arial" charset="0"/>
                 <a:sym typeface="Cabin"/>
               </a:rPr>
               <a:t>A definite loop using a </a:t>
             </a:r>
             <a:r>
-              <a:rPr lang="en-US" sz="3600" b="0" i="0" u="none" strike="noStrike" cap="none">
+              <a:rPr lang="en-US" sz="3600" u="none" strike="noStrike" cap="none">
                 <a:solidFill>
                   <a:srgbClr val="FFFF00"/>
                 </a:solidFill>
-                <a:latin typeface="Cabin"/>
-                <a:ea typeface="Cabin"/>
-                <a:cs typeface="Cabin"/>
+                <a:latin typeface="Arial" charset="0"/>
+                <a:ea typeface="Arial" charset="0"/>
+                <a:cs typeface="Arial" charset="0"/>
                 <a:sym typeface="Cabin"/>
               </a:rPr>
               <a:t>for</a:t>
             </a:r>
             <a:r>
-              <a:rPr lang="en-US" sz="3600" b="0" i="0" u="none" strike="noStrike" cap="none">
-                <a:solidFill>
-                  <a:schemeClr val="lt1"/>
-                </a:solidFill>
-                <a:latin typeface="Cabin"/>
-                <a:ea typeface="Cabin"/>
-                <a:cs typeface="Cabin"/>
+              <a:rPr lang="en-US" sz="3600" u="none" strike="noStrike" cap="none">
+                <a:solidFill>
+                  <a:schemeClr val="lt1"/>
+                </a:solidFill>
+                <a:latin typeface="Arial" charset="0"/>
+                <a:ea typeface="Arial" charset="0"/>
+                <a:cs typeface="Arial" charset="0"/>
                 <a:sym typeface="Cabin"/>
               </a:rPr>
               <a:t> statement is much more </a:t>
             </a:r>
             <a:r>
-              <a:rPr lang="en-US" sz="3600" b="0" i="0" u="none" strike="noStrike" cap="none">
+              <a:rPr lang="en-US" sz="3600" u="none" strike="noStrike" cap="none">
                 <a:solidFill>
                   <a:srgbClr val="B45F06"/>
                 </a:solidFill>
-                <a:latin typeface="Cabin"/>
-                <a:ea typeface="Cabin"/>
-                <a:cs typeface="Cabin"/>
+                <a:latin typeface="Arial" charset="0"/>
+                <a:ea typeface="Arial" charset="0"/>
+                <a:cs typeface="Arial" charset="0"/>
                 <a:sym typeface="Cabin"/>
               </a:rPr>
               <a:t>elegant</a:t>
@@ -23228,61 +23233,61 @@
               <a:buChar char="•"/>
             </a:pPr>
             <a:r>
-              <a:rPr lang="en-US" sz="3600" b="0" i="0" u="none" strike="noStrike" cap="none">
-                <a:solidFill>
-                  <a:schemeClr val="lt1"/>
-                </a:solidFill>
-                <a:latin typeface="Cabin"/>
-                <a:ea typeface="Cabin"/>
-                <a:cs typeface="Cabin"/>
+              <a:rPr lang="en-US" sz="3600" u="none" strike="noStrike" cap="none">
+                <a:solidFill>
+                  <a:schemeClr val="lt1"/>
+                </a:solidFill>
+                <a:latin typeface="Arial" charset="0"/>
+                <a:ea typeface="Arial" charset="0"/>
+                <a:cs typeface="Arial" charset="0"/>
                 <a:sym typeface="Cabin"/>
               </a:rPr>
               <a:t>The </a:t>
             </a:r>
             <a:r>
-              <a:rPr lang="en-US" sz="3600" b="0" i="0" u="none" strike="noStrike" cap="none">
+              <a:rPr lang="en-US" sz="3600" u="none" strike="noStrike" cap="none">
                 <a:solidFill>
                   <a:srgbClr val="00FF00"/>
                 </a:solidFill>
-                <a:latin typeface="Cabin"/>
-                <a:ea typeface="Cabin"/>
-                <a:cs typeface="Cabin"/>
+                <a:latin typeface="Arial" charset="0"/>
+                <a:ea typeface="Arial" charset="0"/>
+                <a:cs typeface="Arial" charset="0"/>
                 <a:sym typeface="Cabin"/>
               </a:rPr>
               <a:t>iteration variable</a:t>
             </a:r>
             <a:r>
-              <a:rPr lang="en-US" sz="3600" b="0" i="0" u="none" strike="noStrike" cap="none">
-                <a:solidFill>
-                  <a:schemeClr val="lt1"/>
-                </a:solidFill>
-                <a:latin typeface="Cabin"/>
-                <a:ea typeface="Cabin"/>
-                <a:cs typeface="Cabin"/>
+              <a:rPr lang="en-US" sz="3600" u="none" strike="noStrike" cap="none">
+                <a:solidFill>
+                  <a:schemeClr val="lt1"/>
+                </a:solidFill>
+                <a:latin typeface="Arial" charset="0"/>
+                <a:ea typeface="Arial" charset="0"/>
+                <a:cs typeface="Arial" charset="0"/>
                 <a:sym typeface="Cabin"/>
               </a:rPr>
               <a:t> is completely taken care of by the </a:t>
             </a:r>
             <a:r>
-              <a:rPr lang="en-US" sz="3600" b="0" i="0" u="none" strike="noStrike" cap="none">
+              <a:rPr lang="en-US" sz="3600" u="none" strike="noStrike" cap="none">
                 <a:solidFill>
                   <a:srgbClr val="FFFF00"/>
                 </a:solidFill>
-                <a:latin typeface="Cabin"/>
-                <a:ea typeface="Cabin"/>
-                <a:cs typeface="Cabin"/>
+                <a:latin typeface="Arial" charset="0"/>
+                <a:ea typeface="Arial" charset="0"/>
+                <a:cs typeface="Arial" charset="0"/>
                 <a:sym typeface="Cabin"/>
               </a:rPr>
               <a:t>for</a:t>
             </a:r>
             <a:r>
-              <a:rPr lang="en-US" sz="3600" b="0" i="0" u="none" strike="noStrike" cap="none">
-                <a:solidFill>
-                  <a:schemeClr val="lt1"/>
-                </a:solidFill>
-                <a:latin typeface="Cabin"/>
-                <a:ea typeface="Cabin"/>
-                <a:cs typeface="Cabin"/>
+              <a:rPr lang="en-US" sz="3600" u="none" strike="noStrike" cap="none">
+                <a:solidFill>
+                  <a:schemeClr val="lt1"/>
+                </a:solidFill>
+                <a:latin typeface="Arial" charset="0"/>
+                <a:ea typeface="Arial" charset="0"/>
+                <a:cs typeface="Arial" charset="0"/>
                 <a:sym typeface="Cabin"/>
               </a:rPr>
               <a:t> loop</a:t>
@@ -24029,13 +24034,13 @@
               <a:buNone/>
             </a:pPr>
             <a:r>
-              <a:rPr lang="en-US" sz="3600" b="0" i="0" u="none" strike="noStrike" cap="none">
+              <a:rPr lang="en-US" sz="3600" u="none" strike="noStrike" cap="none">
                 <a:solidFill>
                   <a:srgbClr val="FF00FF"/>
                 </a:solidFill>
-                <a:latin typeface="Cabin"/>
-                <a:ea typeface="Cabin"/>
-                <a:cs typeface="Cabin"/>
+                <a:latin typeface="Arial" charset="0"/>
+                <a:ea typeface="Arial" charset="0"/>
+                <a:cs typeface="Arial" charset="0"/>
                 <a:sym typeface="Cabin"/>
               </a:rPr>
               <a:t>b</a:t>
@@ -24060,13 +24065,13 @@
               <a:buNone/>
             </a:pPr>
             <a:r>
-              <a:rPr lang="en-US" sz="3600" b="0" i="0" u="none" strike="noStrike" cap="none">
+              <a:rPr lang="en-US" sz="3600" u="none" strike="noStrike" cap="none">
                 <a:solidFill>
                   <a:srgbClr val="FF00FF"/>
                 </a:solidFill>
-                <a:latin typeface="Cabin"/>
-                <a:ea typeface="Cabin"/>
-                <a:cs typeface="Cabin"/>
+                <a:latin typeface="Arial" charset="0"/>
+                <a:ea typeface="Arial" charset="0"/>
+                <a:cs typeface="Arial" charset="0"/>
                 <a:sym typeface="Cabin"/>
               </a:rPr>
               <a:t>a</a:t>
@@ -24091,13 +24096,13 @@
               <a:buNone/>
             </a:pPr>
             <a:r>
-              <a:rPr lang="en-US" sz="3600" b="0" i="0" u="none" strike="noStrike" cap="none">
+              <a:rPr lang="en-US" sz="3600" u="none" strike="noStrike" cap="none">
                 <a:solidFill>
                   <a:srgbClr val="FF00FF"/>
                 </a:solidFill>
-                <a:latin typeface="Cabin"/>
-                <a:ea typeface="Cabin"/>
-                <a:cs typeface="Cabin"/>
+                <a:latin typeface="Arial" charset="0"/>
+                <a:ea typeface="Arial" charset="0"/>
+                <a:cs typeface="Arial" charset="0"/>
                 <a:sym typeface="Cabin"/>
               </a:rPr>
               <a:t>n</a:t>
@@ -24122,13 +24127,13 @@
               <a:buNone/>
             </a:pPr>
             <a:r>
-              <a:rPr lang="en-US" sz="3600" b="0" i="0" u="none" strike="noStrike" cap="none">
+              <a:rPr lang="en-US" sz="3600" u="none" strike="noStrike" cap="none">
                 <a:solidFill>
                   <a:srgbClr val="FF00FF"/>
                 </a:solidFill>
-                <a:latin typeface="Cabin"/>
-                <a:ea typeface="Cabin"/>
-                <a:cs typeface="Cabin"/>
+                <a:latin typeface="Arial" charset="0"/>
+                <a:ea typeface="Arial" charset="0"/>
+                <a:cs typeface="Arial" charset="0"/>
                 <a:sym typeface="Cabin"/>
               </a:rPr>
               <a:t>a</a:t>
@@ -24153,13 +24158,13 @@
               <a:buNone/>
             </a:pPr>
             <a:r>
-              <a:rPr lang="en-US" sz="3600" b="0" i="0" u="none" strike="noStrike" cap="none">
+              <a:rPr lang="en-US" sz="3600" u="none" strike="noStrike" cap="none">
                 <a:solidFill>
                   <a:srgbClr val="FF00FF"/>
                 </a:solidFill>
-                <a:latin typeface="Cabin"/>
-                <a:ea typeface="Cabin"/>
-                <a:cs typeface="Cabin"/>
+                <a:latin typeface="Arial" charset="0"/>
+                <a:ea typeface="Arial" charset="0"/>
+                <a:cs typeface="Arial" charset="0"/>
                 <a:sym typeface="Cabin"/>
               </a:rPr>
               <a:t>n</a:t>
@@ -24184,13 +24189,13 @@
               <a:buNone/>
             </a:pPr>
             <a:r>
-              <a:rPr lang="en-US" sz="3600" b="0" i="0" u="none" strike="noStrike" cap="none">
+              <a:rPr lang="en-US" sz="3600" u="none" strike="noStrike" cap="none">
                 <a:solidFill>
                   <a:srgbClr val="FF00FF"/>
                 </a:solidFill>
-                <a:latin typeface="Cabin"/>
-                <a:ea typeface="Cabin"/>
-                <a:cs typeface="Cabin"/>
+                <a:latin typeface="Arial" charset="0"/>
+                <a:ea typeface="Arial" charset="0"/>
+                <a:cs typeface="Arial" charset="0"/>
                 <a:sym typeface="Cabin"/>
               </a:rPr>
               <a:t>a</a:t>
@@ -24270,13 +24275,13 @@
               <a:buNone/>
             </a:pPr>
             <a:r>
-              <a:rPr lang="en-US" sz="7600" b="0" i="0" u="none" strike="noStrike" cap="none">
+              <a:rPr lang="en-US" sz="7600" u="none" strike="noStrike" cap="none">
                 <a:solidFill>
                   <a:srgbClr val="FFFF00"/>
                 </a:solidFill>
-                <a:latin typeface="Cabin"/>
-                <a:ea typeface="Cabin"/>
-                <a:cs typeface="Cabin"/>
+                <a:latin typeface="Arial" charset="0"/>
+                <a:ea typeface="Arial" charset="0"/>
+                <a:cs typeface="Arial" charset="0"/>
                 <a:sym typeface="Cabin"/>
               </a:rPr>
               <a:t>Looping and Counting</a:t>
@@ -24331,13 +24336,13 @@
               <a:buChar char="•"/>
             </a:pPr>
             <a:r>
-              <a:rPr lang="en-US" sz="3600" b="0" i="0" u="none" strike="noStrike" cap="none">
-                <a:solidFill>
-                  <a:schemeClr val="lt1"/>
-                </a:solidFill>
-                <a:latin typeface="Cabin"/>
-                <a:ea typeface="Cabin"/>
-                <a:cs typeface="Cabin"/>
+              <a:rPr lang="en-US" sz="3600" u="none" strike="noStrike" cap="none">
+                <a:solidFill>
+                  <a:schemeClr val="lt1"/>
+                </a:solidFill>
+                <a:latin typeface="Arial" charset="0"/>
+                <a:ea typeface="Arial" charset="0"/>
+                <a:cs typeface="Arial" charset="0"/>
                 <a:sym typeface="Cabin"/>
               </a:rPr>
               <a:t>This is a simple loop that loops through each letter in a string and counts the number of times the loop encounters the 'a' character</a:t>
@@ -24917,25 +24922,25 @@
               <a:buNone/>
             </a:pPr>
             <a:r>
-              <a:rPr lang="en-US" sz="7600" b="0" i="0" u="none" strike="noStrike" cap="none">
-                <a:solidFill>
-                  <a:schemeClr val="lt1"/>
-                </a:solidFill>
-                <a:latin typeface="Cabin"/>
-                <a:ea typeface="Cabin"/>
-                <a:cs typeface="Cabin"/>
+              <a:rPr lang="en-US" sz="7600" u="none" strike="noStrike" cap="none">
+                <a:solidFill>
+                  <a:schemeClr val="lt1"/>
+                </a:solidFill>
+                <a:latin typeface="Arial" charset="0"/>
+                <a:ea typeface="Arial" charset="0"/>
+                <a:cs typeface="Arial" charset="0"/>
                 <a:sym typeface="Cabin"/>
               </a:rPr>
               <a:t>Looking deeper into </a:t>
             </a:r>
             <a:r>
-              <a:rPr lang="en-US" sz="7600" b="0" i="0" u="none" strike="noStrike" cap="none">
+              <a:rPr lang="en-US" sz="7600" u="none" strike="noStrike" cap="none">
                 <a:solidFill>
                   <a:srgbClr val="FFFF00"/>
                 </a:solidFill>
-                <a:latin typeface="Cabin"/>
-                <a:ea typeface="Cabin"/>
-                <a:cs typeface="Cabin"/>
+                <a:latin typeface="Arial" charset="0"/>
+                <a:ea typeface="Arial" charset="0"/>
+                <a:cs typeface="Arial" charset="0"/>
                 <a:sym typeface="Cabin"/>
               </a:rPr>
               <a:t>in</a:t>
@@ -24990,25 +24995,25 @@
               <a:buChar char="•"/>
             </a:pPr>
             <a:r>
-              <a:rPr lang="en-US" sz="3400" b="0" i="0" u="none" strike="noStrike" cap="none">
-                <a:solidFill>
-                  <a:schemeClr val="lt1"/>
-                </a:solidFill>
-                <a:latin typeface="Cabin"/>
-                <a:ea typeface="Cabin"/>
-                <a:cs typeface="Cabin"/>
+              <a:rPr lang="en-US" sz="3400" u="none" strike="noStrike" cap="none">
+                <a:solidFill>
+                  <a:schemeClr val="lt1"/>
+                </a:solidFill>
+                <a:latin typeface="Arial" charset="0"/>
+                <a:ea typeface="Arial" charset="0"/>
+                <a:cs typeface="Arial" charset="0"/>
                 <a:sym typeface="Cabin"/>
               </a:rPr>
               <a:t>The </a:t>
             </a:r>
             <a:r>
-              <a:rPr lang="en-US" sz="3400" b="0" i="0" u="none" strike="noStrike" cap="none">
+              <a:rPr lang="en-US" sz="3400" u="none" strike="noStrike" cap="none">
                 <a:solidFill>
                   <a:srgbClr val="00FF00"/>
                 </a:solidFill>
-                <a:latin typeface="Cabin"/>
-                <a:ea typeface="Cabin"/>
-                <a:cs typeface="Cabin"/>
+                <a:latin typeface="Arial" charset="0"/>
+                <a:ea typeface="Arial" charset="0"/>
+                <a:cs typeface="Arial" charset="0"/>
                 <a:sym typeface="Cabin"/>
               </a:rPr>
               <a:t>iteration variable </a:t>
@@ -25026,13 +25031,13 @@
               <a:t>“</a:t>
             </a:r>
             <a:r>
-              <a:rPr lang="en-US" sz="3400" b="0" i="0" u="none" strike="noStrike" cap="none">
-                <a:solidFill>
-                  <a:schemeClr val="lt1"/>
-                </a:solidFill>
-                <a:latin typeface="Cabin"/>
-                <a:ea typeface="Cabin"/>
-                <a:cs typeface="Cabin"/>
+              <a:rPr lang="en-US" sz="3400" u="none" strike="noStrike" cap="none">
+                <a:solidFill>
+                  <a:schemeClr val="lt1"/>
+                </a:solidFill>
+                <a:latin typeface="Arial" charset="0"/>
+                <a:ea typeface="Arial" charset="0"/>
+                <a:cs typeface="Arial" charset="0"/>
                 <a:sym typeface="Cabin"/>
               </a:rPr>
               <a:t>iterates</a:t>
@@ -25050,37 +25055,37 @@
               <a:t>”</a:t>
             </a:r>
             <a:r>
-              <a:rPr lang="en-US" sz="3400" b="0" i="0" u="none" strike="noStrike" cap="none">
-                <a:solidFill>
-                  <a:schemeClr val="lt1"/>
-                </a:solidFill>
-                <a:latin typeface="Cabin"/>
-                <a:ea typeface="Cabin"/>
-                <a:cs typeface="Cabin"/>
+              <a:rPr lang="en-US" sz="3400" u="none" strike="noStrike" cap="none">
+                <a:solidFill>
+                  <a:schemeClr val="lt1"/>
+                </a:solidFill>
+                <a:latin typeface="Arial" charset="0"/>
+                <a:ea typeface="Arial" charset="0"/>
+                <a:cs typeface="Arial" charset="0"/>
                 <a:sym typeface="Cabin"/>
               </a:rPr>
               <a:t> through the </a:t>
             </a:r>
             <a:r>
-              <a:rPr lang="en-US" sz="3400" b="0" i="0" u="none" strike="noStrike" cap="none">
+              <a:rPr lang="en-US" sz="3400" u="none" strike="noStrike" cap="none">
                 <a:solidFill>
                   <a:srgbClr val="FF7F00"/>
                 </a:solidFill>
-                <a:latin typeface="Cabin"/>
-                <a:ea typeface="Cabin"/>
-                <a:cs typeface="Cabin"/>
+                <a:latin typeface="Arial" charset="0"/>
+                <a:ea typeface="Arial" charset="0"/>
+                <a:cs typeface="Arial" charset="0"/>
                 <a:sym typeface="Cabin"/>
               </a:rPr>
               <a:t>sequence </a:t>
             </a:r>
             <a:r>
-              <a:rPr lang="en-US" sz="3400" b="0" i="0" u="none" strike="noStrike" cap="none">
-                <a:solidFill>
-                  <a:schemeClr val="lt1"/>
-                </a:solidFill>
-                <a:latin typeface="Cabin"/>
-                <a:ea typeface="Cabin"/>
-                <a:cs typeface="Cabin"/>
+              <a:rPr lang="en-US" sz="3400" u="none" strike="noStrike" cap="none">
+                <a:solidFill>
+                  <a:schemeClr val="lt1"/>
+                </a:solidFill>
+                <a:latin typeface="Arial" charset="0"/>
+                <a:ea typeface="Arial" charset="0"/>
+                <a:cs typeface="Arial" charset="0"/>
                 <a:sym typeface="Cabin"/>
               </a:rPr>
               <a:t>(ordered set)</a:t>
@@ -25105,73 +25110,73 @@
               <a:buChar char="•"/>
             </a:pPr>
             <a:r>
-              <a:rPr lang="en-US" sz="3400" b="0" i="0" u="none" strike="noStrike" cap="none">
-                <a:solidFill>
-                  <a:schemeClr val="lt1"/>
-                </a:solidFill>
-                <a:latin typeface="Cabin"/>
-                <a:ea typeface="Cabin"/>
-                <a:cs typeface="Cabin"/>
+              <a:rPr lang="en-US" sz="3400" u="none" strike="noStrike" cap="none">
+                <a:solidFill>
+                  <a:schemeClr val="lt1"/>
+                </a:solidFill>
+                <a:latin typeface="Arial" charset="0"/>
+                <a:ea typeface="Arial" charset="0"/>
+                <a:cs typeface="Arial" charset="0"/>
                 <a:sym typeface="Cabin"/>
               </a:rPr>
               <a:t>The </a:t>
             </a:r>
             <a:r>
-              <a:rPr lang="en-US" sz="3400" b="0" i="0" u="none" strike="noStrike" cap="none">
+              <a:rPr lang="en-US" sz="3400" u="none" strike="noStrike" cap="none">
                 <a:solidFill>
                   <a:srgbClr val="FF00FF"/>
                 </a:solidFill>
-                <a:latin typeface="Cabin"/>
-                <a:ea typeface="Cabin"/>
-                <a:cs typeface="Cabin"/>
+                <a:latin typeface="Arial" charset="0"/>
+                <a:ea typeface="Arial" charset="0"/>
+                <a:cs typeface="Arial" charset="0"/>
                 <a:sym typeface="Cabin"/>
               </a:rPr>
               <a:t>block (body)</a:t>
             </a:r>
             <a:r>
-              <a:rPr lang="en-US" sz="3400" b="0" i="0" u="none" strike="noStrike" cap="none">
-                <a:solidFill>
-                  <a:schemeClr val="lt1"/>
-                </a:solidFill>
-                <a:latin typeface="Cabin"/>
-                <a:ea typeface="Cabin"/>
-                <a:cs typeface="Cabin"/>
+              <a:rPr lang="en-US" sz="3400" u="none" strike="noStrike" cap="none">
+                <a:solidFill>
+                  <a:schemeClr val="lt1"/>
+                </a:solidFill>
+                <a:latin typeface="Arial" charset="0"/>
+                <a:ea typeface="Arial" charset="0"/>
+                <a:cs typeface="Arial" charset="0"/>
                 <a:sym typeface="Cabin"/>
               </a:rPr>
               <a:t> of code is executed once for each value </a:t>
             </a:r>
             <a:r>
-              <a:rPr lang="en-US" sz="3400" b="0" i="0" u="none" strike="noStrike" cap="none">
+              <a:rPr lang="en-US" sz="3400" u="none" strike="noStrike" cap="none">
                 <a:solidFill>
                   <a:srgbClr val="FFFF00"/>
                 </a:solidFill>
-                <a:latin typeface="Cabin"/>
-                <a:ea typeface="Cabin"/>
-                <a:cs typeface="Cabin"/>
+                <a:latin typeface="Arial" charset="0"/>
+                <a:ea typeface="Arial" charset="0"/>
+                <a:cs typeface="Arial" charset="0"/>
                 <a:sym typeface="Cabin"/>
               </a:rPr>
               <a:t>in</a:t>
             </a:r>
             <a:r>
-              <a:rPr lang="en-US" sz="3400" b="0" i="0" u="none" strike="noStrike" cap="none">
-                <a:solidFill>
-                  <a:schemeClr val="lt1"/>
-                </a:solidFill>
-                <a:latin typeface="Cabin"/>
-                <a:ea typeface="Cabin"/>
-                <a:cs typeface="Cabin"/>
+              <a:rPr lang="en-US" sz="3400" u="none" strike="noStrike" cap="none">
+                <a:solidFill>
+                  <a:schemeClr val="lt1"/>
+                </a:solidFill>
+                <a:latin typeface="Arial" charset="0"/>
+                <a:ea typeface="Arial" charset="0"/>
+                <a:cs typeface="Arial" charset="0"/>
                 <a:sym typeface="Cabin"/>
               </a:rPr>
               <a:t> the </a:t>
             </a:r>
             <a:r>
-              <a:rPr lang="en-US" sz="3400" b="0" i="0" u="none" strike="noStrike" cap="none">
+              <a:rPr lang="en-US" sz="3400" u="none" strike="noStrike" cap="none">
                 <a:solidFill>
                   <a:srgbClr val="FF7F00"/>
                 </a:solidFill>
-                <a:latin typeface="Cabin"/>
-                <a:ea typeface="Cabin"/>
-                <a:cs typeface="Cabin"/>
+                <a:latin typeface="Arial" charset="0"/>
+                <a:ea typeface="Arial" charset="0"/>
+                <a:cs typeface="Arial" charset="0"/>
                 <a:sym typeface="Cabin"/>
               </a:rPr>
               <a:t>sequence</a:t>
@@ -25196,73 +25201,73 @@
               <a:buChar char="•"/>
             </a:pPr>
             <a:r>
-              <a:rPr lang="en-US" sz="3400" b="0" i="0" u="none" strike="noStrike" cap="none">
-                <a:solidFill>
-                  <a:schemeClr val="lt1"/>
-                </a:solidFill>
-                <a:latin typeface="Cabin"/>
-                <a:ea typeface="Cabin"/>
-                <a:cs typeface="Cabin"/>
+              <a:rPr lang="en-US" sz="3400" u="none" strike="noStrike" cap="none">
+                <a:solidFill>
+                  <a:schemeClr val="lt1"/>
+                </a:solidFill>
+                <a:latin typeface="Arial" charset="0"/>
+                <a:ea typeface="Arial" charset="0"/>
+                <a:cs typeface="Arial" charset="0"/>
                 <a:sym typeface="Cabin"/>
               </a:rPr>
               <a:t>The </a:t>
             </a:r>
             <a:r>
-              <a:rPr lang="en-US" sz="3400" b="0" i="0" u="none" strike="noStrike" cap="none">
+              <a:rPr lang="en-US" sz="3400" u="none" strike="noStrike" cap="none">
                 <a:solidFill>
                   <a:srgbClr val="00FF00"/>
                 </a:solidFill>
-                <a:latin typeface="Cabin"/>
-                <a:ea typeface="Cabin"/>
-                <a:cs typeface="Cabin"/>
+                <a:latin typeface="Arial" charset="0"/>
+                <a:ea typeface="Arial" charset="0"/>
+                <a:cs typeface="Arial" charset="0"/>
                 <a:sym typeface="Cabin"/>
               </a:rPr>
               <a:t>iteration variable </a:t>
             </a:r>
             <a:r>
-              <a:rPr lang="en-US" sz="3400" b="0" i="0" u="none" strike="noStrike" cap="none">
-                <a:solidFill>
-                  <a:schemeClr val="lt1"/>
-                </a:solidFill>
-                <a:latin typeface="Cabin"/>
-                <a:ea typeface="Cabin"/>
-                <a:cs typeface="Cabin"/>
+              <a:rPr lang="en-US" sz="3400" u="none" strike="noStrike" cap="none">
+                <a:solidFill>
+                  <a:schemeClr val="lt1"/>
+                </a:solidFill>
+                <a:latin typeface="Arial" charset="0"/>
+                <a:ea typeface="Arial" charset="0"/>
+                <a:cs typeface="Arial" charset="0"/>
                 <a:sym typeface="Cabin"/>
               </a:rPr>
               <a:t>moves through all of the values </a:t>
             </a:r>
             <a:r>
-              <a:rPr lang="en-US" sz="3400" b="0" i="0" u="none" strike="noStrike" cap="none">
+              <a:rPr lang="en-US" sz="3400" u="none" strike="noStrike" cap="none">
                 <a:solidFill>
                   <a:srgbClr val="FFFF00"/>
                 </a:solidFill>
-                <a:latin typeface="Cabin"/>
-                <a:ea typeface="Cabin"/>
-                <a:cs typeface="Cabin"/>
+                <a:latin typeface="Arial" charset="0"/>
+                <a:ea typeface="Arial" charset="0"/>
+                <a:cs typeface="Arial" charset="0"/>
                 <a:sym typeface="Cabin"/>
               </a:rPr>
               <a:t>in</a:t>
             </a:r>
             <a:r>
-              <a:rPr lang="en-US" sz="3400" b="0" i="0" u="none" strike="noStrike" cap="none">
-                <a:solidFill>
-                  <a:schemeClr val="lt1"/>
-                </a:solidFill>
-                <a:latin typeface="Cabin"/>
-                <a:ea typeface="Cabin"/>
-                <a:cs typeface="Cabin"/>
+              <a:rPr lang="en-US" sz="3400" u="none" strike="noStrike" cap="none">
+                <a:solidFill>
+                  <a:schemeClr val="lt1"/>
+                </a:solidFill>
+                <a:latin typeface="Arial" charset="0"/>
+                <a:ea typeface="Arial" charset="0"/>
+                <a:cs typeface="Arial" charset="0"/>
                 <a:sym typeface="Cabin"/>
               </a:rPr>
               <a:t> the </a:t>
             </a:r>
             <a:r>
-              <a:rPr lang="en-US" sz="3400" b="0" i="0" u="none" strike="noStrike" cap="none">
+              <a:rPr lang="en-US" sz="3400" u="none" strike="noStrike" cap="none">
                 <a:solidFill>
                   <a:srgbClr val="FF7F00"/>
                 </a:solidFill>
-                <a:latin typeface="Cabin"/>
-                <a:ea typeface="Cabin"/>
-                <a:cs typeface="Cabin"/>
+                <a:latin typeface="Arial" charset="0"/>
+                <a:ea typeface="Arial" charset="0"/>
+                <a:cs typeface="Arial" charset="0"/>
                 <a:sym typeface="Cabin"/>
               </a:rPr>
               <a:t>sequence</a:t>
@@ -25523,13 +25528,13 @@
                 <a:buNone/>
               </a:pPr>
               <a:r>
-                <a:rPr lang="en-US" sz="3600" b="0" i="0" u="none" strike="noStrike" cap="none">
+                <a:rPr lang="en-US" sz="3600" u="none" strike="noStrike" cap="none">
                   <a:solidFill>
                     <a:srgbClr val="00FF00"/>
                   </a:solidFill>
-                  <a:latin typeface="Cabin"/>
-                  <a:ea typeface="Cabin"/>
-                  <a:cs typeface="Cabin"/>
+                  <a:latin typeface="Arial" charset="0"/>
+                  <a:ea typeface="Arial" charset="0"/>
+                  <a:cs typeface="Arial" charset="0"/>
                   <a:sym typeface="Cabin"/>
                 </a:rPr>
                 <a:t>Iteration variable</a:t>
@@ -25580,13 +25585,13 @@
                 <a:buNone/>
               </a:pPr>
               <a:r>
-                <a:rPr lang="en-US" sz="3600" b="0" i="0" u="none" strike="noStrike" cap="none">
+                <a:rPr lang="en-US" sz="3600" u="none" strike="noStrike" cap="none">
                   <a:solidFill>
                     <a:srgbClr val="FF7F00"/>
                   </a:solidFill>
-                  <a:latin typeface="Cabin"/>
-                  <a:ea typeface="Cabin"/>
-                  <a:cs typeface="Cabin"/>
+                  <a:latin typeface="Arial" charset="0"/>
+                  <a:ea typeface="Arial" charset="0"/>
+                  <a:cs typeface="Arial" charset="0"/>
                   <a:sym typeface="Cabin"/>
                 </a:rPr>
                 <a:t>Six-character string</a:t>
@@ -25747,13 +25752,13 @@
               <a:buNone/>
             </a:pPr>
             <a:r>
-              <a:rPr lang="en-US" sz="3400" b="0" i="0" u="none" strike="noStrike" cap="none">
+              <a:rPr lang="en-US" sz="3400" u="none" strike="noStrike" cap="none">
                 <a:solidFill>
                   <a:srgbClr val="FFFFFF"/>
                 </a:solidFill>
-                <a:latin typeface="Cabin"/>
-                <a:ea typeface="Cabin"/>
-                <a:cs typeface="Cabin"/>
+                <a:latin typeface="Arial" charset="0"/>
+                <a:ea typeface="Arial" charset="0"/>
+                <a:cs typeface="Arial" charset="0"/>
                 <a:sym typeface="Cabin"/>
               </a:rPr>
               <a:t>Done?</a:t>
@@ -26014,13 +26019,13 @@
               <a:buNone/>
             </a:pPr>
             <a:r>
-              <a:rPr lang="en-US" sz="3600" b="0" i="0" u="none" strike="noStrike" cap="none">
-                <a:solidFill>
-                  <a:schemeClr val="lt1"/>
-                </a:solidFill>
-                <a:latin typeface="Cabin"/>
-                <a:ea typeface="Cabin"/>
-                <a:cs typeface="Cabin"/>
+              <a:rPr lang="en-US" sz="3600" u="none" strike="noStrike" cap="none">
+                <a:solidFill>
+                  <a:schemeClr val="lt1"/>
+                </a:solidFill>
+                <a:latin typeface="Arial" charset="0"/>
+                <a:ea typeface="Arial" charset="0"/>
+                <a:cs typeface="Arial" charset="0"/>
                 <a:sym typeface="Cabin"/>
               </a:rPr>
               <a:t>Yes</a:t>
@@ -26077,25 +26082,25 @@
               <a:buNone/>
             </a:pPr>
             <a:r>
-              <a:rPr lang="en-US" sz="3500" b="0" i="0" u="none" strike="noStrike" cap="none">
-                <a:solidFill>
-                  <a:schemeClr val="lt1"/>
-                </a:solidFill>
-                <a:latin typeface="Cabin"/>
-                <a:ea typeface="Cabin"/>
-                <a:cs typeface="Cabin"/>
+              <a:rPr lang="en-US" sz="3500" u="none" strike="noStrike" cap="none">
+                <a:solidFill>
+                  <a:schemeClr val="lt1"/>
+                </a:solidFill>
+                <a:latin typeface="Arial" charset="0"/>
+                <a:ea typeface="Arial" charset="0"/>
+                <a:cs typeface="Arial" charset="0"/>
                 <a:sym typeface="Cabin"/>
               </a:rPr>
               <a:t>print </a:t>
             </a:r>
             <a:r>
-              <a:rPr lang="en-US" sz="3500" b="0" i="0" u="none" strike="noStrike" cap="none">
+              <a:rPr lang="en-US" sz="3500" u="none" strike="noStrike" cap="none">
                 <a:solidFill>
                   <a:srgbClr val="00FF00"/>
                 </a:solidFill>
-                <a:latin typeface="Cabin"/>
-                <a:ea typeface="Cabin"/>
-                <a:cs typeface="Cabin"/>
+                <a:latin typeface="Arial" charset="0"/>
+                <a:ea typeface="Arial" charset="0"/>
+                <a:cs typeface="Arial" charset="0"/>
                 <a:sym typeface="Cabin"/>
               </a:rPr>
               <a:t>letter</a:t>
@@ -26152,25 +26157,25 @@
               <a:buNone/>
             </a:pPr>
             <a:r>
-              <a:rPr lang="en-US" sz="3500" b="0" i="0" u="none" strike="noStrike" cap="none">
+              <a:rPr lang="en-US" sz="3500" u="none" strike="noStrike" cap="none">
                 <a:solidFill>
                   <a:srgbClr val="FFFFFF"/>
                 </a:solidFill>
-                <a:latin typeface="Cabin"/>
-                <a:ea typeface="Cabin"/>
-                <a:cs typeface="Cabin"/>
+                <a:latin typeface="Arial" charset="0"/>
+                <a:ea typeface="Arial" charset="0"/>
+                <a:cs typeface="Arial" charset="0"/>
                 <a:sym typeface="Cabin"/>
               </a:rPr>
               <a:t>Advance </a:t>
             </a:r>
             <a:r>
-              <a:rPr lang="en-US" sz="3500" b="0" i="0" u="none" strike="noStrike" cap="none">
+              <a:rPr lang="en-US" sz="3500" u="none" strike="noStrike" cap="none">
                 <a:solidFill>
                   <a:srgbClr val="00FF00"/>
                 </a:solidFill>
-                <a:latin typeface="Cabin"/>
-                <a:ea typeface="Cabin"/>
-                <a:cs typeface="Cabin"/>
+                <a:latin typeface="Arial" charset="0"/>
+                <a:ea typeface="Arial" charset="0"/>
+                <a:cs typeface="Arial" charset="0"/>
                 <a:sym typeface="Cabin"/>
               </a:rPr>
               <a:t>letter</a:t>
@@ -26411,13 +26416,13 @@
               <a:buNone/>
             </a:pPr>
             <a:r>
-              <a:rPr lang="en-US" sz="4000" b="0" i="0" u="none" strike="noStrike" cap="none">
-                <a:solidFill>
-                  <a:schemeClr val="lt1"/>
-                </a:solidFill>
-                <a:latin typeface="Cabin"/>
-                <a:ea typeface="Cabin"/>
-                <a:cs typeface="Cabin"/>
+              <a:rPr lang="en-US" sz="4000" u="none" strike="noStrike" cap="none">
+                <a:solidFill>
+                  <a:schemeClr val="lt1"/>
+                </a:solidFill>
+                <a:latin typeface="Arial" charset="0"/>
+                <a:ea typeface="Arial" charset="0"/>
+                <a:cs typeface="Arial" charset="0"/>
                 <a:sym typeface="Cabin"/>
               </a:rPr>
               <a:t>b</a:t>
@@ -26474,13 +26479,13 @@
               <a:buNone/>
             </a:pPr>
             <a:r>
-              <a:rPr lang="en-US" sz="4000" b="0" i="0" u="none" strike="noStrike" cap="none">
-                <a:solidFill>
-                  <a:schemeClr val="lt1"/>
-                </a:solidFill>
-                <a:latin typeface="Cabin"/>
-                <a:ea typeface="Cabin"/>
-                <a:cs typeface="Cabin"/>
+              <a:rPr lang="en-US" sz="4000" u="none" strike="noStrike" cap="none">
+                <a:solidFill>
+                  <a:schemeClr val="lt1"/>
+                </a:solidFill>
+                <a:latin typeface="Arial" charset="0"/>
+                <a:ea typeface="Arial" charset="0"/>
+                <a:cs typeface="Arial" charset="0"/>
                 <a:sym typeface="Cabin"/>
               </a:rPr>
               <a:t>a</a:t>
@@ -26537,13 +26542,13 @@
               <a:buNone/>
             </a:pPr>
             <a:r>
-              <a:rPr lang="en-US" sz="4000" b="0" i="0" u="none" strike="noStrike" cap="none">
-                <a:solidFill>
-                  <a:schemeClr val="lt1"/>
-                </a:solidFill>
-                <a:latin typeface="Cabin"/>
-                <a:ea typeface="Cabin"/>
-                <a:cs typeface="Cabin"/>
+              <a:rPr lang="en-US" sz="4000" u="none" strike="noStrike" cap="none">
+                <a:solidFill>
+                  <a:schemeClr val="lt1"/>
+                </a:solidFill>
+                <a:latin typeface="Arial" charset="0"/>
+                <a:ea typeface="Arial" charset="0"/>
+                <a:cs typeface="Arial" charset="0"/>
                 <a:sym typeface="Cabin"/>
               </a:rPr>
               <a:t>n</a:t>
@@ -26600,13 +26605,13 @@
               <a:buNone/>
             </a:pPr>
             <a:r>
-              <a:rPr lang="en-US" sz="4000" b="0" i="0" u="none" strike="noStrike" cap="none">
-                <a:solidFill>
-                  <a:schemeClr val="lt1"/>
-                </a:solidFill>
-                <a:latin typeface="Cabin"/>
-                <a:ea typeface="Cabin"/>
-                <a:cs typeface="Cabin"/>
+              <a:rPr lang="en-US" sz="4000" u="none" strike="noStrike" cap="none">
+                <a:solidFill>
+                  <a:schemeClr val="lt1"/>
+                </a:solidFill>
+                <a:latin typeface="Arial" charset="0"/>
+                <a:ea typeface="Arial" charset="0"/>
+                <a:cs typeface="Arial" charset="0"/>
                 <a:sym typeface="Cabin"/>
               </a:rPr>
               <a:t>a</a:t>
@@ -26663,13 +26668,13 @@
               <a:buNone/>
             </a:pPr>
             <a:r>
-              <a:rPr lang="en-US" sz="4000" b="0" i="0" u="none" strike="noStrike" cap="none">
-                <a:solidFill>
-                  <a:schemeClr val="lt1"/>
-                </a:solidFill>
-                <a:latin typeface="Cabin"/>
-                <a:ea typeface="Cabin"/>
-                <a:cs typeface="Cabin"/>
+              <a:rPr lang="en-US" sz="4000" u="none" strike="noStrike" cap="none">
+                <a:solidFill>
+                  <a:schemeClr val="lt1"/>
+                </a:solidFill>
+                <a:latin typeface="Arial" charset="0"/>
+                <a:ea typeface="Arial" charset="0"/>
+                <a:cs typeface="Arial" charset="0"/>
                 <a:sym typeface="Cabin"/>
               </a:rPr>
               <a:t>n</a:t>
@@ -26726,13 +26731,13 @@
               <a:buNone/>
             </a:pPr>
             <a:r>
-              <a:rPr lang="en-US" sz="4000" b="0" i="0" u="none" strike="noStrike" cap="none">
-                <a:solidFill>
-                  <a:schemeClr val="lt1"/>
-                </a:solidFill>
-                <a:latin typeface="Cabin"/>
-                <a:ea typeface="Cabin"/>
-                <a:cs typeface="Cabin"/>
+              <a:rPr lang="en-US" sz="4000" u="none" strike="noStrike" cap="none">
+                <a:solidFill>
+                  <a:schemeClr val="lt1"/>
+                </a:solidFill>
+                <a:latin typeface="Arial" charset="0"/>
+                <a:ea typeface="Arial" charset="0"/>
+                <a:cs typeface="Arial" charset="0"/>
                 <a:sym typeface="Cabin"/>
               </a:rPr>
               <a:t>a</a:t>
@@ -26783,25 +26788,25 @@
               <a:buNone/>
             </a:pPr>
             <a:r>
-              <a:rPr lang="en-US" sz="3600" b="0" i="0" u="none" strike="noStrike" cap="none">
-                <a:solidFill>
-                  <a:schemeClr val="lt1"/>
-                </a:solidFill>
-                <a:latin typeface="Cabin"/>
-                <a:ea typeface="Cabin"/>
-                <a:cs typeface="Cabin"/>
+              <a:rPr lang="en-US" sz="3600" u="none" strike="noStrike" cap="none">
+                <a:solidFill>
+                  <a:schemeClr val="lt1"/>
+                </a:solidFill>
+                <a:latin typeface="Arial" charset="0"/>
+                <a:ea typeface="Arial" charset="0"/>
+                <a:cs typeface="Arial" charset="0"/>
                 <a:sym typeface="Cabin"/>
               </a:rPr>
               <a:t>The</a:t>
             </a:r>
             <a:r>
-              <a:rPr lang="en-US" sz="3600" b="0" i="0" u="none" strike="noStrike" cap="none">
+              <a:rPr lang="en-US" sz="3600" u="none" strike="noStrike" cap="none">
                 <a:solidFill>
                   <a:srgbClr val="00FF00"/>
                 </a:solidFill>
-                <a:latin typeface="Cabin"/>
-                <a:ea typeface="Cabin"/>
-                <a:cs typeface="Cabin"/>
+                <a:latin typeface="Arial" charset="0"/>
+                <a:ea typeface="Arial" charset="0"/>
+                <a:cs typeface="Arial" charset="0"/>
                 <a:sym typeface="Cabin"/>
               </a:rPr>
               <a:t> iteration variable </a:t>
@@ -26819,13 +26824,13 @@
               <a:t>“</a:t>
             </a:r>
             <a:r>
-              <a:rPr lang="en-US" sz="3600" b="0" i="0" u="none" strike="noStrike" cap="none">
-                <a:solidFill>
-                  <a:schemeClr val="lt1"/>
-                </a:solidFill>
-                <a:latin typeface="Cabin"/>
-                <a:ea typeface="Cabin"/>
-                <a:cs typeface="Cabin"/>
+              <a:rPr lang="en-US" sz="3600" u="none" strike="noStrike" cap="none">
+                <a:solidFill>
+                  <a:schemeClr val="lt1"/>
+                </a:solidFill>
+                <a:latin typeface="Arial" charset="0"/>
+                <a:ea typeface="Arial" charset="0"/>
+                <a:cs typeface="Arial" charset="0"/>
                 <a:sym typeface="Cabin"/>
               </a:rPr>
               <a:t>iterates</a:t>
@@ -26843,97 +26848,97 @@
               <a:t>”</a:t>
             </a:r>
             <a:r>
-              <a:rPr lang="en-US" sz="3600" b="0" i="0" u="none" strike="noStrike" cap="none">
-                <a:solidFill>
-                  <a:schemeClr val="lt1"/>
-                </a:solidFill>
-                <a:latin typeface="Cabin"/>
-                <a:ea typeface="Cabin"/>
-                <a:cs typeface="Cabin"/>
+              <a:rPr lang="en-US" sz="3600" u="none" strike="noStrike" cap="none">
+                <a:solidFill>
+                  <a:schemeClr val="lt1"/>
+                </a:solidFill>
+                <a:latin typeface="Arial" charset="0"/>
+                <a:ea typeface="Arial" charset="0"/>
+                <a:cs typeface="Arial" charset="0"/>
                 <a:sym typeface="Cabin"/>
               </a:rPr>
               <a:t> through the </a:t>
             </a:r>
             <a:r>
-              <a:rPr lang="en-US" sz="3600" b="0" i="0" u="none" strike="noStrike" cap="none">
+              <a:rPr lang="en-US" sz="3600" u="none" strike="noStrike" cap="none">
                 <a:solidFill>
                   <a:srgbClr val="FF7F00"/>
                 </a:solidFill>
-                <a:latin typeface="Cabin"/>
-                <a:ea typeface="Cabin"/>
-                <a:cs typeface="Cabin"/>
+                <a:latin typeface="Arial" charset="0"/>
+                <a:ea typeface="Arial" charset="0"/>
+                <a:cs typeface="Arial" charset="0"/>
                 <a:sym typeface="Cabin"/>
               </a:rPr>
               <a:t>string </a:t>
             </a:r>
             <a:r>
-              <a:rPr lang="en-US" sz="3600" b="0" i="0" u="none" strike="noStrike" cap="none">
-                <a:solidFill>
-                  <a:schemeClr val="lt1"/>
-                </a:solidFill>
-                <a:latin typeface="Cabin"/>
-                <a:ea typeface="Cabin"/>
-                <a:cs typeface="Cabin"/>
+              <a:rPr lang="en-US" sz="3600" u="none" strike="noStrike" cap="none">
+                <a:solidFill>
+                  <a:schemeClr val="lt1"/>
+                </a:solidFill>
+                <a:latin typeface="Arial" charset="0"/>
+                <a:ea typeface="Arial" charset="0"/>
+                <a:cs typeface="Arial" charset="0"/>
                 <a:sym typeface="Cabin"/>
               </a:rPr>
               <a:t>and the </a:t>
             </a:r>
             <a:r>
-              <a:rPr lang="en-US" sz="3600" b="0" i="0" u="none" strike="noStrike" cap="none">
+              <a:rPr lang="en-US" sz="3600" u="none" strike="noStrike" cap="none">
                 <a:solidFill>
                   <a:srgbClr val="FF00FF"/>
                 </a:solidFill>
-                <a:latin typeface="Cabin"/>
-                <a:ea typeface="Cabin"/>
-                <a:cs typeface="Cabin"/>
+                <a:latin typeface="Arial" charset="0"/>
+                <a:ea typeface="Arial" charset="0"/>
+                <a:cs typeface="Arial" charset="0"/>
                 <a:sym typeface="Cabin"/>
               </a:rPr>
               <a:t>block (body)</a:t>
             </a:r>
             <a:r>
-              <a:rPr lang="en-US" sz="3600" b="0" i="0" u="none" strike="noStrike" cap="none">
-                <a:solidFill>
-                  <a:schemeClr val="lt1"/>
-                </a:solidFill>
-                <a:latin typeface="Cabin"/>
-                <a:ea typeface="Cabin"/>
-                <a:cs typeface="Cabin"/>
+              <a:rPr lang="en-US" sz="3600" u="none" strike="noStrike" cap="none">
+                <a:solidFill>
+                  <a:schemeClr val="lt1"/>
+                </a:solidFill>
+                <a:latin typeface="Arial" charset="0"/>
+                <a:ea typeface="Arial" charset="0"/>
+                <a:cs typeface="Arial" charset="0"/>
                 <a:sym typeface="Cabin"/>
               </a:rPr>
               <a:t> of code is executed once for each value </a:t>
             </a:r>
             <a:r>
-              <a:rPr lang="en-US" sz="3600" b="0" i="0" u="none" strike="noStrike" cap="none">
+              <a:rPr lang="en-US" sz="3600" u="none" strike="noStrike" cap="none">
                 <a:solidFill>
                   <a:srgbClr val="FFFF00"/>
                 </a:solidFill>
-                <a:latin typeface="Cabin"/>
-                <a:ea typeface="Cabin"/>
-                <a:cs typeface="Cabin"/>
+                <a:latin typeface="Arial" charset="0"/>
+                <a:ea typeface="Arial" charset="0"/>
+                <a:cs typeface="Arial" charset="0"/>
                 <a:sym typeface="Cabin"/>
               </a:rPr>
               <a:t>in</a:t>
             </a:r>
             <a:r>
-              <a:rPr lang="en-US" sz="3600" b="0" i="0" u="none" strike="noStrike" cap="none">
-                <a:solidFill>
-                  <a:schemeClr val="lt1"/>
-                </a:solidFill>
-                <a:latin typeface="Cabin"/>
-                <a:ea typeface="Cabin"/>
-                <a:cs typeface="Cabin"/>
+              <a:rPr lang="en-US" sz="3600" u="none" strike="noStrike" cap="none">
+                <a:solidFill>
+                  <a:schemeClr val="lt1"/>
+                </a:solidFill>
+                <a:latin typeface="Arial" charset="0"/>
+                <a:ea typeface="Arial" charset="0"/>
+                <a:cs typeface="Arial" charset="0"/>
                 <a:sym typeface="Cabin"/>
               </a:rPr>
               <a:t> the </a:t>
             </a:r>
             <a:r>
-              <a:rPr lang="en-US" sz="3600" b="0" i="0" u="none" strike="noStrike" cap="none">
+              <a:rPr lang="en-US" sz="3600" u="none" strike="noStrike" cap="none">
                 <a:solidFill>
                   <a:srgbClr val="FF7F00"/>
                 </a:solidFill>
-                <a:latin typeface="Cabin"/>
-                <a:ea typeface="Cabin"/>
-                <a:cs typeface="Cabin"/>
+                <a:latin typeface="Arial" charset="0"/>
+                <a:ea typeface="Arial" charset="0"/>
+                <a:cs typeface="Arial" charset="0"/>
                 <a:sym typeface="Cabin"/>
               </a:rPr>
               <a:t>sequence</a:t>
@@ -27014,9 +27019,9 @@
                 <a:solidFill>
                   <a:schemeClr val="lt1"/>
                 </a:solidFill>
-                <a:latin typeface="Cabin"/>
-                <a:ea typeface="Cabin"/>
-                <a:cs typeface="Cabin"/>
+                <a:latin typeface="Arial" charset="0"/>
+                <a:ea typeface="Arial" charset="0"/>
+                <a:cs typeface="Arial" charset="0"/>
                 <a:sym typeface="Cabin"/>
               </a:rPr>
               <a:t>No</a:t>
@@ -27096,25 +27101,25 @@
               <a:buChar char="•"/>
             </a:pPr>
             <a:r>
-              <a:rPr lang="en-US" sz="3400" b="0" i="0" u="none" strike="noStrike" cap="none">
-                <a:solidFill>
-                  <a:schemeClr val="lt1"/>
-                </a:solidFill>
-                <a:latin typeface="Cabin"/>
-                <a:ea typeface="Cabin"/>
-                <a:cs typeface="Cabin"/>
+              <a:rPr lang="en-US" sz="3400" u="none" strike="noStrike" cap="none">
+                <a:solidFill>
+                  <a:schemeClr val="lt1"/>
+                </a:solidFill>
+                <a:latin typeface="Arial" charset="0"/>
+                <a:ea typeface="Arial" charset="0"/>
+                <a:cs typeface="Arial" charset="0"/>
                 <a:sym typeface="Cabin"/>
               </a:rPr>
               <a:t>We can also look at any continuous section of a string using a </a:t>
             </a:r>
             <a:r>
-              <a:rPr lang="en-US" sz="3400" b="0" i="0" u="none" strike="noStrike" cap="none">
+              <a:rPr lang="en-US" sz="3400" u="none" strike="noStrike" cap="none">
                 <a:solidFill>
                   <a:srgbClr val="00FFFF"/>
                 </a:solidFill>
-                <a:latin typeface="Cabin"/>
-                <a:ea typeface="Cabin"/>
-                <a:cs typeface="Cabin"/>
+                <a:latin typeface="Arial" charset="0"/>
+                <a:ea typeface="Arial" charset="0"/>
+                <a:cs typeface="Arial" charset="0"/>
                 <a:sym typeface="Cabin"/>
               </a:rPr>
               <a:t>colon operator</a:t>
@@ -27139,13 +27144,13 @@
               <a:buChar char="•"/>
             </a:pPr>
             <a:r>
-              <a:rPr lang="en-US" sz="3400" b="0" i="0" u="none" strike="noStrike" cap="none">
+              <a:rPr lang="en-US" sz="3400" u="none" strike="noStrike" cap="none">
                 <a:solidFill>
                   <a:srgbClr val="FFFFFF"/>
                 </a:solidFill>
-                <a:latin typeface="Cabin"/>
-                <a:ea typeface="Cabin"/>
-                <a:cs typeface="Cabin"/>
+                <a:latin typeface="Arial" charset="0"/>
+                <a:ea typeface="Arial" charset="0"/>
+                <a:cs typeface="Arial" charset="0"/>
                 <a:sym typeface="Cabin"/>
               </a:rPr>
               <a:t>The second number is one beyond the end of the slice - </a:t>
@@ -27163,13 +27168,13 @@
               <a:t>“</a:t>
             </a:r>
             <a:r>
-              <a:rPr lang="en-US" sz="3400" b="0" i="0" u="none" strike="noStrike" cap="none">
+              <a:rPr lang="en-US" sz="3400" u="none" strike="noStrike" cap="none">
                 <a:solidFill>
                   <a:srgbClr val="FFFFFF"/>
                 </a:solidFill>
-                <a:latin typeface="Cabin"/>
-                <a:ea typeface="Cabin"/>
-                <a:cs typeface="Cabin"/>
+                <a:latin typeface="Arial" charset="0"/>
+                <a:ea typeface="Arial" charset="0"/>
+                <a:cs typeface="Arial" charset="0"/>
                 <a:sym typeface="Cabin"/>
               </a:rPr>
               <a:t>up to but not including</a:t>
@@ -27206,25 +27211,25 @@
               <a:buChar char="•"/>
             </a:pPr>
             <a:r>
-              <a:rPr lang="en-US" sz="3400" b="0" i="0" u="none" strike="noStrike" cap="none">
+              <a:rPr lang="en-US" sz="3400" u="none" strike="noStrike" cap="none">
                 <a:solidFill>
                   <a:srgbClr val="FFFFFF"/>
                 </a:solidFill>
-                <a:latin typeface="Cabin"/>
-                <a:ea typeface="Cabin"/>
-                <a:cs typeface="Cabin"/>
+                <a:latin typeface="Arial" charset="0"/>
+                <a:ea typeface="Arial" charset="0"/>
+                <a:cs typeface="Arial" charset="0"/>
                 <a:sym typeface="Cabin"/>
               </a:rPr>
               <a:t>If the second number is </a:t>
             </a:r>
             <a:r>
-              <a:rPr lang="en-US" sz="3400" b="0" i="0" u="none" strike="noStrike" cap="none">
-                <a:solidFill>
-                  <a:schemeClr val="lt1"/>
-                </a:solidFill>
-                <a:latin typeface="Cabin"/>
-                <a:ea typeface="Cabin"/>
-                <a:cs typeface="Cabin"/>
+              <a:rPr lang="en-US" sz="3400" u="none" strike="noStrike" cap="none">
+                <a:solidFill>
+                  <a:schemeClr val="lt1"/>
+                </a:solidFill>
+                <a:latin typeface="Arial" charset="0"/>
+                <a:ea typeface="Arial" charset="0"/>
+                <a:cs typeface="Arial" charset="0"/>
                 <a:sym typeface="Cabin"/>
               </a:rPr>
               <a:t>beyond the end of the string, it stops at the end </a:t>
@@ -27279,13 +27284,13 @@
               <a:buNone/>
             </a:pPr>
             <a:r>
-              <a:rPr lang="en-US" sz="7600" b="0" i="0" u="none" strike="noStrike" cap="none">
+              <a:rPr lang="en-US" sz="7600" u="none" strike="noStrike" cap="none">
                 <a:solidFill>
                   <a:srgbClr val="FFFF00"/>
                 </a:solidFill>
-                <a:latin typeface="Cabin"/>
-                <a:ea typeface="Cabin"/>
-                <a:cs typeface="Cabin"/>
+                <a:latin typeface="Arial" charset="0"/>
+                <a:ea typeface="Arial" charset="0"/>
+                <a:cs typeface="Arial" charset="0"/>
                 <a:sym typeface="Cabin"/>
               </a:rPr>
               <a:t>Slicing Strings</a:t>
@@ -27879,13 +27884,13 @@
               <a:buNone/>
             </a:pPr>
             <a:r>
-              <a:rPr lang="en-US" sz="4000" b="0" i="0" u="none" strike="noStrike" cap="none">
-                <a:solidFill>
-                  <a:schemeClr val="lt1"/>
-                </a:solidFill>
-                <a:latin typeface="Cabin"/>
-                <a:ea typeface="Cabin"/>
-                <a:cs typeface="Cabin"/>
+              <a:rPr lang="en-US" sz="4000" u="none" strike="noStrike" cap="none">
+                <a:solidFill>
+                  <a:schemeClr val="lt1"/>
+                </a:solidFill>
+                <a:latin typeface="Arial" charset="0"/>
+                <a:ea typeface="Arial" charset="0"/>
+                <a:cs typeface="Arial" charset="0"/>
                 <a:sym typeface="Cabin"/>
               </a:rPr>
               <a:t>0</a:t>
@@ -27942,13 +27947,13 @@
               <a:buNone/>
             </a:pPr>
             <a:r>
-              <a:rPr lang="en-US" sz="4000" b="0" i="0" u="none" strike="noStrike" cap="none">
-                <a:solidFill>
-                  <a:schemeClr val="lt1"/>
-                </a:solidFill>
-                <a:latin typeface="Cabin"/>
-                <a:ea typeface="Cabin"/>
-                <a:cs typeface="Cabin"/>
+              <a:rPr lang="en-US" sz="4000" u="none" strike="noStrike" cap="none">
+                <a:solidFill>
+                  <a:schemeClr val="lt1"/>
+                </a:solidFill>
+                <a:latin typeface="Arial" charset="0"/>
+                <a:ea typeface="Arial" charset="0"/>
+                <a:cs typeface="Arial" charset="0"/>
                 <a:sym typeface="Cabin"/>
               </a:rPr>
               <a:t>M</a:t>
@@ -27999,13 +28004,13 @@
               <a:buNone/>
             </a:pPr>
             <a:r>
-              <a:rPr lang="en-US" sz="4000" b="0" i="0" u="none" strike="noStrike" cap="none">
-                <a:solidFill>
-                  <a:schemeClr val="lt1"/>
-                </a:solidFill>
-                <a:latin typeface="Cabin"/>
-                <a:ea typeface="Cabin"/>
-                <a:cs typeface="Cabin"/>
+              <a:rPr lang="en-US" sz="4000" u="none" strike="noStrike" cap="none">
+                <a:solidFill>
+                  <a:schemeClr val="lt1"/>
+                </a:solidFill>
+                <a:latin typeface="Arial" charset="0"/>
+                <a:ea typeface="Arial" charset="0"/>
+                <a:cs typeface="Arial" charset="0"/>
                 <a:sym typeface="Cabin"/>
               </a:rPr>
               <a:t>1</a:t>
@@ -28062,13 +28067,13 @@
               <a:buNone/>
             </a:pPr>
             <a:r>
-              <a:rPr lang="en-US" sz="4000" b="0" i="0" u="none" strike="noStrike" cap="none">
-                <a:solidFill>
-                  <a:schemeClr val="lt1"/>
-                </a:solidFill>
-                <a:latin typeface="Cabin"/>
-                <a:ea typeface="Cabin"/>
-                <a:cs typeface="Cabin"/>
+              <a:rPr lang="en-US" sz="4000" u="none" strike="noStrike" cap="none">
+                <a:solidFill>
+                  <a:schemeClr val="lt1"/>
+                </a:solidFill>
+                <a:latin typeface="Arial" charset="0"/>
+                <a:ea typeface="Arial" charset="0"/>
+                <a:cs typeface="Arial" charset="0"/>
                 <a:sym typeface="Cabin"/>
               </a:rPr>
               <a:t>o</a:t>
@@ -28119,13 +28124,13 @@
               <a:buNone/>
             </a:pPr>
             <a:r>
-              <a:rPr lang="en-US" sz="4000" b="0" i="0" u="none" strike="noStrike" cap="none">
-                <a:solidFill>
-                  <a:schemeClr val="lt1"/>
-                </a:solidFill>
-                <a:latin typeface="Cabin"/>
-                <a:ea typeface="Cabin"/>
-                <a:cs typeface="Cabin"/>
+              <a:rPr lang="en-US" sz="4000" u="none" strike="noStrike" cap="none">
+                <a:solidFill>
+                  <a:schemeClr val="lt1"/>
+                </a:solidFill>
+                <a:latin typeface="Arial" charset="0"/>
+                <a:ea typeface="Arial" charset="0"/>
+                <a:cs typeface="Arial" charset="0"/>
                 <a:sym typeface="Cabin"/>
               </a:rPr>
               <a:t>2</a:t>
@@ -28182,13 +28187,13 @@
               <a:buNone/>
             </a:pPr>
             <a:r>
-              <a:rPr lang="en-US" sz="4000" b="0" i="0" u="none" strike="noStrike" cap="none">
-                <a:solidFill>
-                  <a:schemeClr val="lt1"/>
-                </a:solidFill>
-                <a:latin typeface="Cabin"/>
-                <a:ea typeface="Cabin"/>
-                <a:cs typeface="Cabin"/>
+              <a:rPr lang="en-US" sz="4000" u="none" strike="noStrike" cap="none">
+                <a:solidFill>
+                  <a:schemeClr val="lt1"/>
+                </a:solidFill>
+                <a:latin typeface="Arial" charset="0"/>
+                <a:ea typeface="Arial" charset="0"/>
+                <a:cs typeface="Arial" charset="0"/>
                 <a:sym typeface="Cabin"/>
               </a:rPr>
               <a:t>n</a:t>
@@ -28239,13 +28244,13 @@
               <a:buNone/>
             </a:pPr>
             <a:r>
-              <a:rPr lang="en-US" sz="4000" b="0" i="0" u="none" strike="noStrike" cap="none">
-                <a:solidFill>
-                  <a:schemeClr val="lt1"/>
-                </a:solidFill>
-                <a:latin typeface="Cabin"/>
-                <a:ea typeface="Cabin"/>
-                <a:cs typeface="Cabin"/>
+              <a:rPr lang="en-US" sz="4000" u="none" strike="noStrike" cap="none">
+                <a:solidFill>
+                  <a:schemeClr val="lt1"/>
+                </a:solidFill>
+                <a:latin typeface="Arial" charset="0"/>
+                <a:ea typeface="Arial" charset="0"/>
+                <a:cs typeface="Arial" charset="0"/>
                 <a:sym typeface="Cabin"/>
               </a:rPr>
               <a:t>3</a:t>
@@ -28302,13 +28307,13 @@
               <a:buNone/>
             </a:pPr>
             <a:r>
-              <a:rPr lang="en-US" sz="4000" b="0" i="0" u="none" strike="noStrike" cap="none">
-                <a:solidFill>
-                  <a:schemeClr val="lt1"/>
-                </a:solidFill>
-                <a:latin typeface="Cabin"/>
-                <a:ea typeface="Cabin"/>
-                <a:cs typeface="Cabin"/>
+              <a:rPr lang="en-US" sz="4000" u="none" strike="noStrike" cap="none">
+                <a:solidFill>
+                  <a:schemeClr val="lt1"/>
+                </a:solidFill>
+                <a:latin typeface="Arial" charset="0"/>
+                <a:ea typeface="Arial" charset="0"/>
+                <a:cs typeface="Arial" charset="0"/>
                 <a:sym typeface="Cabin"/>
               </a:rPr>
               <a:t>t</a:t>
@@ -28359,13 +28364,13 @@
               <a:buNone/>
             </a:pPr>
             <a:r>
-              <a:rPr lang="en-US" sz="4000" b="0" i="0" u="none" strike="noStrike" cap="none">
-                <a:solidFill>
-                  <a:schemeClr val="lt1"/>
-                </a:solidFill>
-                <a:latin typeface="Cabin"/>
-                <a:ea typeface="Cabin"/>
-                <a:cs typeface="Cabin"/>
+              <a:rPr lang="en-US" sz="4000" u="none" strike="noStrike" cap="none">
+                <a:solidFill>
+                  <a:schemeClr val="lt1"/>
+                </a:solidFill>
+                <a:latin typeface="Arial" charset="0"/>
+                <a:ea typeface="Arial" charset="0"/>
+                <a:cs typeface="Arial" charset="0"/>
                 <a:sym typeface="Cabin"/>
               </a:rPr>
               <a:t>4</a:t>
@@ -28422,13 +28427,13 @@
               <a:buNone/>
             </a:pPr>
             <a:r>
-              <a:rPr lang="en-US" sz="4000" b="0" i="0" u="none" strike="noStrike" cap="none">
-                <a:solidFill>
-                  <a:schemeClr val="lt1"/>
-                </a:solidFill>
-                <a:latin typeface="Cabin"/>
-                <a:ea typeface="Cabin"/>
-                <a:cs typeface="Cabin"/>
+              <a:rPr lang="en-US" sz="4000" u="none" strike="noStrike" cap="none">
+                <a:solidFill>
+                  <a:schemeClr val="lt1"/>
+                </a:solidFill>
+                <a:latin typeface="Arial" charset="0"/>
+                <a:ea typeface="Arial" charset="0"/>
+                <a:cs typeface="Arial" charset="0"/>
                 <a:sym typeface="Cabin"/>
               </a:rPr>
               <a:t>y</a:t>
@@ -28479,13 +28484,13 @@
               <a:buNone/>
             </a:pPr>
             <a:r>
-              <a:rPr lang="en-US" sz="4000" b="0" i="0" u="none" strike="noStrike" cap="none">
-                <a:solidFill>
-                  <a:schemeClr val="lt1"/>
-                </a:solidFill>
-                <a:latin typeface="Cabin"/>
-                <a:ea typeface="Cabin"/>
-                <a:cs typeface="Cabin"/>
+              <a:rPr lang="en-US" sz="4000" u="none" strike="noStrike" cap="none">
+                <a:solidFill>
+                  <a:schemeClr val="lt1"/>
+                </a:solidFill>
+                <a:latin typeface="Arial" charset="0"/>
+                <a:ea typeface="Arial" charset="0"/>
+                <a:cs typeface="Arial" charset="0"/>
                 <a:sym typeface="Cabin"/>
               </a:rPr>
               <a:t>5</a:t>
@@ -28542,13 +28547,13 @@
               <a:buNone/>
             </a:pPr>
             <a:r>
-              <a:rPr lang="en-US" sz="4000" b="0" i="0" u="none" strike="noStrike" cap="none">
-                <a:solidFill>
-                  <a:schemeClr val="lt1"/>
-                </a:solidFill>
-                <a:latin typeface="Cabin"/>
-                <a:ea typeface="Cabin"/>
-                <a:cs typeface="Cabin"/>
+              <a:rPr lang="en-US" sz="4000" u="none" strike="noStrike" cap="none">
+                <a:solidFill>
+                  <a:schemeClr val="lt1"/>
+                </a:solidFill>
+                <a:latin typeface="Arial" charset="0"/>
+                <a:ea typeface="Arial" charset="0"/>
+                <a:cs typeface="Arial" charset="0"/>
                 <a:sym typeface="Cabin"/>
               </a:rPr>
               <a:t> </a:t>
@@ -28599,13 +28604,13 @@
               <a:buNone/>
             </a:pPr>
             <a:r>
-              <a:rPr lang="en-US" sz="4000" b="0" i="0" u="none" strike="noStrike" cap="none">
-                <a:solidFill>
-                  <a:schemeClr val="lt1"/>
-                </a:solidFill>
-                <a:latin typeface="Cabin"/>
-                <a:ea typeface="Cabin"/>
-                <a:cs typeface="Cabin"/>
+              <a:rPr lang="en-US" sz="4000" u="none" strike="noStrike" cap="none">
+                <a:solidFill>
+                  <a:schemeClr val="lt1"/>
+                </a:solidFill>
+                <a:latin typeface="Arial" charset="0"/>
+                <a:ea typeface="Arial" charset="0"/>
+                <a:cs typeface="Arial" charset="0"/>
                 <a:sym typeface="Cabin"/>
               </a:rPr>
               <a:t>6</a:t>
@@ -28662,13 +28667,13 @@
               <a:buNone/>
             </a:pPr>
             <a:r>
-              <a:rPr lang="en-US" sz="4000" b="0" i="0" u="none" strike="noStrike" cap="none">
-                <a:solidFill>
-                  <a:schemeClr val="lt1"/>
-                </a:solidFill>
-                <a:latin typeface="Cabin"/>
-                <a:ea typeface="Cabin"/>
-                <a:cs typeface="Cabin"/>
+              <a:rPr lang="en-US" sz="4000" u="none" strike="noStrike" cap="none">
+                <a:solidFill>
+                  <a:schemeClr val="lt1"/>
+                </a:solidFill>
+                <a:latin typeface="Arial" charset="0"/>
+                <a:ea typeface="Arial" charset="0"/>
+                <a:cs typeface="Arial" charset="0"/>
                 <a:sym typeface="Cabin"/>
               </a:rPr>
               <a:t>P</a:t>
@@ -28719,13 +28724,13 @@
               <a:buNone/>
             </a:pPr>
             <a:r>
-              <a:rPr lang="en-US" sz="4000" b="0" i="0" u="none" strike="noStrike" cap="none">
-                <a:solidFill>
-                  <a:schemeClr val="lt1"/>
-                </a:solidFill>
-                <a:latin typeface="Cabin"/>
-                <a:ea typeface="Cabin"/>
-                <a:cs typeface="Cabin"/>
+              <a:rPr lang="en-US" sz="4000" u="none" strike="noStrike" cap="none">
+                <a:solidFill>
+                  <a:schemeClr val="lt1"/>
+                </a:solidFill>
+                <a:latin typeface="Arial" charset="0"/>
+                <a:ea typeface="Arial" charset="0"/>
+                <a:cs typeface="Arial" charset="0"/>
                 <a:sym typeface="Cabin"/>
               </a:rPr>
               <a:t>7</a:t>
@@ -28782,13 +28787,13 @@
               <a:buNone/>
             </a:pPr>
             <a:r>
-              <a:rPr lang="en-US" sz="4000" b="0" i="0" u="none" strike="noStrike" cap="none">
-                <a:solidFill>
-                  <a:schemeClr val="lt1"/>
-                </a:solidFill>
-                <a:latin typeface="Cabin"/>
-                <a:ea typeface="Cabin"/>
-                <a:cs typeface="Cabin"/>
+              <a:rPr lang="en-US" sz="4000" u="none" strike="noStrike" cap="none">
+                <a:solidFill>
+                  <a:schemeClr val="lt1"/>
+                </a:solidFill>
+                <a:latin typeface="Arial" charset="0"/>
+                <a:ea typeface="Arial" charset="0"/>
+                <a:cs typeface="Arial" charset="0"/>
                 <a:sym typeface="Cabin"/>
               </a:rPr>
               <a:t>y</a:t>
@@ -28839,13 +28844,13 @@
               <a:buNone/>
             </a:pPr>
             <a:r>
-              <a:rPr lang="en-US" sz="4000" b="0" i="0" u="none" strike="noStrike" cap="none">
-                <a:solidFill>
-                  <a:schemeClr val="lt1"/>
-                </a:solidFill>
-                <a:latin typeface="Cabin"/>
-                <a:ea typeface="Cabin"/>
-                <a:cs typeface="Cabin"/>
+              <a:rPr lang="en-US" sz="4000" u="none" strike="noStrike" cap="none">
+                <a:solidFill>
+                  <a:schemeClr val="lt1"/>
+                </a:solidFill>
+                <a:latin typeface="Arial" charset="0"/>
+                <a:ea typeface="Arial" charset="0"/>
+                <a:cs typeface="Arial" charset="0"/>
                 <a:sym typeface="Cabin"/>
               </a:rPr>
               <a:t>8</a:t>
@@ -28902,13 +28907,13 @@
               <a:buNone/>
             </a:pPr>
             <a:r>
-              <a:rPr lang="en-US" sz="4000" b="0" i="0" u="none" strike="noStrike" cap="none">
-                <a:solidFill>
-                  <a:schemeClr val="lt1"/>
-                </a:solidFill>
-                <a:latin typeface="Cabin"/>
-                <a:ea typeface="Cabin"/>
-                <a:cs typeface="Cabin"/>
+              <a:rPr lang="en-US" sz="4000" u="none" strike="noStrike" cap="none">
+                <a:solidFill>
+                  <a:schemeClr val="lt1"/>
+                </a:solidFill>
+                <a:latin typeface="Arial" charset="0"/>
+                <a:ea typeface="Arial" charset="0"/>
+                <a:cs typeface="Arial" charset="0"/>
                 <a:sym typeface="Cabin"/>
               </a:rPr>
               <a:t>t</a:t>
@@ -28959,13 +28964,13 @@
               <a:buNone/>
             </a:pPr>
             <a:r>
-              <a:rPr lang="en-US" sz="4000" b="0" i="0" u="none" strike="noStrike" cap="none">
-                <a:solidFill>
-                  <a:schemeClr val="lt1"/>
-                </a:solidFill>
-                <a:latin typeface="Cabin"/>
-                <a:ea typeface="Cabin"/>
-                <a:cs typeface="Cabin"/>
+              <a:rPr lang="en-US" sz="4000" u="none" strike="noStrike" cap="none">
+                <a:solidFill>
+                  <a:schemeClr val="lt1"/>
+                </a:solidFill>
+                <a:latin typeface="Arial" charset="0"/>
+                <a:ea typeface="Arial" charset="0"/>
+                <a:cs typeface="Arial" charset="0"/>
                 <a:sym typeface="Cabin"/>
               </a:rPr>
               <a:t>9</a:t>
@@ -29022,13 +29027,13 @@
               <a:buNone/>
             </a:pPr>
             <a:r>
-              <a:rPr lang="en-US" sz="4000" b="0" i="0" u="none" strike="noStrike" cap="none">
-                <a:solidFill>
-                  <a:schemeClr val="lt1"/>
-                </a:solidFill>
-                <a:latin typeface="Cabin"/>
-                <a:ea typeface="Cabin"/>
-                <a:cs typeface="Cabin"/>
+              <a:rPr lang="en-US" sz="4000" u="none" strike="noStrike" cap="none">
+                <a:solidFill>
+                  <a:schemeClr val="lt1"/>
+                </a:solidFill>
+                <a:latin typeface="Arial" charset="0"/>
+                <a:ea typeface="Arial" charset="0"/>
+                <a:cs typeface="Arial" charset="0"/>
                 <a:sym typeface="Cabin"/>
               </a:rPr>
               <a:t>h</a:t>
@@ -29079,13 +29084,13 @@
               <a:buNone/>
             </a:pPr>
             <a:r>
-              <a:rPr lang="en-US" sz="4000" b="0" i="0" u="none" strike="noStrike" cap="none">
-                <a:solidFill>
-                  <a:schemeClr val="lt1"/>
-                </a:solidFill>
-                <a:latin typeface="Cabin"/>
-                <a:ea typeface="Cabin"/>
-                <a:cs typeface="Cabin"/>
+              <a:rPr lang="en-US" sz="4000" u="none" strike="noStrike" cap="none">
+                <a:solidFill>
+                  <a:schemeClr val="lt1"/>
+                </a:solidFill>
+                <a:latin typeface="Arial" charset="0"/>
+                <a:ea typeface="Arial" charset="0"/>
+                <a:cs typeface="Arial" charset="0"/>
                 <a:sym typeface="Cabin"/>
               </a:rPr>
               <a:t>10</a:t>
@@ -29142,13 +29147,13 @@
               <a:buNone/>
             </a:pPr>
             <a:r>
-              <a:rPr lang="en-US" sz="4000" b="0" i="0" u="none" strike="noStrike" cap="none">
-                <a:solidFill>
-                  <a:schemeClr val="lt1"/>
-                </a:solidFill>
-                <a:latin typeface="Cabin"/>
-                <a:ea typeface="Cabin"/>
-                <a:cs typeface="Cabin"/>
+              <a:rPr lang="en-US" sz="4000" u="none" strike="noStrike" cap="none">
+                <a:solidFill>
+                  <a:schemeClr val="lt1"/>
+                </a:solidFill>
+                <a:latin typeface="Arial" charset="0"/>
+                <a:ea typeface="Arial" charset="0"/>
+                <a:cs typeface="Arial" charset="0"/>
                 <a:sym typeface="Cabin"/>
               </a:rPr>
               <a:t>o</a:t>
@@ -29199,13 +29204,13 @@
               <a:buNone/>
             </a:pPr>
             <a:r>
-              <a:rPr lang="en-US" sz="4000" b="0" i="0" u="none" strike="noStrike" cap="none">
-                <a:solidFill>
-                  <a:schemeClr val="lt1"/>
-                </a:solidFill>
-                <a:latin typeface="Cabin"/>
-                <a:ea typeface="Cabin"/>
-                <a:cs typeface="Cabin"/>
+              <a:rPr lang="en-US" sz="4000" u="none" strike="noStrike" cap="none">
+                <a:solidFill>
+                  <a:schemeClr val="lt1"/>
+                </a:solidFill>
+                <a:latin typeface="Arial" charset="0"/>
+                <a:ea typeface="Arial" charset="0"/>
+                <a:cs typeface="Arial" charset="0"/>
                 <a:sym typeface="Cabin"/>
               </a:rPr>
               <a:t>11</a:t>
@@ -29262,13 +29267,13 @@
               <a:buNone/>
             </a:pPr>
             <a:r>
-              <a:rPr lang="en-US" sz="4000" b="0" i="0" u="none" strike="noStrike" cap="none">
-                <a:solidFill>
-                  <a:schemeClr val="lt1"/>
-                </a:solidFill>
-                <a:latin typeface="Cabin"/>
-                <a:ea typeface="Cabin"/>
-                <a:cs typeface="Cabin"/>
+              <a:rPr lang="en-US" sz="4000" u="none" strike="noStrike" cap="none">
+                <a:solidFill>
+                  <a:schemeClr val="lt1"/>
+                </a:solidFill>
+                <a:latin typeface="Arial" charset="0"/>
+                <a:ea typeface="Arial" charset="0"/>
+                <a:cs typeface="Arial" charset="0"/>
                 <a:sym typeface="Cabin"/>
               </a:rPr>
               <a:t>n</a:t>
@@ -29348,13 +29353,13 @@
               <a:buChar char="•"/>
             </a:pPr>
             <a:r>
-              <a:rPr lang="en-US" sz="3600" b="0" i="0" u="none" strike="noStrike" cap="none">
-                <a:solidFill>
-                  <a:schemeClr val="lt1"/>
-                </a:solidFill>
-                <a:latin typeface="Cabin"/>
-                <a:ea typeface="Cabin"/>
-                <a:cs typeface="Cabin"/>
+              <a:rPr lang="en-US" sz="3600" u="none" strike="noStrike" cap="none">
+                <a:solidFill>
+                  <a:schemeClr val="lt1"/>
+                </a:solidFill>
+                <a:latin typeface="Arial" charset="0"/>
+                <a:ea typeface="Arial" charset="0"/>
+                <a:cs typeface="Arial" charset="0"/>
                 <a:sym typeface="Cabin"/>
               </a:rPr>
               <a:t>If we leave off the first number or the last number of the slice, it is assumed to be the beginning or end of the string respectively</a:t>
@@ -29409,13 +29414,13 @@
               <a:buNone/>
             </a:pPr>
             <a:r>
-              <a:rPr lang="en-US" sz="7600" b="0" i="0" u="none" strike="noStrike" cap="none">
+              <a:rPr lang="en-US" sz="7600" u="none" strike="noStrike" cap="none">
                 <a:solidFill>
                   <a:srgbClr val="FFFF00"/>
                 </a:solidFill>
-                <a:latin typeface="Cabin"/>
-                <a:ea typeface="Cabin"/>
-                <a:cs typeface="Cabin"/>
+                <a:latin typeface="Arial" charset="0"/>
+                <a:ea typeface="Arial" charset="0"/>
+                <a:cs typeface="Arial" charset="0"/>
                 <a:sym typeface="Cabin"/>
               </a:rPr>
               <a:t>Slicing Strings</a:t>
@@ -29949,13 +29954,13 @@
               <a:buNone/>
             </a:pPr>
             <a:r>
-              <a:rPr lang="en-US" sz="4000" b="0" i="0" u="none" strike="noStrike" cap="none">
-                <a:solidFill>
-                  <a:schemeClr val="lt1"/>
-                </a:solidFill>
-                <a:latin typeface="Cabin"/>
-                <a:ea typeface="Cabin"/>
-                <a:cs typeface="Cabin"/>
+              <a:rPr lang="en-US" sz="4000" u="none" strike="noStrike" cap="none">
+                <a:solidFill>
+                  <a:schemeClr val="lt1"/>
+                </a:solidFill>
+                <a:latin typeface="Arial" charset="0"/>
+                <a:ea typeface="Arial" charset="0"/>
+                <a:cs typeface="Arial" charset="0"/>
                 <a:sym typeface="Cabin"/>
               </a:rPr>
               <a:t>0</a:t>
@@ -30012,13 +30017,13 @@
               <a:buNone/>
             </a:pPr>
             <a:r>
-              <a:rPr lang="en-US" sz="4000" b="0" i="0" u="none" strike="noStrike" cap="none">
-                <a:solidFill>
-                  <a:schemeClr val="lt1"/>
-                </a:solidFill>
-                <a:latin typeface="Cabin"/>
-                <a:ea typeface="Cabin"/>
-                <a:cs typeface="Cabin"/>
+              <a:rPr lang="en-US" sz="4000" u="none" strike="noStrike" cap="none">
+                <a:solidFill>
+                  <a:schemeClr val="lt1"/>
+                </a:solidFill>
+                <a:latin typeface="Arial" charset="0"/>
+                <a:ea typeface="Arial" charset="0"/>
+                <a:cs typeface="Arial" charset="0"/>
                 <a:sym typeface="Cabin"/>
               </a:rPr>
               <a:t>M</a:t>
@@ -30069,13 +30074,13 @@
               <a:buNone/>
             </a:pPr>
             <a:r>
-              <a:rPr lang="en-US" sz="4000" b="0" i="0" u="none" strike="noStrike" cap="none">
-                <a:solidFill>
-                  <a:schemeClr val="lt1"/>
-                </a:solidFill>
-                <a:latin typeface="Cabin"/>
-                <a:ea typeface="Cabin"/>
-                <a:cs typeface="Cabin"/>
+              <a:rPr lang="en-US" sz="4000" u="none" strike="noStrike" cap="none">
+                <a:solidFill>
+                  <a:schemeClr val="lt1"/>
+                </a:solidFill>
+                <a:latin typeface="Arial" charset="0"/>
+                <a:ea typeface="Arial" charset="0"/>
+                <a:cs typeface="Arial" charset="0"/>
                 <a:sym typeface="Cabin"/>
               </a:rPr>
               <a:t>1</a:t>
@@ -30132,13 +30137,13 @@
               <a:buNone/>
             </a:pPr>
             <a:r>
-              <a:rPr lang="en-US" sz="4000" b="0" i="0" u="none" strike="noStrike" cap="none">
-                <a:solidFill>
-                  <a:schemeClr val="lt1"/>
-                </a:solidFill>
-                <a:latin typeface="Cabin"/>
-                <a:ea typeface="Cabin"/>
-                <a:cs typeface="Cabin"/>
+              <a:rPr lang="en-US" sz="4000" u="none" strike="noStrike" cap="none">
+                <a:solidFill>
+                  <a:schemeClr val="lt1"/>
+                </a:solidFill>
+                <a:latin typeface="Arial" charset="0"/>
+                <a:ea typeface="Arial" charset="0"/>
+                <a:cs typeface="Arial" charset="0"/>
                 <a:sym typeface="Cabin"/>
               </a:rPr>
               <a:t>o</a:t>
@@ -30189,13 +30194,13 @@
               <a:buNone/>
             </a:pPr>
             <a:r>
-              <a:rPr lang="en-US" sz="4000" b="0" i="0" u="none" strike="noStrike" cap="none">
-                <a:solidFill>
-                  <a:schemeClr val="lt1"/>
-                </a:solidFill>
-                <a:latin typeface="Cabin"/>
-                <a:ea typeface="Cabin"/>
-                <a:cs typeface="Cabin"/>
+              <a:rPr lang="en-US" sz="4000" u="none" strike="noStrike" cap="none">
+                <a:solidFill>
+                  <a:schemeClr val="lt1"/>
+                </a:solidFill>
+                <a:latin typeface="Arial" charset="0"/>
+                <a:ea typeface="Arial" charset="0"/>
+                <a:cs typeface="Arial" charset="0"/>
                 <a:sym typeface="Cabin"/>
               </a:rPr>
               <a:t>2</a:t>
@@ -30252,13 +30257,13 @@
               <a:buNone/>
             </a:pPr>
             <a:r>
-              <a:rPr lang="en-US" sz="4000" b="0" i="0" u="none" strike="noStrike" cap="none">
-                <a:solidFill>
-                  <a:schemeClr val="lt1"/>
-                </a:solidFill>
-                <a:latin typeface="Cabin"/>
-                <a:ea typeface="Cabin"/>
-                <a:cs typeface="Cabin"/>
+              <a:rPr lang="en-US" sz="4000" u="none" strike="noStrike" cap="none">
+                <a:solidFill>
+                  <a:schemeClr val="lt1"/>
+                </a:solidFill>
+                <a:latin typeface="Arial" charset="0"/>
+                <a:ea typeface="Arial" charset="0"/>
+                <a:cs typeface="Arial" charset="0"/>
                 <a:sym typeface="Cabin"/>
               </a:rPr>
               <a:t>n</a:t>
@@ -30309,13 +30314,13 @@
               <a:buNone/>
             </a:pPr>
             <a:r>
-              <a:rPr lang="en-US" sz="4000" b="0" i="0" u="none" strike="noStrike" cap="none">
-                <a:solidFill>
-                  <a:schemeClr val="lt1"/>
-                </a:solidFill>
-                <a:latin typeface="Cabin"/>
-                <a:ea typeface="Cabin"/>
-                <a:cs typeface="Cabin"/>
+              <a:rPr lang="en-US" sz="4000" u="none" strike="noStrike" cap="none">
+                <a:solidFill>
+                  <a:schemeClr val="lt1"/>
+                </a:solidFill>
+                <a:latin typeface="Arial" charset="0"/>
+                <a:ea typeface="Arial" charset="0"/>
+                <a:cs typeface="Arial" charset="0"/>
                 <a:sym typeface="Cabin"/>
               </a:rPr>
               <a:t>3</a:t>
@@ -30372,13 +30377,13 @@
               <a:buNone/>
             </a:pPr>
             <a:r>
-              <a:rPr lang="en-US" sz="4000" b="0" i="0" u="none" strike="noStrike" cap="none">
-                <a:solidFill>
-                  <a:schemeClr val="lt1"/>
-                </a:solidFill>
-                <a:latin typeface="Cabin"/>
-                <a:ea typeface="Cabin"/>
-                <a:cs typeface="Cabin"/>
+              <a:rPr lang="en-US" sz="4000" u="none" strike="noStrike" cap="none">
+                <a:solidFill>
+                  <a:schemeClr val="lt1"/>
+                </a:solidFill>
+                <a:latin typeface="Arial" charset="0"/>
+                <a:ea typeface="Arial" charset="0"/>
+                <a:cs typeface="Arial" charset="0"/>
                 <a:sym typeface="Cabin"/>
               </a:rPr>
               <a:t>t</a:t>
@@ -30429,13 +30434,13 @@
               <a:buNone/>
             </a:pPr>
             <a:r>
-              <a:rPr lang="en-US" sz="4000" b="0" i="0" u="none" strike="noStrike" cap="none">
-                <a:solidFill>
-                  <a:schemeClr val="lt1"/>
-                </a:solidFill>
-                <a:latin typeface="Cabin"/>
-                <a:ea typeface="Cabin"/>
-                <a:cs typeface="Cabin"/>
+              <a:rPr lang="en-US" sz="4000" u="none" strike="noStrike" cap="none">
+                <a:solidFill>
+                  <a:schemeClr val="lt1"/>
+                </a:solidFill>
+                <a:latin typeface="Arial" charset="0"/>
+                <a:ea typeface="Arial" charset="0"/>
+                <a:cs typeface="Arial" charset="0"/>
                 <a:sym typeface="Cabin"/>
               </a:rPr>
               <a:t>4</a:t>
@@ -30492,13 +30497,13 @@
               <a:buNone/>
             </a:pPr>
             <a:r>
-              <a:rPr lang="en-US" sz="4000" b="0" i="0" u="none" strike="noStrike" cap="none">
-                <a:solidFill>
-                  <a:schemeClr val="lt1"/>
-                </a:solidFill>
-                <a:latin typeface="Cabin"/>
-                <a:ea typeface="Cabin"/>
-                <a:cs typeface="Cabin"/>
+              <a:rPr lang="en-US" sz="4000" u="none" strike="noStrike" cap="none">
+                <a:solidFill>
+                  <a:schemeClr val="lt1"/>
+                </a:solidFill>
+                <a:latin typeface="Arial" charset="0"/>
+                <a:ea typeface="Arial" charset="0"/>
+                <a:cs typeface="Arial" charset="0"/>
                 <a:sym typeface="Cabin"/>
               </a:rPr>
               <a:t>y</a:t>
@@ -30549,13 +30554,13 @@
               <a:buNone/>
             </a:pPr>
             <a:r>
-              <a:rPr lang="en-US" sz="4000" b="0" i="0" u="none" strike="noStrike" cap="none">
-                <a:solidFill>
-                  <a:schemeClr val="lt1"/>
-                </a:solidFill>
-                <a:latin typeface="Cabin"/>
-                <a:ea typeface="Cabin"/>
-                <a:cs typeface="Cabin"/>
+              <a:rPr lang="en-US" sz="4000" u="none" strike="noStrike" cap="none">
+                <a:solidFill>
+                  <a:schemeClr val="lt1"/>
+                </a:solidFill>
+                <a:latin typeface="Arial" charset="0"/>
+                <a:ea typeface="Arial" charset="0"/>
+                <a:cs typeface="Arial" charset="0"/>
                 <a:sym typeface="Cabin"/>
               </a:rPr>
               <a:t>5</a:t>
@@ -30612,13 +30617,13 @@
               <a:buNone/>
             </a:pPr>
             <a:r>
-              <a:rPr lang="en-US" sz="4000" b="0" i="0" u="none" strike="noStrike" cap="none">
-                <a:solidFill>
-                  <a:schemeClr val="lt1"/>
-                </a:solidFill>
-                <a:latin typeface="Cabin"/>
-                <a:ea typeface="Cabin"/>
-                <a:cs typeface="Cabin"/>
+              <a:rPr lang="en-US" sz="4000" u="none" strike="noStrike" cap="none">
+                <a:solidFill>
+                  <a:schemeClr val="lt1"/>
+                </a:solidFill>
+                <a:latin typeface="Arial" charset="0"/>
+                <a:ea typeface="Arial" charset="0"/>
+                <a:cs typeface="Arial" charset="0"/>
                 <a:sym typeface="Cabin"/>
               </a:rPr>
               <a:t> </a:t>
@@ -30669,13 +30674,13 @@
               <a:buNone/>
             </a:pPr>
             <a:r>
-              <a:rPr lang="en-US" sz="4000" b="0" i="0" u="none" strike="noStrike" cap="none">
-                <a:solidFill>
-                  <a:schemeClr val="lt1"/>
-                </a:solidFill>
-                <a:latin typeface="Cabin"/>
-                <a:ea typeface="Cabin"/>
-                <a:cs typeface="Cabin"/>
+              <a:rPr lang="en-US" sz="4000" u="none" strike="noStrike" cap="none">
+                <a:solidFill>
+                  <a:schemeClr val="lt1"/>
+                </a:solidFill>
+                <a:latin typeface="Arial" charset="0"/>
+                <a:ea typeface="Arial" charset="0"/>
+                <a:cs typeface="Arial" charset="0"/>
                 <a:sym typeface="Cabin"/>
               </a:rPr>
               <a:t>6</a:t>
@@ -30732,13 +30737,13 @@
               <a:buNone/>
             </a:pPr>
             <a:r>
-              <a:rPr lang="en-US" sz="4000" b="0" i="0" u="none" strike="noStrike" cap="none">
-                <a:solidFill>
-                  <a:schemeClr val="lt1"/>
-                </a:solidFill>
-                <a:latin typeface="Cabin"/>
-                <a:ea typeface="Cabin"/>
-                <a:cs typeface="Cabin"/>
+              <a:rPr lang="en-US" sz="4000" u="none" strike="noStrike" cap="none">
+                <a:solidFill>
+                  <a:schemeClr val="lt1"/>
+                </a:solidFill>
+                <a:latin typeface="Arial" charset="0"/>
+                <a:ea typeface="Arial" charset="0"/>
+                <a:cs typeface="Arial" charset="0"/>
                 <a:sym typeface="Cabin"/>
               </a:rPr>
               <a:t>P</a:t>
@@ -30789,13 +30794,13 @@
               <a:buNone/>
             </a:pPr>
             <a:r>
-              <a:rPr lang="en-US" sz="4000" b="0" i="0" u="none" strike="noStrike" cap="none">
-                <a:solidFill>
-                  <a:schemeClr val="lt1"/>
-                </a:solidFill>
-                <a:latin typeface="Cabin"/>
-                <a:ea typeface="Cabin"/>
-                <a:cs typeface="Cabin"/>
+              <a:rPr lang="en-US" sz="4000" u="none" strike="noStrike" cap="none">
+                <a:solidFill>
+                  <a:schemeClr val="lt1"/>
+                </a:solidFill>
+                <a:latin typeface="Arial" charset="0"/>
+                <a:ea typeface="Arial" charset="0"/>
+                <a:cs typeface="Arial" charset="0"/>
                 <a:sym typeface="Cabin"/>
               </a:rPr>
               <a:t>7</a:t>
@@ -30852,13 +30857,13 @@
               <a:buNone/>
             </a:pPr>
             <a:r>
-              <a:rPr lang="en-US" sz="4000" b="0" i="0" u="none" strike="noStrike" cap="none">
-                <a:solidFill>
-                  <a:schemeClr val="lt1"/>
-                </a:solidFill>
-                <a:latin typeface="Cabin"/>
-                <a:ea typeface="Cabin"/>
-                <a:cs typeface="Cabin"/>
+              <a:rPr lang="en-US" sz="4000" u="none" strike="noStrike" cap="none">
+                <a:solidFill>
+                  <a:schemeClr val="lt1"/>
+                </a:solidFill>
+                <a:latin typeface="Arial" charset="0"/>
+                <a:ea typeface="Arial" charset="0"/>
+                <a:cs typeface="Arial" charset="0"/>
                 <a:sym typeface="Cabin"/>
               </a:rPr>
               <a:t>y</a:t>
@@ -30909,13 +30914,13 @@
               <a:buNone/>
             </a:pPr>
             <a:r>
-              <a:rPr lang="en-US" sz="4000" b="0" i="0" u="none" strike="noStrike" cap="none">
-                <a:solidFill>
-                  <a:schemeClr val="lt1"/>
-                </a:solidFill>
-                <a:latin typeface="Cabin"/>
-                <a:ea typeface="Cabin"/>
-                <a:cs typeface="Cabin"/>
+              <a:rPr lang="en-US" sz="4000" u="none" strike="noStrike" cap="none">
+                <a:solidFill>
+                  <a:schemeClr val="lt1"/>
+                </a:solidFill>
+                <a:latin typeface="Arial" charset="0"/>
+                <a:ea typeface="Arial" charset="0"/>
+                <a:cs typeface="Arial" charset="0"/>
                 <a:sym typeface="Cabin"/>
               </a:rPr>
               <a:t>8</a:t>
@@ -30972,13 +30977,13 @@
               <a:buNone/>
             </a:pPr>
             <a:r>
-              <a:rPr lang="en-US" sz="4000" b="0" i="0" u="none" strike="noStrike" cap="none">
-                <a:solidFill>
-                  <a:schemeClr val="lt1"/>
-                </a:solidFill>
-                <a:latin typeface="Cabin"/>
-                <a:ea typeface="Cabin"/>
-                <a:cs typeface="Cabin"/>
+              <a:rPr lang="en-US" sz="4000" u="none" strike="noStrike" cap="none">
+                <a:solidFill>
+                  <a:schemeClr val="lt1"/>
+                </a:solidFill>
+                <a:latin typeface="Arial" charset="0"/>
+                <a:ea typeface="Arial" charset="0"/>
+                <a:cs typeface="Arial" charset="0"/>
                 <a:sym typeface="Cabin"/>
               </a:rPr>
               <a:t>t</a:t>
@@ -31029,13 +31034,13 @@
               <a:buNone/>
             </a:pPr>
             <a:r>
-              <a:rPr lang="en-US" sz="4000" b="0" i="0" u="none" strike="noStrike" cap="none">
-                <a:solidFill>
-                  <a:schemeClr val="lt1"/>
-                </a:solidFill>
-                <a:latin typeface="Cabin"/>
-                <a:ea typeface="Cabin"/>
-                <a:cs typeface="Cabin"/>
+              <a:rPr lang="en-US" sz="4000" u="none" strike="noStrike" cap="none">
+                <a:solidFill>
+                  <a:schemeClr val="lt1"/>
+                </a:solidFill>
+                <a:latin typeface="Arial" charset="0"/>
+                <a:ea typeface="Arial" charset="0"/>
+                <a:cs typeface="Arial" charset="0"/>
                 <a:sym typeface="Cabin"/>
               </a:rPr>
               <a:t>9</a:t>
@@ -31092,13 +31097,13 @@
               <a:buNone/>
             </a:pPr>
             <a:r>
-              <a:rPr lang="en-US" sz="4000" b="0" i="0" u="none" strike="noStrike" cap="none">
-                <a:solidFill>
-                  <a:schemeClr val="lt1"/>
-                </a:solidFill>
-                <a:latin typeface="Cabin"/>
-                <a:ea typeface="Cabin"/>
-                <a:cs typeface="Cabin"/>
+              <a:rPr lang="en-US" sz="4000" u="none" strike="noStrike" cap="none">
+                <a:solidFill>
+                  <a:schemeClr val="lt1"/>
+                </a:solidFill>
+                <a:latin typeface="Arial" charset="0"/>
+                <a:ea typeface="Arial" charset="0"/>
+                <a:cs typeface="Arial" charset="0"/>
                 <a:sym typeface="Cabin"/>
               </a:rPr>
               <a:t>h</a:t>
@@ -31149,13 +31154,13 @@
               <a:buNone/>
             </a:pPr>
             <a:r>
-              <a:rPr lang="en-US" sz="4000" b="0" i="0" u="none" strike="noStrike" cap="none">
-                <a:solidFill>
-                  <a:schemeClr val="lt1"/>
-                </a:solidFill>
-                <a:latin typeface="Cabin"/>
-                <a:ea typeface="Cabin"/>
-                <a:cs typeface="Cabin"/>
+              <a:rPr lang="en-US" sz="4000" u="none" strike="noStrike" cap="none">
+                <a:solidFill>
+                  <a:schemeClr val="lt1"/>
+                </a:solidFill>
+                <a:latin typeface="Arial" charset="0"/>
+                <a:ea typeface="Arial" charset="0"/>
+                <a:cs typeface="Arial" charset="0"/>
                 <a:sym typeface="Cabin"/>
               </a:rPr>
               <a:t>10</a:t>
@@ -31212,13 +31217,13 @@
               <a:buNone/>
             </a:pPr>
             <a:r>
-              <a:rPr lang="en-US" sz="4000" b="0" i="0" u="none" strike="noStrike" cap="none">
-                <a:solidFill>
-                  <a:schemeClr val="lt1"/>
-                </a:solidFill>
-                <a:latin typeface="Cabin"/>
-                <a:ea typeface="Cabin"/>
-                <a:cs typeface="Cabin"/>
+              <a:rPr lang="en-US" sz="4000" u="none" strike="noStrike" cap="none">
+                <a:solidFill>
+                  <a:schemeClr val="lt1"/>
+                </a:solidFill>
+                <a:latin typeface="Arial" charset="0"/>
+                <a:ea typeface="Arial" charset="0"/>
+                <a:cs typeface="Arial" charset="0"/>
                 <a:sym typeface="Cabin"/>
               </a:rPr>
               <a:t>o</a:t>
@@ -31269,13 +31274,13 @@
               <a:buNone/>
             </a:pPr>
             <a:r>
-              <a:rPr lang="en-US" sz="4000" b="0" i="0" u="none" strike="noStrike" cap="none">
-                <a:solidFill>
-                  <a:schemeClr val="lt1"/>
-                </a:solidFill>
-                <a:latin typeface="Cabin"/>
-                <a:ea typeface="Cabin"/>
-                <a:cs typeface="Cabin"/>
+              <a:rPr lang="en-US" sz="4000" u="none" strike="noStrike" cap="none">
+                <a:solidFill>
+                  <a:schemeClr val="lt1"/>
+                </a:solidFill>
+                <a:latin typeface="Arial" charset="0"/>
+                <a:ea typeface="Arial" charset="0"/>
+                <a:cs typeface="Arial" charset="0"/>
                 <a:sym typeface="Cabin"/>
               </a:rPr>
               <a:t>11</a:t>
@@ -31332,13 +31337,13 @@
               <a:buNone/>
             </a:pPr>
             <a:r>
-              <a:rPr lang="en-US" sz="4000" b="0" i="0" u="none" strike="noStrike" cap="none">
-                <a:solidFill>
-                  <a:schemeClr val="lt1"/>
-                </a:solidFill>
-                <a:latin typeface="Cabin"/>
-                <a:ea typeface="Cabin"/>
-                <a:cs typeface="Cabin"/>
+              <a:rPr lang="en-US" sz="4000" u="none" strike="noStrike" cap="none">
+                <a:solidFill>
+                  <a:schemeClr val="lt1"/>
+                </a:solidFill>
+                <a:latin typeface="Arial" charset="0"/>
+                <a:ea typeface="Arial" charset="0"/>
+                <a:cs typeface="Arial" charset="0"/>
                 <a:sym typeface="Cabin"/>
               </a:rPr>
               <a:t>n</a:t>
@@ -31418,13 +31423,13 @@
               <a:buNone/>
             </a:pPr>
             <a:r>
-              <a:rPr lang="en-US" sz="7600" b="0" i="0" u="none" strike="noStrike" cap="none">
+              <a:rPr lang="en-US" sz="7600" u="none" strike="noStrike" cap="none">
                 <a:solidFill>
                   <a:srgbClr val="FFFF00"/>
                 </a:solidFill>
-                <a:latin typeface="Cabin"/>
-                <a:ea typeface="Cabin"/>
-                <a:cs typeface="Cabin"/>
+                <a:latin typeface="Arial" charset="0"/>
+                <a:ea typeface="Arial" charset="0"/>
+                <a:cs typeface="Arial" charset="0"/>
                 <a:sym typeface="Cabin"/>
               </a:rPr>
               <a:t>String Concatenation</a:t>
@@ -31479,37 +31484,37 @@
               <a:buChar char="•"/>
             </a:pPr>
             <a:r>
-              <a:rPr lang="en-US" sz="3600" b="0" i="0" u="none" strike="noStrike" cap="none">
-                <a:solidFill>
-                  <a:schemeClr val="lt1"/>
-                </a:solidFill>
-                <a:latin typeface="Cabin"/>
-                <a:ea typeface="Cabin"/>
-                <a:cs typeface="Cabin"/>
+              <a:rPr lang="en-US" sz="3600" u="none" strike="noStrike" cap="none">
+                <a:solidFill>
+                  <a:schemeClr val="lt1"/>
+                </a:solidFill>
+                <a:latin typeface="Arial" charset="0"/>
+                <a:ea typeface="Arial" charset="0"/>
+                <a:cs typeface="Arial" charset="0"/>
                 <a:sym typeface="Cabin"/>
               </a:rPr>
               <a:t>When the  </a:t>
             </a:r>
             <a:r>
-              <a:rPr lang="en-US" sz="3600" b="0" i="0" u="none" strike="noStrike" cap="none">
+              <a:rPr lang="en-US" sz="3600" u="none" strike="noStrike" cap="none">
                 <a:solidFill>
                   <a:srgbClr val="00FFFF"/>
                 </a:solidFill>
-                <a:latin typeface="Cabin"/>
-                <a:ea typeface="Cabin"/>
-                <a:cs typeface="Cabin"/>
+                <a:latin typeface="Arial" charset="0"/>
+                <a:ea typeface="Arial" charset="0"/>
+                <a:cs typeface="Arial" charset="0"/>
                 <a:sym typeface="Cabin"/>
               </a:rPr>
               <a:t>+ </a:t>
             </a:r>
             <a:r>
-              <a:rPr lang="en-US" sz="3600" b="0" i="0" u="none" strike="noStrike" cap="none">
-                <a:solidFill>
-                  <a:schemeClr val="lt1"/>
-                </a:solidFill>
-                <a:latin typeface="Cabin"/>
-                <a:ea typeface="Cabin"/>
-                <a:cs typeface="Cabin"/>
+              <a:rPr lang="en-US" sz="3600" u="none" strike="noStrike" cap="none">
+                <a:solidFill>
+                  <a:schemeClr val="lt1"/>
+                </a:solidFill>
+                <a:latin typeface="Arial" charset="0"/>
+                <a:ea typeface="Arial" charset="0"/>
+                <a:cs typeface="Arial" charset="0"/>
                 <a:sym typeface="Cabin"/>
               </a:rPr>
               <a:t> operator is applied to strings, it means </a:t>
@@ -31519,21 +31524,21 @@
                 <a:solidFill>
                   <a:schemeClr val="lt1"/>
                 </a:solidFill>
-                <a:latin typeface="Cabin"/>
-                <a:ea typeface="Cabin"/>
-                <a:cs typeface="Cabin"/>
+                <a:latin typeface="Arial" charset="0"/>
+                <a:ea typeface="Arial" charset="0"/>
+                <a:cs typeface="Arial" charset="0"/>
                 <a:sym typeface="Cabin"/>
               </a:rPr>
               <a:t>“</a:t>
             </a:r>
             <a:r>
-              <a:rPr lang="en-US" sz="3600" i="0" u="none" strike="noStrike" cap="none">
+              <a:rPr lang="en-US" sz="3600" u="none" strike="noStrike" cap="none">
                 <a:solidFill>
                   <a:srgbClr val="00FFFF"/>
                 </a:solidFill>
-                <a:latin typeface="Cabin"/>
-                <a:ea typeface="Cabin"/>
-                <a:cs typeface="Cabin"/>
+                <a:latin typeface="Arial" charset="0"/>
+                <a:ea typeface="Arial" charset="0"/>
+                <a:cs typeface="Arial" charset="0"/>
                 <a:sym typeface="Cabin"/>
               </a:rPr>
               <a:t>concatenation</a:t>
@@ -31543,9 +31548,9 @@
                 <a:solidFill>
                   <a:schemeClr val="lt1"/>
                 </a:solidFill>
-                <a:latin typeface="Cabin"/>
-                <a:ea typeface="Cabin"/>
-                <a:cs typeface="Cabin"/>
+                <a:latin typeface="Arial" charset="0"/>
+                <a:ea typeface="Arial" charset="0"/>
+                <a:cs typeface="Arial" charset="0"/>
                 <a:sym typeface="Cabin"/>
               </a:rPr>
               <a:t>”</a:t>
@@ -32235,37 +32240,37 @@
               <a:buNone/>
             </a:pPr>
             <a:r>
-              <a:rPr lang="en-US" sz="7600" b="0" i="0" u="none" strike="noStrike" cap="none">
+              <a:rPr lang="en-US" sz="7600" u="none" strike="noStrike" cap="none">
                 <a:solidFill>
                   <a:srgbClr val="FFFFFF"/>
                 </a:solidFill>
-                <a:latin typeface="Cabin"/>
-                <a:ea typeface="Cabin"/>
-                <a:cs typeface="Cabin"/>
+                <a:latin typeface="Arial" charset="0"/>
+                <a:ea typeface="Arial" charset="0"/>
+                <a:cs typeface="Arial" charset="0"/>
                 <a:sym typeface="Cabin"/>
               </a:rPr>
               <a:t>Using </a:t>
             </a:r>
             <a:r>
-              <a:rPr lang="en-US" sz="7600" b="0" i="0" u="none" strike="noStrike" cap="none">
+              <a:rPr lang="en-US" sz="7600" u="none" strike="noStrike" cap="none">
                 <a:solidFill>
                   <a:srgbClr val="FFFF00"/>
                 </a:solidFill>
-                <a:latin typeface="Cabin"/>
-                <a:ea typeface="Cabin"/>
-                <a:cs typeface="Cabin"/>
+                <a:latin typeface="Arial" charset="0"/>
+                <a:ea typeface="Arial" charset="0"/>
+                <a:cs typeface="Arial" charset="0"/>
                 <a:sym typeface="Cabin"/>
               </a:rPr>
               <a:t>in</a:t>
             </a:r>
             <a:r>
-              <a:rPr lang="en-US" sz="7600" b="0" i="0" u="none" strike="noStrike" cap="none">
+              <a:rPr lang="en-US" sz="7600" u="none" strike="noStrike" cap="none">
                 <a:solidFill>
                   <a:srgbClr val="FFFFFF"/>
                 </a:solidFill>
-                <a:latin typeface="Cabin"/>
-                <a:ea typeface="Cabin"/>
-                <a:cs typeface="Cabin"/>
+                <a:latin typeface="Arial" charset="0"/>
+                <a:ea typeface="Arial" charset="0"/>
+                <a:cs typeface="Arial" charset="0"/>
                 <a:sym typeface="Cabin"/>
               </a:rPr>
               <a:t> as a</a:t>
@@ -32275,21 +32280,21 @@
                 <a:solidFill>
                   <a:srgbClr val="FFFFFF"/>
                 </a:solidFill>
-                <a:latin typeface="Cabin"/>
-                <a:ea typeface="Cabin"/>
-                <a:cs typeface="Cabin"/>
+                <a:latin typeface="Arial" charset="0"/>
+                <a:ea typeface="Arial" charset="0"/>
+                <a:cs typeface="Arial" charset="0"/>
                 <a:sym typeface="Cabin"/>
               </a:rPr>
               <a:t> logical</a:t>
             </a:r>
             <a:r>
-              <a:rPr lang="en-US" sz="7600" b="0" i="0" u="none" strike="noStrike" cap="none">
+              <a:rPr lang="en-US" sz="7600" u="none" strike="noStrike" cap="none">
                 <a:solidFill>
                   <a:srgbClr val="FFFFFF"/>
                 </a:solidFill>
-                <a:latin typeface="Cabin"/>
-                <a:ea typeface="Cabin"/>
-                <a:cs typeface="Cabin"/>
+                <a:latin typeface="Arial" charset="0"/>
+                <a:ea typeface="Arial" charset="0"/>
+                <a:cs typeface="Arial" charset="0"/>
                 <a:sym typeface="Cabin"/>
               </a:rPr>
               <a:t> Operator</a:t>
@@ -32344,37 +32349,37 @@
               <a:buChar char="•"/>
             </a:pPr>
             <a:r>
-              <a:rPr lang="en-US" sz="3600" b="0" i="0" u="none" strike="noStrike" cap="none">
-                <a:solidFill>
-                  <a:schemeClr val="lt1"/>
-                </a:solidFill>
-                <a:latin typeface="Cabin"/>
-                <a:ea typeface="Cabin"/>
-                <a:cs typeface="Cabin"/>
+              <a:rPr lang="en-US" sz="3600" u="none" strike="noStrike" cap="none">
+                <a:solidFill>
+                  <a:schemeClr val="lt1"/>
+                </a:solidFill>
+                <a:latin typeface="Arial" charset="0"/>
+                <a:ea typeface="Arial" charset="0"/>
+                <a:cs typeface="Arial" charset="0"/>
                 <a:sym typeface="Cabin"/>
               </a:rPr>
               <a:t>The </a:t>
             </a:r>
             <a:r>
-              <a:rPr lang="en-US" sz="3600" b="0" i="0" u="none" strike="noStrike" cap="none">
+              <a:rPr lang="en-US" sz="3600" u="none" strike="noStrike" cap="none">
                 <a:solidFill>
                   <a:srgbClr val="FFFF00"/>
                 </a:solidFill>
-                <a:latin typeface="Cabin"/>
-                <a:ea typeface="Cabin"/>
-                <a:cs typeface="Cabin"/>
+                <a:latin typeface="Arial" charset="0"/>
+                <a:ea typeface="Arial" charset="0"/>
+                <a:cs typeface="Arial" charset="0"/>
                 <a:sym typeface="Cabin"/>
               </a:rPr>
               <a:t>in</a:t>
             </a:r>
             <a:r>
-              <a:rPr lang="en-US" sz="3600" b="0" i="0" u="none" strike="noStrike" cap="none">
-                <a:solidFill>
-                  <a:schemeClr val="lt1"/>
-                </a:solidFill>
-                <a:latin typeface="Cabin"/>
-                <a:ea typeface="Cabin"/>
-                <a:cs typeface="Cabin"/>
+              <a:rPr lang="en-US" sz="3600" u="none" strike="noStrike" cap="none">
+                <a:solidFill>
+                  <a:schemeClr val="lt1"/>
+                </a:solidFill>
+                <a:latin typeface="Arial" charset="0"/>
+                <a:ea typeface="Arial" charset="0"/>
+                <a:cs typeface="Arial" charset="0"/>
                 <a:sym typeface="Cabin"/>
               </a:rPr>
               <a:t> keyword can also be used to check to see if one string is </a:t>
@@ -32384,21 +32389,21 @@
                 <a:solidFill>
                   <a:schemeClr val="lt1"/>
                 </a:solidFill>
-                <a:latin typeface="Cabin"/>
-                <a:ea typeface="Cabin"/>
-                <a:cs typeface="Cabin"/>
+                <a:latin typeface="Arial" charset="0"/>
+                <a:ea typeface="Arial" charset="0"/>
+                <a:cs typeface="Arial" charset="0"/>
                 <a:sym typeface="Cabin"/>
               </a:rPr>
               <a:t>“</a:t>
             </a:r>
             <a:r>
-              <a:rPr lang="en-US" sz="3600" b="0" i="0" u="none" strike="noStrike" cap="none">
-                <a:solidFill>
-                  <a:schemeClr val="lt1"/>
-                </a:solidFill>
-                <a:latin typeface="Cabin"/>
-                <a:ea typeface="Cabin"/>
-                <a:cs typeface="Cabin"/>
+              <a:rPr lang="en-US" sz="3600" u="none" strike="noStrike" cap="none">
+                <a:solidFill>
+                  <a:schemeClr val="lt1"/>
+                </a:solidFill>
+                <a:latin typeface="Arial" charset="0"/>
+                <a:ea typeface="Arial" charset="0"/>
+                <a:cs typeface="Arial" charset="0"/>
                 <a:sym typeface="Cabin"/>
               </a:rPr>
               <a:t>in</a:t>
@@ -32408,21 +32413,21 @@
                 <a:solidFill>
                   <a:schemeClr val="lt1"/>
                 </a:solidFill>
-                <a:latin typeface="Cabin"/>
-                <a:ea typeface="Cabin"/>
-                <a:cs typeface="Cabin"/>
+                <a:latin typeface="Arial" charset="0"/>
+                <a:ea typeface="Arial" charset="0"/>
+                <a:cs typeface="Arial" charset="0"/>
                 <a:sym typeface="Cabin"/>
               </a:rPr>
               <a:t>”</a:t>
             </a:r>
             <a:r>
-              <a:rPr lang="en-US" sz="3600" b="0" i="0" u="none" strike="noStrike" cap="none">
-                <a:solidFill>
-                  <a:schemeClr val="lt1"/>
-                </a:solidFill>
-                <a:latin typeface="Cabin"/>
-                <a:ea typeface="Cabin"/>
-                <a:cs typeface="Cabin"/>
+              <a:rPr lang="en-US" sz="3600" u="none" strike="noStrike" cap="none">
+                <a:solidFill>
+                  <a:schemeClr val="lt1"/>
+                </a:solidFill>
+                <a:latin typeface="Arial" charset="0"/>
+                <a:ea typeface="Arial" charset="0"/>
+                <a:cs typeface="Arial" charset="0"/>
                 <a:sym typeface="Cabin"/>
               </a:rPr>
               <a:t> another string</a:t>
@@ -32447,37 +32452,37 @@
               <a:buChar char="•"/>
             </a:pPr>
             <a:r>
-              <a:rPr lang="en-US" sz="3600" b="0" i="0" u="none" strike="noStrike" cap="none">
-                <a:solidFill>
-                  <a:schemeClr val="lt1"/>
-                </a:solidFill>
-                <a:latin typeface="Cabin"/>
-                <a:ea typeface="Cabin"/>
-                <a:cs typeface="Cabin"/>
+              <a:rPr lang="en-US" sz="3600" u="none" strike="noStrike" cap="none">
+                <a:solidFill>
+                  <a:schemeClr val="lt1"/>
+                </a:solidFill>
+                <a:latin typeface="Arial" charset="0"/>
+                <a:ea typeface="Arial" charset="0"/>
+                <a:cs typeface="Arial" charset="0"/>
                 <a:sym typeface="Cabin"/>
               </a:rPr>
               <a:t>The </a:t>
             </a:r>
             <a:r>
-              <a:rPr lang="en-US" sz="3600" b="0" i="0" u="none" strike="noStrike" cap="none">
+              <a:rPr lang="en-US" sz="3600" u="none" strike="noStrike" cap="none">
                 <a:solidFill>
                   <a:srgbClr val="FFFF00"/>
                 </a:solidFill>
-                <a:latin typeface="Cabin"/>
-                <a:ea typeface="Cabin"/>
-                <a:cs typeface="Cabin"/>
+                <a:latin typeface="Arial" charset="0"/>
+                <a:ea typeface="Arial" charset="0"/>
+                <a:cs typeface="Arial" charset="0"/>
                 <a:sym typeface="Cabin"/>
               </a:rPr>
               <a:t>in</a:t>
             </a:r>
             <a:r>
-              <a:rPr lang="en-US" sz="3600" b="0" i="0" u="none" strike="noStrike" cap="none">
-                <a:solidFill>
-                  <a:schemeClr val="lt1"/>
-                </a:solidFill>
-                <a:latin typeface="Cabin"/>
-                <a:ea typeface="Cabin"/>
-                <a:cs typeface="Cabin"/>
+              <a:rPr lang="en-US" sz="3600" u="none" strike="noStrike" cap="none">
+                <a:solidFill>
+                  <a:schemeClr val="lt1"/>
+                </a:solidFill>
+                <a:latin typeface="Arial" charset="0"/>
+                <a:ea typeface="Arial" charset="0"/>
+                <a:cs typeface="Arial" charset="0"/>
                 <a:sym typeface="Cabin"/>
               </a:rPr>
               <a:t> expression is a logical expression </a:t>
@@ -32487,93 +32492,93 @@
                 <a:solidFill>
                   <a:schemeClr val="lt1"/>
                 </a:solidFill>
-                <a:latin typeface="Cabin"/>
-                <a:ea typeface="Cabin"/>
-                <a:cs typeface="Cabin"/>
+                <a:latin typeface="Arial" charset="0"/>
+                <a:ea typeface="Arial" charset="0"/>
+                <a:cs typeface="Arial" charset="0"/>
                 <a:sym typeface="Cabin"/>
               </a:rPr>
               <a:t>that</a:t>
             </a:r>
             <a:r>
-              <a:rPr lang="en-US" sz="3600" b="0" i="0" u="none" strike="noStrike" cap="none">
-                <a:solidFill>
-                  <a:schemeClr val="lt1"/>
-                </a:solidFill>
-                <a:latin typeface="Cabin"/>
-                <a:ea typeface="Cabin"/>
-                <a:cs typeface="Cabin"/>
+              <a:rPr lang="en-US" sz="3600" u="none" strike="noStrike" cap="none">
+                <a:solidFill>
+                  <a:schemeClr val="lt1"/>
+                </a:solidFill>
+                <a:latin typeface="Arial" charset="0"/>
+                <a:ea typeface="Arial" charset="0"/>
+                <a:cs typeface="Arial" charset="0"/>
                 <a:sym typeface="Cabin"/>
               </a:rPr>
               <a:t> returns </a:t>
             </a:r>
             <a:r>
-              <a:rPr lang="en-US" sz="3600" b="0" i="0" u="none" strike="noStrike" cap="none">
+              <a:rPr lang="en-US" sz="3600" u="none" strike="noStrike" cap="none">
                 <a:solidFill>
                   <a:srgbClr val="FF7F00"/>
                 </a:solidFill>
-                <a:latin typeface="Cabin"/>
-                <a:ea typeface="Cabin"/>
-                <a:cs typeface="Cabin"/>
+                <a:latin typeface="Arial" charset="0"/>
+                <a:ea typeface="Arial" charset="0"/>
+                <a:cs typeface="Arial" charset="0"/>
                 <a:sym typeface="Cabin"/>
               </a:rPr>
               <a:t>True</a:t>
             </a:r>
             <a:r>
-              <a:rPr lang="en-US" sz="3600" b="0" i="0" u="none" strike="noStrike" cap="none">
-                <a:solidFill>
-                  <a:schemeClr val="lt1"/>
-                </a:solidFill>
-                <a:latin typeface="Cabin"/>
-                <a:ea typeface="Cabin"/>
-                <a:cs typeface="Cabin"/>
+              <a:rPr lang="en-US" sz="3600" u="none" strike="noStrike" cap="none">
+                <a:solidFill>
+                  <a:schemeClr val="lt1"/>
+                </a:solidFill>
+                <a:latin typeface="Arial" charset="0"/>
+                <a:ea typeface="Arial" charset="0"/>
+                <a:cs typeface="Arial" charset="0"/>
                 <a:sym typeface="Cabin"/>
               </a:rPr>
               <a:t> or </a:t>
             </a:r>
             <a:r>
-              <a:rPr lang="en-US" sz="3600" b="0" i="0" u="none" strike="noStrike" cap="none">
+              <a:rPr lang="en-US" sz="3600" u="none" strike="noStrike" cap="none">
                 <a:solidFill>
                   <a:srgbClr val="FF7F00"/>
                 </a:solidFill>
-                <a:latin typeface="Cabin"/>
-                <a:ea typeface="Cabin"/>
-                <a:cs typeface="Cabin"/>
+                <a:latin typeface="Arial" charset="0"/>
+                <a:ea typeface="Arial" charset="0"/>
+                <a:cs typeface="Arial" charset="0"/>
                 <a:sym typeface="Cabin"/>
               </a:rPr>
               <a:t>False</a:t>
             </a:r>
             <a:r>
-              <a:rPr lang="en-US" sz="3600" b="0" i="0" u="none" strike="noStrike" cap="none">
-                <a:solidFill>
-                  <a:schemeClr val="lt1"/>
-                </a:solidFill>
-                <a:latin typeface="Cabin"/>
-                <a:ea typeface="Cabin"/>
-                <a:cs typeface="Cabin"/>
+              <a:rPr lang="en-US" sz="3600" u="none" strike="noStrike" cap="none">
+                <a:solidFill>
+                  <a:schemeClr val="lt1"/>
+                </a:solidFill>
+                <a:latin typeface="Arial" charset="0"/>
+                <a:ea typeface="Arial" charset="0"/>
+                <a:cs typeface="Arial" charset="0"/>
                 <a:sym typeface="Cabin"/>
               </a:rPr>
               <a:t> and can be used in an</a:t>
             </a:r>
             <a:r>
-              <a:rPr lang="en-US" sz="3600" b="0" i="0" u="none" strike="noStrike" cap="none">
+              <a:rPr lang="en-US" sz="3600" u="none" strike="noStrike" cap="none">
                 <a:solidFill>
                   <a:srgbClr val="FFFF00"/>
                 </a:solidFill>
-                <a:latin typeface="Cabin"/>
-                <a:ea typeface="Cabin"/>
-                <a:cs typeface="Cabin"/>
+                <a:latin typeface="Arial" charset="0"/>
+                <a:ea typeface="Arial" charset="0"/>
+                <a:cs typeface="Arial" charset="0"/>
                 <a:sym typeface="Cabin"/>
               </a:rPr>
               <a:t> if </a:t>
             </a:r>
             <a:r>
-              <a:rPr lang="en-US" sz="3600" b="0" i="0" u="none" strike="noStrike" cap="none">
-                <a:solidFill>
-                  <a:schemeClr val="lt1"/>
-                </a:solidFill>
-                <a:latin typeface="Cabin"/>
-                <a:ea typeface="Cabin"/>
-                <a:cs typeface="Cabin"/>
+              <a:rPr lang="en-US" sz="3600" u="none" strike="noStrike" cap="none">
+                <a:solidFill>
+                  <a:schemeClr val="lt1"/>
+                </a:solidFill>
+                <a:latin typeface="Arial" charset="0"/>
+                <a:ea typeface="Arial" charset="0"/>
+                <a:cs typeface="Arial" charset="0"/>
                 <a:sym typeface="Cabin"/>
               </a:rPr>
               <a:t>statement</a:t>
@@ -33411,13 +33416,13 @@
               <a:buNone/>
             </a:pPr>
             <a:r>
-              <a:rPr lang="en-US" sz="7600" b="0" i="0" u="none" strike="noStrike" cap="none">
+              <a:rPr lang="en-US" sz="7600" u="none" strike="noStrike" cap="none">
                 <a:solidFill>
                   <a:srgbClr val="FFFF00"/>
                 </a:solidFill>
-                <a:latin typeface="Cabin"/>
-                <a:ea typeface="Cabin"/>
-                <a:cs typeface="Cabin"/>
+                <a:latin typeface="Arial" charset="0"/>
+                <a:ea typeface="Arial" charset="0"/>
+                <a:cs typeface="Arial" charset="0"/>
                 <a:sym typeface="Cabin"/>
               </a:rPr>
               <a:t>String Comparison</a:t>
@@ -34418,13 +34423,13 @@
               <a:buNone/>
             </a:pPr>
             <a:r>
-              <a:rPr lang="en-US" sz="7600" b="0" i="0" u="none" strike="noStrike" cap="none">
+              <a:rPr lang="en-US" sz="7600" u="none" strike="noStrike" cap="none">
                 <a:solidFill>
                   <a:srgbClr val="FFFF00"/>
                 </a:solidFill>
-                <a:latin typeface="Cabin"/>
-                <a:ea typeface="Cabin"/>
-                <a:cs typeface="Cabin"/>
+                <a:latin typeface="Arial" charset="0"/>
+                <a:ea typeface="Arial" charset="0"/>
+                <a:cs typeface="Arial" charset="0"/>
                 <a:sym typeface="Cabin"/>
               </a:rPr>
               <a:t>String Data Type</a:t>
@@ -34479,13 +34484,13 @@
               <a:buChar char="•"/>
             </a:pPr>
             <a:r>
-              <a:rPr lang="en-US" sz="3000" b="0" i="0" u="none" strike="noStrike" cap="none">
+              <a:rPr lang="en-US" sz="3000" u="none" strike="noStrike" cap="none">
                 <a:solidFill>
                   <a:srgbClr val="FF00FF"/>
                 </a:solidFill>
-                <a:latin typeface="Cabin"/>
-                <a:ea typeface="Cabin"/>
-                <a:cs typeface="Cabin"/>
+                <a:latin typeface="Arial" charset="0"/>
+                <a:ea typeface="Arial" charset="0"/>
+                <a:cs typeface="Arial" charset="0"/>
                 <a:sym typeface="Cabin"/>
               </a:rPr>
               <a:t>A string is a sequence of characters</a:t>
@@ -34510,25 +34515,25 @@
               <a:buChar char="•"/>
             </a:pPr>
             <a:r>
-              <a:rPr lang="en-US" sz="3000" b="0" i="0" u="none" strike="noStrike" cap="none">
+              <a:rPr lang="en-US" sz="3000" u="none" strike="noStrike" cap="none">
                 <a:solidFill>
                   <a:srgbClr val="FF00FF"/>
                 </a:solidFill>
-                <a:latin typeface="Cabin"/>
-                <a:ea typeface="Cabin"/>
-                <a:cs typeface="Cabin"/>
+                <a:latin typeface="Arial" charset="0"/>
+                <a:ea typeface="Arial" charset="0"/>
+                <a:cs typeface="Arial" charset="0"/>
                 <a:sym typeface="Cabin"/>
               </a:rPr>
               <a:t>A string literal uses quotes  </a:t>
             </a:r>
             <a:br>
-              <a:rPr lang="en-US" sz="3000" b="0" i="0" u="none" strike="noStrike" cap="none">
+              <a:rPr lang="en-US" sz="3000" u="none" strike="noStrike" cap="none">
                 <a:solidFill>
                   <a:srgbClr val="FF00FF"/>
                 </a:solidFill>
-                <a:latin typeface="Cabin"/>
-                <a:ea typeface="Cabin"/>
-                <a:cs typeface="Cabin"/>
+                <a:latin typeface="Arial" charset="0"/>
+                <a:ea typeface="Arial" charset="0"/>
+                <a:cs typeface="Arial" charset="0"/>
                 <a:sym typeface="Cabin"/>
               </a:rPr>
             </a:br>
@@ -34545,13 +34550,13 @@
               <a:t>'</a:t>
             </a:r>
             <a:r>
-              <a:rPr lang="en-US" sz="3000" b="0" i="0" u="none" strike="noStrike" cap="none">
+              <a:rPr lang="en-US" sz="3000" u="none" strike="noStrike" cap="none">
                 <a:solidFill>
                   <a:srgbClr val="FF00FF"/>
                 </a:solidFill>
-                <a:latin typeface="Cabin"/>
-                <a:ea typeface="Cabin"/>
-                <a:cs typeface="Cabin"/>
+                <a:latin typeface="Arial" charset="0"/>
+                <a:ea typeface="Arial" charset="0"/>
+                <a:cs typeface="Arial" charset="0"/>
                 <a:sym typeface="Cabin"/>
               </a:rPr>
               <a:t>Hello</a:t>
@@ -34569,13 +34574,13 @@
               <a:t>'</a:t>
             </a:r>
             <a:r>
-              <a:rPr lang="en-US" sz="3000" b="0" i="0" u="none" strike="noStrike" cap="none">
+              <a:rPr lang="en-US" sz="3000" u="none" strike="noStrike" cap="none">
                 <a:solidFill>
                   <a:srgbClr val="FF00FF"/>
                 </a:solidFill>
-                <a:latin typeface="Cabin"/>
-                <a:ea typeface="Cabin"/>
-                <a:cs typeface="Cabin"/>
+                <a:latin typeface="Arial" charset="0"/>
+                <a:ea typeface="Arial" charset="0"/>
+                <a:cs typeface="Arial" charset="0"/>
                 <a:sym typeface="Cabin"/>
               </a:rPr>
               <a:t> or </a:t>
@@ -34589,13 +34594,13 @@
               <a:t>"</a:t>
             </a:r>
             <a:r>
-              <a:rPr lang="en-US" sz="3000" b="0" i="0" u="none" strike="noStrike" cap="none">
+              <a:rPr lang="en-US" sz="3000" u="none" strike="noStrike" cap="none">
                 <a:solidFill>
                   <a:srgbClr val="FF00FF"/>
                 </a:solidFill>
-                <a:latin typeface="Cabin"/>
-                <a:ea typeface="Cabin"/>
-                <a:cs typeface="Cabin"/>
+                <a:latin typeface="Arial" charset="0"/>
+                <a:ea typeface="Arial" charset="0"/>
+                <a:cs typeface="Arial" charset="0"/>
                 <a:sym typeface="Cabin"/>
               </a:rPr>
               <a:t>Hello</a:t>
@@ -34628,13 +34633,13 @@
               <a:buChar char="•"/>
             </a:pPr>
             <a:r>
-              <a:rPr lang="en-US" sz="3000" b="0" i="0" u="none" strike="noStrike" cap="none">
+              <a:rPr lang="en-US" sz="3000" u="none" strike="noStrike" cap="none">
                 <a:solidFill>
                   <a:srgbClr val="00FF00"/>
                 </a:solidFill>
-                <a:latin typeface="Cabin"/>
-                <a:ea typeface="Cabin"/>
-                <a:cs typeface="Cabin"/>
+                <a:latin typeface="Arial" charset="0"/>
+                <a:ea typeface="Arial" charset="0"/>
+                <a:cs typeface="Arial" charset="0"/>
                 <a:sym typeface="Cabin"/>
               </a:rPr>
               <a:t>For strings, + means </a:t>
@@ -34652,13 +34657,13 @@
               <a:t>“</a:t>
             </a:r>
             <a:r>
-              <a:rPr lang="en-US" sz="3000" b="0" i="0" u="none" strike="noStrike" cap="none">
+              <a:rPr lang="en-US" sz="3000" u="none" strike="noStrike" cap="none">
                 <a:solidFill>
                   <a:srgbClr val="00FF00"/>
                 </a:solidFill>
-                <a:latin typeface="Cabin"/>
-                <a:ea typeface="Cabin"/>
-                <a:cs typeface="Cabin"/>
+                <a:latin typeface="Arial" charset="0"/>
+                <a:ea typeface="Arial" charset="0"/>
+                <a:cs typeface="Arial" charset="0"/>
                 <a:sym typeface="Cabin"/>
               </a:rPr>
               <a:t>concatenate</a:t>
@@ -34695,13 +34700,13 @@
               <a:buChar char="•"/>
             </a:pPr>
             <a:r>
-              <a:rPr lang="en-US" sz="3000" b="0" i="0" u="none" strike="noStrike" cap="none">
+              <a:rPr lang="en-US" sz="3000" u="none" strike="noStrike" cap="none">
                 <a:solidFill>
                   <a:srgbClr val="FF7F00"/>
                 </a:solidFill>
-                <a:latin typeface="Cabin"/>
-                <a:ea typeface="Cabin"/>
-                <a:cs typeface="Cabin"/>
+                <a:latin typeface="Arial" charset="0"/>
+                <a:ea typeface="Arial" charset="0"/>
+                <a:cs typeface="Arial" charset="0"/>
                 <a:sym typeface="Cabin"/>
               </a:rPr>
               <a:t>When a string contains numbers, it is still a string</a:t>
@@ -34726,37 +34731,37 @@
               <a:buChar char="•"/>
             </a:pPr>
             <a:r>
-              <a:rPr lang="en-US" sz="3000" b="0" i="0" u="none" strike="noStrike" cap="none">
+              <a:rPr lang="en-US" sz="3000" u="none" strike="noStrike" cap="none">
                 <a:solidFill>
                   <a:srgbClr val="00FFFF"/>
                 </a:solidFill>
-                <a:latin typeface="Cabin"/>
-                <a:ea typeface="Cabin"/>
-                <a:cs typeface="Cabin"/>
+                <a:latin typeface="Arial" charset="0"/>
+                <a:ea typeface="Arial" charset="0"/>
+                <a:cs typeface="Arial" charset="0"/>
                 <a:sym typeface="Cabin"/>
               </a:rPr>
               <a:t>We can convert numbers in a string into a number using </a:t>
             </a:r>
             <a:r>
-              <a:rPr lang="en-US" sz="3000" b="0" i="0" u="none" strike="noStrike" cap="none">
+              <a:rPr lang="en-US" sz="3000" u="none" strike="noStrike" cap="none">
                 <a:solidFill>
                   <a:srgbClr val="FF00FF"/>
                 </a:solidFill>
-                <a:latin typeface="Cabin"/>
-                <a:ea typeface="Cabin"/>
-                <a:cs typeface="Cabin"/>
+                <a:latin typeface="Arial" charset="0"/>
+                <a:ea typeface="Arial" charset="0"/>
+                <a:cs typeface="Arial" charset="0"/>
                 <a:sym typeface="Cabin"/>
               </a:rPr>
               <a:t>int</a:t>
             </a:r>
             <a:r>
-              <a:rPr lang="en-US" sz="3000" b="0" i="0" u="none" strike="noStrike" cap="none">
+              <a:rPr lang="en-US" sz="3000" u="none" strike="noStrike" cap="none">
                 <a:solidFill>
                   <a:srgbClr val="00FFFF"/>
                 </a:solidFill>
-                <a:latin typeface="Cabin"/>
-                <a:ea typeface="Cabin"/>
-                <a:cs typeface="Cabin"/>
+                <a:latin typeface="Arial" charset="0"/>
+                <a:ea typeface="Arial" charset="0"/>
+                <a:cs typeface="Arial" charset="0"/>
                 <a:sym typeface="Cabin"/>
               </a:rPr>
               <a:t>()</a:t>
@@ -35390,13 +35395,13 @@
               <a:buNone/>
             </a:pPr>
             <a:r>
-              <a:rPr lang="en-US" sz="7600" b="0" i="0" u="none" strike="noStrike" cap="none">
+              <a:rPr lang="en-US" sz="7600" u="none" strike="noStrike" cap="none">
                 <a:solidFill>
                   <a:srgbClr val="FFFF00"/>
                 </a:solidFill>
-                <a:latin typeface="Cabin"/>
-                <a:ea typeface="Cabin"/>
-                <a:cs typeface="Cabin"/>
+                <a:latin typeface="Arial" charset="0"/>
+                <a:ea typeface="Arial" charset="0"/>
+                <a:cs typeface="Arial" charset="0"/>
                 <a:sym typeface="Cabin"/>
               </a:rPr>
               <a:t>String Library</a:t>
@@ -35451,49 +35456,49 @@
               <a:buChar char="•"/>
             </a:pPr>
             <a:r>
-              <a:rPr lang="en-US" sz="3400" b="0" i="0" u="none" strike="noStrike" cap="none">
-                <a:solidFill>
-                  <a:schemeClr val="lt1"/>
-                </a:solidFill>
-                <a:latin typeface="Cabin"/>
-                <a:ea typeface="Cabin"/>
-                <a:cs typeface="Cabin"/>
+              <a:rPr lang="en-US" sz="3400" u="none" strike="noStrike" cap="none">
+                <a:solidFill>
+                  <a:schemeClr val="lt1"/>
+                </a:solidFill>
+                <a:latin typeface="Arial" charset="0"/>
+                <a:ea typeface="Arial" charset="0"/>
+                <a:cs typeface="Arial" charset="0"/>
                 <a:sym typeface="Cabin"/>
               </a:rPr>
               <a:t>Python has a number of string </a:t>
             </a:r>
             <a:r>
-              <a:rPr lang="en-US" sz="3400" b="0" i="0" u="none" strike="noStrike" cap="none">
+              <a:rPr lang="en-US" sz="3400" u="none" strike="noStrike" cap="none">
                 <a:solidFill>
                   <a:srgbClr val="FF00FF"/>
                 </a:solidFill>
-                <a:latin typeface="Cabin"/>
-                <a:ea typeface="Cabin"/>
-                <a:cs typeface="Cabin"/>
+                <a:latin typeface="Arial" charset="0"/>
+                <a:ea typeface="Arial" charset="0"/>
+                <a:cs typeface="Arial" charset="0"/>
                 <a:sym typeface="Cabin"/>
               </a:rPr>
               <a:t>functions</a:t>
             </a:r>
             <a:r>
-              <a:rPr lang="en-US" sz="3400" b="0" i="0" u="none" strike="noStrike" cap="none">
-                <a:solidFill>
-                  <a:schemeClr val="lt1"/>
-                </a:solidFill>
-                <a:latin typeface="Cabin"/>
-                <a:ea typeface="Cabin"/>
-                <a:cs typeface="Cabin"/>
+              <a:rPr lang="en-US" sz="3400" u="none" strike="noStrike" cap="none">
+                <a:solidFill>
+                  <a:schemeClr val="lt1"/>
+                </a:solidFill>
+                <a:latin typeface="Arial" charset="0"/>
+                <a:ea typeface="Arial" charset="0"/>
+                <a:cs typeface="Arial" charset="0"/>
                 <a:sym typeface="Cabin"/>
               </a:rPr>
               <a:t> which are in the</a:t>
             </a:r>
             <a:r>
-              <a:rPr lang="en-US" sz="3400" b="0" i="0" u="none" strike="noStrike" cap="none">
+              <a:rPr lang="en-US" sz="3400" u="none" strike="noStrike" cap="none">
                 <a:solidFill>
                   <a:srgbClr val="FF00FF"/>
                 </a:solidFill>
-                <a:latin typeface="Cabin"/>
-                <a:ea typeface="Cabin"/>
-                <a:cs typeface="Cabin"/>
+                <a:latin typeface="Arial" charset="0"/>
+                <a:ea typeface="Arial" charset="0"/>
+                <a:cs typeface="Arial" charset="0"/>
                 <a:sym typeface="Cabin"/>
               </a:rPr>
               <a:t> string library</a:t>
@@ -35518,61 +35523,61 @@
               <a:buChar char="•"/>
             </a:pPr>
             <a:r>
-              <a:rPr lang="en-US" sz="3400" b="0" i="0" u="none" strike="noStrike" cap="none">
-                <a:solidFill>
-                  <a:schemeClr val="lt1"/>
-                </a:solidFill>
-                <a:latin typeface="Cabin"/>
-                <a:ea typeface="Cabin"/>
-                <a:cs typeface="Cabin"/>
+              <a:rPr lang="en-US" sz="3400" u="none" strike="noStrike" cap="none">
+                <a:solidFill>
+                  <a:schemeClr val="lt1"/>
+                </a:solidFill>
+                <a:latin typeface="Arial" charset="0"/>
+                <a:ea typeface="Arial" charset="0"/>
+                <a:cs typeface="Arial" charset="0"/>
                 <a:sym typeface="Cabin"/>
               </a:rPr>
               <a:t>These </a:t>
             </a:r>
             <a:r>
-              <a:rPr lang="en-US" sz="3400" b="0" i="0" u="none" strike="noStrike" cap="none">
+              <a:rPr lang="en-US" sz="3400" u="none" strike="noStrike" cap="none">
                 <a:solidFill>
                   <a:srgbClr val="FF00FF"/>
                 </a:solidFill>
-                <a:latin typeface="Cabin"/>
-                <a:ea typeface="Cabin"/>
-                <a:cs typeface="Cabin"/>
+                <a:latin typeface="Arial" charset="0"/>
+                <a:ea typeface="Arial" charset="0"/>
+                <a:cs typeface="Arial" charset="0"/>
                 <a:sym typeface="Cabin"/>
               </a:rPr>
               <a:t>functions</a:t>
             </a:r>
             <a:r>
-              <a:rPr lang="en-US" sz="3400" b="0" i="0" u="none" strike="noStrike" cap="none">
-                <a:solidFill>
-                  <a:schemeClr val="lt1"/>
-                </a:solidFill>
-                <a:latin typeface="Cabin"/>
-                <a:ea typeface="Cabin"/>
-                <a:cs typeface="Cabin"/>
+              <a:rPr lang="en-US" sz="3400" u="none" strike="noStrike" cap="none">
+                <a:solidFill>
+                  <a:schemeClr val="lt1"/>
+                </a:solidFill>
+                <a:latin typeface="Arial" charset="0"/>
+                <a:ea typeface="Arial" charset="0"/>
+                <a:cs typeface="Arial" charset="0"/>
                 <a:sym typeface="Cabin"/>
               </a:rPr>
               <a:t> are already </a:t>
             </a:r>
             <a:r>
-              <a:rPr lang="en-US" sz="3400" b="0" i="1" u="none" strike="noStrike" cap="none">
+              <a:rPr lang="en-US" sz="3400" u="none" strike="noStrike" cap="none">
                 <a:solidFill>
                   <a:srgbClr val="FF00FF"/>
                 </a:solidFill>
-                <a:latin typeface="Cabin"/>
-                <a:ea typeface="Cabin"/>
-                <a:cs typeface="Cabin"/>
+                <a:latin typeface="Arial" charset="0"/>
+                <a:ea typeface="Arial" charset="0"/>
+                <a:cs typeface="Arial" charset="0"/>
                 <a:sym typeface="Cabin"/>
               </a:rPr>
               <a:t>built into</a:t>
             </a:r>
             <a:r>
-              <a:rPr lang="en-US" sz="3400" b="0" i="0" u="none" strike="noStrike" cap="none">
-                <a:solidFill>
-                  <a:schemeClr val="lt1"/>
-                </a:solidFill>
-                <a:latin typeface="Cabin"/>
-                <a:ea typeface="Cabin"/>
-                <a:cs typeface="Cabin"/>
+              <a:rPr lang="en-US" sz="3400" u="none" strike="noStrike" cap="none">
+                <a:solidFill>
+                  <a:schemeClr val="lt1"/>
+                </a:solidFill>
+                <a:latin typeface="Arial" charset="0"/>
+                <a:ea typeface="Arial" charset="0"/>
+                <a:cs typeface="Arial" charset="0"/>
                 <a:sym typeface="Cabin"/>
               </a:rPr>
               <a:t> every string - we invoke them by appending the function to the string variable</a:t>
@@ -35597,37 +35602,37 @@
               <a:buChar char="•"/>
             </a:pPr>
             <a:r>
-              <a:rPr lang="en-US" sz="3400" b="0" i="0" u="none" strike="noStrike" cap="none">
-                <a:solidFill>
-                  <a:schemeClr val="lt1"/>
-                </a:solidFill>
-                <a:latin typeface="Cabin"/>
-                <a:ea typeface="Cabin"/>
-                <a:cs typeface="Cabin"/>
+              <a:rPr lang="en-US" sz="3400" u="none" strike="noStrike" cap="none">
+                <a:solidFill>
+                  <a:schemeClr val="lt1"/>
+                </a:solidFill>
+                <a:latin typeface="Arial" charset="0"/>
+                <a:ea typeface="Arial" charset="0"/>
+                <a:cs typeface="Arial" charset="0"/>
                 <a:sym typeface="Cabin"/>
               </a:rPr>
               <a:t>These </a:t>
             </a:r>
             <a:r>
-              <a:rPr lang="en-US" sz="3400" b="0" i="0" u="none" strike="noStrike" cap="none">
+              <a:rPr lang="en-US" sz="3400" u="none" strike="noStrike" cap="none">
                 <a:solidFill>
                   <a:srgbClr val="FF00FF"/>
                 </a:solidFill>
-                <a:latin typeface="Cabin"/>
-                <a:ea typeface="Cabin"/>
-                <a:cs typeface="Cabin"/>
+                <a:latin typeface="Arial" charset="0"/>
+                <a:ea typeface="Arial" charset="0"/>
+                <a:cs typeface="Arial" charset="0"/>
                 <a:sym typeface="Cabin"/>
               </a:rPr>
               <a:t>functions</a:t>
             </a:r>
             <a:r>
-              <a:rPr lang="en-US" sz="3400" b="0" i="0" u="none" strike="noStrike" cap="none">
-                <a:solidFill>
-                  <a:schemeClr val="lt1"/>
-                </a:solidFill>
-                <a:latin typeface="Cabin"/>
-                <a:ea typeface="Cabin"/>
-                <a:cs typeface="Cabin"/>
+              <a:rPr lang="en-US" sz="3400" u="none" strike="noStrike" cap="none">
+                <a:solidFill>
+                  <a:schemeClr val="lt1"/>
+                </a:solidFill>
+                <a:latin typeface="Arial" charset="0"/>
+                <a:ea typeface="Arial" charset="0"/>
+                <a:cs typeface="Arial" charset="0"/>
                 <a:sym typeface="Cabin"/>
               </a:rPr>
               <a:t> do not modify the original string, instead they return a new string that has been altered</a:t>
@@ -36614,9 +36619,9 @@
                 <a:solidFill>
                   <a:srgbClr val="FFFF00"/>
                 </a:solidFill>
-                <a:latin typeface="Cabin"/>
-                <a:ea typeface="Cabin"/>
-                <a:cs typeface="Cabin"/>
+                <a:latin typeface="Arial" charset="0"/>
+                <a:ea typeface="Arial" charset="0"/>
+                <a:cs typeface="Arial" charset="0"/>
                 <a:sym typeface="Cabin"/>
                 <a:hlinkClick r:id="rId3"/>
               </a:rPr>
@@ -36745,25 +36750,25 @@
               <a:buNone/>
             </a:pPr>
             <a:r>
-              <a:rPr lang="en-US" sz="3600" b="0" i="0" u="none" strike="noStrike" cap="none">
+              <a:rPr lang="en-US" sz="3600" u="none" strike="noStrike" cap="none">
                 <a:solidFill>
                   <a:srgbClr val="FF00FF"/>
                 </a:solidFill>
-                <a:latin typeface="Cabin"/>
-                <a:ea typeface="Cabin"/>
-                <a:cs typeface="Cabin"/>
+                <a:latin typeface="Arial" charset="0"/>
+                <a:ea typeface="Arial" charset="0"/>
+                <a:cs typeface="Arial" charset="0"/>
                 <a:sym typeface="Cabin"/>
               </a:rPr>
               <a:t>str.capitalize</a:t>
             </a:r>
             <a:r>
-              <a:rPr lang="en-US" sz="3600" b="0" i="0" u="none" strike="noStrike" cap="none">
-                <a:solidFill>
-                  <a:schemeClr val="lt1"/>
-                </a:solidFill>
-                <a:latin typeface="Cabin"/>
-                <a:ea typeface="Cabin"/>
-                <a:cs typeface="Cabin"/>
+              <a:rPr lang="en-US" sz="3600" u="none" strike="noStrike" cap="none">
+                <a:solidFill>
+                  <a:schemeClr val="lt1"/>
+                </a:solidFill>
+                <a:latin typeface="Arial" charset="0"/>
+                <a:ea typeface="Arial" charset="0"/>
+                <a:cs typeface="Arial" charset="0"/>
                 <a:sym typeface="Cabin"/>
               </a:rPr>
               <a:t>()</a:t>
@@ -36788,25 +36793,25 @@
               <a:buNone/>
             </a:pPr>
             <a:r>
-              <a:rPr lang="en-US" sz="3600" b="0" i="0" u="none" strike="noStrike" cap="none">
+              <a:rPr lang="en-US" sz="3600" u="none" strike="noStrike" cap="none">
                 <a:solidFill>
                   <a:srgbClr val="FF00FF"/>
                 </a:solidFill>
-                <a:latin typeface="Cabin"/>
-                <a:ea typeface="Cabin"/>
-                <a:cs typeface="Cabin"/>
+                <a:latin typeface="Arial" charset="0"/>
+                <a:ea typeface="Arial" charset="0"/>
+                <a:cs typeface="Arial" charset="0"/>
                 <a:sym typeface="Cabin"/>
               </a:rPr>
               <a:t>str.center</a:t>
             </a:r>
             <a:r>
-              <a:rPr lang="en-US" sz="3600" b="0" i="0" u="none" strike="noStrike" cap="none">
-                <a:solidFill>
-                  <a:schemeClr val="lt1"/>
-                </a:solidFill>
-                <a:latin typeface="Cabin"/>
-                <a:ea typeface="Cabin"/>
-                <a:cs typeface="Cabin"/>
+              <a:rPr lang="en-US" sz="3600" u="none" strike="noStrike" cap="none">
+                <a:solidFill>
+                  <a:schemeClr val="lt1"/>
+                </a:solidFill>
+                <a:latin typeface="Arial" charset="0"/>
+                <a:ea typeface="Arial" charset="0"/>
+                <a:cs typeface="Arial" charset="0"/>
                 <a:sym typeface="Cabin"/>
               </a:rPr>
               <a:t>(width[, fillchar])</a:t>
@@ -36831,25 +36836,25 @@
               <a:buNone/>
             </a:pPr>
             <a:r>
-              <a:rPr lang="en-US" sz="3600" b="0" i="0" u="none" strike="noStrike" cap="none">
+              <a:rPr lang="en-US" sz="3600" u="none" strike="noStrike" cap="none">
                 <a:solidFill>
                   <a:srgbClr val="FF00FF"/>
                 </a:solidFill>
-                <a:latin typeface="Cabin"/>
-                <a:ea typeface="Cabin"/>
-                <a:cs typeface="Cabin"/>
+                <a:latin typeface="Arial" charset="0"/>
+                <a:ea typeface="Arial" charset="0"/>
+                <a:cs typeface="Arial" charset="0"/>
                 <a:sym typeface="Cabin"/>
               </a:rPr>
               <a:t>str.endswith</a:t>
             </a:r>
             <a:r>
-              <a:rPr lang="en-US" sz="3600" b="0" i="0" u="none" strike="noStrike" cap="none">
-                <a:solidFill>
-                  <a:schemeClr val="lt1"/>
-                </a:solidFill>
-                <a:latin typeface="Cabin"/>
-                <a:ea typeface="Cabin"/>
-                <a:cs typeface="Cabin"/>
+              <a:rPr lang="en-US" sz="3600" u="none" strike="noStrike" cap="none">
+                <a:solidFill>
+                  <a:schemeClr val="lt1"/>
+                </a:solidFill>
+                <a:latin typeface="Arial" charset="0"/>
+                <a:ea typeface="Arial" charset="0"/>
+                <a:cs typeface="Arial" charset="0"/>
                 <a:sym typeface="Cabin"/>
               </a:rPr>
               <a:t>(suffix[, start[, end]])</a:t>
@@ -36874,25 +36879,25 @@
               <a:buNone/>
             </a:pPr>
             <a:r>
-              <a:rPr lang="en-US" sz="3600" b="0" i="0" u="none" strike="noStrike" cap="none">
+              <a:rPr lang="en-US" sz="3600" u="none" strike="noStrike" cap="none">
                 <a:solidFill>
                   <a:srgbClr val="FF00FF"/>
                 </a:solidFill>
-                <a:latin typeface="Cabin"/>
-                <a:ea typeface="Cabin"/>
-                <a:cs typeface="Cabin"/>
+                <a:latin typeface="Arial" charset="0"/>
+                <a:ea typeface="Arial" charset="0"/>
+                <a:cs typeface="Arial" charset="0"/>
                 <a:sym typeface="Cabin"/>
               </a:rPr>
               <a:t>str.find</a:t>
             </a:r>
             <a:r>
-              <a:rPr lang="en-US" sz="3600" b="0" i="0" u="none" strike="noStrike" cap="none">
-                <a:solidFill>
-                  <a:schemeClr val="lt1"/>
-                </a:solidFill>
-                <a:latin typeface="Cabin"/>
-                <a:ea typeface="Cabin"/>
-                <a:cs typeface="Cabin"/>
+              <a:rPr lang="en-US" sz="3600" u="none" strike="noStrike" cap="none">
+                <a:solidFill>
+                  <a:schemeClr val="lt1"/>
+                </a:solidFill>
+                <a:latin typeface="Arial" charset="0"/>
+                <a:ea typeface="Arial" charset="0"/>
+                <a:cs typeface="Arial" charset="0"/>
                 <a:sym typeface="Cabin"/>
               </a:rPr>
               <a:t>(sub[, start[, end]])</a:t>
@@ -36917,25 +36922,25 @@
               <a:buNone/>
             </a:pPr>
             <a:r>
-              <a:rPr lang="en-US" sz="3600" b="0" i="0" u="none" strike="noStrike" cap="none">
+              <a:rPr lang="en-US" sz="3600" u="none" strike="noStrike" cap="none">
                 <a:solidFill>
                   <a:srgbClr val="FF00FF"/>
                 </a:solidFill>
-                <a:latin typeface="Cabin"/>
-                <a:ea typeface="Cabin"/>
-                <a:cs typeface="Cabin"/>
+                <a:latin typeface="Arial" charset="0"/>
+                <a:ea typeface="Arial" charset="0"/>
+                <a:cs typeface="Arial" charset="0"/>
                 <a:sym typeface="Cabin"/>
               </a:rPr>
               <a:t>str.lstrip</a:t>
             </a:r>
             <a:r>
-              <a:rPr lang="en-US" sz="3600" b="0" i="0" u="none" strike="noStrike" cap="none">
-                <a:solidFill>
-                  <a:schemeClr val="lt1"/>
-                </a:solidFill>
-                <a:latin typeface="Cabin"/>
-                <a:ea typeface="Cabin"/>
-                <a:cs typeface="Cabin"/>
+              <a:rPr lang="en-US" sz="3600" u="none" strike="noStrike" cap="none">
+                <a:solidFill>
+                  <a:schemeClr val="lt1"/>
+                </a:solidFill>
+                <a:latin typeface="Arial" charset="0"/>
+                <a:ea typeface="Arial" charset="0"/>
+                <a:cs typeface="Arial" charset="0"/>
                 <a:sym typeface="Cabin"/>
               </a:rPr>
               <a:t>([chars])</a:t>
@@ -36986,25 +36991,25 @@
               <a:buNone/>
             </a:pPr>
             <a:r>
-              <a:rPr lang="en-US" sz="3600" b="0" i="0" u="none" strike="noStrike" cap="none">
+              <a:rPr lang="en-US" sz="3600" u="none" strike="noStrike" cap="none">
                 <a:solidFill>
                   <a:srgbClr val="FF00FF"/>
                 </a:solidFill>
-                <a:latin typeface="Cabin"/>
-                <a:ea typeface="Cabin"/>
-                <a:cs typeface="Cabin"/>
+                <a:latin typeface="Arial" charset="0"/>
+                <a:ea typeface="Arial" charset="0"/>
+                <a:cs typeface="Arial" charset="0"/>
                 <a:sym typeface="Cabin"/>
               </a:rPr>
               <a:t>str.replace</a:t>
             </a:r>
             <a:r>
-              <a:rPr lang="en-US" sz="3600" b="0" i="0" u="none" strike="noStrike" cap="none">
-                <a:solidFill>
-                  <a:schemeClr val="lt1"/>
-                </a:solidFill>
-                <a:latin typeface="Cabin"/>
-                <a:ea typeface="Cabin"/>
-                <a:cs typeface="Cabin"/>
+              <a:rPr lang="en-US" sz="3600" u="none" strike="noStrike" cap="none">
+                <a:solidFill>
+                  <a:schemeClr val="lt1"/>
+                </a:solidFill>
+                <a:latin typeface="Arial" charset="0"/>
+                <a:ea typeface="Arial" charset="0"/>
+                <a:cs typeface="Arial" charset="0"/>
                 <a:sym typeface="Cabin"/>
               </a:rPr>
               <a:t>(old, new[, count])</a:t>
@@ -37029,25 +37034,25 @@
               <a:buNone/>
             </a:pPr>
             <a:r>
-              <a:rPr lang="en-US" sz="3600" b="0" i="0" u="none" strike="noStrike" cap="none">
+              <a:rPr lang="en-US" sz="3600" u="none" strike="noStrike" cap="none">
                 <a:solidFill>
                   <a:srgbClr val="FF00FF"/>
                 </a:solidFill>
-                <a:latin typeface="Cabin"/>
-                <a:ea typeface="Cabin"/>
-                <a:cs typeface="Cabin"/>
+                <a:latin typeface="Arial" charset="0"/>
+                <a:ea typeface="Arial" charset="0"/>
+                <a:cs typeface="Arial" charset="0"/>
                 <a:sym typeface="Cabin"/>
               </a:rPr>
               <a:t>str.lower</a:t>
             </a:r>
             <a:r>
-              <a:rPr lang="en-US" sz="3600" b="0" i="0" u="none" strike="noStrike" cap="none">
-                <a:solidFill>
-                  <a:schemeClr val="lt1"/>
-                </a:solidFill>
-                <a:latin typeface="Cabin"/>
-                <a:ea typeface="Cabin"/>
-                <a:cs typeface="Cabin"/>
+              <a:rPr lang="en-US" sz="3600" u="none" strike="noStrike" cap="none">
+                <a:solidFill>
+                  <a:schemeClr val="lt1"/>
+                </a:solidFill>
+                <a:latin typeface="Arial" charset="0"/>
+                <a:ea typeface="Arial" charset="0"/>
+                <a:cs typeface="Arial" charset="0"/>
                 <a:sym typeface="Cabin"/>
               </a:rPr>
               <a:t>()</a:t>
@@ -37072,25 +37077,25 @@
               <a:buNone/>
             </a:pPr>
             <a:r>
-              <a:rPr lang="en-US" sz="3600" b="0" i="0" u="none" strike="noStrike" cap="none">
+              <a:rPr lang="en-US" sz="3600" u="none" strike="noStrike" cap="none">
                 <a:solidFill>
                   <a:srgbClr val="FF00FF"/>
                 </a:solidFill>
-                <a:latin typeface="Cabin"/>
-                <a:ea typeface="Cabin"/>
-                <a:cs typeface="Cabin"/>
+                <a:latin typeface="Arial" charset="0"/>
+                <a:ea typeface="Arial" charset="0"/>
+                <a:cs typeface="Arial" charset="0"/>
                 <a:sym typeface="Cabin"/>
               </a:rPr>
               <a:t>str.rstrip</a:t>
             </a:r>
             <a:r>
-              <a:rPr lang="en-US" sz="3600" b="0" i="0" u="none" strike="noStrike" cap="none">
-                <a:solidFill>
-                  <a:schemeClr val="lt1"/>
-                </a:solidFill>
-                <a:latin typeface="Cabin"/>
-                <a:ea typeface="Cabin"/>
-                <a:cs typeface="Cabin"/>
+              <a:rPr lang="en-US" sz="3600" u="none" strike="noStrike" cap="none">
+                <a:solidFill>
+                  <a:schemeClr val="lt1"/>
+                </a:solidFill>
+                <a:latin typeface="Arial" charset="0"/>
+                <a:ea typeface="Arial" charset="0"/>
+                <a:cs typeface="Arial" charset="0"/>
                 <a:sym typeface="Cabin"/>
               </a:rPr>
               <a:t>([chars])</a:t>
@@ -37115,25 +37120,25 @@
               <a:buNone/>
             </a:pPr>
             <a:r>
-              <a:rPr lang="en-US" sz="3600" b="0" i="0" u="none" strike="noStrike" cap="none">
+              <a:rPr lang="en-US" sz="3600" u="none" strike="noStrike" cap="none">
                 <a:solidFill>
                   <a:srgbClr val="FF00FF"/>
                 </a:solidFill>
-                <a:latin typeface="Cabin"/>
-                <a:ea typeface="Cabin"/>
-                <a:cs typeface="Cabin"/>
+                <a:latin typeface="Arial" charset="0"/>
+                <a:ea typeface="Arial" charset="0"/>
+                <a:cs typeface="Arial" charset="0"/>
                 <a:sym typeface="Cabin"/>
               </a:rPr>
               <a:t>str.strip</a:t>
             </a:r>
             <a:r>
-              <a:rPr lang="en-US" sz="3600" b="0" i="0" u="none" strike="noStrike" cap="none">
-                <a:solidFill>
-                  <a:schemeClr val="lt1"/>
-                </a:solidFill>
-                <a:latin typeface="Cabin"/>
-                <a:ea typeface="Cabin"/>
-                <a:cs typeface="Cabin"/>
+              <a:rPr lang="en-US" sz="3600" u="none" strike="noStrike" cap="none">
+                <a:solidFill>
+                  <a:schemeClr val="lt1"/>
+                </a:solidFill>
+                <a:latin typeface="Arial" charset="0"/>
+                <a:ea typeface="Arial" charset="0"/>
+                <a:cs typeface="Arial" charset="0"/>
                 <a:sym typeface="Cabin"/>
               </a:rPr>
               <a:t>([chars])</a:t>
@@ -37158,25 +37163,25 @@
               <a:buNone/>
             </a:pPr>
             <a:r>
-              <a:rPr lang="en-US" sz="3600" b="0" i="0" u="none" strike="noStrike" cap="none">
+              <a:rPr lang="en-US" sz="3600" u="none" strike="noStrike" cap="none">
                 <a:solidFill>
                   <a:srgbClr val="FF00FF"/>
                 </a:solidFill>
-                <a:latin typeface="Cabin"/>
-                <a:ea typeface="Cabin"/>
-                <a:cs typeface="Cabin"/>
+                <a:latin typeface="Arial" charset="0"/>
+                <a:ea typeface="Arial" charset="0"/>
+                <a:cs typeface="Arial" charset="0"/>
                 <a:sym typeface="Cabin"/>
               </a:rPr>
               <a:t>str.upper</a:t>
             </a:r>
             <a:r>
-              <a:rPr lang="en-US" sz="3600" b="0" i="0" u="none" strike="noStrike" cap="none">
-                <a:solidFill>
-                  <a:schemeClr val="lt1"/>
-                </a:solidFill>
-                <a:latin typeface="Cabin"/>
-                <a:ea typeface="Cabin"/>
-                <a:cs typeface="Cabin"/>
+              <a:rPr lang="en-US" sz="3600" u="none" strike="noStrike" cap="none">
+                <a:solidFill>
+                  <a:schemeClr val="lt1"/>
+                </a:solidFill>
+                <a:latin typeface="Arial" charset="0"/>
+                <a:ea typeface="Arial" charset="0"/>
+                <a:cs typeface="Arial" charset="0"/>
                 <a:sym typeface="Cabin"/>
               </a:rPr>
               <a:t>()</a:t>
@@ -37231,13 +37236,13 @@
               <a:buNone/>
             </a:pPr>
             <a:r>
-              <a:rPr lang="en-US" sz="7600" b="0" i="0" u="none" strike="noStrike" cap="none">
+              <a:rPr lang="en-US" sz="7600" u="none" strike="noStrike" cap="none">
                 <a:solidFill>
                   <a:srgbClr val="FFFF00"/>
                 </a:solidFill>
-                <a:latin typeface="Cabin"/>
-                <a:ea typeface="Cabin"/>
-                <a:cs typeface="Cabin"/>
+                <a:latin typeface="Arial" charset="0"/>
+                <a:ea typeface="Arial" charset="0"/>
+                <a:cs typeface="Arial" charset="0"/>
                 <a:sym typeface="Cabin"/>
               </a:rPr>
               <a:t>String Library</a:t>
@@ -37317,13 +37322,13 @@
               <a:buNone/>
             </a:pPr>
             <a:r>
-              <a:rPr lang="en-US" sz="6700" b="0" i="0" u="none" strike="noStrike" cap="none">
+              <a:rPr lang="en-US" sz="6700" u="none" strike="noStrike" cap="none">
                 <a:solidFill>
                   <a:srgbClr val="FFFF00"/>
                 </a:solidFill>
-                <a:latin typeface="Cabin"/>
-                <a:ea typeface="Cabin"/>
-                <a:cs typeface="Cabin"/>
+                <a:latin typeface="Arial" charset="0"/>
+                <a:ea typeface="Arial" charset="0"/>
+                <a:cs typeface="Arial" charset="0"/>
                 <a:sym typeface="Cabin"/>
               </a:rPr>
               <a:t>Searching a String</a:t>
@@ -37378,37 +37383,37 @@
               <a:buChar char="•"/>
             </a:pPr>
             <a:r>
-              <a:rPr lang="en-US" sz="3400" b="0" i="0" u="none" strike="noStrike" cap="none">
-                <a:solidFill>
-                  <a:schemeClr val="lt1"/>
-                </a:solidFill>
-                <a:latin typeface="Cabin"/>
-                <a:ea typeface="Cabin"/>
-                <a:cs typeface="Cabin"/>
+              <a:rPr lang="en-US" sz="3400" u="none" strike="noStrike" cap="none">
+                <a:solidFill>
+                  <a:schemeClr val="lt1"/>
+                </a:solidFill>
+                <a:latin typeface="Arial" charset="0"/>
+                <a:ea typeface="Arial" charset="0"/>
+                <a:cs typeface="Arial" charset="0"/>
                 <a:sym typeface="Cabin"/>
               </a:rPr>
               <a:t>We use the</a:t>
             </a:r>
             <a:r>
-              <a:rPr lang="en-US" sz="3400" b="0" i="0" u="none" strike="noStrike" cap="none">
+              <a:rPr lang="en-US" sz="3400" u="none" strike="noStrike" cap="none">
                 <a:solidFill>
                   <a:srgbClr val="FF00FF"/>
                 </a:solidFill>
-                <a:latin typeface="Cabin"/>
-                <a:ea typeface="Cabin"/>
-                <a:cs typeface="Cabin"/>
+                <a:latin typeface="Arial" charset="0"/>
+                <a:ea typeface="Arial" charset="0"/>
+                <a:cs typeface="Arial" charset="0"/>
                 <a:sym typeface="Cabin"/>
               </a:rPr>
               <a:t> find()</a:t>
             </a:r>
             <a:r>
-              <a:rPr lang="en-US" sz="3400" b="0" i="0" u="none" strike="noStrike" cap="none">
-                <a:solidFill>
-                  <a:schemeClr val="lt1"/>
-                </a:solidFill>
-                <a:latin typeface="Cabin"/>
-                <a:ea typeface="Cabin"/>
-                <a:cs typeface="Cabin"/>
+              <a:rPr lang="en-US" sz="3400" u="none" strike="noStrike" cap="none">
+                <a:solidFill>
+                  <a:schemeClr val="lt1"/>
+                </a:solidFill>
+                <a:latin typeface="Arial" charset="0"/>
+                <a:ea typeface="Arial" charset="0"/>
+                <a:cs typeface="Arial" charset="0"/>
                 <a:sym typeface="Cabin"/>
               </a:rPr>
               <a:t> function to search for a substring within another string</a:t>
@@ -37433,25 +37438,25 @@
               <a:buChar char="•"/>
             </a:pPr>
             <a:r>
-              <a:rPr lang="en-US" sz="3400" b="0" i="0" u="none" strike="noStrike" cap="none">
+              <a:rPr lang="en-US" sz="3400" u="none" strike="noStrike" cap="none">
                 <a:solidFill>
                   <a:srgbClr val="FF00FF"/>
                 </a:solidFill>
-                <a:latin typeface="Cabin"/>
-                <a:ea typeface="Cabin"/>
-                <a:cs typeface="Cabin"/>
+                <a:latin typeface="Arial" charset="0"/>
+                <a:ea typeface="Arial" charset="0"/>
+                <a:cs typeface="Arial" charset="0"/>
                 <a:sym typeface="Cabin"/>
               </a:rPr>
               <a:t>find()</a:t>
             </a:r>
             <a:r>
-              <a:rPr lang="en-US" sz="3400" b="0" i="0" u="none" strike="noStrike" cap="none">
-                <a:solidFill>
-                  <a:schemeClr val="lt1"/>
-                </a:solidFill>
-                <a:latin typeface="Cabin"/>
-                <a:ea typeface="Cabin"/>
-                <a:cs typeface="Cabin"/>
+              <a:rPr lang="en-US" sz="3400" u="none" strike="noStrike" cap="none">
+                <a:solidFill>
+                  <a:schemeClr val="lt1"/>
+                </a:solidFill>
+                <a:latin typeface="Arial" charset="0"/>
+                <a:ea typeface="Arial" charset="0"/>
+                <a:cs typeface="Arial" charset="0"/>
                 <a:sym typeface="Cabin"/>
               </a:rPr>
               <a:t> finds the first </a:t>
@@ -37461,21 +37466,21 @@
                 <a:solidFill>
                   <a:schemeClr val="lt1"/>
                 </a:solidFill>
-                <a:latin typeface="Cabin"/>
-                <a:ea typeface="Cabin"/>
-                <a:cs typeface="Cabin"/>
+                <a:latin typeface="Arial" charset="0"/>
+                <a:ea typeface="Arial" charset="0"/>
+                <a:cs typeface="Arial" charset="0"/>
                 <a:sym typeface="Cabin"/>
               </a:rPr>
               <a:t>occurrence</a:t>
             </a:r>
             <a:r>
-              <a:rPr lang="en-US" sz="3400" b="0" i="0" u="none" strike="noStrike" cap="none">
-                <a:solidFill>
-                  <a:schemeClr val="lt1"/>
-                </a:solidFill>
-                <a:latin typeface="Cabin"/>
-                <a:ea typeface="Cabin"/>
-                <a:cs typeface="Cabin"/>
+              <a:rPr lang="en-US" sz="3400" u="none" strike="noStrike" cap="none">
+                <a:solidFill>
+                  <a:schemeClr val="lt1"/>
+                </a:solidFill>
+                <a:latin typeface="Arial" charset="0"/>
+                <a:ea typeface="Arial" charset="0"/>
+                <a:cs typeface="Arial" charset="0"/>
                 <a:sym typeface="Cabin"/>
               </a:rPr>
               <a:t> of the substring</a:t>
@@ -37500,49 +37505,49 @@
               <a:buChar char="•"/>
             </a:pPr>
             <a:r>
-              <a:rPr lang="en-US" sz="3400" b="0" i="0" u="none" strike="noStrike" cap="none">
-                <a:solidFill>
-                  <a:schemeClr val="lt1"/>
-                </a:solidFill>
-                <a:latin typeface="Cabin"/>
-                <a:ea typeface="Cabin"/>
-                <a:cs typeface="Cabin"/>
+              <a:rPr lang="en-US" sz="3400" u="none" strike="noStrike" cap="none">
+                <a:solidFill>
+                  <a:schemeClr val="lt1"/>
+                </a:solidFill>
+                <a:latin typeface="Arial" charset="0"/>
+                <a:ea typeface="Arial" charset="0"/>
+                <a:cs typeface="Arial" charset="0"/>
                 <a:sym typeface="Cabin"/>
               </a:rPr>
               <a:t>If the substring is not found, </a:t>
             </a:r>
             <a:r>
-              <a:rPr lang="en-US" sz="3400" b="0" i="0" u="none" strike="noStrike" cap="none">
+              <a:rPr lang="en-US" sz="3400" u="none" strike="noStrike" cap="none">
                 <a:solidFill>
                   <a:srgbClr val="FF00FF"/>
                 </a:solidFill>
-                <a:latin typeface="Cabin"/>
-                <a:ea typeface="Cabin"/>
-                <a:cs typeface="Cabin"/>
+                <a:latin typeface="Arial" charset="0"/>
+                <a:ea typeface="Arial" charset="0"/>
+                <a:cs typeface="Arial" charset="0"/>
                 <a:sym typeface="Cabin"/>
               </a:rPr>
               <a:t>find()</a:t>
             </a:r>
             <a:r>
-              <a:rPr lang="en-US" sz="3400" b="0" i="0" u="none" strike="noStrike" cap="none">
-                <a:solidFill>
-                  <a:schemeClr val="lt1"/>
-                </a:solidFill>
-                <a:latin typeface="Cabin"/>
-                <a:ea typeface="Cabin"/>
-                <a:cs typeface="Cabin"/>
+              <a:rPr lang="en-US" sz="3400" u="none" strike="noStrike" cap="none">
+                <a:solidFill>
+                  <a:schemeClr val="lt1"/>
+                </a:solidFill>
+                <a:latin typeface="Arial" charset="0"/>
+                <a:ea typeface="Arial" charset="0"/>
+                <a:cs typeface="Arial" charset="0"/>
                 <a:sym typeface="Cabin"/>
               </a:rPr>
               <a:t> returns </a:t>
             </a:r>
             <a:r>
-              <a:rPr lang="en-US" sz="3400" b="0" i="0" u="none" strike="noStrike" cap="none">
+              <a:rPr lang="en-US" sz="3400" u="none" strike="noStrike" cap="none">
                 <a:solidFill>
                   <a:srgbClr val="00FF00"/>
                 </a:solidFill>
-                <a:latin typeface="Cabin"/>
-                <a:ea typeface="Cabin"/>
-                <a:cs typeface="Cabin"/>
+                <a:latin typeface="Arial" charset="0"/>
+                <a:ea typeface="Arial" charset="0"/>
+                <a:cs typeface="Arial" charset="0"/>
                 <a:sym typeface="Cabin"/>
               </a:rPr>
               <a:t>-1</a:t>
@@ -37567,13 +37572,13 @@
               <a:buChar char="•"/>
             </a:pPr>
             <a:r>
-              <a:rPr lang="en-US" sz="3400" b="0" i="0" u="none" strike="noStrike" cap="none">
+              <a:rPr lang="en-US" sz="3400" u="none" strike="noStrike" cap="none">
                 <a:solidFill>
                   <a:srgbClr val="FFFF00"/>
                 </a:solidFill>
-                <a:latin typeface="Cabin"/>
-                <a:ea typeface="Cabin"/>
-                <a:cs typeface="Cabin"/>
+                <a:latin typeface="Arial" charset="0"/>
+                <a:ea typeface="Arial" charset="0"/>
+                <a:cs typeface="Arial" charset="0"/>
                 <a:sym typeface="Cabin"/>
               </a:rPr>
               <a:t>Remember that string position starts at zero</a:t>
@@ -38217,13 +38222,13 @@
               <a:buNone/>
             </a:pPr>
             <a:r>
-              <a:rPr lang="en-US" sz="4000" b="0" i="0" u="none" strike="noStrike" cap="none">
-                <a:solidFill>
-                  <a:schemeClr val="lt1"/>
-                </a:solidFill>
-                <a:latin typeface="Cabin"/>
-                <a:ea typeface="Cabin"/>
-                <a:cs typeface="Cabin"/>
+              <a:rPr lang="en-US" sz="4000" u="none" strike="noStrike" cap="none">
+                <a:solidFill>
+                  <a:schemeClr val="lt1"/>
+                </a:solidFill>
+                <a:latin typeface="Arial" charset="0"/>
+                <a:ea typeface="Arial" charset="0"/>
+                <a:cs typeface="Arial" charset="0"/>
                 <a:sym typeface="Cabin"/>
               </a:rPr>
               <a:t>0</a:t>
@@ -38280,13 +38285,13 @@
               <a:buNone/>
             </a:pPr>
             <a:r>
-              <a:rPr lang="en-US" sz="4000" b="0" i="0" u="none" strike="noStrike" cap="none">
-                <a:solidFill>
-                  <a:schemeClr val="lt1"/>
-                </a:solidFill>
-                <a:latin typeface="Cabin"/>
-                <a:ea typeface="Cabin"/>
-                <a:cs typeface="Cabin"/>
+              <a:rPr lang="en-US" sz="4000" u="none" strike="noStrike" cap="none">
+                <a:solidFill>
+                  <a:schemeClr val="lt1"/>
+                </a:solidFill>
+                <a:latin typeface="Arial" charset="0"/>
+                <a:ea typeface="Arial" charset="0"/>
+                <a:cs typeface="Arial" charset="0"/>
                 <a:sym typeface="Cabin"/>
               </a:rPr>
               <a:t>b</a:t>
@@ -38337,13 +38342,13 @@
               <a:buNone/>
             </a:pPr>
             <a:r>
-              <a:rPr lang="en-US" sz="4000" b="0" i="0" u="none" strike="noStrike" cap="none">
-                <a:solidFill>
-                  <a:schemeClr val="lt1"/>
-                </a:solidFill>
-                <a:latin typeface="Cabin"/>
-                <a:ea typeface="Cabin"/>
-                <a:cs typeface="Cabin"/>
+              <a:rPr lang="en-US" sz="4000" u="none" strike="noStrike" cap="none">
+                <a:solidFill>
+                  <a:schemeClr val="lt1"/>
+                </a:solidFill>
+                <a:latin typeface="Arial" charset="0"/>
+                <a:ea typeface="Arial" charset="0"/>
+                <a:cs typeface="Arial" charset="0"/>
                 <a:sym typeface="Cabin"/>
               </a:rPr>
               <a:t>1</a:t>
@@ -38400,13 +38405,13 @@
               <a:buNone/>
             </a:pPr>
             <a:r>
-              <a:rPr lang="en-US" sz="4000" b="0" i="0" u="none" strike="noStrike" cap="none">
-                <a:solidFill>
-                  <a:schemeClr val="lt1"/>
-                </a:solidFill>
-                <a:latin typeface="Cabin"/>
-                <a:ea typeface="Cabin"/>
-                <a:cs typeface="Cabin"/>
+              <a:rPr lang="en-US" sz="4000" u="none" strike="noStrike" cap="none">
+                <a:solidFill>
+                  <a:schemeClr val="lt1"/>
+                </a:solidFill>
+                <a:latin typeface="Arial" charset="0"/>
+                <a:ea typeface="Arial" charset="0"/>
+                <a:cs typeface="Arial" charset="0"/>
                 <a:sym typeface="Cabin"/>
               </a:rPr>
               <a:t>a</a:t>
@@ -38457,13 +38462,13 @@
               <a:buNone/>
             </a:pPr>
             <a:r>
-              <a:rPr lang="en-US" sz="4000" b="0" i="0" u="none" strike="noStrike" cap="none">
-                <a:solidFill>
-                  <a:schemeClr val="lt1"/>
-                </a:solidFill>
-                <a:latin typeface="Cabin"/>
-                <a:ea typeface="Cabin"/>
-                <a:cs typeface="Cabin"/>
+              <a:rPr lang="en-US" sz="4000" u="none" strike="noStrike" cap="none">
+                <a:solidFill>
+                  <a:schemeClr val="lt1"/>
+                </a:solidFill>
+                <a:latin typeface="Arial" charset="0"/>
+                <a:ea typeface="Arial" charset="0"/>
+                <a:cs typeface="Arial" charset="0"/>
                 <a:sym typeface="Cabin"/>
               </a:rPr>
               <a:t>2</a:t>
@@ -38520,13 +38525,13 @@
               <a:buNone/>
             </a:pPr>
             <a:r>
-              <a:rPr lang="en-US" sz="4000" b="0" i="0" u="none" strike="noStrike" cap="none">
-                <a:solidFill>
-                  <a:schemeClr val="lt1"/>
-                </a:solidFill>
-                <a:latin typeface="Cabin"/>
-                <a:ea typeface="Cabin"/>
-                <a:cs typeface="Cabin"/>
+              <a:rPr lang="en-US" sz="4000" u="none" strike="noStrike" cap="none">
+                <a:solidFill>
+                  <a:schemeClr val="lt1"/>
+                </a:solidFill>
+                <a:latin typeface="Arial" charset="0"/>
+                <a:ea typeface="Arial" charset="0"/>
+                <a:cs typeface="Arial" charset="0"/>
                 <a:sym typeface="Cabin"/>
               </a:rPr>
               <a:t>n</a:t>
@@ -38577,13 +38582,13 @@
               <a:buNone/>
             </a:pPr>
             <a:r>
-              <a:rPr lang="en-US" sz="4000" b="0" i="0" u="none" strike="noStrike" cap="none">
-                <a:solidFill>
-                  <a:schemeClr val="lt1"/>
-                </a:solidFill>
-                <a:latin typeface="Cabin"/>
-                <a:ea typeface="Cabin"/>
-                <a:cs typeface="Cabin"/>
+              <a:rPr lang="en-US" sz="4000" u="none" strike="noStrike" cap="none">
+                <a:solidFill>
+                  <a:schemeClr val="lt1"/>
+                </a:solidFill>
+                <a:latin typeface="Arial" charset="0"/>
+                <a:ea typeface="Arial" charset="0"/>
+                <a:cs typeface="Arial" charset="0"/>
                 <a:sym typeface="Cabin"/>
               </a:rPr>
               <a:t>3</a:t>
@@ -38640,13 +38645,13 @@
               <a:buNone/>
             </a:pPr>
             <a:r>
-              <a:rPr lang="en-US" sz="4000" b="0" i="0" u="none" strike="noStrike" cap="none">
-                <a:solidFill>
-                  <a:schemeClr val="lt1"/>
-                </a:solidFill>
-                <a:latin typeface="Cabin"/>
-                <a:ea typeface="Cabin"/>
-                <a:cs typeface="Cabin"/>
+              <a:rPr lang="en-US" sz="4000" u="none" strike="noStrike" cap="none">
+                <a:solidFill>
+                  <a:schemeClr val="lt1"/>
+                </a:solidFill>
+                <a:latin typeface="Arial" charset="0"/>
+                <a:ea typeface="Arial" charset="0"/>
+                <a:cs typeface="Arial" charset="0"/>
                 <a:sym typeface="Cabin"/>
               </a:rPr>
               <a:t>a</a:t>
@@ -38697,13 +38702,13 @@
               <a:buNone/>
             </a:pPr>
             <a:r>
-              <a:rPr lang="en-US" sz="4000" b="0" i="0" u="none" strike="noStrike" cap="none">
-                <a:solidFill>
-                  <a:schemeClr val="lt1"/>
-                </a:solidFill>
-                <a:latin typeface="Cabin"/>
-                <a:ea typeface="Cabin"/>
-                <a:cs typeface="Cabin"/>
+              <a:rPr lang="en-US" sz="4000" u="none" strike="noStrike" cap="none">
+                <a:solidFill>
+                  <a:schemeClr val="lt1"/>
+                </a:solidFill>
+                <a:latin typeface="Arial" charset="0"/>
+                <a:ea typeface="Arial" charset="0"/>
+                <a:cs typeface="Arial" charset="0"/>
                 <a:sym typeface="Cabin"/>
               </a:rPr>
               <a:t>4</a:t>
@@ -38760,13 +38765,13 @@
               <a:buNone/>
             </a:pPr>
             <a:r>
-              <a:rPr lang="en-US" sz="4000" b="0" i="0" u="none" strike="noStrike" cap="none">
-                <a:solidFill>
-                  <a:schemeClr val="lt1"/>
-                </a:solidFill>
-                <a:latin typeface="Cabin"/>
-                <a:ea typeface="Cabin"/>
-                <a:cs typeface="Cabin"/>
+              <a:rPr lang="en-US" sz="4000" u="none" strike="noStrike" cap="none">
+                <a:solidFill>
+                  <a:schemeClr val="lt1"/>
+                </a:solidFill>
+                <a:latin typeface="Arial" charset="0"/>
+                <a:ea typeface="Arial" charset="0"/>
+                <a:cs typeface="Arial" charset="0"/>
                 <a:sym typeface="Cabin"/>
               </a:rPr>
               <a:t>n</a:t>
@@ -38817,13 +38822,13 @@
               <a:buNone/>
             </a:pPr>
             <a:r>
-              <a:rPr lang="en-US" sz="4000" b="0" i="0" u="none" strike="noStrike" cap="none">
-                <a:solidFill>
-                  <a:schemeClr val="lt1"/>
-                </a:solidFill>
-                <a:latin typeface="Cabin"/>
-                <a:ea typeface="Cabin"/>
-                <a:cs typeface="Cabin"/>
+              <a:rPr lang="en-US" sz="4000" u="none" strike="noStrike" cap="none">
+                <a:solidFill>
+                  <a:schemeClr val="lt1"/>
+                </a:solidFill>
+                <a:latin typeface="Arial" charset="0"/>
+                <a:ea typeface="Arial" charset="0"/>
+                <a:cs typeface="Arial" charset="0"/>
                 <a:sym typeface="Cabin"/>
               </a:rPr>
               <a:t>5</a:t>
@@ -38880,13 +38885,13 @@
               <a:buNone/>
             </a:pPr>
             <a:r>
-              <a:rPr lang="en-US" sz="4000" b="0" i="0" u="none" strike="noStrike" cap="none">
-                <a:solidFill>
-                  <a:schemeClr val="lt1"/>
-                </a:solidFill>
-                <a:latin typeface="Cabin"/>
-                <a:ea typeface="Cabin"/>
-                <a:cs typeface="Cabin"/>
+              <a:rPr lang="en-US" sz="4000" u="none" strike="noStrike" cap="none">
+                <a:solidFill>
+                  <a:schemeClr val="lt1"/>
+                </a:solidFill>
+                <a:latin typeface="Arial" charset="0"/>
+                <a:ea typeface="Arial" charset="0"/>
+                <a:cs typeface="Arial" charset="0"/>
                 <a:sym typeface="Cabin"/>
               </a:rPr>
               <a:t>a</a:t>
@@ -38966,25 +38971,25 @@
               <a:buNone/>
             </a:pPr>
             <a:r>
-              <a:rPr lang="en-US" sz="7600" b="0" i="0" u="none" strike="noStrike" cap="none">
+              <a:rPr lang="en-US" sz="7600" u="none" strike="noStrike" cap="none">
                 <a:solidFill>
                   <a:srgbClr val="FFFF00"/>
                 </a:solidFill>
-                <a:latin typeface="Cabin"/>
-                <a:ea typeface="Cabin"/>
-                <a:cs typeface="Cabin"/>
+                <a:latin typeface="Arial" charset="0"/>
+                <a:ea typeface="Arial" charset="0"/>
+                <a:cs typeface="Arial" charset="0"/>
                 <a:sym typeface="Cabin"/>
               </a:rPr>
               <a:t>Making everything </a:t>
             </a:r>
             <a:r>
-              <a:rPr lang="en-US" sz="7600" b="0" i="0" u="none" strike="noStrike" cap="none">
+              <a:rPr lang="en-US" sz="7600" u="none" strike="noStrike" cap="none">
                 <a:solidFill>
                   <a:srgbClr val="00FFFF"/>
                 </a:solidFill>
-                <a:latin typeface="Cabin"/>
-                <a:ea typeface="Cabin"/>
-                <a:cs typeface="Cabin"/>
+                <a:latin typeface="Arial" charset="0"/>
+                <a:ea typeface="Arial" charset="0"/>
+                <a:cs typeface="Arial" charset="0"/>
                 <a:sym typeface="Cabin"/>
               </a:rPr>
               <a:t>UPPER CASE</a:t>
@@ -39039,49 +39044,49 @@
               <a:buChar char="•"/>
             </a:pPr>
             <a:r>
-              <a:rPr lang="en-US" sz="3600" b="0" i="0" u="none" strike="noStrike" cap="none">
-                <a:solidFill>
-                  <a:schemeClr val="lt1"/>
-                </a:solidFill>
-                <a:latin typeface="Cabin"/>
-                <a:ea typeface="Cabin"/>
-                <a:cs typeface="Cabin"/>
+              <a:rPr lang="en-US" sz="3600" u="none" strike="noStrike" cap="none">
+                <a:solidFill>
+                  <a:schemeClr val="lt1"/>
+                </a:solidFill>
+                <a:latin typeface="Arial" charset="0"/>
+                <a:ea typeface="Arial" charset="0"/>
+                <a:cs typeface="Arial" charset="0"/>
                 <a:sym typeface="Cabin"/>
               </a:rPr>
               <a:t>You can make a copy of a string in </a:t>
             </a:r>
             <a:r>
-              <a:rPr lang="en-US" sz="3600" b="0" i="0" u="none" strike="noStrike" cap="none">
+              <a:rPr lang="en-US" sz="3600" u="none" strike="noStrike" cap="none">
                 <a:solidFill>
                   <a:srgbClr val="00FF00"/>
                 </a:solidFill>
-                <a:latin typeface="Cabin"/>
-                <a:ea typeface="Cabin"/>
-                <a:cs typeface="Cabin"/>
+                <a:latin typeface="Arial" charset="0"/>
+                <a:ea typeface="Arial" charset="0"/>
+                <a:cs typeface="Arial" charset="0"/>
                 <a:sym typeface="Cabin"/>
               </a:rPr>
               <a:t>lower case</a:t>
             </a:r>
             <a:r>
-              <a:rPr lang="en-US" sz="3600" b="0" i="0" u="none" strike="noStrike" cap="none">
-                <a:solidFill>
-                  <a:schemeClr val="lt1"/>
-                </a:solidFill>
-                <a:latin typeface="Cabin"/>
-                <a:ea typeface="Cabin"/>
-                <a:cs typeface="Cabin"/>
+              <a:rPr lang="en-US" sz="3600" u="none" strike="noStrike" cap="none">
+                <a:solidFill>
+                  <a:schemeClr val="lt1"/>
+                </a:solidFill>
+                <a:latin typeface="Arial" charset="0"/>
+                <a:ea typeface="Arial" charset="0"/>
+                <a:cs typeface="Arial" charset="0"/>
                 <a:sym typeface="Cabin"/>
               </a:rPr>
               <a:t> or </a:t>
             </a:r>
             <a:r>
-              <a:rPr lang="en-US" sz="3600" b="0" i="0" u="none" strike="noStrike" cap="none">
+              <a:rPr lang="en-US" sz="3600" u="none" strike="noStrike" cap="none">
                 <a:solidFill>
                   <a:srgbClr val="00FFFF"/>
                 </a:solidFill>
-                <a:latin typeface="Cabin"/>
-                <a:ea typeface="Cabin"/>
-                <a:cs typeface="Cabin"/>
+                <a:latin typeface="Arial" charset="0"/>
+                <a:ea typeface="Arial" charset="0"/>
+                <a:cs typeface="Arial" charset="0"/>
                 <a:sym typeface="Cabin"/>
               </a:rPr>
               <a:t>upper case</a:t>
@@ -39106,37 +39111,37 @@
               <a:buChar char="•"/>
             </a:pPr>
             <a:r>
-              <a:rPr lang="en-US" sz="3600" b="0" i="0" u="none" strike="noStrike" cap="none">
-                <a:solidFill>
-                  <a:schemeClr val="lt1"/>
-                </a:solidFill>
-                <a:latin typeface="Cabin"/>
-                <a:ea typeface="Cabin"/>
-                <a:cs typeface="Cabin"/>
+              <a:rPr lang="en-US" sz="3600" u="none" strike="noStrike" cap="none">
+                <a:solidFill>
+                  <a:schemeClr val="lt1"/>
+                </a:solidFill>
+                <a:latin typeface="Arial" charset="0"/>
+                <a:ea typeface="Arial" charset="0"/>
+                <a:cs typeface="Arial" charset="0"/>
                 <a:sym typeface="Cabin"/>
               </a:rPr>
               <a:t>Often when we are searching for a string using </a:t>
             </a:r>
             <a:r>
-              <a:rPr lang="en-US" sz="3600" b="0" i="0" u="none" strike="noStrike" cap="none">
+              <a:rPr lang="en-US" sz="3600" u="none" strike="noStrike" cap="none">
                 <a:solidFill>
                   <a:srgbClr val="FF00FF"/>
                 </a:solidFill>
-                <a:latin typeface="Cabin"/>
-                <a:ea typeface="Cabin"/>
-                <a:cs typeface="Cabin"/>
+                <a:latin typeface="Arial" charset="0"/>
+                <a:ea typeface="Arial" charset="0"/>
+                <a:cs typeface="Arial" charset="0"/>
                 <a:sym typeface="Cabin"/>
               </a:rPr>
               <a:t>find</a:t>
             </a:r>
             <a:r>
-              <a:rPr lang="en-US" sz="3600" b="0" i="0" u="none" strike="noStrike" cap="none">
-                <a:solidFill>
-                  <a:schemeClr val="lt1"/>
-                </a:solidFill>
-                <a:latin typeface="Cabin"/>
-                <a:ea typeface="Cabin"/>
-                <a:cs typeface="Cabin"/>
+              <a:rPr lang="en-US" sz="3600" u="none" strike="noStrike" cap="none">
+                <a:solidFill>
+                  <a:schemeClr val="lt1"/>
+                </a:solidFill>
+                <a:latin typeface="Arial" charset="0"/>
+                <a:ea typeface="Arial" charset="0"/>
+                <a:cs typeface="Arial" charset="0"/>
                 <a:sym typeface="Cabin"/>
               </a:rPr>
               <a:t>() - we first convert the string to lower case so we can search a string regardless of case</a:t>
@@ -39766,13 +39771,13 @@
               <a:buNone/>
             </a:pPr>
             <a:r>
-              <a:rPr lang="en-US" sz="7600" b="0" i="0" u="none" strike="noStrike" cap="none">
+              <a:rPr lang="en-US" sz="7600" u="none" strike="noStrike" cap="none">
                 <a:solidFill>
                   <a:srgbClr val="FFFF00"/>
                 </a:solidFill>
-                <a:latin typeface="Cabin"/>
-                <a:ea typeface="Cabin"/>
-                <a:cs typeface="Cabin"/>
+                <a:latin typeface="Arial" charset="0"/>
+                <a:ea typeface="Arial" charset="0"/>
+                <a:cs typeface="Arial" charset="0"/>
                 <a:sym typeface="Cabin"/>
               </a:rPr>
               <a:t>Search and Replace</a:t>
@@ -39827,49 +39832,49 @@
               <a:buChar char="•"/>
             </a:pPr>
             <a:r>
-              <a:rPr lang="en-US" sz="3600" b="0" i="0" u="none" strike="noStrike" cap="none">
-                <a:solidFill>
-                  <a:schemeClr val="lt1"/>
-                </a:solidFill>
-                <a:latin typeface="Cabin"/>
-                <a:ea typeface="Cabin"/>
-                <a:cs typeface="Cabin"/>
+              <a:rPr lang="en-US" sz="3600" u="none" strike="noStrike" cap="none">
+                <a:solidFill>
+                  <a:schemeClr val="lt1"/>
+                </a:solidFill>
+                <a:latin typeface="Arial" charset="0"/>
+                <a:ea typeface="Arial" charset="0"/>
+                <a:cs typeface="Arial" charset="0"/>
                 <a:sym typeface="Cabin"/>
               </a:rPr>
               <a:t>The</a:t>
             </a:r>
             <a:r>
-              <a:rPr lang="en-US" sz="3600" b="0" i="0" u="none" strike="noStrike" cap="none">
+              <a:rPr lang="en-US" sz="3600" u="none" strike="noStrike" cap="none">
                 <a:solidFill>
                   <a:srgbClr val="00FF00"/>
                 </a:solidFill>
-                <a:latin typeface="Cabin"/>
-                <a:ea typeface="Cabin"/>
-                <a:cs typeface="Cabin"/>
+                <a:latin typeface="Arial" charset="0"/>
+                <a:ea typeface="Arial" charset="0"/>
+                <a:cs typeface="Arial" charset="0"/>
                 <a:sym typeface="Cabin"/>
               </a:rPr>
               <a:t> </a:t>
             </a:r>
             <a:r>
-              <a:rPr lang="en-US" sz="3600" b="0" i="0" u="none" strike="noStrike" cap="none">
+              <a:rPr lang="en-US" sz="3600" u="none" strike="noStrike" cap="none">
                 <a:solidFill>
                   <a:srgbClr val="FF00FF"/>
                 </a:solidFill>
-                <a:latin typeface="Cabin"/>
-                <a:ea typeface="Cabin"/>
-                <a:cs typeface="Cabin"/>
+                <a:latin typeface="Arial" charset="0"/>
+                <a:ea typeface="Arial" charset="0"/>
+                <a:cs typeface="Arial" charset="0"/>
                 <a:sym typeface="Cabin"/>
               </a:rPr>
               <a:t>replace()</a:t>
             </a:r>
             <a:r>
-              <a:rPr lang="en-US" sz="3600" b="0" i="0" u="none" strike="noStrike" cap="none">
-                <a:solidFill>
-                  <a:schemeClr val="lt1"/>
-                </a:solidFill>
-                <a:latin typeface="Cabin"/>
-                <a:ea typeface="Cabin"/>
-                <a:cs typeface="Cabin"/>
+              <a:rPr lang="en-US" sz="3600" u="none" strike="noStrike" cap="none">
+                <a:solidFill>
+                  <a:schemeClr val="lt1"/>
+                </a:solidFill>
+                <a:latin typeface="Arial" charset="0"/>
+                <a:ea typeface="Arial" charset="0"/>
+                <a:cs typeface="Arial" charset="0"/>
                 <a:sym typeface="Cabin"/>
               </a:rPr>
               <a:t> function is like a </a:t>
@@ -39887,13 +39892,13 @@
               <a:t>“</a:t>
             </a:r>
             <a:r>
-              <a:rPr lang="en-US" sz="3600" b="0" i="0" u="none" strike="noStrike" cap="none">
-                <a:solidFill>
-                  <a:schemeClr val="lt1"/>
-                </a:solidFill>
-                <a:latin typeface="Cabin"/>
-                <a:ea typeface="Cabin"/>
-                <a:cs typeface="Cabin"/>
+              <a:rPr lang="en-US" sz="3600" u="none" strike="noStrike" cap="none">
+                <a:solidFill>
+                  <a:schemeClr val="lt1"/>
+                </a:solidFill>
+                <a:latin typeface="Arial" charset="0"/>
+                <a:ea typeface="Arial" charset="0"/>
+                <a:cs typeface="Arial" charset="0"/>
                 <a:sym typeface="Cabin"/>
               </a:rPr>
               <a:t>search and replace</a:t>
@@ -39911,13 +39916,13 @@
               <a:t>”</a:t>
             </a:r>
             <a:r>
-              <a:rPr lang="en-US" sz="3600" b="0" i="0" u="none" strike="noStrike" cap="none">
-                <a:solidFill>
-                  <a:schemeClr val="lt1"/>
-                </a:solidFill>
-                <a:latin typeface="Cabin"/>
-                <a:ea typeface="Cabin"/>
-                <a:cs typeface="Cabin"/>
+              <a:rPr lang="en-US" sz="3600" u="none" strike="noStrike" cap="none">
+                <a:solidFill>
+                  <a:schemeClr val="lt1"/>
+                </a:solidFill>
+                <a:latin typeface="Arial" charset="0"/>
+                <a:ea typeface="Arial" charset="0"/>
+                <a:cs typeface="Arial" charset="0"/>
                 <a:sym typeface="Cabin"/>
               </a:rPr>
               <a:t> operation in a word processor</a:t>
@@ -39942,73 +39947,73 @@
               <a:buChar char="•"/>
             </a:pPr>
             <a:r>
-              <a:rPr lang="en-US" sz="3600" b="0" i="0" u="none" strike="noStrike" cap="none">
-                <a:solidFill>
-                  <a:schemeClr val="lt1"/>
-                </a:solidFill>
-                <a:latin typeface="Cabin"/>
-                <a:ea typeface="Cabin"/>
-                <a:cs typeface="Cabin"/>
+              <a:rPr lang="en-US" sz="3600" u="none" strike="noStrike" cap="none">
+                <a:solidFill>
+                  <a:schemeClr val="lt1"/>
+                </a:solidFill>
+                <a:latin typeface="Arial" charset="0"/>
+                <a:ea typeface="Arial" charset="0"/>
+                <a:cs typeface="Arial" charset="0"/>
                 <a:sym typeface="Cabin"/>
               </a:rPr>
               <a:t>It replaces </a:t>
             </a:r>
             <a:r>
-              <a:rPr lang="en-US" sz="3600" b="0" i="0" u="none" strike="noStrike" cap="none">
+              <a:rPr lang="en-US" sz="3600" u="none" strike="noStrike" cap="none">
                 <a:solidFill>
                   <a:srgbClr val="FF7F00"/>
                 </a:solidFill>
-                <a:latin typeface="Cabin"/>
-                <a:ea typeface="Cabin"/>
-                <a:cs typeface="Cabin"/>
+                <a:latin typeface="Arial" charset="0"/>
+                <a:ea typeface="Arial" charset="0"/>
+                <a:cs typeface="Arial" charset="0"/>
                 <a:sym typeface="Cabin"/>
               </a:rPr>
               <a:t>all occurrences</a:t>
             </a:r>
             <a:r>
-              <a:rPr lang="en-US" sz="3600" b="0" i="0" u="none" strike="noStrike" cap="none">
-                <a:solidFill>
-                  <a:schemeClr val="lt1"/>
-                </a:solidFill>
-                <a:latin typeface="Cabin"/>
-                <a:ea typeface="Cabin"/>
-                <a:cs typeface="Cabin"/>
+              <a:rPr lang="en-US" sz="3600" u="none" strike="noStrike" cap="none">
+                <a:solidFill>
+                  <a:schemeClr val="lt1"/>
+                </a:solidFill>
+                <a:latin typeface="Arial" charset="0"/>
+                <a:ea typeface="Arial" charset="0"/>
+                <a:cs typeface="Arial" charset="0"/>
                 <a:sym typeface="Cabin"/>
               </a:rPr>
               <a:t> of the </a:t>
             </a:r>
             <a:r>
-              <a:rPr lang="en-US" sz="3600" b="0" i="0" u="none" strike="noStrike" cap="none">
+              <a:rPr lang="en-US" sz="3600" u="none" strike="noStrike" cap="none">
                 <a:solidFill>
                   <a:srgbClr val="00FF00"/>
                 </a:solidFill>
-                <a:latin typeface="Cabin"/>
-                <a:ea typeface="Cabin"/>
-                <a:cs typeface="Cabin"/>
+                <a:latin typeface="Arial" charset="0"/>
+                <a:ea typeface="Arial" charset="0"/>
+                <a:cs typeface="Arial" charset="0"/>
                 <a:sym typeface="Cabin"/>
               </a:rPr>
               <a:t>search string</a:t>
             </a:r>
             <a:r>
-              <a:rPr lang="en-US" sz="3600" b="0" i="0" u="none" strike="noStrike" cap="none">
-                <a:solidFill>
-                  <a:schemeClr val="lt1"/>
-                </a:solidFill>
-                <a:latin typeface="Cabin"/>
-                <a:ea typeface="Cabin"/>
-                <a:cs typeface="Cabin"/>
+              <a:rPr lang="en-US" sz="3600" u="none" strike="noStrike" cap="none">
+                <a:solidFill>
+                  <a:schemeClr val="lt1"/>
+                </a:solidFill>
+                <a:latin typeface="Arial" charset="0"/>
+                <a:ea typeface="Arial" charset="0"/>
+                <a:cs typeface="Arial" charset="0"/>
                 <a:sym typeface="Cabin"/>
               </a:rPr>
               <a:t> with the </a:t>
             </a:r>
             <a:r>
-              <a:rPr lang="en-US" sz="3600" b="0" i="0" u="none" strike="noStrike" cap="none">
+              <a:rPr lang="en-US" sz="3600" u="none" strike="noStrike" cap="none">
                 <a:solidFill>
                   <a:srgbClr val="00FFFF"/>
                 </a:solidFill>
-                <a:latin typeface="Cabin"/>
-                <a:ea typeface="Cabin"/>
-                <a:cs typeface="Cabin"/>
+                <a:latin typeface="Arial" charset="0"/>
+                <a:ea typeface="Arial" charset="0"/>
+                <a:cs typeface="Arial" charset="0"/>
                 <a:sym typeface="Cabin"/>
               </a:rPr>
               <a:t>replacement string</a:t>
@@ -40686,13 +40691,13 @@
               <a:buNone/>
             </a:pPr>
             <a:r>
-              <a:rPr lang="en-US" sz="7600" b="0" i="0" u="none" strike="noStrike" cap="none">
+              <a:rPr lang="en-US" sz="7600" u="none" strike="noStrike" cap="none">
                 <a:solidFill>
                   <a:srgbClr val="FFFF00"/>
                 </a:solidFill>
-                <a:latin typeface="Cabin"/>
-                <a:ea typeface="Cabin"/>
-                <a:cs typeface="Cabin"/>
+                <a:latin typeface="Arial" charset="0"/>
+                <a:ea typeface="Arial" charset="0"/>
+                <a:cs typeface="Arial" charset="0"/>
                 <a:sym typeface="Cabin"/>
               </a:rPr>
               <a:t>Stripping Whitespace</a:t>
@@ -40747,13 +40752,13 @@
               <a:buChar char="•"/>
             </a:pPr>
             <a:r>
-              <a:rPr lang="en-US" sz="3600" b="0" i="0" u="none" strike="noStrike" cap="none">
-                <a:solidFill>
-                  <a:schemeClr val="lt1"/>
-                </a:solidFill>
-                <a:latin typeface="Cabin"/>
-                <a:ea typeface="Cabin"/>
-                <a:cs typeface="Cabin"/>
+              <a:rPr lang="en-US" sz="3600" u="none" strike="noStrike" cap="none">
+                <a:solidFill>
+                  <a:schemeClr val="lt1"/>
+                </a:solidFill>
+                <a:latin typeface="Arial" charset="0"/>
+                <a:ea typeface="Arial" charset="0"/>
+                <a:cs typeface="Arial" charset="0"/>
                 <a:sym typeface="Cabin"/>
               </a:rPr>
               <a:t>Sometimes we want to take a string and remove whitespace at the beginning and/or end</a:t>
@@ -40778,49 +40783,49 @@
               <a:buChar char="•"/>
             </a:pPr>
             <a:r>
-              <a:rPr lang="en-US" sz="3600" b="0" i="0" u="none" strike="noStrike" cap="none">
+              <a:rPr lang="en-US" sz="3600" u="none" strike="noStrike" cap="none">
                 <a:solidFill>
                   <a:srgbClr val="FF00FF"/>
                 </a:solidFill>
-                <a:latin typeface="Cabin"/>
-                <a:ea typeface="Cabin"/>
-                <a:cs typeface="Cabin"/>
+                <a:latin typeface="Arial" charset="0"/>
+                <a:ea typeface="Arial" charset="0"/>
+                <a:cs typeface="Arial" charset="0"/>
                 <a:sym typeface="Cabin"/>
               </a:rPr>
               <a:t>lstrip()</a:t>
             </a:r>
             <a:r>
-              <a:rPr lang="en-US" sz="3600" b="0" i="0" u="none" strike="noStrike" cap="none">
-                <a:solidFill>
-                  <a:schemeClr val="lt1"/>
-                </a:solidFill>
-                <a:latin typeface="Cabin"/>
-                <a:ea typeface="Cabin"/>
-                <a:cs typeface="Cabin"/>
+              <a:rPr lang="en-US" sz="3600" u="none" strike="noStrike" cap="none">
+                <a:solidFill>
+                  <a:schemeClr val="lt1"/>
+                </a:solidFill>
+                <a:latin typeface="Arial" charset="0"/>
+                <a:ea typeface="Arial" charset="0"/>
+                <a:cs typeface="Arial" charset="0"/>
                 <a:sym typeface="Cabin"/>
               </a:rPr>
               <a:t> and </a:t>
             </a:r>
             <a:r>
-              <a:rPr lang="en-US" sz="3600" b="0" i="0" u="none" strike="noStrike" cap="none">
+              <a:rPr lang="en-US" sz="3600" u="none" strike="noStrike" cap="none">
                 <a:solidFill>
                   <a:srgbClr val="FF00FF"/>
                 </a:solidFill>
-                <a:latin typeface="Cabin"/>
-                <a:ea typeface="Cabin"/>
-                <a:cs typeface="Cabin"/>
+                <a:latin typeface="Arial" charset="0"/>
+                <a:ea typeface="Arial" charset="0"/>
+                <a:cs typeface="Arial" charset="0"/>
                 <a:sym typeface="Cabin"/>
               </a:rPr>
               <a:t>rstrip()</a:t>
             </a:r>
             <a:r>
-              <a:rPr lang="en-US" sz="3600" b="0" i="0" u="none" strike="noStrike" cap="none">
-                <a:solidFill>
-                  <a:schemeClr val="lt1"/>
-                </a:solidFill>
-                <a:latin typeface="Cabin"/>
-                <a:ea typeface="Cabin"/>
-                <a:cs typeface="Cabin"/>
+              <a:rPr lang="en-US" sz="3600" u="none" strike="noStrike" cap="none">
+                <a:solidFill>
+                  <a:schemeClr val="lt1"/>
+                </a:solidFill>
+                <a:latin typeface="Arial" charset="0"/>
+                <a:ea typeface="Arial" charset="0"/>
+                <a:cs typeface="Arial" charset="0"/>
                 <a:sym typeface="Cabin"/>
               </a:rPr>
               <a:t> remove whitespace </a:t>
@@ -40830,21 +40835,21 @@
                 <a:solidFill>
                   <a:schemeClr val="lt1"/>
                 </a:solidFill>
-                <a:latin typeface="Cabin"/>
-                <a:ea typeface="Cabin"/>
-                <a:cs typeface="Cabin"/>
+                <a:latin typeface="Arial" charset="0"/>
+                <a:ea typeface="Arial" charset="0"/>
+                <a:cs typeface="Arial" charset="0"/>
                 <a:sym typeface="Cabin"/>
               </a:rPr>
               <a:t>at </a:t>
             </a:r>
             <a:r>
-              <a:rPr lang="en-US" sz="3600" b="0" i="0" u="none" strike="noStrike" cap="none">
-                <a:solidFill>
-                  <a:schemeClr val="lt1"/>
-                </a:solidFill>
-                <a:latin typeface="Cabin"/>
-                <a:ea typeface="Cabin"/>
-                <a:cs typeface="Cabin"/>
+              <a:rPr lang="en-US" sz="3600" u="none" strike="noStrike" cap="none">
+                <a:solidFill>
+                  <a:schemeClr val="lt1"/>
+                </a:solidFill>
+                <a:latin typeface="Arial" charset="0"/>
+                <a:ea typeface="Arial" charset="0"/>
+                <a:cs typeface="Arial" charset="0"/>
                 <a:sym typeface="Cabin"/>
               </a:rPr>
               <a:t>the left </a:t>
@@ -40854,21 +40859,21 @@
                 <a:solidFill>
                   <a:schemeClr val="lt1"/>
                 </a:solidFill>
-                <a:latin typeface="Cabin"/>
-                <a:ea typeface="Cabin"/>
-                <a:cs typeface="Cabin"/>
+                <a:latin typeface="Arial" charset="0"/>
+                <a:ea typeface="Arial" charset="0"/>
+                <a:cs typeface="Arial" charset="0"/>
                 <a:sym typeface="Cabin"/>
               </a:rPr>
               <a:t>or</a:t>
             </a:r>
             <a:r>
-              <a:rPr lang="en-US" sz="3600" b="0" i="0" u="none" strike="noStrike" cap="none">
-                <a:solidFill>
-                  <a:schemeClr val="lt1"/>
-                </a:solidFill>
-                <a:latin typeface="Cabin"/>
-                <a:ea typeface="Cabin"/>
-                <a:cs typeface="Cabin"/>
+              <a:rPr lang="en-US" sz="3600" u="none" strike="noStrike" cap="none">
+                <a:solidFill>
+                  <a:schemeClr val="lt1"/>
+                </a:solidFill>
+                <a:latin typeface="Arial" charset="0"/>
+                <a:ea typeface="Arial" charset="0"/>
+                <a:cs typeface="Arial" charset="0"/>
                 <a:sym typeface="Cabin"/>
               </a:rPr>
               <a:t> right</a:t>
@@ -40893,13 +40898,13 @@
               <a:buChar char="•"/>
             </a:pPr>
             <a:r>
-              <a:rPr lang="en-US" sz="3600" b="0" i="0" u="none" strike="noStrike" cap="none">
+              <a:rPr lang="en-US" sz="3600" u="none" strike="noStrike" cap="none">
                 <a:solidFill>
                   <a:srgbClr val="FF00FF"/>
                 </a:solidFill>
-                <a:latin typeface="Cabin"/>
-                <a:ea typeface="Cabin"/>
-                <a:cs typeface="Cabin"/>
+                <a:latin typeface="Arial" charset="0"/>
+                <a:ea typeface="Arial" charset="0"/>
+                <a:cs typeface="Arial" charset="0"/>
                 <a:sym typeface="Cabin"/>
               </a:rPr>
               <a:t>strip() </a:t>
@@ -40909,21 +40914,21 @@
                 <a:solidFill>
                   <a:schemeClr val="lt1"/>
                 </a:solidFill>
-                <a:latin typeface="Cabin"/>
-                <a:ea typeface="Cabin"/>
-                <a:cs typeface="Cabin"/>
+                <a:latin typeface="Arial" charset="0"/>
+                <a:ea typeface="Arial" charset="0"/>
+                <a:cs typeface="Arial" charset="0"/>
                 <a:sym typeface="Cabin"/>
               </a:rPr>
               <a:t>r</a:t>
             </a:r>
             <a:r>
-              <a:rPr lang="en-US" sz="3600" b="0" i="0" u="none" strike="noStrike" cap="none">
-                <a:solidFill>
-                  <a:schemeClr val="lt1"/>
-                </a:solidFill>
-                <a:latin typeface="Cabin"/>
-                <a:ea typeface="Cabin"/>
-                <a:cs typeface="Cabin"/>
+              <a:rPr lang="en-US" sz="3600" u="none" strike="noStrike" cap="none">
+                <a:solidFill>
+                  <a:schemeClr val="lt1"/>
+                </a:solidFill>
+                <a:latin typeface="Arial" charset="0"/>
+                <a:ea typeface="Arial" charset="0"/>
+                <a:cs typeface="Arial" charset="0"/>
                 <a:sym typeface="Cabin"/>
               </a:rPr>
               <a:t>emoves both beginning and ending whitespace</a:t>
@@ -41778,13 +41783,13 @@
               <a:buNone/>
             </a:pPr>
             <a:r>
-              <a:rPr lang="en-US" sz="7600" b="0" i="0" u="none" strike="noStrike" cap="none">
+              <a:rPr lang="en-US" sz="7600" u="none" strike="noStrike" cap="none">
                 <a:solidFill>
                   <a:srgbClr val="FFFF00"/>
                 </a:solidFill>
-                <a:latin typeface="Cabin"/>
-                <a:ea typeface="Cabin"/>
-                <a:cs typeface="Cabin"/>
+                <a:latin typeface="Arial" charset="0"/>
+                <a:ea typeface="Arial" charset="0"/>
+                <a:cs typeface="Arial" charset="0"/>
                 <a:sym typeface="Cabin"/>
               </a:rPr>
               <a:t>Prefixes</a:t>
@@ -42745,13 +42750,13 @@
               <a:buNone/>
             </a:pPr>
             <a:r>
-              <a:rPr lang="en-US" sz="3600" b="0" i="0" u="none" strike="noStrike" cap="none">
+              <a:rPr lang="en-US" sz="3600" u="none" strike="noStrike" cap="none">
                 <a:solidFill>
                   <a:srgbClr val="00FF00"/>
                 </a:solidFill>
-                <a:latin typeface="Cabin"/>
-                <a:ea typeface="Cabin"/>
-                <a:cs typeface="Cabin"/>
+                <a:latin typeface="Arial" charset="0"/>
+                <a:ea typeface="Arial" charset="0"/>
+                <a:cs typeface="Arial" charset="0"/>
                 <a:sym typeface="Cabin"/>
               </a:rPr>
               <a:t>21</a:t>
@@ -42802,13 +42807,13 @@
               <a:buNone/>
             </a:pPr>
             <a:r>
-              <a:rPr lang="en-US" sz="3600" b="0" i="0" u="none" strike="noStrike" cap="none">
+              <a:rPr lang="en-US" sz="3600" u="none" strike="noStrike" cap="none">
                 <a:solidFill>
                   <a:srgbClr val="00FF00"/>
                 </a:solidFill>
-                <a:latin typeface="Cabin"/>
-                <a:ea typeface="Cabin"/>
-                <a:cs typeface="Cabin"/>
+                <a:latin typeface="Arial" charset="0"/>
+                <a:ea typeface="Arial" charset="0"/>
+                <a:cs typeface="Arial" charset="0"/>
                 <a:sym typeface="Cabin"/>
               </a:rPr>
               <a:t>31</a:t>
@@ -42937,13 +42942,13 @@
               <a:buNone/>
             </a:pPr>
             <a:r>
-              <a:rPr lang="en-US" sz="6000" b="0" i="0" u="none" strike="noStrike" cap="none">
+              <a:rPr lang="en-US" sz="6000" u="none" strike="noStrike" cap="none">
                 <a:solidFill>
                   <a:srgbClr val="FFFF00"/>
                 </a:solidFill>
-                <a:latin typeface="Cabin"/>
-                <a:ea typeface="Cabin"/>
-                <a:cs typeface="Cabin"/>
+                <a:latin typeface="Arial" charset="0"/>
+                <a:ea typeface="Arial" charset="0"/>
+                <a:cs typeface="Arial" charset="0"/>
                 <a:sym typeface="Cabin"/>
               </a:rPr>
               <a:t>Parsing and Extracting</a:t>
@@ -43050,13 +43055,13 @@
               <a:buNone/>
             </a:pPr>
             <a:r>
-              <a:rPr lang="en-US" sz="6700" b="0" i="0" u="none" strike="noStrike" cap="none">
+              <a:rPr lang="en-US" sz="6700" u="none" strike="noStrike" cap="none">
                 <a:solidFill>
                   <a:srgbClr val="FFFF00"/>
                 </a:solidFill>
-                <a:latin typeface="Cabin"/>
-                <a:ea typeface="Cabin"/>
-                <a:cs typeface="Cabin"/>
+                <a:latin typeface="Arial" charset="0"/>
+                <a:ea typeface="Arial" charset="0"/>
+                <a:cs typeface="Arial" charset="0"/>
                 <a:sym typeface="Cabin"/>
               </a:rPr>
               <a:t>Reading and Converting</a:t>
@@ -43111,37 +43116,37 @@
               <a:buChar char="•"/>
             </a:pPr>
             <a:r>
-              <a:rPr lang="en-US" sz="3000" b="0" i="0" u="none" strike="noStrike" cap="none">
-                <a:solidFill>
-                  <a:schemeClr val="lt1"/>
-                </a:solidFill>
-                <a:latin typeface="Cabin"/>
-                <a:ea typeface="Cabin"/>
-                <a:cs typeface="Cabin"/>
+              <a:rPr lang="en-US" sz="3000" u="none" strike="noStrike" cap="none">
+                <a:solidFill>
+                  <a:schemeClr val="lt1"/>
+                </a:solidFill>
+                <a:latin typeface="Arial" charset="0"/>
+                <a:ea typeface="Arial" charset="0"/>
+                <a:cs typeface="Arial" charset="0"/>
                 <a:sym typeface="Cabin"/>
               </a:rPr>
               <a:t>We prefer to read data in using </a:t>
             </a:r>
             <a:r>
-              <a:rPr lang="en-US" sz="3000" b="0" i="0" u="none" strike="noStrike" cap="none">
+              <a:rPr lang="en-US" sz="3000" u="none" strike="noStrike" cap="none">
                 <a:solidFill>
                   <a:srgbClr val="FF7F00"/>
                 </a:solidFill>
-                <a:latin typeface="Cabin"/>
-                <a:ea typeface="Cabin"/>
-                <a:cs typeface="Cabin"/>
+                <a:latin typeface="Arial" charset="0"/>
+                <a:ea typeface="Arial" charset="0"/>
+                <a:cs typeface="Arial" charset="0"/>
                 <a:sym typeface="Cabin"/>
               </a:rPr>
               <a:t>strings</a:t>
             </a:r>
             <a:r>
-              <a:rPr lang="en-US" sz="3000" b="0" i="0" u="none" strike="noStrike" cap="none">
-                <a:solidFill>
-                  <a:schemeClr val="lt1"/>
-                </a:solidFill>
-                <a:latin typeface="Cabin"/>
-                <a:ea typeface="Cabin"/>
-                <a:cs typeface="Cabin"/>
+              <a:rPr lang="en-US" sz="3000" u="none" strike="noStrike" cap="none">
+                <a:solidFill>
+                  <a:schemeClr val="lt1"/>
+                </a:solidFill>
+                <a:latin typeface="Arial" charset="0"/>
+                <a:ea typeface="Arial" charset="0"/>
+                <a:cs typeface="Arial" charset="0"/>
                 <a:sym typeface="Cabin"/>
               </a:rPr>
               <a:t> and then parse and convert the data as we need</a:t>
@@ -43166,13 +43171,13 @@
               <a:buChar char="•"/>
             </a:pPr>
             <a:r>
-              <a:rPr lang="en-US" sz="3000" b="0" i="0" u="none" strike="noStrike" cap="none">
-                <a:solidFill>
-                  <a:schemeClr val="lt1"/>
-                </a:solidFill>
-                <a:latin typeface="Cabin"/>
-                <a:ea typeface="Cabin"/>
-                <a:cs typeface="Cabin"/>
+              <a:rPr lang="en-US" sz="3000" u="none" strike="noStrike" cap="none">
+                <a:solidFill>
+                  <a:schemeClr val="lt1"/>
+                </a:solidFill>
+                <a:latin typeface="Arial" charset="0"/>
+                <a:ea typeface="Arial" charset="0"/>
+                <a:cs typeface="Arial" charset="0"/>
                 <a:sym typeface="Cabin"/>
               </a:rPr>
               <a:t>This gives us more control over error situations and/or bad user input</a:t>
@@ -43197,37 +43202,37 @@
               <a:buChar char="•"/>
             </a:pPr>
             <a:r>
-              <a:rPr lang="en-US" sz="3000" b="0" i="0" u="none" strike="noStrike" cap="none">
-                <a:solidFill>
-                  <a:schemeClr val="lt1"/>
-                </a:solidFill>
-                <a:latin typeface="Cabin"/>
-                <a:ea typeface="Cabin"/>
-                <a:cs typeface="Cabin"/>
+              <a:rPr lang="en-US" sz="3000" u="none" strike="noStrike" cap="none">
+                <a:solidFill>
+                  <a:schemeClr val="lt1"/>
+                </a:solidFill>
+                <a:latin typeface="Arial" charset="0"/>
+                <a:ea typeface="Arial" charset="0"/>
+                <a:cs typeface="Arial" charset="0"/>
                 <a:sym typeface="Cabin"/>
               </a:rPr>
               <a:t>Raw input numbers must be </a:t>
             </a:r>
             <a:r>
-              <a:rPr lang="en-US" sz="3000" b="0" i="0" u="none" strike="noStrike" cap="none">
+              <a:rPr lang="en-US" sz="3000" u="none" strike="noStrike" cap="none">
                 <a:solidFill>
                   <a:srgbClr val="FF00FF"/>
                 </a:solidFill>
-                <a:latin typeface="Cabin"/>
-                <a:ea typeface="Cabin"/>
-                <a:cs typeface="Cabin"/>
+                <a:latin typeface="Arial" charset="0"/>
+                <a:ea typeface="Arial" charset="0"/>
+                <a:cs typeface="Arial" charset="0"/>
                 <a:sym typeface="Cabin"/>
               </a:rPr>
               <a:t>converted</a:t>
             </a:r>
             <a:r>
-              <a:rPr lang="en-US" sz="3000" b="0" i="0" u="none" strike="noStrike" cap="none">
-                <a:solidFill>
-                  <a:schemeClr val="lt1"/>
-                </a:solidFill>
-                <a:latin typeface="Cabin"/>
-                <a:ea typeface="Cabin"/>
-                <a:cs typeface="Cabin"/>
+              <a:rPr lang="en-US" sz="3000" u="none" strike="noStrike" cap="none">
+                <a:solidFill>
+                  <a:schemeClr val="lt1"/>
+                </a:solidFill>
+                <a:latin typeface="Arial" charset="0"/>
+                <a:ea typeface="Arial" charset="0"/>
+                <a:cs typeface="Arial" charset="0"/>
                 <a:sym typeface="Cabin"/>
               </a:rPr>
               <a:t> from strings</a:t>
@@ -44166,13 +44171,13 @@
               <a:buNone/>
             </a:pPr>
             <a:r>
-              <a:rPr lang="en-US" sz="7600" b="0" i="0" u="none" strike="noStrike" cap="none">
+              <a:rPr lang="en-US" sz="7600" u="none" strike="noStrike" cap="none">
                 <a:solidFill>
                   <a:srgbClr val="FFFF00"/>
                 </a:solidFill>
-                <a:latin typeface="Cabin"/>
-                <a:ea typeface="Cabin"/>
-                <a:cs typeface="Cabin"/>
+                <a:latin typeface="Arial" charset="0"/>
+                <a:ea typeface="Arial" charset="0"/>
+                <a:cs typeface="Arial" charset="0"/>
                 <a:sym typeface="Cabin"/>
               </a:rPr>
               <a:t>Summary</a:t>
@@ -44227,13 +44232,13 @@
               <a:buChar char="•"/>
             </a:pPr>
             <a:r>
-              <a:rPr lang="en-US" sz="3600" b="0" i="0" u="none" strike="noStrike" cap="none">
-                <a:solidFill>
-                  <a:schemeClr val="lt1"/>
-                </a:solidFill>
-                <a:latin typeface="Cabin"/>
-                <a:ea typeface="Cabin"/>
-                <a:cs typeface="Cabin"/>
+              <a:rPr lang="en-US" sz="3600" u="none" strike="noStrike" cap="none">
+                <a:solidFill>
+                  <a:schemeClr val="lt1"/>
+                </a:solidFill>
+                <a:latin typeface="Arial" charset="0"/>
+                <a:ea typeface="Arial" charset="0"/>
+                <a:cs typeface="Arial" charset="0"/>
                 <a:sym typeface="Cabin"/>
               </a:rPr>
               <a:t>String type</a:t>
@@ -44258,13 +44263,13 @@
               <a:buChar char="•"/>
             </a:pPr>
             <a:r>
-              <a:rPr lang="en-US" sz="3600" b="0" i="0" u="none" strike="noStrike" cap="none">
-                <a:solidFill>
-                  <a:schemeClr val="lt1"/>
-                </a:solidFill>
-                <a:latin typeface="Cabin"/>
-                <a:ea typeface="Cabin"/>
-                <a:cs typeface="Cabin"/>
+              <a:rPr lang="en-US" sz="3600" u="none" strike="noStrike" cap="none">
+                <a:solidFill>
+                  <a:schemeClr val="lt1"/>
+                </a:solidFill>
+                <a:latin typeface="Arial" charset="0"/>
+                <a:ea typeface="Arial" charset="0"/>
+                <a:cs typeface="Arial" charset="0"/>
                 <a:sym typeface="Cabin"/>
               </a:rPr>
               <a:t>Read/Convert</a:t>
@@ -44289,25 +44294,25 @@
               <a:buChar char="•"/>
             </a:pPr>
             <a:r>
-              <a:rPr lang="en-US" sz="3600" b="0" i="0" u="none" strike="noStrike" cap="none">
-                <a:solidFill>
-                  <a:schemeClr val="lt1"/>
-                </a:solidFill>
-                <a:latin typeface="Cabin"/>
-                <a:ea typeface="Cabin"/>
-                <a:cs typeface="Cabin"/>
+              <a:rPr lang="en-US" sz="3600" u="none" strike="noStrike" cap="none">
+                <a:solidFill>
+                  <a:schemeClr val="lt1"/>
+                </a:solidFill>
+                <a:latin typeface="Arial" charset="0"/>
+                <a:ea typeface="Arial" charset="0"/>
+                <a:cs typeface="Arial" charset="0"/>
                 <a:sym typeface="Cabin"/>
               </a:rPr>
               <a:t>Indexing strings </a:t>
             </a:r>
             <a:r>
-              <a:rPr lang="en-US" sz="3600" b="0" i="0" u="none" strike="noStrike" cap="none">
+              <a:rPr lang="en-US" sz="3600" u="none" strike="noStrike" cap="none">
                 <a:solidFill>
                   <a:srgbClr val="00FFFF"/>
                 </a:solidFill>
-                <a:latin typeface="Cabin"/>
-                <a:ea typeface="Cabin"/>
-                <a:cs typeface="Cabin"/>
+                <a:latin typeface="Arial" charset="0"/>
+                <a:ea typeface="Arial" charset="0"/>
+                <a:cs typeface="Arial" charset="0"/>
                 <a:sym typeface="Cabin"/>
               </a:rPr>
               <a:t>[]</a:t>
@@ -44332,49 +44337,49 @@
               <a:buChar char="•"/>
             </a:pPr>
             <a:r>
-              <a:rPr lang="en-US" sz="3600" b="0" i="0" u="none" strike="noStrike" cap="none">
-                <a:solidFill>
-                  <a:schemeClr val="lt1"/>
-                </a:solidFill>
-                <a:latin typeface="Cabin"/>
-                <a:ea typeface="Cabin"/>
-                <a:cs typeface="Cabin"/>
+              <a:rPr lang="en-US" sz="3600" u="none" strike="noStrike" cap="none">
+                <a:solidFill>
+                  <a:schemeClr val="lt1"/>
+                </a:solidFill>
+                <a:latin typeface="Arial" charset="0"/>
+                <a:ea typeface="Arial" charset="0"/>
+                <a:cs typeface="Arial" charset="0"/>
                 <a:sym typeface="Cabin"/>
               </a:rPr>
               <a:t>Slicing strings </a:t>
             </a:r>
             <a:r>
-              <a:rPr lang="en-US" sz="3600" b="0" i="0" u="none" strike="noStrike" cap="none">
+              <a:rPr lang="en-US" sz="3600" u="none" strike="noStrike" cap="none">
                 <a:solidFill>
                   <a:srgbClr val="00FFFF"/>
                 </a:solidFill>
-                <a:latin typeface="Cabin"/>
-                <a:ea typeface="Cabin"/>
-                <a:cs typeface="Cabin"/>
+                <a:latin typeface="Arial" charset="0"/>
+                <a:ea typeface="Arial" charset="0"/>
+                <a:cs typeface="Arial" charset="0"/>
                 <a:sym typeface="Cabin"/>
               </a:rPr>
               <a:t>[</a:t>
             </a:r>
             <a:r>
-              <a:rPr lang="en-US" sz="3600" b="0" i="0" u="none" strike="noStrike" cap="none">
+              <a:rPr lang="en-US" sz="3600" u="none" strike="noStrike" cap="none">
                 <a:solidFill>
                   <a:srgbClr val="FF7F00"/>
                 </a:solidFill>
-                <a:latin typeface="Cabin"/>
-                <a:ea typeface="Cabin"/>
-                <a:cs typeface="Cabin"/>
+                <a:latin typeface="Arial" charset="0"/>
+                <a:ea typeface="Arial" charset="0"/>
+                <a:cs typeface="Arial" charset="0"/>
                 <a:sym typeface="Cabin"/>
               </a:rPr>
               <a:t>2</a:t>
             </a:r>
             <a:r>
-              <a:rPr lang="en-US" sz="3600" b="0" i="0" u="none" strike="noStrike" cap="none">
+              <a:rPr lang="en-US" sz="3600" u="none" strike="noStrike" cap="none">
                 <a:solidFill>
                   <a:srgbClr val="00FFFF"/>
                 </a:solidFill>
-                <a:latin typeface="Cabin"/>
-                <a:ea typeface="Cabin"/>
-                <a:cs typeface="Cabin"/>
+                <a:latin typeface="Arial" charset="0"/>
+                <a:ea typeface="Arial" charset="0"/>
+                <a:cs typeface="Arial" charset="0"/>
                 <a:sym typeface="Cabin"/>
               </a:rPr>
               <a:t>:4]</a:t>
@@ -44403,9 +44408,9 @@
                 <a:solidFill>
                   <a:schemeClr val="lt1"/>
                 </a:solidFill>
-                <a:latin typeface="Cabin"/>
-                <a:ea typeface="Cabin"/>
-                <a:cs typeface="Cabin"/>
+                <a:latin typeface="Arial" charset="0"/>
+                <a:ea typeface="Arial" charset="0"/>
+                <a:cs typeface="Arial" charset="0"/>
                 <a:sym typeface="Cabin"/>
               </a:rPr>
               <a:t>Looping through strings </a:t>
@@ -44415,9 +44420,9 @@
                 <a:solidFill>
                   <a:schemeClr val="lt1"/>
                 </a:solidFill>
-                <a:latin typeface="Cabin"/>
-                <a:ea typeface="Cabin"/>
-                <a:cs typeface="Cabin"/>
+                <a:latin typeface="Arial" charset="0"/>
+                <a:ea typeface="Arial" charset="0"/>
+                <a:cs typeface="Arial" charset="0"/>
                 <a:sym typeface="Cabin"/>
               </a:rPr>
             </a:br>
@@ -44426,9 +44431,9 @@
                 <a:solidFill>
                   <a:schemeClr val="lt1"/>
                 </a:solidFill>
-                <a:latin typeface="Cabin"/>
-                <a:ea typeface="Cabin"/>
-                <a:cs typeface="Cabin"/>
+                <a:latin typeface="Arial" charset="0"/>
+                <a:ea typeface="Arial" charset="0"/>
+                <a:cs typeface="Arial" charset="0"/>
                 <a:sym typeface="Cabin"/>
               </a:rPr>
               <a:t>with </a:t>
@@ -44438,9 +44443,9 @@
                 <a:solidFill>
                   <a:srgbClr val="FFFF00"/>
                 </a:solidFill>
-                <a:latin typeface="Cabin"/>
-                <a:ea typeface="Cabin"/>
-                <a:cs typeface="Cabin"/>
+                <a:latin typeface="Arial" charset="0"/>
+                <a:ea typeface="Arial" charset="0"/>
+                <a:cs typeface="Arial" charset="0"/>
                 <a:sym typeface="Cabin"/>
               </a:rPr>
               <a:t>for</a:t>
@@ -44450,9 +44455,9 @@
                 <a:solidFill>
                   <a:schemeClr val="lt1"/>
                 </a:solidFill>
-                <a:latin typeface="Cabin"/>
-                <a:ea typeface="Cabin"/>
-                <a:cs typeface="Cabin"/>
+                <a:latin typeface="Arial" charset="0"/>
+                <a:ea typeface="Arial" charset="0"/>
+                <a:cs typeface="Arial" charset="0"/>
                 <a:sym typeface="Cabin"/>
               </a:rPr>
               <a:t> and </a:t>
@@ -44462,9 +44467,9 @@
                 <a:solidFill>
                   <a:srgbClr val="FFFF00"/>
                 </a:solidFill>
-                <a:latin typeface="Cabin"/>
-                <a:ea typeface="Cabin"/>
-                <a:cs typeface="Cabin"/>
+                <a:latin typeface="Arial" charset="0"/>
+                <a:ea typeface="Arial" charset="0"/>
+                <a:cs typeface="Arial" charset="0"/>
                 <a:sym typeface="Cabin"/>
               </a:rPr>
               <a:t>while</a:t>
@@ -44493,9 +44498,9 @@
                 <a:solidFill>
                   <a:schemeClr val="lt1"/>
                 </a:solidFill>
-                <a:latin typeface="Cabin"/>
-                <a:ea typeface="Cabin"/>
-                <a:cs typeface="Cabin"/>
+                <a:latin typeface="Arial" charset="0"/>
+                <a:ea typeface="Arial" charset="0"/>
+                <a:cs typeface="Arial" charset="0"/>
                 <a:sym typeface="Cabin"/>
               </a:rPr>
               <a:t>Concatenating strings with  </a:t>
@@ -44505,9 +44510,9 @@
                 <a:solidFill>
                   <a:srgbClr val="00FFFF"/>
                 </a:solidFill>
-                <a:latin typeface="Cabin"/>
-                <a:ea typeface="Cabin"/>
-                <a:cs typeface="Cabin"/>
+                <a:latin typeface="Arial" charset="0"/>
+                <a:ea typeface="Arial" charset="0"/>
+                <a:cs typeface="Arial" charset="0"/>
                 <a:sym typeface="Cabin"/>
               </a:rPr>
               <a:t>+</a:t>
@@ -44562,13 +44567,13 @@
               <a:buChar char="•"/>
             </a:pPr>
             <a:r>
-              <a:rPr lang="en-US" sz="3600" b="0" i="0" u="none" strike="noStrike" cap="none">
-                <a:solidFill>
-                  <a:schemeClr val="lt1"/>
-                </a:solidFill>
-                <a:latin typeface="Cabin"/>
-                <a:ea typeface="Cabin"/>
-                <a:cs typeface="Cabin"/>
+              <a:rPr lang="en-US" sz="3600" u="none" strike="noStrike" cap="none">
+                <a:solidFill>
+                  <a:schemeClr val="lt1"/>
+                </a:solidFill>
+                <a:latin typeface="Arial" charset="0"/>
+                <a:ea typeface="Arial" charset="0"/>
+                <a:cs typeface="Arial" charset="0"/>
                 <a:sym typeface="Cabin"/>
               </a:rPr>
               <a:t>String operations </a:t>
@@ -44597,9 +44602,9 @@
                 <a:solidFill>
                   <a:schemeClr val="lt1"/>
                 </a:solidFill>
-                <a:latin typeface="Cabin"/>
-                <a:ea typeface="Cabin"/>
-                <a:cs typeface="Cabin"/>
+                <a:latin typeface="Arial" charset="0"/>
+                <a:ea typeface="Arial" charset="0"/>
+                <a:cs typeface="Arial" charset="0"/>
                 <a:sym typeface="Cabin"/>
               </a:rPr>
               <a:t>String library</a:t>
@@ -44628,9 +44633,9 @@
                 <a:solidFill>
                   <a:schemeClr val="lt1"/>
                 </a:solidFill>
-                <a:latin typeface="Cabin"/>
-                <a:ea typeface="Cabin"/>
-                <a:cs typeface="Cabin"/>
+                <a:latin typeface="Arial" charset="0"/>
+                <a:ea typeface="Arial" charset="0"/>
+                <a:cs typeface="Arial" charset="0"/>
                 <a:sym typeface="Cabin"/>
               </a:rPr>
               <a:t>String Comparisons</a:t>
@@ -44659,9 +44664,9 @@
                 <a:solidFill>
                   <a:schemeClr val="lt1"/>
                 </a:solidFill>
-                <a:latin typeface="Cabin"/>
-                <a:ea typeface="Cabin"/>
-                <a:cs typeface="Cabin"/>
+                <a:latin typeface="Arial" charset="0"/>
+                <a:ea typeface="Arial" charset="0"/>
+                <a:cs typeface="Arial" charset="0"/>
                 <a:sym typeface="Cabin"/>
               </a:rPr>
               <a:t>Searching in strings</a:t>
@@ -44690,9 +44695,9 @@
                 <a:solidFill>
                   <a:schemeClr val="lt1"/>
                 </a:solidFill>
-                <a:latin typeface="Cabin"/>
-                <a:ea typeface="Cabin"/>
-                <a:cs typeface="Cabin"/>
+                <a:latin typeface="Arial" charset="0"/>
+                <a:ea typeface="Arial" charset="0"/>
+                <a:cs typeface="Arial" charset="0"/>
                 <a:sym typeface="Cabin"/>
               </a:rPr>
               <a:t>Replacing text</a:t>
@@ -44721,9 +44726,9 @@
                 <a:solidFill>
                   <a:schemeClr val="lt1"/>
                 </a:solidFill>
-                <a:latin typeface="Cabin"/>
-                <a:ea typeface="Cabin"/>
-                <a:cs typeface="Cabin"/>
+                <a:latin typeface="Arial" charset="0"/>
+                <a:ea typeface="Arial" charset="0"/>
+                <a:cs typeface="Arial" charset="0"/>
                 <a:sym typeface="Cabin"/>
               </a:rPr>
               <a:t>Stripping white space</a:t>
@@ -45100,13 +45105,13 @@
               <a:buNone/>
             </a:pPr>
             <a:r>
-              <a:rPr lang="en-US" sz="7600" b="0" i="0" u="none" strike="noStrike" cap="none">
+              <a:rPr lang="en-US" sz="7600" u="none" strike="noStrike" cap="none">
                 <a:solidFill>
                   <a:srgbClr val="FFFF00"/>
                 </a:solidFill>
-                <a:latin typeface="Cabin"/>
-                <a:ea typeface="Cabin"/>
-                <a:cs typeface="Cabin"/>
+                <a:latin typeface="Arial" charset="0"/>
+                <a:ea typeface="Arial" charset="0"/>
+                <a:cs typeface="Arial" charset="0"/>
                 <a:sym typeface="Cabin"/>
               </a:rPr>
               <a:t>Looking Inside Strings</a:t>
@@ -45161,25 +45166,25 @@
               <a:buChar char="•"/>
             </a:pPr>
             <a:r>
-              <a:rPr lang="en-US" sz="3600" b="0" i="0" u="none" strike="noStrike" cap="none">
-                <a:solidFill>
-                  <a:schemeClr val="lt1"/>
-                </a:solidFill>
-                <a:latin typeface="Cabin"/>
-                <a:ea typeface="Cabin"/>
-                <a:cs typeface="Cabin"/>
+              <a:rPr lang="en-US" sz="3600" u="none" strike="noStrike" cap="none">
+                <a:solidFill>
+                  <a:schemeClr val="lt1"/>
+                </a:solidFill>
+                <a:latin typeface="Arial" charset="0"/>
+                <a:ea typeface="Arial" charset="0"/>
+                <a:cs typeface="Arial" charset="0"/>
                 <a:sym typeface="Cabin"/>
               </a:rPr>
               <a:t>We can get at any single character in a string using an index specified in</a:t>
             </a:r>
             <a:r>
-              <a:rPr lang="en-US" sz="3600" b="0" i="0" u="none" strike="noStrike" cap="none">
+              <a:rPr lang="en-US" sz="3600" u="none" strike="noStrike" cap="none">
                 <a:solidFill>
                   <a:srgbClr val="00FFFF"/>
                 </a:solidFill>
-                <a:latin typeface="Cabin"/>
-                <a:ea typeface="Cabin"/>
-                <a:cs typeface="Cabin"/>
+                <a:latin typeface="Arial" charset="0"/>
+                <a:ea typeface="Arial" charset="0"/>
+                <a:cs typeface="Arial" charset="0"/>
                 <a:sym typeface="Cabin"/>
               </a:rPr>
               <a:t> square brackets</a:t>
@@ -45204,13 +45209,13 @@
               <a:buChar char="•"/>
             </a:pPr>
             <a:r>
-              <a:rPr lang="en-US" sz="3600" b="0" i="0" u="none" strike="noStrike" cap="none">
-                <a:solidFill>
-                  <a:schemeClr val="lt1"/>
-                </a:solidFill>
-                <a:latin typeface="Cabin"/>
-                <a:ea typeface="Cabin"/>
-                <a:cs typeface="Cabin"/>
+              <a:rPr lang="en-US" sz="3600" u="none" strike="noStrike" cap="none">
+                <a:solidFill>
+                  <a:schemeClr val="lt1"/>
+                </a:solidFill>
+                <a:latin typeface="Arial" charset="0"/>
+                <a:ea typeface="Arial" charset="0"/>
+                <a:cs typeface="Arial" charset="0"/>
                 <a:sym typeface="Cabin"/>
               </a:rPr>
               <a:t>The index value must be an integer and starts at zero</a:t>
@@ -45235,13 +45240,13 @@
               <a:buChar char="•"/>
             </a:pPr>
             <a:r>
-              <a:rPr lang="en-US" sz="3600" b="0" i="0" u="none" strike="noStrike" cap="none">
-                <a:solidFill>
-                  <a:schemeClr val="lt1"/>
-                </a:solidFill>
-                <a:latin typeface="Cabin"/>
-                <a:ea typeface="Cabin"/>
-                <a:cs typeface="Cabin"/>
+              <a:rPr lang="en-US" sz="3600" u="none" strike="noStrike" cap="none">
+                <a:solidFill>
+                  <a:schemeClr val="lt1"/>
+                </a:solidFill>
+                <a:latin typeface="Arial" charset="0"/>
+                <a:ea typeface="Arial" charset="0"/>
+                <a:cs typeface="Arial" charset="0"/>
                 <a:sym typeface="Cabin"/>
               </a:rPr>
               <a:t>The index value can be an expression that is computed</a:t>
@@ -45905,13 +45910,13 @@
               <a:buNone/>
             </a:pPr>
             <a:r>
-              <a:rPr lang="en-US" sz="4000" b="0" i="0" u="none" strike="noStrike" cap="none">
-                <a:solidFill>
-                  <a:schemeClr val="lt1"/>
-                </a:solidFill>
-                <a:latin typeface="Cabin"/>
-                <a:ea typeface="Cabin"/>
-                <a:cs typeface="Cabin"/>
+              <a:rPr lang="en-US" sz="4000" u="none" strike="noStrike" cap="none">
+                <a:solidFill>
+                  <a:schemeClr val="lt1"/>
+                </a:solidFill>
+                <a:latin typeface="Arial" charset="0"/>
+                <a:ea typeface="Arial" charset="0"/>
+                <a:cs typeface="Arial" charset="0"/>
                 <a:sym typeface="Cabin"/>
               </a:rPr>
               <a:t>0</a:t>
@@ -45968,13 +45973,13 @@
               <a:buNone/>
             </a:pPr>
             <a:r>
-              <a:rPr lang="en-US" sz="4000" b="0" i="0" u="none" strike="noStrike" cap="none">
-                <a:solidFill>
-                  <a:schemeClr val="lt1"/>
-                </a:solidFill>
-                <a:latin typeface="Cabin"/>
-                <a:ea typeface="Cabin"/>
-                <a:cs typeface="Cabin"/>
+              <a:rPr lang="en-US" sz="4000" u="none" strike="noStrike" cap="none">
+                <a:solidFill>
+                  <a:schemeClr val="lt1"/>
+                </a:solidFill>
+                <a:latin typeface="Arial" charset="0"/>
+                <a:ea typeface="Arial" charset="0"/>
+                <a:cs typeface="Arial" charset="0"/>
                 <a:sym typeface="Cabin"/>
               </a:rPr>
               <a:t>b</a:t>
@@ -46025,13 +46030,13 @@
               <a:buNone/>
             </a:pPr>
             <a:r>
-              <a:rPr lang="en-US" sz="4000" b="0" i="0" u="none" strike="noStrike" cap="none">
-                <a:solidFill>
-                  <a:schemeClr val="lt1"/>
-                </a:solidFill>
-                <a:latin typeface="Cabin"/>
-                <a:ea typeface="Cabin"/>
-                <a:cs typeface="Cabin"/>
+              <a:rPr lang="en-US" sz="4000" u="none" strike="noStrike" cap="none">
+                <a:solidFill>
+                  <a:schemeClr val="lt1"/>
+                </a:solidFill>
+                <a:latin typeface="Arial" charset="0"/>
+                <a:ea typeface="Arial" charset="0"/>
+                <a:cs typeface="Arial" charset="0"/>
                 <a:sym typeface="Cabin"/>
               </a:rPr>
               <a:t>1</a:t>
@@ -46088,13 +46093,13 @@
               <a:buNone/>
             </a:pPr>
             <a:r>
-              <a:rPr lang="en-US" sz="4000" b="0" i="0" u="none" strike="noStrike" cap="none">
-                <a:solidFill>
-                  <a:schemeClr val="lt1"/>
-                </a:solidFill>
-                <a:latin typeface="Cabin"/>
-                <a:ea typeface="Cabin"/>
-                <a:cs typeface="Cabin"/>
+              <a:rPr lang="en-US" sz="4000" u="none" strike="noStrike" cap="none">
+                <a:solidFill>
+                  <a:schemeClr val="lt1"/>
+                </a:solidFill>
+                <a:latin typeface="Arial" charset="0"/>
+                <a:ea typeface="Arial" charset="0"/>
+                <a:cs typeface="Arial" charset="0"/>
                 <a:sym typeface="Cabin"/>
               </a:rPr>
               <a:t>a</a:t>
@@ -46145,13 +46150,13 @@
               <a:buNone/>
             </a:pPr>
             <a:r>
-              <a:rPr lang="en-US" sz="4000" b="0" i="0" u="none" strike="noStrike" cap="none">
-                <a:solidFill>
-                  <a:schemeClr val="lt1"/>
-                </a:solidFill>
-                <a:latin typeface="Cabin"/>
-                <a:ea typeface="Cabin"/>
-                <a:cs typeface="Cabin"/>
+              <a:rPr lang="en-US" sz="4000" u="none" strike="noStrike" cap="none">
+                <a:solidFill>
+                  <a:schemeClr val="lt1"/>
+                </a:solidFill>
+                <a:latin typeface="Arial" charset="0"/>
+                <a:ea typeface="Arial" charset="0"/>
+                <a:cs typeface="Arial" charset="0"/>
                 <a:sym typeface="Cabin"/>
               </a:rPr>
               <a:t>2</a:t>
@@ -46208,13 +46213,13 @@
               <a:buNone/>
             </a:pPr>
             <a:r>
-              <a:rPr lang="en-US" sz="4000" b="0" i="0" u="none" strike="noStrike" cap="none">
-                <a:solidFill>
-                  <a:schemeClr val="lt1"/>
-                </a:solidFill>
-                <a:latin typeface="Cabin"/>
-                <a:ea typeface="Cabin"/>
-                <a:cs typeface="Cabin"/>
+              <a:rPr lang="en-US" sz="4000" u="none" strike="noStrike" cap="none">
+                <a:solidFill>
+                  <a:schemeClr val="lt1"/>
+                </a:solidFill>
+                <a:latin typeface="Arial" charset="0"/>
+                <a:ea typeface="Arial" charset="0"/>
+                <a:cs typeface="Arial" charset="0"/>
                 <a:sym typeface="Cabin"/>
               </a:rPr>
               <a:t>n</a:t>
@@ -46265,13 +46270,13 @@
               <a:buNone/>
             </a:pPr>
             <a:r>
-              <a:rPr lang="en-US" sz="4000" b="0" i="0" u="none" strike="noStrike" cap="none">
-                <a:solidFill>
-                  <a:schemeClr val="lt1"/>
-                </a:solidFill>
-                <a:latin typeface="Cabin"/>
-                <a:ea typeface="Cabin"/>
-                <a:cs typeface="Cabin"/>
+              <a:rPr lang="en-US" sz="4000" u="none" strike="noStrike" cap="none">
+                <a:solidFill>
+                  <a:schemeClr val="lt1"/>
+                </a:solidFill>
+                <a:latin typeface="Arial" charset="0"/>
+                <a:ea typeface="Arial" charset="0"/>
+                <a:cs typeface="Arial" charset="0"/>
                 <a:sym typeface="Cabin"/>
               </a:rPr>
               <a:t>3</a:t>
@@ -46328,13 +46333,13 @@
               <a:buNone/>
             </a:pPr>
             <a:r>
-              <a:rPr lang="en-US" sz="4000" b="0" i="0" u="none" strike="noStrike" cap="none">
-                <a:solidFill>
-                  <a:schemeClr val="lt1"/>
-                </a:solidFill>
-                <a:latin typeface="Cabin"/>
-                <a:ea typeface="Cabin"/>
-                <a:cs typeface="Cabin"/>
+              <a:rPr lang="en-US" sz="4000" u="none" strike="noStrike" cap="none">
+                <a:solidFill>
+                  <a:schemeClr val="lt1"/>
+                </a:solidFill>
+                <a:latin typeface="Arial" charset="0"/>
+                <a:ea typeface="Arial" charset="0"/>
+                <a:cs typeface="Arial" charset="0"/>
                 <a:sym typeface="Cabin"/>
               </a:rPr>
               <a:t>a</a:t>
@@ -46385,13 +46390,13 @@
               <a:buNone/>
             </a:pPr>
             <a:r>
-              <a:rPr lang="en-US" sz="4000" b="0" i="0" u="none" strike="noStrike" cap="none">
-                <a:solidFill>
-                  <a:schemeClr val="lt1"/>
-                </a:solidFill>
-                <a:latin typeface="Cabin"/>
-                <a:ea typeface="Cabin"/>
-                <a:cs typeface="Cabin"/>
+              <a:rPr lang="en-US" sz="4000" u="none" strike="noStrike" cap="none">
+                <a:solidFill>
+                  <a:schemeClr val="lt1"/>
+                </a:solidFill>
+                <a:latin typeface="Arial" charset="0"/>
+                <a:ea typeface="Arial" charset="0"/>
+                <a:cs typeface="Arial" charset="0"/>
                 <a:sym typeface="Cabin"/>
               </a:rPr>
               <a:t>4</a:t>
@@ -46448,13 +46453,13 @@
               <a:buNone/>
             </a:pPr>
             <a:r>
-              <a:rPr lang="en-US" sz="4000" b="0" i="0" u="none" strike="noStrike" cap="none">
-                <a:solidFill>
-                  <a:schemeClr val="lt1"/>
-                </a:solidFill>
-                <a:latin typeface="Cabin"/>
-                <a:ea typeface="Cabin"/>
-                <a:cs typeface="Cabin"/>
+              <a:rPr lang="en-US" sz="4000" u="none" strike="noStrike" cap="none">
+                <a:solidFill>
+                  <a:schemeClr val="lt1"/>
+                </a:solidFill>
+                <a:latin typeface="Arial" charset="0"/>
+                <a:ea typeface="Arial" charset="0"/>
+                <a:cs typeface="Arial" charset="0"/>
                 <a:sym typeface="Cabin"/>
               </a:rPr>
               <a:t>n</a:t>
@@ -46505,13 +46510,13 @@
               <a:buNone/>
             </a:pPr>
             <a:r>
-              <a:rPr lang="en-US" sz="4000" b="0" i="0" u="none" strike="noStrike" cap="none">
-                <a:solidFill>
-                  <a:schemeClr val="lt1"/>
-                </a:solidFill>
-                <a:latin typeface="Cabin"/>
-                <a:ea typeface="Cabin"/>
-                <a:cs typeface="Cabin"/>
+              <a:rPr lang="en-US" sz="4000" u="none" strike="noStrike" cap="none">
+                <a:solidFill>
+                  <a:schemeClr val="lt1"/>
+                </a:solidFill>
+                <a:latin typeface="Arial" charset="0"/>
+                <a:ea typeface="Arial" charset="0"/>
+                <a:cs typeface="Arial" charset="0"/>
                 <a:sym typeface="Cabin"/>
               </a:rPr>
               <a:t>5</a:t>
@@ -46568,13 +46573,13 @@
               <a:buNone/>
             </a:pPr>
             <a:r>
-              <a:rPr lang="en-US" sz="4000" b="0" i="0" u="none" strike="noStrike" cap="none">
-                <a:solidFill>
-                  <a:schemeClr val="lt1"/>
-                </a:solidFill>
-                <a:latin typeface="Cabin"/>
-                <a:ea typeface="Cabin"/>
-                <a:cs typeface="Cabin"/>
+              <a:rPr lang="en-US" sz="4000" u="none" strike="noStrike" cap="none">
+                <a:solidFill>
+                  <a:schemeClr val="lt1"/>
+                </a:solidFill>
+                <a:latin typeface="Arial" charset="0"/>
+                <a:ea typeface="Arial" charset="0"/>
+                <a:cs typeface="Arial" charset="0"/>
                 <a:sym typeface="Cabin"/>
               </a:rPr>
               <a:t>a</a:t>
@@ -46654,13 +46659,13 @@
               <a:buNone/>
             </a:pPr>
             <a:r>
-              <a:rPr lang="en-US" sz="7600" b="0" i="0" u="none" strike="noStrike" cap="none">
+              <a:rPr lang="en-US" sz="7600" u="none" strike="noStrike" cap="none">
                 <a:solidFill>
                   <a:srgbClr val="FFFF00"/>
                 </a:solidFill>
-                <a:latin typeface="Cabin"/>
-                <a:ea typeface="Cabin"/>
-                <a:cs typeface="Cabin"/>
+                <a:latin typeface="Arial" charset="0"/>
+                <a:ea typeface="Arial" charset="0"/>
+                <a:cs typeface="Arial" charset="0"/>
                 <a:sym typeface="Cabin"/>
               </a:rPr>
               <a:t>A Character Too Far</a:t>
@@ -46715,37 +46720,37 @@
               <a:buChar char="•"/>
             </a:pPr>
             <a:r>
-              <a:rPr lang="en-US" sz="3600" b="0" i="0" u="none" strike="noStrike" cap="none">
-                <a:solidFill>
-                  <a:schemeClr val="lt1"/>
-                </a:solidFill>
-                <a:latin typeface="Cabin"/>
-                <a:ea typeface="Cabin"/>
-                <a:cs typeface="Cabin"/>
+              <a:rPr lang="en-US" sz="3600" u="none" strike="noStrike" cap="none">
+                <a:solidFill>
+                  <a:schemeClr val="lt1"/>
+                </a:solidFill>
+                <a:latin typeface="Arial" charset="0"/>
+                <a:ea typeface="Arial" charset="0"/>
+                <a:cs typeface="Arial" charset="0"/>
                 <a:sym typeface="Cabin"/>
               </a:rPr>
               <a:t>You will get a </a:t>
             </a:r>
             <a:r>
-              <a:rPr lang="en-US" sz="3600" b="0" i="0" u="none" strike="noStrike" cap="none">
+              <a:rPr lang="en-US" sz="3600" u="none" strike="noStrike" cap="none">
                 <a:solidFill>
                   <a:srgbClr val="E06666"/>
                 </a:solidFill>
-                <a:latin typeface="Cabin"/>
-                <a:ea typeface="Cabin"/>
-                <a:cs typeface="Cabin"/>
+                <a:latin typeface="Arial" charset="0"/>
+                <a:ea typeface="Arial" charset="0"/>
+                <a:cs typeface="Arial" charset="0"/>
                 <a:sym typeface="Cabin"/>
               </a:rPr>
               <a:t>python error</a:t>
             </a:r>
             <a:r>
-              <a:rPr lang="en-US" sz="3600" b="0" i="0" u="none" strike="noStrike" cap="none">
-                <a:solidFill>
-                  <a:schemeClr val="lt1"/>
-                </a:solidFill>
-                <a:latin typeface="Cabin"/>
-                <a:ea typeface="Cabin"/>
-                <a:cs typeface="Cabin"/>
+              <a:rPr lang="en-US" sz="3600" u="none" strike="noStrike" cap="none">
+                <a:solidFill>
+                  <a:schemeClr val="lt1"/>
+                </a:solidFill>
+                <a:latin typeface="Arial" charset="0"/>
+                <a:ea typeface="Arial" charset="0"/>
+                <a:cs typeface="Arial" charset="0"/>
                 <a:sym typeface="Cabin"/>
               </a:rPr>
               <a:t> if you attempt to index beyond the end of a string.</a:t>
@@ -46770,13 +46775,13 @@
               <a:buChar char="•"/>
             </a:pPr>
             <a:r>
-              <a:rPr lang="en-US" sz="3600" b="0" i="0" u="none" strike="noStrike" cap="none">
-                <a:solidFill>
-                  <a:schemeClr val="lt1"/>
-                </a:solidFill>
-                <a:latin typeface="Cabin"/>
-                <a:ea typeface="Cabin"/>
-                <a:cs typeface="Cabin"/>
+              <a:rPr lang="en-US" sz="3600" u="none" strike="noStrike" cap="none">
+                <a:solidFill>
+                  <a:schemeClr val="lt1"/>
+                </a:solidFill>
+                <a:latin typeface="Arial" charset="0"/>
+                <a:ea typeface="Arial" charset="0"/>
+                <a:cs typeface="Arial" charset="0"/>
                 <a:sym typeface="Cabin"/>
               </a:rPr>
               <a:t>So be careful when constructing index values and slices</a:t>
@@ -47138,13 +47143,13 @@
               <a:buNone/>
             </a:pPr>
             <a:r>
-              <a:rPr lang="en-US" sz="7600" b="0" i="0" u="none" strike="noStrike" cap="none">
+              <a:rPr lang="en-US" sz="7600" u="none" strike="noStrike" cap="none">
                 <a:solidFill>
                   <a:srgbClr val="FFFF00"/>
                 </a:solidFill>
-                <a:latin typeface="Cabin"/>
-                <a:ea typeface="Cabin"/>
-                <a:cs typeface="Cabin"/>
+                <a:latin typeface="Arial" charset="0"/>
+                <a:ea typeface="Arial" charset="0"/>
+                <a:cs typeface="Arial" charset="0"/>
                 <a:sym typeface="Cabin"/>
               </a:rPr>
               <a:t>Strings Have Length</a:t>
@@ -47199,37 +47204,37 @@
               <a:buChar char="•"/>
             </a:pPr>
             <a:r>
-              <a:rPr lang="en-US" sz="3600" b="0" i="0" u="none" strike="noStrike" cap="none">
-                <a:solidFill>
-                  <a:schemeClr val="lt1"/>
-                </a:solidFill>
-                <a:latin typeface="Cabin"/>
-                <a:ea typeface="Cabin"/>
-                <a:cs typeface="Cabin"/>
+              <a:rPr lang="en-US" sz="3600" u="none" strike="noStrike" cap="none">
+                <a:solidFill>
+                  <a:schemeClr val="lt1"/>
+                </a:solidFill>
+                <a:latin typeface="Arial" charset="0"/>
+                <a:ea typeface="Arial" charset="0"/>
+                <a:cs typeface="Arial" charset="0"/>
                 <a:sym typeface="Cabin"/>
               </a:rPr>
               <a:t>There is a built-in function </a:t>
             </a:r>
             <a:r>
-              <a:rPr lang="en-US" sz="3600" b="0" i="0" u="none" strike="noStrike" cap="none">
+              <a:rPr lang="en-US" sz="3600" u="none" strike="noStrike" cap="none">
                 <a:solidFill>
                   <a:srgbClr val="FF00FF"/>
                 </a:solidFill>
-                <a:latin typeface="Cabin"/>
-                <a:ea typeface="Cabin"/>
-                <a:cs typeface="Cabin"/>
+                <a:latin typeface="Arial" charset="0"/>
+                <a:ea typeface="Arial" charset="0"/>
+                <a:cs typeface="Arial" charset="0"/>
                 <a:sym typeface="Cabin"/>
               </a:rPr>
               <a:t>len</a:t>
             </a:r>
             <a:r>
-              <a:rPr lang="en-US" sz="3600" b="0" i="0" u="none" strike="noStrike" cap="none">
-                <a:solidFill>
-                  <a:schemeClr val="lt1"/>
-                </a:solidFill>
-                <a:latin typeface="Cabin"/>
-                <a:ea typeface="Cabin"/>
-                <a:cs typeface="Cabin"/>
+              <a:rPr lang="en-US" sz="3600" u="none" strike="noStrike" cap="none">
+                <a:solidFill>
+                  <a:schemeClr val="lt1"/>
+                </a:solidFill>
+                <a:latin typeface="Arial" charset="0"/>
+                <a:ea typeface="Arial" charset="0"/>
+                <a:cs typeface="Arial" charset="0"/>
                 <a:sym typeface="Cabin"/>
               </a:rPr>
               <a:t> that gives us the length of a string</a:t>
@@ -47507,13 +47512,13 @@
               <a:buNone/>
             </a:pPr>
             <a:r>
-              <a:rPr lang="en-US" sz="4000" b="0" i="0" u="none" strike="noStrike" cap="none">
-                <a:solidFill>
-                  <a:schemeClr val="lt1"/>
-                </a:solidFill>
-                <a:latin typeface="Cabin"/>
-                <a:ea typeface="Cabin"/>
-                <a:cs typeface="Cabin"/>
+              <a:rPr lang="en-US" sz="4000" u="none" strike="noStrike" cap="none">
+                <a:solidFill>
+                  <a:schemeClr val="lt1"/>
+                </a:solidFill>
+                <a:latin typeface="Arial" charset="0"/>
+                <a:ea typeface="Arial" charset="0"/>
+                <a:cs typeface="Arial" charset="0"/>
                 <a:sym typeface="Cabin"/>
               </a:rPr>
               <a:t>0</a:t>
@@ -47570,13 +47575,13 @@
               <a:buNone/>
             </a:pPr>
             <a:r>
-              <a:rPr lang="en-US" sz="4000" b="0" i="0" u="none" strike="noStrike" cap="none">
-                <a:solidFill>
-                  <a:schemeClr val="lt1"/>
-                </a:solidFill>
-                <a:latin typeface="Cabin"/>
-                <a:ea typeface="Cabin"/>
-                <a:cs typeface="Cabin"/>
+              <a:rPr lang="en-US" sz="4000" u="none" strike="noStrike" cap="none">
+                <a:solidFill>
+                  <a:schemeClr val="lt1"/>
+                </a:solidFill>
+                <a:latin typeface="Arial" charset="0"/>
+                <a:ea typeface="Arial" charset="0"/>
+                <a:cs typeface="Arial" charset="0"/>
                 <a:sym typeface="Cabin"/>
               </a:rPr>
               <a:t>b</a:t>
@@ -47627,13 +47632,13 @@
               <a:buNone/>
             </a:pPr>
             <a:r>
-              <a:rPr lang="en-US" sz="4000" b="0" i="0" u="none" strike="noStrike" cap="none">
-                <a:solidFill>
-                  <a:schemeClr val="lt1"/>
-                </a:solidFill>
-                <a:latin typeface="Cabin"/>
-                <a:ea typeface="Cabin"/>
-                <a:cs typeface="Cabin"/>
+              <a:rPr lang="en-US" sz="4000" u="none" strike="noStrike" cap="none">
+                <a:solidFill>
+                  <a:schemeClr val="lt1"/>
+                </a:solidFill>
+                <a:latin typeface="Arial" charset="0"/>
+                <a:ea typeface="Arial" charset="0"/>
+                <a:cs typeface="Arial" charset="0"/>
                 <a:sym typeface="Cabin"/>
               </a:rPr>
               <a:t>1</a:t>
@@ -47690,13 +47695,13 @@
               <a:buNone/>
             </a:pPr>
             <a:r>
-              <a:rPr lang="en-US" sz="4000" b="0" i="0" u="none" strike="noStrike" cap="none">
-                <a:solidFill>
-                  <a:schemeClr val="lt1"/>
-                </a:solidFill>
-                <a:latin typeface="Cabin"/>
-                <a:ea typeface="Cabin"/>
-                <a:cs typeface="Cabin"/>
+              <a:rPr lang="en-US" sz="4000" u="none" strike="noStrike" cap="none">
+                <a:solidFill>
+                  <a:schemeClr val="lt1"/>
+                </a:solidFill>
+                <a:latin typeface="Arial" charset="0"/>
+                <a:ea typeface="Arial" charset="0"/>
+                <a:cs typeface="Arial" charset="0"/>
                 <a:sym typeface="Cabin"/>
               </a:rPr>
               <a:t>a</a:t>
@@ -47747,13 +47752,13 @@
               <a:buNone/>
             </a:pPr>
             <a:r>
-              <a:rPr lang="en-US" sz="4000" b="0" i="0" u="none" strike="noStrike" cap="none">
-                <a:solidFill>
-                  <a:schemeClr val="lt1"/>
-                </a:solidFill>
-                <a:latin typeface="Cabin"/>
-                <a:ea typeface="Cabin"/>
-                <a:cs typeface="Cabin"/>
+              <a:rPr lang="en-US" sz="4000" u="none" strike="noStrike" cap="none">
+                <a:solidFill>
+                  <a:schemeClr val="lt1"/>
+                </a:solidFill>
+                <a:latin typeface="Arial" charset="0"/>
+                <a:ea typeface="Arial" charset="0"/>
+                <a:cs typeface="Arial" charset="0"/>
                 <a:sym typeface="Cabin"/>
               </a:rPr>
               <a:t>2</a:t>
@@ -47810,13 +47815,13 @@
               <a:buNone/>
             </a:pPr>
             <a:r>
-              <a:rPr lang="en-US" sz="4000" b="0" i="0" u="none" strike="noStrike" cap="none">
-                <a:solidFill>
-                  <a:schemeClr val="lt1"/>
-                </a:solidFill>
-                <a:latin typeface="Cabin"/>
-                <a:ea typeface="Cabin"/>
-                <a:cs typeface="Cabin"/>
+              <a:rPr lang="en-US" sz="4000" u="none" strike="noStrike" cap="none">
+                <a:solidFill>
+                  <a:schemeClr val="lt1"/>
+                </a:solidFill>
+                <a:latin typeface="Arial" charset="0"/>
+                <a:ea typeface="Arial" charset="0"/>
+                <a:cs typeface="Arial" charset="0"/>
                 <a:sym typeface="Cabin"/>
               </a:rPr>
               <a:t>n</a:t>
@@ -47867,13 +47872,13 @@
               <a:buNone/>
             </a:pPr>
             <a:r>
-              <a:rPr lang="en-US" sz="4000" b="0" i="0" u="none" strike="noStrike" cap="none">
-                <a:solidFill>
-                  <a:schemeClr val="lt1"/>
-                </a:solidFill>
-                <a:latin typeface="Cabin"/>
-                <a:ea typeface="Cabin"/>
-                <a:cs typeface="Cabin"/>
+              <a:rPr lang="en-US" sz="4000" u="none" strike="noStrike" cap="none">
+                <a:solidFill>
+                  <a:schemeClr val="lt1"/>
+                </a:solidFill>
+                <a:latin typeface="Arial" charset="0"/>
+                <a:ea typeface="Arial" charset="0"/>
+                <a:cs typeface="Arial" charset="0"/>
                 <a:sym typeface="Cabin"/>
               </a:rPr>
               <a:t>3</a:t>
@@ -47930,13 +47935,13 @@
               <a:buNone/>
             </a:pPr>
             <a:r>
-              <a:rPr lang="en-US" sz="4000" b="0" i="0" u="none" strike="noStrike" cap="none">
-                <a:solidFill>
-                  <a:schemeClr val="lt1"/>
-                </a:solidFill>
-                <a:latin typeface="Cabin"/>
-                <a:ea typeface="Cabin"/>
-                <a:cs typeface="Cabin"/>
+              <a:rPr lang="en-US" sz="4000" u="none" strike="noStrike" cap="none">
+                <a:solidFill>
+                  <a:schemeClr val="lt1"/>
+                </a:solidFill>
+                <a:latin typeface="Arial" charset="0"/>
+                <a:ea typeface="Arial" charset="0"/>
+                <a:cs typeface="Arial" charset="0"/>
                 <a:sym typeface="Cabin"/>
               </a:rPr>
               <a:t>a</a:t>
@@ -47987,13 +47992,13 @@
               <a:buNone/>
             </a:pPr>
             <a:r>
-              <a:rPr lang="en-US" sz="4000" b="0" i="0" u="none" strike="noStrike" cap="none">
-                <a:solidFill>
-                  <a:schemeClr val="lt1"/>
-                </a:solidFill>
-                <a:latin typeface="Cabin"/>
-                <a:ea typeface="Cabin"/>
-                <a:cs typeface="Cabin"/>
+              <a:rPr lang="en-US" sz="4000" u="none" strike="noStrike" cap="none">
+                <a:solidFill>
+                  <a:schemeClr val="lt1"/>
+                </a:solidFill>
+                <a:latin typeface="Arial" charset="0"/>
+                <a:ea typeface="Arial" charset="0"/>
+                <a:cs typeface="Arial" charset="0"/>
                 <a:sym typeface="Cabin"/>
               </a:rPr>
               <a:t>4</a:t>
@@ -48050,13 +48055,13 @@
               <a:buNone/>
             </a:pPr>
             <a:r>
-              <a:rPr lang="en-US" sz="4000" b="0" i="0" u="none" strike="noStrike" cap="none">
-                <a:solidFill>
-                  <a:schemeClr val="lt1"/>
-                </a:solidFill>
-                <a:latin typeface="Cabin"/>
-                <a:ea typeface="Cabin"/>
-                <a:cs typeface="Cabin"/>
+              <a:rPr lang="en-US" sz="4000" u="none" strike="noStrike" cap="none">
+                <a:solidFill>
+                  <a:schemeClr val="lt1"/>
+                </a:solidFill>
+                <a:latin typeface="Arial" charset="0"/>
+                <a:ea typeface="Arial" charset="0"/>
+                <a:cs typeface="Arial" charset="0"/>
                 <a:sym typeface="Cabin"/>
               </a:rPr>
               <a:t>n</a:t>
@@ -48107,13 +48112,13 @@
               <a:buNone/>
             </a:pPr>
             <a:r>
-              <a:rPr lang="en-US" sz="4000" b="0" i="0" u="none" strike="noStrike" cap="none">
-                <a:solidFill>
-                  <a:schemeClr val="lt1"/>
-                </a:solidFill>
-                <a:latin typeface="Cabin"/>
-                <a:ea typeface="Cabin"/>
-                <a:cs typeface="Cabin"/>
+              <a:rPr lang="en-US" sz="4000" u="none" strike="noStrike" cap="none">
+                <a:solidFill>
+                  <a:schemeClr val="lt1"/>
+                </a:solidFill>
+                <a:latin typeface="Arial" charset="0"/>
+                <a:ea typeface="Arial" charset="0"/>
+                <a:cs typeface="Arial" charset="0"/>
                 <a:sym typeface="Cabin"/>
               </a:rPr>
               <a:t>5</a:t>
@@ -48170,13 +48175,13 @@
               <a:buNone/>
             </a:pPr>
             <a:r>
-              <a:rPr lang="en-US" sz="4000" b="0" i="0" u="none" strike="noStrike" cap="none">
-                <a:solidFill>
-                  <a:schemeClr val="lt1"/>
-                </a:solidFill>
-                <a:latin typeface="Cabin"/>
-                <a:ea typeface="Cabin"/>
-                <a:cs typeface="Cabin"/>
+              <a:rPr lang="en-US" sz="4000" u="none" strike="noStrike" cap="none">
+                <a:solidFill>
+                  <a:schemeClr val="lt1"/>
+                </a:solidFill>
+                <a:latin typeface="Arial" charset="0"/>
+                <a:ea typeface="Arial" charset="0"/>
+                <a:cs typeface="Arial" charset="0"/>
                 <a:sym typeface="Cabin"/>
               </a:rPr>
               <a:t>a</a:t>
@@ -48256,13 +48261,13 @@
               <a:buNone/>
             </a:pPr>
             <a:r>
-              <a:rPr lang="en-US" sz="7600" b="0" i="0" u="none" strike="noStrike" cap="none">
+              <a:rPr lang="en-US" sz="7600" u="none" strike="noStrike" cap="none">
                 <a:solidFill>
                   <a:srgbClr val="FFFF00"/>
                 </a:solidFill>
-                <a:latin typeface="Cabin"/>
-                <a:ea typeface="Cabin"/>
-                <a:cs typeface="Cabin"/>
+                <a:latin typeface="Arial" charset="0"/>
+                <a:ea typeface="Arial" charset="0"/>
+                <a:cs typeface="Arial" charset="0"/>
                 <a:sym typeface="Cabin"/>
               </a:rPr>
               <a:t>Len Function</a:t>
@@ -48621,13 +48626,13 @@
               <a:buNone/>
             </a:pPr>
             <a:r>
-              <a:rPr lang="en-US" sz="5400" b="0" i="0" u="none" strike="noStrike" cap="none">
-                <a:solidFill>
-                  <a:schemeClr val="lt1"/>
-                </a:solidFill>
-                <a:latin typeface="Cabin"/>
-                <a:ea typeface="Cabin"/>
-                <a:cs typeface="Cabin"/>
+              <a:rPr lang="en-US" sz="5400" u="none" strike="noStrike" cap="none">
+                <a:solidFill>
+                  <a:schemeClr val="lt1"/>
+                </a:solidFill>
+                <a:latin typeface="Arial" charset="0"/>
+                <a:ea typeface="Arial" charset="0"/>
+                <a:cs typeface="Arial" charset="0"/>
                 <a:sym typeface="Cabin"/>
               </a:rPr>
               <a:t>len()</a:t>
@@ -48652,13 +48657,13 @@
               <a:buNone/>
             </a:pPr>
             <a:r>
-              <a:rPr lang="en-US" sz="5400" b="0" i="0" u="none" strike="noStrike" cap="none">
-                <a:solidFill>
-                  <a:schemeClr val="lt1"/>
-                </a:solidFill>
-                <a:latin typeface="Cabin"/>
-                <a:ea typeface="Cabin"/>
-                <a:cs typeface="Cabin"/>
+              <a:rPr lang="en-US" sz="5400" u="none" strike="noStrike" cap="none">
+                <a:solidFill>
+                  <a:schemeClr val="lt1"/>
+                </a:solidFill>
+                <a:latin typeface="Arial" charset="0"/>
+                <a:ea typeface="Arial" charset="0"/>
+                <a:cs typeface="Arial" charset="0"/>
                 <a:sym typeface="Cabin"/>
               </a:rPr>
               <a:t>function</a:t>
@@ -48735,13 +48740,13 @@
               <a:buNone/>
             </a:pPr>
             <a:r>
-              <a:rPr lang="en-US" sz="3600" b="0" i="0" u="none" strike="noStrike" cap="none">
+              <a:rPr lang="en-US" sz="3600" u="none" strike="noStrike" cap="none">
                 <a:solidFill>
                   <a:srgbClr val="FF7F00"/>
                 </a:solidFill>
-                <a:latin typeface="Cabin"/>
-                <a:ea typeface="Cabin"/>
-                <a:cs typeface="Cabin"/>
+                <a:latin typeface="Arial" charset="0"/>
+                <a:ea typeface="Arial" charset="0"/>
+                <a:cs typeface="Arial" charset="0"/>
                 <a:sym typeface="Cabin"/>
               </a:rPr>
               <a:t>'banana' </a:t>
@@ -48766,13 +48771,13 @@
               <a:buNone/>
             </a:pPr>
             <a:r>
-              <a:rPr lang="en-US" sz="3600" b="0" i="0" u="none" strike="noStrike" cap="none">
+              <a:rPr lang="en-US" sz="3600" u="none" strike="noStrike" cap="none">
                 <a:solidFill>
                   <a:srgbClr val="FF7F00"/>
                 </a:solidFill>
-                <a:latin typeface="Cabin"/>
-                <a:ea typeface="Cabin"/>
-                <a:cs typeface="Cabin"/>
+                <a:latin typeface="Arial" charset="0"/>
+                <a:ea typeface="Arial" charset="0"/>
+                <a:cs typeface="Arial" charset="0"/>
                 <a:sym typeface="Cabin"/>
               </a:rPr>
               <a:t>(a string)</a:t>
@@ -48823,13 +48828,13 @@
               <a:buNone/>
             </a:pPr>
             <a:r>
-              <a:rPr lang="en-US" sz="3600" b="0" i="0" u="none" strike="noStrike" cap="none">
+              <a:rPr lang="en-US" sz="3600" u="none" strike="noStrike" cap="none">
                 <a:solidFill>
                   <a:srgbClr val="00FF00"/>
                 </a:solidFill>
-                <a:latin typeface="Cabin"/>
-                <a:ea typeface="Cabin"/>
-                <a:cs typeface="Cabin"/>
+                <a:latin typeface="Arial" charset="0"/>
+                <a:ea typeface="Arial" charset="0"/>
+                <a:cs typeface="Arial" charset="0"/>
                 <a:sym typeface="Cabin"/>
               </a:rPr>
               <a:t>6</a:t>
@@ -48854,13 +48859,13 @@
               <a:buNone/>
             </a:pPr>
             <a:r>
-              <a:rPr lang="en-US" sz="3600" b="0" i="0" u="none" strike="noStrike" cap="none">
+              <a:rPr lang="en-US" sz="3600" u="none" strike="noStrike" cap="none">
                 <a:solidFill>
                   <a:srgbClr val="00FF00"/>
                 </a:solidFill>
-                <a:latin typeface="Cabin"/>
-                <a:ea typeface="Cabin"/>
-                <a:cs typeface="Cabin"/>
+                <a:latin typeface="Arial" charset="0"/>
+                <a:ea typeface="Arial" charset="0"/>
+                <a:cs typeface="Arial" charset="0"/>
                 <a:sym typeface="Cabin"/>
               </a:rPr>
               <a:t>(a number)</a:t>
@@ -48937,109 +48942,109 @@
               <a:buNone/>
             </a:pPr>
             <a:r>
-              <a:rPr lang="en-US" sz="3600" b="0" i="0" u="none" strike="noStrike" cap="none">
-                <a:solidFill>
-                  <a:schemeClr val="lt1"/>
-                </a:solidFill>
-                <a:latin typeface="Cabin"/>
-                <a:ea typeface="Cabin"/>
-                <a:cs typeface="Cabin"/>
+              <a:rPr lang="en-US" sz="3600" u="none" strike="noStrike" cap="none">
+                <a:solidFill>
+                  <a:schemeClr val="lt1"/>
+                </a:solidFill>
+                <a:latin typeface="Arial" charset="0"/>
+                <a:ea typeface="Arial" charset="0"/>
+                <a:cs typeface="Arial" charset="0"/>
                 <a:sym typeface="Cabin"/>
               </a:rPr>
               <a:t>A </a:t>
             </a:r>
             <a:r>
-              <a:rPr lang="en-US" sz="3600" b="0" i="0" u="none" strike="noStrike" cap="none">
+              <a:rPr lang="en-US" sz="3600" u="none" strike="noStrike" cap="none">
                 <a:solidFill>
                   <a:srgbClr val="FF00FF"/>
                 </a:solidFill>
-                <a:latin typeface="Cabin"/>
-                <a:ea typeface="Cabin"/>
-                <a:cs typeface="Cabin"/>
+                <a:latin typeface="Arial" charset="0"/>
+                <a:ea typeface="Arial" charset="0"/>
+                <a:cs typeface="Arial" charset="0"/>
                 <a:sym typeface="Cabin"/>
               </a:rPr>
               <a:t>function</a:t>
             </a:r>
             <a:r>
-              <a:rPr lang="en-US" sz="3600" b="0" i="0" u="none" strike="noStrike" cap="none">
-                <a:solidFill>
-                  <a:schemeClr val="lt1"/>
-                </a:solidFill>
-                <a:latin typeface="Cabin"/>
-                <a:ea typeface="Cabin"/>
-                <a:cs typeface="Cabin"/>
+              <a:rPr lang="en-US" sz="3600" u="none" strike="noStrike" cap="none">
+                <a:solidFill>
+                  <a:schemeClr val="lt1"/>
+                </a:solidFill>
+                <a:latin typeface="Arial" charset="0"/>
+                <a:ea typeface="Arial" charset="0"/>
+                <a:cs typeface="Arial" charset="0"/>
                 <a:sym typeface="Cabin"/>
               </a:rPr>
               <a:t> is </a:t>
             </a:r>
             <a:r>
-              <a:rPr lang="en-US" sz="3600" b="0" i="0" u="none" strike="noStrike" cap="none">
+              <a:rPr lang="en-US" sz="3600" u="none" strike="noStrike" cap="none">
                 <a:solidFill>
                   <a:srgbClr val="FF00FF"/>
                 </a:solidFill>
-                <a:latin typeface="Cabin"/>
-                <a:ea typeface="Cabin"/>
-                <a:cs typeface="Cabin"/>
+                <a:latin typeface="Arial" charset="0"/>
+                <a:ea typeface="Arial" charset="0"/>
+                <a:cs typeface="Arial" charset="0"/>
                 <a:sym typeface="Cabin"/>
               </a:rPr>
               <a:t>some stored code</a:t>
             </a:r>
             <a:r>
-              <a:rPr lang="en-US" sz="3600" b="0" i="0" u="none" strike="noStrike" cap="none">
-                <a:solidFill>
-                  <a:schemeClr val="lt1"/>
-                </a:solidFill>
-                <a:latin typeface="Cabin"/>
-                <a:ea typeface="Cabin"/>
-                <a:cs typeface="Cabin"/>
+              <a:rPr lang="en-US" sz="3600" u="none" strike="noStrike" cap="none">
+                <a:solidFill>
+                  <a:schemeClr val="lt1"/>
+                </a:solidFill>
+                <a:latin typeface="Arial" charset="0"/>
+                <a:ea typeface="Arial" charset="0"/>
+                <a:cs typeface="Arial" charset="0"/>
                 <a:sym typeface="Cabin"/>
               </a:rPr>
               <a:t> that we use. A function takes some </a:t>
             </a:r>
             <a:r>
-              <a:rPr lang="en-US" sz="3600" b="0" i="0" u="none" strike="noStrike" cap="none">
+              <a:rPr lang="en-US" sz="3600" u="none" strike="noStrike" cap="none">
                 <a:solidFill>
                   <a:srgbClr val="FF7F00"/>
                 </a:solidFill>
-                <a:latin typeface="Cabin"/>
-                <a:ea typeface="Cabin"/>
-                <a:cs typeface="Cabin"/>
+                <a:latin typeface="Arial" charset="0"/>
+                <a:ea typeface="Arial" charset="0"/>
+                <a:cs typeface="Arial" charset="0"/>
                 <a:sym typeface="Cabin"/>
               </a:rPr>
               <a:t>input</a:t>
             </a:r>
             <a:r>
-              <a:rPr lang="en-US" sz="3600" b="0" i="0" u="none" strike="noStrike" cap="none">
-                <a:solidFill>
-                  <a:schemeClr val="lt1"/>
-                </a:solidFill>
-                <a:latin typeface="Cabin"/>
-                <a:ea typeface="Cabin"/>
-                <a:cs typeface="Cabin"/>
+              <a:rPr lang="en-US" sz="3600" u="none" strike="noStrike" cap="none">
+                <a:solidFill>
+                  <a:schemeClr val="lt1"/>
+                </a:solidFill>
+                <a:latin typeface="Arial" charset="0"/>
+                <a:ea typeface="Arial" charset="0"/>
+                <a:cs typeface="Arial" charset="0"/>
                 <a:sym typeface="Cabin"/>
               </a:rPr>
               <a:t> and produces an </a:t>
             </a:r>
             <a:r>
-              <a:rPr lang="en-US" sz="3600" b="0" i="0" u="none" strike="noStrike" cap="none">
+              <a:rPr lang="en-US" sz="3600" u="none" strike="noStrike" cap="none">
                 <a:solidFill>
                   <a:srgbClr val="00FF00"/>
                 </a:solidFill>
-                <a:latin typeface="Cabin"/>
-                <a:ea typeface="Cabin"/>
-                <a:cs typeface="Cabin"/>
+                <a:latin typeface="Arial" charset="0"/>
+                <a:ea typeface="Arial" charset="0"/>
+                <a:cs typeface="Arial" charset="0"/>
                 <a:sym typeface="Cabin"/>
               </a:rPr>
               <a:t>output</a:t>
             </a:r>
             <a:r>
-              <a:rPr lang="en-US" sz="3600" b="0" i="0" u="none" strike="noStrike" cap="none">
-                <a:solidFill>
-                  <a:schemeClr val="lt1"/>
-                </a:solidFill>
-                <a:latin typeface="Cabin"/>
-                <a:ea typeface="Cabin"/>
-                <a:cs typeface="Cabin"/>
+              <a:rPr lang="en-US" sz="3600" u="none" strike="noStrike" cap="none">
+                <a:solidFill>
+                  <a:schemeClr val="lt1"/>
+                </a:solidFill>
+                <a:latin typeface="Arial" charset="0"/>
+                <a:ea typeface="Arial" charset="0"/>
+                <a:cs typeface="Arial" charset="0"/>
                 <a:sym typeface="Cabin"/>
               </a:rPr>
               <a:t>.</a:t>
@@ -49090,13 +49095,13 @@
               <a:buNone/>
             </a:pPr>
             <a:r>
-              <a:rPr lang="en-US" sz="3600" b="0" i="0" u="none" strike="noStrike" cap="none">
-                <a:solidFill>
-                  <a:schemeClr val="lt1"/>
-                </a:solidFill>
-                <a:latin typeface="Cabin"/>
-                <a:ea typeface="Cabin"/>
-                <a:cs typeface="Cabin"/>
+              <a:rPr lang="en-US" sz="3600" u="none" strike="noStrike" cap="none">
+                <a:solidFill>
+                  <a:schemeClr val="lt1"/>
+                </a:solidFill>
+                <a:latin typeface="Arial" charset="0"/>
+                <a:ea typeface="Arial" charset="0"/>
+                <a:cs typeface="Arial" charset="0"/>
                 <a:sym typeface="Cabin"/>
               </a:rPr>
               <a:t>Guido wrote this code</a:t>
@@ -49176,13 +49181,13 @@
               <a:buNone/>
             </a:pPr>
             <a:r>
-              <a:rPr lang="en-US" sz="7600" b="0" i="0" u="none" strike="noStrike" cap="none">
+              <a:rPr lang="en-US" sz="7600" u="none" strike="noStrike" cap="none">
                 <a:solidFill>
                   <a:srgbClr val="FFFF00"/>
                 </a:solidFill>
-                <a:latin typeface="Cabin"/>
-                <a:ea typeface="Cabin"/>
-                <a:cs typeface="Cabin"/>
+                <a:latin typeface="Arial" charset="0"/>
+                <a:ea typeface="Arial" charset="0"/>
+                <a:cs typeface="Arial" charset="0"/>
                 <a:sym typeface="Cabin"/>
               </a:rPr>
               <a:t>Len Function</a:t>
@@ -49571,109 +49576,109 @@
               <a:buNone/>
             </a:pPr>
             <a:r>
-              <a:rPr lang="en-US" sz="3600" b="0" i="0" u="none" strike="noStrike" cap="none">
-                <a:solidFill>
-                  <a:schemeClr val="lt1"/>
-                </a:solidFill>
-                <a:latin typeface="Cabin"/>
-                <a:ea typeface="Cabin"/>
-                <a:cs typeface="Cabin"/>
+              <a:rPr lang="en-US" sz="3600" u="none" strike="noStrike" cap="none">
+                <a:solidFill>
+                  <a:schemeClr val="lt1"/>
+                </a:solidFill>
+                <a:latin typeface="Arial" charset="0"/>
+                <a:ea typeface="Arial" charset="0"/>
+                <a:cs typeface="Arial" charset="0"/>
                 <a:sym typeface="Cabin"/>
               </a:rPr>
               <a:t>A </a:t>
             </a:r>
             <a:r>
-              <a:rPr lang="en-US" sz="3600" b="0" i="0" u="none" strike="noStrike" cap="none">
+              <a:rPr lang="en-US" sz="3600" u="none" strike="noStrike" cap="none">
                 <a:solidFill>
                   <a:srgbClr val="FF00FF"/>
                 </a:solidFill>
-                <a:latin typeface="Cabin"/>
-                <a:ea typeface="Cabin"/>
-                <a:cs typeface="Cabin"/>
+                <a:latin typeface="Arial" charset="0"/>
+                <a:ea typeface="Arial" charset="0"/>
+                <a:cs typeface="Arial" charset="0"/>
                 <a:sym typeface="Cabin"/>
               </a:rPr>
               <a:t>function</a:t>
             </a:r>
             <a:r>
-              <a:rPr lang="en-US" sz="3600" b="0" i="0" u="none" strike="noStrike" cap="none">
-                <a:solidFill>
-                  <a:schemeClr val="lt1"/>
-                </a:solidFill>
-                <a:latin typeface="Cabin"/>
-                <a:ea typeface="Cabin"/>
-                <a:cs typeface="Cabin"/>
+              <a:rPr lang="en-US" sz="3600" u="none" strike="noStrike" cap="none">
+                <a:solidFill>
+                  <a:schemeClr val="lt1"/>
+                </a:solidFill>
+                <a:latin typeface="Arial" charset="0"/>
+                <a:ea typeface="Arial" charset="0"/>
+                <a:cs typeface="Arial" charset="0"/>
                 <a:sym typeface="Cabin"/>
               </a:rPr>
               <a:t> is </a:t>
             </a:r>
             <a:r>
-              <a:rPr lang="en-US" sz="3600" b="0" i="0" u="none" strike="noStrike" cap="none">
+              <a:rPr lang="en-US" sz="3600" u="none" strike="noStrike" cap="none">
                 <a:solidFill>
                   <a:srgbClr val="FF00FF"/>
                 </a:solidFill>
-                <a:latin typeface="Cabin"/>
-                <a:ea typeface="Cabin"/>
-                <a:cs typeface="Cabin"/>
+                <a:latin typeface="Arial" charset="0"/>
+                <a:ea typeface="Arial" charset="0"/>
+                <a:cs typeface="Arial" charset="0"/>
                 <a:sym typeface="Cabin"/>
               </a:rPr>
               <a:t>some stored code</a:t>
             </a:r>
             <a:r>
-              <a:rPr lang="en-US" sz="3600" b="0" i="0" u="none" strike="noStrike" cap="none">
-                <a:solidFill>
-                  <a:schemeClr val="lt1"/>
-                </a:solidFill>
-                <a:latin typeface="Cabin"/>
-                <a:ea typeface="Cabin"/>
-                <a:cs typeface="Cabin"/>
+              <a:rPr lang="en-US" sz="3600" u="none" strike="noStrike" cap="none">
+                <a:solidFill>
+                  <a:schemeClr val="lt1"/>
+                </a:solidFill>
+                <a:latin typeface="Arial" charset="0"/>
+                <a:ea typeface="Arial" charset="0"/>
+                <a:cs typeface="Arial" charset="0"/>
                 <a:sym typeface="Cabin"/>
               </a:rPr>
               <a:t> that we use. A function takes some </a:t>
             </a:r>
             <a:r>
-              <a:rPr lang="en-US" sz="3600" b="0" i="0" u="none" strike="noStrike" cap="none">
+              <a:rPr lang="en-US" sz="3600" u="none" strike="noStrike" cap="none">
                 <a:solidFill>
                   <a:srgbClr val="FF7F00"/>
                 </a:solidFill>
-                <a:latin typeface="Cabin"/>
-                <a:ea typeface="Cabin"/>
-                <a:cs typeface="Cabin"/>
+                <a:latin typeface="Arial" charset="0"/>
+                <a:ea typeface="Arial" charset="0"/>
+                <a:cs typeface="Arial" charset="0"/>
                 <a:sym typeface="Cabin"/>
               </a:rPr>
               <a:t>input</a:t>
             </a:r>
             <a:r>
-              <a:rPr lang="en-US" sz="3600" b="0" i="0" u="none" strike="noStrike" cap="none">
-                <a:solidFill>
-                  <a:schemeClr val="lt1"/>
-                </a:solidFill>
-                <a:latin typeface="Cabin"/>
-                <a:ea typeface="Cabin"/>
-                <a:cs typeface="Cabin"/>
+              <a:rPr lang="en-US" sz="3600" u="none" strike="noStrike" cap="none">
+                <a:solidFill>
+                  <a:schemeClr val="lt1"/>
+                </a:solidFill>
+                <a:latin typeface="Arial" charset="0"/>
+                <a:ea typeface="Arial" charset="0"/>
+                <a:cs typeface="Arial" charset="0"/>
                 <a:sym typeface="Cabin"/>
               </a:rPr>
               <a:t> and produces an </a:t>
             </a:r>
             <a:r>
-              <a:rPr lang="en-US" sz="3600" b="0" i="0" u="none" strike="noStrike" cap="none">
+              <a:rPr lang="en-US" sz="3600" u="none" strike="noStrike" cap="none">
                 <a:solidFill>
                   <a:srgbClr val="00FF00"/>
                 </a:solidFill>
-                <a:latin typeface="Cabin"/>
-                <a:ea typeface="Cabin"/>
-                <a:cs typeface="Cabin"/>
+                <a:latin typeface="Arial" charset="0"/>
+                <a:ea typeface="Arial" charset="0"/>
+                <a:cs typeface="Arial" charset="0"/>
                 <a:sym typeface="Cabin"/>
               </a:rPr>
               <a:t>output</a:t>
             </a:r>
             <a:r>
-              <a:rPr lang="en-US" sz="3600" b="0" i="0" u="none" strike="noStrike" cap="none">
-                <a:solidFill>
-                  <a:schemeClr val="lt1"/>
-                </a:solidFill>
-                <a:latin typeface="Cabin"/>
-                <a:ea typeface="Cabin"/>
-                <a:cs typeface="Cabin"/>
+              <a:rPr lang="en-US" sz="3600" u="none" strike="noStrike" cap="none">
+                <a:solidFill>
+                  <a:schemeClr val="lt1"/>
+                </a:solidFill>
+                <a:latin typeface="Arial" charset="0"/>
+                <a:ea typeface="Arial" charset="0"/>
+                <a:cs typeface="Arial" charset="0"/>
                 <a:sym typeface="Cabin"/>
               </a:rPr>
               <a:t>.</a:t>
@@ -50030,13 +50035,13 @@
               <a:buNone/>
             </a:pPr>
             <a:r>
-              <a:rPr lang="en-US" sz="3600" b="0" i="0" u="none" strike="noStrike" cap="none">
+              <a:rPr lang="en-US" sz="3600" u="none" strike="noStrike" cap="none">
                 <a:solidFill>
                   <a:srgbClr val="FF7F00"/>
                 </a:solidFill>
-                <a:latin typeface="Cabin"/>
-                <a:ea typeface="Cabin"/>
-                <a:cs typeface="Cabin"/>
+                <a:latin typeface="Arial" charset="0"/>
+                <a:ea typeface="Arial" charset="0"/>
+                <a:cs typeface="Arial" charset="0"/>
                 <a:sym typeface="Cabin"/>
               </a:rPr>
               <a:t>'banana' </a:t>
@@ -50061,13 +50066,13 @@
               <a:buNone/>
             </a:pPr>
             <a:r>
-              <a:rPr lang="en-US" sz="3600" b="0" i="0" u="none" strike="noStrike" cap="none">
+              <a:rPr lang="en-US" sz="3600" u="none" strike="noStrike" cap="none">
                 <a:solidFill>
                   <a:srgbClr val="FF7F00"/>
                 </a:solidFill>
-                <a:latin typeface="Cabin"/>
-                <a:ea typeface="Cabin"/>
-                <a:cs typeface="Cabin"/>
+                <a:latin typeface="Arial" charset="0"/>
+                <a:ea typeface="Arial" charset="0"/>
+                <a:cs typeface="Arial" charset="0"/>
                 <a:sym typeface="Cabin"/>
               </a:rPr>
               <a:t>(a string)</a:t>
@@ -50118,13 +50123,13 @@
               <a:buNone/>
             </a:pPr>
             <a:r>
-              <a:rPr lang="en-US" sz="3600" b="0" i="0" u="none" strike="noStrike" cap="none">
+              <a:rPr lang="en-US" sz="3600" u="none" strike="noStrike" cap="none">
                 <a:solidFill>
                   <a:srgbClr val="00FF00"/>
                 </a:solidFill>
-                <a:latin typeface="Cabin"/>
-                <a:ea typeface="Cabin"/>
-                <a:cs typeface="Cabin"/>
+                <a:latin typeface="Arial" charset="0"/>
+                <a:ea typeface="Arial" charset="0"/>
+                <a:cs typeface="Arial" charset="0"/>
                 <a:sym typeface="Cabin"/>
               </a:rPr>
               <a:t>6</a:t>
@@ -50149,13 +50154,13 @@
               <a:buNone/>
             </a:pPr>
             <a:r>
-              <a:rPr lang="en-US" sz="3600" b="0" i="0" u="none" strike="noStrike" cap="none">
+              <a:rPr lang="en-US" sz="3600" u="none" strike="noStrike" cap="none">
                 <a:solidFill>
                   <a:srgbClr val="00FF00"/>
                 </a:solidFill>
-                <a:latin typeface="Cabin"/>
-                <a:ea typeface="Cabin"/>
-                <a:cs typeface="Cabin"/>
+                <a:latin typeface="Arial" charset="0"/>
+                <a:ea typeface="Arial" charset="0"/>
+                <a:cs typeface="Arial" charset="0"/>
                 <a:sym typeface="Cabin"/>
               </a:rPr>
               <a:t>(a number)</a:t>
@@ -50235,13 +50240,13 @@
               <a:buNone/>
             </a:pPr>
             <a:r>
-              <a:rPr lang="en-US" sz="7600" b="0" i="0" u="none" strike="noStrike" cap="none">
+              <a:rPr lang="en-US" sz="7600" u="none" strike="noStrike" cap="none">
                 <a:solidFill>
                   <a:srgbClr val="FFFF00"/>
                 </a:solidFill>
-                <a:latin typeface="Cabin"/>
-                <a:ea typeface="Cabin"/>
-                <a:cs typeface="Cabin"/>
+                <a:latin typeface="Arial" charset="0"/>
+                <a:ea typeface="Arial" charset="0"/>
+                <a:cs typeface="Arial" charset="0"/>
                 <a:sym typeface="Cabin"/>
               </a:rPr>
               <a:t>Looping Through Strings</a:t>
@@ -50296,85 +50301,85 @@
               <a:buChar char="•"/>
             </a:pPr>
             <a:r>
-              <a:rPr lang="en-US" sz="3600" b="0" i="0" u="none" strike="noStrike" cap="none">
-                <a:solidFill>
-                  <a:schemeClr val="lt1"/>
-                </a:solidFill>
-                <a:latin typeface="Cabin"/>
-                <a:ea typeface="Cabin"/>
-                <a:cs typeface="Cabin"/>
+              <a:rPr lang="en-US" sz="3600" u="none" strike="noStrike" cap="none">
+                <a:solidFill>
+                  <a:schemeClr val="lt1"/>
+                </a:solidFill>
+                <a:latin typeface="Arial" charset="0"/>
+                <a:ea typeface="Arial" charset="0"/>
+                <a:cs typeface="Arial" charset="0"/>
                 <a:sym typeface="Cabin"/>
               </a:rPr>
               <a:t>Using a </a:t>
             </a:r>
             <a:r>
-              <a:rPr lang="en-US" sz="3600" b="0" i="0" u="none" strike="noStrike" cap="none">
+              <a:rPr lang="en-US" sz="3600" u="none" strike="noStrike" cap="none">
                 <a:solidFill>
                   <a:srgbClr val="FFFF00"/>
                 </a:solidFill>
-                <a:latin typeface="Cabin"/>
-                <a:ea typeface="Cabin"/>
-                <a:cs typeface="Cabin"/>
+                <a:latin typeface="Arial" charset="0"/>
+                <a:ea typeface="Arial" charset="0"/>
+                <a:cs typeface="Arial" charset="0"/>
                 <a:sym typeface="Cabin"/>
               </a:rPr>
               <a:t>while</a:t>
             </a:r>
             <a:r>
-              <a:rPr lang="en-US" sz="3600" b="0" i="0" u="none" strike="noStrike" cap="none">
-                <a:solidFill>
-                  <a:schemeClr val="lt1"/>
-                </a:solidFill>
-                <a:latin typeface="Cabin"/>
-                <a:ea typeface="Cabin"/>
-                <a:cs typeface="Cabin"/>
+              <a:rPr lang="en-US" sz="3600" u="none" strike="noStrike" cap="none">
+                <a:solidFill>
+                  <a:schemeClr val="lt1"/>
+                </a:solidFill>
+                <a:latin typeface="Arial" charset="0"/>
+                <a:ea typeface="Arial" charset="0"/>
+                <a:cs typeface="Arial" charset="0"/>
                 <a:sym typeface="Cabin"/>
               </a:rPr>
               <a:t> statement and an </a:t>
             </a:r>
             <a:r>
-              <a:rPr lang="en-US" sz="3600" b="0" i="0" u="none" strike="noStrike" cap="none">
+              <a:rPr lang="en-US" sz="3600" u="none" strike="noStrike" cap="none">
                 <a:solidFill>
                   <a:srgbClr val="00FF00"/>
                 </a:solidFill>
-                <a:latin typeface="Cabin"/>
-                <a:ea typeface="Cabin"/>
-                <a:cs typeface="Cabin"/>
+                <a:latin typeface="Arial" charset="0"/>
+                <a:ea typeface="Arial" charset="0"/>
+                <a:cs typeface="Arial" charset="0"/>
                 <a:sym typeface="Cabin"/>
               </a:rPr>
               <a:t>iteration variable</a:t>
             </a:r>
             <a:r>
-              <a:rPr lang="en-US" sz="3600" b="0" i="0" u="none" strike="noStrike" cap="none">
-                <a:solidFill>
-                  <a:schemeClr val="lt1"/>
-                </a:solidFill>
-                <a:latin typeface="Cabin"/>
-                <a:ea typeface="Cabin"/>
-                <a:cs typeface="Cabin"/>
+              <a:rPr lang="en-US" sz="3600" u="none" strike="noStrike" cap="none">
+                <a:solidFill>
+                  <a:schemeClr val="lt1"/>
+                </a:solidFill>
+                <a:latin typeface="Arial" charset="0"/>
+                <a:ea typeface="Arial" charset="0"/>
+                <a:cs typeface="Arial" charset="0"/>
                 <a:sym typeface="Cabin"/>
               </a:rPr>
               <a:t>, and the </a:t>
             </a:r>
             <a:r>
-              <a:rPr lang="en-US" sz="3600" b="0" i="0" u="none" strike="noStrike" cap="none">
+              <a:rPr lang="en-US" sz="3600" u="none" strike="noStrike" cap="none">
                 <a:solidFill>
                   <a:srgbClr val="FF00FF"/>
                 </a:solidFill>
-                <a:latin typeface="Cabin"/>
-                <a:ea typeface="Cabin"/>
-                <a:cs typeface="Cabin"/>
+                <a:latin typeface="Arial" charset="0"/>
+                <a:ea typeface="Arial" charset="0"/>
+                <a:cs typeface="Arial" charset="0"/>
                 <a:sym typeface="Cabin"/>
               </a:rPr>
               <a:t>len</a:t>
             </a:r>
             <a:r>
-              <a:rPr lang="en-US" sz="3600" b="0" i="0" u="none" strike="noStrike" cap="none">
-                <a:solidFill>
-                  <a:schemeClr val="lt1"/>
-                </a:solidFill>
-                <a:latin typeface="Cabin"/>
-                <a:ea typeface="Cabin"/>
-                <a:cs typeface="Cabin"/>
+              <a:rPr lang="en-US" sz="3600" u="none" strike="noStrike" cap="none">
+                <a:solidFill>
+                  <a:schemeClr val="lt1"/>
+                </a:solidFill>
+                <a:latin typeface="Arial" charset="0"/>
+                <a:ea typeface="Arial" charset="0"/>
+                <a:cs typeface="Arial" charset="0"/>
                 <a:sym typeface="Cabin"/>
               </a:rPr>
               <a:t> function, we can construct a loop to look at each of the letters in a string individually</a:t>
@@ -50937,13 +50942,13 @@
               <a:buNone/>
             </a:pPr>
             <a:r>
-              <a:rPr lang="en-US" sz="3600" b="0" i="0" u="none" strike="noStrike" cap="none">
+              <a:rPr lang="en-US" sz="3600" u="none" strike="noStrike" cap="none">
                 <a:solidFill>
                   <a:srgbClr val="FF00FF"/>
                 </a:solidFill>
-                <a:latin typeface="Cabin"/>
-                <a:ea typeface="Cabin"/>
-                <a:cs typeface="Cabin"/>
+                <a:latin typeface="Arial" charset="0"/>
+                <a:ea typeface="Arial" charset="0"/>
+                <a:cs typeface="Arial" charset="0"/>
                 <a:sym typeface="Cabin"/>
               </a:rPr>
               <a:t>0 b</a:t>
@@ -50968,13 +50973,13 @@
               <a:buNone/>
             </a:pPr>
             <a:r>
-              <a:rPr lang="en-US" sz="3600" b="0" i="0" u="none" strike="noStrike" cap="none">
+              <a:rPr lang="en-US" sz="3600" u="none" strike="noStrike" cap="none">
                 <a:solidFill>
                   <a:srgbClr val="FF00FF"/>
                 </a:solidFill>
-                <a:latin typeface="Cabin"/>
-                <a:ea typeface="Cabin"/>
-                <a:cs typeface="Cabin"/>
+                <a:latin typeface="Arial" charset="0"/>
+                <a:ea typeface="Arial" charset="0"/>
+                <a:cs typeface="Arial" charset="0"/>
                 <a:sym typeface="Cabin"/>
               </a:rPr>
               <a:t>1 a</a:t>
@@ -50999,13 +51004,13 @@
               <a:buNone/>
             </a:pPr>
             <a:r>
-              <a:rPr lang="en-US" sz="3600" b="0" i="0" u="none" strike="noStrike" cap="none">
+              <a:rPr lang="en-US" sz="3600" u="none" strike="noStrike" cap="none">
                 <a:solidFill>
                   <a:srgbClr val="FF00FF"/>
                 </a:solidFill>
-                <a:latin typeface="Cabin"/>
-                <a:ea typeface="Cabin"/>
-                <a:cs typeface="Cabin"/>
+                <a:latin typeface="Arial" charset="0"/>
+                <a:ea typeface="Arial" charset="0"/>
+                <a:cs typeface="Arial" charset="0"/>
                 <a:sym typeface="Cabin"/>
               </a:rPr>
               <a:t>2 n</a:t>
@@ -51030,13 +51035,13 @@
               <a:buNone/>
             </a:pPr>
             <a:r>
-              <a:rPr lang="en-US" sz="3600" b="0" i="0" u="none" strike="noStrike" cap="none">
+              <a:rPr lang="en-US" sz="3600" u="none" strike="noStrike" cap="none">
                 <a:solidFill>
                   <a:srgbClr val="FF00FF"/>
                 </a:solidFill>
-                <a:latin typeface="Cabin"/>
-                <a:ea typeface="Cabin"/>
-                <a:cs typeface="Cabin"/>
+                <a:latin typeface="Arial" charset="0"/>
+                <a:ea typeface="Arial" charset="0"/>
+                <a:cs typeface="Arial" charset="0"/>
                 <a:sym typeface="Cabin"/>
               </a:rPr>
               <a:t>3 a</a:t>
@@ -51061,13 +51066,13 @@
               <a:buNone/>
             </a:pPr>
             <a:r>
-              <a:rPr lang="en-US" sz="3600" b="0" i="0" u="none" strike="noStrike" cap="none">
+              <a:rPr lang="en-US" sz="3600" u="none" strike="noStrike" cap="none">
                 <a:solidFill>
                   <a:srgbClr val="FF00FF"/>
                 </a:solidFill>
-                <a:latin typeface="Cabin"/>
-                <a:ea typeface="Cabin"/>
-                <a:cs typeface="Cabin"/>
+                <a:latin typeface="Arial" charset="0"/>
+                <a:ea typeface="Arial" charset="0"/>
+                <a:cs typeface="Arial" charset="0"/>
                 <a:sym typeface="Cabin"/>
               </a:rPr>
               <a:t>4 n</a:t>
@@ -51092,13 +51097,13 @@
               <a:buNone/>
             </a:pPr>
             <a:r>
-              <a:rPr lang="en-US" sz="3600" b="0" i="0" u="none" strike="noStrike" cap="none">
+              <a:rPr lang="en-US" sz="3600" u="none" strike="noStrike" cap="none">
                 <a:solidFill>
                   <a:srgbClr val="FF00FF"/>
                 </a:solidFill>
-                <a:latin typeface="Cabin"/>
-                <a:ea typeface="Cabin"/>
-                <a:cs typeface="Cabin"/>
+                <a:latin typeface="Arial" charset="0"/>
+                <a:ea typeface="Arial" charset="0"/>
+                <a:cs typeface="Arial" charset="0"/>
                 <a:sym typeface="Cabin"/>
               </a:rPr>
               <a:t>5 a</a:t>

--- a/lectures3/Pythonlearn-06-Strings.pptx
+++ b/lectures3/Pythonlearn-06-Strings.pptx
@@ -246,7 +246,7 @@
   </p:defaultTextStyle>
   <p:extLst>
     <p:ext uri="{EFAFB233-063F-42B5-8137-9DF3F51BA10A}">
-      <p15:sldGuideLst xmlns:p15="http://schemas.microsoft.com/office/powerpoint/2012/main"/>
+      <p15:sldGuideLst xmlns="" xmlns:p15="http://schemas.microsoft.com/office/powerpoint/2012/main"/>
     </p:ext>
   </p:extLst>
 </p:presentation>
@@ -6042,8 +6042,8 @@
         </p:nvSpPr>
         <p:spPr>
           <a:xfrm>
-            <a:off x="1155700" y="2603500"/>
-            <a:ext cx="6845300" cy="5702399"/>
+            <a:off x="1155701" y="2603500"/>
+            <a:ext cx="5947431" cy="5702399"/>
           </a:xfrm>
           <a:prstGeom prst="rect">
             <a:avLst/>
@@ -6414,7 +6414,7 @@
         </p:nvSpPr>
         <p:spPr>
           <a:xfrm>
-            <a:off x="8774825" y="4622800"/>
+            <a:off x="8774825" y="4454221"/>
             <a:ext cx="6059999" cy="1663800"/>
           </a:xfrm>
           <a:prstGeom prst="rect">
@@ -6449,7 +6449,7 @@
               <a:buNone/>
             </a:pPr>
             <a:r>
-              <a:rPr lang="en-US" sz="3600" b="1" i="0" u="none" strike="noStrike" cap="none" dirty="0">
+              <a:rPr lang="en-US" sz="3600" i="0" u="none" strike="noStrike" cap="none" dirty="0">
                 <a:solidFill>
                   <a:srgbClr val="FFFF00"/>
                 </a:solidFill>
@@ -6480,7 +6480,7 @@
               <a:buNone/>
             </a:pPr>
             <a:r>
-              <a:rPr lang="en-US" sz="3600" b="1" i="0" u="none" strike="noStrike" cap="none" dirty="0">
+              <a:rPr lang="en-US" sz="3600" i="0" u="none" strike="noStrike" cap="none" dirty="0">
                 <a:solidFill>
                   <a:srgbClr val="FFFF00"/>
                 </a:solidFill>
@@ -6492,7 +6492,7 @@
               <a:t>for</a:t>
             </a:r>
             <a:r>
-              <a:rPr lang="en-US" sz="3600" b="1" i="0" u="none" strike="noStrike" cap="none" dirty="0">
+              <a:rPr lang="en-US" sz="3600" i="0" u="none" strike="noStrike" cap="none" dirty="0">
                 <a:solidFill>
                   <a:schemeClr val="lt1"/>
                 </a:solidFill>
@@ -6504,7 +6504,7 @@
               <a:t> </a:t>
             </a:r>
             <a:r>
-              <a:rPr lang="en-US" sz="3600" b="1" i="0" u="none" strike="noStrike" cap="none" dirty="0">
+              <a:rPr lang="en-US" sz="3600" i="0" u="none" strike="noStrike" cap="none" dirty="0">
                 <a:solidFill>
                   <a:srgbClr val="00FF00"/>
                 </a:solidFill>
@@ -6516,7 +6516,7 @@
               <a:t>letter</a:t>
             </a:r>
             <a:r>
-              <a:rPr lang="en-US" sz="3600" b="1" i="0" u="none" strike="noStrike" cap="none" dirty="0">
+              <a:rPr lang="en-US" sz="3600" i="0" u="none" strike="noStrike" cap="none" dirty="0">
                 <a:solidFill>
                   <a:schemeClr val="lt1"/>
                 </a:solidFill>
@@ -6528,7 +6528,7 @@
               <a:t> </a:t>
             </a:r>
             <a:r>
-              <a:rPr lang="en-US" sz="3600" b="1" i="0" u="none" strike="noStrike" cap="none" dirty="0">
+              <a:rPr lang="en-US" sz="3600" i="0" u="none" strike="noStrike" cap="none" dirty="0">
                 <a:solidFill>
                   <a:srgbClr val="FFFF00"/>
                 </a:solidFill>
@@ -6540,7 +6540,7 @@
               <a:t>in</a:t>
             </a:r>
             <a:r>
-              <a:rPr lang="en-US" sz="3600" b="1" i="0" u="none" strike="noStrike" cap="none" dirty="0">
+              <a:rPr lang="en-US" sz="3600" i="0" u="none" strike="noStrike" cap="none" dirty="0">
                 <a:solidFill>
                   <a:schemeClr val="lt1"/>
                 </a:solidFill>
@@ -6552,7 +6552,7 @@
               <a:t> </a:t>
             </a:r>
             <a:r>
-              <a:rPr lang="en-US" sz="3600" b="1" i="0" u="none" strike="noStrike" cap="none" dirty="0">
+              <a:rPr lang="en-US" sz="3600" i="0" u="none" strike="noStrike" cap="none" dirty="0">
                 <a:solidFill>
                   <a:srgbClr val="00FF00"/>
                 </a:solidFill>
@@ -6564,7 +6564,7 @@
               <a:t>fruit</a:t>
             </a:r>
             <a:r>
-              <a:rPr lang="en-US" sz="3600" b="1" i="0" u="none" strike="noStrike" cap="none" dirty="0">
+              <a:rPr lang="en-US" sz="3600" i="0" u="none" strike="noStrike" cap="none" dirty="0">
                 <a:solidFill>
                   <a:schemeClr val="lt1"/>
                 </a:solidFill>
@@ -6595,7 +6595,7 @@
               <a:buNone/>
             </a:pPr>
             <a:r>
-              <a:rPr lang="en-US" sz="3600" b="1" i="0" u="none" strike="noStrike" cap="none" dirty="0">
+              <a:rPr lang="en-US" sz="3600" i="0" u="none" strike="noStrike" cap="none" dirty="0">
                 <a:solidFill>
                   <a:schemeClr val="lt1"/>
                 </a:solidFill>
@@ -6607,7 +6607,7 @@
               <a:t>    </a:t>
             </a:r>
             <a:r>
-              <a:rPr lang="en-US" sz="3600" b="1" i="0" u="none" strike="noStrike" cap="none" dirty="0" smtClean="0">
+              <a:rPr lang="en-US" sz="3600" i="0" u="none" strike="noStrike" cap="none" dirty="0" smtClean="0">
                 <a:solidFill>
                   <a:srgbClr val="FFFF00"/>
                 </a:solidFill>
@@ -6619,7 +6619,7 @@
               <a:t>print</a:t>
             </a:r>
             <a:r>
-              <a:rPr lang="en-US" sz="3600" b="1" dirty="0" smtClean="0">
+              <a:rPr lang="en-US" sz="3600" dirty="0" smtClean="0">
                 <a:solidFill>
                   <a:schemeClr val="lt1"/>
                 </a:solidFill>
@@ -6631,7 +6631,7 @@
               <a:t>(</a:t>
             </a:r>
             <a:r>
-              <a:rPr lang="en-US" sz="3600" b="1" i="0" u="none" strike="noStrike" cap="none" dirty="0" smtClean="0">
+              <a:rPr lang="en-US" sz="3600" i="0" u="none" strike="noStrike" cap="none" dirty="0" smtClean="0">
                 <a:solidFill>
                   <a:srgbClr val="00FF00"/>
                 </a:solidFill>
@@ -6643,7 +6643,7 @@
               <a:t>letter</a:t>
             </a:r>
             <a:r>
-              <a:rPr lang="en-US" sz="3600" b="1" i="0" u="none" strike="noStrike" cap="none" dirty="0" smtClean="0">
+              <a:rPr lang="en-US" sz="3600" i="0" u="none" strike="noStrike" cap="none" dirty="0" smtClean="0">
                 <a:solidFill>
                   <a:schemeClr val="bg1"/>
                 </a:solidFill>
@@ -6654,7 +6654,7 @@
               </a:rPr>
               <a:t>)</a:t>
             </a:r>
-            <a:endParaRPr lang="en-US" sz="3600" b="1" i="0" u="none" strike="noStrike" cap="none" dirty="0">
+            <a:endParaRPr lang="en-US" sz="3600" i="0" u="none" strike="noStrike" cap="none" dirty="0">
               <a:solidFill>
                 <a:schemeClr val="bg1"/>
               </a:solidFill>
@@ -6761,7 +6761,7 @@
         <p:spPr>
           <a:xfrm>
             <a:off x="1155700" y="2603500"/>
-            <a:ext cx="5559425" cy="5702399"/>
+            <a:ext cx="5891236" cy="5702399"/>
           </a:xfrm>
           <a:prstGeom prst="rect">
             <a:avLst/>
@@ -6967,7 +6967,7 @@
               <a:buNone/>
             </a:pPr>
             <a:r>
-              <a:rPr lang="en-US" sz="3000" b="1" i="0" u="none" strike="noStrike" cap="none" dirty="0">
+              <a:rPr lang="en-US" sz="3000" i="0" u="none" strike="noStrike" cap="none" dirty="0">
                 <a:solidFill>
                   <a:srgbClr val="00FF00"/>
                 </a:solidFill>
@@ -6979,7 +6979,7 @@
               <a:t>index</a:t>
             </a:r>
             <a:r>
-              <a:rPr lang="en-US" sz="3000" b="1" i="0" u="none" strike="noStrike" cap="none" dirty="0">
+              <a:rPr lang="en-US" sz="3000" i="0" u="none" strike="noStrike" cap="none" dirty="0">
                 <a:solidFill>
                   <a:schemeClr val="lt1"/>
                 </a:solidFill>
@@ -6991,7 +6991,7 @@
               <a:t> = </a:t>
             </a:r>
             <a:r>
-              <a:rPr lang="en-US" sz="3000" b="1" i="0" u="none" strike="noStrike" cap="none" dirty="0">
+              <a:rPr lang="en-US" sz="3000" i="0" u="none" strike="noStrike" cap="none" dirty="0">
                 <a:solidFill>
                   <a:srgbClr val="FF7F00"/>
                 </a:solidFill>
@@ -7022,7 +7022,7 @@
               <a:buNone/>
             </a:pPr>
             <a:r>
-              <a:rPr lang="en-US" sz="3000" b="1" i="0" u="none" strike="noStrike" cap="none" dirty="0">
+              <a:rPr lang="en-US" sz="3000" i="0" u="none" strike="noStrike" cap="none" dirty="0">
                 <a:solidFill>
                   <a:srgbClr val="FFFF00"/>
                 </a:solidFill>
@@ -7034,7 +7034,7 @@
               <a:t>while</a:t>
             </a:r>
             <a:r>
-              <a:rPr lang="en-US" sz="3000" b="1" i="0" u="none" strike="noStrike" cap="none" dirty="0">
+              <a:rPr lang="en-US" sz="3000" i="0" u="none" strike="noStrike" cap="none" dirty="0">
                 <a:solidFill>
                   <a:schemeClr val="lt1"/>
                 </a:solidFill>
@@ -7046,7 +7046,7 @@
               <a:t> </a:t>
             </a:r>
             <a:r>
-              <a:rPr lang="en-US" sz="3000" b="1" i="0" u="none" strike="noStrike" cap="none" dirty="0">
+              <a:rPr lang="en-US" sz="3000" i="0" u="none" strike="noStrike" cap="none" dirty="0">
                 <a:solidFill>
                   <a:srgbClr val="00FF00"/>
                 </a:solidFill>
@@ -7058,7 +7058,7 @@
               <a:t>index</a:t>
             </a:r>
             <a:r>
-              <a:rPr lang="en-US" sz="3000" b="1" i="0" u="none" strike="noStrike" cap="none" dirty="0">
+              <a:rPr lang="en-US" sz="3000" i="0" u="none" strike="noStrike" cap="none" dirty="0">
                 <a:solidFill>
                   <a:schemeClr val="lt1"/>
                 </a:solidFill>
@@ -7070,7 +7070,7 @@
               <a:t> &lt; </a:t>
             </a:r>
             <a:r>
-              <a:rPr lang="en-US" sz="3000" b="1" i="0" u="none" strike="noStrike" cap="none" dirty="0" err="1">
+              <a:rPr lang="en-US" sz="3000" i="0" u="none" strike="noStrike" cap="none" dirty="0" err="1">
                 <a:solidFill>
                   <a:srgbClr val="FF00FF"/>
                 </a:solidFill>
@@ -7082,7 +7082,7 @@
               <a:t>len</a:t>
             </a:r>
             <a:r>
-              <a:rPr lang="en-US" sz="3000" b="1" i="0" u="none" strike="noStrike" cap="none" dirty="0">
+              <a:rPr lang="en-US" sz="3000" i="0" u="none" strike="noStrike" cap="none" dirty="0">
                 <a:solidFill>
                   <a:schemeClr val="lt1"/>
                 </a:solidFill>
@@ -7094,7 +7094,7 @@
               <a:t>(</a:t>
             </a:r>
             <a:r>
-              <a:rPr lang="en-US" sz="3000" b="1" i="0" u="none" strike="noStrike" cap="none" dirty="0">
+              <a:rPr lang="en-US" sz="3000" i="0" u="none" strike="noStrike" cap="none" dirty="0">
                 <a:solidFill>
                   <a:srgbClr val="00FF00"/>
                 </a:solidFill>
@@ -7106,7 +7106,7 @@
               <a:t>fruit</a:t>
             </a:r>
             <a:r>
-              <a:rPr lang="en-US" sz="3000" b="1" i="0" u="none" strike="noStrike" cap="none" dirty="0">
+              <a:rPr lang="en-US" sz="3000" i="0" u="none" strike="noStrike" cap="none" dirty="0">
                 <a:solidFill>
                   <a:schemeClr val="lt1"/>
                 </a:solidFill>
@@ -7137,7 +7137,7 @@
               <a:buNone/>
             </a:pPr>
             <a:r>
-              <a:rPr lang="en-US" sz="3000" b="1" i="0" u="none" strike="noStrike" cap="none" dirty="0">
+              <a:rPr lang="en-US" sz="3000" i="0" u="none" strike="noStrike" cap="none" dirty="0">
                 <a:solidFill>
                   <a:schemeClr val="lt1"/>
                 </a:solidFill>
@@ -7149,7 +7149,7 @@
               <a:t>    </a:t>
             </a:r>
             <a:r>
-              <a:rPr lang="en-US" sz="3000" b="1" i="0" u="none" strike="noStrike" cap="none" dirty="0">
+              <a:rPr lang="en-US" sz="3000" i="0" u="none" strike="noStrike" cap="none" dirty="0">
                 <a:solidFill>
                   <a:srgbClr val="00FF00"/>
                 </a:solidFill>
@@ -7161,7 +7161,7 @@
               <a:t>letter</a:t>
             </a:r>
             <a:r>
-              <a:rPr lang="en-US" sz="3000" b="1" i="0" u="none" strike="noStrike" cap="none" dirty="0">
+              <a:rPr lang="en-US" sz="3000" i="0" u="none" strike="noStrike" cap="none" dirty="0">
                 <a:solidFill>
                   <a:schemeClr val="lt1"/>
                 </a:solidFill>
@@ -7173,7 +7173,7 @@
               <a:t> = </a:t>
             </a:r>
             <a:r>
-              <a:rPr lang="en-US" sz="3000" b="1" i="0" u="none" strike="noStrike" cap="none" dirty="0">
+              <a:rPr lang="en-US" sz="3000" i="0" u="none" strike="noStrike" cap="none" dirty="0">
                 <a:solidFill>
                   <a:srgbClr val="00FF00"/>
                 </a:solidFill>
@@ -7185,7 +7185,7 @@
               <a:t>fruit</a:t>
             </a:r>
             <a:r>
-              <a:rPr lang="en-US" sz="3000" b="1" i="0" u="none" strike="noStrike" cap="none" dirty="0">
+              <a:rPr lang="en-US" sz="3000" i="0" u="none" strike="noStrike" cap="none" dirty="0">
                 <a:solidFill>
                   <a:srgbClr val="00FFFF"/>
                 </a:solidFill>
@@ -7197,7 +7197,7 @@
               <a:t>[</a:t>
             </a:r>
             <a:r>
-              <a:rPr lang="en-US" sz="3000" b="1" i="0" u="none" strike="noStrike" cap="none" dirty="0">
+              <a:rPr lang="en-US" sz="3000" i="0" u="none" strike="noStrike" cap="none" dirty="0">
                 <a:solidFill>
                   <a:srgbClr val="00FF00"/>
                 </a:solidFill>
@@ -7209,7 +7209,7 @@
               <a:t>index</a:t>
             </a:r>
             <a:r>
-              <a:rPr lang="en-US" sz="3000" b="1" i="0" u="none" strike="noStrike" cap="none" dirty="0">
+              <a:rPr lang="en-US" sz="3000" i="0" u="none" strike="noStrike" cap="none" dirty="0">
                 <a:solidFill>
                   <a:srgbClr val="00FFFF"/>
                 </a:solidFill>
@@ -7240,7 +7240,7 @@
               <a:buNone/>
             </a:pPr>
             <a:r>
-              <a:rPr lang="en-US" sz="3000" b="1" i="0" u="none" strike="noStrike" cap="none" dirty="0">
+              <a:rPr lang="en-US" sz="3000" i="0" u="none" strike="noStrike" cap="none" dirty="0">
                 <a:solidFill>
                   <a:schemeClr val="lt1"/>
                 </a:solidFill>
@@ -7252,7 +7252,7 @@
               <a:t>    </a:t>
             </a:r>
             <a:r>
-              <a:rPr lang="en-US" sz="3000" b="1" i="0" u="none" strike="noStrike" cap="none" dirty="0" smtClean="0">
+              <a:rPr lang="en-US" sz="3000" i="0" u="none" strike="noStrike" cap="none" dirty="0" smtClean="0">
                 <a:solidFill>
                   <a:srgbClr val="FFFF00"/>
                 </a:solidFill>
@@ -7264,7 +7264,7 @@
               <a:t>print</a:t>
             </a:r>
             <a:r>
-              <a:rPr lang="en-US" sz="3000" b="1" dirty="0" smtClean="0">
+              <a:rPr lang="en-US" sz="3000" dirty="0" smtClean="0">
                 <a:solidFill>
                   <a:schemeClr val="lt1"/>
                 </a:solidFill>
@@ -7276,7 +7276,7 @@
               <a:t>(</a:t>
             </a:r>
             <a:r>
-              <a:rPr lang="en-US" sz="3000" b="1" i="0" u="none" strike="noStrike" cap="none" dirty="0" smtClean="0">
+              <a:rPr lang="en-US" sz="3000" i="0" u="none" strike="noStrike" cap="none" dirty="0" smtClean="0">
                 <a:solidFill>
                   <a:srgbClr val="00FF00"/>
                 </a:solidFill>
@@ -7288,7 +7288,7 @@
               <a:t>letter</a:t>
             </a:r>
             <a:r>
-              <a:rPr lang="en-US" sz="3000" b="1" i="0" u="none" strike="noStrike" cap="none" dirty="0" smtClean="0">
+              <a:rPr lang="en-US" sz="3000" i="0" u="none" strike="noStrike" cap="none" dirty="0" smtClean="0">
                 <a:solidFill>
                   <a:schemeClr val="bg1"/>
                 </a:solidFill>
@@ -7299,7 +7299,7 @@
               </a:rPr>
               <a:t>)</a:t>
             </a:r>
-            <a:endParaRPr lang="en-US" sz="3000" b="1" i="0" u="none" strike="noStrike" cap="none" dirty="0">
+            <a:endParaRPr lang="en-US" sz="3000" i="0" u="none" strike="noStrike" cap="none" dirty="0">
               <a:solidFill>
                 <a:schemeClr val="bg1"/>
               </a:solidFill>
@@ -7328,7 +7328,7 @@
               <a:buNone/>
             </a:pPr>
             <a:r>
-              <a:rPr lang="en-US" sz="3000" b="1" i="0" u="none" strike="noStrike" cap="none" dirty="0">
+              <a:rPr lang="en-US" sz="3000" i="0" u="none" strike="noStrike" cap="none" dirty="0">
                 <a:solidFill>
                   <a:schemeClr val="lt1"/>
                 </a:solidFill>
@@ -7340,7 +7340,7 @@
               <a:t>    </a:t>
             </a:r>
             <a:r>
-              <a:rPr lang="en-US" sz="3000" b="1" i="0" u="none" strike="noStrike" cap="none" dirty="0">
+              <a:rPr lang="en-US" sz="3000" i="0" u="none" strike="noStrike" cap="none" dirty="0">
                 <a:solidFill>
                   <a:srgbClr val="00FF00"/>
                 </a:solidFill>
@@ -7352,7 +7352,7 @@
               <a:t>index</a:t>
             </a:r>
             <a:r>
-              <a:rPr lang="en-US" sz="3000" b="1" i="0" u="none" strike="noStrike" cap="none" dirty="0">
+              <a:rPr lang="en-US" sz="3000" i="0" u="none" strike="noStrike" cap="none" dirty="0">
                 <a:solidFill>
                   <a:schemeClr val="lt1"/>
                 </a:solidFill>
@@ -7364,7 +7364,7 @@
               <a:t> = </a:t>
             </a:r>
             <a:r>
-              <a:rPr lang="en-US" sz="3000" b="1" i="0" u="none" strike="noStrike" cap="none" dirty="0">
+              <a:rPr lang="en-US" sz="3000" i="0" u="none" strike="noStrike" cap="none" dirty="0">
                 <a:solidFill>
                   <a:srgbClr val="00FF00"/>
                 </a:solidFill>
@@ -7376,7 +7376,7 @@
               <a:t>index</a:t>
             </a:r>
             <a:r>
-              <a:rPr lang="en-US" sz="3000" b="1" i="0" u="none" strike="noStrike" cap="none" dirty="0">
+              <a:rPr lang="en-US" sz="3000" i="0" u="none" strike="noStrike" cap="none" dirty="0">
                 <a:solidFill>
                   <a:schemeClr val="lt1"/>
                 </a:solidFill>
@@ -7388,7 +7388,7 @@
               <a:t> </a:t>
             </a:r>
             <a:r>
-              <a:rPr lang="en-US" sz="3000" b="1" i="0" u="none" strike="noStrike" cap="none" dirty="0">
+              <a:rPr lang="en-US" sz="3000" i="0" u="none" strike="noStrike" cap="none" dirty="0">
                 <a:solidFill>
                   <a:srgbClr val="00FFFF"/>
                 </a:solidFill>
@@ -7400,7 +7400,7 @@
               <a:t>+</a:t>
             </a:r>
             <a:r>
-              <a:rPr lang="en-US" sz="3000" b="1" i="0" u="none" strike="noStrike" cap="none" dirty="0">
+              <a:rPr lang="en-US" sz="3000" i="0" u="none" strike="noStrike" cap="none" dirty="0">
                 <a:solidFill>
                   <a:schemeClr val="lt1"/>
                 </a:solidFill>
@@ -7412,7 +7412,7 @@
               <a:t> </a:t>
             </a:r>
             <a:r>
-              <a:rPr lang="en-US" sz="3000" b="1" i="0" u="none" strike="noStrike" cap="none" dirty="0">
+              <a:rPr lang="en-US" sz="3000" i="0" u="none" strike="noStrike" cap="none" dirty="0">
                 <a:solidFill>
                   <a:srgbClr val="FF7F00"/>
                 </a:solidFill>
@@ -7434,7 +7434,7 @@
         </p:nvSpPr>
         <p:spPr>
           <a:xfrm>
-            <a:off x="8058075" y="3222575"/>
+            <a:off x="8058071" y="3424870"/>
             <a:ext cx="5015700" cy="1663800"/>
           </a:xfrm>
           <a:prstGeom prst="rect">
@@ -7469,7 +7469,7 @@
               <a:buNone/>
             </a:pPr>
             <a:r>
-              <a:rPr lang="en-US" sz="3000" b="1" i="0" u="none" strike="noStrike" cap="none" dirty="0">
+              <a:rPr lang="en-US" sz="3000" i="0" u="none" strike="noStrike" cap="none" dirty="0">
                 <a:solidFill>
                   <a:schemeClr val="lt1"/>
                 </a:solidFill>
@@ -7500,7 +7500,7 @@
               <a:buNone/>
             </a:pPr>
             <a:r>
-              <a:rPr lang="en-US" sz="3000" b="1" i="0" u="none" strike="noStrike" cap="none" dirty="0">
+              <a:rPr lang="en-US" sz="3000" i="0" u="none" strike="noStrike" cap="none" dirty="0">
                 <a:solidFill>
                   <a:srgbClr val="FFFF00"/>
                 </a:solidFill>
@@ -7512,7 +7512,7 @@
               <a:t>for</a:t>
             </a:r>
             <a:r>
-              <a:rPr lang="en-US" sz="3000" b="1" i="0" u="none" strike="noStrike" cap="none" dirty="0">
+              <a:rPr lang="en-US" sz="3000" i="0" u="none" strike="noStrike" cap="none" dirty="0">
                 <a:solidFill>
                   <a:schemeClr val="lt1"/>
                 </a:solidFill>
@@ -7524,7 +7524,7 @@
               <a:t> </a:t>
             </a:r>
             <a:r>
-              <a:rPr lang="en-US" sz="3000" b="1" i="0" u="none" strike="noStrike" cap="none" dirty="0">
+              <a:rPr lang="en-US" sz="3000" i="0" u="none" strike="noStrike" cap="none" dirty="0">
                 <a:solidFill>
                   <a:srgbClr val="00FF00"/>
                 </a:solidFill>
@@ -7536,7 +7536,7 @@
               <a:t>letter</a:t>
             </a:r>
             <a:r>
-              <a:rPr lang="en-US" sz="3000" b="1" i="0" u="none" strike="noStrike" cap="none" dirty="0">
+              <a:rPr lang="en-US" sz="3000" i="0" u="none" strike="noStrike" cap="none" dirty="0">
                 <a:solidFill>
                   <a:schemeClr val="lt1"/>
                 </a:solidFill>
@@ -7548,7 +7548,7 @@
               <a:t> in </a:t>
             </a:r>
             <a:r>
-              <a:rPr lang="en-US" sz="3000" b="1" i="0" u="none" strike="noStrike" cap="none" dirty="0">
+              <a:rPr lang="en-US" sz="3000" i="0" u="none" strike="noStrike" cap="none" dirty="0">
                 <a:solidFill>
                   <a:srgbClr val="00FF00"/>
                 </a:solidFill>
@@ -7560,7 +7560,7 @@
               <a:t>fruit</a:t>
             </a:r>
             <a:r>
-              <a:rPr lang="en-US" sz="3000" b="1" i="0" u="none" strike="noStrike" cap="none" dirty="0">
+              <a:rPr lang="en-US" sz="3000" i="0" u="none" strike="noStrike" cap="none" dirty="0">
                 <a:solidFill>
                   <a:schemeClr val="lt1"/>
                 </a:solidFill>
@@ -7591,7 +7591,7 @@
               <a:buNone/>
             </a:pPr>
             <a:r>
-              <a:rPr lang="en-US" sz="3000" b="1" i="0" u="none" strike="noStrike" cap="none" dirty="0">
+              <a:rPr lang="en-US" sz="3000" i="0" u="none" strike="noStrike" cap="none" dirty="0">
                 <a:solidFill>
                   <a:schemeClr val="lt1"/>
                 </a:solidFill>
@@ -7603,7 +7603,7 @@
               <a:t>    </a:t>
             </a:r>
             <a:r>
-              <a:rPr lang="en-US" sz="3000" b="1" i="0" u="none" strike="noStrike" cap="none" dirty="0" smtClean="0">
+              <a:rPr lang="en-US" sz="3000" i="0" u="none" strike="noStrike" cap="none" dirty="0" smtClean="0">
                 <a:solidFill>
                   <a:srgbClr val="FFFF00"/>
                 </a:solidFill>
@@ -7615,7 +7615,7 @@
               <a:t>print</a:t>
             </a:r>
             <a:r>
-              <a:rPr lang="en-US" sz="3000" b="1" dirty="0" smtClean="0">
+              <a:rPr lang="en-US" sz="3000" dirty="0" smtClean="0">
                 <a:solidFill>
                   <a:schemeClr val="lt1"/>
                 </a:solidFill>
@@ -7627,7 +7627,7 @@
               <a:t>(</a:t>
             </a:r>
             <a:r>
-              <a:rPr lang="en-US" sz="3000" b="1" i="0" u="none" strike="noStrike" cap="none" dirty="0" smtClean="0">
+              <a:rPr lang="en-US" sz="3000" i="0" u="none" strike="noStrike" cap="none" dirty="0" smtClean="0">
                 <a:solidFill>
                   <a:srgbClr val="00FF00"/>
                 </a:solidFill>
@@ -7639,7 +7639,7 @@
               <a:t>letter</a:t>
             </a:r>
             <a:r>
-              <a:rPr lang="en-US" sz="3000" b="1" i="0" u="none" strike="noStrike" cap="none" dirty="0" smtClean="0">
+              <a:rPr lang="en-US" sz="3000" i="0" u="none" strike="noStrike" cap="none" dirty="0" smtClean="0">
                 <a:solidFill>
                   <a:schemeClr val="bg1"/>
                 </a:solidFill>
@@ -7650,7 +7650,7 @@
               </a:rPr>
               <a:t>)</a:t>
             </a:r>
-            <a:endParaRPr lang="en-US" sz="3000" b="1" i="0" u="none" strike="noStrike" cap="none" dirty="0">
+            <a:endParaRPr lang="en-US" sz="3000" i="0" u="none" strike="noStrike" cap="none" dirty="0">
               <a:solidFill>
                 <a:schemeClr val="bg1"/>
               </a:solidFill>
@@ -7969,7 +7969,7 @@
         <p:spPr>
           <a:xfrm>
             <a:off x="1155700" y="2603500"/>
-            <a:ext cx="6273800" cy="5702399"/>
+            <a:ext cx="6273800" cy="5263515"/>
           </a:xfrm>
           <a:prstGeom prst="rect">
             <a:avLst/>
@@ -7985,7 +7985,7 @@
           </a:bodyPr>
           <a:lstStyle/>
           <a:p>
-            <a:pPr marL="749300" marR="0" lvl="0" indent="-533400" algn="l" rtl="0">
+            <a:pPr marL="215900" marR="0" lvl="0" indent="0" algn="l" rtl="0">
               <a:lnSpc>
                 <a:spcPct val="100000"/>
               </a:lnSpc>
@@ -7999,11 +7999,10 @@
                 <a:schemeClr val="lt1"/>
               </a:buClr>
               <a:buSzPct val="171000"/>
-              <a:buFont typeface="Cabin"/>
-              <a:buChar char="•"/>
-            </a:pPr>
-            <a:r>
-              <a:rPr lang="en-US" sz="3600" u="none" strike="noStrike" cap="none">
+              <a:buNone/>
+            </a:pPr>
+            <a:r>
+              <a:rPr lang="en-US" sz="3600" u="none" strike="noStrike" cap="none" dirty="0">
                 <a:solidFill>
                   <a:schemeClr val="lt1"/>
                 </a:solidFill>
@@ -8060,7 +8059,7 @@
               <a:buNone/>
             </a:pPr>
             <a:r>
-              <a:rPr lang="en-US" sz="3600" b="1" i="0" u="none" strike="noStrike" cap="none" dirty="0">
+              <a:rPr lang="en-US" sz="3600" i="0" u="none" strike="noStrike" cap="none" dirty="0">
                 <a:solidFill>
                   <a:srgbClr val="00FF00"/>
                 </a:solidFill>
@@ -8072,7 +8071,7 @@
               <a:t>word</a:t>
             </a:r>
             <a:r>
-              <a:rPr lang="en-US" sz="3600" b="1" i="0" u="none" strike="noStrike" cap="none" dirty="0">
+              <a:rPr lang="en-US" sz="3600" i="0" u="none" strike="noStrike" cap="none" dirty="0">
                 <a:solidFill>
                   <a:schemeClr val="lt1"/>
                 </a:solidFill>
@@ -8084,7 +8083,7 @@
               <a:t> = </a:t>
             </a:r>
             <a:r>
-              <a:rPr lang="en-US" sz="3600" b="1" i="0" u="none" strike="noStrike" cap="none" dirty="0">
+              <a:rPr lang="en-US" sz="3600" i="0" u="none" strike="noStrike" cap="none" dirty="0">
                 <a:solidFill>
                   <a:srgbClr val="FF7F00"/>
                 </a:solidFill>
@@ -8115,7 +8114,7 @@
               <a:buNone/>
             </a:pPr>
             <a:r>
-              <a:rPr lang="en-US" sz="3600" b="1" i="0" u="none" strike="noStrike" cap="none" dirty="0">
+              <a:rPr lang="en-US" sz="3600" i="0" u="none" strike="noStrike" cap="none" dirty="0">
                 <a:solidFill>
                   <a:srgbClr val="00FF00"/>
                 </a:solidFill>
@@ -8127,7 +8126,7 @@
               <a:t>count</a:t>
             </a:r>
             <a:r>
-              <a:rPr lang="en-US" sz="3600" b="1" i="0" u="none" strike="noStrike" cap="none" dirty="0">
+              <a:rPr lang="en-US" sz="3600" i="0" u="none" strike="noStrike" cap="none" dirty="0">
                 <a:solidFill>
                   <a:schemeClr val="lt1"/>
                 </a:solidFill>
@@ -8139,7 +8138,7 @@
               <a:t> = </a:t>
             </a:r>
             <a:r>
-              <a:rPr lang="en-US" sz="3600" b="1" i="0" u="none" strike="noStrike" cap="none" dirty="0">
+              <a:rPr lang="en-US" sz="3600" i="0" u="none" strike="noStrike" cap="none" dirty="0">
                 <a:solidFill>
                   <a:srgbClr val="FF7F00"/>
                 </a:solidFill>
@@ -8170,7 +8169,7 @@
               <a:buNone/>
             </a:pPr>
             <a:r>
-              <a:rPr lang="en-US" sz="3600" b="1" i="0" u="none" strike="noStrike" cap="none" dirty="0">
+              <a:rPr lang="en-US" sz="3600" i="0" u="none" strike="noStrike" cap="none" dirty="0">
                 <a:solidFill>
                   <a:srgbClr val="FFFF00"/>
                 </a:solidFill>
@@ -8182,7 +8181,7 @@
               <a:t>for</a:t>
             </a:r>
             <a:r>
-              <a:rPr lang="en-US" sz="3600" b="1" i="0" u="none" strike="noStrike" cap="none" dirty="0">
+              <a:rPr lang="en-US" sz="3600" i="0" u="none" strike="noStrike" cap="none" dirty="0">
                 <a:solidFill>
                   <a:srgbClr val="00FF00"/>
                 </a:solidFill>
@@ -8194,7 +8193,7 @@
               <a:t> letter </a:t>
             </a:r>
             <a:r>
-              <a:rPr lang="en-US" sz="3600" b="1" i="0" u="none" strike="noStrike" cap="none" dirty="0">
+              <a:rPr lang="en-US" sz="3600" i="0" u="none" strike="noStrike" cap="none" dirty="0">
                 <a:solidFill>
                   <a:srgbClr val="FFFF00"/>
                 </a:solidFill>
@@ -8206,7 +8205,7 @@
               <a:t>in</a:t>
             </a:r>
             <a:r>
-              <a:rPr lang="en-US" sz="3600" b="1" i="0" u="none" strike="noStrike" cap="none" dirty="0">
+              <a:rPr lang="en-US" sz="3600" i="0" u="none" strike="noStrike" cap="none" dirty="0">
                 <a:solidFill>
                   <a:srgbClr val="00FF00"/>
                 </a:solidFill>
@@ -8218,7 +8217,7 @@
               <a:t> word </a:t>
             </a:r>
             <a:r>
-              <a:rPr lang="en-US" sz="3600" b="1" i="0" u="none" strike="noStrike" cap="none" dirty="0">
+              <a:rPr lang="en-US" sz="3600" i="0" u="none" strike="noStrike" cap="none" dirty="0">
                 <a:solidFill>
                   <a:schemeClr val="lt1"/>
                 </a:solidFill>
@@ -8249,7 +8248,7 @@
               <a:buNone/>
             </a:pPr>
             <a:r>
-              <a:rPr lang="en-US" sz="3600" b="1" i="0" u="none" strike="noStrike" cap="none" dirty="0">
+              <a:rPr lang="en-US" sz="3600" i="0" u="none" strike="noStrike" cap="none" dirty="0">
                 <a:solidFill>
                   <a:schemeClr val="lt1"/>
                 </a:solidFill>
@@ -8261,7 +8260,7 @@
               <a:t>   </a:t>
             </a:r>
             <a:r>
-              <a:rPr lang="en-US" sz="3600" b="1" i="0" u="none" strike="noStrike" cap="none" dirty="0">
+              <a:rPr lang="en-US" sz="3600" i="0" u="none" strike="noStrike" cap="none" dirty="0">
                 <a:solidFill>
                   <a:srgbClr val="FFFF00"/>
                 </a:solidFill>
@@ -8273,7 +8272,7 @@
               <a:t> if</a:t>
             </a:r>
             <a:r>
-              <a:rPr lang="en-US" sz="3600" b="1" i="0" u="none" strike="noStrike" cap="none" dirty="0">
+              <a:rPr lang="en-US" sz="3600" i="0" u="none" strike="noStrike" cap="none" dirty="0">
                 <a:solidFill>
                   <a:schemeClr val="lt1"/>
                 </a:solidFill>
@@ -8285,7 +8284,7 @@
               <a:t> </a:t>
             </a:r>
             <a:r>
-              <a:rPr lang="en-US" sz="3600" b="1" i="0" u="none" strike="noStrike" cap="none" dirty="0">
+              <a:rPr lang="en-US" sz="3600" i="0" u="none" strike="noStrike" cap="none" dirty="0">
                 <a:solidFill>
                   <a:srgbClr val="00FF00"/>
                 </a:solidFill>
@@ -8297,7 +8296,7 @@
               <a:t>letter</a:t>
             </a:r>
             <a:r>
-              <a:rPr lang="en-US" sz="3600" b="1" i="0" u="none" strike="noStrike" cap="none" dirty="0">
+              <a:rPr lang="en-US" sz="3600" i="0" u="none" strike="noStrike" cap="none" dirty="0">
                 <a:solidFill>
                   <a:schemeClr val="lt1"/>
                 </a:solidFill>
@@ -8309,7 +8308,7 @@
               <a:t> </a:t>
             </a:r>
             <a:r>
-              <a:rPr lang="en-US" sz="3600" b="1" i="0" u="none" strike="noStrike" cap="none" dirty="0">
+              <a:rPr lang="en-US" sz="3600" i="0" u="none" strike="noStrike" cap="none" dirty="0">
                 <a:solidFill>
                   <a:srgbClr val="00FFFF"/>
                 </a:solidFill>
@@ -8321,7 +8320,7 @@
               <a:t>==</a:t>
             </a:r>
             <a:r>
-              <a:rPr lang="en-US" sz="3600" b="1" i="0" u="none" strike="noStrike" cap="none" dirty="0">
+              <a:rPr lang="en-US" sz="3600" i="0" u="none" strike="noStrike" cap="none" dirty="0">
                 <a:solidFill>
                   <a:schemeClr val="lt1"/>
                 </a:solidFill>
@@ -8333,7 +8332,7 @@
               <a:t> </a:t>
             </a:r>
             <a:r>
-              <a:rPr lang="en-US" sz="3600" b="1" i="0" u="none" strike="noStrike" cap="none" dirty="0">
+              <a:rPr lang="en-US" sz="3600" i="0" u="none" strike="noStrike" cap="none" dirty="0">
                 <a:solidFill>
                   <a:srgbClr val="FF7F00"/>
                 </a:solidFill>
@@ -8345,7 +8344,7 @@
               <a:t>'a' </a:t>
             </a:r>
             <a:r>
-              <a:rPr lang="en-US" sz="3600" b="1" i="0" u="none" strike="noStrike" cap="none" dirty="0">
+              <a:rPr lang="en-US" sz="3600" i="0" u="none" strike="noStrike" cap="none" dirty="0">
                 <a:solidFill>
                   <a:schemeClr val="lt1"/>
                 </a:solidFill>
@@ -8357,7 +8356,7 @@
               <a:t>:</a:t>
             </a:r>
             <a:r>
-              <a:rPr lang="en-US" sz="3600" b="1" i="0" u="none" strike="noStrike" cap="none" dirty="0">
+              <a:rPr lang="en-US" sz="3600" i="0" u="none" strike="noStrike" cap="none" dirty="0">
                 <a:solidFill>
                   <a:srgbClr val="00FF00"/>
                 </a:solidFill>
@@ -8388,7 +8387,7 @@
               <a:buNone/>
             </a:pPr>
             <a:r>
-              <a:rPr lang="en-US" sz="3600" b="1" i="0" u="none" strike="noStrike" cap="none" dirty="0">
+              <a:rPr lang="en-US" sz="3600" i="0" u="none" strike="noStrike" cap="none" dirty="0">
                 <a:solidFill>
                   <a:srgbClr val="00FF00"/>
                 </a:solidFill>
@@ -8400,7 +8399,7 @@
               <a:t>       count </a:t>
             </a:r>
             <a:r>
-              <a:rPr lang="en-US" sz="3600" b="1" i="0" u="none" strike="noStrike" cap="none" dirty="0">
+              <a:rPr lang="en-US" sz="3600" i="0" u="none" strike="noStrike" cap="none" dirty="0">
                 <a:solidFill>
                   <a:schemeClr val="lt1"/>
                 </a:solidFill>
@@ -8412,7 +8411,7 @@
               <a:t>= </a:t>
             </a:r>
             <a:r>
-              <a:rPr lang="en-US" sz="3600" b="1" i="0" u="none" strike="noStrike" cap="none" dirty="0">
+              <a:rPr lang="en-US" sz="3600" i="0" u="none" strike="noStrike" cap="none" dirty="0">
                 <a:solidFill>
                   <a:srgbClr val="00FF00"/>
                 </a:solidFill>
@@ -8424,7 +8423,7 @@
               <a:t>count </a:t>
             </a:r>
             <a:r>
-              <a:rPr lang="en-US" sz="3600" b="1" i="0" u="none" strike="noStrike" cap="none" dirty="0">
+              <a:rPr lang="en-US" sz="3600" i="0" u="none" strike="noStrike" cap="none" dirty="0">
                 <a:solidFill>
                   <a:srgbClr val="00FFFF"/>
                 </a:solidFill>
@@ -8436,7 +8435,7 @@
               <a:t>+</a:t>
             </a:r>
             <a:r>
-              <a:rPr lang="en-US" sz="3600" b="1" i="0" u="none" strike="noStrike" cap="none" dirty="0">
+              <a:rPr lang="en-US" sz="3600" i="0" u="none" strike="noStrike" cap="none" dirty="0">
                 <a:solidFill>
                   <a:srgbClr val="00FF00"/>
                 </a:solidFill>
@@ -8448,7 +8447,7 @@
               <a:t> </a:t>
             </a:r>
             <a:r>
-              <a:rPr lang="en-US" sz="3600" b="1" i="0" u="none" strike="noStrike" cap="none" dirty="0">
+              <a:rPr lang="en-US" sz="3600" i="0" u="none" strike="noStrike" cap="none" dirty="0">
                 <a:solidFill>
                   <a:srgbClr val="FF7F00"/>
                 </a:solidFill>
@@ -8479,7 +8478,7 @@
               <a:buNone/>
             </a:pPr>
             <a:r>
-              <a:rPr lang="en-US" sz="3600" b="1" i="0" u="none" strike="noStrike" cap="none" dirty="0" smtClean="0">
+              <a:rPr lang="en-US" sz="3600" i="0" u="none" strike="noStrike" cap="none" dirty="0" smtClean="0">
                 <a:solidFill>
                   <a:srgbClr val="FFFF00"/>
                 </a:solidFill>
@@ -8491,7 +8490,7 @@
               <a:t>print</a:t>
             </a:r>
             <a:r>
-              <a:rPr lang="en-US" sz="3600" b="1" dirty="0" smtClean="0">
+              <a:rPr lang="en-US" sz="3600" dirty="0" smtClean="0">
                 <a:solidFill>
                   <a:schemeClr val="lt1"/>
                 </a:solidFill>
@@ -8503,7 +8502,7 @@
               <a:t>(</a:t>
             </a:r>
             <a:r>
-              <a:rPr lang="en-US" sz="3600" b="1" i="0" u="none" strike="noStrike" cap="none" dirty="0" smtClean="0">
+              <a:rPr lang="en-US" sz="3600" i="0" u="none" strike="noStrike" cap="none" dirty="0" smtClean="0">
                 <a:solidFill>
                   <a:srgbClr val="00FF00"/>
                 </a:solidFill>
@@ -8515,7 +8514,7 @@
               <a:t>count</a:t>
             </a:r>
             <a:r>
-              <a:rPr lang="en-US" sz="3600" b="1" i="0" u="none" strike="noStrike" cap="none" dirty="0" smtClean="0">
+              <a:rPr lang="en-US" sz="3600" i="0" u="none" strike="noStrike" cap="none" dirty="0" smtClean="0">
                 <a:solidFill>
                   <a:schemeClr val="bg1"/>
                 </a:solidFill>
@@ -8526,7 +8525,7 @@
               </a:rPr>
               <a:t>)</a:t>
             </a:r>
-            <a:endParaRPr lang="en-US" sz="3600" b="1" i="0" u="none" strike="noStrike" cap="none" dirty="0">
+            <a:endParaRPr lang="en-US" sz="3600" i="0" u="none" strike="noStrike" cap="none" dirty="0">
               <a:solidFill>
                 <a:schemeClr val="bg1"/>
               </a:solidFill>
@@ -9002,7 +9001,7 @@
               <a:buNone/>
             </a:pPr>
             <a:r>
-              <a:rPr lang="en-US" sz="3600" b="1" i="0" u="none" strike="noStrike" cap="none" dirty="0">
+              <a:rPr lang="en-US" sz="3600" i="0" u="none" strike="noStrike" cap="none" dirty="0">
                 <a:solidFill>
                   <a:srgbClr val="FFFF00"/>
                 </a:solidFill>
@@ -9014,7 +9013,7 @@
               <a:t>for</a:t>
             </a:r>
             <a:r>
-              <a:rPr lang="en-US" sz="3600" b="1" i="0" u="none" strike="noStrike" cap="none" dirty="0">
+              <a:rPr lang="en-US" sz="3600" i="0" u="none" strike="noStrike" cap="none" dirty="0">
                 <a:solidFill>
                   <a:schemeClr val="lt1"/>
                 </a:solidFill>
@@ -9026,7 +9025,7 @@
               <a:t> </a:t>
             </a:r>
             <a:r>
-              <a:rPr lang="en-US" sz="3600" b="1" i="0" u="none" strike="noStrike" cap="none" dirty="0">
+              <a:rPr lang="en-US" sz="3600" i="0" u="none" strike="noStrike" cap="none" dirty="0">
                 <a:solidFill>
                   <a:srgbClr val="00FF00"/>
                 </a:solidFill>
@@ -9038,7 +9037,7 @@
               <a:t>letter</a:t>
             </a:r>
             <a:r>
-              <a:rPr lang="en-US" sz="3600" b="1" i="0" u="none" strike="noStrike" cap="none" dirty="0">
+              <a:rPr lang="en-US" sz="3600" i="0" u="none" strike="noStrike" cap="none" dirty="0">
                 <a:solidFill>
                   <a:schemeClr val="lt1"/>
                 </a:solidFill>
@@ -9050,7 +9049,7 @@
               <a:t> </a:t>
             </a:r>
             <a:r>
-              <a:rPr lang="en-US" sz="3600" b="1" i="0" u="none" strike="noStrike" cap="none" dirty="0">
+              <a:rPr lang="en-US" sz="3600" i="0" u="none" strike="noStrike" cap="none" dirty="0">
                 <a:solidFill>
                   <a:srgbClr val="FFFF00"/>
                 </a:solidFill>
@@ -9062,7 +9061,7 @@
               <a:t>in</a:t>
             </a:r>
             <a:r>
-              <a:rPr lang="en-US" sz="3600" b="1" i="0" u="none" strike="noStrike" cap="none" dirty="0">
+              <a:rPr lang="en-US" sz="3600" i="0" u="none" strike="noStrike" cap="none" dirty="0">
                 <a:solidFill>
                   <a:schemeClr val="lt1"/>
                 </a:solidFill>
@@ -9074,7 +9073,7 @@
               <a:t> </a:t>
             </a:r>
             <a:r>
-              <a:rPr lang="en-US" sz="3600" b="1" i="0" u="none" strike="noStrike" cap="none" dirty="0">
+              <a:rPr lang="en-US" sz="3600" i="0" u="none" strike="noStrike" cap="none" dirty="0">
                 <a:solidFill>
                   <a:srgbClr val="FF7F00"/>
                 </a:solidFill>
@@ -9086,7 +9085,7 @@
               <a:t>'banana'</a:t>
             </a:r>
             <a:r>
-              <a:rPr lang="en-US" sz="3600" b="1" i="0" u="none" strike="noStrike" cap="none" dirty="0">
+              <a:rPr lang="en-US" sz="3600" i="0" u="none" strike="noStrike" cap="none" dirty="0">
                 <a:solidFill>
                   <a:srgbClr val="00FF00"/>
                 </a:solidFill>
@@ -9098,7 +9097,7 @@
               <a:t> </a:t>
             </a:r>
             <a:r>
-              <a:rPr lang="en-US" sz="3600" b="1" i="0" u="none" strike="noStrike" cap="none" dirty="0">
+              <a:rPr lang="en-US" sz="3600" i="0" u="none" strike="noStrike" cap="none" dirty="0">
                 <a:solidFill>
                   <a:schemeClr val="lt1"/>
                 </a:solidFill>
@@ -9129,7 +9128,7 @@
               <a:buNone/>
             </a:pPr>
             <a:r>
-              <a:rPr lang="en-US" sz="3600" b="1" i="0" u="none" strike="noStrike" cap="none" dirty="0">
+              <a:rPr lang="en-US" sz="3600" i="0" u="none" strike="noStrike" cap="none" dirty="0">
                 <a:solidFill>
                   <a:schemeClr val="lt1"/>
                 </a:solidFill>
@@ -9141,7 +9140,7 @@
               <a:t>     </a:t>
             </a:r>
             <a:r>
-              <a:rPr lang="en-US" sz="3600" b="1" i="0" u="none" strike="noStrike" cap="none" dirty="0">
+              <a:rPr lang="en-US" sz="3600" i="0" u="none" strike="noStrike" cap="none" dirty="0">
                 <a:solidFill>
                   <a:srgbClr val="FF00FF"/>
                 </a:solidFill>
@@ -9153,7 +9152,7 @@
               <a:t> </a:t>
             </a:r>
             <a:r>
-              <a:rPr lang="en-US" sz="3600" b="1" i="0" u="none" strike="noStrike" cap="none" dirty="0" smtClean="0">
+              <a:rPr lang="en-US" sz="3600" i="0" u="none" strike="noStrike" cap="none" dirty="0" smtClean="0">
                 <a:solidFill>
                   <a:srgbClr val="FF00FF"/>
                 </a:solidFill>
@@ -9164,7 +9163,7 @@
               </a:rPr>
               <a:t>print(letter)</a:t>
             </a:r>
-            <a:endParaRPr lang="en-US" sz="3600" b="1" i="0" u="none" strike="noStrike" cap="none" dirty="0">
+            <a:endParaRPr lang="en-US" sz="3600" i="0" u="none" strike="noStrike" cap="none" dirty="0">
               <a:solidFill>
                 <a:srgbClr val="FF00FF"/>
               </a:solidFill>
@@ -9241,8 +9240,8 @@
         </p:nvSpPr>
         <p:spPr>
           <a:xfrm>
-            <a:off x="11813321" y="3437028"/>
-            <a:ext cx="4687237" cy="622299"/>
+            <a:off x="12275426" y="3248202"/>
+            <a:ext cx="3751578" cy="1075126"/>
           </a:xfrm>
           <a:prstGeom prst="rect">
             <a:avLst/>
@@ -9276,7 +9275,7 @@
               <a:buNone/>
             </a:pPr>
             <a:r>
-              <a:rPr lang="en-US" sz="3600" u="none" strike="noStrike" cap="none">
+              <a:rPr lang="en-US" sz="3600" u="none" strike="noStrike" cap="none" dirty="0">
                 <a:solidFill>
                   <a:srgbClr val="FF7F00"/>
                 </a:solidFill>
@@ -9485,13 +9484,15 @@
       <p:cxnSp>
         <p:nvCxnSpPr>
           <p:cNvPr id="345" name="Shape 345"/>
-          <p:cNvCxnSpPr/>
+          <p:cNvCxnSpPr>
+            <a:endCxn id="354" idx="2"/>
+          </p:cNvCxnSpPr>
           <p:nvPr/>
         </p:nvCxnSpPr>
         <p:spPr>
-          <a:xfrm rot="10800000" flipH="1">
-            <a:off x="6700837" y="2711574"/>
-            <a:ext cx="15899" cy="644400"/>
+          <a:xfrm flipH="1" flipV="1">
+            <a:off x="6686600" y="2768699"/>
+            <a:ext cx="14238" cy="587276"/>
           </a:xfrm>
           <a:prstGeom prst="straightConnector1">
             <a:avLst/>
@@ -9937,7 +9938,7 @@
               <a:buNone/>
             </a:pPr>
             <a:r>
-              <a:rPr lang="en-US" sz="3600" b="1" i="0" u="none" strike="noStrike" cap="none" dirty="0">
+              <a:rPr lang="en-US" sz="3600" i="0" u="none" strike="noStrike" cap="none" dirty="0">
                 <a:solidFill>
                   <a:srgbClr val="FFFF00"/>
                 </a:solidFill>
@@ -9949,7 +9950,7 @@
               <a:t>for</a:t>
             </a:r>
             <a:r>
-              <a:rPr lang="en-US" sz="3600" b="1" i="0" u="none" strike="noStrike" cap="none" dirty="0">
+              <a:rPr lang="en-US" sz="3600" i="0" u="none" strike="noStrike" cap="none" dirty="0">
                 <a:solidFill>
                   <a:schemeClr val="lt1"/>
                 </a:solidFill>
@@ -9961,7 +9962,7 @@
               <a:t> </a:t>
             </a:r>
             <a:r>
-              <a:rPr lang="en-US" sz="3600" b="1" i="0" u="none" strike="noStrike" cap="none" dirty="0">
+              <a:rPr lang="en-US" sz="3600" i="0" u="none" strike="noStrike" cap="none" dirty="0">
                 <a:solidFill>
                   <a:srgbClr val="00FF00"/>
                 </a:solidFill>
@@ -9973,7 +9974,7 @@
               <a:t>letter</a:t>
             </a:r>
             <a:r>
-              <a:rPr lang="en-US" sz="3600" b="1" i="0" u="none" strike="noStrike" cap="none" dirty="0">
+              <a:rPr lang="en-US" sz="3600" i="0" u="none" strike="noStrike" cap="none" dirty="0">
                 <a:solidFill>
                   <a:schemeClr val="lt1"/>
                 </a:solidFill>
@@ -9985,7 +9986,7 @@
               <a:t> </a:t>
             </a:r>
             <a:r>
-              <a:rPr lang="en-US" sz="3600" b="1" i="0" u="none" strike="noStrike" cap="none" dirty="0">
+              <a:rPr lang="en-US" sz="3600" i="0" u="none" strike="noStrike" cap="none" dirty="0">
                 <a:solidFill>
                   <a:srgbClr val="FFFF00"/>
                 </a:solidFill>
@@ -9997,7 +9998,7 @@
               <a:t>in</a:t>
             </a:r>
             <a:r>
-              <a:rPr lang="en-US" sz="3600" b="1" i="0" u="none" strike="noStrike" cap="none" dirty="0">
+              <a:rPr lang="en-US" sz="3600" i="0" u="none" strike="noStrike" cap="none" dirty="0">
                 <a:solidFill>
                   <a:schemeClr val="lt1"/>
                 </a:solidFill>
@@ -10009,7 +10010,7 @@
               <a:t> </a:t>
             </a:r>
             <a:r>
-              <a:rPr lang="en-US" sz="3600" b="1" i="0" u="none" strike="noStrike" cap="none" dirty="0">
+              <a:rPr lang="en-US" sz="3600" i="0" u="none" strike="noStrike" cap="none" dirty="0">
                 <a:solidFill>
                   <a:srgbClr val="FF7F00"/>
                 </a:solidFill>
@@ -10021,7 +10022,7 @@
               <a:t>'banana'</a:t>
             </a:r>
             <a:r>
-              <a:rPr lang="en-US" sz="3600" b="1" i="0" u="none" strike="noStrike" cap="none" dirty="0">
+              <a:rPr lang="en-US" sz="3600" i="0" u="none" strike="noStrike" cap="none" dirty="0">
                 <a:solidFill>
                   <a:srgbClr val="00FF00"/>
                 </a:solidFill>
@@ -10033,7 +10034,7 @@
               <a:t> </a:t>
             </a:r>
             <a:r>
-              <a:rPr lang="en-US" sz="3600" b="1" i="0" u="none" strike="noStrike" cap="none" dirty="0">
+              <a:rPr lang="en-US" sz="3600" i="0" u="none" strike="noStrike" cap="none" dirty="0">
                 <a:solidFill>
                   <a:schemeClr val="lt1"/>
                 </a:solidFill>
@@ -10064,7 +10065,7 @@
               <a:buNone/>
             </a:pPr>
             <a:r>
-              <a:rPr lang="en-US" sz="3600" b="1" i="0" u="none" strike="noStrike" cap="none" dirty="0">
+              <a:rPr lang="en-US" sz="3600" i="0" u="none" strike="noStrike" cap="none" dirty="0">
                 <a:solidFill>
                   <a:srgbClr val="FF00FF"/>
                 </a:solidFill>
@@ -10076,7 +10077,7 @@
               <a:t>    </a:t>
             </a:r>
             <a:r>
-              <a:rPr lang="en-US" sz="3600" b="1" i="0" u="none" strike="noStrike" cap="none" dirty="0" smtClean="0">
+              <a:rPr lang="en-US" sz="3600" i="0" u="none" strike="noStrike" cap="none" dirty="0" smtClean="0">
                 <a:solidFill>
                   <a:srgbClr val="FF00FF"/>
                 </a:solidFill>
@@ -10087,7 +10088,7 @@
               </a:rPr>
               <a:t>print(letter)</a:t>
             </a:r>
-            <a:endParaRPr lang="en-US" sz="3600" b="1" i="0" u="none" strike="noStrike" cap="none" dirty="0">
+            <a:endParaRPr lang="en-US" sz="3600" i="0" u="none" strike="noStrike" cap="none" dirty="0">
               <a:solidFill>
                 <a:srgbClr val="FF00FF"/>
               </a:solidFill>
@@ -11073,7 +11074,7 @@
               <a:buNone/>
             </a:pPr>
             <a:r>
-              <a:rPr lang="en-US" sz="3600" b="1" i="0" u="none" strike="noStrike" cap="none" dirty="0">
+              <a:rPr lang="en-US" sz="3600" i="0" u="none" strike="noStrike" cap="none" dirty="0">
                 <a:solidFill>
                   <a:schemeClr val="lt1"/>
                 </a:solidFill>
@@ -11085,7 +11086,7 @@
               <a:t>&gt;&gt;&gt; </a:t>
             </a:r>
             <a:r>
-              <a:rPr lang="en-US" sz="3600" b="1" i="0" u="none" strike="noStrike" cap="none" dirty="0">
+              <a:rPr lang="en-US" sz="3600" i="0" u="none" strike="noStrike" cap="none" dirty="0">
                 <a:solidFill>
                   <a:srgbClr val="00FF00"/>
                 </a:solidFill>
@@ -11097,7 +11098,7 @@
               <a:t>s</a:t>
             </a:r>
             <a:r>
-              <a:rPr lang="en-US" sz="3600" b="1" i="0" u="none" strike="noStrike" cap="none" dirty="0">
+              <a:rPr lang="en-US" sz="3600" i="0" u="none" strike="noStrike" cap="none" dirty="0">
                 <a:solidFill>
                   <a:schemeClr val="lt1"/>
                 </a:solidFill>
@@ -11109,7 +11110,7 @@
               <a:t> = </a:t>
             </a:r>
             <a:r>
-              <a:rPr lang="en-US" sz="3600" b="1" i="0" u="none" strike="noStrike" cap="none" dirty="0">
+              <a:rPr lang="en-US" sz="3600" i="0" u="none" strike="noStrike" cap="none" dirty="0">
                 <a:solidFill>
                   <a:srgbClr val="FF7F00"/>
                 </a:solidFill>
@@ -11140,7 +11141,7 @@
               <a:buNone/>
             </a:pPr>
             <a:r>
-              <a:rPr lang="en-US" sz="3600" b="1" i="0" u="none" strike="noStrike" cap="none" dirty="0">
+              <a:rPr lang="en-US" sz="3600" i="0" u="none" strike="noStrike" cap="none" dirty="0">
                 <a:solidFill>
                   <a:schemeClr val="lt1"/>
                 </a:solidFill>
@@ -11152,7 +11153,7 @@
               <a:t>&gt;&gt;&gt; </a:t>
             </a:r>
             <a:r>
-              <a:rPr lang="en-US" sz="3600" b="1" i="0" u="none" strike="noStrike" cap="none" dirty="0" smtClean="0">
+              <a:rPr lang="en-US" sz="3600" i="0" u="none" strike="noStrike" cap="none" dirty="0" smtClean="0">
                 <a:solidFill>
                   <a:srgbClr val="FFFF00"/>
                 </a:solidFill>
@@ -11164,7 +11165,7 @@
               <a:t>print</a:t>
             </a:r>
             <a:r>
-              <a:rPr lang="en-US" sz="3600" b="1" dirty="0">
+              <a:rPr lang="en-US" sz="3600" dirty="0">
                 <a:solidFill>
                   <a:schemeClr val="lt1"/>
                 </a:solidFill>
@@ -11176,7 +11177,7 @@
               <a:t>(</a:t>
             </a:r>
             <a:r>
-              <a:rPr lang="en-US" sz="3600" b="1" i="0" u="none" strike="noStrike" cap="none" dirty="0" smtClean="0">
+              <a:rPr lang="en-US" sz="3600" i="0" u="none" strike="noStrike" cap="none" dirty="0" smtClean="0">
                 <a:solidFill>
                   <a:srgbClr val="00FF00"/>
                 </a:solidFill>
@@ -11188,7 +11189,7 @@
               <a:t>s</a:t>
             </a:r>
             <a:r>
-              <a:rPr lang="en-US" sz="3600" b="1" i="0" u="none" strike="noStrike" cap="none" dirty="0" smtClean="0">
+              <a:rPr lang="en-US" sz="3600" i="0" u="none" strike="noStrike" cap="none" dirty="0" smtClean="0">
                 <a:solidFill>
                   <a:srgbClr val="00FFFF"/>
                 </a:solidFill>
@@ -11200,7 +11201,7 @@
               <a:t>[</a:t>
             </a:r>
             <a:r>
-              <a:rPr lang="en-US" sz="3600" b="1" i="0" u="none" strike="noStrike" cap="none" dirty="0" smtClean="0">
+              <a:rPr lang="en-US" sz="3600" i="0" u="none" strike="noStrike" cap="none" dirty="0" smtClean="0">
                 <a:solidFill>
                   <a:srgbClr val="FF7F00"/>
                 </a:solidFill>
@@ -11212,7 +11213,7 @@
               <a:t>0</a:t>
             </a:r>
             <a:r>
-              <a:rPr lang="en-US" sz="3600" b="1" i="0" u="none" strike="noStrike" cap="none" dirty="0" smtClean="0">
+              <a:rPr lang="en-US" sz="3600" i="0" u="none" strike="noStrike" cap="none" dirty="0" smtClean="0">
                 <a:solidFill>
                   <a:schemeClr val="lt1"/>
                 </a:solidFill>
@@ -11224,7 +11225,7 @@
               <a:t>:</a:t>
             </a:r>
             <a:r>
-              <a:rPr lang="en-US" sz="3600" b="1" i="0" u="none" strike="noStrike" cap="none" dirty="0" smtClean="0">
+              <a:rPr lang="en-US" sz="3600" i="0" u="none" strike="noStrike" cap="none" dirty="0" smtClean="0">
                 <a:solidFill>
                   <a:srgbClr val="FF7F00"/>
                 </a:solidFill>
@@ -11236,7 +11237,7 @@
               <a:t>4</a:t>
             </a:r>
             <a:r>
-              <a:rPr lang="en-US" sz="3600" b="1" i="0" u="none" strike="noStrike" cap="none" dirty="0" smtClean="0">
+              <a:rPr lang="en-US" sz="3600" i="0" u="none" strike="noStrike" cap="none" dirty="0" smtClean="0">
                 <a:solidFill>
                   <a:srgbClr val="00FFFF"/>
                 </a:solidFill>
@@ -11248,7 +11249,7 @@
               <a:t>]</a:t>
             </a:r>
             <a:r>
-              <a:rPr lang="en-US" sz="3600" b="1" i="0" u="none" strike="noStrike" cap="none" dirty="0" smtClean="0">
+              <a:rPr lang="en-US" sz="3600" i="0" u="none" strike="noStrike" cap="none" dirty="0" smtClean="0">
                 <a:solidFill>
                   <a:schemeClr val="bg1"/>
                 </a:solidFill>
@@ -11259,7 +11260,7 @@
               </a:rPr>
               <a:t>)</a:t>
             </a:r>
-            <a:endParaRPr lang="en-US" sz="3600" b="1" i="0" u="none" strike="noStrike" cap="none" dirty="0">
+            <a:endParaRPr lang="en-US" sz="3600" i="0" u="none" strike="noStrike" cap="none" dirty="0">
               <a:solidFill>
                 <a:schemeClr val="bg1"/>
               </a:solidFill>
@@ -11288,7 +11289,7 @@
               <a:buNone/>
             </a:pPr>
             <a:r>
-              <a:rPr lang="en-US" sz="3600" b="1" i="0" u="none" strike="noStrike" cap="none" dirty="0">
+              <a:rPr lang="en-US" sz="3600" i="0" u="none" strike="noStrike" cap="none" dirty="0">
                 <a:solidFill>
                   <a:schemeClr val="lt1"/>
                 </a:solidFill>
@@ -11319,7 +11320,7 @@
               <a:buNone/>
             </a:pPr>
             <a:r>
-              <a:rPr lang="en-US" sz="3600" b="1" i="0" u="none" strike="noStrike" cap="none" dirty="0">
+              <a:rPr lang="en-US" sz="3600" i="0" u="none" strike="noStrike" cap="none" dirty="0">
                 <a:solidFill>
                   <a:schemeClr val="lt1"/>
                 </a:solidFill>
@@ -11331,7 +11332,7 @@
               <a:t>&gt;&gt;&gt; </a:t>
             </a:r>
             <a:r>
-              <a:rPr lang="en-US" sz="3600" b="1" i="0" u="none" strike="noStrike" cap="none" dirty="0" smtClean="0">
+              <a:rPr lang="en-US" sz="3600" i="0" u="none" strike="noStrike" cap="none" dirty="0" smtClean="0">
                 <a:solidFill>
                   <a:srgbClr val="FFFF00"/>
                 </a:solidFill>
@@ -11343,7 +11344,7 @@
               <a:t>print</a:t>
             </a:r>
             <a:r>
-              <a:rPr lang="en-US" sz="3600" b="1" dirty="0">
+              <a:rPr lang="en-US" sz="3600" dirty="0">
                 <a:solidFill>
                   <a:schemeClr val="lt1"/>
                 </a:solidFill>
@@ -11355,7 +11356,7 @@
               <a:t>(</a:t>
             </a:r>
             <a:r>
-              <a:rPr lang="en-US" sz="3600" b="1" i="0" u="none" strike="noStrike" cap="none" dirty="0" smtClean="0">
+              <a:rPr lang="en-US" sz="3600" i="0" u="none" strike="noStrike" cap="none" dirty="0" smtClean="0">
                 <a:solidFill>
                   <a:srgbClr val="00FF00"/>
                 </a:solidFill>
@@ -11367,7 +11368,7 @@
               <a:t>s</a:t>
             </a:r>
             <a:r>
-              <a:rPr lang="en-US" sz="3600" b="1" i="0" u="none" strike="noStrike" cap="none" dirty="0" smtClean="0">
+              <a:rPr lang="en-US" sz="3600" i="0" u="none" strike="noStrike" cap="none" dirty="0" smtClean="0">
                 <a:solidFill>
                   <a:srgbClr val="00FFFF"/>
                 </a:solidFill>
@@ -11379,7 +11380,7 @@
               <a:t>[</a:t>
             </a:r>
             <a:r>
-              <a:rPr lang="en-US" sz="3600" b="1" i="0" u="none" strike="noStrike" cap="none" dirty="0" smtClean="0">
+              <a:rPr lang="en-US" sz="3600" i="0" u="none" strike="noStrike" cap="none" dirty="0" smtClean="0">
                 <a:solidFill>
                   <a:srgbClr val="FF7F00"/>
                 </a:solidFill>
@@ -11391,7 +11392,7 @@
               <a:t>6:7</a:t>
             </a:r>
             <a:r>
-              <a:rPr lang="en-US" sz="3600" b="1" i="0" u="none" strike="noStrike" cap="none" dirty="0" smtClean="0">
+              <a:rPr lang="en-US" sz="3600" i="0" u="none" strike="noStrike" cap="none" dirty="0" smtClean="0">
                 <a:solidFill>
                   <a:srgbClr val="00FFFF"/>
                 </a:solidFill>
@@ -11403,7 +11404,7 @@
               <a:t>]</a:t>
             </a:r>
             <a:r>
-              <a:rPr lang="en-US" sz="3600" b="1" i="0" u="none" strike="noStrike" cap="none" dirty="0" smtClean="0">
+              <a:rPr lang="en-US" sz="3600" i="0" u="none" strike="noStrike" cap="none" dirty="0" smtClean="0">
                 <a:solidFill>
                   <a:schemeClr val="bg1"/>
                 </a:solidFill>
@@ -11414,7 +11415,7 @@
               </a:rPr>
               <a:t>)</a:t>
             </a:r>
-            <a:endParaRPr lang="en-US" sz="3600" b="1" i="0" u="none" strike="noStrike" cap="none" dirty="0">
+            <a:endParaRPr lang="en-US" sz="3600" i="0" u="none" strike="noStrike" cap="none" dirty="0">
               <a:solidFill>
                 <a:schemeClr val="bg1"/>
               </a:solidFill>
@@ -11443,7 +11444,7 @@
               <a:buNone/>
             </a:pPr>
             <a:r>
-              <a:rPr lang="en-US" sz="3600" b="1" i="0" u="none" strike="noStrike" cap="none" dirty="0">
+              <a:rPr lang="en-US" sz="3600" i="0" u="none" strike="noStrike" cap="none" dirty="0">
                 <a:solidFill>
                   <a:schemeClr val="lt1"/>
                 </a:solidFill>
@@ -11474,7 +11475,7 @@
               <a:buNone/>
             </a:pPr>
             <a:r>
-              <a:rPr lang="en-US" sz="3600" b="1" i="0" u="none" strike="noStrike" cap="none" dirty="0">
+              <a:rPr lang="en-US" sz="3600" i="0" u="none" strike="noStrike" cap="none" dirty="0">
                 <a:solidFill>
                   <a:schemeClr val="lt1"/>
                 </a:solidFill>
@@ -11486,7 +11487,7 @@
               <a:t>&gt;&gt;&gt; </a:t>
             </a:r>
             <a:r>
-              <a:rPr lang="en-US" sz="3600" b="1" i="0" u="none" strike="noStrike" cap="none" dirty="0" smtClean="0">
+              <a:rPr lang="en-US" sz="3600" i="0" u="none" strike="noStrike" cap="none" dirty="0" smtClean="0">
                 <a:solidFill>
                   <a:srgbClr val="FFFF00"/>
                 </a:solidFill>
@@ -11498,7 +11499,7 @@
               <a:t>print</a:t>
             </a:r>
             <a:r>
-              <a:rPr lang="en-US" sz="3600" b="1" dirty="0">
+              <a:rPr lang="en-US" sz="3600" dirty="0">
                 <a:solidFill>
                   <a:schemeClr val="lt1"/>
                 </a:solidFill>
@@ -11510,7 +11511,7 @@
               <a:t>(</a:t>
             </a:r>
             <a:r>
-              <a:rPr lang="en-US" sz="3600" b="1" i="0" u="none" strike="noStrike" cap="none" dirty="0" smtClean="0">
+              <a:rPr lang="en-US" sz="3600" i="0" u="none" strike="noStrike" cap="none" dirty="0" smtClean="0">
                 <a:solidFill>
                   <a:srgbClr val="00FF00"/>
                 </a:solidFill>
@@ -11522,7 +11523,7 @@
               <a:t>s</a:t>
             </a:r>
             <a:r>
-              <a:rPr lang="en-US" sz="3600" b="1" i="0" u="none" strike="noStrike" cap="none" dirty="0" smtClean="0">
+              <a:rPr lang="en-US" sz="3600" i="0" u="none" strike="noStrike" cap="none" dirty="0" smtClean="0">
                 <a:solidFill>
                   <a:srgbClr val="00FFFF"/>
                 </a:solidFill>
@@ -11534,7 +11535,7 @@
               <a:t>[</a:t>
             </a:r>
             <a:r>
-              <a:rPr lang="en-US" sz="3600" b="1" i="0" u="none" strike="noStrike" cap="none" dirty="0" smtClean="0">
+              <a:rPr lang="en-US" sz="3600" i="0" u="none" strike="noStrike" cap="none" dirty="0" smtClean="0">
                 <a:solidFill>
                   <a:srgbClr val="FF7F00"/>
                 </a:solidFill>
@@ -11546,7 +11547,7 @@
               <a:t>6</a:t>
             </a:r>
             <a:r>
-              <a:rPr lang="en-US" sz="3600" b="1" i="0" u="none" strike="noStrike" cap="none" dirty="0" smtClean="0">
+              <a:rPr lang="en-US" sz="3600" i="0" u="none" strike="noStrike" cap="none" dirty="0" smtClean="0">
                 <a:solidFill>
                   <a:srgbClr val="00FFFF"/>
                 </a:solidFill>
@@ -11558,7 +11559,7 @@
               <a:t>:</a:t>
             </a:r>
             <a:r>
-              <a:rPr lang="en-US" sz="3600" b="1" i="0" u="none" strike="noStrike" cap="none" dirty="0" smtClean="0">
+              <a:rPr lang="en-US" sz="3600" i="0" u="none" strike="noStrike" cap="none" dirty="0" smtClean="0">
                 <a:solidFill>
                   <a:srgbClr val="FF7F00"/>
                 </a:solidFill>
@@ -11570,7 +11571,7 @@
               <a:t>20</a:t>
             </a:r>
             <a:r>
-              <a:rPr lang="en-US" sz="3600" b="1" i="0" u="none" strike="noStrike" cap="none" dirty="0" smtClean="0">
+              <a:rPr lang="en-US" sz="3600" i="0" u="none" strike="noStrike" cap="none" dirty="0" smtClean="0">
                 <a:solidFill>
                   <a:srgbClr val="00FFFF"/>
                 </a:solidFill>
@@ -11582,7 +11583,7 @@
               <a:t>]</a:t>
             </a:r>
             <a:r>
-              <a:rPr lang="en-US" sz="3600" b="1" i="0" u="none" strike="noStrike" cap="none" dirty="0" smtClean="0">
+              <a:rPr lang="en-US" sz="3600" i="0" u="none" strike="noStrike" cap="none" dirty="0" smtClean="0">
                 <a:solidFill>
                   <a:schemeClr val="bg1"/>
                 </a:solidFill>
@@ -11593,7 +11594,7 @@
               </a:rPr>
               <a:t>)</a:t>
             </a:r>
-            <a:endParaRPr lang="en-US" sz="3600" b="1" i="0" u="none" strike="noStrike" cap="none" dirty="0">
+            <a:endParaRPr lang="en-US" sz="3600" i="0" u="none" strike="noStrike" cap="none" dirty="0">
               <a:solidFill>
                 <a:schemeClr val="bg1"/>
               </a:solidFill>
@@ -11622,7 +11623,7 @@
               <a:buNone/>
             </a:pPr>
             <a:r>
-              <a:rPr lang="en-US" sz="3600" b="1" i="0" u="none" strike="noStrike" cap="none" dirty="0">
+              <a:rPr lang="en-US" sz="3600" i="0" u="none" strike="noStrike" cap="none" dirty="0">
                 <a:solidFill>
                   <a:schemeClr val="lt1"/>
                 </a:solidFill>
@@ -13144,7 +13145,7 @@
               <a:buNone/>
             </a:pPr>
             <a:r>
-              <a:rPr lang="en-US" sz="3600" b="1" i="0" u="none" strike="noStrike" cap="none" dirty="0">
+              <a:rPr lang="en-US" sz="3600" i="0" u="none" strike="noStrike" cap="none" dirty="0">
                 <a:solidFill>
                   <a:schemeClr val="lt1"/>
                 </a:solidFill>
@@ -13156,7 +13157,7 @@
               <a:t>&gt;&gt;&gt; </a:t>
             </a:r>
             <a:r>
-              <a:rPr lang="en-US" sz="3600" b="1" i="0" u="none" strike="noStrike" cap="none" dirty="0">
+              <a:rPr lang="en-US" sz="3600" i="0" u="none" strike="noStrike" cap="none" dirty="0">
                 <a:solidFill>
                   <a:srgbClr val="00FF00"/>
                 </a:solidFill>
@@ -13168,7 +13169,7 @@
               <a:t>s</a:t>
             </a:r>
             <a:r>
-              <a:rPr lang="en-US" sz="3600" b="1" i="0" u="none" strike="noStrike" cap="none" dirty="0">
+              <a:rPr lang="en-US" sz="3600" i="0" u="none" strike="noStrike" cap="none" dirty="0">
                 <a:solidFill>
                   <a:schemeClr val="lt1"/>
                 </a:solidFill>
@@ -13180,7 +13181,7 @@
               <a:t> = </a:t>
             </a:r>
             <a:r>
-              <a:rPr lang="en-US" sz="3600" b="1" i="0" u="none" strike="noStrike" cap="none" dirty="0">
+              <a:rPr lang="en-US" sz="3600" i="0" u="none" strike="noStrike" cap="none" dirty="0">
                 <a:solidFill>
                   <a:srgbClr val="FF7F00"/>
                 </a:solidFill>
@@ -13211,7 +13212,7 @@
               <a:buNone/>
             </a:pPr>
             <a:r>
-              <a:rPr lang="en-US" sz="3600" b="1" i="0" u="none" strike="noStrike" cap="none" dirty="0">
+              <a:rPr lang="en-US" sz="3600" i="0" u="none" strike="noStrike" cap="none" dirty="0">
                 <a:solidFill>
                   <a:schemeClr val="lt1"/>
                 </a:solidFill>
@@ -13223,7 +13224,7 @@
               <a:t>&gt;&gt;&gt; </a:t>
             </a:r>
             <a:r>
-              <a:rPr lang="en-US" sz="3600" b="1" i="0" u="none" strike="noStrike" cap="none" dirty="0" smtClean="0">
+              <a:rPr lang="en-US" sz="3600" i="0" u="none" strike="noStrike" cap="none" dirty="0" smtClean="0">
                 <a:solidFill>
                   <a:srgbClr val="FFFF00"/>
                 </a:solidFill>
@@ -13235,7 +13236,7 @@
               <a:t>print</a:t>
             </a:r>
             <a:r>
-              <a:rPr lang="en-US" sz="3600" b="1" dirty="0">
+              <a:rPr lang="en-US" sz="3600" dirty="0">
                 <a:solidFill>
                   <a:schemeClr val="lt1"/>
                 </a:solidFill>
@@ -13247,7 +13248,7 @@
               <a:t>(</a:t>
             </a:r>
             <a:r>
-              <a:rPr lang="en-US" sz="3600" b="1" i="0" u="none" strike="noStrike" cap="none" dirty="0" smtClean="0">
+              <a:rPr lang="en-US" sz="3600" i="0" u="none" strike="noStrike" cap="none" dirty="0" smtClean="0">
                 <a:solidFill>
                   <a:srgbClr val="00FF00"/>
                 </a:solidFill>
@@ -13259,7 +13260,7 @@
               <a:t>s</a:t>
             </a:r>
             <a:r>
-              <a:rPr lang="en-US" sz="3600" b="1" i="0" u="none" strike="noStrike" cap="none" dirty="0">
+              <a:rPr lang="en-US" sz="3600" i="0" u="none" strike="noStrike" cap="none" dirty="0">
                 <a:solidFill>
                   <a:srgbClr val="00FFFF"/>
                 </a:solidFill>
@@ -13271,7 +13272,7 @@
               <a:t>[:</a:t>
             </a:r>
             <a:r>
-              <a:rPr lang="en-US" sz="3600" b="1" i="0" u="none" strike="noStrike" cap="none" dirty="0">
+              <a:rPr lang="en-US" sz="3600" i="0" u="none" strike="noStrike" cap="none" dirty="0">
                 <a:solidFill>
                   <a:srgbClr val="FF7F00"/>
                 </a:solidFill>
@@ -13283,7 +13284,7 @@
               <a:t>2</a:t>
             </a:r>
             <a:r>
-              <a:rPr lang="en-US" sz="3600" b="1" i="0" u="none" strike="noStrike" cap="none" dirty="0" smtClean="0">
+              <a:rPr lang="en-US" sz="3600" i="0" u="none" strike="noStrike" cap="none" dirty="0" smtClean="0">
                 <a:solidFill>
                   <a:srgbClr val="00FFFF"/>
                 </a:solidFill>
@@ -13295,7 +13296,7 @@
               <a:t>]</a:t>
             </a:r>
             <a:r>
-              <a:rPr lang="en-US" sz="3600" b="1" i="0" u="none" strike="noStrike" cap="none" dirty="0" smtClean="0">
+              <a:rPr lang="en-US" sz="3600" i="0" u="none" strike="noStrike" cap="none" dirty="0" smtClean="0">
                 <a:solidFill>
                   <a:schemeClr val="bg1"/>
                 </a:solidFill>
@@ -13306,7 +13307,7 @@
               </a:rPr>
               <a:t>)</a:t>
             </a:r>
-            <a:endParaRPr lang="en-US" sz="3600" b="1" i="0" u="none" strike="noStrike" cap="none" dirty="0">
+            <a:endParaRPr lang="en-US" sz="3600" i="0" u="none" strike="noStrike" cap="none" dirty="0">
               <a:solidFill>
                 <a:schemeClr val="bg1"/>
               </a:solidFill>
@@ -13335,7 +13336,7 @@
               <a:buNone/>
             </a:pPr>
             <a:r>
-              <a:rPr lang="en-US" sz="3600" b="1" i="0" u="none" strike="noStrike" cap="none" dirty="0">
+              <a:rPr lang="en-US" sz="3600" i="0" u="none" strike="noStrike" cap="none" dirty="0">
                 <a:solidFill>
                   <a:schemeClr val="lt1"/>
                 </a:solidFill>
@@ -13366,7 +13367,7 @@
               <a:buNone/>
             </a:pPr>
             <a:r>
-              <a:rPr lang="en-US" sz="3600" b="1" i="0" u="none" strike="noStrike" cap="none" dirty="0">
+              <a:rPr lang="en-US" sz="3600" i="0" u="none" strike="noStrike" cap="none" dirty="0">
                 <a:solidFill>
                   <a:schemeClr val="lt1"/>
                 </a:solidFill>
@@ -13378,7 +13379,7 @@
               <a:t>&gt;&gt;&gt; </a:t>
             </a:r>
             <a:r>
-              <a:rPr lang="en-US" sz="3600" b="1" i="0" u="none" strike="noStrike" cap="none" dirty="0" smtClean="0">
+              <a:rPr lang="en-US" sz="3600" i="0" u="none" strike="noStrike" cap="none" dirty="0" smtClean="0">
                 <a:solidFill>
                   <a:srgbClr val="FFFF00"/>
                 </a:solidFill>
@@ -13390,7 +13391,7 @@
               <a:t>print</a:t>
             </a:r>
             <a:r>
-              <a:rPr lang="en-US" sz="3600" b="1" i="0" u="none" strike="noStrike" cap="none" dirty="0" smtClean="0">
+              <a:rPr lang="en-US" sz="3600" i="0" u="none" strike="noStrike" cap="none" dirty="0" smtClean="0">
                 <a:solidFill>
                   <a:schemeClr val="lt1"/>
                 </a:solidFill>
@@ -13402,7 +13403,7 @@
               <a:t>(</a:t>
             </a:r>
             <a:r>
-              <a:rPr lang="en-US" sz="3600" b="1" i="0" u="none" strike="noStrike" cap="none" dirty="0" smtClean="0">
+              <a:rPr lang="en-US" sz="3600" i="0" u="none" strike="noStrike" cap="none" dirty="0" smtClean="0">
                 <a:solidFill>
                   <a:srgbClr val="00FF00"/>
                 </a:solidFill>
@@ -13414,7 +13415,7 @@
               <a:t>s</a:t>
             </a:r>
             <a:r>
-              <a:rPr lang="en-US" sz="3600" b="1" i="0" u="none" strike="noStrike" cap="none" dirty="0" smtClean="0">
+              <a:rPr lang="en-US" sz="3600" i="0" u="none" strike="noStrike" cap="none" dirty="0" smtClean="0">
                 <a:solidFill>
                   <a:srgbClr val="00FFFF"/>
                 </a:solidFill>
@@ -13426,7 +13427,7 @@
               <a:t>[</a:t>
             </a:r>
             <a:r>
-              <a:rPr lang="en-US" sz="3600" b="1" i="0" u="none" strike="noStrike" cap="none" dirty="0" smtClean="0">
+              <a:rPr lang="en-US" sz="3600" i="0" u="none" strike="noStrike" cap="none" dirty="0" smtClean="0">
                 <a:solidFill>
                   <a:srgbClr val="FF7F00"/>
                 </a:solidFill>
@@ -13438,7 +13439,7 @@
               <a:t>8</a:t>
             </a:r>
             <a:r>
-              <a:rPr lang="en-US" sz="3600" b="1" i="0" u="none" strike="noStrike" cap="none" dirty="0" smtClean="0">
+              <a:rPr lang="en-US" sz="3600" i="0" u="none" strike="noStrike" cap="none" dirty="0" smtClean="0">
                 <a:solidFill>
                   <a:srgbClr val="00FFFF"/>
                 </a:solidFill>
@@ -13450,7 +13451,7 @@
               <a:t>:]</a:t>
             </a:r>
             <a:r>
-              <a:rPr lang="en-US" sz="3600" b="1" i="0" u="none" strike="noStrike" cap="none" dirty="0" smtClean="0">
+              <a:rPr lang="en-US" sz="3600" i="0" u="none" strike="noStrike" cap="none" dirty="0" smtClean="0">
                 <a:solidFill>
                   <a:schemeClr val="bg1"/>
                 </a:solidFill>
@@ -13461,7 +13462,7 @@
               </a:rPr>
               <a:t>)</a:t>
             </a:r>
-            <a:endParaRPr lang="en-US" sz="3600" b="1" i="0" u="none" strike="noStrike" cap="none" dirty="0">
+            <a:endParaRPr lang="en-US" sz="3600" i="0" u="none" strike="noStrike" cap="none" dirty="0">
               <a:solidFill>
                 <a:schemeClr val="bg1"/>
               </a:solidFill>
@@ -13490,7 +13491,7 @@
               <a:buNone/>
             </a:pPr>
             <a:r>
-              <a:rPr lang="en-US" sz="3600" b="1" dirty="0">
+              <a:rPr lang="en-US" sz="3600" dirty="0">
                 <a:solidFill>
                   <a:schemeClr val="lt1"/>
                 </a:solidFill>
@@ -13502,7 +13503,7 @@
               <a:t>t</a:t>
             </a:r>
             <a:r>
-              <a:rPr lang="en-US" sz="3600" b="1" i="0" u="none" strike="noStrike" cap="none" dirty="0">
+              <a:rPr lang="en-US" sz="3600" i="0" u="none" strike="noStrike" cap="none" dirty="0">
                 <a:solidFill>
                   <a:schemeClr val="lt1"/>
                 </a:solidFill>
@@ -13533,7 +13534,7 @@
               <a:buNone/>
             </a:pPr>
             <a:r>
-              <a:rPr lang="en-US" sz="3600" b="1" i="0" u="none" strike="noStrike" cap="none" dirty="0">
+              <a:rPr lang="en-US" sz="3600" i="0" u="none" strike="noStrike" cap="none" dirty="0">
                 <a:solidFill>
                   <a:schemeClr val="lt1"/>
                 </a:solidFill>
@@ -13545,7 +13546,7 @@
               <a:t>&gt;&gt;&gt; </a:t>
             </a:r>
             <a:r>
-              <a:rPr lang="en-US" sz="3600" b="1" i="0" u="none" strike="noStrike" cap="none" dirty="0" smtClean="0">
+              <a:rPr lang="en-US" sz="3600" i="0" u="none" strike="noStrike" cap="none" dirty="0" smtClean="0">
                 <a:solidFill>
                   <a:srgbClr val="FFFF00"/>
                 </a:solidFill>
@@ -13557,7 +13558,7 @@
               <a:t>print</a:t>
             </a:r>
             <a:r>
-              <a:rPr lang="en-US" sz="3600" b="1" dirty="0">
+              <a:rPr lang="en-US" sz="3600" dirty="0">
                 <a:solidFill>
                   <a:schemeClr val="lt1"/>
                 </a:solidFill>
@@ -13569,7 +13570,7 @@
               <a:t>(</a:t>
             </a:r>
             <a:r>
-              <a:rPr lang="en-US" sz="3600" b="1" i="0" u="none" strike="noStrike" cap="none" dirty="0" smtClean="0">
+              <a:rPr lang="en-US" sz="3600" i="0" u="none" strike="noStrike" cap="none" dirty="0" smtClean="0">
                 <a:solidFill>
                   <a:srgbClr val="00FF00"/>
                 </a:solidFill>
@@ -13581,7 +13582,7 @@
               <a:t>s</a:t>
             </a:r>
             <a:r>
-              <a:rPr lang="en-US" sz="3600" b="1" i="0" u="none" strike="noStrike" cap="none" dirty="0" smtClean="0">
+              <a:rPr lang="en-US" sz="3600" i="0" u="none" strike="noStrike" cap="none" dirty="0" smtClean="0">
                 <a:solidFill>
                   <a:srgbClr val="00FFFF"/>
                 </a:solidFill>
@@ -13593,7 +13594,7 @@
               <a:t>[:]</a:t>
             </a:r>
             <a:r>
-              <a:rPr lang="en-US" sz="3600" b="1" i="0" u="none" strike="noStrike" cap="none" dirty="0" smtClean="0">
+              <a:rPr lang="en-US" sz="3600" i="0" u="none" strike="noStrike" cap="none" dirty="0" smtClean="0">
                 <a:solidFill>
                   <a:schemeClr val="bg1"/>
                 </a:solidFill>
@@ -13604,7 +13605,7 @@
               </a:rPr>
               <a:t>)</a:t>
             </a:r>
-            <a:endParaRPr lang="en-US" sz="3600" b="1" i="0" u="none" strike="noStrike" cap="none" dirty="0">
+            <a:endParaRPr lang="en-US" sz="3600" i="0" u="none" strike="noStrike" cap="none" dirty="0">
               <a:solidFill>
                 <a:schemeClr val="bg1"/>
               </a:solidFill>
@@ -13633,7 +13634,7 @@
               <a:buNone/>
             </a:pPr>
             <a:r>
-              <a:rPr lang="en-US" sz="3600" b="1" i="0" u="none" strike="noStrike" cap="none" dirty="0">
+              <a:rPr lang="en-US" sz="3600" i="0" u="none" strike="noStrike" cap="none" dirty="0">
                 <a:solidFill>
                   <a:schemeClr val="lt1"/>
                 </a:solidFill>
@@ -13737,11 +13738,12 @@
           </a:bodyPr>
           <a:lstStyle/>
           <a:p>
-            <a:pPr marL="749300" lvl="0" indent="-533400">
+            <a:pPr marL="215900" lvl="0" indent="0">
               <a:spcBef>
                 <a:spcPts val="0"/>
               </a:spcBef>
               <a:buSzPct val="171000"/>
+              <a:buNone/>
             </a:pPr>
             <a:r>
               <a:rPr lang="en-US" sz="3200" dirty="0">
@@ -15297,8 +15299,8 @@
         </p:nvSpPr>
         <p:spPr>
           <a:xfrm>
-            <a:off x="1155700" y="2603500"/>
-            <a:ext cx="6059488" cy="5702399"/>
+            <a:off x="1155700" y="2603501"/>
+            <a:ext cx="6059488" cy="4757778"/>
           </a:xfrm>
           <a:prstGeom prst="rect">
             <a:avLst/>
@@ -15314,7 +15316,7 @@
           </a:bodyPr>
           <a:lstStyle/>
           <a:p>
-            <a:pPr marL="749300" marR="0" lvl="0" indent="-533400" algn="l" rtl="0">
+            <a:pPr marL="215900" marR="0" lvl="0" indent="0" algn="l" rtl="0">
               <a:lnSpc>
                 <a:spcPct val="100000"/>
               </a:lnSpc>
@@ -15328,8 +15330,7 @@
                 <a:schemeClr val="lt1"/>
               </a:buClr>
               <a:buSzPct val="171000"/>
-              <a:buFont typeface="Cabin"/>
-              <a:buChar char="•"/>
+              <a:buNone/>
             </a:pPr>
             <a:r>
               <a:rPr lang="en-US" sz="3600" u="none" strike="noStrike" cap="none">
@@ -15449,7 +15450,7 @@
               <a:buNone/>
             </a:pPr>
             <a:r>
-              <a:rPr lang="en-US" sz="3600" b="1" i="0" u="none" strike="noStrike" cap="none" dirty="0">
+              <a:rPr lang="en-US" sz="3600" i="0" u="none" strike="noStrike" cap="none" dirty="0">
                 <a:solidFill>
                   <a:schemeClr val="lt1"/>
                 </a:solidFill>
@@ -15461,7 +15462,7 @@
               <a:t>&gt;&gt;&gt; </a:t>
             </a:r>
             <a:r>
-              <a:rPr lang="en-US" sz="3600" b="1" i="0" u="none" strike="noStrike" cap="none" dirty="0">
+              <a:rPr lang="en-US" sz="3600" i="0" u="none" strike="noStrike" cap="none" dirty="0">
                 <a:solidFill>
                   <a:srgbClr val="00FF00"/>
                 </a:solidFill>
@@ -15473,7 +15474,7 @@
               <a:t>a</a:t>
             </a:r>
             <a:r>
-              <a:rPr lang="en-US" sz="3600" b="1" i="0" u="none" strike="noStrike" cap="none" dirty="0">
+              <a:rPr lang="en-US" sz="3600" i="0" u="none" strike="noStrike" cap="none" dirty="0">
                 <a:solidFill>
                   <a:schemeClr val="lt1"/>
                 </a:solidFill>
@@ -15485,7 +15486,7 @@
               <a:t> = </a:t>
             </a:r>
             <a:r>
-              <a:rPr lang="en-US" sz="3600" b="1" i="0" u="none" strike="noStrike" cap="none" dirty="0">
+              <a:rPr lang="en-US" sz="3600" i="0" u="none" strike="noStrike" cap="none" dirty="0">
                 <a:solidFill>
                   <a:srgbClr val="FF7F00"/>
                 </a:solidFill>
@@ -15516,7 +15517,7 @@
               <a:buNone/>
             </a:pPr>
             <a:r>
-              <a:rPr lang="en-US" sz="3600" b="1" i="0" u="none" strike="noStrike" cap="none" dirty="0">
+              <a:rPr lang="en-US" sz="3600" i="0" u="none" strike="noStrike" cap="none" dirty="0">
                 <a:solidFill>
                   <a:schemeClr val="lt1"/>
                 </a:solidFill>
@@ -15528,7 +15529,7 @@
               <a:t>&gt;&gt;&gt; </a:t>
             </a:r>
             <a:r>
-              <a:rPr lang="en-US" sz="3600" b="1" i="0" u="none" strike="noStrike" cap="none" dirty="0">
+              <a:rPr lang="en-US" sz="3600" i="0" u="none" strike="noStrike" cap="none" dirty="0">
                 <a:solidFill>
                   <a:srgbClr val="00FF00"/>
                 </a:solidFill>
@@ -15540,7 +15541,7 @@
               <a:t>b</a:t>
             </a:r>
             <a:r>
-              <a:rPr lang="en-US" sz="3600" b="1" i="0" u="none" strike="noStrike" cap="none" dirty="0">
+              <a:rPr lang="en-US" sz="3600" i="0" u="none" strike="noStrike" cap="none" dirty="0">
                 <a:solidFill>
                   <a:schemeClr val="lt1"/>
                 </a:solidFill>
@@ -15552,7 +15553,7 @@
               <a:t> = </a:t>
             </a:r>
             <a:r>
-              <a:rPr lang="en-US" sz="3600" b="1" i="0" u="none" strike="noStrike" cap="none" dirty="0">
+              <a:rPr lang="en-US" sz="3600" i="0" u="none" strike="noStrike" cap="none" dirty="0">
                 <a:solidFill>
                   <a:srgbClr val="00FF00"/>
                 </a:solidFill>
@@ -15564,7 +15565,7 @@
               <a:t>a</a:t>
             </a:r>
             <a:r>
-              <a:rPr lang="en-US" sz="3600" b="1" i="0" u="none" strike="noStrike" cap="none" dirty="0">
+              <a:rPr lang="en-US" sz="3600" i="0" u="none" strike="noStrike" cap="none" dirty="0">
                 <a:solidFill>
                   <a:schemeClr val="lt1"/>
                 </a:solidFill>
@@ -15576,7 +15577,7 @@
               <a:t> </a:t>
             </a:r>
             <a:r>
-              <a:rPr lang="en-US" sz="3600" b="1" i="0" u="none" strike="noStrike" cap="none" dirty="0">
+              <a:rPr lang="en-US" sz="3600" i="0" u="none" strike="noStrike" cap="none" dirty="0">
                 <a:solidFill>
                   <a:srgbClr val="00FFFF"/>
                 </a:solidFill>
@@ -15588,7 +15589,7 @@
               <a:t>+</a:t>
             </a:r>
             <a:r>
-              <a:rPr lang="en-US" sz="3600" b="1" i="0" u="none" strike="noStrike" cap="none" dirty="0">
+              <a:rPr lang="en-US" sz="3600" i="0" u="none" strike="noStrike" cap="none" dirty="0">
                 <a:solidFill>
                   <a:schemeClr val="lt1"/>
                 </a:solidFill>
@@ -15600,7 +15601,7 @@
               <a:t> </a:t>
             </a:r>
             <a:r>
-              <a:rPr lang="en-US" sz="3600" b="1" i="0" u="none" strike="noStrike" cap="none" dirty="0">
+              <a:rPr lang="en-US" sz="3600" i="0" u="none" strike="noStrike" cap="none" dirty="0">
                 <a:solidFill>
                   <a:srgbClr val="FF7F00"/>
                 </a:solidFill>
@@ -15631,7 +15632,7 @@
               <a:buNone/>
             </a:pPr>
             <a:r>
-              <a:rPr lang="en-US" sz="3600" b="1" i="0" u="none" strike="noStrike" cap="none" dirty="0">
+              <a:rPr lang="en-US" sz="3600" i="0" u="none" strike="noStrike" cap="none" dirty="0">
                 <a:solidFill>
                   <a:schemeClr val="lt1"/>
                 </a:solidFill>
@@ -15643,7 +15644,7 @@
               <a:t>&gt;&gt;&gt; </a:t>
             </a:r>
             <a:r>
-              <a:rPr lang="en-US" sz="3600" b="1" i="0" u="none" strike="noStrike" cap="none" dirty="0" smtClean="0">
+              <a:rPr lang="en-US" sz="3600" i="0" u="none" strike="noStrike" cap="none" dirty="0" smtClean="0">
                 <a:solidFill>
                   <a:srgbClr val="FFFF00"/>
                 </a:solidFill>
@@ -15655,7 +15656,7 @@
               <a:t>print</a:t>
             </a:r>
             <a:r>
-              <a:rPr lang="en-US" sz="3600" b="1" dirty="0" smtClean="0">
+              <a:rPr lang="en-US" sz="3600" dirty="0" smtClean="0">
                 <a:solidFill>
                   <a:schemeClr val="lt1"/>
                 </a:solidFill>
@@ -15667,7 +15668,7 @@
               <a:t>(</a:t>
             </a:r>
             <a:r>
-              <a:rPr lang="en-US" sz="3600" b="1" i="0" u="none" strike="noStrike" cap="none" dirty="0" smtClean="0">
+              <a:rPr lang="en-US" sz="3600" i="0" u="none" strike="noStrike" cap="none" dirty="0" smtClean="0">
                 <a:solidFill>
                   <a:srgbClr val="00FF00"/>
                 </a:solidFill>
@@ -15679,7 +15680,7 @@
               <a:t>b</a:t>
             </a:r>
             <a:r>
-              <a:rPr lang="en-US" sz="3600" b="1" i="0" u="none" strike="noStrike" cap="none" dirty="0" smtClean="0">
+              <a:rPr lang="en-US" sz="3600" i="0" u="none" strike="noStrike" cap="none" dirty="0" smtClean="0">
                 <a:solidFill>
                   <a:schemeClr val="bg1"/>
                 </a:solidFill>
@@ -15690,7 +15691,7 @@
               </a:rPr>
               <a:t>)</a:t>
             </a:r>
-            <a:endParaRPr lang="en-US" sz="3600" b="1" i="0" u="none" strike="noStrike" cap="none" dirty="0">
+            <a:endParaRPr lang="en-US" sz="3600" i="0" u="none" strike="noStrike" cap="none" dirty="0">
               <a:solidFill>
                 <a:schemeClr val="bg1"/>
               </a:solidFill>
@@ -15719,7 +15720,7 @@
               <a:buNone/>
             </a:pPr>
             <a:r>
-              <a:rPr lang="en-US" sz="3600" b="1" i="0" u="none" strike="noStrike" cap="none" dirty="0" err="1">
+              <a:rPr lang="en-US" sz="3600" i="0" u="none" strike="noStrike" cap="none" dirty="0" err="1">
                 <a:solidFill>
                   <a:schemeClr val="lt1"/>
                 </a:solidFill>
@@ -15730,7 +15731,7 @@
               </a:rPr>
               <a:t>HelloThere</a:t>
             </a:r>
-            <a:endParaRPr lang="en-US" sz="3600" b="1" i="0" u="none" strike="noStrike" cap="none" dirty="0">
+            <a:endParaRPr lang="en-US" sz="3600" i="0" u="none" strike="noStrike" cap="none" dirty="0">
               <a:solidFill>
                 <a:schemeClr val="lt1"/>
               </a:solidFill>
@@ -15759,7 +15760,7 @@
               <a:buNone/>
             </a:pPr>
             <a:r>
-              <a:rPr lang="en-US" sz="3600" b="1" i="0" u="none" strike="noStrike" cap="none" dirty="0">
+              <a:rPr lang="en-US" sz="3600" i="0" u="none" strike="noStrike" cap="none" dirty="0">
                 <a:solidFill>
                   <a:schemeClr val="lt1"/>
                 </a:solidFill>
@@ -15771,7 +15772,7 @@
               <a:t>&gt;&gt;&gt; </a:t>
             </a:r>
             <a:r>
-              <a:rPr lang="en-US" sz="3600" b="1" i="0" u="none" strike="noStrike" cap="none" dirty="0">
+              <a:rPr lang="en-US" sz="3600" i="0" u="none" strike="noStrike" cap="none" dirty="0">
                 <a:solidFill>
                   <a:srgbClr val="00FF00"/>
                 </a:solidFill>
@@ -15783,7 +15784,7 @@
               <a:t>c</a:t>
             </a:r>
             <a:r>
-              <a:rPr lang="en-US" sz="3600" b="1" i="0" u="none" strike="noStrike" cap="none" dirty="0">
+              <a:rPr lang="en-US" sz="3600" i="0" u="none" strike="noStrike" cap="none" dirty="0">
                 <a:solidFill>
                   <a:schemeClr val="lt1"/>
                 </a:solidFill>
@@ -15795,7 +15796,7 @@
               <a:t> = </a:t>
             </a:r>
             <a:r>
-              <a:rPr lang="en-US" sz="3600" b="1" i="0" u="none" strike="noStrike" cap="none" dirty="0">
+              <a:rPr lang="en-US" sz="3600" i="0" u="none" strike="noStrike" cap="none" dirty="0">
                 <a:solidFill>
                   <a:srgbClr val="00FF00"/>
                 </a:solidFill>
@@ -15807,7 +15808,7 @@
               <a:t>a</a:t>
             </a:r>
             <a:r>
-              <a:rPr lang="en-US" sz="3600" b="1" i="0" u="none" strike="noStrike" cap="none" dirty="0">
+              <a:rPr lang="en-US" sz="3600" i="0" u="none" strike="noStrike" cap="none" dirty="0">
                 <a:solidFill>
                   <a:schemeClr val="lt1"/>
                 </a:solidFill>
@@ -15819,7 +15820,7 @@
               <a:t> </a:t>
             </a:r>
             <a:r>
-              <a:rPr lang="en-US" sz="3600" b="1" i="0" u="none" strike="noStrike" cap="none" dirty="0">
+              <a:rPr lang="en-US" sz="3600" i="0" u="none" strike="noStrike" cap="none" dirty="0">
                 <a:solidFill>
                   <a:srgbClr val="00FFFF"/>
                 </a:solidFill>
@@ -15831,7 +15832,7 @@
               <a:t>+</a:t>
             </a:r>
             <a:r>
-              <a:rPr lang="en-US" sz="3600" b="1" i="0" u="none" strike="noStrike" cap="none" dirty="0">
+              <a:rPr lang="en-US" sz="3600" i="0" u="none" strike="noStrike" cap="none" dirty="0">
                 <a:solidFill>
                   <a:schemeClr val="lt1"/>
                 </a:solidFill>
@@ -15843,7 +15844,7 @@
               <a:t> </a:t>
             </a:r>
             <a:r>
-              <a:rPr lang="en-US" sz="3600" b="1" i="0" u="none" strike="noStrike" cap="none" dirty="0">
+              <a:rPr lang="en-US" sz="3600" i="0" u="none" strike="noStrike" cap="none" dirty="0">
                 <a:solidFill>
                   <a:srgbClr val="FF7F00"/>
                 </a:solidFill>
@@ -15855,7 +15856,7 @@
               <a:t>'</a:t>
             </a:r>
             <a:r>
-              <a:rPr lang="en-US" sz="3600" b="1" dirty="0">
+              <a:rPr lang="en-US" sz="3600" dirty="0">
                 <a:solidFill>
                   <a:srgbClr val="FF7F00"/>
                 </a:solidFill>
@@ -15867,7 +15868,7 @@
               <a:t> </a:t>
             </a:r>
             <a:r>
-              <a:rPr lang="en-US" sz="3600" b="1" i="0" u="none" strike="noStrike" cap="none" dirty="0">
+              <a:rPr lang="en-US" sz="3600" i="0" u="none" strike="noStrike" cap="none" dirty="0">
                 <a:solidFill>
                   <a:srgbClr val="FF7F00"/>
                 </a:solidFill>
@@ -15879,7 +15880,7 @@
               <a:t>'</a:t>
             </a:r>
             <a:r>
-              <a:rPr lang="en-US" sz="3600" b="1" i="0" u="none" strike="noStrike" cap="none" dirty="0">
+              <a:rPr lang="en-US" sz="3600" i="0" u="none" strike="noStrike" cap="none" dirty="0">
                 <a:solidFill>
                   <a:schemeClr val="lt1"/>
                 </a:solidFill>
@@ -15891,7 +15892,7 @@
               <a:t> </a:t>
             </a:r>
             <a:r>
-              <a:rPr lang="en-US" sz="3600" b="1" i="0" u="none" strike="noStrike" cap="none" dirty="0">
+              <a:rPr lang="en-US" sz="3600" i="0" u="none" strike="noStrike" cap="none" dirty="0">
                 <a:solidFill>
                   <a:srgbClr val="00FFFF"/>
                 </a:solidFill>
@@ -15903,7 +15904,7 @@
               <a:t>+ </a:t>
             </a:r>
             <a:r>
-              <a:rPr lang="en-US" sz="3600" b="1" i="0" u="none" strike="noStrike" cap="none" dirty="0">
+              <a:rPr lang="en-US" sz="3600" i="0" u="none" strike="noStrike" cap="none" dirty="0">
                 <a:solidFill>
                   <a:srgbClr val="FF7F00"/>
                 </a:solidFill>
@@ -15934,7 +15935,7 @@
               <a:buNone/>
             </a:pPr>
             <a:r>
-              <a:rPr lang="en-US" sz="3600" b="1" i="0" u="none" strike="noStrike" cap="none" dirty="0">
+              <a:rPr lang="en-US" sz="3600" i="0" u="none" strike="noStrike" cap="none" dirty="0">
                 <a:solidFill>
                   <a:schemeClr val="lt1"/>
                 </a:solidFill>
@@ -15946,7 +15947,7 @@
               <a:t>&gt;&gt;&gt; </a:t>
             </a:r>
             <a:r>
-              <a:rPr lang="en-US" sz="3600" b="1" i="0" u="none" strike="noStrike" cap="none" dirty="0" smtClean="0">
+              <a:rPr lang="en-US" sz="3600" i="0" u="none" strike="noStrike" cap="none" dirty="0" smtClean="0">
                 <a:solidFill>
                   <a:srgbClr val="FFFF00"/>
                 </a:solidFill>
@@ -15958,7 +15959,7 @@
               <a:t>print</a:t>
             </a:r>
             <a:r>
-              <a:rPr lang="en-US" sz="3600" b="1" dirty="0" smtClean="0">
+              <a:rPr lang="en-US" sz="3600" dirty="0" smtClean="0">
                 <a:solidFill>
                   <a:schemeClr val="lt1"/>
                 </a:solidFill>
@@ -15970,7 +15971,7 @@
               <a:t>(</a:t>
             </a:r>
             <a:r>
-              <a:rPr lang="en-US" sz="3600" b="1" i="0" u="none" strike="noStrike" cap="none" dirty="0" smtClean="0">
+              <a:rPr lang="en-US" sz="3600" i="0" u="none" strike="noStrike" cap="none" dirty="0" smtClean="0">
                 <a:solidFill>
                   <a:srgbClr val="00FF00"/>
                 </a:solidFill>
@@ -15982,7 +15983,7 @@
               <a:t>c</a:t>
             </a:r>
             <a:r>
-              <a:rPr lang="en-US" sz="3600" b="1" i="0" u="none" strike="noStrike" cap="none" dirty="0" smtClean="0">
+              <a:rPr lang="en-US" sz="3600" i="0" u="none" strike="noStrike" cap="none" dirty="0" smtClean="0">
                 <a:solidFill>
                   <a:schemeClr val="bg1"/>
                 </a:solidFill>
@@ -15993,7 +15994,7 @@
               </a:rPr>
               <a:t>)</a:t>
             </a:r>
-            <a:endParaRPr lang="en-US" sz="3600" b="1" i="0" u="none" strike="noStrike" cap="none" dirty="0">
+            <a:endParaRPr lang="en-US" sz="3600" i="0" u="none" strike="noStrike" cap="none" dirty="0">
               <a:solidFill>
                 <a:schemeClr val="bg1"/>
               </a:solidFill>
@@ -16022,7 +16023,7 @@
               <a:buNone/>
             </a:pPr>
             <a:r>
-              <a:rPr lang="en-US" sz="3600" b="1" i="0" u="none" strike="noStrike" cap="none" dirty="0">
+              <a:rPr lang="en-US" sz="3600" i="0" u="none" strike="noStrike" cap="none" dirty="0">
                 <a:solidFill>
                   <a:schemeClr val="lt1"/>
                 </a:solidFill>
@@ -16053,7 +16054,7 @@
               <a:buNone/>
             </a:pPr>
             <a:r>
-              <a:rPr lang="en-US" sz="3600" b="1" i="0" u="none" strike="noStrike" cap="none" dirty="0">
+              <a:rPr lang="en-US" sz="3600" i="0" u="none" strike="noStrike" cap="none" dirty="0">
                 <a:solidFill>
                   <a:schemeClr val="lt1"/>
                 </a:solidFill>
@@ -16524,7 +16525,7 @@
               <a:buNone/>
             </a:pPr>
             <a:r>
-              <a:rPr lang="en-US" sz="3000" b="1" i="0" u="none" strike="noStrike" cap="none" dirty="0">
+              <a:rPr lang="en-US" sz="3000" i="0" u="none" strike="noStrike" cap="none" dirty="0">
                 <a:solidFill>
                   <a:schemeClr val="lt1"/>
                 </a:solidFill>
@@ -16536,7 +16537,7 @@
               <a:t>&gt;&gt;&gt; </a:t>
             </a:r>
             <a:r>
-              <a:rPr lang="en-US" sz="3000" b="1" i="0" u="none" strike="noStrike" cap="none" dirty="0">
+              <a:rPr lang="en-US" sz="3000" i="0" u="none" strike="noStrike" cap="none" dirty="0">
                 <a:solidFill>
                   <a:srgbClr val="00FF00"/>
                 </a:solidFill>
@@ -16548,7 +16549,7 @@
               <a:t>fruit</a:t>
             </a:r>
             <a:r>
-              <a:rPr lang="en-US" sz="3000" b="1" i="0" u="none" strike="noStrike" cap="none" dirty="0">
+              <a:rPr lang="en-US" sz="3000" i="0" u="none" strike="noStrike" cap="none" dirty="0">
                 <a:solidFill>
                   <a:schemeClr val="lt1"/>
                 </a:solidFill>
@@ -16560,7 +16561,7 @@
               <a:t> = </a:t>
             </a:r>
             <a:r>
-              <a:rPr lang="en-US" sz="3000" b="1" i="0" u="none" strike="noStrike" cap="none" dirty="0">
+              <a:rPr lang="en-US" sz="3000" i="0" u="none" strike="noStrike" cap="none" dirty="0">
                 <a:solidFill>
                   <a:srgbClr val="FF7F00"/>
                 </a:solidFill>
@@ -16572,7 +16573,7 @@
               <a:t>'banana</a:t>
             </a:r>
             <a:r>
-              <a:rPr lang="en-US" sz="3000" b="1" dirty="0">
+              <a:rPr lang="en-US" sz="3000" dirty="0">
                 <a:solidFill>
                   <a:srgbClr val="FF7F00"/>
                 </a:solidFill>
@@ -16603,7 +16604,7 @@
               <a:buNone/>
             </a:pPr>
             <a:r>
-              <a:rPr lang="en-US" sz="3000" b="1" i="0" u="none" strike="noStrike" cap="none" dirty="0">
+              <a:rPr lang="en-US" sz="3000" i="0" u="none" strike="noStrike" cap="none" dirty="0">
                 <a:solidFill>
                   <a:schemeClr val="lt1"/>
                 </a:solidFill>
@@ -16615,7 +16616,7 @@
               <a:t>&gt;&gt;&gt; </a:t>
             </a:r>
             <a:r>
-              <a:rPr lang="en-US" sz="3000" b="1" i="0" u="none" strike="noStrike" cap="none" dirty="0">
+              <a:rPr lang="en-US" sz="3000" i="0" u="none" strike="noStrike" cap="none" dirty="0">
                 <a:solidFill>
                   <a:srgbClr val="FF7F00"/>
                 </a:solidFill>
@@ -16627,7 +16628,7 @@
               <a:t>'n'</a:t>
             </a:r>
             <a:r>
-              <a:rPr lang="en-US" sz="3000" b="1" i="0" u="none" strike="noStrike" cap="none" dirty="0">
+              <a:rPr lang="en-US" sz="3000" i="0" u="none" strike="noStrike" cap="none" dirty="0">
                 <a:solidFill>
                   <a:schemeClr val="lt1"/>
                 </a:solidFill>
@@ -16639,7 +16640,7 @@
               <a:t> </a:t>
             </a:r>
             <a:r>
-              <a:rPr lang="en-US" sz="3000" b="1" i="0" u="none" strike="noStrike" cap="none" dirty="0">
+              <a:rPr lang="en-US" sz="3000" i="0" u="none" strike="noStrike" cap="none" dirty="0">
                 <a:solidFill>
                   <a:srgbClr val="FFFF00"/>
                 </a:solidFill>
@@ -16651,7 +16652,7 @@
               <a:t>in</a:t>
             </a:r>
             <a:r>
-              <a:rPr lang="en-US" sz="3000" b="1" i="0" u="none" strike="noStrike" cap="none" dirty="0">
+              <a:rPr lang="en-US" sz="3000" i="0" u="none" strike="noStrike" cap="none" dirty="0">
                 <a:solidFill>
                   <a:schemeClr val="lt1"/>
                 </a:solidFill>
@@ -16663,7 +16664,7 @@
               <a:t> </a:t>
             </a:r>
             <a:r>
-              <a:rPr lang="en-US" sz="3000" b="1" i="0" u="none" strike="noStrike" cap="none" dirty="0">
+              <a:rPr lang="en-US" sz="3000" i="0" u="none" strike="noStrike" cap="none" dirty="0">
                 <a:solidFill>
                   <a:srgbClr val="00FF00"/>
                 </a:solidFill>
@@ -16694,7 +16695,7 @@
               <a:buNone/>
             </a:pPr>
             <a:r>
-              <a:rPr lang="en-US" sz="3000" b="1" i="0" u="none" strike="noStrike" cap="none" dirty="0">
+              <a:rPr lang="en-US" sz="3000" i="0" u="none" strike="noStrike" cap="none" dirty="0">
                 <a:solidFill>
                   <a:schemeClr val="lt1"/>
                 </a:solidFill>
@@ -16725,7 +16726,7 @@
               <a:buNone/>
             </a:pPr>
             <a:r>
-              <a:rPr lang="en-US" sz="3000" b="1" i="0" u="none" strike="noStrike" cap="none" dirty="0">
+              <a:rPr lang="en-US" sz="3000" i="0" u="none" strike="noStrike" cap="none" dirty="0">
                 <a:solidFill>
                   <a:schemeClr val="lt1"/>
                 </a:solidFill>
@@ -16737,7 +16738,7 @@
               <a:t>&gt;&gt;&gt; </a:t>
             </a:r>
             <a:r>
-              <a:rPr lang="en-US" sz="3000" b="1" i="0" u="none" strike="noStrike" cap="none" dirty="0">
+              <a:rPr lang="en-US" sz="3000" i="0" u="none" strike="noStrike" cap="none" dirty="0">
                 <a:solidFill>
                   <a:srgbClr val="FF7F00"/>
                 </a:solidFill>
@@ -16749,7 +16750,7 @@
               <a:t>'m'</a:t>
             </a:r>
             <a:r>
-              <a:rPr lang="en-US" sz="3000" b="1" i="0" u="none" strike="noStrike" cap="none" dirty="0">
+              <a:rPr lang="en-US" sz="3000" i="0" u="none" strike="noStrike" cap="none" dirty="0">
                 <a:solidFill>
                   <a:schemeClr val="lt1"/>
                 </a:solidFill>
@@ -16761,7 +16762,7 @@
               <a:t> </a:t>
             </a:r>
             <a:r>
-              <a:rPr lang="en-US" sz="3000" b="1" i="0" u="none" strike="noStrike" cap="none" dirty="0">
+              <a:rPr lang="en-US" sz="3000" i="0" u="none" strike="noStrike" cap="none" dirty="0">
                 <a:solidFill>
                   <a:srgbClr val="FFFF00"/>
                 </a:solidFill>
@@ -16773,7 +16774,7 @@
               <a:t>in</a:t>
             </a:r>
             <a:r>
-              <a:rPr lang="en-US" sz="3000" b="1" i="0" u="none" strike="noStrike" cap="none" dirty="0">
+              <a:rPr lang="en-US" sz="3000" i="0" u="none" strike="noStrike" cap="none" dirty="0">
                 <a:solidFill>
                   <a:schemeClr val="lt1"/>
                 </a:solidFill>
@@ -16785,7 +16786,7 @@
               <a:t> </a:t>
             </a:r>
             <a:r>
-              <a:rPr lang="en-US" sz="3000" b="1" i="0" u="none" strike="noStrike" cap="none" dirty="0">
+              <a:rPr lang="en-US" sz="3000" i="0" u="none" strike="noStrike" cap="none" dirty="0">
                 <a:solidFill>
                   <a:srgbClr val="00FF00"/>
                 </a:solidFill>
@@ -16816,7 +16817,7 @@
               <a:buNone/>
             </a:pPr>
             <a:r>
-              <a:rPr lang="en-US" sz="3000" b="1" i="0" u="none" strike="noStrike" cap="none" dirty="0">
+              <a:rPr lang="en-US" sz="3000" i="0" u="none" strike="noStrike" cap="none" dirty="0">
                 <a:solidFill>
                   <a:schemeClr val="lt1"/>
                 </a:solidFill>
@@ -16847,7 +16848,7 @@
               <a:buNone/>
             </a:pPr>
             <a:r>
-              <a:rPr lang="en-US" sz="3000" b="1" i="0" u="none" strike="noStrike" cap="none" dirty="0">
+              <a:rPr lang="en-US" sz="3000" i="0" u="none" strike="noStrike" cap="none" dirty="0">
                 <a:solidFill>
                   <a:schemeClr val="lt1"/>
                 </a:solidFill>
@@ -16859,7 +16860,7 @@
               <a:t>&gt;&gt;&gt; </a:t>
             </a:r>
             <a:r>
-              <a:rPr lang="en-US" sz="3000" b="1" i="0" u="none" strike="noStrike" cap="none" dirty="0">
+              <a:rPr lang="en-US" sz="3000" i="0" u="none" strike="noStrike" cap="none" dirty="0">
                 <a:solidFill>
                   <a:srgbClr val="FF7F00"/>
                 </a:solidFill>
@@ -16871,7 +16872,7 @@
               <a:t>'nan'</a:t>
             </a:r>
             <a:r>
-              <a:rPr lang="en-US" sz="3000" b="1" i="0" u="none" strike="noStrike" cap="none" dirty="0">
+              <a:rPr lang="en-US" sz="3000" i="0" u="none" strike="noStrike" cap="none" dirty="0">
                 <a:solidFill>
                   <a:schemeClr val="lt1"/>
                 </a:solidFill>
@@ -16883,7 +16884,7 @@
               <a:t> </a:t>
             </a:r>
             <a:r>
-              <a:rPr lang="en-US" sz="3000" b="1" i="0" u="none" strike="noStrike" cap="none" dirty="0">
+              <a:rPr lang="en-US" sz="3000" i="0" u="none" strike="noStrike" cap="none" dirty="0">
                 <a:solidFill>
                   <a:srgbClr val="FFFF00"/>
                 </a:solidFill>
@@ -16895,7 +16896,7 @@
               <a:t>in </a:t>
             </a:r>
             <a:r>
-              <a:rPr lang="en-US" sz="3000" b="1" i="0" u="none" strike="noStrike" cap="none" dirty="0">
+              <a:rPr lang="en-US" sz="3000" i="0" u="none" strike="noStrike" cap="none" dirty="0">
                 <a:solidFill>
                   <a:srgbClr val="00FF00"/>
                 </a:solidFill>
@@ -16926,7 +16927,7 @@
               <a:buNone/>
             </a:pPr>
             <a:r>
-              <a:rPr lang="en-US" sz="3000" b="1" i="0" u="none" strike="noStrike" cap="none" dirty="0">
+              <a:rPr lang="en-US" sz="3000" i="0" u="none" strike="noStrike" cap="none" dirty="0">
                 <a:solidFill>
                   <a:schemeClr val="lt1"/>
                 </a:solidFill>
@@ -16957,7 +16958,7 @@
               <a:buNone/>
             </a:pPr>
             <a:r>
-              <a:rPr lang="en-US" sz="3000" b="1" i="0" u="none" strike="noStrike" cap="none" dirty="0">
+              <a:rPr lang="en-US" sz="3000" i="0" u="none" strike="noStrike" cap="none" dirty="0">
                 <a:solidFill>
                   <a:schemeClr val="lt1"/>
                 </a:solidFill>
@@ -16969,7 +16970,7 @@
               <a:t>&gt;&gt;&gt; </a:t>
             </a:r>
             <a:r>
-              <a:rPr lang="en-US" sz="3000" b="1" i="0" u="none" strike="noStrike" cap="none" dirty="0">
+              <a:rPr lang="en-US" sz="3000" i="0" u="none" strike="noStrike" cap="none" dirty="0">
                 <a:solidFill>
                   <a:srgbClr val="FFFF00"/>
                 </a:solidFill>
@@ -16981,7 +16982,7 @@
               <a:t>if</a:t>
             </a:r>
             <a:r>
-              <a:rPr lang="en-US" sz="3000" b="1" i="0" u="none" strike="noStrike" cap="none" dirty="0">
+              <a:rPr lang="en-US" sz="3000" i="0" u="none" strike="noStrike" cap="none" dirty="0">
                 <a:solidFill>
                   <a:schemeClr val="lt1"/>
                 </a:solidFill>
@@ -16993,7 +16994,7 @@
               <a:t> </a:t>
             </a:r>
             <a:r>
-              <a:rPr lang="en-US" sz="3000" b="1" i="0" u="none" strike="noStrike" cap="none" dirty="0">
+              <a:rPr lang="en-US" sz="3000" i="0" u="none" strike="noStrike" cap="none" dirty="0">
                 <a:solidFill>
                   <a:srgbClr val="FF7F00"/>
                 </a:solidFill>
@@ -17005,7 +17006,7 @@
               <a:t>'a'</a:t>
             </a:r>
             <a:r>
-              <a:rPr lang="en-US" sz="3000" b="1" i="0" u="none" strike="noStrike" cap="none" dirty="0">
+              <a:rPr lang="en-US" sz="3000" i="0" u="none" strike="noStrike" cap="none" dirty="0">
                 <a:solidFill>
                   <a:schemeClr val="lt1"/>
                 </a:solidFill>
@@ -17017,7 +17018,7 @@
               <a:t> </a:t>
             </a:r>
             <a:r>
-              <a:rPr lang="en-US" sz="3000" b="1" i="0" u="none" strike="noStrike" cap="none" dirty="0">
+              <a:rPr lang="en-US" sz="3000" i="0" u="none" strike="noStrike" cap="none" dirty="0">
                 <a:solidFill>
                   <a:srgbClr val="FFFF00"/>
                 </a:solidFill>
@@ -17029,7 +17030,7 @@
               <a:t>in</a:t>
             </a:r>
             <a:r>
-              <a:rPr lang="en-US" sz="3000" b="1" i="0" u="none" strike="noStrike" cap="none" dirty="0">
+              <a:rPr lang="en-US" sz="3000" i="0" u="none" strike="noStrike" cap="none" dirty="0">
                 <a:solidFill>
                   <a:schemeClr val="lt1"/>
                 </a:solidFill>
@@ -17041,7 +17042,7 @@
               <a:t> </a:t>
             </a:r>
             <a:r>
-              <a:rPr lang="en-US" sz="3000" b="1" i="0" u="none" strike="noStrike" cap="none" dirty="0">
+              <a:rPr lang="en-US" sz="3000" i="0" u="none" strike="noStrike" cap="none" dirty="0">
                 <a:solidFill>
                   <a:srgbClr val="00FF00"/>
                 </a:solidFill>
@@ -17053,7 +17054,7 @@
               <a:t>fruit</a:t>
             </a:r>
             <a:r>
-              <a:rPr lang="en-US" sz="3000" b="1" i="0" u="none" strike="noStrike" cap="none" dirty="0">
+              <a:rPr lang="en-US" sz="3000" i="0" u="none" strike="noStrike" cap="none" dirty="0">
                 <a:solidFill>
                   <a:schemeClr val="lt1"/>
                 </a:solidFill>
@@ -17084,7 +17085,7 @@
               <a:buNone/>
             </a:pPr>
             <a:r>
-              <a:rPr lang="en-US" sz="3000" b="1" i="0" u="none" strike="noStrike" cap="none" dirty="0">
+              <a:rPr lang="en-US" sz="3000" i="0" u="none" strike="noStrike" cap="none" dirty="0">
                 <a:solidFill>
                   <a:schemeClr val="lt1"/>
                 </a:solidFill>
@@ -17096,7 +17097,7 @@
               <a:t>...     </a:t>
             </a:r>
             <a:r>
-              <a:rPr lang="en-US" sz="3000" b="1" i="0" u="none" strike="noStrike" cap="none" dirty="0" smtClean="0">
+              <a:rPr lang="en-US" sz="3000" i="0" u="none" strike="noStrike" cap="none" dirty="0" smtClean="0">
                 <a:solidFill>
                   <a:srgbClr val="FFFF00"/>
                 </a:solidFill>
@@ -17108,7 +17109,7 @@
               <a:t>print</a:t>
             </a:r>
             <a:r>
-              <a:rPr lang="en-US" sz="3000" b="1" dirty="0">
+              <a:rPr lang="en-US" sz="3000" dirty="0">
                 <a:solidFill>
                   <a:schemeClr val="lt1"/>
                 </a:solidFill>
@@ -17120,7 +17121,7 @@
               <a:t>(</a:t>
             </a:r>
             <a:r>
-              <a:rPr lang="en-US" sz="3000" b="1" i="0" u="none" strike="noStrike" cap="none" dirty="0" smtClean="0">
+              <a:rPr lang="en-US" sz="3000" i="0" u="none" strike="noStrike" cap="none" dirty="0" smtClean="0">
                 <a:solidFill>
                   <a:srgbClr val="FF7F00"/>
                 </a:solidFill>
@@ -17132,7 +17133,7 @@
               <a:t>'Found </a:t>
             </a:r>
             <a:r>
-              <a:rPr lang="en-US" sz="3000" b="1" i="0" u="none" strike="noStrike" cap="none" dirty="0">
+              <a:rPr lang="en-US" sz="3000" i="0" u="none" strike="noStrike" cap="none" dirty="0">
                 <a:solidFill>
                   <a:srgbClr val="FF7F00"/>
                 </a:solidFill>
@@ -17144,7 +17145,7 @@
               <a:t>it</a:t>
             </a:r>
             <a:r>
-              <a:rPr lang="en-US" sz="3000" b="1" i="0" u="none" strike="noStrike" cap="none" dirty="0" smtClean="0">
+              <a:rPr lang="en-US" sz="3000" i="0" u="none" strike="noStrike" cap="none" dirty="0" smtClean="0">
                 <a:solidFill>
                   <a:srgbClr val="FF7F00"/>
                 </a:solidFill>
@@ -17156,7 +17157,7 @@
               <a:t>!</a:t>
             </a:r>
             <a:r>
-              <a:rPr lang="en-US" sz="3000" b="1" dirty="0" smtClean="0">
+              <a:rPr lang="en-US" sz="3000" dirty="0" smtClean="0">
                 <a:solidFill>
                   <a:srgbClr val="FF7F00"/>
                 </a:solidFill>
@@ -17168,7 +17169,7 @@
               <a:t>'</a:t>
             </a:r>
             <a:r>
-              <a:rPr lang="en-US" sz="3000" b="1" dirty="0" smtClean="0">
+              <a:rPr lang="en-US" sz="3000" dirty="0" smtClean="0">
                 <a:solidFill>
                   <a:schemeClr val="bg1"/>
                 </a:solidFill>
@@ -17179,7 +17180,7 @@
               </a:rPr>
               <a:t>)</a:t>
             </a:r>
-            <a:endParaRPr lang="en-US" sz="3000" b="1" dirty="0">
+            <a:endParaRPr lang="en-US" sz="3000" dirty="0">
               <a:solidFill>
                 <a:schemeClr val="bg1"/>
               </a:solidFill>
@@ -17208,7 +17209,7 @@
               <a:buNone/>
             </a:pPr>
             <a:r>
-              <a:rPr lang="en-US" sz="3000" b="1" i="0" u="none" strike="noStrike" cap="none" dirty="0">
+              <a:rPr lang="en-US" sz="3000" i="0" u="none" strike="noStrike" cap="none" dirty="0">
                 <a:solidFill>
                   <a:schemeClr val="lt1"/>
                 </a:solidFill>
@@ -17239,7 +17240,7 @@
               <a:buNone/>
             </a:pPr>
             <a:r>
-              <a:rPr lang="en-US" sz="3000" b="1" i="0" u="none" strike="noStrike" cap="none" dirty="0">
+              <a:rPr lang="en-US" sz="3000" i="0" u="none" strike="noStrike" cap="none" dirty="0">
                 <a:solidFill>
                   <a:schemeClr val="lt1"/>
                 </a:solidFill>
@@ -17270,7 +17271,7 @@
               <a:buNone/>
             </a:pPr>
             <a:r>
-              <a:rPr lang="en-US" sz="3000" b="1" i="0" u="none" strike="noStrike" cap="none" dirty="0">
+              <a:rPr lang="en-US" sz="3000" i="0" u="none" strike="noStrike" cap="none" dirty="0">
                 <a:solidFill>
                   <a:schemeClr val="lt1"/>
                 </a:solidFill>
@@ -17409,7 +17410,7 @@
               <a:buNone/>
             </a:pPr>
             <a:r>
-              <a:rPr lang="en-US" sz="3400" b="1" i="0" u="none" strike="noStrike" cap="none" dirty="0">
+              <a:rPr lang="en-US" sz="3400" i="0" u="none" strike="noStrike" cap="none" dirty="0">
                 <a:solidFill>
                   <a:srgbClr val="FFFF00"/>
                 </a:solidFill>
@@ -17421,7 +17422,7 @@
               <a:t>if</a:t>
             </a:r>
             <a:r>
-              <a:rPr lang="en-US" sz="3400" b="1" i="0" u="none" strike="noStrike" cap="none" dirty="0">
+              <a:rPr lang="en-US" sz="3400" i="0" u="none" strike="noStrike" cap="none" dirty="0">
                 <a:solidFill>
                   <a:schemeClr val="lt1"/>
                 </a:solidFill>
@@ -17433,7 +17434,7 @@
               <a:t> </a:t>
             </a:r>
             <a:r>
-              <a:rPr lang="en-US" sz="3400" b="1" i="0" u="none" strike="noStrike" cap="none" dirty="0">
+              <a:rPr lang="en-US" sz="3400" i="0" u="none" strike="noStrike" cap="none" dirty="0">
                 <a:solidFill>
                   <a:srgbClr val="00FF00"/>
                 </a:solidFill>
@@ -17445,7 +17446,7 @@
               <a:t>word</a:t>
             </a:r>
             <a:r>
-              <a:rPr lang="en-US" sz="3400" b="1" i="0" u="none" strike="noStrike" cap="none" dirty="0">
+              <a:rPr lang="en-US" sz="3400" i="0" u="none" strike="noStrike" cap="none" dirty="0">
                 <a:solidFill>
                   <a:schemeClr val="lt1"/>
                 </a:solidFill>
@@ -17457,7 +17458,7 @@
               <a:t> </a:t>
             </a:r>
             <a:r>
-              <a:rPr lang="en-US" sz="3400" b="1" i="0" u="none" strike="noStrike" cap="none" dirty="0">
+              <a:rPr lang="en-US" sz="3400" i="0" u="none" strike="noStrike" cap="none" dirty="0">
                 <a:solidFill>
                   <a:srgbClr val="00FFFF"/>
                 </a:solidFill>
@@ -17469,7 +17470,7 @@
               <a:t>==</a:t>
             </a:r>
             <a:r>
-              <a:rPr lang="en-US" sz="3400" b="1" i="0" u="none" strike="noStrike" cap="none" dirty="0">
+              <a:rPr lang="en-US" sz="3400" i="0" u="none" strike="noStrike" cap="none" dirty="0">
                 <a:solidFill>
                   <a:schemeClr val="lt1"/>
                 </a:solidFill>
@@ -17481,7 +17482,7 @@
               <a:t> </a:t>
             </a:r>
             <a:r>
-              <a:rPr lang="en-US" sz="3400" b="1" i="0" u="none" strike="noStrike" cap="none" dirty="0">
+              <a:rPr lang="en-US" sz="3400" i="0" u="none" strike="noStrike" cap="none" dirty="0">
                 <a:solidFill>
                   <a:srgbClr val="FF7F00"/>
                 </a:solidFill>
@@ -17493,7 +17494,7 @@
               <a:t>'banana'</a:t>
             </a:r>
             <a:r>
-              <a:rPr lang="en-US" sz="3400" b="1" i="0" u="none" strike="noStrike" cap="none" dirty="0">
+              <a:rPr lang="en-US" sz="3400" i="0" u="none" strike="noStrike" cap="none" dirty="0">
                 <a:solidFill>
                   <a:schemeClr val="lt1"/>
                 </a:solidFill>
@@ -17524,7 +17525,7 @@
               <a:buNone/>
             </a:pPr>
             <a:r>
-              <a:rPr lang="en-US" sz="3400" b="1" i="0" u="none" strike="noStrike" cap="none" dirty="0">
+              <a:rPr lang="en-US" sz="3400" i="0" u="none" strike="noStrike" cap="none" dirty="0">
                 <a:solidFill>
                   <a:schemeClr val="lt1"/>
                 </a:solidFill>
@@ -17536,7 +17537,7 @@
               <a:t>    </a:t>
             </a:r>
             <a:r>
-              <a:rPr lang="en-US" sz="3400" b="1" i="0" u="none" strike="noStrike" cap="none" dirty="0" smtClean="0">
+              <a:rPr lang="en-US" sz="3400" i="0" u="none" strike="noStrike" cap="none" dirty="0" smtClean="0">
                 <a:solidFill>
                   <a:srgbClr val="FFFF00"/>
                 </a:solidFill>
@@ -17548,7 +17549,7 @@
               <a:t>print</a:t>
             </a:r>
             <a:r>
-              <a:rPr lang="en-US" sz="3400" b="1" dirty="0">
+              <a:rPr lang="en-US" sz="3400" dirty="0">
                 <a:solidFill>
                   <a:schemeClr val="lt1"/>
                 </a:solidFill>
@@ -17560,7 +17561,7 @@
               <a:t>(</a:t>
             </a:r>
             <a:r>
-              <a:rPr lang="en-US" sz="3400" b="1" i="0" u="none" strike="noStrike" cap="none" dirty="0" smtClean="0">
+              <a:rPr lang="en-US" sz="3400" i="0" u="none" strike="noStrike" cap="none" dirty="0" smtClean="0">
                 <a:solidFill>
                   <a:srgbClr val="FF7F00"/>
                 </a:solidFill>
@@ -17572,7 +17573,7 @@
               <a:t>'All </a:t>
             </a:r>
             <a:r>
-              <a:rPr lang="en-US" sz="3400" b="1" i="0" u="none" strike="noStrike" cap="none" dirty="0">
+              <a:rPr lang="en-US" sz="3400" i="0" u="none" strike="noStrike" cap="none" dirty="0">
                 <a:solidFill>
                   <a:srgbClr val="FF7F00"/>
                 </a:solidFill>
@@ -17584,7 +17585,7 @@
               <a:t>right, bananas</a:t>
             </a:r>
             <a:r>
-              <a:rPr lang="en-US" sz="3400" b="1" i="0" u="none" strike="noStrike" cap="none" dirty="0" smtClean="0">
+              <a:rPr lang="en-US" sz="3400" i="0" u="none" strike="noStrike" cap="none" dirty="0" smtClean="0">
                 <a:solidFill>
                   <a:srgbClr val="FF7F00"/>
                 </a:solidFill>
@@ -17596,7 +17597,7 @@
               <a:t>.'</a:t>
             </a:r>
             <a:r>
-              <a:rPr lang="en-US" sz="3400" b="1" i="0" u="none" strike="noStrike" cap="none" dirty="0" smtClean="0">
+              <a:rPr lang="en-US" sz="3400" i="0" u="none" strike="noStrike" cap="none" dirty="0" smtClean="0">
                 <a:solidFill>
                   <a:schemeClr val="bg1"/>
                 </a:solidFill>
@@ -17607,7 +17608,7 @@
               </a:rPr>
               <a:t>)</a:t>
             </a:r>
-            <a:endParaRPr lang="en-US" sz="3400" b="1" i="0" u="none" strike="noStrike" cap="none" dirty="0">
+            <a:endParaRPr lang="en-US" sz="3400" i="0" u="none" strike="noStrike" cap="none" dirty="0">
               <a:solidFill>
                 <a:schemeClr val="bg1"/>
               </a:solidFill>
@@ -17630,7 +17631,7 @@
               </a:spcAft>
               <a:buNone/>
             </a:pPr>
-            <a:endParaRPr sz="3400" b="1" i="0" u="none" strike="noStrike" cap="none" dirty="0">
+            <a:endParaRPr sz="3400" i="0" u="none" strike="noStrike" cap="none" dirty="0">
               <a:solidFill>
                 <a:schemeClr val="lt1"/>
               </a:solidFill>
@@ -17659,7 +17660,7 @@
               <a:buNone/>
             </a:pPr>
             <a:r>
-              <a:rPr lang="en-US" sz="3400" b="1" i="0" u="none" strike="noStrike" cap="none" dirty="0">
+              <a:rPr lang="en-US" sz="3400" i="0" u="none" strike="noStrike" cap="none" dirty="0">
                 <a:solidFill>
                   <a:srgbClr val="FFFF00"/>
                 </a:solidFill>
@@ -17671,7 +17672,7 @@
               <a:t>if</a:t>
             </a:r>
             <a:r>
-              <a:rPr lang="en-US" sz="3400" b="1" i="0" u="none" strike="noStrike" cap="none" dirty="0">
+              <a:rPr lang="en-US" sz="3400" i="0" u="none" strike="noStrike" cap="none" dirty="0">
                 <a:solidFill>
                   <a:schemeClr val="lt1"/>
                 </a:solidFill>
@@ -17683,7 +17684,7 @@
               <a:t> </a:t>
             </a:r>
             <a:r>
-              <a:rPr lang="en-US" sz="3400" b="1" i="0" u="none" strike="noStrike" cap="none" dirty="0">
+              <a:rPr lang="en-US" sz="3400" i="0" u="none" strike="noStrike" cap="none" dirty="0">
                 <a:solidFill>
                   <a:srgbClr val="00FF00"/>
                 </a:solidFill>
@@ -17695,7 +17696,7 @@
               <a:t>word</a:t>
             </a:r>
             <a:r>
-              <a:rPr lang="en-US" sz="3400" b="1" i="0" u="none" strike="noStrike" cap="none" dirty="0">
+              <a:rPr lang="en-US" sz="3400" i="0" u="none" strike="noStrike" cap="none" dirty="0">
                 <a:solidFill>
                   <a:schemeClr val="lt1"/>
                 </a:solidFill>
@@ -17707,7 +17708,7 @@
               <a:t> </a:t>
             </a:r>
             <a:r>
-              <a:rPr lang="en-US" sz="3400" b="1" i="0" u="none" strike="noStrike" cap="none" dirty="0">
+              <a:rPr lang="en-US" sz="3400" i="0" u="none" strike="noStrike" cap="none" dirty="0">
                 <a:solidFill>
                   <a:srgbClr val="00FFFF"/>
                 </a:solidFill>
@@ -17719,7 +17720,7 @@
               <a:t>&lt;</a:t>
             </a:r>
             <a:r>
-              <a:rPr lang="en-US" sz="3400" b="1" i="0" u="none" strike="noStrike" cap="none" dirty="0">
+              <a:rPr lang="en-US" sz="3400" i="0" u="none" strike="noStrike" cap="none" dirty="0">
                 <a:solidFill>
                   <a:schemeClr val="lt1"/>
                 </a:solidFill>
@@ -17731,7 +17732,7 @@
               <a:t> </a:t>
             </a:r>
             <a:r>
-              <a:rPr lang="en-US" sz="3400" b="1" i="0" u="none" strike="noStrike" cap="none" dirty="0">
+              <a:rPr lang="en-US" sz="3400" i="0" u="none" strike="noStrike" cap="none" dirty="0">
                 <a:solidFill>
                   <a:srgbClr val="FF7F00"/>
                 </a:solidFill>
@@ -17743,7 +17744,7 @@
               <a:t>'banana'</a:t>
             </a:r>
             <a:r>
-              <a:rPr lang="en-US" sz="3400" b="1" i="0" u="none" strike="noStrike" cap="none" dirty="0">
+              <a:rPr lang="en-US" sz="3400" i="0" u="none" strike="noStrike" cap="none" dirty="0">
                 <a:solidFill>
                   <a:schemeClr val="lt1"/>
                 </a:solidFill>
@@ -17774,7 +17775,7 @@
               <a:buNone/>
             </a:pPr>
             <a:r>
-              <a:rPr lang="en-US" sz="3400" b="1" i="0" u="none" strike="noStrike" cap="none" dirty="0">
+              <a:rPr lang="en-US" sz="3400" i="0" u="none" strike="noStrike" cap="none" dirty="0">
                 <a:solidFill>
                   <a:schemeClr val="lt1"/>
                 </a:solidFill>
@@ -17786,7 +17787,7 @@
               <a:t>    </a:t>
             </a:r>
             <a:r>
-              <a:rPr lang="en-US" sz="3400" b="1" i="0" u="none" strike="noStrike" cap="none" dirty="0" smtClean="0">
+              <a:rPr lang="en-US" sz="3400" i="0" u="none" strike="noStrike" cap="none" dirty="0" smtClean="0">
                 <a:solidFill>
                   <a:srgbClr val="FFFF00"/>
                 </a:solidFill>
@@ -17798,7 +17799,7 @@
               <a:t>print</a:t>
             </a:r>
             <a:r>
-              <a:rPr lang="en-US" sz="3400" b="1" dirty="0">
+              <a:rPr lang="en-US" sz="3400" dirty="0">
                 <a:solidFill>
                   <a:schemeClr val="lt1"/>
                 </a:solidFill>
@@ -17810,7 +17811,7 @@
               <a:t>(</a:t>
             </a:r>
             <a:r>
-              <a:rPr lang="en-US" sz="3400" b="1" i="0" u="none" strike="noStrike" cap="none" dirty="0" smtClean="0">
+              <a:rPr lang="en-US" sz="3400" i="0" u="none" strike="noStrike" cap="none" dirty="0" smtClean="0">
                 <a:solidFill>
                   <a:srgbClr val="FF7F00"/>
                 </a:solidFill>
@@ -17822,7 +17823,7 @@
               <a:t>'Your </a:t>
             </a:r>
             <a:r>
-              <a:rPr lang="en-US" sz="3400" b="1" i="0" u="none" strike="noStrike" cap="none" dirty="0">
+              <a:rPr lang="en-US" sz="3400" i="0" u="none" strike="noStrike" cap="none" dirty="0">
                 <a:solidFill>
                   <a:srgbClr val="FF7F00"/>
                 </a:solidFill>
@@ -17834,7 +17835,7 @@
               <a:t>word,'</a:t>
             </a:r>
             <a:r>
-              <a:rPr lang="en-US" sz="3400" b="1" i="0" u="none" strike="noStrike" cap="none" dirty="0">
+              <a:rPr lang="en-US" sz="3400" i="0" u="none" strike="noStrike" cap="none" dirty="0">
                 <a:solidFill>
                   <a:schemeClr val="lt1"/>
                 </a:solidFill>
@@ -17846,7 +17847,7 @@
               <a:t> </a:t>
             </a:r>
             <a:r>
-              <a:rPr lang="en-US" sz="3400" b="1" i="0" u="none" strike="noStrike" cap="none" dirty="0">
+              <a:rPr lang="en-US" sz="3400" i="0" u="none" strike="noStrike" cap="none" dirty="0">
                 <a:solidFill>
                   <a:srgbClr val="00FFFF"/>
                 </a:solidFill>
@@ -17858,7 +17859,7 @@
               <a:t>+</a:t>
             </a:r>
             <a:r>
-              <a:rPr lang="en-US" sz="3400" b="1" i="0" u="none" strike="noStrike" cap="none" dirty="0">
+              <a:rPr lang="en-US" sz="3400" i="0" u="none" strike="noStrike" cap="none" dirty="0">
                 <a:solidFill>
                   <a:schemeClr val="lt1"/>
                 </a:solidFill>
@@ -17870,7 +17871,7 @@
               <a:t> </a:t>
             </a:r>
             <a:r>
-              <a:rPr lang="en-US" sz="3400" b="1" i="0" u="none" strike="noStrike" cap="none" dirty="0">
+              <a:rPr lang="en-US" sz="3400" i="0" u="none" strike="noStrike" cap="none" dirty="0">
                 <a:solidFill>
                   <a:srgbClr val="00FF00"/>
                 </a:solidFill>
@@ -17882,7 +17883,7 @@
               <a:t>word</a:t>
             </a:r>
             <a:r>
-              <a:rPr lang="en-US" sz="3400" b="1" i="0" u="none" strike="noStrike" cap="none" dirty="0">
+              <a:rPr lang="en-US" sz="3400" i="0" u="none" strike="noStrike" cap="none" dirty="0">
                 <a:solidFill>
                   <a:schemeClr val="lt1"/>
                 </a:solidFill>
@@ -17894,7 +17895,7 @@
               <a:t> </a:t>
             </a:r>
             <a:r>
-              <a:rPr lang="en-US" sz="3400" b="1" i="0" u="none" strike="noStrike" cap="none" dirty="0">
+              <a:rPr lang="en-US" sz="3400" i="0" u="none" strike="noStrike" cap="none" dirty="0">
                 <a:solidFill>
                   <a:srgbClr val="00FFFF"/>
                 </a:solidFill>
@@ -17906,7 +17907,7 @@
               <a:t>+</a:t>
             </a:r>
             <a:r>
-              <a:rPr lang="en-US" sz="3400" b="1" i="0" u="none" strike="noStrike" cap="none" dirty="0">
+              <a:rPr lang="en-US" sz="3400" i="0" u="none" strike="noStrike" cap="none" dirty="0">
                 <a:solidFill>
                   <a:schemeClr val="lt1"/>
                 </a:solidFill>
@@ -17918,7 +17919,7 @@
               <a:t> </a:t>
             </a:r>
             <a:r>
-              <a:rPr lang="en-US" sz="3400" b="1" i="0" u="none" strike="noStrike" cap="none" dirty="0">
+              <a:rPr lang="en-US" sz="3400" i="0" u="none" strike="noStrike" cap="none" dirty="0">
                 <a:solidFill>
                   <a:srgbClr val="FF7F00"/>
                 </a:solidFill>
@@ -17930,7 +17931,7 @@
               <a:t>', comes before banana</a:t>
             </a:r>
             <a:r>
-              <a:rPr lang="en-US" sz="3400" b="1" i="0" u="none" strike="noStrike" cap="none" dirty="0" smtClean="0">
+              <a:rPr lang="en-US" sz="3400" i="0" u="none" strike="noStrike" cap="none" dirty="0" smtClean="0">
                 <a:solidFill>
                   <a:srgbClr val="FF7F00"/>
                 </a:solidFill>
@@ -17942,7 +17943,7 @@
               <a:t>.</a:t>
             </a:r>
             <a:r>
-              <a:rPr lang="en-US" sz="3400" b="1" dirty="0" smtClean="0">
+              <a:rPr lang="en-US" sz="3400" dirty="0" smtClean="0">
                 <a:solidFill>
                   <a:srgbClr val="FF7F00"/>
                 </a:solidFill>
@@ -17954,7 +17955,7 @@
               <a:t>'</a:t>
             </a:r>
             <a:r>
-              <a:rPr lang="en-US" sz="3400" b="1" dirty="0" smtClean="0">
+              <a:rPr lang="en-US" sz="3400" dirty="0" smtClean="0">
                 <a:solidFill>
                   <a:schemeClr val="bg1"/>
                 </a:solidFill>
@@ -17965,7 +17966,7 @@
               </a:rPr>
               <a:t>)</a:t>
             </a:r>
-            <a:endParaRPr lang="en-US" sz="3400" b="1" dirty="0">
+            <a:endParaRPr lang="en-US" sz="3400" dirty="0">
               <a:solidFill>
                 <a:schemeClr val="bg1"/>
               </a:solidFill>
@@ -17994,7 +17995,7 @@
               <a:buNone/>
             </a:pPr>
             <a:r>
-              <a:rPr lang="en-US" sz="3400" b="1" i="0" u="none" strike="noStrike" cap="none" dirty="0" err="1">
+              <a:rPr lang="en-US" sz="3400" i="0" u="none" strike="noStrike" cap="none" dirty="0" err="1">
                 <a:solidFill>
                   <a:srgbClr val="FFFF00"/>
                 </a:solidFill>
@@ -18006,7 +18007,7 @@
               <a:t>elif</a:t>
             </a:r>
             <a:r>
-              <a:rPr lang="en-US" sz="3400" b="1" i="0" u="none" strike="noStrike" cap="none" dirty="0">
+              <a:rPr lang="en-US" sz="3400" i="0" u="none" strike="noStrike" cap="none" dirty="0">
                 <a:solidFill>
                   <a:schemeClr val="lt1"/>
                 </a:solidFill>
@@ -18018,7 +18019,7 @@
               <a:t> </a:t>
             </a:r>
             <a:r>
-              <a:rPr lang="en-US" sz="3400" b="1" i="0" u="none" strike="noStrike" cap="none" dirty="0">
+              <a:rPr lang="en-US" sz="3400" i="0" u="none" strike="noStrike" cap="none" dirty="0">
                 <a:solidFill>
                   <a:srgbClr val="00FF00"/>
                 </a:solidFill>
@@ -18030,7 +18031,7 @@
               <a:t>word</a:t>
             </a:r>
             <a:r>
-              <a:rPr lang="en-US" sz="3400" b="1" i="0" u="none" strike="noStrike" cap="none" dirty="0">
+              <a:rPr lang="en-US" sz="3400" i="0" u="none" strike="noStrike" cap="none" dirty="0">
                 <a:solidFill>
                   <a:schemeClr val="lt1"/>
                 </a:solidFill>
@@ -18042,7 +18043,7 @@
               <a:t> </a:t>
             </a:r>
             <a:r>
-              <a:rPr lang="en-US" sz="3400" b="1" i="0" u="none" strike="noStrike" cap="none" dirty="0">
+              <a:rPr lang="en-US" sz="3400" i="0" u="none" strike="noStrike" cap="none" dirty="0">
                 <a:solidFill>
                   <a:srgbClr val="00FFFF"/>
                 </a:solidFill>
@@ -18054,7 +18055,7 @@
               <a:t>&gt;</a:t>
             </a:r>
             <a:r>
-              <a:rPr lang="en-US" sz="3400" b="1" i="0" u="none" strike="noStrike" cap="none" dirty="0">
+              <a:rPr lang="en-US" sz="3400" i="0" u="none" strike="noStrike" cap="none" dirty="0">
                 <a:solidFill>
                   <a:schemeClr val="lt1"/>
                 </a:solidFill>
@@ -18066,7 +18067,7 @@
               <a:t> </a:t>
             </a:r>
             <a:r>
-              <a:rPr lang="en-US" sz="3400" b="1" i="0" u="none" strike="noStrike" cap="none" dirty="0">
+              <a:rPr lang="en-US" sz="3400" i="0" u="none" strike="noStrike" cap="none" dirty="0">
                 <a:solidFill>
                   <a:srgbClr val="FF7F00"/>
                 </a:solidFill>
@@ -18078,7 +18079,7 @@
               <a:t>'banana'</a:t>
             </a:r>
             <a:r>
-              <a:rPr lang="en-US" sz="3400" b="1" i="0" u="none" strike="noStrike" cap="none" dirty="0">
+              <a:rPr lang="en-US" sz="3400" i="0" u="none" strike="noStrike" cap="none" dirty="0">
                 <a:solidFill>
                   <a:schemeClr val="lt1"/>
                 </a:solidFill>
@@ -18109,7 +18110,7 @@
               <a:buNone/>
             </a:pPr>
             <a:r>
-              <a:rPr lang="en-US" sz="3400" b="1" i="0" u="none" strike="noStrike" cap="none" dirty="0">
+              <a:rPr lang="en-US" sz="3400" i="0" u="none" strike="noStrike" cap="none" dirty="0">
                 <a:solidFill>
                   <a:schemeClr val="lt1"/>
                 </a:solidFill>
@@ -18121,7 +18122,7 @@
               <a:t>    </a:t>
             </a:r>
             <a:r>
-              <a:rPr lang="en-US" sz="3400" b="1" i="0" u="none" strike="noStrike" cap="none" dirty="0" smtClean="0">
+              <a:rPr lang="en-US" sz="3400" i="0" u="none" strike="noStrike" cap="none" dirty="0" smtClean="0">
                 <a:solidFill>
                   <a:srgbClr val="FFFF00"/>
                 </a:solidFill>
@@ -18133,7 +18134,7 @@
               <a:t>print</a:t>
             </a:r>
             <a:r>
-              <a:rPr lang="en-US" sz="3400" b="1" dirty="0">
+              <a:rPr lang="en-US" sz="3400" dirty="0">
                 <a:solidFill>
                   <a:schemeClr val="lt1"/>
                 </a:solidFill>
@@ -18145,7 +18146,7 @@
               <a:t>(</a:t>
             </a:r>
             <a:r>
-              <a:rPr lang="en-US" sz="3400" b="1" i="0" u="none" strike="noStrike" cap="none" dirty="0" smtClean="0">
+              <a:rPr lang="en-US" sz="3400" i="0" u="none" strike="noStrike" cap="none" dirty="0" smtClean="0">
                 <a:solidFill>
                   <a:srgbClr val="FF7F00"/>
                 </a:solidFill>
@@ -18157,7 +18158,7 @@
               <a:t>'Your </a:t>
             </a:r>
             <a:r>
-              <a:rPr lang="en-US" sz="3400" b="1" i="0" u="none" strike="noStrike" cap="none" dirty="0">
+              <a:rPr lang="en-US" sz="3400" i="0" u="none" strike="noStrike" cap="none" dirty="0">
                 <a:solidFill>
                   <a:srgbClr val="FF7F00"/>
                 </a:solidFill>
@@ -18169,7 +18170,7 @@
               <a:t>word,'</a:t>
             </a:r>
             <a:r>
-              <a:rPr lang="en-US" sz="3400" b="1" i="0" u="none" strike="noStrike" cap="none" dirty="0">
+              <a:rPr lang="en-US" sz="3400" i="0" u="none" strike="noStrike" cap="none" dirty="0">
                 <a:solidFill>
                   <a:schemeClr val="lt1"/>
                 </a:solidFill>
@@ -18181,7 +18182,7 @@
               <a:t> </a:t>
             </a:r>
             <a:r>
-              <a:rPr lang="en-US" sz="3400" b="1" i="0" u="none" strike="noStrike" cap="none" dirty="0">
+              <a:rPr lang="en-US" sz="3400" i="0" u="none" strike="noStrike" cap="none" dirty="0">
                 <a:solidFill>
                   <a:srgbClr val="00FFFF"/>
                 </a:solidFill>
@@ -18193,7 +18194,7 @@
               <a:t>+</a:t>
             </a:r>
             <a:r>
-              <a:rPr lang="en-US" sz="3400" b="1" i="0" u="none" strike="noStrike" cap="none" dirty="0">
+              <a:rPr lang="en-US" sz="3400" i="0" u="none" strike="noStrike" cap="none" dirty="0">
                 <a:solidFill>
                   <a:schemeClr val="lt1"/>
                 </a:solidFill>
@@ -18205,7 +18206,7 @@
               <a:t> </a:t>
             </a:r>
             <a:r>
-              <a:rPr lang="en-US" sz="3400" b="1" i="0" u="none" strike="noStrike" cap="none" dirty="0">
+              <a:rPr lang="en-US" sz="3400" i="0" u="none" strike="noStrike" cap="none" dirty="0">
                 <a:solidFill>
                   <a:srgbClr val="00FF00"/>
                 </a:solidFill>
@@ -18217,7 +18218,7 @@
               <a:t>word</a:t>
             </a:r>
             <a:r>
-              <a:rPr lang="en-US" sz="3400" b="1" i="0" u="none" strike="noStrike" cap="none" dirty="0">
+              <a:rPr lang="en-US" sz="3400" i="0" u="none" strike="noStrike" cap="none" dirty="0">
                 <a:solidFill>
                   <a:schemeClr val="lt1"/>
                 </a:solidFill>
@@ -18229,7 +18230,7 @@
               <a:t> </a:t>
             </a:r>
             <a:r>
-              <a:rPr lang="en-US" sz="3400" b="1" i="0" u="none" strike="noStrike" cap="none" dirty="0">
+              <a:rPr lang="en-US" sz="3400" i="0" u="none" strike="noStrike" cap="none" dirty="0">
                 <a:solidFill>
                   <a:srgbClr val="00FFFF"/>
                 </a:solidFill>
@@ -18241,7 +18242,7 @@
               <a:t>+</a:t>
             </a:r>
             <a:r>
-              <a:rPr lang="en-US" sz="3400" b="1" i="0" u="none" strike="noStrike" cap="none" dirty="0">
+              <a:rPr lang="en-US" sz="3400" i="0" u="none" strike="noStrike" cap="none" dirty="0">
                 <a:solidFill>
                   <a:schemeClr val="lt1"/>
                 </a:solidFill>
@@ -18253,7 +18254,7 @@
               <a:t> </a:t>
             </a:r>
             <a:r>
-              <a:rPr lang="en-US" sz="3400" b="1" i="0" u="none" strike="noStrike" cap="none" dirty="0">
+              <a:rPr lang="en-US" sz="3400" i="0" u="none" strike="noStrike" cap="none" dirty="0">
                 <a:solidFill>
                   <a:srgbClr val="FF7F00"/>
                 </a:solidFill>
@@ -18265,7 +18266,7 @@
               <a:t>', comes after banana</a:t>
             </a:r>
             <a:r>
-              <a:rPr lang="en-US" sz="3400" b="1" i="0" u="none" strike="noStrike" cap="none" dirty="0" smtClean="0">
+              <a:rPr lang="en-US" sz="3400" i="0" u="none" strike="noStrike" cap="none" dirty="0" smtClean="0">
                 <a:solidFill>
                   <a:srgbClr val="FF7F00"/>
                 </a:solidFill>
@@ -18277,7 +18278,7 @@
               <a:t>.</a:t>
             </a:r>
             <a:r>
-              <a:rPr lang="en-US" sz="3400" b="1" dirty="0" smtClean="0">
+              <a:rPr lang="en-US" sz="3400" dirty="0" smtClean="0">
                 <a:solidFill>
                   <a:srgbClr val="FF7F00"/>
                 </a:solidFill>
@@ -18289,7 +18290,7 @@
               <a:t>'</a:t>
             </a:r>
             <a:r>
-              <a:rPr lang="en-US" sz="3400" b="1" dirty="0" smtClean="0">
+              <a:rPr lang="en-US" sz="3400" dirty="0" smtClean="0">
                 <a:solidFill>
                   <a:schemeClr val="bg1"/>
                 </a:solidFill>
@@ -18300,7 +18301,7 @@
               </a:rPr>
               <a:t>)</a:t>
             </a:r>
-            <a:endParaRPr lang="en-US" sz="3400" b="1" dirty="0">
+            <a:endParaRPr lang="en-US" sz="3400" dirty="0">
               <a:solidFill>
                 <a:schemeClr val="bg1"/>
               </a:solidFill>
@@ -18329,7 +18330,7 @@
               <a:buNone/>
             </a:pPr>
             <a:r>
-              <a:rPr lang="en-US" sz="3400" b="1" i="0" u="none" strike="noStrike" cap="none" dirty="0">
+              <a:rPr lang="en-US" sz="3400" i="0" u="none" strike="noStrike" cap="none" dirty="0">
                 <a:solidFill>
                   <a:srgbClr val="FFFF00"/>
                 </a:solidFill>
@@ -18341,7 +18342,7 @@
               <a:t>else</a:t>
             </a:r>
             <a:r>
-              <a:rPr lang="en-US" sz="3400" b="1" i="0" u="none" strike="noStrike" cap="none" dirty="0">
+              <a:rPr lang="en-US" sz="3400" i="0" u="none" strike="noStrike" cap="none" dirty="0">
                 <a:solidFill>
                   <a:schemeClr val="lt1"/>
                 </a:solidFill>
@@ -18372,7 +18373,7 @@
               <a:buNone/>
             </a:pPr>
             <a:r>
-              <a:rPr lang="en-US" sz="3400" b="1" i="0" u="none" strike="noStrike" cap="none" dirty="0">
+              <a:rPr lang="en-US" sz="3400" i="0" u="none" strike="noStrike" cap="none" dirty="0">
                 <a:solidFill>
                   <a:schemeClr val="lt1"/>
                 </a:solidFill>
@@ -18384,7 +18385,7 @@
               <a:t>    </a:t>
             </a:r>
             <a:r>
-              <a:rPr lang="en-US" sz="3400" b="1" i="0" u="none" strike="noStrike" cap="none" dirty="0" smtClean="0">
+              <a:rPr lang="en-US" sz="3400" i="0" u="none" strike="noStrike" cap="none" dirty="0" smtClean="0">
                 <a:solidFill>
                   <a:srgbClr val="FFFF00"/>
                 </a:solidFill>
@@ -18396,7 +18397,7 @@
               <a:t>print</a:t>
             </a:r>
             <a:r>
-              <a:rPr lang="en-US" sz="3400" b="1" dirty="0">
+              <a:rPr lang="en-US" sz="3400" dirty="0">
                 <a:solidFill>
                   <a:schemeClr val="lt1"/>
                 </a:solidFill>
@@ -18408,7 +18409,7 @@
               <a:t>(</a:t>
             </a:r>
             <a:r>
-              <a:rPr lang="en-US" sz="3400" b="1" i="0" u="none" strike="noStrike" cap="none" dirty="0" smtClean="0">
+              <a:rPr lang="en-US" sz="3400" i="0" u="none" strike="noStrike" cap="none" dirty="0" smtClean="0">
                 <a:solidFill>
                   <a:srgbClr val="FF7F00"/>
                 </a:solidFill>
@@ -18420,7 +18421,7 @@
               <a:t>'All </a:t>
             </a:r>
             <a:r>
-              <a:rPr lang="en-US" sz="3400" b="1" i="0" u="none" strike="noStrike" cap="none" dirty="0">
+              <a:rPr lang="en-US" sz="3400" i="0" u="none" strike="noStrike" cap="none" dirty="0">
                 <a:solidFill>
                   <a:srgbClr val="FF7F00"/>
                 </a:solidFill>
@@ -18432,7 +18433,7 @@
               <a:t>right, bananas</a:t>
             </a:r>
             <a:r>
-              <a:rPr lang="en-US" sz="3400" b="1" i="0" u="none" strike="noStrike" cap="none" dirty="0" smtClean="0">
+              <a:rPr lang="en-US" sz="3400" i="0" u="none" strike="noStrike" cap="none" dirty="0" smtClean="0">
                 <a:solidFill>
                   <a:srgbClr val="FF7F00"/>
                 </a:solidFill>
@@ -18443,7 +18444,7 @@
               </a:rPr>
               <a:t>.')</a:t>
             </a:r>
-            <a:endParaRPr lang="en-US" sz="3400" b="1" i="0" u="none" strike="noStrike" cap="none" dirty="0">
+            <a:endParaRPr lang="en-US" sz="3400" i="0" u="none" strike="noStrike" cap="none" dirty="0">
               <a:solidFill>
                 <a:srgbClr val="FF7F00"/>
               </a:solidFill>
@@ -18916,7 +18917,7 @@
               <a:buNone/>
             </a:pPr>
             <a:r>
-              <a:rPr lang="en-US" sz="2800" b="1" i="0" u="none" strike="noStrike" cap="none" dirty="0">
+              <a:rPr lang="en-US" sz="2800" i="0" u="none" strike="noStrike" cap="none" dirty="0">
                 <a:solidFill>
                   <a:schemeClr val="lt1"/>
                 </a:solidFill>
@@ -18928,7 +18929,7 @@
               <a:t>&gt;&gt;&gt; </a:t>
             </a:r>
             <a:r>
-              <a:rPr lang="en-US" sz="2800" b="1" i="0" u="none" strike="noStrike" cap="none" dirty="0">
+              <a:rPr lang="en-US" sz="2800" i="0" u="none" strike="noStrike" cap="none" dirty="0">
                 <a:solidFill>
                   <a:srgbClr val="FF00FF"/>
                 </a:solidFill>
@@ -18940,7 +18941,7 @@
               <a:t>str1 = "Hello</a:t>
             </a:r>
             <a:r>
-              <a:rPr lang="en-US" sz="2800" b="1" dirty="0">
+              <a:rPr lang="en-US" sz="2800" dirty="0">
                 <a:solidFill>
                   <a:srgbClr val="FF00FF"/>
                 </a:solidFill>
@@ -18971,7 +18972,7 @@
               <a:buNone/>
             </a:pPr>
             <a:r>
-              <a:rPr lang="en-US" sz="2800" b="1" i="0" u="none" strike="noStrike" cap="none" dirty="0">
+              <a:rPr lang="en-US" sz="2800" i="0" u="none" strike="noStrike" cap="none" dirty="0">
                 <a:solidFill>
                   <a:schemeClr val="lt1"/>
                 </a:solidFill>
@@ -18983,7 +18984,7 @@
               <a:t>&gt;&gt;&gt; </a:t>
             </a:r>
             <a:r>
-              <a:rPr lang="en-US" sz="2800" b="1" i="0" u="none" strike="noStrike" cap="none" dirty="0">
+              <a:rPr lang="en-US" sz="2800" i="0" u="none" strike="noStrike" cap="none" dirty="0">
                 <a:solidFill>
                   <a:srgbClr val="FF00FF"/>
                 </a:solidFill>
@@ -19014,7 +19015,7 @@
               <a:buNone/>
             </a:pPr>
             <a:r>
-              <a:rPr lang="en-US" sz="2800" b="1" i="0" u="none" strike="noStrike" cap="none" dirty="0">
+              <a:rPr lang="en-US" sz="2800" i="0" u="none" strike="noStrike" cap="none" dirty="0">
                 <a:solidFill>
                   <a:schemeClr val="lt1"/>
                 </a:solidFill>
@@ -19026,7 +19027,7 @@
               <a:t>&gt;&gt;&gt; </a:t>
             </a:r>
             <a:r>
-              <a:rPr lang="en-US" sz="2800" b="1" i="0" u="none" strike="noStrike" cap="none" dirty="0">
+              <a:rPr lang="en-US" sz="2800" i="0" u="none" strike="noStrike" cap="none" dirty="0">
                 <a:solidFill>
                   <a:srgbClr val="00FF00"/>
                 </a:solidFill>
@@ -19057,7 +19058,7 @@
               <a:buNone/>
             </a:pPr>
             <a:r>
-              <a:rPr lang="en-US" sz="2800" b="1" i="0" u="none" strike="noStrike" cap="none" dirty="0">
+              <a:rPr lang="en-US" sz="2800" i="0" u="none" strike="noStrike" cap="none" dirty="0">
                 <a:solidFill>
                   <a:schemeClr val="lt1"/>
                 </a:solidFill>
@@ -19069,7 +19070,7 @@
               <a:t>&gt;&gt;&gt; </a:t>
             </a:r>
             <a:r>
-              <a:rPr lang="en-US" sz="2800" b="1" i="0" u="none" strike="noStrike" cap="none" dirty="0" smtClean="0">
+              <a:rPr lang="en-US" sz="2800" i="0" u="none" strike="noStrike" cap="none" dirty="0" smtClean="0">
                 <a:solidFill>
                   <a:srgbClr val="FFFF00"/>
                 </a:solidFill>
@@ -19081,7 +19082,7 @@
               <a:t>print</a:t>
             </a:r>
             <a:r>
-              <a:rPr lang="en-US" sz="2800" b="1" dirty="0" smtClean="0">
+              <a:rPr lang="en-US" sz="2800" dirty="0" smtClean="0">
                 <a:solidFill>
                   <a:schemeClr val="bg1"/>
                 </a:solidFill>
@@ -19093,7 +19094,7 @@
               <a:t>(</a:t>
             </a:r>
             <a:r>
-              <a:rPr lang="en-US" sz="2800" b="1" i="0" u="none" strike="noStrike" cap="none" dirty="0" smtClean="0">
+              <a:rPr lang="en-US" sz="2800" i="0" u="none" strike="noStrike" cap="none" dirty="0" smtClean="0">
                 <a:solidFill>
                   <a:srgbClr val="00FF00"/>
                 </a:solidFill>
@@ -19105,7 +19106,7 @@
               <a:t>bob</a:t>
             </a:r>
             <a:r>
-              <a:rPr lang="en-US" sz="2800" b="1" i="0" u="none" strike="noStrike" cap="none" dirty="0" smtClean="0">
+              <a:rPr lang="en-US" sz="2800" i="0" u="none" strike="noStrike" cap="none" dirty="0" smtClean="0">
                 <a:solidFill>
                   <a:schemeClr val="bg1"/>
                 </a:solidFill>
@@ -19116,7 +19117,7 @@
               </a:rPr>
               <a:t>)</a:t>
             </a:r>
-            <a:endParaRPr lang="en-US" sz="2800" b="1" i="0" u="none" strike="noStrike" cap="none" dirty="0">
+            <a:endParaRPr lang="en-US" sz="2800" i="0" u="none" strike="noStrike" cap="none" dirty="0">
               <a:solidFill>
                 <a:schemeClr val="bg1"/>
               </a:solidFill>
@@ -19145,7 +19146,7 @@
               <a:buNone/>
             </a:pPr>
             <a:r>
-              <a:rPr lang="en-US" sz="2800" b="1" i="0" u="none" strike="noStrike" cap="none" dirty="0" err="1">
+              <a:rPr lang="en-US" sz="2800" i="0" u="none" strike="noStrike" cap="none" dirty="0" err="1">
                 <a:solidFill>
                   <a:srgbClr val="00FF00"/>
                 </a:solidFill>
@@ -19156,7 +19157,7 @@
               </a:rPr>
               <a:t>Hellothere</a:t>
             </a:r>
-            <a:endParaRPr lang="en-US" sz="2800" b="1" i="0" u="none" strike="noStrike" cap="none" dirty="0">
+            <a:endParaRPr lang="en-US" sz="2800" i="0" u="none" strike="noStrike" cap="none" dirty="0">
               <a:solidFill>
                 <a:srgbClr val="00FF00"/>
               </a:solidFill>
@@ -19185,7 +19186,7 @@
               <a:buNone/>
             </a:pPr>
             <a:r>
-              <a:rPr lang="en-US" sz="2800" b="1" i="0" u="none" strike="noStrike" cap="none" dirty="0">
+              <a:rPr lang="en-US" sz="2800" i="0" u="none" strike="noStrike" cap="none" dirty="0">
                 <a:solidFill>
                   <a:schemeClr val="lt1"/>
                 </a:solidFill>
@@ -19197,7 +19198,7 @@
               <a:t>&gt;&gt;&gt; </a:t>
             </a:r>
             <a:r>
-              <a:rPr lang="en-US" sz="2800" b="1" i="0" u="none" strike="noStrike" cap="none" dirty="0">
+              <a:rPr lang="en-US" sz="2800" i="0" u="none" strike="noStrike" cap="none" dirty="0">
                 <a:solidFill>
                   <a:srgbClr val="FF7F00"/>
                 </a:solidFill>
@@ -19228,7 +19229,7 @@
               <a:buNone/>
             </a:pPr>
             <a:r>
-              <a:rPr lang="en-US" sz="2800" b="1" i="0" u="none" strike="noStrike" cap="none" dirty="0">
+              <a:rPr lang="en-US" sz="2800" i="0" u="none" strike="noStrike" cap="none" dirty="0">
                 <a:solidFill>
                   <a:schemeClr val="lt1"/>
                 </a:solidFill>
@@ -19240,7 +19241,7 @@
               <a:t>&gt;&gt;&gt; </a:t>
             </a:r>
             <a:r>
-              <a:rPr lang="en-US" sz="2800" b="1" i="0" u="none" strike="noStrike" cap="none" dirty="0">
+              <a:rPr lang="en-US" sz="2800" i="0" u="none" strike="noStrike" cap="none" dirty="0">
                 <a:solidFill>
                   <a:srgbClr val="FF7F00"/>
                 </a:solidFill>
@@ -19271,7 +19272,7 @@
               <a:buNone/>
             </a:pPr>
             <a:r>
-              <a:rPr lang="en-US" sz="2800" b="1" i="0" u="none" strike="noStrike" cap="none" dirty="0" err="1">
+              <a:rPr lang="en-US" sz="2800" i="0" u="none" strike="noStrike" cap="none" dirty="0" err="1">
                 <a:solidFill>
                   <a:srgbClr val="E06666"/>
                 </a:solidFill>
@@ -19283,7 +19284,7 @@
               <a:t>Traceback</a:t>
             </a:r>
             <a:r>
-              <a:rPr lang="en-US" sz="2800" b="1" i="0" u="none" strike="noStrike" cap="none" dirty="0">
+              <a:rPr lang="en-US" sz="2800" i="0" u="none" strike="noStrike" cap="none" dirty="0">
                 <a:solidFill>
                   <a:srgbClr val="E06666"/>
                 </a:solidFill>
@@ -19295,7 +19296,7 @@
               <a:t> (most recent call last):  File "&lt;</a:t>
             </a:r>
             <a:r>
-              <a:rPr lang="en-US" sz="2800" b="1" i="0" u="none" strike="noStrike" cap="none" dirty="0" err="1">
+              <a:rPr lang="en-US" sz="2800" i="0" u="none" strike="noStrike" cap="none" dirty="0" err="1">
                 <a:solidFill>
                   <a:srgbClr val="E06666"/>
                 </a:solidFill>
@@ -19307,7 +19308,7 @@
               <a:t>stdin</a:t>
             </a:r>
             <a:r>
-              <a:rPr lang="en-US" sz="2800" b="1" i="0" u="none" strike="noStrike" cap="none" dirty="0">
+              <a:rPr lang="en-US" sz="2800" i="0" u="none" strike="noStrike" cap="none" dirty="0">
                 <a:solidFill>
                   <a:srgbClr val="E06666"/>
                 </a:solidFill>
@@ -19319,7 +19320,7 @@
               <a:t>&gt;", line 1, in &lt;module&gt;</a:t>
             </a:r>
             <a:r>
-              <a:rPr lang="en-US" sz="2800" b="1" i="0" u="none" strike="noStrike" cap="none" dirty="0" err="1">
+              <a:rPr lang="en-US" sz="2800" i="0" u="none" strike="noStrike" cap="none" dirty="0" err="1">
                 <a:solidFill>
                   <a:srgbClr val="E06666"/>
                 </a:solidFill>
@@ -19331,7 +19332,7 @@
               <a:t>TypeError</a:t>
             </a:r>
             <a:r>
-              <a:rPr lang="en-US" sz="2800" b="1" i="0" u="none" strike="noStrike" cap="none" dirty="0">
+              <a:rPr lang="en-US" sz="2800" i="0" u="none" strike="noStrike" cap="none" dirty="0">
                 <a:solidFill>
                   <a:srgbClr val="E06666"/>
                 </a:solidFill>
@@ -19343,7 +19344,7 @@
               <a:t>: cannot concatenate '</a:t>
             </a:r>
             <a:r>
-              <a:rPr lang="en-US" sz="2800" b="1" i="0" u="none" strike="noStrike" cap="none" dirty="0" err="1">
+              <a:rPr lang="en-US" sz="2800" i="0" u="none" strike="noStrike" cap="none" dirty="0" err="1">
                 <a:solidFill>
                   <a:srgbClr val="E06666"/>
                 </a:solidFill>
@@ -19355,7 +19356,7 @@
               <a:t>str</a:t>
             </a:r>
             <a:r>
-              <a:rPr lang="en-US" sz="2800" b="1" i="0" u="none" strike="noStrike" cap="none" dirty="0">
+              <a:rPr lang="en-US" sz="2800" i="0" u="none" strike="noStrike" cap="none" dirty="0">
                 <a:solidFill>
                   <a:srgbClr val="E06666"/>
                 </a:solidFill>
@@ -19367,7 +19368,7 @@
               <a:t>' and '</a:t>
             </a:r>
             <a:r>
-              <a:rPr lang="en-US" sz="2800" b="1" i="0" u="none" strike="noStrike" cap="none" dirty="0" err="1">
+              <a:rPr lang="en-US" sz="2800" i="0" u="none" strike="noStrike" cap="none" dirty="0" err="1">
                 <a:solidFill>
                   <a:srgbClr val="E06666"/>
                 </a:solidFill>
@@ -19379,7 +19380,7 @@
               <a:t>int</a:t>
             </a:r>
             <a:r>
-              <a:rPr lang="en-US" sz="2800" b="1" i="0" u="none" strike="noStrike" cap="none" dirty="0">
+              <a:rPr lang="en-US" sz="2800" i="0" u="none" strike="noStrike" cap="none" dirty="0">
                 <a:solidFill>
                   <a:srgbClr val="E06666"/>
                 </a:solidFill>
@@ -19410,7 +19411,7 @@
               <a:buNone/>
             </a:pPr>
             <a:r>
-              <a:rPr lang="en-US" sz="2800" b="1" i="0" u="none" strike="noStrike" cap="none" dirty="0">
+              <a:rPr lang="en-US" sz="2800" i="0" u="none" strike="noStrike" cap="none" dirty="0">
                 <a:solidFill>
                   <a:schemeClr val="lt1"/>
                 </a:solidFill>
@@ -19422,7 +19423,7 @@
               <a:t>&gt;&gt;&gt; </a:t>
             </a:r>
             <a:r>
-              <a:rPr lang="en-US" sz="2800" b="1" i="0" u="none" strike="noStrike" cap="none" dirty="0">
+              <a:rPr lang="en-US" sz="2800" i="0" u="none" strike="noStrike" cap="none" dirty="0">
                 <a:solidFill>
                   <a:srgbClr val="00FFFF"/>
                 </a:solidFill>
@@ -19434,7 +19435,7 @@
               <a:t>x = </a:t>
             </a:r>
             <a:r>
-              <a:rPr lang="en-US" sz="2800" b="1" i="0" u="none" strike="noStrike" cap="none" dirty="0" err="1">
+              <a:rPr lang="en-US" sz="2800" i="0" u="none" strike="noStrike" cap="none" dirty="0" err="1">
                 <a:solidFill>
                   <a:srgbClr val="FF00FF"/>
                 </a:solidFill>
@@ -19446,7 +19447,7 @@
               <a:t>int</a:t>
             </a:r>
             <a:r>
-              <a:rPr lang="en-US" sz="2800" b="1" i="0" u="none" strike="noStrike" cap="none" dirty="0">
+              <a:rPr lang="en-US" sz="2800" i="0" u="none" strike="noStrike" cap="none" dirty="0">
                 <a:solidFill>
                   <a:srgbClr val="00FFFF"/>
                 </a:solidFill>
@@ -19477,7 +19478,7 @@
               <a:buNone/>
             </a:pPr>
             <a:r>
-              <a:rPr lang="en-US" sz="2800" b="1" i="0" u="none" strike="noStrike" cap="none" dirty="0">
+              <a:rPr lang="en-US" sz="2800" i="0" u="none" strike="noStrike" cap="none" dirty="0">
                 <a:solidFill>
                   <a:schemeClr val="lt1"/>
                 </a:solidFill>
@@ -19489,7 +19490,7 @@
               <a:t>&gt;&gt;&gt; </a:t>
             </a:r>
             <a:r>
-              <a:rPr lang="en-US" sz="2800" b="1" i="0" u="none" strike="noStrike" cap="none" dirty="0" smtClean="0">
+              <a:rPr lang="en-US" sz="2800" i="0" u="none" strike="noStrike" cap="none" dirty="0" smtClean="0">
                 <a:solidFill>
                   <a:srgbClr val="FFFF00"/>
                 </a:solidFill>
@@ -19501,7 +19502,7 @@
               <a:t>print</a:t>
             </a:r>
             <a:r>
-              <a:rPr lang="en-US" sz="2800" b="1" dirty="0" smtClean="0">
+              <a:rPr lang="en-US" sz="2800" dirty="0" smtClean="0">
                 <a:solidFill>
                   <a:schemeClr val="bg1"/>
                 </a:solidFill>
@@ -19513,7 +19514,7 @@
               <a:t>(</a:t>
             </a:r>
             <a:r>
-              <a:rPr lang="en-US" sz="2800" b="1" i="0" u="none" strike="noStrike" cap="none" dirty="0" smtClean="0">
+              <a:rPr lang="en-US" sz="2800" i="0" u="none" strike="noStrike" cap="none" dirty="0" smtClean="0">
                 <a:solidFill>
                   <a:srgbClr val="00FFFF"/>
                 </a:solidFill>
@@ -19525,7 +19526,7 @@
               <a:t>x</a:t>
             </a:r>
             <a:r>
-              <a:rPr lang="en-US" sz="2800" b="1" i="0" u="none" strike="noStrike" cap="none" dirty="0" smtClean="0">
+              <a:rPr lang="en-US" sz="2800" i="0" u="none" strike="noStrike" cap="none" dirty="0" smtClean="0">
                 <a:solidFill>
                   <a:schemeClr val="bg1"/>
                 </a:solidFill>
@@ -19536,7 +19537,7 @@
               </a:rPr>
               <a:t>)</a:t>
             </a:r>
-            <a:endParaRPr lang="en-US" sz="2800" b="1" i="0" u="none" strike="noStrike" cap="none" dirty="0">
+            <a:endParaRPr lang="en-US" sz="2800" i="0" u="none" strike="noStrike" cap="none" dirty="0">
               <a:solidFill>
                 <a:schemeClr val="bg1"/>
               </a:solidFill>
@@ -19565,47 +19566,59 @@
               <a:buNone/>
             </a:pPr>
             <a:r>
+              <a:rPr lang="en-US" sz="2800" i="0" u="none" strike="noStrike" cap="none" dirty="0">
+                <a:solidFill>
+                  <a:srgbClr val="00FFFF"/>
+                </a:solidFill>
+                <a:latin typeface="Courier New"/>
+                <a:ea typeface="Courier New"/>
+                <a:cs typeface="Courier New"/>
+                <a:sym typeface="Courier New"/>
+              </a:rPr>
+              <a:t>124</a:t>
+            </a:r>
+          </a:p>
+          <a:p>
+            <a:pPr marL="0" marR="0" lvl="0" indent="0" algn="l" rtl="0">
+              <a:lnSpc>
+                <a:spcPct val="100000"/>
+              </a:lnSpc>
+              <a:spcBef>
+                <a:spcPts val="0"/>
+              </a:spcBef>
+              <a:spcAft>
+                <a:spcPts val="0"/>
+              </a:spcAft>
+              <a:buClr>
+                <a:schemeClr val="lt1"/>
+              </a:buClr>
+              <a:buSzPct val="25000"/>
+              <a:buFont typeface="Cabin"/>
+              <a:buNone/>
+            </a:pPr>
+            <a:r>
+              <a:rPr lang="en-US" sz="2800" i="0" u="none" strike="noStrike" cap="none" dirty="0">
+                <a:solidFill>
+                  <a:schemeClr val="lt1"/>
+                </a:solidFill>
+                <a:latin typeface="Courier New"/>
+                <a:ea typeface="Courier New"/>
+                <a:cs typeface="Courier New"/>
+                <a:sym typeface="Courier New"/>
+              </a:rPr>
+              <a:t>&gt;&gt;&gt;</a:t>
+            </a:r>
+            <a:r>
               <a:rPr lang="en-US" sz="2800" b="1" i="0" u="none" strike="noStrike" cap="none" dirty="0">
                 <a:solidFill>
-                  <a:srgbClr val="00FFFF"/>
-                </a:solidFill>
-                <a:latin typeface="Courier New"/>
-                <a:ea typeface="Courier New"/>
-                <a:cs typeface="Courier New"/>
-                <a:sym typeface="Courier New"/>
-              </a:rPr>
-              <a:t>124</a:t>
-            </a:r>
-          </a:p>
-          <a:p>
-            <a:pPr marL="0" marR="0" lvl="0" indent="0" algn="l" rtl="0">
-              <a:lnSpc>
-                <a:spcPct val="100000"/>
-              </a:lnSpc>
-              <a:spcBef>
-                <a:spcPts val="0"/>
-              </a:spcBef>
-              <a:spcAft>
-                <a:spcPts val="0"/>
-              </a:spcAft>
-              <a:buClr>
-                <a:schemeClr val="lt1"/>
-              </a:buClr>
-              <a:buSzPct val="25000"/>
-              <a:buFont typeface="Cabin"/>
-              <a:buNone/>
-            </a:pPr>
-            <a:r>
-              <a:rPr lang="en-US" sz="2800" b="1" i="0" u="none" strike="noStrike" cap="none" dirty="0">
-                <a:solidFill>
-                  <a:schemeClr val="lt1"/>
-                </a:solidFill>
-                <a:latin typeface="Courier New"/>
-                <a:ea typeface="Courier New"/>
-                <a:cs typeface="Courier New"/>
-                <a:sym typeface="Courier New"/>
-              </a:rPr>
-              <a:t>&gt;&gt;&gt; </a:t>
+                  <a:schemeClr val="lt1"/>
+                </a:solidFill>
+                <a:latin typeface="Courier New"/>
+                <a:ea typeface="Courier New"/>
+                <a:cs typeface="Courier New"/>
+                <a:sym typeface="Courier New"/>
+              </a:rPr>
+              <a:t> </a:t>
             </a:r>
           </a:p>
         </p:txBody>
@@ -19647,7 +19660,7 @@
         </p:nvSpPr>
         <p:spPr>
           <a:xfrm>
-            <a:off x="8286750" y="833718"/>
+            <a:off x="7986713" y="673718"/>
             <a:ext cx="6800950" cy="1706182"/>
           </a:xfrm>
           <a:prstGeom prst="rect">
@@ -19682,7 +19695,7 @@
               <a:buNone/>
             </a:pPr>
             <a:r>
-              <a:rPr lang="en-US" sz="7600" u="none" strike="noStrike" cap="none">
+              <a:rPr lang="en-US" sz="7600" u="none" strike="noStrike" cap="none" dirty="0">
                 <a:solidFill>
                   <a:srgbClr val="FFFF00"/>
                 </a:solidFill>
@@ -19970,7 +19983,7 @@
               <a:buNone/>
             </a:pPr>
             <a:r>
-              <a:rPr lang="en-US" sz="3400" b="1" i="0" u="none" strike="noStrike" cap="none" dirty="0">
+              <a:rPr lang="en-US" sz="3400" i="0" u="none" strike="noStrike" cap="none" dirty="0">
                 <a:solidFill>
                   <a:schemeClr val="lt1"/>
                 </a:solidFill>
@@ -19982,7 +19995,7 @@
               <a:t>&gt;&gt;&gt; </a:t>
             </a:r>
             <a:r>
-              <a:rPr lang="en-US" sz="3400" b="1" i="0" u="none" strike="noStrike" cap="none" dirty="0">
+              <a:rPr lang="en-US" sz="3400" i="0" u="none" strike="noStrike" cap="none" dirty="0">
                 <a:solidFill>
                   <a:srgbClr val="00FF00"/>
                 </a:solidFill>
@@ -19994,7 +20007,7 @@
               <a:t>greet</a:t>
             </a:r>
             <a:r>
-              <a:rPr lang="en-US" sz="3400" b="1" i="0" u="none" strike="noStrike" cap="none" dirty="0">
+              <a:rPr lang="en-US" sz="3400" i="0" u="none" strike="noStrike" cap="none" dirty="0">
                 <a:solidFill>
                   <a:srgbClr val="FF7F00"/>
                 </a:solidFill>
@@ -20006,7 +20019,7 @@
               <a:t> </a:t>
             </a:r>
             <a:r>
-              <a:rPr lang="en-US" sz="3400" b="1" i="0" u="none" strike="noStrike" cap="none" dirty="0">
+              <a:rPr lang="en-US" sz="3400" i="0" u="none" strike="noStrike" cap="none" dirty="0">
                 <a:solidFill>
                   <a:schemeClr val="lt1"/>
                 </a:solidFill>
@@ -20018,7 +20031,7 @@
               <a:t>=</a:t>
             </a:r>
             <a:r>
-              <a:rPr lang="en-US" sz="3400" b="1" i="0" u="none" strike="noStrike" cap="none" dirty="0">
+              <a:rPr lang="en-US" sz="3400" i="0" u="none" strike="noStrike" cap="none" dirty="0">
                 <a:solidFill>
                   <a:srgbClr val="FFFF00"/>
                 </a:solidFill>
@@ -20030,7 +20043,7 @@
               <a:t> </a:t>
             </a:r>
             <a:r>
-              <a:rPr lang="en-US" sz="3400" b="1" i="0" u="none" strike="noStrike" cap="none" dirty="0">
+              <a:rPr lang="en-US" sz="3400" i="0" u="none" strike="noStrike" cap="none" dirty="0">
                 <a:solidFill>
                   <a:srgbClr val="FF7F00"/>
                 </a:solidFill>
@@ -20061,7 +20074,7 @@
               <a:buNone/>
             </a:pPr>
             <a:r>
-              <a:rPr lang="en-US" sz="3400" b="1" i="0" u="none" strike="noStrike" cap="none" dirty="0">
+              <a:rPr lang="en-US" sz="3400" i="0" u="none" strike="noStrike" cap="none" dirty="0">
                 <a:solidFill>
                   <a:schemeClr val="lt1"/>
                 </a:solidFill>
@@ -20073,7 +20086,7 @@
               <a:t>&gt;&gt;&gt; </a:t>
             </a:r>
             <a:r>
-              <a:rPr lang="en-US" sz="3400" b="1" i="0" u="none" strike="noStrike" cap="none" dirty="0">
+              <a:rPr lang="en-US" sz="3400" i="0" u="none" strike="noStrike" cap="none" dirty="0">
                 <a:solidFill>
                   <a:srgbClr val="00FF00"/>
                 </a:solidFill>
@@ -20085,7 +20098,7 @@
               <a:t>zap</a:t>
             </a:r>
             <a:r>
-              <a:rPr lang="en-US" sz="3400" b="1" i="0" u="none" strike="noStrike" cap="none" dirty="0">
+              <a:rPr lang="en-US" sz="3400" i="0" u="none" strike="noStrike" cap="none" dirty="0">
                 <a:solidFill>
                   <a:srgbClr val="FF7F00"/>
                 </a:solidFill>
@@ -20097,7 +20110,7 @@
               <a:t> </a:t>
             </a:r>
             <a:r>
-              <a:rPr lang="en-US" sz="3400" b="1" i="0" u="none" strike="noStrike" cap="none" dirty="0">
+              <a:rPr lang="en-US" sz="3400" i="0" u="none" strike="noStrike" cap="none" dirty="0">
                 <a:solidFill>
                   <a:schemeClr val="lt1"/>
                 </a:solidFill>
@@ -20109,7 +20122,7 @@
               <a:t>=</a:t>
             </a:r>
             <a:r>
-              <a:rPr lang="en-US" sz="3400" b="1" i="0" u="none" strike="noStrike" cap="none" dirty="0">
+              <a:rPr lang="en-US" sz="3400" i="0" u="none" strike="noStrike" cap="none" dirty="0">
                 <a:solidFill>
                   <a:srgbClr val="FF7F00"/>
                 </a:solidFill>
@@ -20121,7 +20134,7 @@
               <a:t> </a:t>
             </a:r>
             <a:r>
-              <a:rPr lang="en-US" sz="3400" b="1" i="0" u="none" strike="noStrike" cap="none" dirty="0" err="1">
+              <a:rPr lang="en-US" sz="3400" i="0" u="none" strike="noStrike" cap="none" dirty="0" err="1">
                 <a:solidFill>
                   <a:srgbClr val="00FF00"/>
                 </a:solidFill>
@@ -20133,7 +20146,7 @@
               <a:t>greet</a:t>
             </a:r>
             <a:r>
-              <a:rPr lang="en-US" sz="3400" b="1" i="0" u="none" strike="noStrike" cap="none" dirty="0" err="1">
+              <a:rPr lang="en-US" sz="3400" i="0" u="none" strike="noStrike" cap="none" dirty="0" err="1">
                 <a:solidFill>
                   <a:srgbClr val="FF00FF"/>
                 </a:solidFill>
@@ -20145,7 +20158,7 @@
               <a:t>.lower</a:t>
             </a:r>
             <a:r>
-              <a:rPr lang="en-US" sz="3400" b="1" i="0" u="none" strike="noStrike" cap="none" dirty="0">
+              <a:rPr lang="en-US" sz="3400" i="0" u="none" strike="noStrike" cap="none" dirty="0">
                 <a:solidFill>
                   <a:schemeClr val="lt1"/>
                 </a:solidFill>
@@ -20176,7 +20189,7 @@
               <a:buNone/>
             </a:pPr>
             <a:r>
-              <a:rPr lang="en-US" sz="3400" b="1" i="0" u="none" strike="noStrike" cap="none" dirty="0">
+              <a:rPr lang="en-US" sz="3400" i="0" u="none" strike="noStrike" cap="none" dirty="0">
                 <a:solidFill>
                   <a:schemeClr val="lt1"/>
                 </a:solidFill>
@@ -20188,7 +20201,7 @@
               <a:t>&gt;&gt;&gt; </a:t>
             </a:r>
             <a:r>
-              <a:rPr lang="en-US" sz="3400" b="1" i="0" u="none" strike="noStrike" cap="none" dirty="0" smtClean="0">
+              <a:rPr lang="en-US" sz="3400" i="0" u="none" strike="noStrike" cap="none" dirty="0" smtClean="0">
                 <a:solidFill>
                   <a:srgbClr val="FFFF00"/>
                 </a:solidFill>
@@ -20200,7 +20213,7 @@
               <a:t>print</a:t>
             </a:r>
             <a:r>
-              <a:rPr lang="en-US" sz="3400" b="1" dirty="0" smtClean="0">
+              <a:rPr lang="en-US" sz="3400" dirty="0" smtClean="0">
                 <a:solidFill>
                   <a:schemeClr val="bg1"/>
                 </a:solidFill>
@@ -20212,7 +20225,7 @@
               <a:t>(</a:t>
             </a:r>
             <a:r>
-              <a:rPr lang="en-US" sz="3400" b="1" i="0" u="none" strike="noStrike" cap="none" dirty="0" smtClean="0">
+              <a:rPr lang="en-US" sz="3400" i="0" u="none" strike="noStrike" cap="none" dirty="0" smtClean="0">
                 <a:solidFill>
                   <a:srgbClr val="00FF00"/>
                 </a:solidFill>
@@ -20224,7 +20237,7 @@
               <a:t>zap</a:t>
             </a:r>
             <a:r>
-              <a:rPr lang="en-US" sz="3400" b="1" i="0" u="none" strike="noStrike" cap="none" dirty="0" smtClean="0">
+              <a:rPr lang="en-US" sz="3400" i="0" u="none" strike="noStrike" cap="none" dirty="0" smtClean="0">
                 <a:solidFill>
                   <a:schemeClr val="bg1"/>
                 </a:solidFill>
@@ -20235,7 +20248,7 @@
               </a:rPr>
               <a:t>)</a:t>
             </a:r>
-            <a:endParaRPr lang="en-US" sz="3400" b="1" i="0" u="none" strike="noStrike" cap="none" dirty="0">
+            <a:endParaRPr lang="en-US" sz="3400" i="0" u="none" strike="noStrike" cap="none" dirty="0">
               <a:solidFill>
                 <a:schemeClr val="bg1"/>
               </a:solidFill>
@@ -20264,7 +20277,7 @@
               <a:buNone/>
             </a:pPr>
             <a:r>
-              <a:rPr lang="en-US" sz="3400" b="1" i="0" u="none" strike="noStrike" cap="none" dirty="0">
+              <a:rPr lang="en-US" sz="3400" i="0" u="none" strike="noStrike" cap="none" dirty="0">
                 <a:solidFill>
                   <a:schemeClr val="lt1"/>
                 </a:solidFill>
@@ -20295,7 +20308,7 @@
               <a:buNone/>
             </a:pPr>
             <a:r>
-              <a:rPr lang="en-US" sz="3400" b="1" i="0" u="none" strike="noStrike" cap="none" dirty="0">
+              <a:rPr lang="en-US" sz="3400" i="0" u="none" strike="noStrike" cap="none" dirty="0">
                 <a:solidFill>
                   <a:schemeClr val="lt1"/>
                 </a:solidFill>
@@ -20307,7 +20320,7 @@
               <a:t>&gt;&gt;&gt; </a:t>
             </a:r>
             <a:r>
-              <a:rPr lang="en-US" sz="3400" b="1" i="0" u="none" strike="noStrike" cap="none" dirty="0" smtClean="0">
+              <a:rPr lang="en-US" sz="3400" i="0" u="none" strike="noStrike" cap="none" dirty="0" smtClean="0">
                 <a:solidFill>
                   <a:srgbClr val="FFFF00"/>
                 </a:solidFill>
@@ -20319,7 +20332,7 @@
               <a:t>print</a:t>
             </a:r>
             <a:r>
-              <a:rPr lang="en-US" sz="3400" b="1" dirty="0" smtClean="0">
+              <a:rPr lang="en-US" sz="3400" dirty="0" smtClean="0">
                 <a:solidFill>
                   <a:schemeClr val="lt1"/>
                 </a:solidFill>
@@ -20331,7 +20344,7 @@
               <a:t>(</a:t>
             </a:r>
             <a:r>
-              <a:rPr lang="en-US" sz="3400" b="1" i="0" u="none" strike="noStrike" cap="none" dirty="0" smtClean="0">
+              <a:rPr lang="en-US" sz="3400" i="0" u="none" strike="noStrike" cap="none" dirty="0" smtClean="0">
                 <a:solidFill>
                   <a:srgbClr val="00FF00"/>
                 </a:solidFill>
@@ -20342,7 +20355,7 @@
               </a:rPr>
               <a:t>greet)</a:t>
             </a:r>
-            <a:endParaRPr lang="en-US" sz="3400" b="1" i="0" u="none" strike="noStrike" cap="none" dirty="0">
+            <a:endParaRPr lang="en-US" sz="3400" i="0" u="none" strike="noStrike" cap="none" dirty="0">
               <a:solidFill>
                 <a:srgbClr val="00FF00"/>
               </a:solidFill>
@@ -20371,7 +20384,7 @@
               <a:buNone/>
             </a:pPr>
             <a:r>
-              <a:rPr lang="en-US" sz="3400" b="1" i="0" u="none" strike="noStrike" cap="none" dirty="0">
+              <a:rPr lang="en-US" sz="3400" i="0" u="none" strike="noStrike" cap="none" dirty="0">
                 <a:solidFill>
                   <a:schemeClr val="lt1"/>
                 </a:solidFill>
@@ -20402,7 +20415,7 @@
               <a:buNone/>
             </a:pPr>
             <a:r>
-              <a:rPr lang="en-US" sz="3400" b="1" i="0" u="none" strike="noStrike" cap="none" dirty="0">
+              <a:rPr lang="en-US" sz="3400" i="0" u="none" strike="noStrike" cap="none" dirty="0">
                 <a:solidFill>
                   <a:schemeClr val="lt1"/>
                 </a:solidFill>
@@ -20414,7 +20427,7 @@
               <a:t>&gt;&gt;&gt; </a:t>
             </a:r>
             <a:r>
-              <a:rPr lang="en-US" sz="3400" b="1" i="0" u="none" strike="noStrike" cap="none" dirty="0" smtClean="0">
+              <a:rPr lang="en-US" sz="3400" i="0" u="none" strike="noStrike" cap="none" dirty="0" smtClean="0">
                 <a:solidFill>
                   <a:srgbClr val="FFFF00"/>
                 </a:solidFill>
@@ -20426,7 +20439,7 @@
               <a:t>print</a:t>
             </a:r>
             <a:r>
-              <a:rPr lang="en-US" sz="3400" b="1" i="0" u="none" strike="noStrike" cap="none" dirty="0" smtClean="0">
+              <a:rPr lang="en-US" sz="3400" i="0" u="none" strike="noStrike" cap="none" dirty="0" smtClean="0">
                 <a:solidFill>
                   <a:schemeClr val="bg1"/>
                 </a:solidFill>
@@ -20438,7 +20451,7 @@
               <a:t>(</a:t>
             </a:r>
             <a:r>
-              <a:rPr lang="en-US" sz="3400" b="1" i="0" u="none" strike="noStrike" cap="none" dirty="0" smtClean="0">
+              <a:rPr lang="en-US" sz="3400" i="0" u="none" strike="noStrike" cap="none" dirty="0" smtClean="0">
                 <a:solidFill>
                   <a:srgbClr val="FF7F00"/>
                 </a:solidFill>
@@ -20450,7 +20463,7 @@
               <a:t>'Hi </a:t>
             </a:r>
             <a:r>
-              <a:rPr lang="en-US" sz="3400" b="1" i="0" u="none" strike="noStrike" cap="none" dirty="0" err="1">
+              <a:rPr lang="en-US" sz="3400" i="0" u="none" strike="noStrike" cap="none" dirty="0" err="1">
                 <a:solidFill>
                   <a:srgbClr val="FF7F00"/>
                 </a:solidFill>
@@ -20462,7 +20475,7 @@
               <a:t>There'</a:t>
             </a:r>
             <a:r>
-              <a:rPr lang="en-US" sz="3400" b="1" i="0" u="none" strike="noStrike" cap="none" dirty="0" err="1">
+              <a:rPr lang="en-US" sz="3400" i="0" u="none" strike="noStrike" cap="none" dirty="0" err="1">
                 <a:solidFill>
                   <a:srgbClr val="FF00FF"/>
                 </a:solidFill>
@@ -20474,7 +20487,7 @@
               <a:t>.lower</a:t>
             </a:r>
             <a:r>
-              <a:rPr lang="en-US" sz="3400" b="1" i="0" u="none" strike="noStrike" cap="none" dirty="0" smtClean="0">
+              <a:rPr lang="en-US" sz="3400" i="0" u="none" strike="noStrike" cap="none" dirty="0" smtClean="0">
                 <a:solidFill>
                   <a:schemeClr val="lt1"/>
                 </a:solidFill>
@@ -20485,7 +20498,7 @@
               </a:rPr>
               <a:t>())</a:t>
             </a:r>
-            <a:endParaRPr lang="en-US" sz="3400" b="1" i="0" u="none" strike="noStrike" cap="none" dirty="0">
+            <a:endParaRPr lang="en-US" sz="3400" i="0" u="none" strike="noStrike" cap="none" dirty="0">
               <a:solidFill>
                 <a:schemeClr val="lt1"/>
               </a:solidFill>
@@ -20514,7 +20527,7 @@
               <a:buNone/>
             </a:pPr>
             <a:r>
-              <a:rPr lang="en-US" sz="3400" b="1" i="0" u="none" strike="noStrike" cap="none" dirty="0">
+              <a:rPr lang="en-US" sz="3400" i="0" u="none" strike="noStrike" cap="none" dirty="0">
                 <a:solidFill>
                   <a:schemeClr val="lt1"/>
                 </a:solidFill>
@@ -20545,7 +20558,7 @@
               <a:buNone/>
             </a:pPr>
             <a:r>
-              <a:rPr lang="en-US" sz="3400" b="1" i="0" u="none" strike="noStrike" cap="none" dirty="0">
+              <a:rPr lang="en-US" sz="3400" i="0" u="none" strike="noStrike" cap="none" dirty="0">
                 <a:solidFill>
                   <a:schemeClr val="lt1"/>
                 </a:solidFill>
@@ -20592,7 +20605,7 @@
         </p:nvSpPr>
         <p:spPr>
           <a:xfrm>
-            <a:off x="912300" y="771525"/>
+            <a:off x="902991" y="692855"/>
             <a:ext cx="14919599" cy="7529513"/>
           </a:xfrm>
           <a:prstGeom prst="rect">
@@ -20627,7 +20640,7 @@
               <a:buNone/>
             </a:pPr>
             <a:r>
-              <a:rPr lang="en-US" sz="2800" b="1" i="0" u="none" strike="noStrike" cap="none" dirty="0">
+              <a:rPr lang="en-US" sz="3000" i="0" u="none" strike="noStrike" cap="none" dirty="0">
                 <a:solidFill>
                   <a:schemeClr val="lt1"/>
                 </a:solidFill>
@@ -20639,7 +20652,7 @@
               <a:t>&gt;&gt;&gt; </a:t>
             </a:r>
             <a:r>
-              <a:rPr lang="en-US" sz="2800" b="1" i="0" u="none" strike="noStrike" cap="none" dirty="0">
+              <a:rPr lang="en-US" sz="3000" i="0" u="none" strike="noStrike" cap="none" dirty="0">
                 <a:solidFill>
                   <a:srgbClr val="00FF00"/>
                 </a:solidFill>
@@ -20651,7 +20664,7 @@
               <a:t>stuff</a:t>
             </a:r>
             <a:r>
-              <a:rPr lang="en-US" sz="2800" b="1" i="0" u="none" strike="noStrike" cap="none" dirty="0">
+              <a:rPr lang="en-US" sz="3000" i="0" u="none" strike="noStrike" cap="none" dirty="0">
                 <a:solidFill>
                   <a:schemeClr val="lt1"/>
                 </a:solidFill>
@@ -20663,7 +20676,7 @@
               <a:t> = </a:t>
             </a:r>
             <a:r>
-              <a:rPr lang="en-US" sz="2800" b="1" i="0" u="none" strike="noStrike" cap="none" dirty="0">
+              <a:rPr lang="en-US" sz="3000" i="0" u="none" strike="noStrike" cap="none" dirty="0">
                 <a:solidFill>
                   <a:srgbClr val="FF7F00"/>
                 </a:solidFill>
@@ -20675,7 +20688,7 @@
               <a:t>'Hello world</a:t>
             </a:r>
             <a:r>
-              <a:rPr lang="en-US" sz="2800" b="1" dirty="0">
+              <a:rPr lang="en-US" sz="3000" dirty="0">
                 <a:solidFill>
                   <a:srgbClr val="FF7F00"/>
                 </a:solidFill>
@@ -20706,7 +20719,7 @@
               <a:buNone/>
             </a:pPr>
             <a:r>
-              <a:rPr lang="en-US" sz="2800" b="1" i="0" u="none" strike="noStrike" cap="none" dirty="0">
+              <a:rPr lang="en-US" sz="3000" i="0" u="none" strike="noStrike" cap="none" dirty="0">
                 <a:solidFill>
                   <a:schemeClr val="lt1"/>
                 </a:solidFill>
@@ -20718,7 +20731,7 @@
               <a:t>&gt;&gt;&gt; </a:t>
             </a:r>
             <a:r>
-              <a:rPr lang="en-US" sz="2800" b="1" i="0" u="none" strike="noStrike" cap="none" dirty="0">
+              <a:rPr lang="en-US" sz="3000" i="0" u="none" strike="noStrike" cap="none" dirty="0">
                 <a:solidFill>
                   <a:srgbClr val="FFFF00"/>
                 </a:solidFill>
@@ -20730,7 +20743,7 @@
               <a:t>type</a:t>
             </a:r>
             <a:r>
-              <a:rPr lang="en-US" sz="2800" b="1" i="0" u="none" strike="noStrike" cap="none" dirty="0">
+              <a:rPr lang="en-US" sz="3000" i="0" u="none" strike="noStrike" cap="none" dirty="0">
                 <a:solidFill>
                   <a:schemeClr val="lt1"/>
                 </a:solidFill>
@@ -20742,7 +20755,7 @@
               <a:t>(</a:t>
             </a:r>
             <a:r>
-              <a:rPr lang="en-US" sz="2800" b="1" i="0" u="none" strike="noStrike" cap="none" dirty="0">
+              <a:rPr lang="en-US" sz="3000" i="0" u="none" strike="noStrike" cap="none" dirty="0">
                 <a:solidFill>
                   <a:srgbClr val="00FF00"/>
                 </a:solidFill>
@@ -20754,7 +20767,7 @@
               <a:t>stuff</a:t>
             </a:r>
             <a:r>
-              <a:rPr lang="en-US" sz="2800" b="1" i="0" u="none" strike="noStrike" cap="none" dirty="0">
+              <a:rPr lang="en-US" sz="3000" i="0" u="none" strike="noStrike" cap="none" dirty="0">
                 <a:solidFill>
                   <a:schemeClr val="lt1"/>
                 </a:solidFill>
@@ -20785,7 +20798,7 @@
               <a:buNone/>
             </a:pPr>
             <a:r>
-              <a:rPr lang="en-US" sz="2800" b="1" i="0" u="none" strike="noStrike" cap="none" dirty="0" smtClean="0">
+              <a:rPr lang="en-US" sz="3000" i="0" u="none" strike="noStrike" cap="none" dirty="0" smtClean="0">
                 <a:solidFill>
                   <a:schemeClr val="lt1"/>
                 </a:solidFill>
@@ -20797,7 +20810,7 @@
               <a:t>&lt;class '</a:t>
             </a:r>
             <a:r>
-              <a:rPr lang="en-US" sz="2800" b="1" i="0" u="none" strike="noStrike" cap="none" dirty="0" err="1" smtClean="0">
+              <a:rPr lang="en-US" sz="3000" i="0" u="none" strike="noStrike" cap="none" dirty="0" err="1" smtClean="0">
                 <a:solidFill>
                   <a:schemeClr val="lt1"/>
                 </a:solidFill>
@@ -20809,7 +20822,7 @@
               <a:t>str</a:t>
             </a:r>
             <a:r>
-              <a:rPr lang="en-US" sz="2800" b="1" i="0" u="none" strike="noStrike" cap="none" dirty="0">
+              <a:rPr lang="en-US" sz="3000" i="0" u="none" strike="noStrike" cap="none" dirty="0">
                 <a:solidFill>
                   <a:schemeClr val="lt1"/>
                 </a:solidFill>
@@ -20840,7 +20853,7 @@
               <a:buNone/>
             </a:pPr>
             <a:r>
-              <a:rPr lang="en-US" sz="2800" b="1" i="0" u="none" strike="noStrike" cap="none" dirty="0">
+              <a:rPr lang="en-US" sz="3000" i="0" u="none" strike="noStrike" cap="none" dirty="0">
                 <a:solidFill>
                   <a:schemeClr val="lt1"/>
                 </a:solidFill>
@@ -20852,7 +20865,7 @@
               <a:t>&gt;&gt;&gt; </a:t>
             </a:r>
             <a:r>
-              <a:rPr lang="en-US" sz="2800" b="1" i="0" u="none" strike="noStrike" cap="none" dirty="0" err="1">
+              <a:rPr lang="en-US" sz="3000" i="0" u="none" strike="noStrike" cap="none" dirty="0" err="1">
                 <a:solidFill>
                   <a:srgbClr val="FFFF00"/>
                 </a:solidFill>
@@ -20864,7 +20877,7 @@
               <a:t>dir</a:t>
             </a:r>
             <a:r>
-              <a:rPr lang="en-US" sz="2800" b="1" i="0" u="none" strike="noStrike" cap="none" dirty="0">
+              <a:rPr lang="en-US" sz="3000" i="0" u="none" strike="noStrike" cap="none" dirty="0">
                 <a:solidFill>
                   <a:schemeClr val="lt1"/>
                 </a:solidFill>
@@ -20876,7 +20889,7 @@
               <a:t>(</a:t>
             </a:r>
             <a:r>
-              <a:rPr lang="en-US" sz="2800" b="1" i="0" u="none" strike="noStrike" cap="none" dirty="0">
+              <a:rPr lang="en-US" sz="3000" i="0" u="none" strike="noStrike" cap="none" dirty="0">
                 <a:solidFill>
                   <a:srgbClr val="00FF00"/>
                 </a:solidFill>
@@ -20888,7 +20901,7 @@
               <a:t>stuff</a:t>
             </a:r>
             <a:r>
-              <a:rPr lang="en-US" sz="2800" b="1" i="0" u="none" strike="noStrike" cap="none" dirty="0">
+              <a:rPr lang="en-US" sz="3000" i="0" u="none" strike="noStrike" cap="none" dirty="0">
                 <a:solidFill>
                   <a:schemeClr val="lt1"/>
                 </a:solidFill>
@@ -20908,7 +20921,7 @@
               <a:buSzPct val="25000"/>
             </a:pPr>
             <a:r>
-              <a:rPr lang="en-US" sz="2800" b="1" dirty="0">
+              <a:rPr lang="en-US" sz="3000" dirty="0">
                 <a:solidFill>
                   <a:schemeClr val="lt1"/>
                 </a:solidFill>
@@ -20920,7 +20933,7 @@
               <a:t>['capitalize', '</a:t>
             </a:r>
             <a:r>
-              <a:rPr lang="en-US" sz="2800" b="1" dirty="0" err="1">
+              <a:rPr lang="en-US" sz="3000" dirty="0" err="1">
                 <a:solidFill>
                   <a:schemeClr val="lt1"/>
                 </a:solidFill>
@@ -20932,7 +20945,7 @@
               <a:t>casefold</a:t>
             </a:r>
             <a:r>
-              <a:rPr lang="en-US" sz="2800" b="1" dirty="0">
+              <a:rPr lang="en-US" sz="3000" dirty="0">
                 <a:solidFill>
                   <a:schemeClr val="lt1"/>
                 </a:solidFill>
@@ -20944,7 +20957,7 @@
               <a:t>', 'center', 'count', 'encode', '</a:t>
             </a:r>
             <a:r>
-              <a:rPr lang="en-US" sz="2800" b="1" dirty="0" err="1">
+              <a:rPr lang="en-US" sz="3000" dirty="0" err="1">
                 <a:solidFill>
                   <a:schemeClr val="lt1"/>
                 </a:solidFill>
@@ -20956,7 +20969,7 @@
               <a:t>endswith</a:t>
             </a:r>
             <a:r>
-              <a:rPr lang="en-US" sz="2800" b="1" dirty="0">
+              <a:rPr lang="en-US" sz="3000" dirty="0">
                 <a:solidFill>
                   <a:schemeClr val="lt1"/>
                 </a:solidFill>
@@ -20968,7 +20981,7 @@
               <a:t>', '</a:t>
             </a:r>
             <a:r>
-              <a:rPr lang="en-US" sz="2800" b="1" dirty="0" err="1">
+              <a:rPr lang="en-US" sz="3000" dirty="0" err="1">
                 <a:solidFill>
                   <a:schemeClr val="lt1"/>
                 </a:solidFill>
@@ -20980,7 +20993,7 @@
               <a:t>expandtabs</a:t>
             </a:r>
             <a:r>
-              <a:rPr lang="en-US" sz="2800" b="1" dirty="0">
+              <a:rPr lang="en-US" sz="3000" dirty="0">
                 <a:solidFill>
                   <a:schemeClr val="lt1"/>
                 </a:solidFill>
@@ -20992,7 +21005,7 @@
               <a:t>', 'find', 'format', '</a:t>
             </a:r>
             <a:r>
-              <a:rPr lang="en-US" sz="2800" b="1" dirty="0" err="1">
+              <a:rPr lang="en-US" sz="3000" dirty="0" err="1">
                 <a:solidFill>
                   <a:schemeClr val="lt1"/>
                 </a:solidFill>
@@ -21004,7 +21017,7 @@
               <a:t>format_map</a:t>
             </a:r>
             <a:r>
-              <a:rPr lang="en-US" sz="2800" b="1" dirty="0">
+              <a:rPr lang="en-US" sz="3000" dirty="0">
                 <a:solidFill>
                   <a:schemeClr val="lt1"/>
                 </a:solidFill>
@@ -21016,7 +21029,7 @@
               <a:t>', 'index', '</a:t>
             </a:r>
             <a:r>
-              <a:rPr lang="en-US" sz="2800" b="1" dirty="0" err="1">
+              <a:rPr lang="en-US" sz="3000" dirty="0" err="1">
                 <a:solidFill>
                   <a:schemeClr val="lt1"/>
                 </a:solidFill>
@@ -21028,7 +21041,7 @@
               <a:t>isalnum</a:t>
             </a:r>
             <a:r>
-              <a:rPr lang="en-US" sz="2800" b="1" dirty="0">
+              <a:rPr lang="en-US" sz="3000" dirty="0">
                 <a:solidFill>
                   <a:schemeClr val="lt1"/>
                 </a:solidFill>
@@ -21040,7 +21053,7 @@
               <a:t>', '</a:t>
             </a:r>
             <a:r>
-              <a:rPr lang="en-US" sz="2800" b="1" dirty="0" err="1">
+              <a:rPr lang="en-US" sz="3000" dirty="0" err="1">
                 <a:solidFill>
                   <a:schemeClr val="lt1"/>
                 </a:solidFill>
@@ -21052,7 +21065,7 @@
               <a:t>isalpha</a:t>
             </a:r>
             <a:r>
-              <a:rPr lang="en-US" sz="2800" b="1" dirty="0">
+              <a:rPr lang="en-US" sz="3000" dirty="0">
                 <a:solidFill>
                   <a:schemeClr val="lt1"/>
                 </a:solidFill>
@@ -21064,7 +21077,7 @@
               <a:t>', '</a:t>
             </a:r>
             <a:r>
-              <a:rPr lang="en-US" sz="2800" b="1" dirty="0" err="1">
+              <a:rPr lang="en-US" sz="3000" dirty="0" err="1">
                 <a:solidFill>
                   <a:schemeClr val="lt1"/>
                 </a:solidFill>
@@ -21076,7 +21089,7 @@
               <a:t>isdecimal</a:t>
             </a:r>
             <a:r>
-              <a:rPr lang="en-US" sz="2800" b="1" dirty="0">
+              <a:rPr lang="en-US" sz="3000" dirty="0">
                 <a:solidFill>
                   <a:schemeClr val="lt1"/>
                 </a:solidFill>
@@ -21088,7 +21101,7 @@
               <a:t>', '</a:t>
             </a:r>
             <a:r>
-              <a:rPr lang="en-US" sz="2800" b="1" dirty="0" err="1">
+              <a:rPr lang="en-US" sz="3000" dirty="0" err="1">
                 <a:solidFill>
                   <a:schemeClr val="lt1"/>
                 </a:solidFill>
@@ -21100,7 +21113,7 @@
               <a:t>isdigit</a:t>
             </a:r>
             <a:r>
-              <a:rPr lang="en-US" sz="2800" b="1" dirty="0">
+              <a:rPr lang="en-US" sz="3000" dirty="0">
                 <a:solidFill>
                   <a:schemeClr val="lt1"/>
                 </a:solidFill>
@@ -21112,7 +21125,7 @@
               <a:t>', '</a:t>
             </a:r>
             <a:r>
-              <a:rPr lang="en-US" sz="2800" b="1" dirty="0" err="1">
+              <a:rPr lang="en-US" sz="3000" dirty="0" err="1">
                 <a:solidFill>
                   <a:schemeClr val="lt1"/>
                 </a:solidFill>
@@ -21124,7 +21137,7 @@
               <a:t>isidentifier</a:t>
             </a:r>
             <a:r>
-              <a:rPr lang="en-US" sz="2800" b="1" dirty="0">
+              <a:rPr lang="en-US" sz="3000" dirty="0">
                 <a:solidFill>
                   <a:schemeClr val="lt1"/>
                 </a:solidFill>
@@ -21136,7 +21149,7 @@
               <a:t>', '</a:t>
             </a:r>
             <a:r>
-              <a:rPr lang="en-US" sz="2800" b="1" dirty="0" err="1">
+              <a:rPr lang="en-US" sz="3000" dirty="0" err="1">
                 <a:solidFill>
                   <a:schemeClr val="lt1"/>
                 </a:solidFill>
@@ -21148,7 +21161,7 @@
               <a:t>islower</a:t>
             </a:r>
             <a:r>
-              <a:rPr lang="en-US" sz="2800" b="1" dirty="0">
+              <a:rPr lang="en-US" sz="3000" dirty="0">
                 <a:solidFill>
                   <a:schemeClr val="lt1"/>
                 </a:solidFill>
@@ -21160,7 +21173,7 @@
               <a:t>', '</a:t>
             </a:r>
             <a:r>
-              <a:rPr lang="en-US" sz="2800" b="1" dirty="0" err="1">
+              <a:rPr lang="en-US" sz="3000" dirty="0" err="1">
                 <a:solidFill>
                   <a:schemeClr val="lt1"/>
                 </a:solidFill>
@@ -21172,7 +21185,7 @@
               <a:t>isnumeric</a:t>
             </a:r>
             <a:r>
-              <a:rPr lang="en-US" sz="2800" b="1" dirty="0">
+              <a:rPr lang="en-US" sz="3000" dirty="0">
                 <a:solidFill>
                   <a:schemeClr val="lt1"/>
                 </a:solidFill>
@@ -21184,7 +21197,7 @@
               <a:t>', '</a:t>
             </a:r>
             <a:r>
-              <a:rPr lang="en-US" sz="2800" b="1" dirty="0" err="1">
+              <a:rPr lang="en-US" sz="3000" dirty="0" err="1">
                 <a:solidFill>
                   <a:schemeClr val="lt1"/>
                 </a:solidFill>
@@ -21196,7 +21209,7 @@
               <a:t>isprintable</a:t>
             </a:r>
             <a:r>
-              <a:rPr lang="en-US" sz="2800" b="1" dirty="0">
+              <a:rPr lang="en-US" sz="3000" dirty="0">
                 <a:solidFill>
                   <a:schemeClr val="lt1"/>
                 </a:solidFill>
@@ -21208,7 +21221,7 @@
               <a:t>', '</a:t>
             </a:r>
             <a:r>
-              <a:rPr lang="en-US" sz="2800" b="1" dirty="0" err="1">
+              <a:rPr lang="en-US" sz="3000" dirty="0" err="1">
                 <a:solidFill>
                   <a:schemeClr val="lt1"/>
                 </a:solidFill>
@@ -21220,7 +21233,7 @@
               <a:t>isspace</a:t>
             </a:r>
             <a:r>
-              <a:rPr lang="en-US" sz="2800" b="1" dirty="0">
+              <a:rPr lang="en-US" sz="3000" dirty="0">
                 <a:solidFill>
                   <a:schemeClr val="lt1"/>
                 </a:solidFill>
@@ -21232,7 +21245,7 @@
               <a:t>', '</a:t>
             </a:r>
             <a:r>
-              <a:rPr lang="en-US" sz="2800" b="1" dirty="0" err="1">
+              <a:rPr lang="en-US" sz="3000" dirty="0" err="1">
                 <a:solidFill>
                   <a:schemeClr val="lt1"/>
                 </a:solidFill>
@@ -21244,7 +21257,7 @@
               <a:t>istitle</a:t>
             </a:r>
             <a:r>
-              <a:rPr lang="en-US" sz="2800" b="1" dirty="0">
+              <a:rPr lang="en-US" sz="3000" dirty="0">
                 <a:solidFill>
                   <a:schemeClr val="lt1"/>
                 </a:solidFill>
@@ -21256,7 +21269,7 @@
               <a:t>', '</a:t>
             </a:r>
             <a:r>
-              <a:rPr lang="en-US" sz="2800" b="1" dirty="0" err="1">
+              <a:rPr lang="en-US" sz="3000" dirty="0" err="1">
                 <a:solidFill>
                   <a:schemeClr val="lt1"/>
                 </a:solidFill>
@@ -21268,7 +21281,7 @@
               <a:t>isupper</a:t>
             </a:r>
             <a:r>
-              <a:rPr lang="en-US" sz="2800" b="1" dirty="0">
+              <a:rPr lang="en-US" sz="3000" dirty="0">
                 <a:solidFill>
                   <a:schemeClr val="lt1"/>
                 </a:solidFill>
@@ -21280,7 +21293,7 @@
               <a:t>', 'join', '</a:t>
             </a:r>
             <a:r>
-              <a:rPr lang="en-US" sz="2800" b="1" dirty="0" err="1">
+              <a:rPr lang="en-US" sz="3000" dirty="0" err="1">
                 <a:solidFill>
                   <a:schemeClr val="lt1"/>
                 </a:solidFill>
@@ -21292,7 +21305,7 @@
               <a:t>ljust</a:t>
             </a:r>
             <a:r>
-              <a:rPr lang="en-US" sz="2800" b="1" dirty="0">
+              <a:rPr lang="en-US" sz="3000" dirty="0">
                 <a:solidFill>
                   <a:schemeClr val="lt1"/>
                 </a:solidFill>
@@ -21304,7 +21317,7 @@
               <a:t>', 'lower', '</a:t>
             </a:r>
             <a:r>
-              <a:rPr lang="en-US" sz="2800" b="1" dirty="0" err="1">
+              <a:rPr lang="en-US" sz="3000" dirty="0" err="1">
                 <a:solidFill>
                   <a:schemeClr val="lt1"/>
                 </a:solidFill>
@@ -21316,7 +21329,7 @@
               <a:t>lstrip</a:t>
             </a:r>
             <a:r>
-              <a:rPr lang="en-US" sz="2800" b="1" dirty="0">
+              <a:rPr lang="en-US" sz="3000" dirty="0">
                 <a:solidFill>
                   <a:schemeClr val="lt1"/>
                 </a:solidFill>
@@ -21328,7 +21341,7 @@
               <a:t>', '</a:t>
             </a:r>
             <a:r>
-              <a:rPr lang="en-US" sz="2800" b="1" dirty="0" err="1">
+              <a:rPr lang="en-US" sz="3000" dirty="0" err="1">
                 <a:solidFill>
                   <a:schemeClr val="lt1"/>
                 </a:solidFill>
@@ -21340,7 +21353,7 @@
               <a:t>maketrans</a:t>
             </a:r>
             <a:r>
-              <a:rPr lang="en-US" sz="2800" b="1" dirty="0">
+              <a:rPr lang="en-US" sz="3000" dirty="0">
                 <a:solidFill>
                   <a:schemeClr val="lt1"/>
                 </a:solidFill>
@@ -21352,7 +21365,7 @@
               <a:t>', 'partition', 'replace', '</a:t>
             </a:r>
             <a:r>
-              <a:rPr lang="en-US" sz="2800" b="1" dirty="0" err="1">
+              <a:rPr lang="en-US" sz="3000" dirty="0" err="1">
                 <a:solidFill>
                   <a:schemeClr val="lt1"/>
                 </a:solidFill>
@@ -21364,7 +21377,7 @@
               <a:t>rfind</a:t>
             </a:r>
             <a:r>
-              <a:rPr lang="en-US" sz="2800" b="1" dirty="0">
+              <a:rPr lang="en-US" sz="3000" dirty="0">
                 <a:solidFill>
                   <a:schemeClr val="lt1"/>
                 </a:solidFill>
@@ -21376,7 +21389,7 @@
               <a:t>', '</a:t>
             </a:r>
             <a:r>
-              <a:rPr lang="en-US" sz="2800" b="1" dirty="0" err="1">
+              <a:rPr lang="en-US" sz="3000" dirty="0" err="1">
                 <a:solidFill>
                   <a:schemeClr val="lt1"/>
                 </a:solidFill>
@@ -21388,7 +21401,7 @@
               <a:t>rindex</a:t>
             </a:r>
             <a:r>
-              <a:rPr lang="en-US" sz="2800" b="1" dirty="0">
+              <a:rPr lang="en-US" sz="3000" dirty="0">
                 <a:solidFill>
                   <a:schemeClr val="lt1"/>
                 </a:solidFill>
@@ -21400,7 +21413,7 @@
               <a:t>', '</a:t>
             </a:r>
             <a:r>
-              <a:rPr lang="en-US" sz="2800" b="1" dirty="0" err="1">
+              <a:rPr lang="en-US" sz="3000" dirty="0" err="1">
                 <a:solidFill>
                   <a:schemeClr val="lt1"/>
                 </a:solidFill>
@@ -21412,7 +21425,7 @@
               <a:t>rjust</a:t>
             </a:r>
             <a:r>
-              <a:rPr lang="en-US" sz="2800" b="1" dirty="0">
+              <a:rPr lang="en-US" sz="3000" dirty="0">
                 <a:solidFill>
                   <a:schemeClr val="lt1"/>
                 </a:solidFill>
@@ -21424,7 +21437,7 @@
               <a:t>', '</a:t>
             </a:r>
             <a:r>
-              <a:rPr lang="en-US" sz="2800" b="1" dirty="0" err="1">
+              <a:rPr lang="en-US" sz="3000" dirty="0" err="1">
                 <a:solidFill>
                   <a:schemeClr val="lt1"/>
                 </a:solidFill>
@@ -21436,7 +21449,7 @@
               <a:t>rpartition</a:t>
             </a:r>
             <a:r>
-              <a:rPr lang="en-US" sz="2800" b="1" dirty="0">
+              <a:rPr lang="en-US" sz="3000" dirty="0">
                 <a:solidFill>
                   <a:schemeClr val="lt1"/>
                 </a:solidFill>
@@ -21448,7 +21461,7 @@
               <a:t>', '</a:t>
             </a:r>
             <a:r>
-              <a:rPr lang="en-US" sz="2800" b="1" dirty="0" err="1">
+              <a:rPr lang="en-US" sz="3000" dirty="0" err="1">
                 <a:solidFill>
                   <a:schemeClr val="lt1"/>
                 </a:solidFill>
@@ -21460,7 +21473,7 @@
               <a:t>rsplit</a:t>
             </a:r>
             <a:r>
-              <a:rPr lang="en-US" sz="2800" b="1" dirty="0">
+              <a:rPr lang="en-US" sz="3000" dirty="0">
                 <a:solidFill>
                   <a:schemeClr val="lt1"/>
                 </a:solidFill>
@@ -21472,7 +21485,7 @@
               <a:t>', '</a:t>
             </a:r>
             <a:r>
-              <a:rPr lang="en-US" sz="2800" b="1" dirty="0" err="1">
+              <a:rPr lang="en-US" sz="3000" dirty="0" err="1">
                 <a:solidFill>
                   <a:schemeClr val="lt1"/>
                 </a:solidFill>
@@ -21484,7 +21497,7 @@
               <a:t>rstrip</a:t>
             </a:r>
             <a:r>
-              <a:rPr lang="en-US" sz="2800" b="1" dirty="0">
+              <a:rPr lang="en-US" sz="3000" dirty="0">
                 <a:solidFill>
                   <a:schemeClr val="lt1"/>
                 </a:solidFill>
@@ -21496,7 +21509,7 @@
               <a:t>', 'split', '</a:t>
             </a:r>
             <a:r>
-              <a:rPr lang="en-US" sz="2800" b="1" dirty="0" err="1">
+              <a:rPr lang="en-US" sz="3000" dirty="0" err="1">
                 <a:solidFill>
                   <a:schemeClr val="lt1"/>
                 </a:solidFill>
@@ -21508,7 +21521,7 @@
               <a:t>splitlines</a:t>
             </a:r>
             <a:r>
-              <a:rPr lang="en-US" sz="2800" b="1" dirty="0">
+              <a:rPr lang="en-US" sz="3000" dirty="0">
                 <a:solidFill>
                   <a:schemeClr val="lt1"/>
                 </a:solidFill>
@@ -21520,7 +21533,7 @@
               <a:t>', '</a:t>
             </a:r>
             <a:r>
-              <a:rPr lang="en-US" sz="2800" b="1" dirty="0" err="1">
+              <a:rPr lang="en-US" sz="3000" dirty="0" err="1">
                 <a:solidFill>
                   <a:schemeClr val="lt1"/>
                 </a:solidFill>
@@ -21532,7 +21545,7 @@
               <a:t>startswith</a:t>
             </a:r>
             <a:r>
-              <a:rPr lang="en-US" sz="2800" b="1" dirty="0">
+              <a:rPr lang="en-US" sz="3000" dirty="0">
                 <a:solidFill>
                   <a:schemeClr val="lt1"/>
                 </a:solidFill>
@@ -21544,7 +21557,7 @@
               <a:t>', 'strip', '</a:t>
             </a:r>
             <a:r>
-              <a:rPr lang="en-US" sz="2800" b="1" dirty="0" err="1">
+              <a:rPr lang="en-US" sz="3000" dirty="0" err="1">
                 <a:solidFill>
                   <a:schemeClr val="lt1"/>
                 </a:solidFill>
@@ -21556,7 +21569,7 @@
               <a:t>swapcase</a:t>
             </a:r>
             <a:r>
-              <a:rPr lang="en-US" sz="2800" b="1" dirty="0">
+              <a:rPr lang="en-US" sz="3000" dirty="0">
                 <a:solidFill>
                   <a:schemeClr val="lt1"/>
                 </a:solidFill>
@@ -21568,7 +21581,7 @@
               <a:t>', 'title', 'translate', 'upper', </a:t>
             </a:r>
             <a:r>
-              <a:rPr lang="en-US" sz="2800" b="1" dirty="0" smtClean="0">
+              <a:rPr lang="en-US" sz="3000" dirty="0" smtClean="0">
                 <a:solidFill>
                   <a:schemeClr val="lt1"/>
                 </a:solidFill>
@@ -21580,7 +21593,7 @@
               <a:t>'</a:t>
             </a:r>
             <a:r>
-              <a:rPr lang="en-US" sz="2800" b="1" dirty="0" err="1" smtClean="0">
+              <a:rPr lang="en-US" sz="3000" dirty="0" err="1" smtClean="0">
                 <a:solidFill>
                   <a:schemeClr val="lt1"/>
                 </a:solidFill>
@@ -21592,7 +21605,7 @@
               <a:t>zfill</a:t>
             </a:r>
             <a:r>
-              <a:rPr lang="en-US" sz="2800" b="1" dirty="0" smtClean="0">
+              <a:rPr lang="en-US" sz="3000" dirty="0" smtClean="0">
                 <a:solidFill>
                   <a:schemeClr val="lt1"/>
                 </a:solidFill>
@@ -21603,7 +21616,7 @@
               </a:rPr>
               <a:t>']</a:t>
             </a:r>
-            <a:endParaRPr lang="en-US" sz="2800" b="1" i="0" u="none" strike="noStrike" cap="none" dirty="0">
+            <a:endParaRPr lang="en-US" sz="3000" i="0" u="none" strike="noStrike" cap="none" dirty="0">
               <a:solidFill>
                 <a:schemeClr val="lt1"/>
               </a:solidFill>
@@ -22718,7 +22731,7 @@
               <a:buNone/>
             </a:pPr>
             <a:r>
-              <a:rPr lang="en-US" sz="3000" b="1" i="0" u="none" strike="noStrike" cap="none" dirty="0">
+              <a:rPr lang="en-US" sz="3000" i="0" u="none" strike="noStrike" cap="none" dirty="0">
                 <a:solidFill>
                   <a:schemeClr val="lt1"/>
                 </a:solidFill>
@@ -22730,7 +22743,7 @@
               <a:t>&gt;&gt;&gt; </a:t>
             </a:r>
             <a:r>
-              <a:rPr lang="en-US" sz="3000" b="1" i="0" u="none" strike="noStrike" cap="none" dirty="0">
+              <a:rPr lang="en-US" sz="3000" i="0" u="none" strike="noStrike" cap="none" dirty="0">
                 <a:solidFill>
                   <a:srgbClr val="00FF00"/>
                 </a:solidFill>
@@ -22742,7 +22755,7 @@
               <a:t>fruit</a:t>
             </a:r>
             <a:r>
-              <a:rPr lang="en-US" sz="3000" b="1" i="0" u="none" strike="noStrike" cap="none" dirty="0">
+              <a:rPr lang="en-US" sz="3000" i="0" u="none" strike="noStrike" cap="none" dirty="0">
                 <a:solidFill>
                   <a:srgbClr val="FF7F00"/>
                 </a:solidFill>
@@ -22754,7 +22767,7 @@
               <a:t> </a:t>
             </a:r>
             <a:r>
-              <a:rPr lang="en-US" sz="3000" b="1" i="0" u="none" strike="noStrike" cap="none" dirty="0">
+              <a:rPr lang="en-US" sz="3000" i="0" u="none" strike="noStrike" cap="none" dirty="0">
                 <a:solidFill>
                   <a:schemeClr val="lt1"/>
                 </a:solidFill>
@@ -22766,7 +22779,7 @@
               <a:t>=</a:t>
             </a:r>
             <a:r>
-              <a:rPr lang="en-US" sz="3000" b="1" i="0" u="none" strike="noStrike" cap="none" dirty="0">
+              <a:rPr lang="en-US" sz="3000" i="0" u="none" strike="noStrike" cap="none" dirty="0">
                 <a:solidFill>
                   <a:srgbClr val="FF7F00"/>
                 </a:solidFill>
@@ -22797,7 +22810,7 @@
               <a:buNone/>
             </a:pPr>
             <a:r>
-              <a:rPr lang="en-US" sz="3000" b="1" i="0" u="none" strike="noStrike" cap="none" dirty="0">
+              <a:rPr lang="en-US" sz="3000" i="0" u="none" strike="noStrike" cap="none" dirty="0">
                 <a:solidFill>
                   <a:schemeClr val="lt1"/>
                 </a:solidFill>
@@ -22809,7 +22822,7 @@
               <a:t>&gt;&gt;&gt; </a:t>
             </a:r>
             <a:r>
-              <a:rPr lang="en-US" sz="3000" b="1" i="0" u="none" strike="noStrike" cap="none" dirty="0" err="1">
+              <a:rPr lang="en-US" sz="3000" i="0" u="none" strike="noStrike" cap="none" dirty="0" err="1">
                 <a:solidFill>
                   <a:srgbClr val="00FF00"/>
                 </a:solidFill>
@@ -22821,7 +22834,7 @@
               <a:t>pos</a:t>
             </a:r>
             <a:r>
-              <a:rPr lang="en-US" sz="3000" b="1" i="0" u="none" strike="noStrike" cap="none" dirty="0">
+              <a:rPr lang="en-US" sz="3000" i="0" u="none" strike="noStrike" cap="none" dirty="0">
                 <a:solidFill>
                   <a:srgbClr val="FF7F00"/>
                 </a:solidFill>
@@ -22833,7 +22846,7 @@
               <a:t> </a:t>
             </a:r>
             <a:r>
-              <a:rPr lang="en-US" sz="3000" b="1" i="0" u="none" strike="noStrike" cap="none" dirty="0">
+              <a:rPr lang="en-US" sz="3000" i="0" u="none" strike="noStrike" cap="none" dirty="0">
                 <a:solidFill>
                   <a:schemeClr val="lt1"/>
                 </a:solidFill>
@@ -22845,7 +22858,7 @@
               <a:t>=</a:t>
             </a:r>
             <a:r>
-              <a:rPr lang="en-US" sz="3000" b="1" i="0" u="none" strike="noStrike" cap="none" dirty="0">
+              <a:rPr lang="en-US" sz="3000" i="0" u="none" strike="noStrike" cap="none" dirty="0">
                 <a:solidFill>
                   <a:srgbClr val="00FF00"/>
                 </a:solidFill>
@@ -22857,7 +22870,7 @@
               <a:t> </a:t>
             </a:r>
             <a:r>
-              <a:rPr lang="en-US" sz="3000" b="1" i="0" u="none" strike="noStrike" cap="none" dirty="0" err="1">
+              <a:rPr lang="en-US" sz="3000" i="0" u="none" strike="noStrike" cap="none" dirty="0" err="1">
                 <a:solidFill>
                   <a:srgbClr val="00FF00"/>
                 </a:solidFill>
@@ -22869,7 +22882,7 @@
               <a:t>fruit</a:t>
             </a:r>
             <a:r>
-              <a:rPr lang="en-US" sz="3000" b="1" i="0" u="none" strike="noStrike" cap="none" dirty="0" err="1">
+              <a:rPr lang="en-US" sz="3000" i="0" u="none" strike="noStrike" cap="none" dirty="0" err="1">
                 <a:solidFill>
                   <a:srgbClr val="FF00FF"/>
                 </a:solidFill>
@@ -22881,7 +22894,7 @@
               <a:t>.find</a:t>
             </a:r>
             <a:r>
-              <a:rPr lang="en-US" sz="3000" b="1" i="0" u="none" strike="noStrike" cap="none" dirty="0">
+              <a:rPr lang="en-US" sz="3000" i="0" u="none" strike="noStrike" cap="none" dirty="0">
                 <a:solidFill>
                   <a:schemeClr val="lt1"/>
                 </a:solidFill>
@@ -22893,7 +22906,7 @@
               <a:t>(</a:t>
             </a:r>
             <a:r>
-              <a:rPr lang="en-US" sz="3000" b="1" i="0" u="none" strike="noStrike" cap="none" dirty="0">
+              <a:rPr lang="en-US" sz="3000" i="0" u="none" strike="noStrike" cap="none" dirty="0">
                 <a:solidFill>
                   <a:srgbClr val="FF7F00"/>
                 </a:solidFill>
@@ -22905,7 +22918,7 @@
               <a:t>'</a:t>
             </a:r>
             <a:r>
-              <a:rPr lang="en-US" sz="3000" b="1" i="0" u="none" strike="noStrike" cap="none" dirty="0" err="1">
+              <a:rPr lang="en-US" sz="3000" i="0" u="none" strike="noStrike" cap="none" dirty="0" err="1">
                 <a:solidFill>
                   <a:srgbClr val="FF7F00"/>
                 </a:solidFill>
@@ -22917,7 +22930,7 @@
               <a:t>na</a:t>
             </a:r>
             <a:r>
-              <a:rPr lang="en-US" sz="3000" b="1" i="0" u="none" strike="noStrike" cap="none" dirty="0">
+              <a:rPr lang="en-US" sz="3000" i="0" u="none" strike="noStrike" cap="none" dirty="0">
                 <a:solidFill>
                   <a:srgbClr val="FF7F00"/>
                 </a:solidFill>
@@ -22929,7 +22942,7 @@
               <a:t>'</a:t>
             </a:r>
             <a:r>
-              <a:rPr lang="en-US" sz="3000" b="1" i="0" u="none" strike="noStrike" cap="none" dirty="0">
+              <a:rPr lang="en-US" sz="3000" i="0" u="none" strike="noStrike" cap="none" dirty="0">
                 <a:solidFill>
                   <a:schemeClr val="lt1"/>
                 </a:solidFill>
@@ -22960,7 +22973,7 @@
               <a:buNone/>
             </a:pPr>
             <a:r>
-              <a:rPr lang="en-US" sz="3000" b="1" i="0" u="none" strike="noStrike" cap="none" dirty="0">
+              <a:rPr lang="en-US" sz="3000" i="0" u="none" strike="noStrike" cap="none" dirty="0">
                 <a:solidFill>
                   <a:schemeClr val="lt1"/>
                 </a:solidFill>
@@ -22972,7 +22985,7 @@
               <a:t>&gt;&gt;&gt; </a:t>
             </a:r>
             <a:r>
-              <a:rPr lang="en-US" sz="3000" b="1" i="0" u="none" strike="noStrike" cap="none" dirty="0" smtClean="0">
+              <a:rPr lang="en-US" sz="3000" i="0" u="none" strike="noStrike" cap="none" dirty="0" smtClean="0">
                 <a:solidFill>
                   <a:srgbClr val="FFFF00"/>
                 </a:solidFill>
@@ -22984,7 +22997,7 @@
               <a:t>print</a:t>
             </a:r>
             <a:r>
-              <a:rPr lang="en-US" sz="3000" b="1" dirty="0" smtClean="0">
+              <a:rPr lang="en-US" sz="3000" dirty="0" smtClean="0">
                 <a:solidFill>
                   <a:schemeClr val="bg1"/>
                 </a:solidFill>
@@ -22996,7 +23009,7 @@
               <a:t>(</a:t>
             </a:r>
             <a:r>
-              <a:rPr lang="en-US" sz="3000" b="1" i="0" u="none" strike="noStrike" cap="none" dirty="0" err="1" smtClean="0">
+              <a:rPr lang="en-US" sz="3000" i="0" u="none" strike="noStrike" cap="none" dirty="0" err="1" smtClean="0">
                 <a:solidFill>
                   <a:srgbClr val="00FF00"/>
                 </a:solidFill>
@@ -23008,7 +23021,7 @@
               <a:t>pos</a:t>
             </a:r>
             <a:r>
-              <a:rPr lang="en-US" sz="3000" b="1" i="0" u="none" strike="noStrike" cap="none" dirty="0" smtClean="0">
+              <a:rPr lang="en-US" sz="3000" i="0" u="none" strike="noStrike" cap="none" dirty="0" smtClean="0">
                 <a:solidFill>
                   <a:schemeClr val="bg1"/>
                 </a:solidFill>
@@ -23019,7 +23032,7 @@
               </a:rPr>
               <a:t>)</a:t>
             </a:r>
-            <a:endParaRPr lang="en-US" sz="3000" b="1" i="0" u="none" strike="noStrike" cap="none" dirty="0">
+            <a:endParaRPr lang="en-US" sz="3000" i="0" u="none" strike="noStrike" cap="none" dirty="0">
               <a:solidFill>
                 <a:schemeClr val="bg1"/>
               </a:solidFill>
@@ -23048,7 +23061,7 @@
               <a:buNone/>
             </a:pPr>
             <a:r>
-              <a:rPr lang="en-US" sz="3000" b="1" i="0" u="none" strike="noStrike" cap="none" dirty="0">
+              <a:rPr lang="en-US" sz="3000" i="0" u="none" strike="noStrike" cap="none" dirty="0">
                 <a:solidFill>
                   <a:schemeClr val="lt1"/>
                 </a:solidFill>
@@ -23079,7 +23092,7 @@
               <a:buNone/>
             </a:pPr>
             <a:r>
-              <a:rPr lang="en-US" sz="3000" b="1" i="0" u="none" strike="noStrike" cap="none" dirty="0">
+              <a:rPr lang="en-US" sz="3000" i="0" u="none" strike="noStrike" cap="none" dirty="0">
                 <a:solidFill>
                   <a:schemeClr val="lt1"/>
                 </a:solidFill>
@@ -23091,7 +23104,7 @@
               <a:t>&gt;&gt;&gt; </a:t>
             </a:r>
             <a:r>
-              <a:rPr lang="en-US" sz="3000" b="1" i="0" u="none" strike="noStrike" cap="none" dirty="0">
+              <a:rPr lang="en-US" sz="3000" i="0" u="none" strike="noStrike" cap="none" dirty="0">
                 <a:solidFill>
                   <a:srgbClr val="00FF00"/>
                 </a:solidFill>
@@ -23103,7 +23116,7 @@
               <a:t>aa</a:t>
             </a:r>
             <a:r>
-              <a:rPr lang="en-US" sz="3000" b="1" i="0" u="none" strike="noStrike" cap="none" dirty="0">
+              <a:rPr lang="en-US" sz="3000" i="0" u="none" strike="noStrike" cap="none" dirty="0">
                 <a:solidFill>
                   <a:srgbClr val="FF7F00"/>
                 </a:solidFill>
@@ -23115,7 +23128,7 @@
               <a:t> </a:t>
             </a:r>
             <a:r>
-              <a:rPr lang="en-US" sz="3000" b="1" i="0" u="none" strike="noStrike" cap="none" dirty="0">
+              <a:rPr lang="en-US" sz="3000" i="0" u="none" strike="noStrike" cap="none" dirty="0">
                 <a:solidFill>
                   <a:schemeClr val="lt1"/>
                 </a:solidFill>
@@ -23127,7 +23140,7 @@
               <a:t>=</a:t>
             </a:r>
             <a:r>
-              <a:rPr lang="en-US" sz="3000" b="1" i="0" u="none" strike="noStrike" cap="none" dirty="0">
+              <a:rPr lang="en-US" sz="3000" i="0" u="none" strike="noStrike" cap="none" dirty="0">
                 <a:solidFill>
                   <a:srgbClr val="FF7F00"/>
                 </a:solidFill>
@@ -23139,7 +23152,7 @@
               <a:t> </a:t>
             </a:r>
             <a:r>
-              <a:rPr lang="en-US" sz="3000" b="1" i="0" u="none" strike="noStrike" cap="none" dirty="0" err="1">
+              <a:rPr lang="en-US" sz="3000" i="0" u="none" strike="noStrike" cap="none" dirty="0" err="1">
                 <a:solidFill>
                   <a:srgbClr val="00FF00"/>
                 </a:solidFill>
@@ -23151,7 +23164,7 @@
               <a:t>fruit</a:t>
             </a:r>
             <a:r>
-              <a:rPr lang="en-US" sz="3000" b="1" i="0" u="none" strike="noStrike" cap="none" dirty="0" err="1">
+              <a:rPr lang="en-US" sz="3000" i="0" u="none" strike="noStrike" cap="none" dirty="0" err="1">
                 <a:solidFill>
                   <a:srgbClr val="FF00FF"/>
                 </a:solidFill>
@@ -23163,7 +23176,7 @@
               <a:t>.find</a:t>
             </a:r>
             <a:r>
-              <a:rPr lang="en-US" sz="3000" b="1" i="0" u="none" strike="noStrike" cap="none" dirty="0">
+              <a:rPr lang="en-US" sz="3000" i="0" u="none" strike="noStrike" cap="none" dirty="0">
                 <a:solidFill>
                   <a:schemeClr val="lt1"/>
                 </a:solidFill>
@@ -23175,7 +23188,7 @@
               <a:t>(</a:t>
             </a:r>
             <a:r>
-              <a:rPr lang="en-US" sz="3000" b="1" i="0" u="none" strike="noStrike" cap="none" dirty="0">
+              <a:rPr lang="en-US" sz="3000" i="0" u="none" strike="noStrike" cap="none" dirty="0">
                 <a:solidFill>
                   <a:srgbClr val="FF7F00"/>
                 </a:solidFill>
@@ -23187,7 +23200,7 @@
               <a:t>'z'</a:t>
             </a:r>
             <a:r>
-              <a:rPr lang="en-US" sz="3000" b="1" i="0" u="none" strike="noStrike" cap="none" dirty="0">
+              <a:rPr lang="en-US" sz="3000" i="0" u="none" strike="noStrike" cap="none" dirty="0">
                 <a:solidFill>
                   <a:schemeClr val="lt1"/>
                 </a:solidFill>
@@ -23218,7 +23231,7 @@
               <a:buNone/>
             </a:pPr>
             <a:r>
-              <a:rPr lang="en-US" sz="3000" b="1" i="0" u="none" strike="noStrike" cap="none" dirty="0">
+              <a:rPr lang="en-US" sz="3000" i="0" u="none" strike="noStrike" cap="none" dirty="0">
                 <a:solidFill>
                   <a:schemeClr val="lt1"/>
                 </a:solidFill>
@@ -23230,7 +23243,7 @@
               <a:t>&gt;&gt;&gt; </a:t>
             </a:r>
             <a:r>
-              <a:rPr lang="en-US" sz="3000" b="1" i="0" u="none" strike="noStrike" cap="none" dirty="0" smtClean="0">
+              <a:rPr lang="en-US" sz="3000" i="0" u="none" strike="noStrike" cap="none" dirty="0" smtClean="0">
                 <a:solidFill>
                   <a:srgbClr val="FFFF00"/>
                 </a:solidFill>
@@ -23242,7 +23255,7 @@
               <a:t>print</a:t>
             </a:r>
             <a:r>
-              <a:rPr lang="en-US" sz="3000" b="1" dirty="0" smtClean="0">
+              <a:rPr lang="en-US" sz="3000" dirty="0" smtClean="0">
                 <a:solidFill>
                   <a:schemeClr val="bg1"/>
                 </a:solidFill>
@@ -23254,7 +23267,7 @@
               <a:t>(</a:t>
             </a:r>
             <a:r>
-              <a:rPr lang="en-US" sz="3000" b="1" i="0" u="none" strike="noStrike" cap="none" dirty="0" smtClean="0">
+              <a:rPr lang="en-US" sz="3000" i="0" u="none" strike="noStrike" cap="none" dirty="0" smtClean="0">
                 <a:solidFill>
                   <a:srgbClr val="00FF00"/>
                 </a:solidFill>
@@ -23266,7 +23279,7 @@
               <a:t>aa</a:t>
             </a:r>
             <a:r>
-              <a:rPr lang="en-US" sz="3000" b="1" i="0" u="none" strike="noStrike" cap="none" dirty="0" smtClean="0">
+              <a:rPr lang="en-US" sz="3000" i="0" u="none" strike="noStrike" cap="none" dirty="0" smtClean="0">
                 <a:solidFill>
                   <a:schemeClr val="bg1"/>
                 </a:solidFill>
@@ -23277,7 +23290,7 @@
               </a:rPr>
               <a:t>)</a:t>
             </a:r>
-            <a:endParaRPr lang="en-US" sz="3000" b="1" i="0" u="none" strike="noStrike" cap="none" dirty="0">
+            <a:endParaRPr lang="en-US" sz="3000" i="0" u="none" strike="noStrike" cap="none" dirty="0">
               <a:solidFill>
                 <a:schemeClr val="bg1"/>
               </a:solidFill>
@@ -23306,7 +23319,7 @@
               <a:buNone/>
             </a:pPr>
             <a:r>
-              <a:rPr lang="en-US" sz="3000" b="1" i="0" u="none" strike="noStrike" cap="none" dirty="0">
+              <a:rPr lang="en-US" sz="3000" i="0" u="none" strike="noStrike" cap="none" dirty="0">
                 <a:solidFill>
                   <a:schemeClr val="lt1"/>
                 </a:solidFill>
@@ -23327,9 +23340,9 @@
           <p:nvPr/>
         </p:nvCxnSpPr>
         <p:spPr>
-          <a:xfrm rot="10800000">
-            <a:off x="10302875" y="1084261"/>
-            <a:ext cx="1400174" cy="692149"/>
+          <a:xfrm flipH="1" flipV="1">
+            <a:off x="10302875" y="1084262"/>
+            <a:ext cx="1295910" cy="826299"/>
           </a:xfrm>
           <a:prstGeom prst="straightConnector1">
             <a:avLst/>
@@ -24298,6 +24311,30 @@
               <a:t>find</a:t>
             </a:r>
             <a:r>
+              <a:rPr lang="en-US" sz="3600" u="none" strike="noStrike" cap="none">
+                <a:solidFill>
+                  <a:schemeClr val="lt1"/>
+                </a:solidFill>
+                <a:latin typeface="Arial" charset="0"/>
+                <a:ea typeface="Arial" charset="0"/>
+                <a:cs typeface="Arial" charset="0"/>
+                <a:sym typeface="Cabin"/>
+              </a:rPr>
+              <a:t>(</a:t>
+            </a:r>
+            <a:r>
+              <a:rPr lang="en-US" sz="3600" u="none" strike="noStrike" cap="none" smtClean="0">
+                <a:solidFill>
+                  <a:schemeClr val="lt1"/>
+                </a:solidFill>
+                <a:latin typeface="Arial" charset="0"/>
+                <a:ea typeface="Arial" charset="0"/>
+                <a:cs typeface="Arial" charset="0"/>
+                <a:sym typeface="Cabin"/>
+              </a:rPr>
+              <a:t>) </a:t>
+            </a:r>
+            <a:r>
               <a:rPr lang="en-US" sz="3600" u="none" strike="noStrike" cap="none" dirty="0">
                 <a:solidFill>
                   <a:schemeClr val="lt1"/>
@@ -24307,7 +24344,7 @@
                 <a:cs typeface="Arial" charset="0"/>
                 <a:sym typeface="Cabin"/>
               </a:rPr>
-              <a:t>() - we first convert the string to lower case so we can search a string regardless of case</a:t>
+              <a:t>we first convert the string to lower case so we can search a string regardless of case</a:t>
             </a:r>
           </a:p>
         </p:txBody>
@@ -24355,7 +24392,7 @@
               <a:buNone/>
             </a:pPr>
             <a:r>
-              <a:rPr lang="en-US" sz="3600" b="1" i="0" u="none" strike="noStrike" cap="none" dirty="0">
+              <a:rPr lang="en-US" sz="3600" i="0" u="none" strike="noStrike" cap="none" dirty="0">
                 <a:solidFill>
                   <a:schemeClr val="lt1"/>
                 </a:solidFill>
@@ -24367,7 +24404,7 @@
               <a:t>&gt;&gt;&gt; </a:t>
             </a:r>
             <a:r>
-              <a:rPr lang="en-US" sz="3600" b="1" i="0" u="none" strike="noStrike" cap="none" dirty="0">
+              <a:rPr lang="en-US" sz="3600" i="0" u="none" strike="noStrike" cap="none" dirty="0">
                 <a:solidFill>
                   <a:srgbClr val="00FF00"/>
                 </a:solidFill>
@@ -24379,7 +24416,7 @@
               <a:t>greet</a:t>
             </a:r>
             <a:r>
-              <a:rPr lang="en-US" sz="3600" b="1" i="0" u="none" strike="noStrike" cap="none" dirty="0">
+              <a:rPr lang="en-US" sz="3600" i="0" u="none" strike="noStrike" cap="none" dirty="0">
                 <a:solidFill>
                   <a:srgbClr val="FF7F00"/>
                 </a:solidFill>
@@ -24391,7 +24428,7 @@
               <a:t> </a:t>
             </a:r>
             <a:r>
-              <a:rPr lang="en-US" sz="3600" b="1" i="0" u="none" strike="noStrike" cap="none" dirty="0">
+              <a:rPr lang="en-US" sz="3600" i="0" u="none" strike="noStrike" cap="none" dirty="0">
                 <a:solidFill>
                   <a:schemeClr val="lt1"/>
                 </a:solidFill>
@@ -24403,7 +24440,7 @@
               <a:t>=</a:t>
             </a:r>
             <a:r>
-              <a:rPr lang="en-US" sz="3600" b="1" i="0" u="none" strike="noStrike" cap="none" dirty="0">
+              <a:rPr lang="en-US" sz="3600" i="0" u="none" strike="noStrike" cap="none" dirty="0">
                 <a:solidFill>
                   <a:srgbClr val="FF7F00"/>
                 </a:solidFill>
@@ -24434,7 +24471,7 @@
               <a:buNone/>
             </a:pPr>
             <a:r>
-              <a:rPr lang="en-US" sz="3600" b="1" i="0" u="none" strike="noStrike" cap="none" dirty="0">
+              <a:rPr lang="en-US" sz="3600" i="0" u="none" strike="noStrike" cap="none" dirty="0">
                 <a:solidFill>
                   <a:schemeClr val="lt1"/>
                 </a:solidFill>
@@ -24446,7 +24483,7 @@
               <a:t>&gt;&gt;&gt; </a:t>
             </a:r>
             <a:r>
-              <a:rPr lang="en-US" sz="3600" b="1" i="0" u="none" strike="noStrike" cap="none" dirty="0" err="1">
+              <a:rPr lang="en-US" sz="3600" i="0" u="none" strike="noStrike" cap="none" dirty="0" err="1">
                 <a:solidFill>
                   <a:srgbClr val="00FF00"/>
                 </a:solidFill>
@@ -24458,7 +24495,7 @@
               <a:t>nnn</a:t>
             </a:r>
             <a:r>
-              <a:rPr lang="en-US" sz="3600" b="1" i="0" u="none" strike="noStrike" cap="none" dirty="0">
+              <a:rPr lang="en-US" sz="3600" i="0" u="none" strike="noStrike" cap="none" dirty="0">
                 <a:solidFill>
                   <a:srgbClr val="FF7F00"/>
                 </a:solidFill>
@@ -24470,7 +24507,7 @@
               <a:t> </a:t>
             </a:r>
             <a:r>
-              <a:rPr lang="en-US" sz="3600" b="1" i="0" u="none" strike="noStrike" cap="none" dirty="0">
+              <a:rPr lang="en-US" sz="3600" i="0" u="none" strike="noStrike" cap="none" dirty="0">
                 <a:solidFill>
                   <a:schemeClr val="lt1"/>
                 </a:solidFill>
@@ -24482,7 +24519,7 @@
               <a:t>= </a:t>
             </a:r>
             <a:r>
-              <a:rPr lang="en-US" sz="3600" b="1" i="0" u="none" strike="noStrike" cap="none" dirty="0" err="1">
+              <a:rPr lang="en-US" sz="3600" i="0" u="none" strike="noStrike" cap="none" dirty="0" err="1">
                 <a:solidFill>
                   <a:srgbClr val="00FF00"/>
                 </a:solidFill>
@@ -24494,7 +24531,7 @@
               <a:t>greet</a:t>
             </a:r>
             <a:r>
-              <a:rPr lang="en-US" sz="3600" b="1" i="0" u="none" strike="noStrike" cap="none" dirty="0" err="1">
+              <a:rPr lang="en-US" sz="3600" i="0" u="none" strike="noStrike" cap="none" dirty="0" err="1">
                 <a:solidFill>
                   <a:srgbClr val="FF00FF"/>
                 </a:solidFill>
@@ -24506,7 +24543,7 @@
               <a:t>.upper</a:t>
             </a:r>
             <a:r>
-              <a:rPr lang="en-US" sz="3600" b="1" i="0" u="none" strike="noStrike" cap="none" dirty="0">
+              <a:rPr lang="en-US" sz="3600" i="0" u="none" strike="noStrike" cap="none" dirty="0">
                 <a:solidFill>
                   <a:schemeClr val="lt1"/>
                 </a:solidFill>
@@ -24537,7 +24574,7 @@
               <a:buNone/>
             </a:pPr>
             <a:r>
-              <a:rPr lang="en-US" sz="3600" b="1" i="0" u="none" strike="noStrike" cap="none" dirty="0">
+              <a:rPr lang="en-US" sz="3600" i="0" u="none" strike="noStrike" cap="none" dirty="0">
                 <a:solidFill>
                   <a:schemeClr val="lt1"/>
                 </a:solidFill>
@@ -24549,7 +24586,7 @@
               <a:t>&gt;&gt;&gt; </a:t>
             </a:r>
             <a:r>
-              <a:rPr lang="en-US" sz="3600" b="1" i="0" u="none" strike="noStrike" cap="none" dirty="0" smtClean="0">
+              <a:rPr lang="en-US" sz="3600" i="0" u="none" strike="noStrike" cap="none" dirty="0" smtClean="0">
                 <a:solidFill>
                   <a:srgbClr val="FFFF00"/>
                 </a:solidFill>
@@ -24561,7 +24598,7 @@
               <a:t>print</a:t>
             </a:r>
             <a:r>
-              <a:rPr lang="en-US" sz="3600" b="1" dirty="0" smtClean="0">
+              <a:rPr lang="en-US" sz="3600" dirty="0" smtClean="0">
                 <a:solidFill>
                   <a:schemeClr val="bg1"/>
                 </a:solidFill>
@@ -24573,7 +24610,7 @@
               <a:t>(</a:t>
             </a:r>
             <a:r>
-              <a:rPr lang="en-US" sz="3600" b="1" i="0" u="none" strike="noStrike" cap="none" dirty="0" err="1" smtClean="0">
+              <a:rPr lang="en-US" sz="3600" i="0" u="none" strike="noStrike" cap="none" dirty="0" err="1" smtClean="0">
                 <a:solidFill>
                   <a:srgbClr val="00FF00"/>
                 </a:solidFill>
@@ -24585,7 +24622,7 @@
               <a:t>nnn</a:t>
             </a:r>
             <a:r>
-              <a:rPr lang="en-US" sz="3600" b="1" i="0" u="none" strike="noStrike" cap="none" dirty="0" smtClean="0">
+              <a:rPr lang="en-US" sz="3600" i="0" u="none" strike="noStrike" cap="none" dirty="0" smtClean="0">
                 <a:solidFill>
                   <a:schemeClr val="bg1"/>
                 </a:solidFill>
@@ -24596,7 +24633,7 @@
               </a:rPr>
               <a:t>)</a:t>
             </a:r>
-            <a:endParaRPr lang="en-US" sz="3600" b="1" i="0" u="none" strike="noStrike" cap="none" dirty="0">
+            <a:endParaRPr lang="en-US" sz="3600" i="0" u="none" strike="noStrike" cap="none" dirty="0">
               <a:solidFill>
                 <a:schemeClr val="bg1"/>
               </a:solidFill>
@@ -24625,7 +24662,7 @@
               <a:buNone/>
             </a:pPr>
             <a:r>
-              <a:rPr lang="en-US" sz="3600" b="1" i="0" u="none" strike="noStrike" cap="none" dirty="0">
+              <a:rPr lang="en-US" sz="3600" i="0" u="none" strike="noStrike" cap="none" dirty="0">
                 <a:solidFill>
                   <a:schemeClr val="lt1"/>
                 </a:solidFill>
@@ -24656,7 +24693,7 @@
               <a:buNone/>
             </a:pPr>
             <a:r>
-              <a:rPr lang="en-US" sz="3600" b="1" i="0" u="none" strike="noStrike" cap="none" dirty="0">
+              <a:rPr lang="en-US" sz="3600" i="0" u="none" strike="noStrike" cap="none" dirty="0">
                 <a:solidFill>
                   <a:schemeClr val="lt1"/>
                 </a:solidFill>
@@ -24668,7 +24705,7 @@
               <a:t>&gt;&gt;&gt; </a:t>
             </a:r>
             <a:r>
-              <a:rPr lang="en-US" sz="3600" b="1" i="0" u="none" strike="noStrike" cap="none" dirty="0">
+              <a:rPr lang="en-US" sz="3600" i="0" u="none" strike="noStrike" cap="none" dirty="0">
                 <a:solidFill>
                   <a:srgbClr val="00FF00"/>
                 </a:solidFill>
@@ -24680,7 +24717,7 @@
               <a:t>www</a:t>
             </a:r>
             <a:r>
-              <a:rPr lang="en-US" sz="3600" b="1" i="0" u="none" strike="noStrike" cap="none" dirty="0">
+              <a:rPr lang="en-US" sz="3600" i="0" u="none" strike="noStrike" cap="none" dirty="0">
                 <a:solidFill>
                   <a:srgbClr val="FF7F00"/>
                 </a:solidFill>
@@ -24692,7 +24729,7 @@
               <a:t> </a:t>
             </a:r>
             <a:r>
-              <a:rPr lang="en-US" sz="3600" b="1" i="0" u="none" strike="noStrike" cap="none" dirty="0">
+              <a:rPr lang="en-US" sz="3600" i="0" u="none" strike="noStrike" cap="none" dirty="0">
                 <a:solidFill>
                   <a:schemeClr val="lt1"/>
                 </a:solidFill>
@@ -24704,7 +24741,7 @@
               <a:t>=</a:t>
             </a:r>
             <a:r>
-              <a:rPr lang="en-US" sz="3600" b="1" i="0" u="none" strike="noStrike" cap="none" dirty="0">
+              <a:rPr lang="en-US" sz="3600" i="0" u="none" strike="noStrike" cap="none" dirty="0">
                 <a:solidFill>
                   <a:srgbClr val="FF7F00"/>
                 </a:solidFill>
@@ -24716,7 +24753,7 @@
               <a:t> </a:t>
             </a:r>
             <a:r>
-              <a:rPr lang="en-US" sz="3600" b="1" i="0" u="none" strike="noStrike" cap="none" dirty="0" err="1">
+              <a:rPr lang="en-US" sz="3600" i="0" u="none" strike="noStrike" cap="none" dirty="0" err="1">
                 <a:solidFill>
                   <a:srgbClr val="00FF00"/>
                 </a:solidFill>
@@ -24728,7 +24765,7 @@
               <a:t>greet</a:t>
             </a:r>
             <a:r>
-              <a:rPr lang="en-US" sz="3600" b="1" i="0" u="none" strike="noStrike" cap="none" dirty="0" err="1">
+              <a:rPr lang="en-US" sz="3600" i="0" u="none" strike="noStrike" cap="none" dirty="0" err="1">
                 <a:solidFill>
                   <a:srgbClr val="FF00FF"/>
                 </a:solidFill>
@@ -24740,7 +24777,7 @@
               <a:t>.lower</a:t>
             </a:r>
             <a:r>
-              <a:rPr lang="en-US" sz="3600" b="1" i="0" u="none" strike="noStrike" cap="none" dirty="0">
+              <a:rPr lang="en-US" sz="3600" i="0" u="none" strike="noStrike" cap="none" dirty="0">
                 <a:solidFill>
                   <a:srgbClr val="FFFF00"/>
                 </a:solidFill>
@@ -24771,7 +24808,7 @@
               <a:buNone/>
             </a:pPr>
             <a:r>
-              <a:rPr lang="en-US" sz="3600" b="1" i="0" u="none" strike="noStrike" cap="none" dirty="0">
+              <a:rPr lang="en-US" sz="3600" i="0" u="none" strike="noStrike" cap="none" dirty="0">
                 <a:solidFill>
                   <a:schemeClr val="lt1"/>
                 </a:solidFill>
@@ -24783,7 +24820,7 @@
               <a:t>&gt;&gt;&gt; </a:t>
             </a:r>
             <a:r>
-              <a:rPr lang="en-US" sz="3600" b="1" i="0" u="none" strike="noStrike" cap="none" dirty="0" smtClean="0">
+              <a:rPr lang="en-US" sz="3600" i="0" u="none" strike="noStrike" cap="none" dirty="0" smtClean="0">
                 <a:solidFill>
                   <a:srgbClr val="FFFF00"/>
                 </a:solidFill>
@@ -24795,7 +24832,7 @@
               <a:t>print</a:t>
             </a:r>
             <a:r>
-              <a:rPr lang="en-US" sz="3600" b="1" dirty="0" smtClean="0">
+              <a:rPr lang="en-US" sz="3600" dirty="0" smtClean="0">
                 <a:solidFill>
                   <a:schemeClr val="bg1"/>
                 </a:solidFill>
@@ -24807,7 +24844,7 @@
               <a:t>(</a:t>
             </a:r>
             <a:r>
-              <a:rPr lang="en-US" sz="3600" b="1" i="0" u="none" strike="noStrike" cap="none" dirty="0" smtClean="0">
+              <a:rPr lang="en-US" sz="3600" i="0" u="none" strike="noStrike" cap="none" dirty="0" smtClean="0">
                 <a:solidFill>
                   <a:srgbClr val="00FF00"/>
                 </a:solidFill>
@@ -24819,7 +24856,7 @@
               <a:t>www</a:t>
             </a:r>
             <a:r>
-              <a:rPr lang="en-US" sz="3600" b="1" i="0" u="none" strike="noStrike" cap="none" dirty="0" smtClean="0">
+              <a:rPr lang="en-US" sz="3600" i="0" u="none" strike="noStrike" cap="none" dirty="0" smtClean="0">
                 <a:solidFill>
                   <a:schemeClr val="bg1"/>
                 </a:solidFill>
@@ -24830,7 +24867,7 @@
               </a:rPr>
               <a:t>)</a:t>
             </a:r>
-            <a:endParaRPr lang="en-US" sz="3600" b="1" i="0" u="none" strike="noStrike" cap="none" dirty="0">
+            <a:endParaRPr lang="en-US" sz="3600" i="0" u="none" strike="noStrike" cap="none" dirty="0">
               <a:solidFill>
                 <a:schemeClr val="bg1"/>
               </a:solidFill>
@@ -24859,7 +24896,7 @@
               <a:buNone/>
             </a:pPr>
             <a:r>
-              <a:rPr lang="en-US" sz="3600" b="1" i="0" u="none" strike="noStrike" cap="none" dirty="0">
+              <a:rPr lang="en-US" sz="3600" i="0" u="none" strike="noStrike" cap="none" dirty="0">
                 <a:solidFill>
                   <a:schemeClr val="lt1"/>
                 </a:solidFill>
@@ -24890,7 +24927,7 @@
               <a:buNone/>
             </a:pPr>
             <a:r>
-              <a:rPr lang="en-US" sz="3600" b="1" i="0" u="none" strike="noStrike" cap="none" dirty="0">
+              <a:rPr lang="en-US" sz="3600" i="0" u="none" strike="noStrike" cap="none" dirty="0">
                 <a:solidFill>
                   <a:schemeClr val="lt1"/>
                 </a:solidFill>
@@ -25265,7 +25302,7 @@
               <a:buNone/>
             </a:pPr>
             <a:r>
-              <a:rPr lang="en-US" sz="3000" b="1" i="0" u="none" strike="noStrike" cap="none" dirty="0">
+              <a:rPr lang="en-US" sz="3000" i="0" u="none" strike="noStrike" cap="none" dirty="0">
                 <a:solidFill>
                   <a:schemeClr val="lt1"/>
                 </a:solidFill>
@@ -25277,7 +25314,7 @@
               <a:t>&gt;&gt;&gt; </a:t>
             </a:r>
             <a:r>
-              <a:rPr lang="en-US" sz="3000" b="1" i="0" u="none" strike="noStrike" cap="none" dirty="0">
+              <a:rPr lang="en-US" sz="3000" i="0" u="none" strike="noStrike" cap="none" dirty="0">
                 <a:solidFill>
                   <a:srgbClr val="FF7F00"/>
                 </a:solidFill>
@@ -25289,7 +25326,7 @@
               <a:t>greet = 'Hello </a:t>
             </a:r>
             <a:r>
-              <a:rPr lang="en-US" sz="3000" b="1" i="0" u="none" strike="noStrike" cap="none" dirty="0">
+              <a:rPr lang="en-US" sz="3000" i="0" u="none" strike="noStrike" cap="none" dirty="0">
                 <a:solidFill>
                   <a:srgbClr val="00FF00"/>
                 </a:solidFill>
@@ -25301,7 +25338,7 @@
               <a:t>Bob</a:t>
             </a:r>
             <a:r>
-              <a:rPr lang="en-US" sz="3000" b="1" i="0" u="none" strike="noStrike" cap="none" dirty="0">
+              <a:rPr lang="en-US" sz="3000" i="0" u="none" strike="noStrike" cap="none" dirty="0">
                 <a:solidFill>
                   <a:srgbClr val="FF7F00"/>
                 </a:solidFill>
@@ -25332,7 +25369,7 @@
               <a:buNone/>
             </a:pPr>
             <a:r>
-              <a:rPr lang="en-US" sz="3000" b="1" i="0" u="none" strike="noStrike" cap="none" dirty="0">
+              <a:rPr lang="en-US" sz="3000" i="0" u="none" strike="noStrike" cap="none" dirty="0">
                 <a:solidFill>
                   <a:schemeClr val="lt1"/>
                 </a:solidFill>
@@ -25344,7 +25381,7 @@
               <a:t>&gt;&gt;&gt; </a:t>
             </a:r>
             <a:r>
-              <a:rPr lang="en-US" sz="3000" b="1" i="0" u="none" strike="noStrike" cap="none" dirty="0" err="1">
+              <a:rPr lang="en-US" sz="3000" i="0" u="none" strike="noStrike" cap="none" dirty="0" err="1">
                 <a:solidFill>
                   <a:srgbClr val="FF7F00"/>
                 </a:solidFill>
@@ -25356,7 +25393,7 @@
               <a:t>nstr</a:t>
             </a:r>
             <a:r>
-              <a:rPr lang="en-US" sz="3000" b="1" i="0" u="none" strike="noStrike" cap="none" dirty="0">
+              <a:rPr lang="en-US" sz="3000" i="0" u="none" strike="noStrike" cap="none" dirty="0">
                 <a:solidFill>
                   <a:srgbClr val="FF7F00"/>
                 </a:solidFill>
@@ -25368,7 +25405,7 @@
               <a:t> = </a:t>
             </a:r>
             <a:r>
-              <a:rPr lang="en-US" sz="3000" b="1" i="0" u="none" strike="noStrike" cap="none" dirty="0" err="1">
+              <a:rPr lang="en-US" sz="3000" i="0" u="none" strike="noStrike" cap="none" dirty="0" err="1">
                 <a:solidFill>
                   <a:srgbClr val="FF7F00"/>
                 </a:solidFill>
@@ -25380,7 +25417,7 @@
               <a:t>greet.</a:t>
             </a:r>
             <a:r>
-              <a:rPr lang="en-US" sz="3000" b="1" i="0" u="none" strike="noStrike" cap="none" dirty="0" err="1">
+              <a:rPr lang="en-US" sz="3000" i="0" u="none" strike="noStrike" cap="none" dirty="0" err="1">
                 <a:solidFill>
                   <a:srgbClr val="FF00FF"/>
                 </a:solidFill>
@@ -25392,7 +25429,7 @@
               <a:t>replace</a:t>
             </a:r>
             <a:r>
-              <a:rPr lang="en-US" sz="3000" b="1" i="0" u="none" strike="noStrike" cap="none" dirty="0">
+              <a:rPr lang="en-US" sz="3000" i="0" u="none" strike="noStrike" cap="none" dirty="0">
                 <a:solidFill>
                   <a:srgbClr val="FF7F00"/>
                 </a:solidFill>
@@ -25404,7 +25441,7 @@
               <a:t>(</a:t>
             </a:r>
             <a:r>
-              <a:rPr lang="en-US" sz="3000" b="1" i="0" u="none" strike="noStrike" cap="none" dirty="0">
+              <a:rPr lang="en-US" sz="3000" i="0" u="none" strike="noStrike" cap="none" dirty="0">
                 <a:solidFill>
                   <a:srgbClr val="00FF00"/>
                 </a:solidFill>
@@ -25416,7 +25453,7 @@
               <a:t>'</a:t>
             </a:r>
             <a:r>
-              <a:rPr lang="en-US" sz="3000" b="1" i="0" u="none" strike="noStrike" cap="none" dirty="0" err="1">
+              <a:rPr lang="en-US" sz="3000" i="0" u="none" strike="noStrike" cap="none" dirty="0" err="1">
                 <a:solidFill>
                   <a:srgbClr val="00FF00"/>
                 </a:solidFill>
@@ -25428,7 +25465,7 @@
               <a:t>Bob'</a:t>
             </a:r>
             <a:r>
-              <a:rPr lang="en-US" sz="3000" b="1" i="0" u="none" strike="noStrike" cap="none" dirty="0" err="1">
+              <a:rPr lang="en-US" sz="3000" i="0" u="none" strike="noStrike" cap="none" dirty="0" err="1">
                 <a:solidFill>
                   <a:srgbClr val="FF7F00"/>
                 </a:solidFill>
@@ -25440,7 +25477,7 @@
               <a:t>,</a:t>
             </a:r>
             <a:r>
-              <a:rPr lang="en-US" sz="3000" b="1" i="0" u="none" strike="noStrike" cap="none" dirty="0" err="1">
+              <a:rPr lang="en-US" sz="3000" i="0" u="none" strike="noStrike" cap="none" dirty="0" err="1">
                 <a:solidFill>
                   <a:srgbClr val="00FFFF"/>
                 </a:solidFill>
@@ -25452,7 +25489,7 @@
               <a:t>'Jane</a:t>
             </a:r>
             <a:r>
-              <a:rPr lang="en-US" sz="3000" b="1" i="0" u="none" strike="noStrike" cap="none" dirty="0">
+              <a:rPr lang="en-US" sz="3000" i="0" u="none" strike="noStrike" cap="none" dirty="0">
                 <a:solidFill>
                   <a:srgbClr val="00FFFF"/>
                 </a:solidFill>
@@ -25464,7 +25501,7 @@
               <a:t>'</a:t>
             </a:r>
             <a:r>
-              <a:rPr lang="en-US" sz="3000" b="1" i="0" u="none" strike="noStrike" cap="none" dirty="0">
+              <a:rPr lang="en-US" sz="3000" i="0" u="none" strike="noStrike" cap="none" dirty="0">
                 <a:solidFill>
                   <a:srgbClr val="FF7F00"/>
                 </a:solidFill>
@@ -25495,7 +25532,7 @@
               <a:buNone/>
             </a:pPr>
             <a:r>
-              <a:rPr lang="en-US" sz="3000" b="1" i="0" u="none" strike="noStrike" cap="none" dirty="0">
+              <a:rPr lang="en-US" sz="3000" i="0" u="none" strike="noStrike" cap="none" dirty="0">
                 <a:solidFill>
                   <a:schemeClr val="lt1"/>
                 </a:solidFill>
@@ -25507,7 +25544,7 @@
               <a:t>&gt;&gt;&gt; </a:t>
             </a:r>
             <a:r>
-              <a:rPr lang="en-US" sz="3000" b="1" i="0" u="none" strike="noStrike" cap="none" dirty="0" smtClean="0">
+              <a:rPr lang="en-US" sz="3000" i="0" u="none" strike="noStrike" cap="none" dirty="0" smtClean="0">
                 <a:solidFill>
                   <a:srgbClr val="FFFF00"/>
                 </a:solidFill>
@@ -25519,7 +25556,7 @@
               <a:t>print</a:t>
             </a:r>
             <a:r>
-              <a:rPr lang="en-US" sz="3000" b="1" dirty="0" smtClean="0">
+              <a:rPr lang="en-US" sz="3000" dirty="0" smtClean="0">
                 <a:solidFill>
                   <a:schemeClr val="bg1"/>
                 </a:solidFill>
@@ -25531,7 +25568,7 @@
               <a:t>(</a:t>
             </a:r>
             <a:r>
-              <a:rPr lang="en-US" sz="3000" b="1" i="0" u="none" strike="noStrike" cap="none" dirty="0" err="1" smtClean="0">
+              <a:rPr lang="en-US" sz="3000" i="0" u="none" strike="noStrike" cap="none" dirty="0" err="1" smtClean="0">
                 <a:solidFill>
                   <a:srgbClr val="FF7F00"/>
                 </a:solidFill>
@@ -25543,7 +25580,7 @@
               <a:t>nstr</a:t>
             </a:r>
             <a:r>
-              <a:rPr lang="en-US" sz="3000" b="1" i="0" u="none" strike="noStrike" cap="none" dirty="0" smtClean="0">
+              <a:rPr lang="en-US" sz="3000" i="0" u="none" strike="noStrike" cap="none" dirty="0" smtClean="0">
                 <a:solidFill>
                   <a:schemeClr val="bg1"/>
                 </a:solidFill>
@@ -25554,7 +25591,7 @@
               </a:rPr>
               <a:t>)</a:t>
             </a:r>
-            <a:endParaRPr lang="en-US" sz="3000" b="1" i="0" u="none" strike="noStrike" cap="none" dirty="0">
+            <a:endParaRPr lang="en-US" sz="3000" i="0" u="none" strike="noStrike" cap="none" dirty="0">
               <a:solidFill>
                 <a:schemeClr val="bg1"/>
               </a:solidFill>
@@ -25583,7 +25620,7 @@
               <a:buNone/>
             </a:pPr>
             <a:r>
-              <a:rPr lang="en-US" sz="3000" b="1" i="0" u="none" strike="noStrike" cap="none" dirty="0">
+              <a:rPr lang="en-US" sz="3000" i="0" u="none" strike="noStrike" cap="none" dirty="0">
                 <a:solidFill>
                   <a:schemeClr val="lt1"/>
                 </a:solidFill>
@@ -25595,7 +25632,7 @@
               <a:t>Hello </a:t>
             </a:r>
             <a:r>
-              <a:rPr lang="en-US" sz="3000" b="1" i="0" u="none" strike="noStrike" cap="none" dirty="0">
+              <a:rPr lang="en-US" sz="3000" i="0" u="none" strike="noStrike" cap="none" dirty="0">
                 <a:solidFill>
                   <a:srgbClr val="00FFFF"/>
                 </a:solidFill>
@@ -25626,7 +25663,7 @@
               <a:buNone/>
             </a:pPr>
             <a:r>
-              <a:rPr lang="en-US" sz="3000" b="1" i="0" u="none" strike="noStrike" cap="none" dirty="0">
+              <a:rPr lang="en-US" sz="3000" i="0" u="none" strike="noStrike" cap="none" dirty="0">
                 <a:solidFill>
                   <a:schemeClr val="lt1"/>
                 </a:solidFill>
@@ -25638,7 +25675,7 @@
               <a:t>&gt;&gt;&gt; </a:t>
             </a:r>
             <a:r>
-              <a:rPr lang="en-US" sz="3000" b="1" i="0" u="none" strike="noStrike" cap="none" dirty="0" err="1">
+              <a:rPr lang="en-US" sz="3000" i="0" u="none" strike="noStrike" cap="none" dirty="0" err="1">
                 <a:solidFill>
                   <a:srgbClr val="FF7F00"/>
                 </a:solidFill>
@@ -25650,7 +25687,7 @@
               <a:t>nstr</a:t>
             </a:r>
             <a:r>
-              <a:rPr lang="en-US" sz="3000" b="1" i="0" u="none" strike="noStrike" cap="none" dirty="0">
+              <a:rPr lang="en-US" sz="3000" i="0" u="none" strike="noStrike" cap="none" dirty="0">
                 <a:solidFill>
                   <a:srgbClr val="FF7F00"/>
                 </a:solidFill>
@@ -25662,7 +25699,7 @@
               <a:t> = </a:t>
             </a:r>
             <a:r>
-              <a:rPr lang="en-US" sz="3000" b="1" i="0" u="none" strike="noStrike" cap="none" dirty="0" err="1">
+              <a:rPr lang="en-US" sz="3000" i="0" u="none" strike="noStrike" cap="none" dirty="0" err="1">
                 <a:solidFill>
                   <a:srgbClr val="FF7F00"/>
                 </a:solidFill>
@@ -25674,7 +25711,7 @@
               <a:t>greet.</a:t>
             </a:r>
             <a:r>
-              <a:rPr lang="en-US" sz="3000" b="1" i="0" u="none" strike="noStrike" cap="none" dirty="0" err="1">
+              <a:rPr lang="en-US" sz="3000" i="0" u="none" strike="noStrike" cap="none" dirty="0" err="1">
                 <a:solidFill>
                   <a:srgbClr val="FF00FF"/>
                 </a:solidFill>
@@ -25686,7 +25723,7 @@
               <a:t>replace</a:t>
             </a:r>
             <a:r>
-              <a:rPr lang="en-US" sz="3000" b="1" i="0" u="none" strike="noStrike" cap="none" dirty="0">
+              <a:rPr lang="en-US" sz="3000" i="0" u="none" strike="noStrike" cap="none" dirty="0">
                 <a:solidFill>
                   <a:srgbClr val="FF7F00"/>
                 </a:solidFill>
@@ -25698,7 +25735,7 @@
               <a:t>(</a:t>
             </a:r>
             <a:r>
-              <a:rPr lang="en-US" sz="3000" b="1" i="0" u="none" strike="noStrike" cap="none" dirty="0">
+              <a:rPr lang="en-US" sz="3000" i="0" u="none" strike="noStrike" cap="none" dirty="0">
                 <a:solidFill>
                   <a:srgbClr val="00FF00"/>
                 </a:solidFill>
@@ -25710,7 +25747,7 @@
               <a:t>'</a:t>
             </a:r>
             <a:r>
-              <a:rPr lang="en-US" sz="3000" b="1" i="0" u="none" strike="noStrike" cap="none" dirty="0" err="1">
+              <a:rPr lang="en-US" sz="3000" i="0" u="none" strike="noStrike" cap="none" dirty="0" err="1">
                 <a:solidFill>
                   <a:srgbClr val="00FF00"/>
                 </a:solidFill>
@@ -25722,7 +25759,7 @@
               <a:t>o'</a:t>
             </a:r>
             <a:r>
-              <a:rPr lang="en-US" sz="3000" b="1" i="0" u="none" strike="noStrike" cap="none" dirty="0" err="1">
+              <a:rPr lang="en-US" sz="3000" i="0" u="none" strike="noStrike" cap="none" dirty="0" err="1">
                 <a:solidFill>
                   <a:srgbClr val="FF7F00"/>
                 </a:solidFill>
@@ -25734,7 +25771,7 @@
               <a:t>,</a:t>
             </a:r>
             <a:r>
-              <a:rPr lang="en-US" sz="3000" b="1" i="0" u="none" strike="noStrike" cap="none" dirty="0" err="1">
+              <a:rPr lang="en-US" sz="3000" i="0" u="none" strike="noStrike" cap="none" dirty="0" err="1">
                 <a:solidFill>
                   <a:srgbClr val="00FFFF"/>
                 </a:solidFill>
@@ -25746,7 +25783,7 @@
               <a:t>'X</a:t>
             </a:r>
             <a:r>
-              <a:rPr lang="en-US" sz="3000" b="1" i="0" u="none" strike="noStrike" cap="none" dirty="0">
+              <a:rPr lang="en-US" sz="3000" i="0" u="none" strike="noStrike" cap="none" dirty="0">
                 <a:solidFill>
                   <a:srgbClr val="00FFFF"/>
                 </a:solidFill>
@@ -25758,7 +25795,7 @@
               <a:t>'</a:t>
             </a:r>
             <a:r>
-              <a:rPr lang="en-US" sz="3000" b="1" i="0" u="none" strike="noStrike" cap="none" dirty="0">
+              <a:rPr lang="en-US" sz="3000" i="0" u="none" strike="noStrike" cap="none" dirty="0">
                 <a:solidFill>
                   <a:srgbClr val="FF7F00"/>
                 </a:solidFill>
@@ -25789,7 +25826,7 @@
               <a:buNone/>
             </a:pPr>
             <a:r>
-              <a:rPr lang="en-US" sz="3000" b="1" i="0" u="none" strike="noStrike" cap="none" dirty="0">
+              <a:rPr lang="en-US" sz="3000" i="0" u="none" strike="noStrike" cap="none" dirty="0">
                 <a:solidFill>
                   <a:schemeClr val="lt1"/>
                 </a:solidFill>
@@ -25801,7 +25838,7 @@
               <a:t>&gt;&gt;&gt; </a:t>
             </a:r>
             <a:r>
-              <a:rPr lang="en-US" sz="3000" b="1" i="0" u="none" strike="noStrike" cap="none" dirty="0" smtClean="0">
+              <a:rPr lang="en-US" sz="3000" i="0" u="none" strike="noStrike" cap="none" dirty="0" smtClean="0">
                 <a:solidFill>
                   <a:srgbClr val="FFFF00"/>
                 </a:solidFill>
@@ -25813,7 +25850,7 @@
               <a:t>print</a:t>
             </a:r>
             <a:r>
-              <a:rPr lang="en-US" sz="3000" b="1" dirty="0" smtClean="0">
+              <a:rPr lang="en-US" sz="3000" dirty="0" smtClean="0">
                 <a:solidFill>
                   <a:schemeClr val="lt1"/>
                 </a:solidFill>
@@ -25825,7 +25862,7 @@
               <a:t>(</a:t>
             </a:r>
             <a:r>
-              <a:rPr lang="en-US" sz="3000" b="1" i="0" u="none" strike="noStrike" cap="none" dirty="0" err="1" smtClean="0">
+              <a:rPr lang="en-US" sz="3000" i="0" u="none" strike="noStrike" cap="none" dirty="0" err="1" smtClean="0">
                 <a:solidFill>
                   <a:srgbClr val="FF7F00"/>
                 </a:solidFill>
@@ -25837,7 +25874,7 @@
               <a:t>nstr</a:t>
             </a:r>
             <a:r>
-              <a:rPr lang="en-US" sz="3000" b="1" i="0" u="none" strike="noStrike" cap="none" dirty="0" smtClean="0">
+              <a:rPr lang="en-US" sz="3000" i="0" u="none" strike="noStrike" cap="none" dirty="0" smtClean="0">
                 <a:solidFill>
                   <a:schemeClr val="bg1"/>
                 </a:solidFill>
@@ -25848,7 +25885,7 @@
               </a:rPr>
               <a:t>)</a:t>
             </a:r>
-            <a:endParaRPr lang="en-US" sz="3000" b="1" i="0" u="none" strike="noStrike" cap="none" dirty="0">
+            <a:endParaRPr lang="en-US" sz="3000" i="0" u="none" strike="noStrike" cap="none" dirty="0">
               <a:solidFill>
                 <a:schemeClr val="bg1"/>
               </a:solidFill>
@@ -25877,7 +25914,7 @@
               <a:buNone/>
             </a:pPr>
             <a:r>
-              <a:rPr lang="en-US" sz="3000" b="1" i="0" u="none" strike="noStrike" cap="none" dirty="0" err="1">
+              <a:rPr lang="en-US" sz="3000" i="0" u="none" strike="noStrike" cap="none" dirty="0" err="1">
                 <a:solidFill>
                   <a:schemeClr val="lt1"/>
                 </a:solidFill>
@@ -25889,7 +25926,7 @@
               <a:t>Hell</a:t>
             </a:r>
             <a:r>
-              <a:rPr lang="en-US" sz="3000" b="1" i="0" u="none" strike="noStrike" cap="none" dirty="0" err="1">
+              <a:rPr lang="en-US" sz="3000" i="0" u="none" strike="noStrike" cap="none" dirty="0" err="1">
                 <a:solidFill>
                   <a:srgbClr val="00FFFF"/>
                 </a:solidFill>
@@ -25901,7 +25938,7 @@
               <a:t>X</a:t>
             </a:r>
             <a:r>
-              <a:rPr lang="en-US" sz="3000" b="1" i="0" u="none" strike="noStrike" cap="none" dirty="0">
+              <a:rPr lang="en-US" sz="3000" i="0" u="none" strike="noStrike" cap="none" dirty="0">
                 <a:solidFill>
                   <a:schemeClr val="lt1"/>
                 </a:solidFill>
@@ -25913,7 +25950,7 @@
               <a:t> </a:t>
             </a:r>
             <a:r>
-              <a:rPr lang="en-US" sz="3000" b="1" i="0" u="none" strike="noStrike" cap="none" dirty="0" err="1">
+              <a:rPr lang="en-US" sz="3000" i="0" u="none" strike="noStrike" cap="none" dirty="0" err="1">
                 <a:solidFill>
                   <a:schemeClr val="lt1"/>
                 </a:solidFill>
@@ -25925,7 +25962,7 @@
               <a:t>B</a:t>
             </a:r>
             <a:r>
-              <a:rPr lang="en-US" sz="3000" b="1" i="0" u="none" strike="noStrike" cap="none" dirty="0" err="1">
+              <a:rPr lang="en-US" sz="3000" i="0" u="none" strike="noStrike" cap="none" dirty="0" err="1">
                 <a:solidFill>
                   <a:srgbClr val="00FFFF"/>
                 </a:solidFill>
@@ -25937,7 +25974,7 @@
               <a:t>X</a:t>
             </a:r>
             <a:r>
-              <a:rPr lang="en-US" sz="3000" b="1" i="0" u="none" strike="noStrike" cap="none" dirty="0" err="1">
+              <a:rPr lang="en-US" sz="3000" i="0" u="none" strike="noStrike" cap="none" dirty="0" err="1">
                 <a:solidFill>
                   <a:schemeClr val="lt1"/>
                 </a:solidFill>
@@ -25948,7 +25985,7 @@
               </a:rPr>
               <a:t>b</a:t>
             </a:r>
-            <a:endParaRPr lang="en-US" sz="3000" b="1" i="0" u="none" strike="noStrike" cap="none" dirty="0">
+            <a:endParaRPr lang="en-US" sz="3000" i="0" u="none" strike="noStrike" cap="none" dirty="0">
               <a:solidFill>
                 <a:schemeClr val="lt1"/>
               </a:solidFill>
@@ -25977,7 +26014,7 @@
               <a:buNone/>
             </a:pPr>
             <a:r>
-              <a:rPr lang="en-US" sz="3000" b="1" i="0" u="none" strike="noStrike" cap="none" dirty="0">
+              <a:rPr lang="en-US" sz="3000" i="0" u="none" strike="noStrike" cap="none" dirty="0">
                 <a:solidFill>
                   <a:schemeClr val="lt1"/>
                 </a:solidFill>
@@ -26371,7 +26408,7 @@
               <a:buNone/>
             </a:pPr>
             <a:r>
-              <a:rPr lang="en-US" sz="3000" b="1" i="0" u="none" strike="noStrike" cap="none">
+              <a:rPr lang="en-US" sz="3000" i="0" u="none" strike="noStrike" cap="none" dirty="0">
                 <a:solidFill>
                   <a:schemeClr val="lt1"/>
                 </a:solidFill>
@@ -26383,7 +26420,7 @@
               <a:t>&gt;&gt;&gt; </a:t>
             </a:r>
             <a:r>
-              <a:rPr lang="en-US" sz="3000" b="1" i="0" u="none" strike="noStrike" cap="none">
+              <a:rPr lang="en-US" sz="3000" i="0" u="none" strike="noStrike" cap="none" dirty="0">
                 <a:solidFill>
                   <a:srgbClr val="00FF00"/>
                 </a:solidFill>
@@ -26395,7 +26432,7 @@
               <a:t>greet</a:t>
             </a:r>
             <a:r>
-              <a:rPr lang="en-US" sz="3000" b="1" i="0" u="none" strike="noStrike" cap="none">
+              <a:rPr lang="en-US" sz="3000" i="0" u="none" strike="noStrike" cap="none" dirty="0">
                 <a:solidFill>
                   <a:srgbClr val="FF7F00"/>
                 </a:solidFill>
@@ -26407,7 +26444,7 @@
               <a:t> </a:t>
             </a:r>
             <a:r>
-              <a:rPr lang="en-US" sz="3000" b="1" i="0" u="none" strike="noStrike" cap="none">
+              <a:rPr lang="en-US" sz="3000" i="0" u="none" strike="noStrike" cap="none" dirty="0">
                 <a:solidFill>
                   <a:schemeClr val="lt1"/>
                 </a:solidFill>
@@ -26419,7 +26456,7 @@
               <a:t>=</a:t>
             </a:r>
             <a:r>
-              <a:rPr lang="en-US" sz="3000" b="1" i="0" u="none" strike="noStrike" cap="none">
+              <a:rPr lang="en-US" sz="3000" i="0" u="none" strike="noStrike" cap="none" dirty="0">
                 <a:solidFill>
                   <a:srgbClr val="FF7F00"/>
                 </a:solidFill>
@@ -26450,7 +26487,7 @@
               <a:buNone/>
             </a:pPr>
             <a:r>
-              <a:rPr lang="en-US" sz="3000" b="1" i="0" u="none" strike="noStrike" cap="none">
+              <a:rPr lang="en-US" sz="3000" i="0" u="none" strike="noStrike" cap="none" dirty="0">
                 <a:solidFill>
                   <a:schemeClr val="lt1"/>
                 </a:solidFill>
@@ -26462,7 +26499,7 @@
               <a:t>&gt;&gt;&gt; </a:t>
             </a:r>
             <a:r>
-              <a:rPr lang="en-US" sz="3000" b="1" i="0" u="none" strike="noStrike" cap="none">
+              <a:rPr lang="en-US" sz="3000" i="0" u="none" strike="noStrike" cap="none" dirty="0" err="1">
                 <a:solidFill>
                   <a:srgbClr val="00FF00"/>
                 </a:solidFill>
@@ -26474,7 +26511,7 @@
               <a:t>greet</a:t>
             </a:r>
             <a:r>
-              <a:rPr lang="en-US" sz="3000" b="1" i="0" u="none" strike="noStrike" cap="none">
+              <a:rPr lang="en-US" sz="3000" i="0" u="none" strike="noStrike" cap="none" dirty="0" err="1">
                 <a:solidFill>
                   <a:srgbClr val="FF00FF"/>
                 </a:solidFill>
@@ -26486,7 +26523,7 @@
               <a:t>.lstrip</a:t>
             </a:r>
             <a:r>
-              <a:rPr lang="en-US" sz="3000" b="1" i="0" u="none" strike="noStrike" cap="none">
+              <a:rPr lang="en-US" sz="3000" i="0" u="none" strike="noStrike" cap="none" dirty="0">
                 <a:solidFill>
                   <a:schemeClr val="lt1"/>
                 </a:solidFill>
@@ -26517,7 +26554,7 @@
               <a:buNone/>
             </a:pPr>
             <a:r>
-              <a:rPr lang="en-US" sz="3000" b="1" i="0" u="none" strike="noStrike" cap="none">
+              <a:rPr lang="en-US" sz="3000" i="0" u="none" strike="noStrike" cap="none" dirty="0">
                 <a:solidFill>
                   <a:schemeClr val="lt1"/>
                 </a:solidFill>
@@ -26548,7 +26585,7 @@
               <a:buNone/>
             </a:pPr>
             <a:r>
-              <a:rPr lang="en-US" sz="3000" b="1" i="0" u="none" strike="noStrike" cap="none">
+              <a:rPr lang="en-US" sz="3000" i="0" u="none" strike="noStrike" cap="none" dirty="0">
                 <a:solidFill>
                   <a:schemeClr val="lt1"/>
                 </a:solidFill>
@@ -26560,7 +26597,7 @@
               <a:t>&gt;&gt;&gt; </a:t>
             </a:r>
             <a:r>
-              <a:rPr lang="en-US" sz="3000" b="1" i="0" u="none" strike="noStrike" cap="none">
+              <a:rPr lang="en-US" sz="3000" i="0" u="none" strike="noStrike" cap="none" dirty="0" err="1">
                 <a:solidFill>
                   <a:srgbClr val="00FF00"/>
                 </a:solidFill>
@@ -26572,7 +26609,7 @@
               <a:t>greet</a:t>
             </a:r>
             <a:r>
-              <a:rPr lang="en-US" sz="3000" b="1" i="0" u="none" strike="noStrike" cap="none">
+              <a:rPr lang="en-US" sz="3000" i="0" u="none" strike="noStrike" cap="none" dirty="0" err="1">
                 <a:solidFill>
                   <a:srgbClr val="FF00FF"/>
                 </a:solidFill>
@@ -26584,7 +26621,7 @@
               <a:t>.rstrip</a:t>
             </a:r>
             <a:r>
-              <a:rPr lang="en-US" sz="3000" b="1" i="0" u="none" strike="noStrike" cap="none">
+              <a:rPr lang="en-US" sz="3000" i="0" u="none" strike="noStrike" cap="none" dirty="0">
                 <a:solidFill>
                   <a:schemeClr val="lt1"/>
                 </a:solidFill>
@@ -26615,7 +26652,7 @@
               <a:buNone/>
             </a:pPr>
             <a:r>
-              <a:rPr lang="en-US" sz="3000" b="1" i="0" u="none" strike="noStrike" cap="none">
+              <a:rPr lang="en-US" sz="3000" i="0" u="none" strike="noStrike" cap="none" dirty="0">
                 <a:solidFill>
                   <a:schemeClr val="lt1"/>
                 </a:solidFill>
@@ -26646,7 +26683,7 @@
               <a:buNone/>
             </a:pPr>
             <a:r>
-              <a:rPr lang="en-US" sz="3000" b="1" i="0" u="none" strike="noStrike" cap="none">
+              <a:rPr lang="en-US" sz="3000" i="0" u="none" strike="noStrike" cap="none" dirty="0">
                 <a:solidFill>
                   <a:schemeClr val="lt1"/>
                 </a:solidFill>
@@ -26658,7 +26695,7 @@
               <a:t>&gt;&gt;&gt; </a:t>
             </a:r>
             <a:r>
-              <a:rPr lang="en-US" sz="3000" b="1" i="0" u="none" strike="noStrike" cap="none">
+              <a:rPr lang="en-US" sz="3000" i="0" u="none" strike="noStrike" cap="none" dirty="0" err="1">
                 <a:solidFill>
                   <a:srgbClr val="00FF00"/>
                 </a:solidFill>
@@ -26670,7 +26707,7 @@
               <a:t>greet</a:t>
             </a:r>
             <a:r>
-              <a:rPr lang="en-US" sz="3000" b="1" i="0" u="none" strike="noStrike" cap="none">
+              <a:rPr lang="en-US" sz="3000" i="0" u="none" strike="noStrike" cap="none" dirty="0" err="1">
                 <a:solidFill>
                   <a:srgbClr val="FF00FF"/>
                 </a:solidFill>
@@ -26682,7 +26719,7 @@
               <a:t>.strip</a:t>
             </a:r>
             <a:r>
-              <a:rPr lang="en-US" sz="3000" b="1" i="0" u="none" strike="noStrike" cap="none">
+              <a:rPr lang="en-US" sz="3000" i="0" u="none" strike="noStrike" cap="none" dirty="0">
                 <a:solidFill>
                   <a:schemeClr val="lt1"/>
                 </a:solidFill>
@@ -26713,7 +26750,7 @@
               <a:buNone/>
             </a:pPr>
             <a:r>
-              <a:rPr lang="en-US" sz="3000" b="1" i="0" u="none" strike="noStrike" cap="none">
+              <a:rPr lang="en-US" sz="3000" i="0" u="none" strike="noStrike" cap="none" dirty="0">
                 <a:solidFill>
                   <a:schemeClr val="lt1"/>
                 </a:solidFill>
@@ -26744,7 +26781,7 @@
               <a:buNone/>
             </a:pPr>
             <a:r>
-              <a:rPr lang="en-US" sz="3000" b="1" i="0" u="none" strike="noStrike" cap="none">
+              <a:rPr lang="en-US" sz="3000" i="0" u="none" strike="noStrike" cap="none" dirty="0">
                 <a:solidFill>
                   <a:schemeClr val="lt1"/>
                 </a:solidFill>
@@ -26826,7 +26863,7 @@
               <a:buNone/>
             </a:pPr>
             <a:r>
-              <a:rPr lang="en-US" sz="3600" b="1" i="0" u="none" strike="noStrike" cap="none">
+              <a:rPr lang="en-US" sz="3600" i="0" u="none" strike="noStrike" cap="none" dirty="0">
                 <a:solidFill>
                   <a:schemeClr val="lt1"/>
                 </a:solidFill>
@@ -26838,7 +26875,7 @@
               <a:t>&gt;&gt;&gt; </a:t>
             </a:r>
             <a:r>
-              <a:rPr lang="en-US" sz="3600" b="1" i="0" u="none" strike="noStrike" cap="none">
+              <a:rPr lang="en-US" sz="3600" i="0" u="none" strike="noStrike" cap="none" dirty="0">
                 <a:solidFill>
                   <a:srgbClr val="00FF00"/>
                 </a:solidFill>
@@ -26850,7 +26887,7 @@
               <a:t>line</a:t>
             </a:r>
             <a:r>
-              <a:rPr lang="en-US" sz="3600" b="1" i="0" u="none" strike="noStrike" cap="none">
+              <a:rPr lang="en-US" sz="3600" i="0" u="none" strike="noStrike" cap="none" dirty="0">
                 <a:solidFill>
                   <a:schemeClr val="lt1"/>
                 </a:solidFill>
@@ -26862,7 +26899,7 @@
               <a:t> = </a:t>
             </a:r>
             <a:r>
-              <a:rPr lang="en-US" sz="3600" b="1" i="0" u="none" strike="noStrike" cap="none">
+              <a:rPr lang="en-US" sz="3600" i="0" u="none" strike="noStrike" cap="none" dirty="0">
                 <a:solidFill>
                   <a:srgbClr val="FF7F00"/>
                 </a:solidFill>
@@ -26874,7 +26911,7 @@
               <a:t>'Please have a nice day</a:t>
             </a:r>
             <a:r>
-              <a:rPr lang="en-US" sz="3600" b="1">
+              <a:rPr lang="en-US" sz="3600" dirty="0">
                 <a:solidFill>
                   <a:srgbClr val="FF7F00"/>
                 </a:solidFill>
@@ -26905,7 +26942,7 @@
               <a:buNone/>
             </a:pPr>
             <a:r>
-              <a:rPr lang="en-US" sz="3600" b="1" i="0" u="none" strike="noStrike" cap="none">
+              <a:rPr lang="en-US" sz="3600" i="0" u="none" strike="noStrike" cap="none" dirty="0">
                 <a:solidFill>
                   <a:schemeClr val="lt1"/>
                 </a:solidFill>
@@ -26917,7 +26954,7 @@
               <a:t>&gt;&gt;&gt; </a:t>
             </a:r>
             <a:r>
-              <a:rPr lang="en-US" sz="3600" b="1" i="0" u="none" strike="noStrike" cap="none">
+              <a:rPr lang="en-US" sz="3600" i="0" u="none" strike="noStrike" cap="none" dirty="0" err="1">
                 <a:solidFill>
                   <a:srgbClr val="00FF00"/>
                 </a:solidFill>
@@ -26929,7 +26966,7 @@
               <a:t>line</a:t>
             </a:r>
             <a:r>
-              <a:rPr lang="en-US" sz="3600" b="1" i="0" u="none" strike="noStrike" cap="none">
+              <a:rPr lang="en-US" sz="3600" i="0" u="none" strike="noStrike" cap="none" dirty="0" err="1">
                 <a:solidFill>
                   <a:srgbClr val="FF00FF"/>
                 </a:solidFill>
@@ -26941,7 +26978,7 @@
               <a:t>.startswith</a:t>
             </a:r>
             <a:r>
-              <a:rPr lang="en-US" sz="3600" b="1" i="0" u="none" strike="noStrike" cap="none">
+              <a:rPr lang="en-US" sz="3600" i="0" u="none" strike="noStrike" cap="none" dirty="0">
                 <a:solidFill>
                   <a:schemeClr val="lt1"/>
                 </a:solidFill>
@@ -26953,7 +26990,7 @@
               <a:t>(</a:t>
             </a:r>
             <a:r>
-              <a:rPr lang="en-US" sz="3600" b="1" i="0" u="none" strike="noStrike" cap="none">
+              <a:rPr lang="en-US" sz="3600" i="0" u="none" strike="noStrike" cap="none" dirty="0">
                 <a:solidFill>
                   <a:srgbClr val="FF7F00"/>
                 </a:solidFill>
@@ -26965,7 +27002,7 @@
               <a:t>'Please'</a:t>
             </a:r>
             <a:r>
-              <a:rPr lang="en-US" sz="3600" b="1" i="0" u="none" strike="noStrike" cap="none">
+              <a:rPr lang="en-US" sz="3600" i="0" u="none" strike="noStrike" cap="none" dirty="0">
                 <a:solidFill>
                   <a:schemeClr val="lt1"/>
                 </a:solidFill>
@@ -26996,7 +27033,7 @@
               <a:buNone/>
             </a:pPr>
             <a:r>
-              <a:rPr lang="en-US" sz="3600" b="1" i="0" u="none" strike="noStrike" cap="none">
+              <a:rPr lang="en-US" sz="3600" i="0" u="none" strike="noStrike" cap="none" dirty="0">
                 <a:solidFill>
                   <a:schemeClr val="lt1"/>
                 </a:solidFill>
@@ -27027,7 +27064,7 @@
               <a:buNone/>
             </a:pPr>
             <a:r>
-              <a:rPr lang="en-US" sz="3600" b="1" i="0" u="none" strike="noStrike" cap="none">
+              <a:rPr lang="en-US" sz="3600" i="0" u="none" strike="noStrike" cap="none" dirty="0">
                 <a:solidFill>
                   <a:schemeClr val="lt1"/>
                 </a:solidFill>
@@ -27039,7 +27076,7 @@
               <a:t>&gt;&gt;&gt; </a:t>
             </a:r>
             <a:r>
-              <a:rPr lang="en-US" sz="3600" b="1" i="0" u="none" strike="noStrike" cap="none">
+              <a:rPr lang="en-US" sz="3600" i="0" u="none" strike="noStrike" cap="none" dirty="0" err="1">
                 <a:solidFill>
                   <a:srgbClr val="00FF00"/>
                 </a:solidFill>
@@ -27051,7 +27088,7 @@
               <a:t>line</a:t>
             </a:r>
             <a:r>
-              <a:rPr lang="en-US" sz="3600" b="1" i="0" u="none" strike="noStrike" cap="none">
+              <a:rPr lang="en-US" sz="3600" i="0" u="none" strike="noStrike" cap="none" dirty="0" err="1">
                 <a:solidFill>
                   <a:srgbClr val="FF00FF"/>
                 </a:solidFill>
@@ -27063,7 +27100,7 @@
               <a:t>.startswith</a:t>
             </a:r>
             <a:r>
-              <a:rPr lang="en-US" sz="3600" b="1" i="0" u="none" strike="noStrike" cap="none">
+              <a:rPr lang="en-US" sz="3600" i="0" u="none" strike="noStrike" cap="none" dirty="0">
                 <a:solidFill>
                   <a:schemeClr val="lt1"/>
                 </a:solidFill>
@@ -27075,7 +27112,7 @@
               <a:t>(</a:t>
             </a:r>
             <a:r>
-              <a:rPr lang="en-US" sz="3600" b="1" i="0" u="none" strike="noStrike" cap="none">
+              <a:rPr lang="en-US" sz="3600" i="0" u="none" strike="noStrike" cap="none" dirty="0">
                 <a:solidFill>
                   <a:srgbClr val="FF7F00"/>
                 </a:solidFill>
@@ -27087,7 +27124,7 @@
               <a:t>'p'</a:t>
             </a:r>
             <a:r>
-              <a:rPr lang="en-US" sz="3600" b="1" i="0" u="none" strike="noStrike" cap="none">
+              <a:rPr lang="en-US" sz="3600" i="0" u="none" strike="noStrike" cap="none" dirty="0">
                 <a:solidFill>
                   <a:schemeClr val="lt1"/>
                 </a:solidFill>
@@ -27118,7 +27155,7 @@
               <a:buNone/>
             </a:pPr>
             <a:r>
-              <a:rPr lang="en-US" sz="3600" b="1" i="0" u="none" strike="noStrike" cap="none">
+              <a:rPr lang="en-US" sz="3600" i="0" u="none" strike="noStrike" cap="none" dirty="0">
                 <a:solidFill>
                   <a:schemeClr val="lt1"/>
                 </a:solidFill>
@@ -27186,25 +27223,6 @@
               </a:rPr>
               <a:t>Prefixes</a:t>
             </a:r>
-          </a:p>
-        </p:txBody>
-      </p:sp>
-      <p:sp>
-        <p:nvSpPr>
-          <p:cNvPr id="4" name="Title 3"/>
-          <p:cNvSpPr>
-            <a:spLocks noGrp="1"/>
-          </p:cNvSpPr>
-          <p:nvPr>
-            <p:ph type="title"/>
-          </p:nvPr>
-        </p:nvSpPr>
-        <p:spPr/>
-        <p:txBody>
-          <a:bodyPr/>
-          <a:lstStyle/>
-          <a:p>
-            <a:endParaRPr lang="en-US"/>
           </a:p>
         </p:txBody>
       </p:sp>
@@ -27276,7 +27294,7 @@
               <a:buNone/>
             </a:pPr>
             <a:r>
-              <a:rPr lang="en-US" sz="2800" b="1" i="0" u="none" strike="noStrike" cap="none">
+              <a:rPr lang="en-US" sz="2800" i="0" u="none" strike="noStrike" cap="none" dirty="0">
                 <a:solidFill>
                   <a:schemeClr val="lt1"/>
                 </a:solidFill>
@@ -27288,7 +27306,7 @@
               <a:t>&gt;&gt;&gt; </a:t>
             </a:r>
             <a:r>
-              <a:rPr lang="en-US" sz="2800" b="1" i="0" u="none" strike="noStrike" cap="none">
+              <a:rPr lang="en-US" sz="2800" i="0" u="none" strike="noStrike" cap="none" dirty="0">
                 <a:solidFill>
                   <a:srgbClr val="00FF00"/>
                 </a:solidFill>
@@ -27300,7 +27318,7 @@
               <a:t>data</a:t>
             </a:r>
             <a:r>
-              <a:rPr lang="en-US" sz="2800" b="1" i="0" u="none" strike="noStrike" cap="none">
+              <a:rPr lang="en-US" sz="2800" i="0" u="none" strike="noStrike" cap="none" dirty="0">
                 <a:solidFill>
                   <a:schemeClr val="lt1"/>
                 </a:solidFill>
@@ -27312,7 +27330,7 @@
               <a:t> = </a:t>
             </a:r>
             <a:r>
-              <a:rPr lang="en-US" sz="2800" b="1" i="0" u="none" strike="noStrike" cap="none">
+              <a:rPr lang="en-US" sz="2800" i="0" u="none" strike="noStrike" cap="none" dirty="0">
                 <a:solidFill>
                   <a:srgbClr val="FF7F00"/>
                 </a:solidFill>
@@ -27321,10 +27339,10 @@
                 <a:cs typeface="Courier New"/>
                 <a:sym typeface="Courier New"/>
               </a:rPr>
-              <a:t>'From stephen.marquard@uct.ac.za Sat Jan  5 09:14:16 2008</a:t>
-            </a:r>
-            <a:r>
-              <a:rPr lang="en-US" sz="2800" b="1">
+              <a:t>'From </a:t>
+            </a:r>
+            <a:r>
+              <a:rPr lang="en-US" sz="2800" i="0" u="none" strike="noStrike" cap="none" dirty="0" err="1">
                 <a:solidFill>
                   <a:srgbClr val="FF7F00"/>
                 </a:solidFill>
@@ -27333,6 +27351,30 @@
                 <a:cs typeface="Courier New"/>
                 <a:sym typeface="Courier New"/>
               </a:rPr>
+              <a:t>stephen.marquard@uct.ac.za</a:t>
+            </a:r>
+            <a:r>
+              <a:rPr lang="en-US" sz="2800" i="0" u="none" strike="noStrike" cap="none" dirty="0">
+                <a:solidFill>
+                  <a:srgbClr val="FF7F00"/>
+                </a:solidFill>
+                <a:latin typeface="Courier New"/>
+                <a:ea typeface="Courier New"/>
+                <a:cs typeface="Courier New"/>
+                <a:sym typeface="Courier New"/>
+              </a:rPr>
+              <a:t> Sat Jan  5 09:14:16 2008</a:t>
+            </a:r>
+            <a:r>
+              <a:rPr lang="en-US" sz="2800" dirty="0">
+                <a:solidFill>
+                  <a:srgbClr val="FF7F00"/>
+                </a:solidFill>
+                <a:latin typeface="Courier New"/>
+                <a:ea typeface="Courier New"/>
+                <a:cs typeface="Courier New"/>
+                <a:sym typeface="Courier New"/>
+              </a:rPr>
               <a:t>'</a:t>
             </a:r>
           </a:p>
@@ -27355,7 +27397,7 @@
               <a:buNone/>
             </a:pPr>
             <a:r>
-              <a:rPr lang="en-US" sz="2800" b="1" i="0" u="none" strike="noStrike" cap="none">
+              <a:rPr lang="en-US" sz="2800" i="0" u="none" strike="noStrike" cap="none" dirty="0">
                 <a:solidFill>
                   <a:schemeClr val="lt1"/>
                 </a:solidFill>
@@ -27367,7 +27409,7 @@
               <a:t>&gt;&gt;&gt; </a:t>
             </a:r>
             <a:r>
-              <a:rPr lang="en-US" sz="2800" b="1" i="0" u="none" strike="noStrike" cap="none">
+              <a:rPr lang="en-US" sz="2800" i="0" u="none" strike="noStrike" cap="none" dirty="0" err="1">
                 <a:solidFill>
                   <a:srgbClr val="00FF00"/>
                 </a:solidFill>
@@ -27379,7 +27421,7 @@
               <a:t>atpos</a:t>
             </a:r>
             <a:r>
-              <a:rPr lang="en-US" sz="2800" b="1" i="0" u="none" strike="noStrike" cap="none">
+              <a:rPr lang="en-US" sz="2800" i="0" u="none" strike="noStrike" cap="none" dirty="0">
                 <a:solidFill>
                   <a:schemeClr val="lt1"/>
                 </a:solidFill>
@@ -27391,7 +27433,7 @@
               <a:t> = </a:t>
             </a:r>
             <a:r>
-              <a:rPr lang="en-US" sz="2800" b="1" i="0" u="none" strike="noStrike" cap="none">
+              <a:rPr lang="en-US" sz="2800" i="0" u="none" strike="noStrike" cap="none" dirty="0" err="1">
                 <a:solidFill>
                   <a:srgbClr val="00FF00"/>
                 </a:solidFill>
@@ -27403,7 +27445,7 @@
               <a:t>data</a:t>
             </a:r>
             <a:r>
-              <a:rPr lang="en-US" sz="2800" b="1" i="0" u="none" strike="noStrike" cap="none">
+              <a:rPr lang="en-US" sz="2800" i="0" u="none" strike="noStrike" cap="none" dirty="0" err="1">
                 <a:solidFill>
                   <a:srgbClr val="FF00FF"/>
                 </a:solidFill>
@@ -27415,7 +27457,7 @@
               <a:t>.find</a:t>
             </a:r>
             <a:r>
-              <a:rPr lang="en-US" sz="2800" b="1" i="0" u="none" strike="noStrike" cap="none">
+              <a:rPr lang="en-US" sz="2800" i="0" u="none" strike="noStrike" cap="none" dirty="0">
                 <a:solidFill>
                   <a:schemeClr val="lt1"/>
                 </a:solidFill>
@@ -27427,7 +27469,7 @@
               <a:t>(</a:t>
             </a:r>
             <a:r>
-              <a:rPr lang="en-US" sz="2800" b="1" i="0" u="none" strike="noStrike" cap="none">
+              <a:rPr lang="en-US" sz="2800" i="0" u="none" strike="noStrike" cap="none" dirty="0">
                 <a:solidFill>
                   <a:srgbClr val="FF7F00"/>
                 </a:solidFill>
@@ -27439,7 +27481,7 @@
               <a:t>'@</a:t>
             </a:r>
             <a:r>
-              <a:rPr lang="en-US" sz="2800" b="1" i="0" u="none" strike="noStrike" cap="none">
+              <a:rPr lang="en-US" sz="2800" i="0" u="none" strike="noStrike" cap="none" dirty="0">
                 <a:solidFill>
                   <a:schemeClr val="lt1"/>
                 </a:solidFill>
@@ -27470,7 +27512,7 @@
               <a:buNone/>
             </a:pPr>
             <a:r>
-              <a:rPr lang="en-US" sz="2800" b="1" i="0" u="none" strike="noStrike" cap="none">
+              <a:rPr lang="en-US" sz="2800" i="0" u="none" strike="noStrike" cap="none" dirty="0">
                 <a:solidFill>
                   <a:schemeClr val="lt1"/>
                 </a:solidFill>
@@ -27482,7 +27524,7 @@
               <a:t>&gt;&gt;&gt; </a:t>
             </a:r>
             <a:r>
-              <a:rPr lang="en-US" sz="2800" b="1" i="0" u="none" strike="noStrike" cap="none">
+              <a:rPr lang="en-US" sz="2800" i="0" u="none" strike="noStrike" cap="none" dirty="0">
                 <a:solidFill>
                   <a:srgbClr val="FFFF00"/>
                 </a:solidFill>
@@ -27494,7 +27536,7 @@
               <a:t>print</a:t>
             </a:r>
             <a:r>
-              <a:rPr lang="en-US" sz="2800" b="1" i="0" u="none" strike="noStrike" cap="none">
+              <a:rPr lang="en-US" sz="2800" i="0" u="none" strike="noStrike" cap="none" dirty="0">
                 <a:solidFill>
                   <a:schemeClr val="lt1"/>
                 </a:solidFill>
@@ -27506,7 +27548,7 @@
               <a:t> </a:t>
             </a:r>
             <a:r>
-              <a:rPr lang="en-US" sz="2800" b="1" i="0" u="none" strike="noStrike" cap="none">
+              <a:rPr lang="en-US" sz="2800" i="0" u="none" strike="noStrike" cap="none" dirty="0" err="1">
                 <a:solidFill>
                   <a:srgbClr val="00FF00"/>
                 </a:solidFill>
@@ -27517,6 +27559,15 @@
               </a:rPr>
               <a:t>atpos</a:t>
             </a:r>
+            <a:endParaRPr lang="en-US" sz="2800" i="0" u="none" strike="noStrike" cap="none" dirty="0">
+              <a:solidFill>
+                <a:srgbClr val="00FF00"/>
+              </a:solidFill>
+              <a:latin typeface="Courier New"/>
+              <a:ea typeface="Courier New"/>
+              <a:cs typeface="Courier New"/>
+              <a:sym typeface="Courier New"/>
+            </a:endParaRPr>
           </a:p>
           <a:p>
             <a:pPr marL="0" marR="0" lvl="0" indent="0" algn="l" rtl="0">
@@ -27537,7 +27588,7 @@
               <a:buNone/>
             </a:pPr>
             <a:r>
-              <a:rPr lang="en-US" sz="2800" b="1" i="0" u="none" strike="noStrike" cap="none">
+              <a:rPr lang="en-US" sz="2800" i="0" u="none" strike="noStrike" cap="none" dirty="0">
                 <a:solidFill>
                   <a:schemeClr val="lt1"/>
                 </a:solidFill>
@@ -27568,7 +27619,7 @@
               <a:buNone/>
             </a:pPr>
             <a:r>
-              <a:rPr lang="en-US" sz="2800" b="1" i="0" u="none" strike="noStrike" cap="none">
+              <a:rPr lang="en-US" sz="2800" i="0" u="none" strike="noStrike" cap="none" dirty="0">
                 <a:solidFill>
                   <a:schemeClr val="lt1"/>
                 </a:solidFill>
@@ -27580,7 +27631,7 @@
               <a:t>&gt;&gt;&gt; </a:t>
             </a:r>
             <a:r>
-              <a:rPr lang="en-US" sz="2800" b="1" i="0" u="none" strike="noStrike" cap="none">
+              <a:rPr lang="en-US" sz="2800" i="0" u="none" strike="noStrike" cap="none" dirty="0" err="1">
                 <a:solidFill>
                   <a:srgbClr val="00FF00"/>
                 </a:solidFill>
@@ -27592,7 +27643,7 @@
               <a:t>sppos</a:t>
             </a:r>
             <a:r>
-              <a:rPr lang="en-US" sz="2800" b="1" i="0" u="none" strike="noStrike" cap="none">
+              <a:rPr lang="en-US" sz="2800" i="0" u="none" strike="noStrike" cap="none" dirty="0">
                 <a:solidFill>
                   <a:schemeClr val="lt1"/>
                 </a:solidFill>
@@ -27604,7 +27655,7 @@
               <a:t> = </a:t>
             </a:r>
             <a:r>
-              <a:rPr lang="en-US" sz="2800" b="1" i="0" u="none" strike="noStrike" cap="none">
+              <a:rPr lang="en-US" sz="2800" i="0" u="none" strike="noStrike" cap="none" dirty="0" err="1">
                 <a:solidFill>
                   <a:srgbClr val="00FF00"/>
                 </a:solidFill>
@@ -27616,7 +27667,7 @@
               <a:t>data</a:t>
             </a:r>
             <a:r>
-              <a:rPr lang="en-US" sz="2800" b="1" i="0" u="none" strike="noStrike" cap="none">
+              <a:rPr lang="en-US" sz="2800" i="0" u="none" strike="noStrike" cap="none" dirty="0" err="1">
                 <a:solidFill>
                   <a:srgbClr val="FF00FF"/>
                 </a:solidFill>
@@ -27628,7 +27679,7 @@
               <a:t>.find</a:t>
             </a:r>
             <a:r>
-              <a:rPr lang="en-US" sz="2800" b="1" i="0" u="none" strike="noStrike" cap="none">
+              <a:rPr lang="en-US" sz="2800" i="0" u="none" strike="noStrike" cap="none" dirty="0">
                 <a:solidFill>
                   <a:schemeClr val="lt1"/>
                 </a:solidFill>
@@ -27640,7 +27691,7 @@
               <a:t>(</a:t>
             </a:r>
             <a:r>
-              <a:rPr lang="en-US" sz="2800" b="1" i="0" u="none" strike="noStrike" cap="none">
+              <a:rPr lang="en-US" sz="2800" i="0" u="none" strike="noStrike" cap="none" dirty="0">
                 <a:solidFill>
                   <a:srgbClr val="FF7F00"/>
                 </a:solidFill>
@@ -27652,7 +27703,7 @@
               <a:t>' '</a:t>
             </a:r>
             <a:r>
-              <a:rPr lang="en-US" sz="2800" b="1" i="0" u="none" strike="noStrike" cap="none">
+              <a:rPr lang="en-US" sz="2800" i="0" u="none" strike="noStrike" cap="none" dirty="0">
                 <a:solidFill>
                   <a:schemeClr val="lt1"/>
                 </a:solidFill>
@@ -27664,7 +27715,7 @@
               <a:t>,</a:t>
             </a:r>
             <a:r>
-              <a:rPr lang="en-US" sz="2800" b="1" i="0" u="none" strike="noStrike" cap="none">
+              <a:rPr lang="en-US" sz="2800" i="0" u="none" strike="noStrike" cap="none" dirty="0" err="1">
                 <a:solidFill>
                   <a:srgbClr val="00FF00"/>
                 </a:solidFill>
@@ -27676,7 +27727,7 @@
               <a:t>atpos</a:t>
             </a:r>
             <a:r>
-              <a:rPr lang="en-US" sz="2800" b="1" i="0" u="none" strike="noStrike" cap="none">
+              <a:rPr lang="en-US" sz="2800" i="0" u="none" strike="noStrike" cap="none" dirty="0">
                 <a:solidFill>
                   <a:schemeClr val="lt1"/>
                 </a:solidFill>
@@ -27707,7 +27758,7 @@
               <a:buNone/>
             </a:pPr>
             <a:r>
-              <a:rPr lang="en-US" sz="2800" b="1" i="0" u="none" strike="noStrike" cap="none">
+              <a:rPr lang="en-US" sz="2800" i="0" u="none" strike="noStrike" cap="none" dirty="0">
                 <a:solidFill>
                   <a:schemeClr val="lt1"/>
                 </a:solidFill>
@@ -27719,7 +27770,7 @@
               <a:t>&gt;&gt;&gt; </a:t>
             </a:r>
             <a:r>
-              <a:rPr lang="en-US" sz="2800" b="1" i="0" u="none" strike="noStrike" cap="none">
+              <a:rPr lang="en-US" sz="2800" i="0" u="none" strike="noStrike" cap="none" dirty="0">
                 <a:solidFill>
                   <a:srgbClr val="FFFF00"/>
                 </a:solidFill>
@@ -27731,7 +27782,7 @@
               <a:t>print</a:t>
             </a:r>
             <a:r>
-              <a:rPr lang="en-US" sz="2800" b="1" i="0" u="none" strike="noStrike" cap="none">
+              <a:rPr lang="en-US" sz="2800" i="0" u="none" strike="noStrike" cap="none" dirty="0">
                 <a:solidFill>
                   <a:schemeClr val="lt1"/>
                 </a:solidFill>
@@ -27743,7 +27794,7 @@
               <a:t> </a:t>
             </a:r>
             <a:r>
-              <a:rPr lang="en-US" sz="2800" b="1" i="0" u="none" strike="noStrike" cap="none">
+              <a:rPr lang="en-US" sz="2800" i="0" u="none" strike="noStrike" cap="none" dirty="0" err="1">
                 <a:solidFill>
                   <a:srgbClr val="00FF00"/>
                 </a:solidFill>
@@ -27754,6 +27805,15 @@
               </a:rPr>
               <a:t>sppos</a:t>
             </a:r>
+            <a:endParaRPr lang="en-US" sz="2800" i="0" u="none" strike="noStrike" cap="none" dirty="0">
+              <a:solidFill>
+                <a:srgbClr val="00FF00"/>
+              </a:solidFill>
+              <a:latin typeface="Courier New"/>
+              <a:ea typeface="Courier New"/>
+              <a:cs typeface="Courier New"/>
+              <a:sym typeface="Courier New"/>
+            </a:endParaRPr>
           </a:p>
           <a:p>
             <a:pPr marL="0" marR="0" lvl="0" indent="0" algn="l" rtl="0">
@@ -27774,7 +27834,7 @@
               <a:buNone/>
             </a:pPr>
             <a:r>
-              <a:rPr lang="en-US" sz="2800" b="1" i="0" u="none" strike="noStrike" cap="none">
+              <a:rPr lang="en-US" sz="2800" i="0" u="none" strike="noStrike" cap="none" dirty="0">
                 <a:solidFill>
                   <a:schemeClr val="lt1"/>
                 </a:solidFill>
@@ -27805,7 +27865,7 @@
               <a:buNone/>
             </a:pPr>
             <a:r>
-              <a:rPr lang="en-US" sz="2800" b="1" i="0" u="none" strike="noStrike" cap="none">
+              <a:rPr lang="en-US" sz="2800" i="0" u="none" strike="noStrike" cap="none" dirty="0">
                 <a:solidFill>
                   <a:schemeClr val="lt1"/>
                 </a:solidFill>
@@ -27817,7 +27877,7 @@
               <a:t>&gt;&gt;&gt; </a:t>
             </a:r>
             <a:r>
-              <a:rPr lang="en-US" sz="2800" b="1" i="0" u="none" strike="noStrike" cap="none">
+              <a:rPr lang="en-US" sz="2800" i="0" u="none" strike="noStrike" cap="none" dirty="0">
                 <a:solidFill>
                   <a:srgbClr val="00FF00"/>
                 </a:solidFill>
@@ -27829,7 +27889,7 @@
               <a:t>host</a:t>
             </a:r>
             <a:r>
-              <a:rPr lang="en-US" sz="2800" b="1" i="0" u="none" strike="noStrike" cap="none">
+              <a:rPr lang="en-US" sz="2800" i="0" u="none" strike="noStrike" cap="none" dirty="0">
                 <a:solidFill>
                   <a:schemeClr val="lt1"/>
                 </a:solidFill>
@@ -27841,7 +27901,7 @@
               <a:t> = </a:t>
             </a:r>
             <a:r>
-              <a:rPr lang="en-US" sz="2800" b="1" i="0" u="none" strike="noStrike" cap="none">
+              <a:rPr lang="en-US" sz="2800" i="0" u="none" strike="noStrike" cap="none" dirty="0">
                 <a:solidFill>
                   <a:srgbClr val="00FF00"/>
                 </a:solidFill>
@@ -27853,7 +27913,7 @@
               <a:t>data</a:t>
             </a:r>
             <a:r>
-              <a:rPr lang="en-US" sz="2800" b="1" i="0" u="none" strike="noStrike" cap="none">
+              <a:rPr lang="en-US" sz="2800" i="0" u="none" strike="noStrike" cap="none" dirty="0">
                 <a:solidFill>
                   <a:srgbClr val="00FFFF"/>
                 </a:solidFill>
@@ -27865,7 +27925,7 @@
               <a:t>[</a:t>
             </a:r>
             <a:r>
-              <a:rPr lang="en-US" sz="2800" b="1" i="0" u="none" strike="noStrike" cap="none">
+              <a:rPr lang="en-US" sz="2800" i="0" u="none" strike="noStrike" cap="none" dirty="0">
                 <a:solidFill>
                   <a:srgbClr val="00FF00"/>
                 </a:solidFill>
@@ -27877,7 +27937,7 @@
               <a:t>atpos</a:t>
             </a:r>
             <a:r>
-              <a:rPr lang="en-US" sz="2800" b="1" i="0" u="none" strike="noStrike" cap="none">
+              <a:rPr lang="en-US" sz="2800" i="0" u="none" strike="noStrike" cap="none" dirty="0">
                 <a:solidFill>
                   <a:srgbClr val="00FFFF"/>
                 </a:solidFill>
@@ -27889,7 +27949,7 @@
               <a:t>+</a:t>
             </a:r>
             <a:r>
-              <a:rPr lang="en-US" sz="2800" b="1" i="0" u="none" strike="noStrike" cap="none">
+              <a:rPr lang="en-US" sz="2800" i="0" u="none" strike="noStrike" cap="none" dirty="0">
                 <a:solidFill>
                   <a:srgbClr val="FF7F00"/>
                 </a:solidFill>
@@ -27901,7 +27961,7 @@
               <a:t>1</a:t>
             </a:r>
             <a:r>
-              <a:rPr lang="en-US" sz="2800" b="1" i="0" u="none" strike="noStrike" cap="none">
+              <a:rPr lang="en-US" sz="2800" i="0" u="none" strike="noStrike" cap="none" dirty="0">
                 <a:solidFill>
                   <a:srgbClr val="00FFFF"/>
                 </a:solidFill>
@@ -27913,7 +27973,7 @@
               <a:t> : </a:t>
             </a:r>
             <a:r>
-              <a:rPr lang="en-US" sz="2800" b="1" i="0" u="none" strike="noStrike" cap="none">
+              <a:rPr lang="en-US" sz="2800" i="0" u="none" strike="noStrike" cap="none" dirty="0" err="1">
                 <a:solidFill>
                   <a:srgbClr val="00FF00"/>
                 </a:solidFill>
@@ -27925,7 +27985,7 @@
               <a:t>sppos</a:t>
             </a:r>
             <a:r>
-              <a:rPr lang="en-US" sz="2800" b="1" i="0" u="none" strike="noStrike" cap="none">
+              <a:rPr lang="en-US" sz="2800" i="0" u="none" strike="noStrike" cap="none" dirty="0">
                 <a:solidFill>
                   <a:srgbClr val="00FFFF"/>
                 </a:solidFill>
@@ -27956,7 +28016,7 @@
               <a:buNone/>
             </a:pPr>
             <a:r>
-              <a:rPr lang="en-US" sz="2800" b="1" i="0" u="none" strike="noStrike" cap="none">
+              <a:rPr lang="en-US" sz="2800" i="0" u="none" strike="noStrike" cap="none" dirty="0">
                 <a:solidFill>
                   <a:schemeClr val="lt1"/>
                 </a:solidFill>
@@ -27968,7 +28028,7 @@
               <a:t>&gt;&gt;&gt; </a:t>
             </a:r>
             <a:r>
-              <a:rPr lang="en-US" sz="2800" b="1" i="0" u="none" strike="noStrike" cap="none">
+              <a:rPr lang="en-US" sz="2800" i="0" u="none" strike="noStrike" cap="none" dirty="0">
                 <a:solidFill>
                   <a:srgbClr val="FFFF00"/>
                 </a:solidFill>
@@ -27980,7 +28040,7 @@
               <a:t>print</a:t>
             </a:r>
             <a:r>
-              <a:rPr lang="en-US" sz="2800" b="1" i="0" u="none" strike="noStrike" cap="none">
+              <a:rPr lang="en-US" sz="2800" i="0" u="none" strike="noStrike" cap="none" dirty="0">
                 <a:solidFill>
                   <a:schemeClr val="lt1"/>
                 </a:solidFill>
@@ -27992,7 +28052,7 @@
               <a:t> </a:t>
             </a:r>
             <a:r>
-              <a:rPr lang="en-US" sz="2800" b="1" i="0" u="none" strike="noStrike" cap="none">
+              <a:rPr lang="en-US" sz="2800" i="0" u="none" strike="noStrike" cap="none" dirty="0">
                 <a:solidFill>
                   <a:srgbClr val="00FF00"/>
                 </a:solidFill>
@@ -28023,7 +28083,7 @@
               <a:buNone/>
             </a:pPr>
             <a:r>
-              <a:rPr lang="en-US" sz="2800" b="1" i="0" u="none" strike="noStrike" cap="none">
+              <a:rPr lang="en-US" sz="2800" i="0" u="none" strike="noStrike" cap="none" dirty="0" err="1">
                 <a:solidFill>
                   <a:schemeClr val="lt1"/>
                 </a:solidFill>
@@ -28034,6 +28094,15 @@
               </a:rPr>
               <a:t>uct.ac.za</a:t>
             </a:r>
+            <a:endParaRPr lang="en-US" sz="2800" i="0" u="none" strike="noStrike" cap="none" dirty="0">
+              <a:solidFill>
+                <a:schemeClr val="lt1"/>
+              </a:solidFill>
+              <a:latin typeface="Courier New"/>
+              <a:ea typeface="Courier New"/>
+              <a:cs typeface="Courier New"/>
+              <a:sym typeface="Courier New"/>
+            </a:endParaRPr>
           </a:p>
         </p:txBody>
       </p:sp>
@@ -28527,7 +28596,7 @@
               <a:buChar char="•"/>
             </a:pPr>
             <a:r>
-              <a:rPr lang="en-US" sz="3000" u="none" strike="noStrike" cap="none">
+              <a:rPr lang="en-US" sz="3000" u="none" strike="noStrike" cap="none" dirty="0">
                 <a:solidFill>
                   <a:schemeClr val="lt1"/>
                 </a:solidFill>
@@ -28539,7 +28608,7 @@
               <a:t>We prefer to read data in using </a:t>
             </a:r>
             <a:r>
-              <a:rPr lang="en-US" sz="3000" u="none" strike="noStrike" cap="none">
+              <a:rPr lang="en-US" sz="3000" u="none" strike="noStrike" cap="none" dirty="0">
                 <a:solidFill>
                   <a:srgbClr val="FF7F00"/>
                 </a:solidFill>
@@ -28551,7 +28620,7 @@
               <a:t>strings</a:t>
             </a:r>
             <a:r>
-              <a:rPr lang="en-US" sz="3000" u="none" strike="noStrike" cap="none">
+              <a:rPr lang="en-US" sz="3000" u="none" strike="noStrike" cap="none" dirty="0">
                 <a:solidFill>
                   <a:schemeClr val="lt1"/>
                 </a:solidFill>
@@ -28694,7 +28763,7 @@
               <a:buNone/>
             </a:pPr>
             <a:r>
-              <a:rPr lang="en-US" sz="3000" b="1" i="0" u="none" strike="noStrike" cap="none" dirty="0">
+              <a:rPr lang="en-US" sz="3000" i="0" u="none" strike="noStrike" cap="none" dirty="0">
                 <a:solidFill>
                   <a:schemeClr val="lt1"/>
                 </a:solidFill>
@@ -28706,7 +28775,7 @@
               <a:t>&gt;&gt;&gt; </a:t>
             </a:r>
             <a:r>
-              <a:rPr lang="en-US" sz="3000" b="1" i="0" u="none" strike="noStrike" cap="none" dirty="0">
+              <a:rPr lang="en-US" sz="3000" i="0" u="none" strike="noStrike" cap="none" dirty="0">
                 <a:solidFill>
                   <a:srgbClr val="00FF00"/>
                 </a:solidFill>
@@ -28718,7 +28787,7 @@
               <a:t>name</a:t>
             </a:r>
             <a:r>
-              <a:rPr lang="en-US" sz="3000" b="1" i="0" u="none" strike="noStrike" cap="none" dirty="0">
+              <a:rPr lang="en-US" sz="3000" i="0" u="none" strike="noStrike" cap="none" dirty="0">
                 <a:solidFill>
                   <a:srgbClr val="FF7F00"/>
                 </a:solidFill>
@@ -28730,7 +28799,7 @@
               <a:t> </a:t>
             </a:r>
             <a:r>
-              <a:rPr lang="en-US" sz="3000" b="1" i="0" u="none" strike="noStrike" cap="none" dirty="0">
+              <a:rPr lang="en-US" sz="3000" i="0" u="none" strike="noStrike" cap="none" dirty="0">
                 <a:solidFill>
                   <a:schemeClr val="lt1"/>
                 </a:solidFill>
@@ -28742,7 +28811,7 @@
               <a:t>=</a:t>
             </a:r>
             <a:r>
-              <a:rPr lang="en-US" sz="3000" b="1" i="0" u="none" strike="noStrike" cap="none" dirty="0">
+              <a:rPr lang="en-US" sz="3000" i="0" u="none" strike="noStrike" cap="none" dirty="0">
                 <a:solidFill>
                   <a:srgbClr val="FF7F00"/>
                 </a:solidFill>
@@ -28754,7 +28823,7 @@
               <a:t> </a:t>
             </a:r>
             <a:r>
-              <a:rPr lang="en-US" sz="3000" b="1" i="0" u="none" strike="noStrike" cap="none" dirty="0" smtClean="0">
+              <a:rPr lang="en-US" sz="3000" i="0" u="none" strike="noStrike" cap="none" dirty="0" smtClean="0">
                 <a:solidFill>
                   <a:srgbClr val="FF00FF"/>
                 </a:solidFill>
@@ -28766,7 +28835,7 @@
               <a:t>input</a:t>
             </a:r>
             <a:r>
-              <a:rPr lang="en-US" sz="3000" b="1" i="0" u="none" strike="noStrike" cap="none" dirty="0">
+              <a:rPr lang="en-US" sz="3000" i="0" u="none" strike="noStrike" cap="none" dirty="0">
                 <a:solidFill>
                   <a:schemeClr val="lt1"/>
                 </a:solidFill>
@@ -28778,7 +28847,7 @@
               <a:t>(</a:t>
             </a:r>
             <a:r>
-              <a:rPr lang="en-US" sz="3000" b="1" i="0" u="none" strike="noStrike" cap="none" dirty="0">
+              <a:rPr lang="en-US" sz="3000" i="0" u="none" strike="noStrike" cap="none" dirty="0">
                 <a:solidFill>
                   <a:srgbClr val="FF7F00"/>
                 </a:solidFill>
@@ -28790,7 +28859,7 @@
               <a:t>'Enter:'</a:t>
             </a:r>
             <a:r>
-              <a:rPr lang="en-US" sz="3000" b="1" i="0" u="none" strike="noStrike" cap="none" dirty="0">
+              <a:rPr lang="en-US" sz="3000" i="0" u="none" strike="noStrike" cap="none" dirty="0">
                 <a:solidFill>
                   <a:schemeClr val="lt1"/>
                 </a:solidFill>
@@ -28821,7 +28890,7 @@
               <a:buNone/>
             </a:pPr>
             <a:r>
-              <a:rPr lang="en-US" sz="3000" b="1" i="0" u="none" strike="noStrike" cap="none" dirty="0" err="1">
+              <a:rPr lang="en-US" sz="3000" i="0" u="none" strike="noStrike" cap="none" dirty="0" err="1">
                 <a:solidFill>
                   <a:schemeClr val="lt1"/>
                 </a:solidFill>
@@ -28833,7 +28902,7 @@
               <a:t>Enter:</a:t>
             </a:r>
             <a:r>
-              <a:rPr lang="en-US" sz="3000" b="1" i="0" u="none" strike="noStrike" cap="none" dirty="0" err="1">
+              <a:rPr lang="en-US" sz="3000" i="0" u="none" strike="noStrike" cap="none" dirty="0" err="1">
                 <a:solidFill>
                   <a:srgbClr val="00FF00"/>
                 </a:solidFill>
@@ -28844,7 +28913,7 @@
               </a:rPr>
               <a:t>Chuck</a:t>
             </a:r>
-            <a:endParaRPr lang="en-US" sz="3000" b="1" i="0" u="none" strike="noStrike" cap="none" dirty="0">
+            <a:endParaRPr lang="en-US" sz="3000" i="0" u="none" strike="noStrike" cap="none" dirty="0">
               <a:solidFill>
                 <a:srgbClr val="00FF00"/>
               </a:solidFill>
@@ -28873,7 +28942,7 @@
               <a:buNone/>
             </a:pPr>
             <a:r>
-              <a:rPr lang="en-US" sz="3000" b="1" i="0" u="none" strike="noStrike" cap="none" dirty="0">
+              <a:rPr lang="en-US" sz="3000" i="0" u="none" strike="noStrike" cap="none" dirty="0">
                 <a:solidFill>
                   <a:schemeClr val="lt1"/>
                 </a:solidFill>
@@ -28885,7 +28954,7 @@
               <a:t>&gt;&gt;&gt; </a:t>
             </a:r>
             <a:r>
-              <a:rPr lang="en-US" sz="3000" b="1" i="0" u="none" strike="noStrike" cap="none" dirty="0" smtClean="0">
+              <a:rPr lang="en-US" sz="3000" i="0" u="none" strike="noStrike" cap="none" dirty="0" smtClean="0">
                 <a:solidFill>
                   <a:srgbClr val="FFFF00"/>
                 </a:solidFill>
@@ -28897,7 +28966,7 @@
               <a:t>print</a:t>
             </a:r>
             <a:r>
-              <a:rPr lang="en-US" sz="3000" b="1" dirty="0" smtClean="0">
+              <a:rPr lang="en-US" sz="3000" dirty="0" smtClean="0">
                 <a:solidFill>
                   <a:schemeClr val="lt1"/>
                 </a:solidFill>
@@ -28909,7 +28978,7 @@
               <a:t>(</a:t>
             </a:r>
             <a:r>
-              <a:rPr lang="en-US" sz="3000" b="1" i="0" u="none" strike="noStrike" cap="none" dirty="0" smtClean="0">
+              <a:rPr lang="en-US" sz="3000" i="0" u="none" strike="noStrike" cap="none" dirty="0" smtClean="0">
                 <a:solidFill>
                   <a:srgbClr val="FF7F00"/>
                 </a:solidFill>
@@ -28921,7 +28990,7 @@
               <a:t>name</a:t>
             </a:r>
             <a:r>
-              <a:rPr lang="en-US" sz="3000" b="1" i="0" u="none" strike="noStrike" cap="none" dirty="0" smtClean="0">
+              <a:rPr lang="en-US" sz="3000" i="0" u="none" strike="noStrike" cap="none" dirty="0" smtClean="0">
                 <a:solidFill>
                   <a:schemeClr val="bg1"/>
                 </a:solidFill>
@@ -28932,7 +29001,7 @@
               </a:rPr>
               <a:t>)</a:t>
             </a:r>
-            <a:endParaRPr lang="en-US" sz="3000" b="1" i="0" u="none" strike="noStrike" cap="none" dirty="0">
+            <a:endParaRPr lang="en-US" sz="3000" i="0" u="none" strike="noStrike" cap="none" dirty="0">
               <a:solidFill>
                 <a:schemeClr val="bg1"/>
               </a:solidFill>
@@ -28961,7 +29030,7 @@
               <a:buNone/>
             </a:pPr>
             <a:r>
-              <a:rPr lang="en-US" sz="3000" b="1" i="0" u="none" strike="noStrike" cap="none" dirty="0">
+              <a:rPr lang="en-US" sz="3000" i="0" u="none" strike="noStrike" cap="none" dirty="0">
                 <a:solidFill>
                   <a:schemeClr val="lt1"/>
                 </a:solidFill>
@@ -28992,7 +29061,7 @@
               <a:buNone/>
             </a:pPr>
             <a:r>
-              <a:rPr lang="en-US" sz="3000" b="1" i="0" u="none" strike="noStrike" cap="none" dirty="0">
+              <a:rPr lang="en-US" sz="3000" i="0" u="none" strike="noStrike" cap="none" dirty="0">
                 <a:solidFill>
                   <a:schemeClr val="lt1"/>
                 </a:solidFill>
@@ -29004,7 +29073,7 @@
               <a:t>&gt;&gt;&gt; </a:t>
             </a:r>
             <a:r>
-              <a:rPr lang="en-US" sz="3000" b="1" i="0" u="none" strike="noStrike" cap="none" dirty="0">
+              <a:rPr lang="en-US" sz="3000" i="0" u="none" strike="noStrike" cap="none" dirty="0">
                 <a:solidFill>
                   <a:srgbClr val="00FF00"/>
                 </a:solidFill>
@@ -29016,7 +29085,7 @@
               <a:t>apple</a:t>
             </a:r>
             <a:r>
-              <a:rPr lang="en-US" sz="3000" b="1" i="0" u="none" strike="noStrike" cap="none" dirty="0">
+              <a:rPr lang="en-US" sz="3000" i="0" u="none" strike="noStrike" cap="none" dirty="0">
                 <a:solidFill>
                   <a:srgbClr val="FF7F00"/>
                 </a:solidFill>
@@ -29028,7 +29097,7 @@
               <a:t> </a:t>
             </a:r>
             <a:r>
-              <a:rPr lang="en-US" sz="3000" b="1" i="0" u="none" strike="noStrike" cap="none" dirty="0">
+              <a:rPr lang="en-US" sz="3000" i="0" u="none" strike="noStrike" cap="none" dirty="0">
                 <a:solidFill>
                   <a:schemeClr val="lt1"/>
                 </a:solidFill>
@@ -29040,7 +29109,7 @@
               <a:t>=</a:t>
             </a:r>
             <a:r>
-              <a:rPr lang="en-US" sz="3000" b="1" i="0" u="none" strike="noStrike" cap="none" dirty="0">
+              <a:rPr lang="en-US" sz="3000" i="0" u="none" strike="noStrike" cap="none" dirty="0">
                 <a:solidFill>
                   <a:srgbClr val="FF7F00"/>
                 </a:solidFill>
@@ -29052,7 +29121,7 @@
               <a:t> </a:t>
             </a:r>
             <a:r>
-              <a:rPr lang="en-US" sz="3000" b="1" i="0" u="none" strike="noStrike" cap="none" dirty="0" smtClean="0">
+              <a:rPr lang="en-US" sz="3000" i="0" u="none" strike="noStrike" cap="none" dirty="0" smtClean="0">
                 <a:solidFill>
                   <a:srgbClr val="FF00FF"/>
                 </a:solidFill>
@@ -29064,7 +29133,7 @@
               <a:t>input</a:t>
             </a:r>
             <a:r>
-              <a:rPr lang="en-US" sz="3000" b="1" i="0" u="none" strike="noStrike" cap="none" dirty="0">
+              <a:rPr lang="en-US" sz="3000" i="0" u="none" strike="noStrike" cap="none" dirty="0">
                 <a:solidFill>
                   <a:schemeClr val="lt1"/>
                 </a:solidFill>
@@ -29076,7 +29145,7 @@
               <a:t>(</a:t>
             </a:r>
             <a:r>
-              <a:rPr lang="en-US" sz="3000" b="1" i="0" u="none" strike="noStrike" cap="none" dirty="0">
+              <a:rPr lang="en-US" sz="3000" i="0" u="none" strike="noStrike" cap="none" dirty="0">
                 <a:solidFill>
                   <a:srgbClr val="FF7F00"/>
                 </a:solidFill>
@@ -29088,7 +29157,7 @@
               <a:t>'Enter:'</a:t>
             </a:r>
             <a:r>
-              <a:rPr lang="en-US" sz="3000" b="1" i="0" u="none" strike="noStrike" cap="none" dirty="0">
+              <a:rPr lang="en-US" sz="3000" i="0" u="none" strike="noStrike" cap="none" dirty="0">
                 <a:solidFill>
                   <a:schemeClr val="lt1"/>
                 </a:solidFill>
@@ -29119,7 +29188,7 @@
               <a:buNone/>
             </a:pPr>
             <a:r>
-              <a:rPr lang="en-US" sz="3000" b="1" i="0" u="none" strike="noStrike" cap="none" dirty="0">
+              <a:rPr lang="en-US" sz="3000" i="0" u="none" strike="noStrike" cap="none" dirty="0">
                 <a:solidFill>
                   <a:schemeClr val="lt1"/>
                 </a:solidFill>
@@ -29131,7 +29200,7 @@
               <a:t>Enter:</a:t>
             </a:r>
             <a:r>
-              <a:rPr lang="en-US" sz="3000" b="1" i="0" u="none" strike="noStrike" cap="none" dirty="0">
+              <a:rPr lang="en-US" sz="3000" i="0" u="none" strike="noStrike" cap="none" dirty="0">
                 <a:solidFill>
                   <a:srgbClr val="00FF00"/>
                 </a:solidFill>
@@ -29162,7 +29231,7 @@
               <a:buNone/>
             </a:pPr>
             <a:r>
-              <a:rPr lang="en-US" sz="3000" b="1" i="0" u="none" strike="noStrike" cap="none" dirty="0">
+              <a:rPr lang="en-US" sz="3000" i="0" u="none" strike="noStrike" cap="none" dirty="0">
                 <a:solidFill>
                   <a:schemeClr val="lt1"/>
                 </a:solidFill>
@@ -29174,7 +29243,7 @@
               <a:t>&gt;&gt;&gt; </a:t>
             </a:r>
             <a:r>
-              <a:rPr lang="en-US" sz="3000" b="1" i="0" u="none" strike="noStrike" cap="none" dirty="0">
+              <a:rPr lang="en-US" sz="3000" i="0" u="none" strike="noStrike" cap="none" dirty="0">
                 <a:solidFill>
                   <a:srgbClr val="00FF00"/>
                 </a:solidFill>
@@ -29186,7 +29255,7 @@
               <a:t>x </a:t>
             </a:r>
             <a:r>
-              <a:rPr lang="en-US" sz="3000" b="1" i="0" u="none" strike="noStrike" cap="none" dirty="0">
+              <a:rPr lang="en-US" sz="3000" i="0" u="none" strike="noStrike" cap="none" dirty="0">
                 <a:solidFill>
                   <a:schemeClr val="lt1"/>
                 </a:solidFill>
@@ -29198,7 +29267,7 @@
               <a:t>=</a:t>
             </a:r>
             <a:r>
-              <a:rPr lang="en-US" sz="3000" b="1" i="0" u="none" strike="noStrike" cap="none" dirty="0">
+              <a:rPr lang="en-US" sz="3000" i="0" u="none" strike="noStrike" cap="none" dirty="0">
                 <a:solidFill>
                   <a:srgbClr val="FF7F00"/>
                 </a:solidFill>
@@ -29210,7 +29279,7 @@
               <a:t> </a:t>
             </a:r>
             <a:r>
-              <a:rPr lang="en-US" sz="3000" b="1" i="0" u="none" strike="noStrike" cap="none" dirty="0">
+              <a:rPr lang="en-US" sz="3000" i="0" u="none" strike="noStrike" cap="none" dirty="0">
                 <a:solidFill>
                   <a:srgbClr val="00FF00"/>
                 </a:solidFill>
@@ -29222,7 +29291,7 @@
               <a:t>apple</a:t>
             </a:r>
             <a:r>
-              <a:rPr lang="en-US" sz="3000" b="1" i="0" u="none" strike="noStrike" cap="none" dirty="0">
+              <a:rPr lang="en-US" sz="3000" i="0" u="none" strike="noStrike" cap="none" dirty="0">
                 <a:solidFill>
                   <a:srgbClr val="FF7F00"/>
                 </a:solidFill>
@@ -29234,7 +29303,7 @@
               <a:t> </a:t>
             </a:r>
             <a:r>
-              <a:rPr lang="en-US" sz="3000" b="1" i="0" u="none" strike="noStrike" cap="none" dirty="0">
+              <a:rPr lang="en-US" sz="3000" i="0" u="none" strike="noStrike" cap="none" dirty="0">
                 <a:solidFill>
                   <a:srgbClr val="00FFFF"/>
                 </a:solidFill>
@@ -29246,7 +29315,7 @@
               <a:t>– </a:t>
             </a:r>
             <a:r>
-              <a:rPr lang="en-US" sz="3000" b="1" i="0" u="none" strike="noStrike" cap="none" dirty="0">
+              <a:rPr lang="en-US" sz="3000" i="0" u="none" strike="noStrike" cap="none" dirty="0">
                 <a:solidFill>
                   <a:srgbClr val="FF7F00"/>
                 </a:solidFill>
@@ -29277,7 +29346,7 @@
               <a:buNone/>
             </a:pPr>
             <a:r>
-              <a:rPr lang="en-US" sz="3000" b="1" i="0" u="none" strike="noStrike" cap="none" dirty="0" err="1">
+              <a:rPr lang="en-US" sz="3000" i="0" u="none" strike="noStrike" cap="none" dirty="0" err="1">
                 <a:solidFill>
                   <a:srgbClr val="E06666"/>
                 </a:solidFill>
@@ -29289,7 +29358,7 @@
               <a:t>Traceback</a:t>
             </a:r>
             <a:r>
-              <a:rPr lang="en-US" sz="3000" b="1" i="0" u="none" strike="noStrike" cap="none" dirty="0">
+              <a:rPr lang="en-US" sz="3000" i="0" u="none" strike="noStrike" cap="none" dirty="0">
                 <a:solidFill>
                   <a:srgbClr val="E06666"/>
                 </a:solidFill>
@@ -29301,7 +29370,7 @@
               <a:t> (most recent call last):  File "&lt;</a:t>
             </a:r>
             <a:r>
-              <a:rPr lang="en-US" sz="3000" b="1" i="0" u="none" strike="noStrike" cap="none" dirty="0" err="1">
+              <a:rPr lang="en-US" sz="3000" i="0" u="none" strike="noStrike" cap="none" dirty="0" err="1">
                 <a:solidFill>
                   <a:srgbClr val="E06666"/>
                 </a:solidFill>
@@ -29313,7 +29382,7 @@
               <a:t>stdin</a:t>
             </a:r>
             <a:r>
-              <a:rPr lang="en-US" sz="3000" b="1" i="0" u="none" strike="noStrike" cap="none" dirty="0">
+              <a:rPr lang="en-US" sz="3000" i="0" u="none" strike="noStrike" cap="none" dirty="0">
                 <a:solidFill>
                   <a:srgbClr val="E06666"/>
                 </a:solidFill>
@@ -29325,7 +29394,7 @@
               <a:t>&gt;", line 1, in &lt;module&gt;</a:t>
             </a:r>
             <a:r>
-              <a:rPr lang="en-US" sz="3000" b="1" i="0" u="none" strike="noStrike" cap="none" dirty="0" err="1">
+              <a:rPr lang="en-US" sz="3000" i="0" u="none" strike="noStrike" cap="none" dirty="0" err="1">
                 <a:solidFill>
                   <a:srgbClr val="E06666"/>
                 </a:solidFill>
@@ -29337,7 +29406,7 @@
               <a:t>TypeError</a:t>
             </a:r>
             <a:r>
-              <a:rPr lang="en-US" sz="3000" b="1" i="0" u="none" strike="noStrike" cap="none" dirty="0">
+              <a:rPr lang="en-US" sz="3000" i="0" u="none" strike="noStrike" cap="none" dirty="0">
                 <a:solidFill>
                   <a:srgbClr val="E06666"/>
                 </a:solidFill>
@@ -29349,7 +29418,7 @@
               <a:t>: unsupported operand type(s) for -: '</a:t>
             </a:r>
             <a:r>
-              <a:rPr lang="en-US" sz="3000" b="1" i="0" u="none" strike="noStrike" cap="none" dirty="0" err="1">
+              <a:rPr lang="en-US" sz="3000" i="0" u="none" strike="noStrike" cap="none" dirty="0" err="1">
                 <a:solidFill>
                   <a:srgbClr val="E06666"/>
                 </a:solidFill>
@@ -29361,7 +29430,7 @@
               <a:t>str</a:t>
             </a:r>
             <a:r>
-              <a:rPr lang="en-US" sz="3000" b="1" i="0" u="none" strike="noStrike" cap="none" dirty="0">
+              <a:rPr lang="en-US" sz="3000" i="0" u="none" strike="noStrike" cap="none" dirty="0">
                 <a:solidFill>
                   <a:srgbClr val="E06666"/>
                 </a:solidFill>
@@ -29373,7 +29442,7 @@
               <a:t>' and '</a:t>
             </a:r>
             <a:r>
-              <a:rPr lang="en-US" sz="3000" b="1" i="0" u="none" strike="noStrike" cap="none" dirty="0" err="1">
+              <a:rPr lang="en-US" sz="3000" i="0" u="none" strike="noStrike" cap="none" dirty="0" err="1">
                 <a:solidFill>
                   <a:srgbClr val="E06666"/>
                 </a:solidFill>
@@ -29385,7 +29454,7 @@
               <a:t>int</a:t>
             </a:r>
             <a:r>
-              <a:rPr lang="en-US" sz="3000" b="1" i="0" u="none" strike="noStrike" cap="none" dirty="0">
+              <a:rPr lang="en-US" sz="3000" i="0" u="none" strike="noStrike" cap="none" dirty="0">
                 <a:solidFill>
                   <a:srgbClr val="E06666"/>
                 </a:solidFill>
@@ -29416,7 +29485,7 @@
               <a:buNone/>
             </a:pPr>
             <a:r>
-              <a:rPr lang="en-US" sz="3000" b="1" i="0" u="none" strike="noStrike" cap="none" dirty="0">
+              <a:rPr lang="en-US" sz="3000" i="0" u="none" strike="noStrike" cap="none" dirty="0">
                 <a:solidFill>
                   <a:schemeClr val="lt1"/>
                 </a:solidFill>
@@ -29428,7 +29497,7 @@
               <a:t>&gt;&gt;&gt; </a:t>
             </a:r>
             <a:r>
-              <a:rPr lang="en-US" sz="3000" b="1" i="0" u="none" strike="noStrike" cap="none" dirty="0">
+              <a:rPr lang="en-US" sz="3000" i="0" u="none" strike="noStrike" cap="none" dirty="0">
                 <a:solidFill>
                   <a:srgbClr val="00FF00"/>
                 </a:solidFill>
@@ -29440,7 +29509,7 @@
               <a:t>x</a:t>
             </a:r>
             <a:r>
-              <a:rPr lang="en-US" sz="3000" b="1" i="0" u="none" strike="noStrike" cap="none" dirty="0">
+              <a:rPr lang="en-US" sz="3000" i="0" u="none" strike="noStrike" cap="none" dirty="0">
                 <a:solidFill>
                   <a:srgbClr val="FF7F00"/>
                 </a:solidFill>
@@ -29452,7 +29521,7 @@
               <a:t> </a:t>
             </a:r>
             <a:r>
-              <a:rPr lang="en-US" sz="3000" b="1" i="0" u="none" strike="noStrike" cap="none" dirty="0">
+              <a:rPr lang="en-US" sz="3000" i="0" u="none" strike="noStrike" cap="none" dirty="0">
                 <a:solidFill>
                   <a:schemeClr val="lt1"/>
                 </a:solidFill>
@@ -29464,7 +29533,7 @@
               <a:t>=</a:t>
             </a:r>
             <a:r>
-              <a:rPr lang="en-US" sz="3000" b="1" i="0" u="none" strike="noStrike" cap="none" dirty="0">
+              <a:rPr lang="en-US" sz="3000" i="0" u="none" strike="noStrike" cap="none" dirty="0">
                 <a:solidFill>
                   <a:srgbClr val="FF7F00"/>
                 </a:solidFill>
@@ -29476,7 +29545,7 @@
               <a:t> </a:t>
             </a:r>
             <a:r>
-              <a:rPr lang="en-US" sz="3000" b="1" i="0" u="none" strike="noStrike" cap="none" dirty="0" err="1">
+              <a:rPr lang="en-US" sz="3000" i="0" u="none" strike="noStrike" cap="none" dirty="0" err="1">
                 <a:solidFill>
                   <a:srgbClr val="FF00FF"/>
                 </a:solidFill>
@@ -29488,7 +29557,7 @@
               <a:t>int</a:t>
             </a:r>
             <a:r>
-              <a:rPr lang="en-US" sz="3000" b="1" i="0" u="none" strike="noStrike" cap="none" dirty="0">
+              <a:rPr lang="en-US" sz="3000" i="0" u="none" strike="noStrike" cap="none" dirty="0">
                 <a:solidFill>
                   <a:srgbClr val="FF7F00"/>
                 </a:solidFill>
@@ -29500,7 +29569,7 @@
               <a:t>(</a:t>
             </a:r>
             <a:r>
-              <a:rPr lang="en-US" sz="3000" b="1" i="0" u="none" strike="noStrike" cap="none" dirty="0">
+              <a:rPr lang="en-US" sz="3000" i="0" u="none" strike="noStrike" cap="none" dirty="0">
                 <a:solidFill>
                   <a:srgbClr val="00FF00"/>
                 </a:solidFill>
@@ -29512,7 +29581,7 @@
               <a:t>apple</a:t>
             </a:r>
             <a:r>
-              <a:rPr lang="en-US" sz="3000" b="1" i="0" u="none" strike="noStrike" cap="none" dirty="0">
+              <a:rPr lang="en-US" sz="3000" i="0" u="none" strike="noStrike" cap="none" dirty="0">
                 <a:solidFill>
                   <a:srgbClr val="FF7F00"/>
                 </a:solidFill>
@@ -29524,7 +29593,7 @@
               <a:t>) </a:t>
             </a:r>
             <a:r>
-              <a:rPr lang="en-US" sz="3000" b="1" i="0" u="none" strike="noStrike" cap="none" dirty="0">
+              <a:rPr lang="en-US" sz="3000" i="0" u="none" strike="noStrike" cap="none" dirty="0">
                 <a:solidFill>
                   <a:srgbClr val="00FFFF"/>
                 </a:solidFill>
@@ -29536,7 +29605,7 @@
               <a:t>–</a:t>
             </a:r>
             <a:r>
-              <a:rPr lang="en-US" sz="3000" b="1" i="0" u="none" strike="noStrike" cap="none" dirty="0">
+              <a:rPr lang="en-US" sz="3000" i="0" u="none" strike="noStrike" cap="none" dirty="0">
                 <a:solidFill>
                   <a:srgbClr val="FF7F00"/>
                 </a:solidFill>
@@ -29567,7 +29636,7 @@
               <a:buNone/>
             </a:pPr>
             <a:r>
-              <a:rPr lang="en-US" sz="3000" b="1" i="0" u="none" strike="noStrike" cap="none" dirty="0">
+              <a:rPr lang="en-US" sz="3000" i="0" u="none" strike="noStrike" cap="none" dirty="0">
                 <a:solidFill>
                   <a:schemeClr val="lt1"/>
                 </a:solidFill>
@@ -29579,7 +29648,7 @@
               <a:t>&gt;&gt;&gt; </a:t>
             </a:r>
             <a:r>
-              <a:rPr lang="en-US" sz="3000" b="1" i="0" u="none" strike="noStrike" cap="none" dirty="0" smtClean="0">
+              <a:rPr lang="en-US" sz="3000" i="0" u="none" strike="noStrike" cap="none" dirty="0" smtClean="0">
                 <a:solidFill>
                   <a:srgbClr val="FFFF00"/>
                 </a:solidFill>
@@ -29591,7 +29660,7 @@
               <a:t>print</a:t>
             </a:r>
             <a:r>
-              <a:rPr lang="en-US" sz="3000" b="1" dirty="0" smtClean="0">
+              <a:rPr lang="en-US" sz="3000" dirty="0" smtClean="0">
                 <a:solidFill>
                   <a:schemeClr val="lt1"/>
                 </a:solidFill>
@@ -29603,7 +29672,7 @@
               <a:t>(</a:t>
             </a:r>
             <a:r>
-              <a:rPr lang="en-US" sz="3000" b="1" i="0" u="none" strike="noStrike" cap="none" dirty="0" smtClean="0">
+              <a:rPr lang="en-US" sz="3000" i="0" u="none" strike="noStrike" cap="none" dirty="0" smtClean="0">
                 <a:solidFill>
                   <a:srgbClr val="00FF00"/>
                 </a:solidFill>
@@ -29615,7 +29684,7 @@
               <a:t>x</a:t>
             </a:r>
             <a:r>
-              <a:rPr lang="en-US" sz="3000" b="1" i="0" u="none" strike="noStrike" cap="none" dirty="0" smtClean="0">
+              <a:rPr lang="en-US" sz="3000" i="0" u="none" strike="noStrike" cap="none" dirty="0" smtClean="0">
                 <a:solidFill>
                   <a:schemeClr val="bg1"/>
                 </a:solidFill>
@@ -29626,7 +29695,7 @@
               </a:rPr>
               <a:t>)</a:t>
             </a:r>
-            <a:endParaRPr lang="en-US" sz="3000" b="1" i="0" u="none" strike="noStrike" cap="none" dirty="0">
+            <a:endParaRPr lang="en-US" sz="3000" i="0" u="none" strike="noStrike" cap="none" dirty="0">
               <a:solidFill>
                 <a:schemeClr val="bg1"/>
               </a:solidFill>
@@ -29655,7 +29724,7 @@
               <a:buNone/>
             </a:pPr>
             <a:r>
-              <a:rPr lang="en-US" sz="3000" b="1" i="0" u="none" strike="noStrike" cap="none" dirty="0">
+              <a:rPr lang="en-US" sz="3000" i="0" u="none" strike="noStrike" cap="none" dirty="0">
                 <a:solidFill>
                   <a:schemeClr val="lt1"/>
                 </a:solidFill>
@@ -29705,6 +29774,10 @@
           </p:nvPr>
         </p:nvSpPr>
         <p:spPr>
+          <a:xfrm>
+            <a:off x="1155700" y="833718"/>
+            <a:ext cx="13151715" cy="1706182"/>
+          </a:xfrm>
           <a:prstGeom prst="rect">
             <a:avLst/>
           </a:prstGeom>
@@ -29737,7 +29810,7 @@
               <a:buNone/>
             </a:pPr>
             <a:r>
-              <a:rPr lang="en-US" sz="7600" u="none" strike="noStrike" cap="none">
+              <a:rPr lang="en-US" sz="7600" u="none" strike="noStrike" cap="none" dirty="0">
                 <a:solidFill>
                   <a:srgbClr val="FFFF00"/>
                 </a:solidFill>
@@ -30863,7 +30936,7 @@
               <a:buNone/>
             </a:pPr>
             <a:r>
-              <a:rPr lang="en-US" sz="3000" b="1" i="0" u="none" strike="noStrike" cap="none" dirty="0">
+              <a:rPr lang="en-US" sz="3000" i="0" u="none" strike="noStrike" cap="none" dirty="0">
                 <a:solidFill>
                   <a:schemeClr val="lt1"/>
                 </a:solidFill>
@@ -30875,7 +30948,7 @@
               <a:t>&gt;&gt;&gt; </a:t>
             </a:r>
             <a:r>
-              <a:rPr lang="en-US" sz="3000" b="1" i="0" u="none" strike="noStrike" cap="none" dirty="0">
+              <a:rPr lang="en-US" sz="3000" i="0" u="none" strike="noStrike" cap="none" dirty="0">
                 <a:solidFill>
                   <a:srgbClr val="00FF00"/>
                 </a:solidFill>
@@ -30887,7 +30960,7 @@
               <a:t>fruit</a:t>
             </a:r>
             <a:r>
-              <a:rPr lang="en-US" sz="3000" b="1" i="0" u="none" strike="noStrike" cap="none" dirty="0">
+              <a:rPr lang="en-US" sz="3000" i="0" u="none" strike="noStrike" cap="none" dirty="0">
                 <a:solidFill>
                   <a:schemeClr val="lt1"/>
                 </a:solidFill>
@@ -30899,7 +30972,7 @@
               <a:t> = </a:t>
             </a:r>
             <a:r>
-              <a:rPr lang="en-US" sz="3000" b="1" i="0" u="none" strike="noStrike" cap="none" dirty="0">
+              <a:rPr lang="en-US" sz="3000" i="0" u="none" strike="noStrike" cap="none" dirty="0">
                 <a:solidFill>
                   <a:srgbClr val="FF7F00"/>
                 </a:solidFill>
@@ -30930,7 +31003,7 @@
               <a:buNone/>
             </a:pPr>
             <a:r>
-              <a:rPr lang="en-US" sz="3000" b="1" i="0" u="none" strike="noStrike" cap="none" dirty="0">
+              <a:rPr lang="en-US" sz="3000" i="0" u="none" strike="noStrike" cap="none" dirty="0">
                 <a:solidFill>
                   <a:schemeClr val="lt1"/>
                 </a:solidFill>
@@ -30942,7 +31015,7 @@
               <a:t>&gt;&gt;&gt; </a:t>
             </a:r>
             <a:r>
-              <a:rPr lang="en-US" sz="3000" b="1" i="0" u="none" strike="noStrike" cap="none" dirty="0">
+              <a:rPr lang="en-US" sz="3000" i="0" u="none" strike="noStrike" cap="none" dirty="0">
                 <a:solidFill>
                   <a:srgbClr val="00FF00"/>
                 </a:solidFill>
@@ -30954,7 +31027,7 @@
               <a:t>letter</a:t>
             </a:r>
             <a:r>
-              <a:rPr lang="en-US" sz="3000" b="1" i="0" u="none" strike="noStrike" cap="none" dirty="0">
+              <a:rPr lang="en-US" sz="3000" i="0" u="none" strike="noStrike" cap="none" dirty="0">
                 <a:solidFill>
                   <a:schemeClr val="lt1"/>
                 </a:solidFill>
@@ -30966,7 +31039,7 @@
               <a:t> = </a:t>
             </a:r>
             <a:r>
-              <a:rPr lang="en-US" sz="3000" b="1" i="0" u="none" strike="noStrike" cap="none" dirty="0">
+              <a:rPr lang="en-US" sz="3000" i="0" u="none" strike="noStrike" cap="none" dirty="0">
                 <a:solidFill>
                   <a:srgbClr val="00FF00"/>
                 </a:solidFill>
@@ -30978,7 +31051,7 @@
               <a:t>fruit</a:t>
             </a:r>
             <a:r>
-              <a:rPr lang="en-US" sz="3000" b="1" i="0" u="none" strike="noStrike" cap="none" dirty="0">
+              <a:rPr lang="en-US" sz="3000" i="0" u="none" strike="noStrike" cap="none" dirty="0">
                 <a:solidFill>
                   <a:srgbClr val="00FFFF"/>
                 </a:solidFill>
@@ -30990,7 +31063,7 @@
               <a:t>[</a:t>
             </a:r>
             <a:r>
-              <a:rPr lang="en-US" sz="3000" b="1" i="0" u="none" strike="noStrike" cap="none" dirty="0">
+              <a:rPr lang="en-US" sz="3000" i="0" u="none" strike="noStrike" cap="none" dirty="0">
                 <a:solidFill>
                   <a:srgbClr val="FF7F00"/>
                 </a:solidFill>
@@ -31002,7 +31075,7 @@
               <a:t>1</a:t>
             </a:r>
             <a:r>
-              <a:rPr lang="en-US" sz="3000" b="1" i="0" u="none" strike="noStrike" cap="none" dirty="0">
+              <a:rPr lang="en-US" sz="3000" i="0" u="none" strike="noStrike" cap="none" dirty="0">
                 <a:solidFill>
                   <a:srgbClr val="00FFFF"/>
                 </a:solidFill>
@@ -31033,7 +31106,7 @@
               <a:buNone/>
             </a:pPr>
             <a:r>
-              <a:rPr lang="en-US" sz="3000" b="1" i="0" u="none" strike="noStrike" cap="none" dirty="0">
+              <a:rPr lang="en-US" sz="3000" i="0" u="none" strike="noStrike" cap="none" dirty="0">
                 <a:solidFill>
                   <a:schemeClr val="lt1"/>
                 </a:solidFill>
@@ -31045,7 +31118,7 @@
               <a:t>&gt;&gt;&gt; </a:t>
             </a:r>
             <a:r>
-              <a:rPr lang="en-US" sz="3000" b="1" i="0" u="none" strike="noStrike" cap="none" dirty="0" smtClean="0">
+              <a:rPr lang="en-US" sz="3000" i="0" u="none" strike="noStrike" cap="none" dirty="0" smtClean="0">
                 <a:solidFill>
                   <a:srgbClr val="FFFF00"/>
                 </a:solidFill>
@@ -31057,7 +31130,7 @@
               <a:t>print</a:t>
             </a:r>
             <a:r>
-              <a:rPr lang="en-US" sz="3000" b="1" dirty="0" smtClean="0">
+              <a:rPr lang="en-US" sz="3000" dirty="0" smtClean="0">
                 <a:solidFill>
                   <a:schemeClr val="lt1"/>
                 </a:solidFill>
@@ -31069,7 +31142,7 @@
               <a:t>(</a:t>
             </a:r>
             <a:r>
-              <a:rPr lang="en-US" sz="3000" b="1" i="0" u="none" strike="noStrike" cap="none" dirty="0" smtClean="0">
+              <a:rPr lang="en-US" sz="3000" i="0" u="none" strike="noStrike" cap="none" dirty="0" smtClean="0">
                 <a:solidFill>
                   <a:srgbClr val="00FF00"/>
                 </a:solidFill>
@@ -31081,7 +31154,7 @@
               <a:t>letter</a:t>
             </a:r>
             <a:r>
-              <a:rPr lang="en-US" sz="3000" b="1" i="0" u="none" strike="noStrike" cap="none" dirty="0" smtClean="0">
+              <a:rPr lang="en-US" sz="3000" i="0" u="none" strike="noStrike" cap="none" dirty="0" smtClean="0">
                 <a:solidFill>
                   <a:schemeClr val="bg1"/>
                 </a:solidFill>
@@ -31092,7 +31165,7 @@
               </a:rPr>
               <a:t>)</a:t>
             </a:r>
-            <a:endParaRPr lang="en-US" sz="3000" b="1" i="0" u="none" strike="noStrike" cap="none" dirty="0">
+            <a:endParaRPr lang="en-US" sz="3000" i="0" u="none" strike="noStrike" cap="none" dirty="0">
               <a:solidFill>
                 <a:schemeClr val="bg1"/>
               </a:solidFill>
@@ -31121,7 +31194,7 @@
               <a:buNone/>
             </a:pPr>
             <a:r>
-              <a:rPr lang="en-US" sz="3000" b="1" i="0" u="none" strike="noStrike" cap="none" dirty="0">
+              <a:rPr lang="en-US" sz="3000" i="0" u="none" strike="noStrike" cap="none" dirty="0">
                 <a:solidFill>
                   <a:schemeClr val="lt1"/>
                 </a:solidFill>
@@ -31152,7 +31225,7 @@
               <a:buNone/>
             </a:pPr>
             <a:r>
-              <a:rPr lang="en-US" sz="3000" b="1" i="0" u="none" strike="noStrike" cap="none" dirty="0">
+              <a:rPr lang="en-US" sz="3000" i="0" u="none" strike="noStrike" cap="none" dirty="0">
                 <a:solidFill>
                   <a:schemeClr val="lt1"/>
                 </a:solidFill>
@@ -31164,7 +31237,7 @@
               <a:t>&gt;&gt;&gt; </a:t>
             </a:r>
             <a:r>
-              <a:rPr lang="en-US" sz="3000" b="1" dirty="0">
+              <a:rPr lang="en-US" sz="3000" dirty="0">
                 <a:solidFill>
                   <a:srgbClr val="00FF00"/>
                 </a:solidFill>
@@ -31176,7 +31249,7 @@
               <a:t>x</a:t>
             </a:r>
             <a:r>
-              <a:rPr lang="en-US" sz="3000" b="1" i="0" u="none" strike="noStrike" cap="none" dirty="0">
+              <a:rPr lang="en-US" sz="3000" i="0" u="none" strike="noStrike" cap="none" dirty="0">
                 <a:solidFill>
                   <a:schemeClr val="lt1"/>
                 </a:solidFill>
@@ -31188,7 +31261,7 @@
               <a:t> = </a:t>
             </a:r>
             <a:r>
-              <a:rPr lang="en-US" sz="3000" b="1" i="0" u="none" strike="noStrike" cap="none" dirty="0">
+              <a:rPr lang="en-US" sz="3000" i="0" u="none" strike="noStrike" cap="none" dirty="0">
                 <a:solidFill>
                   <a:srgbClr val="FF7F00"/>
                 </a:solidFill>
@@ -31219,7 +31292,7 @@
               <a:buNone/>
             </a:pPr>
             <a:r>
-              <a:rPr lang="en-US" sz="3000" b="1" i="0" u="none" strike="noStrike" cap="none" dirty="0">
+              <a:rPr lang="en-US" sz="3000" i="0" u="none" strike="noStrike" cap="none" dirty="0">
                 <a:solidFill>
                   <a:schemeClr val="lt1"/>
                 </a:solidFill>
@@ -31231,7 +31304,7 @@
               <a:t>&gt;&gt;&gt; </a:t>
             </a:r>
             <a:r>
-              <a:rPr lang="en-US" sz="3000" b="1" i="0" u="none" strike="noStrike" cap="none" dirty="0">
+              <a:rPr lang="en-US" sz="3000" i="0" u="none" strike="noStrike" cap="none" dirty="0">
                 <a:solidFill>
                   <a:srgbClr val="00FF00"/>
                 </a:solidFill>
@@ -31243,7 +31316,7 @@
               <a:t>w</a:t>
             </a:r>
             <a:r>
-              <a:rPr lang="en-US" sz="3000" b="1" i="0" u="none" strike="noStrike" cap="none" dirty="0">
+              <a:rPr lang="en-US" sz="3000" i="0" u="none" strike="noStrike" cap="none" dirty="0">
                 <a:solidFill>
                   <a:schemeClr val="lt1"/>
                 </a:solidFill>
@@ -31255,7 +31328,7 @@
               <a:t> = </a:t>
             </a:r>
             <a:r>
-              <a:rPr lang="en-US" sz="3000" b="1" i="0" u="none" strike="noStrike" cap="none" dirty="0">
+              <a:rPr lang="en-US" sz="3000" i="0" u="none" strike="noStrike" cap="none" dirty="0">
                 <a:solidFill>
                   <a:srgbClr val="00FF00"/>
                 </a:solidFill>
@@ -31267,7 +31340,7 @@
               <a:t>fruit</a:t>
             </a:r>
             <a:r>
-              <a:rPr lang="en-US" sz="3000" b="1" i="0" u="none" strike="noStrike" cap="none" dirty="0">
+              <a:rPr lang="en-US" sz="3000" i="0" u="none" strike="noStrike" cap="none" dirty="0">
                 <a:solidFill>
                   <a:srgbClr val="00FFFF"/>
                 </a:solidFill>
@@ -31279,7 +31352,7 @@
               <a:t>[</a:t>
             </a:r>
             <a:r>
-              <a:rPr lang="en-US" sz="3000" b="1" dirty="0">
+              <a:rPr lang="en-US" sz="3000" dirty="0">
                 <a:solidFill>
                   <a:srgbClr val="00FF00"/>
                 </a:solidFill>
@@ -31291,7 +31364,7 @@
               <a:t>x</a:t>
             </a:r>
             <a:r>
-              <a:rPr lang="en-US" sz="3000" b="1" i="0" u="none" strike="noStrike" cap="none" dirty="0">
+              <a:rPr lang="en-US" sz="3000" i="0" u="none" strike="noStrike" cap="none" dirty="0">
                 <a:solidFill>
                   <a:srgbClr val="00FFFF"/>
                 </a:solidFill>
@@ -31303,7 +31376,7 @@
               <a:t> - </a:t>
             </a:r>
             <a:r>
-              <a:rPr lang="en-US" sz="3000" b="1" i="0" u="none" strike="noStrike" cap="none" dirty="0">
+              <a:rPr lang="en-US" sz="3000" i="0" u="none" strike="noStrike" cap="none" dirty="0">
                 <a:solidFill>
                   <a:srgbClr val="FF7F00"/>
                 </a:solidFill>
@@ -31315,7 +31388,7 @@
               <a:t>1</a:t>
             </a:r>
             <a:r>
-              <a:rPr lang="en-US" sz="3000" b="1" i="0" u="none" strike="noStrike" cap="none" dirty="0">
+              <a:rPr lang="en-US" sz="3000" i="0" u="none" strike="noStrike" cap="none" dirty="0">
                 <a:solidFill>
                   <a:srgbClr val="00FFFF"/>
                 </a:solidFill>
@@ -31346,7 +31419,7 @@
               <a:buNone/>
             </a:pPr>
             <a:r>
-              <a:rPr lang="en-US" sz="3000" b="1" i="0" u="none" strike="noStrike" cap="none" dirty="0">
+              <a:rPr lang="en-US" sz="3000" i="0" u="none" strike="noStrike" cap="none" dirty="0">
                 <a:solidFill>
                   <a:schemeClr val="lt1"/>
                 </a:solidFill>
@@ -31358,7 +31431,7 @@
               <a:t>&gt;&gt;&gt; </a:t>
             </a:r>
             <a:r>
-              <a:rPr lang="en-US" sz="3000" b="1" i="0" u="none" strike="noStrike" cap="none" dirty="0" smtClean="0">
+              <a:rPr lang="en-US" sz="3000" i="0" u="none" strike="noStrike" cap="none" dirty="0" smtClean="0">
                 <a:solidFill>
                   <a:srgbClr val="FFFF00"/>
                 </a:solidFill>
@@ -31370,7 +31443,7 @@
               <a:t>print</a:t>
             </a:r>
             <a:r>
-              <a:rPr lang="en-US" sz="3000" b="1" dirty="0" smtClean="0">
+              <a:rPr lang="en-US" sz="3000" dirty="0" smtClean="0">
                 <a:solidFill>
                   <a:schemeClr val="lt1"/>
                 </a:solidFill>
@@ -31382,7 +31455,7 @@
               <a:t>(</a:t>
             </a:r>
             <a:r>
-              <a:rPr lang="en-US" sz="3000" b="1" i="0" u="none" strike="noStrike" cap="none" dirty="0" smtClean="0">
+              <a:rPr lang="en-US" sz="3000" i="0" u="none" strike="noStrike" cap="none" dirty="0" smtClean="0">
                 <a:solidFill>
                   <a:srgbClr val="00FF00"/>
                 </a:solidFill>
@@ -31394,7 +31467,7 @@
               <a:t>w</a:t>
             </a:r>
             <a:r>
-              <a:rPr lang="en-US" sz="3000" b="1" i="0" u="none" strike="noStrike" cap="none" dirty="0" smtClean="0">
+              <a:rPr lang="en-US" sz="3000" i="0" u="none" strike="noStrike" cap="none" dirty="0" smtClean="0">
                 <a:solidFill>
                   <a:schemeClr val="bg1"/>
                 </a:solidFill>
@@ -31405,7 +31478,7 @@
               </a:rPr>
               <a:t>)</a:t>
             </a:r>
-            <a:endParaRPr lang="en-US" sz="3000" b="1" i="0" u="none" strike="noStrike" cap="none" dirty="0">
+            <a:endParaRPr lang="en-US" sz="3000" i="0" u="none" strike="noStrike" cap="none" dirty="0">
               <a:solidFill>
                 <a:schemeClr val="bg1"/>
               </a:solidFill>
@@ -31434,7 +31507,7 @@
               <a:buNone/>
             </a:pPr>
             <a:r>
-              <a:rPr lang="en-US" sz="3000" b="1" i="0" u="none" strike="noStrike" cap="none" dirty="0">
+              <a:rPr lang="en-US" sz="3000" i="0" u="none" strike="noStrike" cap="none" dirty="0">
                 <a:solidFill>
                   <a:schemeClr val="lt1"/>
                 </a:solidFill>
@@ -32436,7 +32509,7 @@
               <a:buNone/>
             </a:pPr>
             <a:r>
-              <a:rPr lang="en-US" sz="3000" b="1" i="0" u="none" strike="noStrike" cap="none" dirty="0">
+              <a:rPr lang="en-US" sz="3000" i="0" u="none" strike="noStrike" cap="none" dirty="0">
                 <a:solidFill>
                   <a:schemeClr val="lt1"/>
                 </a:solidFill>
@@ -32448,7 +32521,7 @@
               <a:t>&gt;&gt;&gt;</a:t>
             </a:r>
             <a:r>
-              <a:rPr lang="en-US" sz="3000" b="1" i="0" u="none" strike="noStrike" cap="none" dirty="0">
+              <a:rPr lang="en-US" sz="3000" i="0" u="none" strike="noStrike" cap="none" dirty="0">
                 <a:solidFill>
                   <a:srgbClr val="FF7F00"/>
                 </a:solidFill>
@@ -32460,7 +32533,7 @@
               <a:t> </a:t>
             </a:r>
             <a:r>
-              <a:rPr lang="en-US" sz="3000" b="1" i="0" u="none" strike="noStrike" cap="none" dirty="0">
+              <a:rPr lang="en-US" sz="3000" i="0" u="none" strike="noStrike" cap="none" dirty="0">
                 <a:solidFill>
                   <a:srgbClr val="00FF00"/>
                 </a:solidFill>
@@ -32472,7 +32545,7 @@
               <a:t>zot</a:t>
             </a:r>
             <a:r>
-              <a:rPr lang="en-US" sz="3000" b="1" i="0" u="none" strike="noStrike" cap="none" dirty="0">
+              <a:rPr lang="en-US" sz="3000" i="0" u="none" strike="noStrike" cap="none" dirty="0">
                 <a:solidFill>
                   <a:srgbClr val="FF7F00"/>
                 </a:solidFill>
@@ -32484,7 +32557,7 @@
               <a:t> </a:t>
             </a:r>
             <a:r>
-              <a:rPr lang="en-US" sz="3000" b="1" i="0" u="none" strike="noStrike" cap="none" dirty="0">
+              <a:rPr lang="en-US" sz="3000" i="0" u="none" strike="noStrike" cap="none" dirty="0">
                 <a:solidFill>
                   <a:schemeClr val="lt1"/>
                 </a:solidFill>
@@ -32496,7 +32569,7 @@
               <a:t>=</a:t>
             </a:r>
             <a:r>
-              <a:rPr lang="en-US" sz="3000" b="1" i="0" u="none" strike="noStrike" cap="none" dirty="0">
+              <a:rPr lang="en-US" sz="3000" i="0" u="none" strike="noStrike" cap="none" dirty="0">
                 <a:solidFill>
                   <a:srgbClr val="FF7F00"/>
                 </a:solidFill>
@@ -32508,7 +32581,7 @@
               <a:t> '</a:t>
             </a:r>
             <a:r>
-              <a:rPr lang="en-US" sz="3000" b="1" i="0" u="none" strike="noStrike" cap="none" dirty="0" err="1">
+              <a:rPr lang="en-US" sz="3000" i="0" u="none" strike="noStrike" cap="none" dirty="0" err="1">
                 <a:solidFill>
                   <a:srgbClr val="FF7F00"/>
                 </a:solidFill>
@@ -32520,7 +32593,7 @@
               <a:t>abc</a:t>
             </a:r>
             <a:r>
-              <a:rPr lang="en-US" sz="3000" b="1" i="0" u="none" strike="noStrike" cap="none" dirty="0">
+              <a:rPr lang="en-US" sz="3000" i="0" u="none" strike="noStrike" cap="none" dirty="0">
                 <a:solidFill>
                   <a:srgbClr val="FF7F00"/>
                 </a:solidFill>
@@ -32551,7 +32624,7 @@
               <a:buNone/>
             </a:pPr>
             <a:r>
-              <a:rPr lang="en-US" sz="3000" b="1" i="0" u="none" strike="noStrike" cap="none" dirty="0">
+              <a:rPr lang="en-US" sz="3000" i="0" u="none" strike="noStrike" cap="none" dirty="0">
                 <a:solidFill>
                   <a:schemeClr val="lt1"/>
                 </a:solidFill>
@@ -32563,7 +32636,7 @@
               <a:t>&gt;&gt;&gt; </a:t>
             </a:r>
             <a:r>
-              <a:rPr lang="en-US" sz="3000" b="1" i="0" u="none" strike="noStrike" cap="none" dirty="0" smtClean="0">
+              <a:rPr lang="en-US" sz="3000" i="0" u="none" strike="noStrike" cap="none" dirty="0" smtClean="0">
                 <a:solidFill>
                   <a:srgbClr val="FFFF00"/>
                 </a:solidFill>
@@ -32575,7 +32648,7 @@
               <a:t>print</a:t>
             </a:r>
             <a:r>
-              <a:rPr lang="en-US" sz="3000" b="1" i="0" u="none" strike="noStrike" cap="none" dirty="0" smtClean="0">
+              <a:rPr lang="en-US" sz="3000" i="0" u="none" strike="noStrike" cap="none" dirty="0" smtClean="0">
                 <a:solidFill>
                   <a:schemeClr val="bg1"/>
                 </a:solidFill>
@@ -32587,7 +32660,7 @@
               <a:t>(</a:t>
             </a:r>
             <a:r>
-              <a:rPr lang="en-US" sz="3000" b="1" i="0" u="none" strike="noStrike" cap="none" dirty="0" smtClean="0">
+              <a:rPr lang="en-US" sz="3000" i="0" u="none" strike="noStrike" cap="none" dirty="0" smtClean="0">
                 <a:solidFill>
                   <a:srgbClr val="00FF00"/>
                 </a:solidFill>
@@ -32599,7 +32672,7 @@
               <a:t>zot</a:t>
             </a:r>
             <a:r>
-              <a:rPr lang="en-US" sz="3000" b="1" i="0" u="none" strike="noStrike" cap="none" dirty="0" smtClean="0">
+              <a:rPr lang="en-US" sz="3000" i="0" u="none" strike="noStrike" cap="none" dirty="0" smtClean="0">
                 <a:solidFill>
                   <a:srgbClr val="00FFFF"/>
                 </a:solidFill>
@@ -32611,7 +32684,7 @@
               <a:t>[</a:t>
             </a:r>
             <a:r>
-              <a:rPr lang="en-US" sz="3000" b="1" i="0" u="none" strike="noStrike" cap="none" dirty="0" smtClean="0">
+              <a:rPr lang="en-US" sz="3000" i="0" u="none" strike="noStrike" cap="none" dirty="0" smtClean="0">
                 <a:solidFill>
                   <a:srgbClr val="FF7F00"/>
                 </a:solidFill>
@@ -32623,7 +32696,7 @@
               <a:t>5</a:t>
             </a:r>
             <a:r>
-              <a:rPr lang="en-US" sz="3000" b="1" i="0" u="none" strike="noStrike" cap="none" dirty="0" smtClean="0">
+              <a:rPr lang="en-US" sz="3000" i="0" u="none" strike="noStrike" cap="none" dirty="0" smtClean="0">
                 <a:solidFill>
                   <a:srgbClr val="00FFFF"/>
                 </a:solidFill>
@@ -32635,7 +32708,7 @@
               <a:t>]</a:t>
             </a:r>
             <a:r>
-              <a:rPr lang="en-US" sz="3000" b="1" i="0" u="none" strike="noStrike" cap="none" dirty="0" smtClean="0">
+              <a:rPr lang="en-US" sz="3000" i="0" u="none" strike="noStrike" cap="none" dirty="0" smtClean="0">
                 <a:solidFill>
                   <a:schemeClr val="bg1"/>
                 </a:solidFill>
@@ -32646,7 +32719,7 @@
               </a:rPr>
               <a:t>)</a:t>
             </a:r>
-            <a:endParaRPr lang="en-US" sz="3000" b="1" i="0" u="none" strike="noStrike" cap="none" dirty="0">
+            <a:endParaRPr lang="en-US" sz="3000" i="0" u="none" strike="noStrike" cap="none" dirty="0">
               <a:solidFill>
                 <a:schemeClr val="bg1"/>
               </a:solidFill>
@@ -32675,7 +32748,7 @@
               <a:buNone/>
             </a:pPr>
             <a:r>
-              <a:rPr lang="en-US" sz="3000" b="1" i="0" u="none" strike="noStrike" cap="none" dirty="0" err="1">
+              <a:rPr lang="en-US" sz="3000" i="0" u="none" strike="noStrike" cap="none" dirty="0" err="1">
                 <a:solidFill>
                   <a:srgbClr val="E06666"/>
                 </a:solidFill>
@@ -32687,7 +32760,7 @@
               <a:t>Traceback</a:t>
             </a:r>
             <a:r>
-              <a:rPr lang="en-US" sz="3000" b="1" i="0" u="none" strike="noStrike" cap="none" dirty="0">
+              <a:rPr lang="en-US" sz="3000" i="0" u="none" strike="noStrike" cap="none" dirty="0">
                 <a:solidFill>
                   <a:srgbClr val="E06666"/>
                 </a:solidFill>
@@ -32699,7 +32772,7 @@
               <a:t> (most recent call last):  File "&lt;</a:t>
             </a:r>
             <a:r>
-              <a:rPr lang="en-US" sz="3000" b="1" i="0" u="none" strike="noStrike" cap="none" dirty="0" err="1">
+              <a:rPr lang="en-US" sz="3000" i="0" u="none" strike="noStrike" cap="none" dirty="0" err="1">
                 <a:solidFill>
                   <a:srgbClr val="E06666"/>
                 </a:solidFill>
@@ -32711,7 +32784,7 @@
               <a:t>stdin</a:t>
             </a:r>
             <a:r>
-              <a:rPr lang="en-US" sz="3000" b="1" i="0" u="none" strike="noStrike" cap="none" dirty="0">
+              <a:rPr lang="en-US" sz="3000" i="0" u="none" strike="noStrike" cap="none" dirty="0">
                 <a:solidFill>
                   <a:srgbClr val="E06666"/>
                 </a:solidFill>
@@ -32723,7 +32796,7 @@
               <a:t>&gt;", line 1, in &lt;module&gt;</a:t>
             </a:r>
             <a:r>
-              <a:rPr lang="en-US" sz="3000" b="1" i="0" u="none" strike="noStrike" cap="none" dirty="0" err="1">
+              <a:rPr lang="en-US" sz="3000" i="0" u="none" strike="noStrike" cap="none" dirty="0" err="1">
                 <a:solidFill>
                   <a:srgbClr val="E06666"/>
                 </a:solidFill>
@@ -32735,7 +32808,7 @@
               <a:t>IndexError</a:t>
             </a:r>
             <a:r>
-              <a:rPr lang="en-US" sz="3000" b="1" i="0" u="none" strike="noStrike" cap="none" dirty="0">
+              <a:rPr lang="en-US" sz="3000" i="0" u="none" strike="noStrike" cap="none" dirty="0">
                 <a:solidFill>
                   <a:srgbClr val="E06666"/>
                 </a:solidFill>
@@ -32766,7 +32839,7 @@
               <a:buNone/>
             </a:pPr>
             <a:r>
-              <a:rPr lang="en-US" sz="3000" b="1" i="0" u="none" strike="noStrike" cap="none" dirty="0">
+              <a:rPr lang="en-US" sz="3000" i="0" u="none" strike="noStrike" cap="none" dirty="0">
                 <a:solidFill>
                   <a:schemeClr val="lt1"/>
                 </a:solidFill>
@@ -32875,7 +32948,7 @@
         <p:spPr>
           <a:xfrm>
             <a:off x="1155700" y="2603500"/>
-            <a:ext cx="8055399" cy="5702399"/>
+            <a:ext cx="7386041" cy="5702399"/>
           </a:xfrm>
           <a:prstGeom prst="rect">
             <a:avLst/>
@@ -32891,7 +32964,7 @@
           </a:bodyPr>
           <a:lstStyle/>
           <a:p>
-            <a:pPr marL="749300" marR="0" lvl="0" indent="-533400" algn="l" rtl="0">
+            <a:pPr marL="215900" marR="0" lvl="0" indent="0" algn="l" rtl="0">
               <a:lnSpc>
                 <a:spcPct val="100000"/>
               </a:lnSpc>
@@ -32905,9 +32978,20 @@
                 <a:schemeClr val="lt1"/>
               </a:buClr>
               <a:buSzPct val="171000"/>
-              <a:buFont typeface="Cabin"/>
-              <a:buChar char="•"/>
-            </a:pPr>
+              <a:buNone/>
+            </a:pPr>
+            <a:r>
+              <a:rPr lang="en-US" sz="3600" u="none" strike="noStrike" cap="none" smtClean="0">
+                <a:solidFill>
+                  <a:schemeClr val="lt1"/>
+                </a:solidFill>
+                <a:latin typeface="Arial" charset="0"/>
+                <a:ea typeface="Arial" charset="0"/>
+                <a:cs typeface="Arial" charset="0"/>
+                <a:sym typeface="Cabin"/>
+              </a:rPr>
+              <a:t>The built</a:t>
+            </a:r>
             <a:r>
               <a:rPr lang="en-US" sz="3600" u="none" strike="noStrike" cap="none" dirty="0">
                 <a:solidFill>
@@ -32918,10 +33002,10 @@
                 <a:cs typeface="Arial" charset="0"/>
                 <a:sym typeface="Cabin"/>
               </a:rPr>
-              <a:t>There is a built-in function </a:t>
-            </a:r>
-            <a:r>
-              <a:rPr lang="en-US" sz="3600" u="none" strike="noStrike" cap="none" dirty="0" err="1">
+              <a:t>-in function </a:t>
+            </a:r>
+            <a:r>
+              <a:rPr lang="en-US" sz="3600" u="none" strike="noStrike" cap="none" err="1">
                 <a:solidFill>
                   <a:srgbClr val="FF00FF"/>
                 </a:solidFill>
@@ -32933,6 +33017,30 @@
               <a:t>len</a:t>
             </a:r>
             <a:r>
+              <a:rPr lang="en-US" sz="3600" u="none" strike="noStrike" cap="none">
+                <a:solidFill>
+                  <a:schemeClr val="lt1"/>
+                </a:solidFill>
+                <a:latin typeface="Arial" charset="0"/>
+                <a:ea typeface="Arial" charset="0"/>
+                <a:cs typeface="Arial" charset="0"/>
+                <a:sym typeface="Cabin"/>
+              </a:rPr>
+              <a:t> </a:t>
+            </a:r>
+            <a:r>
+              <a:rPr lang="en-US" sz="3600" u="none" strike="noStrike" cap="none" smtClean="0">
+                <a:solidFill>
+                  <a:schemeClr val="lt1"/>
+                </a:solidFill>
+                <a:latin typeface="Arial" charset="0"/>
+                <a:ea typeface="Arial" charset="0"/>
+                <a:cs typeface="Arial" charset="0"/>
+                <a:sym typeface="Cabin"/>
+              </a:rPr>
+              <a:t>gives </a:t>
+            </a:r>
+            <a:r>
               <a:rPr lang="en-US" sz="3600" u="none" strike="noStrike" cap="none" dirty="0">
                 <a:solidFill>
                   <a:schemeClr val="lt1"/>
@@ -32942,7 +33050,7 @@
                 <a:cs typeface="Arial" charset="0"/>
                 <a:sym typeface="Cabin"/>
               </a:rPr>
-              <a:t> that gives us the length of a string</a:t>
+              <a:t>us the length of a string</a:t>
             </a:r>
           </a:p>
         </p:txBody>
@@ -32990,7 +33098,7 @@
               <a:buNone/>
             </a:pPr>
             <a:r>
-              <a:rPr lang="en-US" sz="3600" b="1" i="0" u="none" strike="noStrike" cap="none" dirty="0">
+              <a:rPr lang="en-US" sz="3600" i="0" u="none" strike="noStrike" cap="none" dirty="0">
                 <a:solidFill>
                   <a:schemeClr val="lt1"/>
                 </a:solidFill>
@@ -33002,7 +33110,7 @@
               <a:t>&gt;&gt;&gt; </a:t>
             </a:r>
             <a:r>
-              <a:rPr lang="en-US" sz="3600" b="1" i="0" u="none" strike="noStrike" cap="none" dirty="0">
+              <a:rPr lang="en-US" sz="3600" i="0" u="none" strike="noStrike" cap="none" dirty="0">
                 <a:solidFill>
                   <a:srgbClr val="00FF00"/>
                 </a:solidFill>
@@ -33014,7 +33122,7 @@
               <a:t>fruit</a:t>
             </a:r>
             <a:r>
-              <a:rPr lang="en-US" sz="3600" b="1" i="0" u="none" strike="noStrike" cap="none" dirty="0">
+              <a:rPr lang="en-US" sz="3600" i="0" u="none" strike="noStrike" cap="none" dirty="0">
                 <a:solidFill>
                   <a:schemeClr val="lt1"/>
                 </a:solidFill>
@@ -33026,7 +33134,7 @@
               <a:t> = </a:t>
             </a:r>
             <a:r>
-              <a:rPr lang="en-US" sz="3600" b="1" i="0" u="none" strike="noStrike" cap="none" dirty="0">
+              <a:rPr lang="en-US" sz="3600" i="0" u="none" strike="noStrike" cap="none" dirty="0">
                 <a:solidFill>
                   <a:srgbClr val="FF7F00"/>
                 </a:solidFill>
@@ -33057,7 +33165,7 @@
               <a:buNone/>
             </a:pPr>
             <a:r>
-              <a:rPr lang="en-US" sz="3600" b="1" i="0" u="none" strike="noStrike" cap="none" dirty="0">
+              <a:rPr lang="en-US" sz="3600" i="0" u="none" strike="noStrike" cap="none" dirty="0">
                 <a:solidFill>
                   <a:schemeClr val="lt1"/>
                 </a:solidFill>
@@ -33069,7 +33177,7 @@
               <a:t>&gt;&gt;&gt; </a:t>
             </a:r>
             <a:r>
-              <a:rPr lang="en-US" sz="3600" b="1" i="0" u="none" strike="noStrike" cap="none" dirty="0" smtClean="0">
+              <a:rPr lang="en-US" sz="3600" i="0" u="none" strike="noStrike" cap="none" dirty="0" smtClean="0">
                 <a:solidFill>
                   <a:srgbClr val="FFFF00"/>
                 </a:solidFill>
@@ -33081,7 +33189,7 @@
               <a:t>print</a:t>
             </a:r>
             <a:r>
-              <a:rPr lang="en-US" sz="3600" b="1" dirty="0">
+              <a:rPr lang="en-US" sz="3600" dirty="0">
                 <a:solidFill>
                   <a:schemeClr val="lt1"/>
                 </a:solidFill>
@@ -33093,7 +33201,7 @@
               <a:t>(</a:t>
             </a:r>
             <a:r>
-              <a:rPr lang="en-US" sz="3600" b="1" i="0" u="none" strike="noStrike" cap="none" dirty="0" err="1" smtClean="0">
+              <a:rPr lang="en-US" sz="3600" i="0" u="none" strike="noStrike" cap="none" dirty="0" err="1" smtClean="0">
                 <a:solidFill>
                   <a:srgbClr val="FF00FF"/>
                 </a:solidFill>
@@ -33105,7 +33213,7 @@
               <a:t>len</a:t>
             </a:r>
             <a:r>
-              <a:rPr lang="en-US" sz="3600" b="1" i="0" u="none" strike="noStrike" cap="none" dirty="0" smtClean="0">
+              <a:rPr lang="en-US" sz="3600" i="0" u="none" strike="noStrike" cap="none" dirty="0" smtClean="0">
                 <a:solidFill>
                   <a:schemeClr val="lt1"/>
                 </a:solidFill>
@@ -33117,7 +33225,7 @@
               <a:t>(</a:t>
             </a:r>
             <a:r>
-              <a:rPr lang="en-US" sz="3600" b="1" i="0" u="none" strike="noStrike" cap="none" dirty="0" smtClean="0">
+              <a:rPr lang="en-US" sz="3600" i="0" u="none" strike="noStrike" cap="none" dirty="0" smtClean="0">
                 <a:solidFill>
                   <a:srgbClr val="00FF00"/>
                 </a:solidFill>
@@ -33129,7 +33237,7 @@
               <a:t>fruit</a:t>
             </a:r>
             <a:r>
-              <a:rPr lang="en-US" sz="3600" b="1" i="0" u="none" strike="noStrike" cap="none" dirty="0" smtClean="0">
+              <a:rPr lang="en-US" sz="3600" i="0" u="none" strike="noStrike" cap="none" dirty="0" smtClean="0">
                 <a:solidFill>
                   <a:schemeClr val="lt1"/>
                 </a:solidFill>
@@ -33140,7 +33248,7 @@
               </a:rPr>
               <a:t>))</a:t>
             </a:r>
-            <a:endParaRPr lang="en-US" sz="3600" b="1" i="0" u="none" strike="noStrike" cap="none" dirty="0">
+            <a:endParaRPr lang="en-US" sz="3600" i="0" u="none" strike="noStrike" cap="none" dirty="0">
               <a:solidFill>
                 <a:schemeClr val="lt1"/>
               </a:solidFill>
@@ -33169,7 +33277,7 @@
               <a:buNone/>
             </a:pPr>
             <a:r>
-              <a:rPr lang="en-US" sz="3600" b="1" i="0" u="none" strike="noStrike" cap="none" dirty="0">
+              <a:rPr lang="en-US" sz="3600" i="0" u="none" strike="noStrike" cap="none" dirty="0">
                 <a:solidFill>
                   <a:schemeClr val="lt1"/>
                 </a:solidFill>
@@ -33993,7 +34101,7 @@
         </p:nvSpPr>
         <p:spPr>
           <a:xfrm>
-            <a:off x="1200150" y="2339975"/>
+            <a:off x="1200150" y="2396170"/>
             <a:ext cx="5645100" cy="2216099"/>
           </a:xfrm>
           <a:prstGeom prst="rect">
@@ -34028,7 +34136,7 @@
               <a:buNone/>
             </a:pPr>
             <a:r>
-              <a:rPr lang="en-US" sz="3600" b="1" i="0" u="none" strike="noStrike" cap="none" dirty="0">
+              <a:rPr lang="en-US" sz="3600" i="0" u="none" strike="noStrike" cap="none" dirty="0">
                 <a:solidFill>
                   <a:schemeClr val="lt1"/>
                 </a:solidFill>
@@ -34040,7 +34148,7 @@
               <a:t>&gt;&gt;&gt; </a:t>
             </a:r>
             <a:r>
-              <a:rPr lang="en-US" sz="3600" b="1" i="0" u="none" strike="noStrike" cap="none" dirty="0">
+              <a:rPr lang="en-US" sz="3600" i="0" u="none" strike="noStrike" cap="none" dirty="0">
                 <a:solidFill>
                   <a:srgbClr val="00FF00"/>
                 </a:solidFill>
@@ -34052,7 +34160,7 @@
               <a:t>fruit</a:t>
             </a:r>
             <a:r>
-              <a:rPr lang="en-US" sz="3600" b="1" i="0" u="none" strike="noStrike" cap="none" dirty="0">
+              <a:rPr lang="en-US" sz="3600" i="0" u="none" strike="noStrike" cap="none" dirty="0">
                 <a:solidFill>
                   <a:srgbClr val="FF7F00"/>
                 </a:solidFill>
@@ -34064,7 +34172,7 @@
               <a:t> </a:t>
             </a:r>
             <a:r>
-              <a:rPr lang="en-US" sz="3600" b="1" i="0" u="none" strike="noStrike" cap="none" dirty="0">
+              <a:rPr lang="en-US" sz="3600" i="0" u="none" strike="noStrike" cap="none" dirty="0">
                 <a:solidFill>
                   <a:schemeClr val="lt1"/>
                 </a:solidFill>
@@ -34076,7 +34184,7 @@
               <a:t>=</a:t>
             </a:r>
             <a:r>
-              <a:rPr lang="en-US" sz="3600" b="1" i="0" u="none" strike="noStrike" cap="none" dirty="0">
+              <a:rPr lang="en-US" sz="3600" i="0" u="none" strike="noStrike" cap="none" dirty="0">
                 <a:solidFill>
                   <a:srgbClr val="FF7F00"/>
                 </a:solidFill>
@@ -34107,7 +34215,7 @@
               <a:buNone/>
             </a:pPr>
             <a:r>
-              <a:rPr lang="en-US" sz="3600" b="1" i="0" u="none" strike="noStrike" cap="none" dirty="0">
+              <a:rPr lang="en-US" sz="3600" i="0" u="none" strike="noStrike" cap="none" dirty="0">
                 <a:solidFill>
                   <a:schemeClr val="lt1"/>
                 </a:solidFill>
@@ -34119,7 +34227,7 @@
               <a:t>&gt;&gt;&gt; </a:t>
             </a:r>
             <a:r>
-              <a:rPr lang="en-US" sz="3600" b="1" i="0" u="none" strike="noStrike" cap="none" dirty="0">
+              <a:rPr lang="en-US" sz="3600" i="0" u="none" strike="noStrike" cap="none" dirty="0">
                 <a:solidFill>
                   <a:srgbClr val="00FF00"/>
                 </a:solidFill>
@@ -34131,7 +34239,7 @@
               <a:t>x</a:t>
             </a:r>
             <a:r>
-              <a:rPr lang="en-US" sz="3600" b="1" i="0" u="none" strike="noStrike" cap="none" dirty="0">
+              <a:rPr lang="en-US" sz="3600" i="0" u="none" strike="noStrike" cap="none" dirty="0">
                 <a:solidFill>
                   <a:srgbClr val="FF7F00"/>
                 </a:solidFill>
@@ -34143,7 +34251,7 @@
               <a:t> </a:t>
             </a:r>
             <a:r>
-              <a:rPr lang="en-US" sz="3600" b="1" i="0" u="none" strike="noStrike" cap="none" dirty="0">
+              <a:rPr lang="en-US" sz="3600" i="0" u="none" strike="noStrike" cap="none" dirty="0">
                 <a:solidFill>
                   <a:schemeClr val="lt1"/>
                 </a:solidFill>
@@ -34155,7 +34263,7 @@
               <a:t>= </a:t>
             </a:r>
             <a:r>
-              <a:rPr lang="en-US" sz="3600" b="1" i="0" u="none" strike="noStrike" cap="none" dirty="0" err="1">
+              <a:rPr lang="en-US" sz="3600" i="0" u="none" strike="noStrike" cap="none" dirty="0" err="1">
                 <a:solidFill>
                   <a:srgbClr val="FF00FF"/>
                 </a:solidFill>
@@ -34167,7 +34275,7 @@
               <a:t>len</a:t>
             </a:r>
             <a:r>
-              <a:rPr lang="en-US" sz="3600" b="1" i="0" u="none" strike="noStrike" cap="none" dirty="0">
+              <a:rPr lang="en-US" sz="3600" i="0" u="none" strike="noStrike" cap="none" dirty="0">
                 <a:solidFill>
                   <a:srgbClr val="FF00FF"/>
                 </a:solidFill>
@@ -34179,7 +34287,7 @@
               <a:t>(</a:t>
             </a:r>
             <a:r>
-              <a:rPr lang="en-US" sz="3600" b="1" i="0" u="none" strike="noStrike" cap="none" dirty="0">
+              <a:rPr lang="en-US" sz="3600" i="0" u="none" strike="noStrike" cap="none" dirty="0">
                 <a:solidFill>
                   <a:srgbClr val="00FF00"/>
                 </a:solidFill>
@@ -34191,7 +34299,7 @@
               <a:t>fruit</a:t>
             </a:r>
             <a:r>
-              <a:rPr lang="en-US" sz="3600" b="1" i="0" u="none" strike="noStrike" cap="none" dirty="0">
+              <a:rPr lang="en-US" sz="3600" i="0" u="none" strike="noStrike" cap="none" dirty="0">
                 <a:solidFill>
                   <a:srgbClr val="FF00FF"/>
                 </a:solidFill>
@@ -34222,7 +34330,7 @@
               <a:buNone/>
             </a:pPr>
             <a:r>
-              <a:rPr lang="en-US" sz="3600" b="1" i="0" u="none" strike="noStrike" cap="none" dirty="0">
+              <a:rPr lang="en-US" sz="3600" i="0" u="none" strike="noStrike" cap="none" dirty="0">
                 <a:solidFill>
                   <a:schemeClr val="lt1"/>
                 </a:solidFill>
@@ -34234,7 +34342,7 @@
               <a:t>&gt;&gt;&gt; </a:t>
             </a:r>
             <a:r>
-              <a:rPr lang="en-US" sz="3600" b="1" i="0" u="none" strike="noStrike" cap="none" dirty="0" smtClean="0">
+              <a:rPr lang="en-US" sz="3600" i="0" u="none" strike="noStrike" cap="none" dirty="0" smtClean="0">
                 <a:solidFill>
                   <a:srgbClr val="FFFF00"/>
                 </a:solidFill>
@@ -34246,7 +34354,7 @@
               <a:t>print</a:t>
             </a:r>
             <a:r>
-              <a:rPr lang="en-US" sz="3600" b="1" dirty="0" smtClean="0">
+              <a:rPr lang="en-US" sz="3600" dirty="0" smtClean="0">
                 <a:solidFill>
                   <a:schemeClr val="bg1"/>
                 </a:solidFill>
@@ -34258,7 +34366,7 @@
               <a:t>(</a:t>
             </a:r>
             <a:r>
-              <a:rPr lang="en-US" sz="3600" b="1" i="0" u="none" strike="noStrike" cap="none" dirty="0" smtClean="0">
+              <a:rPr lang="en-US" sz="3600" i="0" u="none" strike="noStrike" cap="none" dirty="0" smtClean="0">
                 <a:solidFill>
                   <a:srgbClr val="00FF00"/>
                 </a:solidFill>
@@ -34270,7 +34378,7 @@
               <a:t>x</a:t>
             </a:r>
             <a:r>
-              <a:rPr lang="en-US" sz="3600" b="1" i="0" u="none" strike="noStrike" cap="none" dirty="0" smtClean="0">
+              <a:rPr lang="en-US" sz="3600" i="0" u="none" strike="noStrike" cap="none" dirty="0" smtClean="0">
                 <a:solidFill>
                   <a:schemeClr val="bg1"/>
                 </a:solidFill>
@@ -34281,7 +34389,7 @@
               </a:rPr>
               <a:t>)</a:t>
             </a:r>
-            <a:endParaRPr lang="en-US" sz="3600" b="1" i="0" u="none" strike="noStrike" cap="none" dirty="0">
+            <a:endParaRPr lang="en-US" sz="3600" i="0" u="none" strike="noStrike" cap="none" dirty="0">
               <a:solidFill>
                 <a:schemeClr val="bg1"/>
               </a:solidFill>
@@ -34310,7 +34418,7 @@
               <a:buNone/>
             </a:pPr>
             <a:r>
-              <a:rPr lang="en-US" sz="3600" b="1" i="0" u="none" strike="noStrike" cap="none" dirty="0">
+              <a:rPr lang="en-US" sz="3600" i="0" u="none" strike="noStrike" cap="none" dirty="0">
                 <a:solidFill>
                   <a:schemeClr val="lt1"/>
                 </a:solidFill>
@@ -34372,16 +34480,28 @@
               <a:buNone/>
             </a:pPr>
             <a:r>
-              <a:rPr lang="en-US" sz="5400" u="none" strike="noStrike" cap="none">
-                <a:solidFill>
-                  <a:schemeClr val="lt1"/>
-                </a:solidFill>
-                <a:latin typeface="Arial" charset="0"/>
-                <a:ea typeface="Arial" charset="0"/>
-                <a:cs typeface="Arial" charset="0"/>
-                <a:sym typeface="Cabin"/>
-              </a:rPr>
-              <a:t>len()</a:t>
+              <a:rPr lang="en-US" sz="5400" u="none" strike="noStrike" cap="none" dirty="0" err="1">
+                <a:solidFill>
+                  <a:schemeClr val="lt1"/>
+                </a:solidFill>
+                <a:latin typeface="Arial" charset="0"/>
+                <a:ea typeface="Arial" charset="0"/>
+                <a:cs typeface="Arial" charset="0"/>
+                <a:sym typeface="Cabin"/>
+              </a:rPr>
+              <a:t>len</a:t>
+            </a:r>
+            <a:r>
+              <a:rPr lang="en-US" sz="5400" u="none" strike="noStrike" cap="none" dirty="0">
+                <a:solidFill>
+                  <a:schemeClr val="lt1"/>
+                </a:solidFill>
+                <a:latin typeface="Arial" charset="0"/>
+                <a:ea typeface="Arial" charset="0"/>
+                <a:cs typeface="Arial" charset="0"/>
+                <a:sym typeface="Cabin"/>
+              </a:rPr>
+              <a:t>()</a:t>
             </a:r>
           </a:p>
           <a:p>
@@ -34403,7 +34523,7 @@
               <a:buNone/>
             </a:pPr>
             <a:r>
-              <a:rPr lang="en-US" sz="5400" u="none" strike="noStrike" cap="none">
+              <a:rPr lang="en-US" sz="5400" u="none" strike="noStrike" cap="none" dirty="0">
                 <a:solidFill>
                   <a:schemeClr val="lt1"/>
                 </a:solidFill>
@@ -34653,7 +34773,7 @@
         </p:nvSpPr>
         <p:spPr>
           <a:xfrm>
-            <a:off x="10283825" y="2508250"/>
+            <a:off x="10283825" y="2710522"/>
             <a:ext cx="5130899" cy="2184300"/>
           </a:xfrm>
           <a:prstGeom prst="rect">
@@ -34888,7 +35008,7 @@
         </p:nvSpPr>
         <p:spPr>
           <a:xfrm>
-            <a:off x="1200150" y="2339975"/>
+            <a:off x="1200150" y="2396170"/>
             <a:ext cx="5645100" cy="2216099"/>
           </a:xfrm>
           <a:prstGeom prst="rect">
@@ -34923,7 +35043,7 @@
               <a:buNone/>
             </a:pPr>
             <a:r>
-              <a:rPr lang="en-US" sz="3600" b="1" i="0" u="none" strike="noStrike" cap="none" dirty="0">
+              <a:rPr lang="en-US" sz="3600" i="0" u="none" strike="noStrike" cap="none" dirty="0">
                 <a:solidFill>
                   <a:schemeClr val="lt1"/>
                 </a:solidFill>
@@ -34935,7 +35055,7 @@
               <a:t>&gt;&gt;&gt; </a:t>
             </a:r>
             <a:r>
-              <a:rPr lang="en-US" sz="3600" b="1" i="0" u="none" strike="noStrike" cap="none" dirty="0">
+              <a:rPr lang="en-US" sz="3600" i="0" u="none" strike="noStrike" cap="none" dirty="0">
                 <a:solidFill>
                   <a:srgbClr val="00FF00"/>
                 </a:solidFill>
@@ -34947,7 +35067,7 @@
               <a:t>fruit</a:t>
             </a:r>
             <a:r>
-              <a:rPr lang="en-US" sz="3600" b="1" i="0" u="none" strike="noStrike" cap="none" dirty="0">
+              <a:rPr lang="en-US" sz="3600" i="0" u="none" strike="noStrike" cap="none" dirty="0">
                 <a:solidFill>
                   <a:srgbClr val="FF7F00"/>
                 </a:solidFill>
@@ -34959,7 +35079,7 @@
               <a:t> </a:t>
             </a:r>
             <a:r>
-              <a:rPr lang="en-US" sz="3600" b="1" i="0" u="none" strike="noStrike" cap="none" dirty="0">
+              <a:rPr lang="en-US" sz="3600" i="0" u="none" strike="noStrike" cap="none" dirty="0">
                 <a:solidFill>
                   <a:schemeClr val="lt1"/>
                 </a:solidFill>
@@ -34971,7 +35091,7 @@
               <a:t>=</a:t>
             </a:r>
             <a:r>
-              <a:rPr lang="en-US" sz="3600" b="1" i="0" u="none" strike="noStrike" cap="none" dirty="0">
+              <a:rPr lang="en-US" sz="3600" i="0" u="none" strike="noStrike" cap="none" dirty="0">
                 <a:solidFill>
                   <a:srgbClr val="FF7F00"/>
                 </a:solidFill>
@@ -35002,7 +35122,7 @@
               <a:buNone/>
             </a:pPr>
             <a:r>
-              <a:rPr lang="en-US" sz="3600" b="1" i="0" u="none" strike="noStrike" cap="none" dirty="0">
+              <a:rPr lang="en-US" sz="3600" i="0" u="none" strike="noStrike" cap="none" dirty="0">
                 <a:solidFill>
                   <a:schemeClr val="lt1"/>
                 </a:solidFill>
@@ -35014,7 +35134,7 @@
               <a:t>&gt;&gt;&gt; </a:t>
             </a:r>
             <a:r>
-              <a:rPr lang="en-US" sz="3600" b="1" i="0" u="none" strike="noStrike" cap="none" dirty="0">
+              <a:rPr lang="en-US" sz="3600" i="0" u="none" strike="noStrike" cap="none" dirty="0">
                 <a:solidFill>
                   <a:srgbClr val="00FF00"/>
                 </a:solidFill>
@@ -35026,7 +35146,7 @@
               <a:t>x</a:t>
             </a:r>
             <a:r>
-              <a:rPr lang="en-US" sz="3600" b="1" i="0" u="none" strike="noStrike" cap="none" dirty="0">
+              <a:rPr lang="en-US" sz="3600" i="0" u="none" strike="noStrike" cap="none" dirty="0">
                 <a:solidFill>
                   <a:srgbClr val="FF7F00"/>
                 </a:solidFill>
@@ -35038,7 +35158,7 @@
               <a:t> </a:t>
             </a:r>
             <a:r>
-              <a:rPr lang="en-US" sz="3600" b="1" i="0" u="none" strike="noStrike" cap="none" dirty="0">
+              <a:rPr lang="en-US" sz="3600" i="0" u="none" strike="noStrike" cap="none" dirty="0">
                 <a:solidFill>
                   <a:schemeClr val="lt1"/>
                 </a:solidFill>
@@ -35050,7 +35170,7 @@
               <a:t>= </a:t>
             </a:r>
             <a:r>
-              <a:rPr lang="en-US" sz="3600" b="1" i="0" u="none" strike="noStrike" cap="none" dirty="0" err="1">
+              <a:rPr lang="en-US" sz="3600" i="0" u="none" strike="noStrike" cap="none" dirty="0" err="1">
                 <a:solidFill>
                   <a:srgbClr val="FF00FF"/>
                 </a:solidFill>
@@ -35062,7 +35182,7 @@
               <a:t>len</a:t>
             </a:r>
             <a:r>
-              <a:rPr lang="en-US" sz="3600" b="1" i="0" u="none" strike="noStrike" cap="none" dirty="0">
+              <a:rPr lang="en-US" sz="3600" i="0" u="none" strike="noStrike" cap="none" dirty="0">
                 <a:solidFill>
                   <a:srgbClr val="FF00FF"/>
                 </a:solidFill>
@@ -35074,7 +35194,7 @@
               <a:t>(</a:t>
             </a:r>
             <a:r>
-              <a:rPr lang="en-US" sz="3600" b="1" i="0" u="none" strike="noStrike" cap="none" dirty="0">
+              <a:rPr lang="en-US" sz="3600" i="0" u="none" strike="noStrike" cap="none" dirty="0">
                 <a:solidFill>
                   <a:srgbClr val="00FF00"/>
                 </a:solidFill>
@@ -35086,7 +35206,7 @@
               <a:t>fruit</a:t>
             </a:r>
             <a:r>
-              <a:rPr lang="en-US" sz="3600" b="1" i="0" u="none" strike="noStrike" cap="none" dirty="0">
+              <a:rPr lang="en-US" sz="3600" i="0" u="none" strike="noStrike" cap="none" dirty="0">
                 <a:solidFill>
                   <a:srgbClr val="FF00FF"/>
                 </a:solidFill>
@@ -35117,7 +35237,7 @@
               <a:buNone/>
             </a:pPr>
             <a:r>
-              <a:rPr lang="en-US" sz="3600" b="1" i="0" u="none" strike="noStrike" cap="none" dirty="0">
+              <a:rPr lang="en-US" sz="3600" i="0" u="none" strike="noStrike" cap="none" dirty="0">
                 <a:solidFill>
                   <a:schemeClr val="lt1"/>
                 </a:solidFill>
@@ -35129,7 +35249,7 @@
               <a:t>&gt;&gt;&gt; </a:t>
             </a:r>
             <a:r>
-              <a:rPr lang="en-US" sz="3600" b="1" i="0" u="none" strike="noStrike" cap="none" dirty="0" smtClean="0">
+              <a:rPr lang="en-US" sz="3600" i="0" u="none" strike="noStrike" cap="none" dirty="0" smtClean="0">
                 <a:solidFill>
                   <a:srgbClr val="FFFF00"/>
                 </a:solidFill>
@@ -35141,7 +35261,7 @@
               <a:t>print</a:t>
             </a:r>
             <a:r>
-              <a:rPr lang="en-US" sz="3600" b="1" dirty="0" smtClean="0">
+              <a:rPr lang="en-US" sz="3600" dirty="0" smtClean="0">
                 <a:solidFill>
                   <a:schemeClr val="bg1"/>
                 </a:solidFill>
@@ -35153,7 +35273,7 @@
               <a:t>(</a:t>
             </a:r>
             <a:r>
-              <a:rPr lang="en-US" sz="3600" b="1" i="0" u="none" strike="noStrike" cap="none" dirty="0" smtClean="0">
+              <a:rPr lang="en-US" sz="3600" i="0" u="none" strike="noStrike" cap="none" dirty="0" smtClean="0">
                 <a:solidFill>
                   <a:srgbClr val="00FF00"/>
                 </a:solidFill>
@@ -35165,7 +35285,7 @@
               <a:t>x</a:t>
             </a:r>
             <a:r>
-              <a:rPr lang="en-US" sz="3600" b="1" i="0" u="none" strike="noStrike" cap="none" dirty="0" smtClean="0">
+              <a:rPr lang="en-US" sz="3600" i="0" u="none" strike="noStrike" cap="none" dirty="0" smtClean="0">
                 <a:solidFill>
                   <a:schemeClr val="bg1"/>
                 </a:solidFill>
@@ -35176,7 +35296,7 @@
               </a:rPr>
               <a:t>)</a:t>
             </a:r>
-            <a:endParaRPr lang="en-US" sz="3600" b="1" i="0" u="none" strike="noStrike" cap="none" dirty="0">
+            <a:endParaRPr lang="en-US" sz="3600" i="0" u="none" strike="noStrike" cap="none" dirty="0">
               <a:solidFill>
                 <a:schemeClr val="bg1"/>
               </a:solidFill>
@@ -35205,7 +35325,7 @@
               <a:buNone/>
             </a:pPr>
             <a:r>
-              <a:rPr lang="en-US" sz="3600" b="1" i="0" u="none" strike="noStrike" cap="none" dirty="0">
+              <a:rPr lang="en-US" sz="3600" i="0" u="none" strike="noStrike" cap="none" dirty="0">
                 <a:solidFill>
                   <a:schemeClr val="lt1"/>
                 </a:solidFill>
@@ -35268,7 +35388,7 @@
               <a:t> </a:t>
             </a:r>
             <a:r>
-              <a:rPr lang="en-US" sz="2400" b="1" dirty="0" err="1">
+              <a:rPr lang="en-US" sz="2400" dirty="0" err="1">
                 <a:solidFill>
                   <a:srgbClr val="FFFF00"/>
                 </a:solidFill>
@@ -35280,7 +35400,7 @@
               <a:t>def</a:t>
             </a:r>
             <a:r>
-              <a:rPr lang="en-US" sz="2400" b="1" dirty="0">
+              <a:rPr lang="en-US" sz="2400" dirty="0">
                 <a:solidFill>
                   <a:schemeClr val="lt1"/>
                 </a:solidFill>
@@ -35292,7 +35412,7 @@
               <a:t> </a:t>
             </a:r>
             <a:r>
-              <a:rPr lang="en-US" sz="2400" b="1" dirty="0" err="1">
+              <a:rPr lang="en-US" sz="2400" dirty="0" err="1">
                 <a:solidFill>
                   <a:schemeClr val="lt1"/>
                 </a:solidFill>
@@ -35304,7 +35424,7 @@
               <a:t>len</a:t>
             </a:r>
             <a:r>
-              <a:rPr lang="en-US" sz="2400" b="1" dirty="0">
+              <a:rPr lang="en-US" sz="2400" dirty="0">
                 <a:solidFill>
                   <a:schemeClr val="lt1"/>
                 </a:solidFill>
@@ -35316,7 +35436,7 @@
               <a:t>(</a:t>
             </a:r>
             <a:r>
-              <a:rPr lang="en-US" sz="2400" b="1" dirty="0" err="1">
+              <a:rPr lang="en-US" sz="2400" dirty="0" err="1">
                 <a:solidFill>
                   <a:schemeClr val="lt1"/>
                 </a:solidFill>
@@ -35328,7 +35448,7 @@
               <a:t>inp</a:t>
             </a:r>
             <a:r>
-              <a:rPr lang="en-US" sz="2400" b="1" dirty="0">
+              <a:rPr lang="en-US" sz="2400" dirty="0">
                 <a:solidFill>
                   <a:schemeClr val="lt1"/>
                 </a:solidFill>
@@ -35348,7 +35468,7 @@
               <a:buSzPct val="25000"/>
             </a:pPr>
             <a:r>
-              <a:rPr lang="en-US" sz="2400" b="1" dirty="0">
+              <a:rPr lang="en-US" sz="2400" dirty="0">
                 <a:solidFill>
                   <a:schemeClr val="lt1"/>
                 </a:solidFill>
@@ -35368,7 +35488,7 @@
               <a:buSzPct val="25000"/>
             </a:pPr>
             <a:r>
-              <a:rPr lang="en-US" sz="2400" b="1" dirty="0">
+              <a:rPr lang="en-US" sz="2400" dirty="0">
                 <a:solidFill>
                   <a:schemeClr val="lt1"/>
                 </a:solidFill>
@@ -35388,7 +35508,7 @@
               <a:buSzPct val="25000"/>
             </a:pPr>
             <a:r>
-              <a:rPr lang="en-US" sz="2400" b="1" dirty="0">
+              <a:rPr lang="en-US" sz="2400" dirty="0">
                 <a:solidFill>
                   <a:schemeClr val="lt1"/>
                 </a:solidFill>
@@ -35400,7 +35520,7 @@
               <a:t>    </a:t>
             </a:r>
             <a:r>
-              <a:rPr lang="en-US" sz="2400" b="1" dirty="0">
+              <a:rPr lang="en-US" sz="2400" dirty="0">
                 <a:solidFill>
                   <a:srgbClr val="FFFF00"/>
                 </a:solidFill>
@@ -35412,7 +35532,7 @@
               <a:t>for</a:t>
             </a:r>
             <a:r>
-              <a:rPr lang="en-US" sz="2400" b="1" dirty="0">
+              <a:rPr lang="en-US" sz="2400" dirty="0">
                 <a:solidFill>
                   <a:schemeClr val="lt1"/>
                 </a:solidFill>
@@ -35424,7 +35544,7 @@
               <a:t> x </a:t>
             </a:r>
             <a:r>
-              <a:rPr lang="en-US" sz="2400" b="1" dirty="0">
+              <a:rPr lang="en-US" sz="2400" dirty="0">
                 <a:solidFill>
                   <a:srgbClr val="FFFF00"/>
                 </a:solidFill>
@@ -35436,7 +35556,7 @@
               <a:t>in</a:t>
             </a:r>
             <a:r>
-              <a:rPr lang="en-US" sz="2400" b="1" dirty="0">
+              <a:rPr lang="en-US" sz="2400" dirty="0">
                 <a:solidFill>
                   <a:schemeClr val="lt1"/>
                 </a:solidFill>
@@ -35456,7 +35576,7 @@
               <a:buSzPct val="25000"/>
             </a:pPr>
             <a:r>
-              <a:rPr lang="en-US" sz="2400" b="1" dirty="0">
+              <a:rPr lang="en-US" sz="2400" dirty="0">
                 <a:solidFill>
                   <a:schemeClr val="lt1"/>
                 </a:solidFill>
@@ -35476,7 +35596,7 @@
               <a:buSzPct val="25000"/>
             </a:pPr>
             <a:r>
-              <a:rPr lang="en-US" sz="2400" b="1" dirty="0">
+              <a:rPr lang="en-US" sz="2400" dirty="0">
                 <a:solidFill>
                   <a:schemeClr val="lt1"/>
                 </a:solidFill>
@@ -35720,13 +35840,13 @@
       </p:cxnSp>
       <p:sp>
         <p:nvSpPr>
-          <p:cNvPr id="280" name="Shape 280"/>
+          <p:cNvPr id="10" name="Shape 280"/>
           <p:cNvSpPr txBox="1"/>
           <p:nvPr/>
         </p:nvSpPr>
         <p:spPr>
           <a:xfrm>
-            <a:off x="10283825" y="2508250"/>
+            <a:off x="10283825" y="2710522"/>
             <a:ext cx="5130899" cy="2184300"/>
           </a:xfrm>
           <a:prstGeom prst="rect">
@@ -35970,8 +36090,8 @@
         </p:nvSpPr>
         <p:spPr>
           <a:xfrm>
-            <a:off x="1155700" y="2603500"/>
-            <a:ext cx="6188075" cy="5702399"/>
+            <a:off x="1155701" y="2603500"/>
+            <a:ext cx="5711410" cy="5702399"/>
           </a:xfrm>
           <a:prstGeom prst="rect">
             <a:avLst/>
@@ -35987,7 +36107,7 @@
           </a:bodyPr>
           <a:lstStyle/>
           <a:p>
-            <a:pPr marL="749300" marR="0" lvl="0" indent="-533400" algn="l" rtl="0">
+            <a:pPr marL="215900" marR="0" lvl="0" indent="0" algn="l" rtl="0">
               <a:lnSpc>
                 <a:spcPct val="100000"/>
               </a:lnSpc>
@@ -36001,8 +36121,7 @@
                 <a:schemeClr val="lt1"/>
               </a:buClr>
               <a:buSzPct val="171000"/>
-              <a:buFont typeface="Cabin"/>
-              <a:buChar char="•"/>
+              <a:buNone/>
             </a:pPr>
             <a:r>
               <a:rPr lang="en-US" sz="3600" u="none" strike="noStrike" cap="none" dirty="0">
@@ -36134,7 +36253,7 @@
               <a:buNone/>
             </a:pPr>
             <a:r>
-              <a:rPr lang="en-US" sz="3000" b="1" i="0" u="none" strike="noStrike" cap="none" dirty="0">
+              <a:rPr lang="en-US" sz="3000" i="0" u="none" strike="noStrike" cap="none" dirty="0">
                 <a:solidFill>
                   <a:srgbClr val="00FF00"/>
                 </a:solidFill>
@@ -36165,7 +36284,7 @@
               <a:buNone/>
             </a:pPr>
             <a:r>
-              <a:rPr lang="en-US" sz="3000" b="1" i="0" u="none" strike="noStrike" cap="none" dirty="0">
+              <a:rPr lang="en-US" sz="3000" i="0" u="none" strike="noStrike" cap="none" dirty="0">
                 <a:solidFill>
                   <a:srgbClr val="00FF00"/>
                 </a:solidFill>
@@ -36177,7 +36296,7 @@
               <a:t>index</a:t>
             </a:r>
             <a:r>
-              <a:rPr lang="en-US" sz="3000" b="1" i="0" u="none" strike="noStrike" cap="none" dirty="0">
+              <a:rPr lang="en-US" sz="3000" i="0" u="none" strike="noStrike" cap="none" dirty="0">
                 <a:solidFill>
                   <a:schemeClr val="lt1"/>
                 </a:solidFill>
@@ -36189,7 +36308,7 @@
               <a:t> = </a:t>
             </a:r>
             <a:r>
-              <a:rPr lang="en-US" sz="3000" b="1" i="0" u="none" strike="noStrike" cap="none" dirty="0">
+              <a:rPr lang="en-US" sz="3000" i="0" u="none" strike="noStrike" cap="none" dirty="0">
                 <a:solidFill>
                   <a:srgbClr val="FF7F00"/>
                 </a:solidFill>
@@ -36220,7 +36339,7 @@
               <a:buNone/>
             </a:pPr>
             <a:r>
-              <a:rPr lang="en-US" sz="3000" b="1" i="0" u="none" strike="noStrike" cap="none" dirty="0">
+              <a:rPr lang="en-US" sz="3000" i="0" u="none" strike="noStrike" cap="none" dirty="0">
                 <a:solidFill>
                   <a:srgbClr val="FFFF00"/>
                 </a:solidFill>
@@ -36232,7 +36351,7 @@
               <a:t>while</a:t>
             </a:r>
             <a:r>
-              <a:rPr lang="en-US" sz="3000" b="1" i="0" u="none" strike="noStrike" cap="none" dirty="0">
+              <a:rPr lang="en-US" sz="3000" i="0" u="none" strike="noStrike" cap="none" dirty="0">
                 <a:solidFill>
                   <a:schemeClr val="lt1"/>
                 </a:solidFill>
@@ -36244,7 +36363,7 @@
               <a:t> </a:t>
             </a:r>
             <a:r>
-              <a:rPr lang="en-US" sz="3000" b="1" i="0" u="none" strike="noStrike" cap="none" dirty="0">
+              <a:rPr lang="en-US" sz="3000" i="0" u="none" strike="noStrike" cap="none" dirty="0">
                 <a:solidFill>
                   <a:srgbClr val="00FF00"/>
                 </a:solidFill>
@@ -36256,7 +36375,7 @@
               <a:t>index</a:t>
             </a:r>
             <a:r>
-              <a:rPr lang="en-US" sz="3000" b="1" i="0" u="none" strike="noStrike" cap="none" dirty="0">
+              <a:rPr lang="en-US" sz="3000" i="0" u="none" strike="noStrike" cap="none" dirty="0">
                 <a:solidFill>
                   <a:schemeClr val="lt1"/>
                 </a:solidFill>
@@ -36268,7 +36387,7 @@
               <a:t> &lt; </a:t>
             </a:r>
             <a:r>
-              <a:rPr lang="en-US" sz="3000" b="1" i="0" u="none" strike="noStrike" cap="none" dirty="0" err="1">
+              <a:rPr lang="en-US" sz="3000" i="0" u="none" strike="noStrike" cap="none" dirty="0" err="1">
                 <a:solidFill>
                   <a:srgbClr val="FF00FF"/>
                 </a:solidFill>
@@ -36280,7 +36399,7 @@
               <a:t>len</a:t>
             </a:r>
             <a:r>
-              <a:rPr lang="en-US" sz="3000" b="1" i="0" u="none" strike="noStrike" cap="none" dirty="0">
+              <a:rPr lang="en-US" sz="3000" i="0" u="none" strike="noStrike" cap="none" dirty="0">
                 <a:solidFill>
                   <a:schemeClr val="lt1"/>
                 </a:solidFill>
@@ -36292,7 +36411,7 @@
               <a:t>(</a:t>
             </a:r>
             <a:r>
-              <a:rPr lang="en-US" sz="3000" b="1" i="0" u="none" strike="noStrike" cap="none" dirty="0">
+              <a:rPr lang="en-US" sz="3000" i="0" u="none" strike="noStrike" cap="none" dirty="0">
                 <a:solidFill>
                   <a:srgbClr val="00FF00"/>
                 </a:solidFill>
@@ -36304,7 +36423,7 @@
               <a:t>fruit</a:t>
             </a:r>
             <a:r>
-              <a:rPr lang="en-US" sz="3000" b="1" i="0" u="none" strike="noStrike" cap="none" dirty="0">
+              <a:rPr lang="en-US" sz="3000" i="0" u="none" strike="noStrike" cap="none" dirty="0">
                 <a:solidFill>
                   <a:schemeClr val="lt1"/>
                 </a:solidFill>
@@ -36335,7 +36454,7 @@
               <a:buNone/>
             </a:pPr>
             <a:r>
-              <a:rPr lang="en-US" sz="3000" b="1" i="0" u="none" strike="noStrike" cap="none" dirty="0">
+              <a:rPr lang="en-US" sz="3000" i="0" u="none" strike="noStrike" cap="none" dirty="0">
                 <a:solidFill>
                   <a:schemeClr val="lt1"/>
                 </a:solidFill>
@@ -36347,7 +36466,7 @@
               <a:t>    </a:t>
             </a:r>
             <a:r>
-              <a:rPr lang="en-US" sz="3000" b="1" i="0" u="none" strike="noStrike" cap="none" dirty="0">
+              <a:rPr lang="en-US" sz="3000" i="0" u="none" strike="noStrike" cap="none" dirty="0">
                 <a:solidFill>
                   <a:srgbClr val="00FF00"/>
                 </a:solidFill>
@@ -36359,7 +36478,7 @@
               <a:t>letter</a:t>
             </a:r>
             <a:r>
-              <a:rPr lang="en-US" sz="3000" b="1" i="0" u="none" strike="noStrike" cap="none" dirty="0">
+              <a:rPr lang="en-US" sz="3000" i="0" u="none" strike="noStrike" cap="none" dirty="0">
                 <a:solidFill>
                   <a:schemeClr val="lt1"/>
                 </a:solidFill>
@@ -36371,7 +36490,7 @@
               <a:t> = </a:t>
             </a:r>
             <a:r>
-              <a:rPr lang="en-US" sz="3000" b="1" i="0" u="none" strike="noStrike" cap="none" dirty="0">
+              <a:rPr lang="en-US" sz="3000" i="0" u="none" strike="noStrike" cap="none" dirty="0">
                 <a:solidFill>
                   <a:srgbClr val="00FF00"/>
                 </a:solidFill>
@@ -36383,7 +36502,7 @@
               <a:t>fruit</a:t>
             </a:r>
             <a:r>
-              <a:rPr lang="en-US" sz="3000" b="1" i="0" u="none" strike="noStrike" cap="none" dirty="0">
+              <a:rPr lang="en-US" sz="3000" i="0" u="none" strike="noStrike" cap="none" dirty="0">
                 <a:solidFill>
                   <a:srgbClr val="00FFFF"/>
                 </a:solidFill>
@@ -36395,7 +36514,7 @@
               <a:t>[</a:t>
             </a:r>
             <a:r>
-              <a:rPr lang="en-US" sz="3000" b="1" i="0" u="none" strike="noStrike" cap="none" dirty="0">
+              <a:rPr lang="en-US" sz="3000" i="0" u="none" strike="noStrike" cap="none" dirty="0">
                 <a:solidFill>
                   <a:srgbClr val="00FF00"/>
                 </a:solidFill>
@@ -36407,7 +36526,7 @@
               <a:t>index</a:t>
             </a:r>
             <a:r>
-              <a:rPr lang="en-US" sz="3000" b="1" i="0" u="none" strike="noStrike" cap="none" dirty="0">
+              <a:rPr lang="en-US" sz="3000" i="0" u="none" strike="noStrike" cap="none" dirty="0">
                 <a:solidFill>
                   <a:srgbClr val="00FFFF"/>
                 </a:solidFill>
@@ -36438,7 +36557,7 @@
               <a:buNone/>
             </a:pPr>
             <a:r>
-              <a:rPr lang="en-US" sz="3000" b="1" i="0" u="none" strike="noStrike" cap="none" dirty="0">
+              <a:rPr lang="en-US" sz="3000" i="0" u="none" strike="noStrike" cap="none" dirty="0">
                 <a:solidFill>
                   <a:schemeClr val="lt1"/>
                 </a:solidFill>
@@ -36450,7 +36569,7 @@
               <a:t>    </a:t>
             </a:r>
             <a:r>
-              <a:rPr lang="en-US" sz="3000" b="1" i="0" u="none" strike="noStrike" cap="none" dirty="0" smtClean="0">
+              <a:rPr lang="en-US" sz="3000" i="0" u="none" strike="noStrike" cap="none" dirty="0" smtClean="0">
                 <a:solidFill>
                   <a:srgbClr val="FFFF00"/>
                 </a:solidFill>
@@ -36462,7 +36581,7 @@
               <a:t>print</a:t>
             </a:r>
             <a:r>
-              <a:rPr lang="en-US" sz="3000" b="1" dirty="0">
+              <a:rPr lang="en-US" sz="3000" dirty="0">
                 <a:solidFill>
                   <a:schemeClr val="lt1"/>
                 </a:solidFill>
@@ -36474,7 +36593,7 @@
               <a:t>(</a:t>
             </a:r>
             <a:r>
-              <a:rPr lang="en-US" sz="3000" b="1" i="0" u="none" strike="noStrike" cap="none" dirty="0" smtClean="0">
+              <a:rPr lang="en-US" sz="3000" i="0" u="none" strike="noStrike" cap="none" dirty="0" smtClean="0">
                 <a:solidFill>
                   <a:schemeClr val="lt1"/>
                 </a:solidFill>
@@ -36486,7 +36605,7 @@
               <a:t>index</a:t>
             </a:r>
             <a:r>
-              <a:rPr lang="en-US" sz="3000" b="1" i="0" u="none" strike="noStrike" cap="none" dirty="0">
+              <a:rPr lang="en-US" sz="3000" i="0" u="none" strike="noStrike" cap="none" dirty="0">
                 <a:solidFill>
                   <a:schemeClr val="lt1"/>
                 </a:solidFill>
@@ -36498,7 +36617,7 @@
               <a:t>, </a:t>
             </a:r>
             <a:r>
-              <a:rPr lang="en-US" sz="3000" b="1" i="0" u="none" strike="noStrike" cap="none" dirty="0" smtClean="0">
+              <a:rPr lang="en-US" sz="3000" i="0" u="none" strike="noStrike" cap="none" dirty="0" smtClean="0">
                 <a:solidFill>
                   <a:srgbClr val="00FF00"/>
                 </a:solidFill>
@@ -36510,7 +36629,7 @@
               <a:t>letter</a:t>
             </a:r>
             <a:r>
-              <a:rPr lang="en-US" sz="3000" b="1" i="0" u="none" strike="noStrike" cap="none" dirty="0" smtClean="0">
+              <a:rPr lang="en-US" sz="3000" i="0" u="none" strike="noStrike" cap="none" dirty="0" smtClean="0">
                 <a:solidFill>
                   <a:schemeClr val="bg1"/>
                 </a:solidFill>
@@ -36521,7 +36640,7 @@
               </a:rPr>
               <a:t>)</a:t>
             </a:r>
-            <a:endParaRPr lang="en-US" sz="3000" b="1" i="0" u="none" strike="noStrike" cap="none" dirty="0">
+            <a:endParaRPr lang="en-US" sz="3000" i="0" u="none" strike="noStrike" cap="none" dirty="0">
               <a:solidFill>
                 <a:schemeClr val="bg1"/>
               </a:solidFill>
@@ -36550,7 +36669,7 @@
               <a:buNone/>
             </a:pPr>
             <a:r>
-              <a:rPr lang="en-US" sz="3000" b="1" i="0" u="none" strike="noStrike" cap="none" dirty="0">
+              <a:rPr lang="en-US" sz="3000" i="0" u="none" strike="noStrike" cap="none" dirty="0">
                 <a:solidFill>
                   <a:schemeClr val="lt1"/>
                 </a:solidFill>
@@ -36562,7 +36681,7 @@
               <a:t>    </a:t>
             </a:r>
             <a:r>
-              <a:rPr lang="en-US" sz="3000" b="1" i="0" u="none" strike="noStrike" cap="none" dirty="0">
+              <a:rPr lang="en-US" sz="3000" i="0" u="none" strike="noStrike" cap="none" dirty="0">
                 <a:solidFill>
                   <a:srgbClr val="00FF00"/>
                 </a:solidFill>
@@ -36574,7 +36693,7 @@
               <a:t>index</a:t>
             </a:r>
             <a:r>
-              <a:rPr lang="en-US" sz="3000" b="1" i="0" u="none" strike="noStrike" cap="none" dirty="0">
+              <a:rPr lang="en-US" sz="3000" i="0" u="none" strike="noStrike" cap="none" dirty="0">
                 <a:solidFill>
                   <a:schemeClr val="lt1"/>
                 </a:solidFill>
@@ -36586,7 +36705,7 @@
               <a:t> = </a:t>
             </a:r>
             <a:r>
-              <a:rPr lang="en-US" sz="3000" b="1" i="0" u="none" strike="noStrike" cap="none" dirty="0">
+              <a:rPr lang="en-US" sz="3000" i="0" u="none" strike="noStrike" cap="none" dirty="0">
                 <a:solidFill>
                   <a:srgbClr val="00FF00"/>
                 </a:solidFill>
@@ -36598,7 +36717,7 @@
               <a:t>index</a:t>
             </a:r>
             <a:r>
-              <a:rPr lang="en-US" sz="3000" b="1" i="0" u="none" strike="noStrike" cap="none" dirty="0">
+              <a:rPr lang="en-US" sz="3000" i="0" u="none" strike="noStrike" cap="none" dirty="0">
                 <a:solidFill>
                   <a:schemeClr val="lt1"/>
                 </a:solidFill>
@@ -36610,7 +36729,7 @@
               <a:t> </a:t>
             </a:r>
             <a:r>
-              <a:rPr lang="en-US" sz="3000" b="1" i="0" u="none" strike="noStrike" cap="none" dirty="0">
+              <a:rPr lang="en-US" sz="3000" i="0" u="none" strike="noStrike" cap="none" dirty="0">
                 <a:solidFill>
                   <a:srgbClr val="00FFFF"/>
                 </a:solidFill>
@@ -36622,7 +36741,7 @@
               <a:t>+</a:t>
             </a:r>
             <a:r>
-              <a:rPr lang="en-US" sz="3000" b="1" i="0" u="none" strike="noStrike" cap="none" dirty="0">
+              <a:rPr lang="en-US" sz="3000" i="0" u="none" strike="noStrike" cap="none" dirty="0">
                 <a:solidFill>
                   <a:schemeClr val="lt1"/>
                 </a:solidFill>
@@ -36634,7 +36753,7 @@
               <a:t> </a:t>
             </a:r>
             <a:r>
-              <a:rPr lang="en-US" sz="3000" b="1" i="0" u="none" strike="noStrike" cap="none" dirty="0">
+              <a:rPr lang="en-US" sz="3000" i="0" u="none" strike="noStrike" cap="none" dirty="0">
                 <a:solidFill>
                   <a:srgbClr val="FF7F00"/>
                 </a:solidFill>

--- a/lectures3/Pythonlearn-06-Strings.pptx
+++ b/lectures3/Pythonlearn-06-Strings.pptx
@@ -246,7 +246,18 @@
   </p:defaultTextStyle>
   <p:extLst>
     <p:ext uri="{EFAFB233-063F-42B5-8137-9DF3F51BA10A}">
-      <p15:sldGuideLst xmlns="" xmlns:p15="http://schemas.microsoft.com/office/powerpoint/2012/main"/>
+      <p15:sldGuideLst xmlns:p15="http://schemas.microsoft.com/office/powerpoint/2012/main">
+        <p15:guide id="1" orient="horz" pos="2880">
+          <p15:clr>
+            <a:srgbClr val="A4A3A4"/>
+          </p15:clr>
+        </p15:guide>
+        <p15:guide id="2" pos="5120">
+          <p15:clr>
+            <a:srgbClr val="A4A3A4"/>
+          </p15:clr>
+        </p15:guide>
+      </p15:sldGuideLst>
     </p:ext>
   </p:extLst>
 </p:presentation>
@@ -6449,7 +6460,7 @@
               <a:buNone/>
             </a:pPr>
             <a:r>
-              <a:rPr lang="en-US" sz="3600" i="0" u="none" strike="noStrike" cap="none" dirty="0">
+              <a:rPr lang="en-US" sz="3600" b="1" i="0" u="none" strike="noStrike" cap="none" dirty="0">
                 <a:solidFill>
                   <a:srgbClr val="FFFF00"/>
                 </a:solidFill>
@@ -6480,7 +6491,7 @@
               <a:buNone/>
             </a:pPr>
             <a:r>
-              <a:rPr lang="en-US" sz="3600" i="0" u="none" strike="noStrike" cap="none" dirty="0">
+              <a:rPr lang="en-US" sz="3600" b="1" i="0" u="none" strike="noStrike" cap="none" dirty="0">
                 <a:solidFill>
                   <a:srgbClr val="FFFF00"/>
                 </a:solidFill>
@@ -6492,7 +6503,7 @@
               <a:t>for</a:t>
             </a:r>
             <a:r>
-              <a:rPr lang="en-US" sz="3600" i="0" u="none" strike="noStrike" cap="none" dirty="0">
+              <a:rPr lang="en-US" sz="3600" b="1" i="0" u="none" strike="noStrike" cap="none" dirty="0">
                 <a:solidFill>
                   <a:schemeClr val="lt1"/>
                 </a:solidFill>
@@ -6504,7 +6515,7 @@
               <a:t> </a:t>
             </a:r>
             <a:r>
-              <a:rPr lang="en-US" sz="3600" i="0" u="none" strike="noStrike" cap="none" dirty="0">
+              <a:rPr lang="en-US" sz="3600" b="1" i="0" u="none" strike="noStrike" cap="none" dirty="0">
                 <a:solidFill>
                   <a:srgbClr val="00FF00"/>
                 </a:solidFill>
@@ -6516,7 +6527,7 @@
               <a:t>letter</a:t>
             </a:r>
             <a:r>
-              <a:rPr lang="en-US" sz="3600" i="0" u="none" strike="noStrike" cap="none" dirty="0">
+              <a:rPr lang="en-US" sz="3600" b="1" i="0" u="none" strike="noStrike" cap="none" dirty="0">
                 <a:solidFill>
                   <a:schemeClr val="lt1"/>
                 </a:solidFill>
@@ -6528,7 +6539,7 @@
               <a:t> </a:t>
             </a:r>
             <a:r>
-              <a:rPr lang="en-US" sz="3600" i="0" u="none" strike="noStrike" cap="none" dirty="0">
+              <a:rPr lang="en-US" sz="3600" b="1" i="0" u="none" strike="noStrike" cap="none" dirty="0">
                 <a:solidFill>
                   <a:srgbClr val="FFFF00"/>
                 </a:solidFill>
@@ -6540,7 +6551,7 @@
               <a:t>in</a:t>
             </a:r>
             <a:r>
-              <a:rPr lang="en-US" sz="3600" i="0" u="none" strike="noStrike" cap="none" dirty="0">
+              <a:rPr lang="en-US" sz="3600" b="1" i="0" u="none" strike="noStrike" cap="none" dirty="0">
                 <a:solidFill>
                   <a:schemeClr val="lt1"/>
                 </a:solidFill>
@@ -6552,7 +6563,7 @@
               <a:t> </a:t>
             </a:r>
             <a:r>
-              <a:rPr lang="en-US" sz="3600" i="0" u="none" strike="noStrike" cap="none" dirty="0">
+              <a:rPr lang="en-US" sz="3600" b="1" i="0" u="none" strike="noStrike" cap="none" dirty="0">
                 <a:solidFill>
                   <a:srgbClr val="00FF00"/>
                 </a:solidFill>
@@ -6564,7 +6575,7 @@
               <a:t>fruit</a:t>
             </a:r>
             <a:r>
-              <a:rPr lang="en-US" sz="3600" i="0" u="none" strike="noStrike" cap="none" dirty="0">
+              <a:rPr lang="en-US" sz="3600" b="1" i="0" u="none" strike="noStrike" cap="none" dirty="0">
                 <a:solidFill>
                   <a:schemeClr val="lt1"/>
                 </a:solidFill>
@@ -6595,7 +6606,7 @@
               <a:buNone/>
             </a:pPr>
             <a:r>
-              <a:rPr lang="en-US" sz="3600" i="0" u="none" strike="noStrike" cap="none" dirty="0">
+              <a:rPr lang="en-US" sz="3600" b="1" i="0" u="none" strike="noStrike" cap="none" dirty="0">
                 <a:solidFill>
                   <a:schemeClr val="lt1"/>
                 </a:solidFill>
@@ -6607,7 +6618,7 @@
               <a:t>    </a:t>
             </a:r>
             <a:r>
-              <a:rPr lang="en-US" sz="3600" i="0" u="none" strike="noStrike" cap="none" dirty="0" smtClean="0">
+              <a:rPr lang="en-US" sz="3600" b="1" i="0" u="none" strike="noStrike" cap="none" dirty="0" smtClean="0">
                 <a:solidFill>
                   <a:srgbClr val="FFFF00"/>
                 </a:solidFill>
@@ -6619,7 +6630,7 @@
               <a:t>print</a:t>
             </a:r>
             <a:r>
-              <a:rPr lang="en-US" sz="3600" dirty="0" smtClean="0">
+              <a:rPr lang="en-US" sz="3600" b="1" dirty="0" smtClean="0">
                 <a:solidFill>
                   <a:schemeClr val="lt1"/>
                 </a:solidFill>
@@ -6631,7 +6642,7 @@
               <a:t>(</a:t>
             </a:r>
             <a:r>
-              <a:rPr lang="en-US" sz="3600" i="0" u="none" strike="noStrike" cap="none" dirty="0" smtClean="0">
+              <a:rPr lang="en-US" sz="3600" b="1" i="0" u="none" strike="noStrike" cap="none" dirty="0" smtClean="0">
                 <a:solidFill>
                   <a:srgbClr val="00FF00"/>
                 </a:solidFill>
@@ -6643,7 +6654,7 @@
               <a:t>letter</a:t>
             </a:r>
             <a:r>
-              <a:rPr lang="en-US" sz="3600" i="0" u="none" strike="noStrike" cap="none" dirty="0" smtClean="0">
+              <a:rPr lang="en-US" sz="3600" b="1" i="0" u="none" strike="noStrike" cap="none" dirty="0" smtClean="0">
                 <a:solidFill>
                   <a:schemeClr val="bg1"/>
                 </a:solidFill>
@@ -6654,7 +6665,7 @@
               </a:rPr>
               <a:t>)</a:t>
             </a:r>
-            <a:endParaRPr lang="en-US" sz="3600" i="0" u="none" strike="noStrike" cap="none" dirty="0">
+            <a:endParaRPr lang="en-US" sz="3600" b="1" i="0" u="none" strike="noStrike" cap="none" dirty="0">
               <a:solidFill>
                 <a:schemeClr val="bg1"/>
               </a:solidFill>
@@ -6967,7 +6978,7 @@
               <a:buNone/>
             </a:pPr>
             <a:r>
-              <a:rPr lang="en-US" sz="3000" i="0" u="none" strike="noStrike" cap="none" dirty="0">
+              <a:rPr lang="en-US" sz="3000" b="1" i="0" u="none" strike="noStrike" cap="none" dirty="0">
                 <a:solidFill>
                   <a:srgbClr val="00FF00"/>
                 </a:solidFill>
@@ -6979,7 +6990,7 @@
               <a:t>index</a:t>
             </a:r>
             <a:r>
-              <a:rPr lang="en-US" sz="3000" i="0" u="none" strike="noStrike" cap="none" dirty="0">
+              <a:rPr lang="en-US" sz="3000" b="1" i="0" u="none" strike="noStrike" cap="none" dirty="0">
                 <a:solidFill>
                   <a:schemeClr val="lt1"/>
                 </a:solidFill>
@@ -6991,7 +7002,7 @@
               <a:t> = </a:t>
             </a:r>
             <a:r>
-              <a:rPr lang="en-US" sz="3000" i="0" u="none" strike="noStrike" cap="none" dirty="0">
+              <a:rPr lang="en-US" sz="3000" b="1" i="0" u="none" strike="noStrike" cap="none" dirty="0">
                 <a:solidFill>
                   <a:srgbClr val="FF7F00"/>
                 </a:solidFill>
@@ -7022,7 +7033,7 @@
               <a:buNone/>
             </a:pPr>
             <a:r>
-              <a:rPr lang="en-US" sz="3000" i="0" u="none" strike="noStrike" cap="none" dirty="0">
+              <a:rPr lang="en-US" sz="3000" b="1" i="0" u="none" strike="noStrike" cap="none" dirty="0">
                 <a:solidFill>
                   <a:srgbClr val="FFFF00"/>
                 </a:solidFill>
@@ -7034,7 +7045,7 @@
               <a:t>while</a:t>
             </a:r>
             <a:r>
-              <a:rPr lang="en-US" sz="3000" i="0" u="none" strike="noStrike" cap="none" dirty="0">
+              <a:rPr lang="en-US" sz="3000" b="1" i="0" u="none" strike="noStrike" cap="none" dirty="0">
                 <a:solidFill>
                   <a:schemeClr val="lt1"/>
                 </a:solidFill>
@@ -7046,7 +7057,7 @@
               <a:t> </a:t>
             </a:r>
             <a:r>
-              <a:rPr lang="en-US" sz="3000" i="0" u="none" strike="noStrike" cap="none" dirty="0">
+              <a:rPr lang="en-US" sz="3000" b="1" i="0" u="none" strike="noStrike" cap="none" dirty="0">
                 <a:solidFill>
                   <a:srgbClr val="00FF00"/>
                 </a:solidFill>
@@ -7058,7 +7069,7 @@
               <a:t>index</a:t>
             </a:r>
             <a:r>
-              <a:rPr lang="en-US" sz="3000" i="0" u="none" strike="noStrike" cap="none" dirty="0">
+              <a:rPr lang="en-US" sz="3000" b="1" i="0" u="none" strike="noStrike" cap="none" dirty="0">
                 <a:solidFill>
                   <a:schemeClr val="lt1"/>
                 </a:solidFill>
@@ -7070,7 +7081,7 @@
               <a:t> &lt; </a:t>
             </a:r>
             <a:r>
-              <a:rPr lang="en-US" sz="3000" i="0" u="none" strike="noStrike" cap="none" dirty="0" err="1">
+              <a:rPr lang="en-US" sz="3000" b="1" i="0" u="none" strike="noStrike" cap="none" dirty="0" err="1">
                 <a:solidFill>
                   <a:srgbClr val="FF00FF"/>
                 </a:solidFill>
@@ -7082,7 +7093,7 @@
               <a:t>len</a:t>
             </a:r>
             <a:r>
-              <a:rPr lang="en-US" sz="3000" i="0" u="none" strike="noStrike" cap="none" dirty="0">
+              <a:rPr lang="en-US" sz="3000" b="1" i="0" u="none" strike="noStrike" cap="none" dirty="0">
                 <a:solidFill>
                   <a:schemeClr val="lt1"/>
                 </a:solidFill>
@@ -7094,7 +7105,7 @@
               <a:t>(</a:t>
             </a:r>
             <a:r>
-              <a:rPr lang="en-US" sz="3000" i="0" u="none" strike="noStrike" cap="none" dirty="0">
+              <a:rPr lang="en-US" sz="3000" b="1" i="0" u="none" strike="noStrike" cap="none" dirty="0">
                 <a:solidFill>
                   <a:srgbClr val="00FF00"/>
                 </a:solidFill>
@@ -7106,7 +7117,7 @@
               <a:t>fruit</a:t>
             </a:r>
             <a:r>
-              <a:rPr lang="en-US" sz="3000" i="0" u="none" strike="noStrike" cap="none" dirty="0">
+              <a:rPr lang="en-US" sz="3000" b="1" i="0" u="none" strike="noStrike" cap="none" dirty="0">
                 <a:solidFill>
                   <a:schemeClr val="lt1"/>
                 </a:solidFill>
@@ -7137,7 +7148,7 @@
               <a:buNone/>
             </a:pPr>
             <a:r>
-              <a:rPr lang="en-US" sz="3000" i="0" u="none" strike="noStrike" cap="none" dirty="0">
+              <a:rPr lang="en-US" sz="3000" b="1" i="0" u="none" strike="noStrike" cap="none" dirty="0">
                 <a:solidFill>
                   <a:schemeClr val="lt1"/>
                 </a:solidFill>
@@ -7149,7 +7160,7 @@
               <a:t>    </a:t>
             </a:r>
             <a:r>
-              <a:rPr lang="en-US" sz="3000" i="0" u="none" strike="noStrike" cap="none" dirty="0">
+              <a:rPr lang="en-US" sz="3000" b="1" i="0" u="none" strike="noStrike" cap="none" dirty="0">
                 <a:solidFill>
                   <a:srgbClr val="00FF00"/>
                 </a:solidFill>
@@ -7161,7 +7172,7 @@
               <a:t>letter</a:t>
             </a:r>
             <a:r>
-              <a:rPr lang="en-US" sz="3000" i="0" u="none" strike="noStrike" cap="none" dirty="0">
+              <a:rPr lang="en-US" sz="3000" b="1" i="0" u="none" strike="noStrike" cap="none" dirty="0">
                 <a:solidFill>
                   <a:schemeClr val="lt1"/>
                 </a:solidFill>
@@ -7173,7 +7184,7 @@
               <a:t> = </a:t>
             </a:r>
             <a:r>
-              <a:rPr lang="en-US" sz="3000" i="0" u="none" strike="noStrike" cap="none" dirty="0">
+              <a:rPr lang="en-US" sz="3000" b="1" i="0" u="none" strike="noStrike" cap="none" dirty="0">
                 <a:solidFill>
                   <a:srgbClr val="00FF00"/>
                 </a:solidFill>
@@ -7185,7 +7196,7 @@
               <a:t>fruit</a:t>
             </a:r>
             <a:r>
-              <a:rPr lang="en-US" sz="3000" i="0" u="none" strike="noStrike" cap="none" dirty="0">
+              <a:rPr lang="en-US" sz="3000" b="1" i="0" u="none" strike="noStrike" cap="none" dirty="0">
                 <a:solidFill>
                   <a:srgbClr val="00FFFF"/>
                 </a:solidFill>
@@ -7197,7 +7208,7 @@
               <a:t>[</a:t>
             </a:r>
             <a:r>
-              <a:rPr lang="en-US" sz="3000" i="0" u="none" strike="noStrike" cap="none" dirty="0">
+              <a:rPr lang="en-US" sz="3000" b="1" i="0" u="none" strike="noStrike" cap="none" dirty="0">
                 <a:solidFill>
                   <a:srgbClr val="00FF00"/>
                 </a:solidFill>
@@ -7209,7 +7220,7 @@
               <a:t>index</a:t>
             </a:r>
             <a:r>
-              <a:rPr lang="en-US" sz="3000" i="0" u="none" strike="noStrike" cap="none" dirty="0">
+              <a:rPr lang="en-US" sz="3000" b="1" i="0" u="none" strike="noStrike" cap="none" dirty="0">
                 <a:solidFill>
                   <a:srgbClr val="00FFFF"/>
                 </a:solidFill>
@@ -7240,7 +7251,7 @@
               <a:buNone/>
             </a:pPr>
             <a:r>
-              <a:rPr lang="en-US" sz="3000" i="0" u="none" strike="noStrike" cap="none" dirty="0">
+              <a:rPr lang="en-US" sz="3000" b="1" i="0" u="none" strike="noStrike" cap="none" dirty="0">
                 <a:solidFill>
                   <a:schemeClr val="lt1"/>
                 </a:solidFill>
@@ -7252,7 +7263,7 @@
               <a:t>    </a:t>
             </a:r>
             <a:r>
-              <a:rPr lang="en-US" sz="3000" i="0" u="none" strike="noStrike" cap="none" dirty="0" smtClean="0">
+              <a:rPr lang="en-US" sz="3000" b="1" i="0" u="none" strike="noStrike" cap="none" dirty="0" smtClean="0">
                 <a:solidFill>
                   <a:srgbClr val="FFFF00"/>
                 </a:solidFill>
@@ -7264,7 +7275,7 @@
               <a:t>print</a:t>
             </a:r>
             <a:r>
-              <a:rPr lang="en-US" sz="3000" dirty="0" smtClean="0">
+              <a:rPr lang="en-US" sz="3000" b="1" dirty="0" smtClean="0">
                 <a:solidFill>
                   <a:schemeClr val="lt1"/>
                 </a:solidFill>
@@ -7276,7 +7287,7 @@
               <a:t>(</a:t>
             </a:r>
             <a:r>
-              <a:rPr lang="en-US" sz="3000" i="0" u="none" strike="noStrike" cap="none" dirty="0" smtClean="0">
+              <a:rPr lang="en-US" sz="3000" b="1" i="0" u="none" strike="noStrike" cap="none" dirty="0" smtClean="0">
                 <a:solidFill>
                   <a:srgbClr val="00FF00"/>
                 </a:solidFill>
@@ -7288,7 +7299,7 @@
               <a:t>letter</a:t>
             </a:r>
             <a:r>
-              <a:rPr lang="en-US" sz="3000" i="0" u="none" strike="noStrike" cap="none" dirty="0" smtClean="0">
+              <a:rPr lang="en-US" sz="3000" b="1" i="0" u="none" strike="noStrike" cap="none" dirty="0" smtClean="0">
                 <a:solidFill>
                   <a:schemeClr val="bg1"/>
                 </a:solidFill>
@@ -7299,7 +7310,7 @@
               </a:rPr>
               <a:t>)</a:t>
             </a:r>
-            <a:endParaRPr lang="en-US" sz="3000" i="0" u="none" strike="noStrike" cap="none" dirty="0">
+            <a:endParaRPr lang="en-US" sz="3000" b="1" i="0" u="none" strike="noStrike" cap="none" dirty="0">
               <a:solidFill>
                 <a:schemeClr val="bg1"/>
               </a:solidFill>
@@ -7328,7 +7339,7 @@
               <a:buNone/>
             </a:pPr>
             <a:r>
-              <a:rPr lang="en-US" sz="3000" i="0" u="none" strike="noStrike" cap="none" dirty="0">
+              <a:rPr lang="en-US" sz="3000" b="1" i="0" u="none" strike="noStrike" cap="none" dirty="0">
                 <a:solidFill>
                   <a:schemeClr val="lt1"/>
                 </a:solidFill>
@@ -7340,7 +7351,7 @@
               <a:t>    </a:t>
             </a:r>
             <a:r>
-              <a:rPr lang="en-US" sz="3000" i="0" u="none" strike="noStrike" cap="none" dirty="0">
+              <a:rPr lang="en-US" sz="3000" b="1" i="0" u="none" strike="noStrike" cap="none" dirty="0">
                 <a:solidFill>
                   <a:srgbClr val="00FF00"/>
                 </a:solidFill>
@@ -7352,7 +7363,7 @@
               <a:t>index</a:t>
             </a:r>
             <a:r>
-              <a:rPr lang="en-US" sz="3000" i="0" u="none" strike="noStrike" cap="none" dirty="0">
+              <a:rPr lang="en-US" sz="3000" b="1" i="0" u="none" strike="noStrike" cap="none" dirty="0">
                 <a:solidFill>
                   <a:schemeClr val="lt1"/>
                 </a:solidFill>
@@ -7364,7 +7375,7 @@
               <a:t> = </a:t>
             </a:r>
             <a:r>
-              <a:rPr lang="en-US" sz="3000" i="0" u="none" strike="noStrike" cap="none" dirty="0">
+              <a:rPr lang="en-US" sz="3000" b="1" i="0" u="none" strike="noStrike" cap="none" dirty="0">
                 <a:solidFill>
                   <a:srgbClr val="00FF00"/>
                 </a:solidFill>
@@ -7376,7 +7387,7 @@
               <a:t>index</a:t>
             </a:r>
             <a:r>
-              <a:rPr lang="en-US" sz="3000" i="0" u="none" strike="noStrike" cap="none" dirty="0">
+              <a:rPr lang="en-US" sz="3000" b="1" i="0" u="none" strike="noStrike" cap="none" dirty="0">
                 <a:solidFill>
                   <a:schemeClr val="lt1"/>
                 </a:solidFill>
@@ -7388,7 +7399,7 @@
               <a:t> </a:t>
             </a:r>
             <a:r>
-              <a:rPr lang="en-US" sz="3000" i="0" u="none" strike="noStrike" cap="none" dirty="0">
+              <a:rPr lang="en-US" sz="3000" b="1" i="0" u="none" strike="noStrike" cap="none" dirty="0">
                 <a:solidFill>
                   <a:srgbClr val="00FFFF"/>
                 </a:solidFill>
@@ -7400,7 +7411,7 @@
               <a:t>+</a:t>
             </a:r>
             <a:r>
-              <a:rPr lang="en-US" sz="3000" i="0" u="none" strike="noStrike" cap="none" dirty="0">
+              <a:rPr lang="en-US" sz="3000" b="1" i="0" u="none" strike="noStrike" cap="none" dirty="0">
                 <a:solidFill>
                   <a:schemeClr val="lt1"/>
                 </a:solidFill>
@@ -7412,7 +7423,7 @@
               <a:t> </a:t>
             </a:r>
             <a:r>
-              <a:rPr lang="en-US" sz="3000" i="0" u="none" strike="noStrike" cap="none" dirty="0">
+              <a:rPr lang="en-US" sz="3000" b="1" i="0" u="none" strike="noStrike" cap="none" dirty="0">
                 <a:solidFill>
                   <a:srgbClr val="FF7F00"/>
                 </a:solidFill>
@@ -7469,7 +7480,7 @@
               <a:buNone/>
             </a:pPr>
             <a:r>
-              <a:rPr lang="en-US" sz="3000" i="0" u="none" strike="noStrike" cap="none" dirty="0">
+              <a:rPr lang="en-US" sz="3000" b="1" i="0" u="none" strike="noStrike" cap="none" dirty="0">
                 <a:solidFill>
                   <a:schemeClr val="lt1"/>
                 </a:solidFill>
@@ -7500,7 +7511,7 @@
               <a:buNone/>
             </a:pPr>
             <a:r>
-              <a:rPr lang="en-US" sz="3000" i="0" u="none" strike="noStrike" cap="none" dirty="0">
+              <a:rPr lang="en-US" sz="3000" b="1" i="0" u="none" strike="noStrike" cap="none" dirty="0">
                 <a:solidFill>
                   <a:srgbClr val="FFFF00"/>
                 </a:solidFill>
@@ -7512,7 +7523,7 @@
               <a:t>for</a:t>
             </a:r>
             <a:r>
-              <a:rPr lang="en-US" sz="3000" i="0" u="none" strike="noStrike" cap="none" dirty="0">
+              <a:rPr lang="en-US" sz="3000" b="1" i="0" u="none" strike="noStrike" cap="none" dirty="0">
                 <a:solidFill>
                   <a:schemeClr val="lt1"/>
                 </a:solidFill>
@@ -7524,7 +7535,7 @@
               <a:t> </a:t>
             </a:r>
             <a:r>
-              <a:rPr lang="en-US" sz="3000" i="0" u="none" strike="noStrike" cap="none" dirty="0">
+              <a:rPr lang="en-US" sz="3000" b="1" i="0" u="none" strike="noStrike" cap="none" dirty="0">
                 <a:solidFill>
                   <a:srgbClr val="00FF00"/>
                 </a:solidFill>
@@ -7536,7 +7547,7 @@
               <a:t>letter</a:t>
             </a:r>
             <a:r>
-              <a:rPr lang="en-US" sz="3000" i="0" u="none" strike="noStrike" cap="none" dirty="0">
+              <a:rPr lang="en-US" sz="3000" b="1" i="0" u="none" strike="noStrike" cap="none" dirty="0">
                 <a:solidFill>
                   <a:schemeClr val="lt1"/>
                 </a:solidFill>
@@ -7548,7 +7559,7 @@
               <a:t> in </a:t>
             </a:r>
             <a:r>
-              <a:rPr lang="en-US" sz="3000" i="0" u="none" strike="noStrike" cap="none" dirty="0">
+              <a:rPr lang="en-US" sz="3000" b="1" i="0" u="none" strike="noStrike" cap="none" dirty="0">
                 <a:solidFill>
                   <a:srgbClr val="00FF00"/>
                 </a:solidFill>
@@ -7560,7 +7571,7 @@
               <a:t>fruit</a:t>
             </a:r>
             <a:r>
-              <a:rPr lang="en-US" sz="3000" i="0" u="none" strike="noStrike" cap="none" dirty="0">
+              <a:rPr lang="en-US" sz="3000" b="1" i="0" u="none" strike="noStrike" cap="none" dirty="0">
                 <a:solidFill>
                   <a:schemeClr val="lt1"/>
                 </a:solidFill>
@@ -7591,7 +7602,7 @@
               <a:buNone/>
             </a:pPr>
             <a:r>
-              <a:rPr lang="en-US" sz="3000" i="0" u="none" strike="noStrike" cap="none" dirty="0">
+              <a:rPr lang="en-US" sz="3000" b="1" i="0" u="none" strike="noStrike" cap="none" dirty="0">
                 <a:solidFill>
                   <a:schemeClr val="lt1"/>
                 </a:solidFill>
@@ -7603,7 +7614,7 @@
               <a:t>    </a:t>
             </a:r>
             <a:r>
-              <a:rPr lang="en-US" sz="3000" i="0" u="none" strike="noStrike" cap="none" dirty="0" smtClean="0">
+              <a:rPr lang="en-US" sz="3000" b="1" i="0" u="none" strike="noStrike" cap="none" dirty="0" smtClean="0">
                 <a:solidFill>
                   <a:srgbClr val="FFFF00"/>
                 </a:solidFill>
@@ -7615,7 +7626,7 @@
               <a:t>print</a:t>
             </a:r>
             <a:r>
-              <a:rPr lang="en-US" sz="3000" dirty="0" smtClean="0">
+              <a:rPr lang="en-US" sz="3000" b="1" dirty="0" smtClean="0">
                 <a:solidFill>
                   <a:schemeClr val="lt1"/>
                 </a:solidFill>
@@ -7627,7 +7638,7 @@
               <a:t>(</a:t>
             </a:r>
             <a:r>
-              <a:rPr lang="en-US" sz="3000" i="0" u="none" strike="noStrike" cap="none" dirty="0" smtClean="0">
+              <a:rPr lang="en-US" sz="3000" b="1" i="0" u="none" strike="noStrike" cap="none" dirty="0" smtClean="0">
                 <a:solidFill>
                   <a:srgbClr val="00FF00"/>
                 </a:solidFill>
@@ -7639,7 +7650,7 @@
               <a:t>letter</a:t>
             </a:r>
             <a:r>
-              <a:rPr lang="en-US" sz="3000" i="0" u="none" strike="noStrike" cap="none" dirty="0" smtClean="0">
+              <a:rPr lang="en-US" sz="3000" b="1" i="0" u="none" strike="noStrike" cap="none" dirty="0" smtClean="0">
                 <a:solidFill>
                   <a:schemeClr val="bg1"/>
                 </a:solidFill>
@@ -7650,7 +7661,7 @@
               </a:rPr>
               <a:t>)</a:t>
             </a:r>
-            <a:endParaRPr lang="en-US" sz="3000" i="0" u="none" strike="noStrike" cap="none" dirty="0">
+            <a:endParaRPr lang="en-US" sz="3000" b="1" i="0" u="none" strike="noStrike" cap="none" dirty="0">
               <a:solidFill>
                 <a:schemeClr val="bg1"/>
               </a:solidFill>
@@ -8059,7 +8070,7 @@
               <a:buNone/>
             </a:pPr>
             <a:r>
-              <a:rPr lang="en-US" sz="3600" i="0" u="none" strike="noStrike" cap="none" dirty="0">
+              <a:rPr lang="en-US" sz="3600" b="1" i="0" u="none" strike="noStrike" cap="none" dirty="0">
                 <a:solidFill>
                   <a:srgbClr val="00FF00"/>
                 </a:solidFill>
@@ -8071,7 +8082,7 @@
               <a:t>word</a:t>
             </a:r>
             <a:r>
-              <a:rPr lang="en-US" sz="3600" i="0" u="none" strike="noStrike" cap="none" dirty="0">
+              <a:rPr lang="en-US" sz="3600" b="1" i="0" u="none" strike="noStrike" cap="none" dirty="0">
                 <a:solidFill>
                   <a:schemeClr val="lt1"/>
                 </a:solidFill>
@@ -8083,7 +8094,7 @@
               <a:t> = </a:t>
             </a:r>
             <a:r>
-              <a:rPr lang="en-US" sz="3600" i="0" u="none" strike="noStrike" cap="none" dirty="0">
+              <a:rPr lang="en-US" sz="3600" b="1" i="0" u="none" strike="noStrike" cap="none" dirty="0">
                 <a:solidFill>
                   <a:srgbClr val="FF7F00"/>
                 </a:solidFill>
@@ -8114,7 +8125,7 @@
               <a:buNone/>
             </a:pPr>
             <a:r>
-              <a:rPr lang="en-US" sz="3600" i="0" u="none" strike="noStrike" cap="none" dirty="0">
+              <a:rPr lang="en-US" sz="3600" b="1" i="0" u="none" strike="noStrike" cap="none" dirty="0">
                 <a:solidFill>
                   <a:srgbClr val="00FF00"/>
                 </a:solidFill>
@@ -8126,7 +8137,7 @@
               <a:t>count</a:t>
             </a:r>
             <a:r>
-              <a:rPr lang="en-US" sz="3600" i="0" u="none" strike="noStrike" cap="none" dirty="0">
+              <a:rPr lang="en-US" sz="3600" b="1" i="0" u="none" strike="noStrike" cap="none" dirty="0">
                 <a:solidFill>
                   <a:schemeClr val="lt1"/>
                 </a:solidFill>
@@ -8138,7 +8149,7 @@
               <a:t> = </a:t>
             </a:r>
             <a:r>
-              <a:rPr lang="en-US" sz="3600" i="0" u="none" strike="noStrike" cap="none" dirty="0">
+              <a:rPr lang="en-US" sz="3600" b="1" i="0" u="none" strike="noStrike" cap="none" dirty="0">
                 <a:solidFill>
                   <a:srgbClr val="FF7F00"/>
                 </a:solidFill>
@@ -8169,7 +8180,7 @@
               <a:buNone/>
             </a:pPr>
             <a:r>
-              <a:rPr lang="en-US" sz="3600" i="0" u="none" strike="noStrike" cap="none" dirty="0">
+              <a:rPr lang="en-US" sz="3600" b="1" i="0" u="none" strike="noStrike" cap="none" dirty="0">
                 <a:solidFill>
                   <a:srgbClr val="FFFF00"/>
                 </a:solidFill>
@@ -8181,7 +8192,7 @@
               <a:t>for</a:t>
             </a:r>
             <a:r>
-              <a:rPr lang="en-US" sz="3600" i="0" u="none" strike="noStrike" cap="none" dirty="0">
+              <a:rPr lang="en-US" sz="3600" b="1" i="0" u="none" strike="noStrike" cap="none" dirty="0">
                 <a:solidFill>
                   <a:srgbClr val="00FF00"/>
                 </a:solidFill>
@@ -8193,7 +8204,7 @@
               <a:t> letter </a:t>
             </a:r>
             <a:r>
-              <a:rPr lang="en-US" sz="3600" i="0" u="none" strike="noStrike" cap="none" dirty="0">
+              <a:rPr lang="en-US" sz="3600" b="1" i="0" u="none" strike="noStrike" cap="none" dirty="0">
                 <a:solidFill>
                   <a:srgbClr val="FFFF00"/>
                 </a:solidFill>
@@ -8205,7 +8216,7 @@
               <a:t>in</a:t>
             </a:r>
             <a:r>
-              <a:rPr lang="en-US" sz="3600" i="0" u="none" strike="noStrike" cap="none" dirty="0">
+              <a:rPr lang="en-US" sz="3600" b="1" i="0" u="none" strike="noStrike" cap="none" dirty="0">
                 <a:solidFill>
                   <a:srgbClr val="00FF00"/>
                 </a:solidFill>
@@ -8217,7 +8228,7 @@
               <a:t> word </a:t>
             </a:r>
             <a:r>
-              <a:rPr lang="en-US" sz="3600" i="0" u="none" strike="noStrike" cap="none" dirty="0">
+              <a:rPr lang="en-US" sz="3600" b="1" i="0" u="none" strike="noStrike" cap="none" dirty="0">
                 <a:solidFill>
                   <a:schemeClr val="lt1"/>
                 </a:solidFill>
@@ -8248,7 +8259,7 @@
               <a:buNone/>
             </a:pPr>
             <a:r>
-              <a:rPr lang="en-US" sz="3600" i="0" u="none" strike="noStrike" cap="none" dirty="0">
+              <a:rPr lang="en-US" sz="3600" b="1" i="0" u="none" strike="noStrike" cap="none" dirty="0">
                 <a:solidFill>
                   <a:schemeClr val="lt1"/>
                 </a:solidFill>
@@ -8260,7 +8271,7 @@
               <a:t>   </a:t>
             </a:r>
             <a:r>
-              <a:rPr lang="en-US" sz="3600" i="0" u="none" strike="noStrike" cap="none" dirty="0">
+              <a:rPr lang="en-US" sz="3600" b="1" i="0" u="none" strike="noStrike" cap="none" dirty="0">
                 <a:solidFill>
                   <a:srgbClr val="FFFF00"/>
                 </a:solidFill>
@@ -8272,7 +8283,7 @@
               <a:t> if</a:t>
             </a:r>
             <a:r>
-              <a:rPr lang="en-US" sz="3600" i="0" u="none" strike="noStrike" cap="none" dirty="0">
+              <a:rPr lang="en-US" sz="3600" b="1" i="0" u="none" strike="noStrike" cap="none" dirty="0">
                 <a:solidFill>
                   <a:schemeClr val="lt1"/>
                 </a:solidFill>
@@ -8284,7 +8295,7 @@
               <a:t> </a:t>
             </a:r>
             <a:r>
-              <a:rPr lang="en-US" sz="3600" i="0" u="none" strike="noStrike" cap="none" dirty="0">
+              <a:rPr lang="en-US" sz="3600" b="1" i="0" u="none" strike="noStrike" cap="none" dirty="0">
                 <a:solidFill>
                   <a:srgbClr val="00FF00"/>
                 </a:solidFill>
@@ -8296,7 +8307,7 @@
               <a:t>letter</a:t>
             </a:r>
             <a:r>
-              <a:rPr lang="en-US" sz="3600" i="0" u="none" strike="noStrike" cap="none" dirty="0">
+              <a:rPr lang="en-US" sz="3600" b="1" i="0" u="none" strike="noStrike" cap="none" dirty="0">
                 <a:solidFill>
                   <a:schemeClr val="lt1"/>
                 </a:solidFill>
@@ -8308,7 +8319,7 @@
               <a:t> </a:t>
             </a:r>
             <a:r>
-              <a:rPr lang="en-US" sz="3600" i="0" u="none" strike="noStrike" cap="none" dirty="0">
+              <a:rPr lang="en-US" sz="3600" b="1" i="0" u="none" strike="noStrike" cap="none" dirty="0">
                 <a:solidFill>
                   <a:srgbClr val="00FFFF"/>
                 </a:solidFill>
@@ -8320,7 +8331,7 @@
               <a:t>==</a:t>
             </a:r>
             <a:r>
-              <a:rPr lang="en-US" sz="3600" i="0" u="none" strike="noStrike" cap="none" dirty="0">
+              <a:rPr lang="en-US" sz="3600" b="1" i="0" u="none" strike="noStrike" cap="none" dirty="0">
                 <a:solidFill>
                   <a:schemeClr val="lt1"/>
                 </a:solidFill>
@@ -8332,7 +8343,7 @@
               <a:t> </a:t>
             </a:r>
             <a:r>
-              <a:rPr lang="en-US" sz="3600" i="0" u="none" strike="noStrike" cap="none" dirty="0">
+              <a:rPr lang="en-US" sz="3600" b="1" i="0" u="none" strike="noStrike" cap="none" dirty="0">
                 <a:solidFill>
                   <a:srgbClr val="FF7F00"/>
                 </a:solidFill>
@@ -8344,7 +8355,7 @@
               <a:t>'a' </a:t>
             </a:r>
             <a:r>
-              <a:rPr lang="en-US" sz="3600" i="0" u="none" strike="noStrike" cap="none" dirty="0">
+              <a:rPr lang="en-US" sz="3600" b="1" i="0" u="none" strike="noStrike" cap="none" dirty="0">
                 <a:solidFill>
                   <a:schemeClr val="lt1"/>
                 </a:solidFill>
@@ -8356,7 +8367,7 @@
               <a:t>:</a:t>
             </a:r>
             <a:r>
-              <a:rPr lang="en-US" sz="3600" i="0" u="none" strike="noStrike" cap="none" dirty="0">
+              <a:rPr lang="en-US" sz="3600" b="1" i="0" u="none" strike="noStrike" cap="none" dirty="0">
                 <a:solidFill>
                   <a:srgbClr val="00FF00"/>
                 </a:solidFill>
@@ -8387,7 +8398,7 @@
               <a:buNone/>
             </a:pPr>
             <a:r>
-              <a:rPr lang="en-US" sz="3600" i="0" u="none" strike="noStrike" cap="none" dirty="0">
+              <a:rPr lang="en-US" sz="3600" b="1" i="0" u="none" strike="noStrike" cap="none" dirty="0">
                 <a:solidFill>
                   <a:srgbClr val="00FF00"/>
                 </a:solidFill>
@@ -8399,7 +8410,7 @@
               <a:t>       count </a:t>
             </a:r>
             <a:r>
-              <a:rPr lang="en-US" sz="3600" i="0" u="none" strike="noStrike" cap="none" dirty="0">
+              <a:rPr lang="en-US" sz="3600" b="1" i="0" u="none" strike="noStrike" cap="none" dirty="0">
                 <a:solidFill>
                   <a:schemeClr val="lt1"/>
                 </a:solidFill>
@@ -8411,7 +8422,7 @@
               <a:t>= </a:t>
             </a:r>
             <a:r>
-              <a:rPr lang="en-US" sz="3600" i="0" u="none" strike="noStrike" cap="none" dirty="0">
+              <a:rPr lang="en-US" sz="3600" b="1" i="0" u="none" strike="noStrike" cap="none" dirty="0">
                 <a:solidFill>
                   <a:srgbClr val="00FF00"/>
                 </a:solidFill>
@@ -8423,7 +8434,7 @@
               <a:t>count </a:t>
             </a:r>
             <a:r>
-              <a:rPr lang="en-US" sz="3600" i="0" u="none" strike="noStrike" cap="none" dirty="0">
+              <a:rPr lang="en-US" sz="3600" b="1" i="0" u="none" strike="noStrike" cap="none" dirty="0">
                 <a:solidFill>
                   <a:srgbClr val="00FFFF"/>
                 </a:solidFill>
@@ -8435,7 +8446,7 @@
               <a:t>+</a:t>
             </a:r>
             <a:r>
-              <a:rPr lang="en-US" sz="3600" i="0" u="none" strike="noStrike" cap="none" dirty="0">
+              <a:rPr lang="en-US" sz="3600" b="1" i="0" u="none" strike="noStrike" cap="none" dirty="0">
                 <a:solidFill>
                   <a:srgbClr val="00FF00"/>
                 </a:solidFill>
@@ -8447,7 +8458,7 @@
               <a:t> </a:t>
             </a:r>
             <a:r>
-              <a:rPr lang="en-US" sz="3600" i="0" u="none" strike="noStrike" cap="none" dirty="0">
+              <a:rPr lang="en-US" sz="3600" b="1" i="0" u="none" strike="noStrike" cap="none" dirty="0">
                 <a:solidFill>
                   <a:srgbClr val="FF7F00"/>
                 </a:solidFill>
@@ -8478,7 +8489,7 @@
               <a:buNone/>
             </a:pPr>
             <a:r>
-              <a:rPr lang="en-US" sz="3600" i="0" u="none" strike="noStrike" cap="none" dirty="0" smtClean="0">
+              <a:rPr lang="en-US" sz="3600" b="1" i="0" u="none" strike="noStrike" cap="none" dirty="0" smtClean="0">
                 <a:solidFill>
                   <a:srgbClr val="FFFF00"/>
                 </a:solidFill>
@@ -8490,7 +8501,7 @@
               <a:t>print</a:t>
             </a:r>
             <a:r>
-              <a:rPr lang="en-US" sz="3600" dirty="0" smtClean="0">
+              <a:rPr lang="en-US" sz="3600" b="1" dirty="0" smtClean="0">
                 <a:solidFill>
                   <a:schemeClr val="lt1"/>
                 </a:solidFill>
@@ -8502,7 +8513,7 @@
               <a:t>(</a:t>
             </a:r>
             <a:r>
-              <a:rPr lang="en-US" sz="3600" i="0" u="none" strike="noStrike" cap="none" dirty="0" smtClean="0">
+              <a:rPr lang="en-US" sz="3600" b="1" i="0" u="none" strike="noStrike" cap="none" dirty="0" smtClean="0">
                 <a:solidFill>
                   <a:srgbClr val="00FF00"/>
                 </a:solidFill>
@@ -8514,7 +8525,7 @@
               <a:t>count</a:t>
             </a:r>
             <a:r>
-              <a:rPr lang="en-US" sz="3600" i="0" u="none" strike="noStrike" cap="none" dirty="0" smtClean="0">
+              <a:rPr lang="en-US" sz="3600" b="1" i="0" u="none" strike="noStrike" cap="none" dirty="0" smtClean="0">
                 <a:solidFill>
                   <a:schemeClr val="bg1"/>
                 </a:solidFill>
@@ -8525,7 +8536,7 @@
               </a:rPr>
               <a:t>)</a:t>
             </a:r>
-            <a:endParaRPr lang="en-US" sz="3600" i="0" u="none" strike="noStrike" cap="none" dirty="0">
+            <a:endParaRPr lang="en-US" sz="3600" b="1" i="0" u="none" strike="noStrike" cap="none" dirty="0">
               <a:solidFill>
                 <a:schemeClr val="bg1"/>
               </a:solidFill>
@@ -9001,7 +9012,7 @@
               <a:buNone/>
             </a:pPr>
             <a:r>
-              <a:rPr lang="en-US" sz="3600" i="0" u="none" strike="noStrike" cap="none" dirty="0">
+              <a:rPr lang="en-US" sz="3600" b="1" i="0" u="none" strike="noStrike" cap="none" dirty="0">
                 <a:solidFill>
                   <a:srgbClr val="FFFF00"/>
                 </a:solidFill>
@@ -9013,7 +9024,7 @@
               <a:t>for</a:t>
             </a:r>
             <a:r>
-              <a:rPr lang="en-US" sz="3600" i="0" u="none" strike="noStrike" cap="none" dirty="0">
+              <a:rPr lang="en-US" sz="3600" b="1" i="0" u="none" strike="noStrike" cap="none" dirty="0">
                 <a:solidFill>
                   <a:schemeClr val="lt1"/>
                 </a:solidFill>
@@ -9025,7 +9036,7 @@
               <a:t> </a:t>
             </a:r>
             <a:r>
-              <a:rPr lang="en-US" sz="3600" i="0" u="none" strike="noStrike" cap="none" dirty="0">
+              <a:rPr lang="en-US" sz="3600" b="1" i="0" u="none" strike="noStrike" cap="none" dirty="0">
                 <a:solidFill>
                   <a:srgbClr val="00FF00"/>
                 </a:solidFill>
@@ -9037,7 +9048,7 @@
               <a:t>letter</a:t>
             </a:r>
             <a:r>
-              <a:rPr lang="en-US" sz="3600" i="0" u="none" strike="noStrike" cap="none" dirty="0">
+              <a:rPr lang="en-US" sz="3600" b="1" i="0" u="none" strike="noStrike" cap="none" dirty="0">
                 <a:solidFill>
                   <a:schemeClr val="lt1"/>
                 </a:solidFill>
@@ -9049,7 +9060,7 @@
               <a:t> </a:t>
             </a:r>
             <a:r>
-              <a:rPr lang="en-US" sz="3600" i="0" u="none" strike="noStrike" cap="none" dirty="0">
+              <a:rPr lang="en-US" sz="3600" b="1" i="0" u="none" strike="noStrike" cap="none" dirty="0">
                 <a:solidFill>
                   <a:srgbClr val="FFFF00"/>
                 </a:solidFill>
@@ -9061,7 +9072,7 @@
               <a:t>in</a:t>
             </a:r>
             <a:r>
-              <a:rPr lang="en-US" sz="3600" i="0" u="none" strike="noStrike" cap="none" dirty="0">
+              <a:rPr lang="en-US" sz="3600" b="1" i="0" u="none" strike="noStrike" cap="none" dirty="0">
                 <a:solidFill>
                   <a:schemeClr val="lt1"/>
                 </a:solidFill>
@@ -9073,7 +9084,7 @@
               <a:t> </a:t>
             </a:r>
             <a:r>
-              <a:rPr lang="en-US" sz="3600" i="0" u="none" strike="noStrike" cap="none" dirty="0">
+              <a:rPr lang="en-US" sz="3600" b="1" i="0" u="none" strike="noStrike" cap="none" dirty="0">
                 <a:solidFill>
                   <a:srgbClr val="FF7F00"/>
                 </a:solidFill>
@@ -9085,7 +9096,7 @@
               <a:t>'banana'</a:t>
             </a:r>
             <a:r>
-              <a:rPr lang="en-US" sz="3600" i="0" u="none" strike="noStrike" cap="none" dirty="0">
+              <a:rPr lang="en-US" sz="3600" b="1" i="0" u="none" strike="noStrike" cap="none" dirty="0">
                 <a:solidFill>
                   <a:srgbClr val="00FF00"/>
                 </a:solidFill>
@@ -9097,7 +9108,7 @@
               <a:t> </a:t>
             </a:r>
             <a:r>
-              <a:rPr lang="en-US" sz="3600" i="0" u="none" strike="noStrike" cap="none" dirty="0">
+              <a:rPr lang="en-US" sz="3600" b="1" i="0" u="none" strike="noStrike" cap="none" dirty="0">
                 <a:solidFill>
                   <a:schemeClr val="lt1"/>
                 </a:solidFill>
@@ -9128,7 +9139,7 @@
               <a:buNone/>
             </a:pPr>
             <a:r>
-              <a:rPr lang="en-US" sz="3600" i="0" u="none" strike="noStrike" cap="none" dirty="0">
+              <a:rPr lang="en-US" sz="3600" b="1" i="0" u="none" strike="noStrike" cap="none" dirty="0">
                 <a:solidFill>
                   <a:schemeClr val="lt1"/>
                 </a:solidFill>
@@ -9140,7 +9151,7 @@
               <a:t>     </a:t>
             </a:r>
             <a:r>
-              <a:rPr lang="en-US" sz="3600" i="0" u="none" strike="noStrike" cap="none" dirty="0">
+              <a:rPr lang="en-US" sz="3600" b="1" i="0" u="none" strike="noStrike" cap="none" dirty="0">
                 <a:solidFill>
                   <a:srgbClr val="FF00FF"/>
                 </a:solidFill>
@@ -9152,7 +9163,7 @@
               <a:t> </a:t>
             </a:r>
             <a:r>
-              <a:rPr lang="en-US" sz="3600" i="0" u="none" strike="noStrike" cap="none" dirty="0" smtClean="0">
+              <a:rPr lang="en-US" sz="3600" b="1" i="0" u="none" strike="noStrike" cap="none" dirty="0" smtClean="0">
                 <a:solidFill>
                   <a:srgbClr val="FF00FF"/>
                 </a:solidFill>
@@ -9163,7 +9174,7 @@
               </a:rPr>
               <a:t>print(letter)</a:t>
             </a:r>
-            <a:endParaRPr lang="en-US" sz="3600" i="0" u="none" strike="noStrike" cap="none" dirty="0">
+            <a:endParaRPr lang="en-US" sz="3600" b="1" i="0" u="none" strike="noStrike" cap="none" dirty="0">
               <a:solidFill>
                 <a:srgbClr val="FF00FF"/>
               </a:solidFill>
@@ -9938,7 +9949,7 @@
               <a:buNone/>
             </a:pPr>
             <a:r>
-              <a:rPr lang="en-US" sz="3600" i="0" u="none" strike="noStrike" cap="none" dirty="0">
+              <a:rPr lang="en-US" sz="3600" b="1" i="0" u="none" strike="noStrike" cap="none" dirty="0">
                 <a:solidFill>
                   <a:srgbClr val="FFFF00"/>
                 </a:solidFill>
@@ -9950,7 +9961,7 @@
               <a:t>for</a:t>
             </a:r>
             <a:r>
-              <a:rPr lang="en-US" sz="3600" i="0" u="none" strike="noStrike" cap="none" dirty="0">
+              <a:rPr lang="en-US" sz="3600" b="1" i="0" u="none" strike="noStrike" cap="none" dirty="0">
                 <a:solidFill>
                   <a:schemeClr val="lt1"/>
                 </a:solidFill>
@@ -9962,7 +9973,7 @@
               <a:t> </a:t>
             </a:r>
             <a:r>
-              <a:rPr lang="en-US" sz="3600" i="0" u="none" strike="noStrike" cap="none" dirty="0">
+              <a:rPr lang="en-US" sz="3600" b="1" i="0" u="none" strike="noStrike" cap="none" dirty="0">
                 <a:solidFill>
                   <a:srgbClr val="00FF00"/>
                 </a:solidFill>
@@ -9974,7 +9985,7 @@
               <a:t>letter</a:t>
             </a:r>
             <a:r>
-              <a:rPr lang="en-US" sz="3600" i="0" u="none" strike="noStrike" cap="none" dirty="0">
+              <a:rPr lang="en-US" sz="3600" b="1" i="0" u="none" strike="noStrike" cap="none" dirty="0">
                 <a:solidFill>
                   <a:schemeClr val="lt1"/>
                 </a:solidFill>
@@ -9986,7 +9997,7 @@
               <a:t> </a:t>
             </a:r>
             <a:r>
-              <a:rPr lang="en-US" sz="3600" i="0" u="none" strike="noStrike" cap="none" dirty="0">
+              <a:rPr lang="en-US" sz="3600" b="1" i="0" u="none" strike="noStrike" cap="none" dirty="0">
                 <a:solidFill>
                   <a:srgbClr val="FFFF00"/>
                 </a:solidFill>
@@ -9998,7 +10009,7 @@
               <a:t>in</a:t>
             </a:r>
             <a:r>
-              <a:rPr lang="en-US" sz="3600" i="0" u="none" strike="noStrike" cap="none" dirty="0">
+              <a:rPr lang="en-US" sz="3600" b="1" i="0" u="none" strike="noStrike" cap="none" dirty="0">
                 <a:solidFill>
                   <a:schemeClr val="lt1"/>
                 </a:solidFill>
@@ -10010,7 +10021,7 @@
               <a:t> </a:t>
             </a:r>
             <a:r>
-              <a:rPr lang="en-US" sz="3600" i="0" u="none" strike="noStrike" cap="none" dirty="0">
+              <a:rPr lang="en-US" sz="3600" b="1" i="0" u="none" strike="noStrike" cap="none" dirty="0">
                 <a:solidFill>
                   <a:srgbClr val="FF7F00"/>
                 </a:solidFill>
@@ -10022,7 +10033,7 @@
               <a:t>'banana'</a:t>
             </a:r>
             <a:r>
-              <a:rPr lang="en-US" sz="3600" i="0" u="none" strike="noStrike" cap="none" dirty="0">
+              <a:rPr lang="en-US" sz="3600" b="1" i="0" u="none" strike="noStrike" cap="none" dirty="0">
                 <a:solidFill>
                   <a:srgbClr val="00FF00"/>
                 </a:solidFill>
@@ -10034,7 +10045,7 @@
               <a:t> </a:t>
             </a:r>
             <a:r>
-              <a:rPr lang="en-US" sz="3600" i="0" u="none" strike="noStrike" cap="none" dirty="0">
+              <a:rPr lang="en-US" sz="3600" b="1" i="0" u="none" strike="noStrike" cap="none" dirty="0">
                 <a:solidFill>
                   <a:schemeClr val="lt1"/>
                 </a:solidFill>
@@ -10065,7 +10076,7 @@
               <a:buNone/>
             </a:pPr>
             <a:r>
-              <a:rPr lang="en-US" sz="3600" i="0" u="none" strike="noStrike" cap="none" dirty="0">
+              <a:rPr lang="en-US" sz="3600" b="1" i="0" u="none" strike="noStrike" cap="none" dirty="0">
                 <a:solidFill>
                   <a:srgbClr val="FF00FF"/>
                 </a:solidFill>
@@ -10077,7 +10088,7 @@
               <a:t>    </a:t>
             </a:r>
             <a:r>
-              <a:rPr lang="en-US" sz="3600" i="0" u="none" strike="noStrike" cap="none" dirty="0" smtClean="0">
+              <a:rPr lang="en-US" sz="3600" b="1" i="0" u="none" strike="noStrike" cap="none" dirty="0" smtClean="0">
                 <a:solidFill>
                   <a:srgbClr val="FF00FF"/>
                 </a:solidFill>
@@ -10088,7 +10099,7 @@
               </a:rPr>
               <a:t>print(letter)</a:t>
             </a:r>
-            <a:endParaRPr lang="en-US" sz="3600" i="0" u="none" strike="noStrike" cap="none" dirty="0">
+            <a:endParaRPr lang="en-US" sz="3600" b="1" i="0" u="none" strike="noStrike" cap="none" dirty="0">
               <a:solidFill>
                 <a:srgbClr val="FF00FF"/>
               </a:solidFill>
@@ -11074,7 +11085,7 @@
               <a:buNone/>
             </a:pPr>
             <a:r>
-              <a:rPr lang="en-US" sz="3600" i="0" u="none" strike="noStrike" cap="none" dirty="0">
+              <a:rPr lang="en-US" sz="3600" b="1" i="0" u="none" strike="noStrike" cap="none" dirty="0">
                 <a:solidFill>
                   <a:schemeClr val="lt1"/>
                 </a:solidFill>
@@ -11086,7 +11097,7 @@
               <a:t>&gt;&gt;&gt; </a:t>
             </a:r>
             <a:r>
-              <a:rPr lang="en-US" sz="3600" i="0" u="none" strike="noStrike" cap="none" dirty="0">
+              <a:rPr lang="en-US" sz="3600" b="1" i="0" u="none" strike="noStrike" cap="none" dirty="0">
                 <a:solidFill>
                   <a:srgbClr val="00FF00"/>
                 </a:solidFill>
@@ -11098,7 +11109,7 @@
               <a:t>s</a:t>
             </a:r>
             <a:r>
-              <a:rPr lang="en-US" sz="3600" i="0" u="none" strike="noStrike" cap="none" dirty="0">
+              <a:rPr lang="en-US" sz="3600" b="1" i="0" u="none" strike="noStrike" cap="none" dirty="0">
                 <a:solidFill>
                   <a:schemeClr val="lt1"/>
                 </a:solidFill>
@@ -11110,7 +11121,7 @@
               <a:t> = </a:t>
             </a:r>
             <a:r>
-              <a:rPr lang="en-US" sz="3600" i="0" u="none" strike="noStrike" cap="none" dirty="0">
+              <a:rPr lang="en-US" sz="3600" b="1" i="0" u="none" strike="noStrike" cap="none" dirty="0">
                 <a:solidFill>
                   <a:srgbClr val="FF7F00"/>
                 </a:solidFill>
@@ -11141,7 +11152,7 @@
               <a:buNone/>
             </a:pPr>
             <a:r>
-              <a:rPr lang="en-US" sz="3600" i="0" u="none" strike="noStrike" cap="none" dirty="0">
+              <a:rPr lang="en-US" sz="3600" b="1" i="0" u="none" strike="noStrike" cap="none" dirty="0">
                 <a:solidFill>
                   <a:schemeClr val="lt1"/>
                 </a:solidFill>
@@ -11153,7 +11164,7 @@
               <a:t>&gt;&gt;&gt; </a:t>
             </a:r>
             <a:r>
-              <a:rPr lang="en-US" sz="3600" i="0" u="none" strike="noStrike" cap="none" dirty="0" smtClean="0">
+              <a:rPr lang="en-US" sz="3600" b="1" i="0" u="none" strike="noStrike" cap="none" dirty="0" smtClean="0">
                 <a:solidFill>
                   <a:srgbClr val="FFFF00"/>
                 </a:solidFill>
@@ -11165,7 +11176,7 @@
               <a:t>print</a:t>
             </a:r>
             <a:r>
-              <a:rPr lang="en-US" sz="3600" dirty="0">
+              <a:rPr lang="en-US" sz="3600" b="1" dirty="0">
                 <a:solidFill>
                   <a:schemeClr val="lt1"/>
                 </a:solidFill>
@@ -11177,7 +11188,7 @@
               <a:t>(</a:t>
             </a:r>
             <a:r>
-              <a:rPr lang="en-US" sz="3600" i="0" u="none" strike="noStrike" cap="none" dirty="0" smtClean="0">
+              <a:rPr lang="en-US" sz="3600" b="1" i="0" u="none" strike="noStrike" cap="none" dirty="0" smtClean="0">
                 <a:solidFill>
                   <a:srgbClr val="00FF00"/>
                 </a:solidFill>
@@ -11189,7 +11200,7 @@
               <a:t>s</a:t>
             </a:r>
             <a:r>
-              <a:rPr lang="en-US" sz="3600" i="0" u="none" strike="noStrike" cap="none" dirty="0" smtClean="0">
+              <a:rPr lang="en-US" sz="3600" b="1" i="0" u="none" strike="noStrike" cap="none" dirty="0" smtClean="0">
                 <a:solidFill>
                   <a:srgbClr val="00FFFF"/>
                 </a:solidFill>
@@ -11201,7 +11212,7 @@
               <a:t>[</a:t>
             </a:r>
             <a:r>
-              <a:rPr lang="en-US" sz="3600" i="0" u="none" strike="noStrike" cap="none" dirty="0" smtClean="0">
+              <a:rPr lang="en-US" sz="3600" b="1" i="0" u="none" strike="noStrike" cap="none" dirty="0" smtClean="0">
                 <a:solidFill>
                   <a:srgbClr val="FF7F00"/>
                 </a:solidFill>
@@ -11213,7 +11224,7 @@
               <a:t>0</a:t>
             </a:r>
             <a:r>
-              <a:rPr lang="en-US" sz="3600" i="0" u="none" strike="noStrike" cap="none" dirty="0" smtClean="0">
+              <a:rPr lang="en-US" sz="3600" b="1" i="0" u="none" strike="noStrike" cap="none" dirty="0" smtClean="0">
                 <a:solidFill>
                   <a:schemeClr val="lt1"/>
                 </a:solidFill>
@@ -11225,7 +11236,7 @@
               <a:t>:</a:t>
             </a:r>
             <a:r>
-              <a:rPr lang="en-US" sz="3600" i="0" u="none" strike="noStrike" cap="none" dirty="0" smtClean="0">
+              <a:rPr lang="en-US" sz="3600" b="1" i="0" u="none" strike="noStrike" cap="none" dirty="0" smtClean="0">
                 <a:solidFill>
                   <a:srgbClr val="FF7F00"/>
                 </a:solidFill>
@@ -11237,7 +11248,7 @@
               <a:t>4</a:t>
             </a:r>
             <a:r>
-              <a:rPr lang="en-US" sz="3600" i="0" u="none" strike="noStrike" cap="none" dirty="0" smtClean="0">
+              <a:rPr lang="en-US" sz="3600" b="1" i="0" u="none" strike="noStrike" cap="none" dirty="0" smtClean="0">
                 <a:solidFill>
                   <a:srgbClr val="00FFFF"/>
                 </a:solidFill>
@@ -11249,7 +11260,7 @@
               <a:t>]</a:t>
             </a:r>
             <a:r>
-              <a:rPr lang="en-US" sz="3600" i="0" u="none" strike="noStrike" cap="none" dirty="0" smtClean="0">
+              <a:rPr lang="en-US" sz="3600" b="1" i="0" u="none" strike="noStrike" cap="none" dirty="0" smtClean="0">
                 <a:solidFill>
                   <a:schemeClr val="bg1"/>
                 </a:solidFill>
@@ -11260,7 +11271,7 @@
               </a:rPr>
               <a:t>)</a:t>
             </a:r>
-            <a:endParaRPr lang="en-US" sz="3600" i="0" u="none" strike="noStrike" cap="none" dirty="0">
+            <a:endParaRPr lang="en-US" sz="3600" b="1" i="0" u="none" strike="noStrike" cap="none" dirty="0">
               <a:solidFill>
                 <a:schemeClr val="bg1"/>
               </a:solidFill>
@@ -11289,7 +11300,7 @@
               <a:buNone/>
             </a:pPr>
             <a:r>
-              <a:rPr lang="en-US" sz="3600" i="0" u="none" strike="noStrike" cap="none" dirty="0">
+              <a:rPr lang="en-US" sz="3600" b="1" i="0" u="none" strike="noStrike" cap="none" dirty="0">
                 <a:solidFill>
                   <a:schemeClr val="lt1"/>
                 </a:solidFill>
@@ -11320,7 +11331,7 @@
               <a:buNone/>
             </a:pPr>
             <a:r>
-              <a:rPr lang="en-US" sz="3600" i="0" u="none" strike="noStrike" cap="none" dirty="0">
+              <a:rPr lang="en-US" sz="3600" b="1" i="0" u="none" strike="noStrike" cap="none" dirty="0">
                 <a:solidFill>
                   <a:schemeClr val="lt1"/>
                 </a:solidFill>
@@ -11332,7 +11343,7 @@
               <a:t>&gt;&gt;&gt; </a:t>
             </a:r>
             <a:r>
-              <a:rPr lang="en-US" sz="3600" i="0" u="none" strike="noStrike" cap="none" dirty="0" smtClean="0">
+              <a:rPr lang="en-US" sz="3600" b="1" i="0" u="none" strike="noStrike" cap="none" dirty="0" smtClean="0">
                 <a:solidFill>
                   <a:srgbClr val="FFFF00"/>
                 </a:solidFill>
@@ -11344,7 +11355,7 @@
               <a:t>print</a:t>
             </a:r>
             <a:r>
-              <a:rPr lang="en-US" sz="3600" dirty="0">
+              <a:rPr lang="en-US" sz="3600" b="1" dirty="0">
                 <a:solidFill>
                   <a:schemeClr val="lt1"/>
                 </a:solidFill>
@@ -11356,7 +11367,7 @@
               <a:t>(</a:t>
             </a:r>
             <a:r>
-              <a:rPr lang="en-US" sz="3600" i="0" u="none" strike="noStrike" cap="none" dirty="0" smtClean="0">
+              <a:rPr lang="en-US" sz="3600" b="1" i="0" u="none" strike="noStrike" cap="none" dirty="0" smtClean="0">
                 <a:solidFill>
                   <a:srgbClr val="00FF00"/>
                 </a:solidFill>
@@ -11368,7 +11379,7 @@
               <a:t>s</a:t>
             </a:r>
             <a:r>
-              <a:rPr lang="en-US" sz="3600" i="0" u="none" strike="noStrike" cap="none" dirty="0" smtClean="0">
+              <a:rPr lang="en-US" sz="3600" b="1" i="0" u="none" strike="noStrike" cap="none" dirty="0" smtClean="0">
                 <a:solidFill>
                   <a:srgbClr val="00FFFF"/>
                 </a:solidFill>
@@ -11380,7 +11391,7 @@
               <a:t>[</a:t>
             </a:r>
             <a:r>
-              <a:rPr lang="en-US" sz="3600" i="0" u="none" strike="noStrike" cap="none" dirty="0" smtClean="0">
+              <a:rPr lang="en-US" sz="3600" b="1" i="0" u="none" strike="noStrike" cap="none" dirty="0" smtClean="0">
                 <a:solidFill>
                   <a:srgbClr val="FF7F00"/>
                 </a:solidFill>
@@ -11392,7 +11403,7 @@
               <a:t>6:7</a:t>
             </a:r>
             <a:r>
-              <a:rPr lang="en-US" sz="3600" i="0" u="none" strike="noStrike" cap="none" dirty="0" smtClean="0">
+              <a:rPr lang="en-US" sz="3600" b="1" i="0" u="none" strike="noStrike" cap="none" dirty="0" smtClean="0">
                 <a:solidFill>
                   <a:srgbClr val="00FFFF"/>
                 </a:solidFill>
@@ -11404,7 +11415,7 @@
               <a:t>]</a:t>
             </a:r>
             <a:r>
-              <a:rPr lang="en-US" sz="3600" i="0" u="none" strike="noStrike" cap="none" dirty="0" smtClean="0">
+              <a:rPr lang="en-US" sz="3600" b="1" i="0" u="none" strike="noStrike" cap="none" dirty="0" smtClean="0">
                 <a:solidFill>
                   <a:schemeClr val="bg1"/>
                 </a:solidFill>
@@ -11415,7 +11426,7 @@
               </a:rPr>
               <a:t>)</a:t>
             </a:r>
-            <a:endParaRPr lang="en-US" sz="3600" i="0" u="none" strike="noStrike" cap="none" dirty="0">
+            <a:endParaRPr lang="en-US" sz="3600" b="1" i="0" u="none" strike="noStrike" cap="none" dirty="0">
               <a:solidFill>
                 <a:schemeClr val="bg1"/>
               </a:solidFill>
@@ -11444,7 +11455,7 @@
               <a:buNone/>
             </a:pPr>
             <a:r>
-              <a:rPr lang="en-US" sz="3600" i="0" u="none" strike="noStrike" cap="none" dirty="0">
+              <a:rPr lang="en-US" sz="3600" b="1" i="0" u="none" strike="noStrike" cap="none" dirty="0">
                 <a:solidFill>
                   <a:schemeClr val="lt1"/>
                 </a:solidFill>
@@ -11475,7 +11486,7 @@
               <a:buNone/>
             </a:pPr>
             <a:r>
-              <a:rPr lang="en-US" sz="3600" i="0" u="none" strike="noStrike" cap="none" dirty="0">
+              <a:rPr lang="en-US" sz="3600" b="1" i="0" u="none" strike="noStrike" cap="none" dirty="0">
                 <a:solidFill>
                   <a:schemeClr val="lt1"/>
                 </a:solidFill>
@@ -11487,7 +11498,7 @@
               <a:t>&gt;&gt;&gt; </a:t>
             </a:r>
             <a:r>
-              <a:rPr lang="en-US" sz="3600" i="0" u="none" strike="noStrike" cap="none" dirty="0" smtClean="0">
+              <a:rPr lang="en-US" sz="3600" b="1" i="0" u="none" strike="noStrike" cap="none" dirty="0" smtClean="0">
                 <a:solidFill>
                   <a:srgbClr val="FFFF00"/>
                 </a:solidFill>
@@ -11499,7 +11510,7 @@
               <a:t>print</a:t>
             </a:r>
             <a:r>
-              <a:rPr lang="en-US" sz="3600" dirty="0">
+              <a:rPr lang="en-US" sz="3600" b="1" dirty="0">
                 <a:solidFill>
                   <a:schemeClr val="lt1"/>
                 </a:solidFill>
@@ -11511,7 +11522,7 @@
               <a:t>(</a:t>
             </a:r>
             <a:r>
-              <a:rPr lang="en-US" sz="3600" i="0" u="none" strike="noStrike" cap="none" dirty="0" smtClean="0">
+              <a:rPr lang="en-US" sz="3600" b="1" i="0" u="none" strike="noStrike" cap="none" dirty="0" smtClean="0">
                 <a:solidFill>
                   <a:srgbClr val="00FF00"/>
                 </a:solidFill>
@@ -11523,7 +11534,7 @@
               <a:t>s</a:t>
             </a:r>
             <a:r>
-              <a:rPr lang="en-US" sz="3600" i="0" u="none" strike="noStrike" cap="none" dirty="0" smtClean="0">
+              <a:rPr lang="en-US" sz="3600" b="1" i="0" u="none" strike="noStrike" cap="none" dirty="0" smtClean="0">
                 <a:solidFill>
                   <a:srgbClr val="00FFFF"/>
                 </a:solidFill>
@@ -11535,7 +11546,7 @@
               <a:t>[</a:t>
             </a:r>
             <a:r>
-              <a:rPr lang="en-US" sz="3600" i="0" u="none" strike="noStrike" cap="none" dirty="0" smtClean="0">
+              <a:rPr lang="en-US" sz="3600" b="1" i="0" u="none" strike="noStrike" cap="none" dirty="0" smtClean="0">
                 <a:solidFill>
                   <a:srgbClr val="FF7F00"/>
                 </a:solidFill>
@@ -11547,7 +11558,7 @@
               <a:t>6</a:t>
             </a:r>
             <a:r>
-              <a:rPr lang="en-US" sz="3600" i="0" u="none" strike="noStrike" cap="none" dirty="0" smtClean="0">
+              <a:rPr lang="en-US" sz="3600" b="1" i="0" u="none" strike="noStrike" cap="none" dirty="0" smtClean="0">
                 <a:solidFill>
                   <a:srgbClr val="00FFFF"/>
                 </a:solidFill>
@@ -11559,7 +11570,7 @@
               <a:t>:</a:t>
             </a:r>
             <a:r>
-              <a:rPr lang="en-US" sz="3600" i="0" u="none" strike="noStrike" cap="none" dirty="0" smtClean="0">
+              <a:rPr lang="en-US" sz="3600" b="1" i="0" u="none" strike="noStrike" cap="none" dirty="0" smtClean="0">
                 <a:solidFill>
                   <a:srgbClr val="FF7F00"/>
                 </a:solidFill>
@@ -11571,7 +11582,7 @@
               <a:t>20</a:t>
             </a:r>
             <a:r>
-              <a:rPr lang="en-US" sz="3600" i="0" u="none" strike="noStrike" cap="none" dirty="0" smtClean="0">
+              <a:rPr lang="en-US" sz="3600" b="1" i="0" u="none" strike="noStrike" cap="none" dirty="0" smtClean="0">
                 <a:solidFill>
                   <a:srgbClr val="00FFFF"/>
                 </a:solidFill>
@@ -11583,7 +11594,7 @@
               <a:t>]</a:t>
             </a:r>
             <a:r>
-              <a:rPr lang="en-US" sz="3600" i="0" u="none" strike="noStrike" cap="none" dirty="0" smtClean="0">
+              <a:rPr lang="en-US" sz="3600" b="1" i="0" u="none" strike="noStrike" cap="none" dirty="0" smtClean="0">
                 <a:solidFill>
                   <a:schemeClr val="bg1"/>
                 </a:solidFill>
@@ -11594,7 +11605,7 @@
               </a:rPr>
               <a:t>)</a:t>
             </a:r>
-            <a:endParaRPr lang="en-US" sz="3600" i="0" u="none" strike="noStrike" cap="none" dirty="0">
+            <a:endParaRPr lang="en-US" sz="3600" b="1" i="0" u="none" strike="noStrike" cap="none" dirty="0">
               <a:solidFill>
                 <a:schemeClr val="bg1"/>
               </a:solidFill>
@@ -11623,7 +11634,7 @@
               <a:buNone/>
             </a:pPr>
             <a:r>
-              <a:rPr lang="en-US" sz="3600" i="0" u="none" strike="noStrike" cap="none" dirty="0">
+              <a:rPr lang="en-US" sz="3600" b="1" i="0" u="none" strike="noStrike" cap="none" dirty="0">
                 <a:solidFill>
                   <a:schemeClr val="lt1"/>
                 </a:solidFill>
@@ -13145,7 +13156,7 @@
               <a:buNone/>
             </a:pPr>
             <a:r>
-              <a:rPr lang="en-US" sz="3600" i="0" u="none" strike="noStrike" cap="none" dirty="0">
+              <a:rPr lang="en-US" sz="3600" b="1" i="0" u="none" strike="noStrike" cap="none" dirty="0">
                 <a:solidFill>
                   <a:schemeClr val="lt1"/>
                 </a:solidFill>
@@ -13157,7 +13168,7 @@
               <a:t>&gt;&gt;&gt; </a:t>
             </a:r>
             <a:r>
-              <a:rPr lang="en-US" sz="3600" i="0" u="none" strike="noStrike" cap="none" dirty="0">
+              <a:rPr lang="en-US" sz="3600" b="1" i="0" u="none" strike="noStrike" cap="none" dirty="0">
                 <a:solidFill>
                   <a:srgbClr val="00FF00"/>
                 </a:solidFill>
@@ -13169,7 +13180,7 @@
               <a:t>s</a:t>
             </a:r>
             <a:r>
-              <a:rPr lang="en-US" sz="3600" i="0" u="none" strike="noStrike" cap="none" dirty="0">
+              <a:rPr lang="en-US" sz="3600" b="1" i="0" u="none" strike="noStrike" cap="none" dirty="0">
                 <a:solidFill>
                   <a:schemeClr val="lt1"/>
                 </a:solidFill>
@@ -13181,7 +13192,7 @@
               <a:t> = </a:t>
             </a:r>
             <a:r>
-              <a:rPr lang="en-US" sz="3600" i="0" u="none" strike="noStrike" cap="none" dirty="0">
+              <a:rPr lang="en-US" sz="3600" b="1" i="0" u="none" strike="noStrike" cap="none" dirty="0">
                 <a:solidFill>
                   <a:srgbClr val="FF7F00"/>
                 </a:solidFill>
@@ -13212,7 +13223,7 @@
               <a:buNone/>
             </a:pPr>
             <a:r>
-              <a:rPr lang="en-US" sz="3600" i="0" u="none" strike="noStrike" cap="none" dirty="0">
+              <a:rPr lang="en-US" sz="3600" b="1" i="0" u="none" strike="noStrike" cap="none" dirty="0">
                 <a:solidFill>
                   <a:schemeClr val="lt1"/>
                 </a:solidFill>
@@ -13224,7 +13235,7 @@
               <a:t>&gt;&gt;&gt; </a:t>
             </a:r>
             <a:r>
-              <a:rPr lang="en-US" sz="3600" i="0" u="none" strike="noStrike" cap="none" dirty="0" smtClean="0">
+              <a:rPr lang="en-US" sz="3600" b="1" i="0" u="none" strike="noStrike" cap="none" dirty="0" smtClean="0">
                 <a:solidFill>
                   <a:srgbClr val="FFFF00"/>
                 </a:solidFill>
@@ -13236,7 +13247,7 @@
               <a:t>print</a:t>
             </a:r>
             <a:r>
-              <a:rPr lang="en-US" sz="3600" dirty="0">
+              <a:rPr lang="en-US" sz="3600" b="1" dirty="0">
                 <a:solidFill>
                   <a:schemeClr val="lt1"/>
                 </a:solidFill>
@@ -13248,7 +13259,7 @@
               <a:t>(</a:t>
             </a:r>
             <a:r>
-              <a:rPr lang="en-US" sz="3600" i="0" u="none" strike="noStrike" cap="none" dirty="0" smtClean="0">
+              <a:rPr lang="en-US" sz="3600" b="1" i="0" u="none" strike="noStrike" cap="none" dirty="0" smtClean="0">
                 <a:solidFill>
                   <a:srgbClr val="00FF00"/>
                 </a:solidFill>
@@ -13260,7 +13271,7 @@
               <a:t>s</a:t>
             </a:r>
             <a:r>
-              <a:rPr lang="en-US" sz="3600" i="0" u="none" strike="noStrike" cap="none" dirty="0">
+              <a:rPr lang="en-US" sz="3600" b="1" i="0" u="none" strike="noStrike" cap="none" dirty="0">
                 <a:solidFill>
                   <a:srgbClr val="00FFFF"/>
                 </a:solidFill>
@@ -13272,7 +13283,7 @@
               <a:t>[:</a:t>
             </a:r>
             <a:r>
-              <a:rPr lang="en-US" sz="3600" i="0" u="none" strike="noStrike" cap="none" dirty="0">
+              <a:rPr lang="en-US" sz="3600" b="1" i="0" u="none" strike="noStrike" cap="none" dirty="0">
                 <a:solidFill>
                   <a:srgbClr val="FF7F00"/>
                 </a:solidFill>
@@ -13284,7 +13295,7 @@
               <a:t>2</a:t>
             </a:r>
             <a:r>
-              <a:rPr lang="en-US" sz="3600" i="0" u="none" strike="noStrike" cap="none" dirty="0" smtClean="0">
+              <a:rPr lang="en-US" sz="3600" b="1" i="0" u="none" strike="noStrike" cap="none" dirty="0" smtClean="0">
                 <a:solidFill>
                   <a:srgbClr val="00FFFF"/>
                 </a:solidFill>
@@ -13296,7 +13307,7 @@
               <a:t>]</a:t>
             </a:r>
             <a:r>
-              <a:rPr lang="en-US" sz="3600" i="0" u="none" strike="noStrike" cap="none" dirty="0" smtClean="0">
+              <a:rPr lang="en-US" sz="3600" b="1" i="0" u="none" strike="noStrike" cap="none" dirty="0" smtClean="0">
                 <a:solidFill>
                   <a:schemeClr val="bg1"/>
                 </a:solidFill>
@@ -13307,7 +13318,7 @@
               </a:rPr>
               <a:t>)</a:t>
             </a:r>
-            <a:endParaRPr lang="en-US" sz="3600" i="0" u="none" strike="noStrike" cap="none" dirty="0">
+            <a:endParaRPr lang="en-US" sz="3600" b="1" i="0" u="none" strike="noStrike" cap="none" dirty="0">
               <a:solidFill>
                 <a:schemeClr val="bg1"/>
               </a:solidFill>
@@ -13336,7 +13347,7 @@
               <a:buNone/>
             </a:pPr>
             <a:r>
-              <a:rPr lang="en-US" sz="3600" i="0" u="none" strike="noStrike" cap="none" dirty="0">
+              <a:rPr lang="en-US" sz="3600" b="1" i="0" u="none" strike="noStrike" cap="none" dirty="0">
                 <a:solidFill>
                   <a:schemeClr val="lt1"/>
                 </a:solidFill>
@@ -13367,7 +13378,7 @@
               <a:buNone/>
             </a:pPr>
             <a:r>
-              <a:rPr lang="en-US" sz="3600" i="0" u="none" strike="noStrike" cap="none" dirty="0">
+              <a:rPr lang="en-US" sz="3600" b="1" i="0" u="none" strike="noStrike" cap="none" dirty="0">
                 <a:solidFill>
                   <a:schemeClr val="lt1"/>
                 </a:solidFill>
@@ -13379,7 +13390,7 @@
               <a:t>&gt;&gt;&gt; </a:t>
             </a:r>
             <a:r>
-              <a:rPr lang="en-US" sz="3600" i="0" u="none" strike="noStrike" cap="none" dirty="0" smtClean="0">
+              <a:rPr lang="en-US" sz="3600" b="1" i="0" u="none" strike="noStrike" cap="none" dirty="0" smtClean="0">
                 <a:solidFill>
                   <a:srgbClr val="FFFF00"/>
                 </a:solidFill>
@@ -13391,7 +13402,7 @@
               <a:t>print</a:t>
             </a:r>
             <a:r>
-              <a:rPr lang="en-US" sz="3600" i="0" u="none" strike="noStrike" cap="none" dirty="0" smtClean="0">
+              <a:rPr lang="en-US" sz="3600" b="1" i="0" u="none" strike="noStrike" cap="none" dirty="0" smtClean="0">
                 <a:solidFill>
                   <a:schemeClr val="lt1"/>
                 </a:solidFill>
@@ -13403,7 +13414,7 @@
               <a:t>(</a:t>
             </a:r>
             <a:r>
-              <a:rPr lang="en-US" sz="3600" i="0" u="none" strike="noStrike" cap="none" dirty="0" smtClean="0">
+              <a:rPr lang="en-US" sz="3600" b="1" i="0" u="none" strike="noStrike" cap="none" dirty="0" smtClean="0">
                 <a:solidFill>
                   <a:srgbClr val="00FF00"/>
                 </a:solidFill>
@@ -13415,7 +13426,7 @@
               <a:t>s</a:t>
             </a:r>
             <a:r>
-              <a:rPr lang="en-US" sz="3600" i="0" u="none" strike="noStrike" cap="none" dirty="0" smtClean="0">
+              <a:rPr lang="en-US" sz="3600" b="1" i="0" u="none" strike="noStrike" cap="none" dirty="0" smtClean="0">
                 <a:solidFill>
                   <a:srgbClr val="00FFFF"/>
                 </a:solidFill>
@@ -13427,7 +13438,7 @@
               <a:t>[</a:t>
             </a:r>
             <a:r>
-              <a:rPr lang="en-US" sz="3600" i="0" u="none" strike="noStrike" cap="none" dirty="0" smtClean="0">
+              <a:rPr lang="en-US" sz="3600" b="1" i="0" u="none" strike="noStrike" cap="none" dirty="0" smtClean="0">
                 <a:solidFill>
                   <a:srgbClr val="FF7F00"/>
                 </a:solidFill>
@@ -13439,7 +13450,7 @@
               <a:t>8</a:t>
             </a:r>
             <a:r>
-              <a:rPr lang="en-US" sz="3600" i="0" u="none" strike="noStrike" cap="none" dirty="0" smtClean="0">
+              <a:rPr lang="en-US" sz="3600" b="1" i="0" u="none" strike="noStrike" cap="none" dirty="0" smtClean="0">
                 <a:solidFill>
                   <a:srgbClr val="00FFFF"/>
                 </a:solidFill>
@@ -13451,7 +13462,7 @@
               <a:t>:]</a:t>
             </a:r>
             <a:r>
-              <a:rPr lang="en-US" sz="3600" i="0" u="none" strike="noStrike" cap="none" dirty="0" smtClean="0">
+              <a:rPr lang="en-US" sz="3600" b="1" i="0" u="none" strike="noStrike" cap="none" dirty="0" smtClean="0">
                 <a:solidFill>
                   <a:schemeClr val="bg1"/>
                 </a:solidFill>
@@ -13462,7 +13473,7 @@
               </a:rPr>
               <a:t>)</a:t>
             </a:r>
-            <a:endParaRPr lang="en-US" sz="3600" i="0" u="none" strike="noStrike" cap="none" dirty="0">
+            <a:endParaRPr lang="en-US" sz="3600" b="1" i="0" u="none" strike="noStrike" cap="none" dirty="0">
               <a:solidFill>
                 <a:schemeClr val="bg1"/>
               </a:solidFill>
@@ -13491,7 +13502,7 @@
               <a:buNone/>
             </a:pPr>
             <a:r>
-              <a:rPr lang="en-US" sz="3600" dirty="0">
+              <a:rPr lang="en-US" sz="3600" b="1" dirty="0">
                 <a:solidFill>
                   <a:schemeClr val="lt1"/>
                 </a:solidFill>
@@ -13503,7 +13514,7 @@
               <a:t>t</a:t>
             </a:r>
             <a:r>
-              <a:rPr lang="en-US" sz="3600" i="0" u="none" strike="noStrike" cap="none" dirty="0">
+              <a:rPr lang="en-US" sz="3600" b="1" i="0" u="none" strike="noStrike" cap="none" dirty="0">
                 <a:solidFill>
                   <a:schemeClr val="lt1"/>
                 </a:solidFill>
@@ -13534,7 +13545,7 @@
               <a:buNone/>
             </a:pPr>
             <a:r>
-              <a:rPr lang="en-US" sz="3600" i="0" u="none" strike="noStrike" cap="none" dirty="0">
+              <a:rPr lang="en-US" sz="3600" b="1" i="0" u="none" strike="noStrike" cap="none" dirty="0">
                 <a:solidFill>
                   <a:schemeClr val="lt1"/>
                 </a:solidFill>
@@ -13546,7 +13557,7 @@
               <a:t>&gt;&gt;&gt; </a:t>
             </a:r>
             <a:r>
-              <a:rPr lang="en-US" sz="3600" i="0" u="none" strike="noStrike" cap="none" dirty="0" smtClean="0">
+              <a:rPr lang="en-US" sz="3600" b="1" i="0" u="none" strike="noStrike" cap="none" dirty="0" smtClean="0">
                 <a:solidFill>
                   <a:srgbClr val="FFFF00"/>
                 </a:solidFill>
@@ -13558,7 +13569,7 @@
               <a:t>print</a:t>
             </a:r>
             <a:r>
-              <a:rPr lang="en-US" sz="3600" dirty="0">
+              <a:rPr lang="en-US" sz="3600" b="1" dirty="0">
                 <a:solidFill>
                   <a:schemeClr val="lt1"/>
                 </a:solidFill>
@@ -13570,7 +13581,7 @@
               <a:t>(</a:t>
             </a:r>
             <a:r>
-              <a:rPr lang="en-US" sz="3600" i="0" u="none" strike="noStrike" cap="none" dirty="0" smtClean="0">
+              <a:rPr lang="en-US" sz="3600" b="1" i="0" u="none" strike="noStrike" cap="none" dirty="0" smtClean="0">
                 <a:solidFill>
                   <a:srgbClr val="00FF00"/>
                 </a:solidFill>
@@ -13582,7 +13593,7 @@
               <a:t>s</a:t>
             </a:r>
             <a:r>
-              <a:rPr lang="en-US" sz="3600" i="0" u="none" strike="noStrike" cap="none" dirty="0" smtClean="0">
+              <a:rPr lang="en-US" sz="3600" b="1" i="0" u="none" strike="noStrike" cap="none" dirty="0" smtClean="0">
                 <a:solidFill>
                   <a:srgbClr val="00FFFF"/>
                 </a:solidFill>
@@ -13594,7 +13605,7 @@
               <a:t>[:]</a:t>
             </a:r>
             <a:r>
-              <a:rPr lang="en-US" sz="3600" i="0" u="none" strike="noStrike" cap="none" dirty="0" smtClean="0">
+              <a:rPr lang="en-US" sz="3600" b="1" i="0" u="none" strike="noStrike" cap="none" dirty="0" smtClean="0">
                 <a:solidFill>
                   <a:schemeClr val="bg1"/>
                 </a:solidFill>
@@ -13605,7 +13616,7 @@
               </a:rPr>
               <a:t>)</a:t>
             </a:r>
-            <a:endParaRPr lang="en-US" sz="3600" i="0" u="none" strike="noStrike" cap="none" dirty="0">
+            <a:endParaRPr lang="en-US" sz="3600" b="1" i="0" u="none" strike="noStrike" cap="none" dirty="0">
               <a:solidFill>
                 <a:schemeClr val="bg1"/>
               </a:solidFill>
@@ -13634,7 +13645,7 @@
               <a:buNone/>
             </a:pPr>
             <a:r>
-              <a:rPr lang="en-US" sz="3600" i="0" u="none" strike="noStrike" cap="none" dirty="0">
+              <a:rPr lang="en-US" sz="3600" b="1" i="0" u="none" strike="noStrike" cap="none" dirty="0">
                 <a:solidFill>
                   <a:schemeClr val="lt1"/>
                 </a:solidFill>
@@ -15450,7 +15461,7 @@
               <a:buNone/>
             </a:pPr>
             <a:r>
-              <a:rPr lang="en-US" sz="3600" i="0" u="none" strike="noStrike" cap="none" dirty="0">
+              <a:rPr lang="en-US" sz="3600" b="1" i="0" u="none" strike="noStrike" cap="none" dirty="0">
                 <a:solidFill>
                   <a:schemeClr val="lt1"/>
                 </a:solidFill>
@@ -15462,7 +15473,7 @@
               <a:t>&gt;&gt;&gt; </a:t>
             </a:r>
             <a:r>
-              <a:rPr lang="en-US" sz="3600" i="0" u="none" strike="noStrike" cap="none" dirty="0">
+              <a:rPr lang="en-US" sz="3600" b="1" i="0" u="none" strike="noStrike" cap="none" dirty="0">
                 <a:solidFill>
                   <a:srgbClr val="00FF00"/>
                 </a:solidFill>
@@ -15474,7 +15485,7 @@
               <a:t>a</a:t>
             </a:r>
             <a:r>
-              <a:rPr lang="en-US" sz="3600" i="0" u="none" strike="noStrike" cap="none" dirty="0">
+              <a:rPr lang="en-US" sz="3600" b="1" i="0" u="none" strike="noStrike" cap="none" dirty="0">
                 <a:solidFill>
                   <a:schemeClr val="lt1"/>
                 </a:solidFill>
@@ -15486,7 +15497,7 @@
               <a:t> = </a:t>
             </a:r>
             <a:r>
-              <a:rPr lang="en-US" sz="3600" i="0" u="none" strike="noStrike" cap="none" dirty="0">
+              <a:rPr lang="en-US" sz="3600" b="1" i="0" u="none" strike="noStrike" cap="none" dirty="0">
                 <a:solidFill>
                   <a:srgbClr val="FF7F00"/>
                 </a:solidFill>
@@ -15517,7 +15528,7 @@
               <a:buNone/>
             </a:pPr>
             <a:r>
-              <a:rPr lang="en-US" sz="3600" i="0" u="none" strike="noStrike" cap="none" dirty="0">
+              <a:rPr lang="en-US" sz="3600" b="1" i="0" u="none" strike="noStrike" cap="none" dirty="0">
                 <a:solidFill>
                   <a:schemeClr val="lt1"/>
                 </a:solidFill>
@@ -15529,7 +15540,7 @@
               <a:t>&gt;&gt;&gt; </a:t>
             </a:r>
             <a:r>
-              <a:rPr lang="en-US" sz="3600" i="0" u="none" strike="noStrike" cap="none" dirty="0">
+              <a:rPr lang="en-US" sz="3600" b="1" i="0" u="none" strike="noStrike" cap="none" dirty="0">
                 <a:solidFill>
                   <a:srgbClr val="00FF00"/>
                 </a:solidFill>
@@ -15541,7 +15552,7 @@
               <a:t>b</a:t>
             </a:r>
             <a:r>
-              <a:rPr lang="en-US" sz="3600" i="0" u="none" strike="noStrike" cap="none" dirty="0">
+              <a:rPr lang="en-US" sz="3600" b="1" i="0" u="none" strike="noStrike" cap="none" dirty="0">
                 <a:solidFill>
                   <a:schemeClr val="lt1"/>
                 </a:solidFill>
@@ -15553,7 +15564,7 @@
               <a:t> = </a:t>
             </a:r>
             <a:r>
-              <a:rPr lang="en-US" sz="3600" i="0" u="none" strike="noStrike" cap="none" dirty="0">
+              <a:rPr lang="en-US" sz="3600" b="1" i="0" u="none" strike="noStrike" cap="none" dirty="0">
                 <a:solidFill>
                   <a:srgbClr val="00FF00"/>
                 </a:solidFill>
@@ -15565,7 +15576,7 @@
               <a:t>a</a:t>
             </a:r>
             <a:r>
-              <a:rPr lang="en-US" sz="3600" i="0" u="none" strike="noStrike" cap="none" dirty="0">
+              <a:rPr lang="en-US" sz="3600" b="1" i="0" u="none" strike="noStrike" cap="none" dirty="0">
                 <a:solidFill>
                   <a:schemeClr val="lt1"/>
                 </a:solidFill>
@@ -15577,7 +15588,7 @@
               <a:t> </a:t>
             </a:r>
             <a:r>
-              <a:rPr lang="en-US" sz="3600" i="0" u="none" strike="noStrike" cap="none" dirty="0">
+              <a:rPr lang="en-US" sz="3600" b="1" i="0" u="none" strike="noStrike" cap="none" dirty="0">
                 <a:solidFill>
                   <a:srgbClr val="00FFFF"/>
                 </a:solidFill>
@@ -15589,7 +15600,7 @@
               <a:t>+</a:t>
             </a:r>
             <a:r>
-              <a:rPr lang="en-US" sz="3600" i="0" u="none" strike="noStrike" cap="none" dirty="0">
+              <a:rPr lang="en-US" sz="3600" b="1" i="0" u="none" strike="noStrike" cap="none" dirty="0">
                 <a:solidFill>
                   <a:schemeClr val="lt1"/>
                 </a:solidFill>
@@ -15601,7 +15612,7 @@
               <a:t> </a:t>
             </a:r>
             <a:r>
-              <a:rPr lang="en-US" sz="3600" i="0" u="none" strike="noStrike" cap="none" dirty="0">
+              <a:rPr lang="en-US" sz="3600" b="1" i="0" u="none" strike="noStrike" cap="none" dirty="0">
                 <a:solidFill>
                   <a:srgbClr val="FF7F00"/>
                 </a:solidFill>
@@ -15632,7 +15643,7 @@
               <a:buNone/>
             </a:pPr>
             <a:r>
-              <a:rPr lang="en-US" sz="3600" i="0" u="none" strike="noStrike" cap="none" dirty="0">
+              <a:rPr lang="en-US" sz="3600" b="1" i="0" u="none" strike="noStrike" cap="none" dirty="0">
                 <a:solidFill>
                   <a:schemeClr val="lt1"/>
                 </a:solidFill>
@@ -15644,7 +15655,7 @@
               <a:t>&gt;&gt;&gt; </a:t>
             </a:r>
             <a:r>
-              <a:rPr lang="en-US" sz="3600" i="0" u="none" strike="noStrike" cap="none" dirty="0" smtClean="0">
+              <a:rPr lang="en-US" sz="3600" b="1" i="0" u="none" strike="noStrike" cap="none" dirty="0" smtClean="0">
                 <a:solidFill>
                   <a:srgbClr val="FFFF00"/>
                 </a:solidFill>
@@ -15656,7 +15667,7 @@
               <a:t>print</a:t>
             </a:r>
             <a:r>
-              <a:rPr lang="en-US" sz="3600" dirty="0" smtClean="0">
+              <a:rPr lang="en-US" sz="3600" b="1" dirty="0" smtClean="0">
                 <a:solidFill>
                   <a:schemeClr val="lt1"/>
                 </a:solidFill>
@@ -15668,7 +15679,7 @@
               <a:t>(</a:t>
             </a:r>
             <a:r>
-              <a:rPr lang="en-US" sz="3600" i="0" u="none" strike="noStrike" cap="none" dirty="0" smtClean="0">
+              <a:rPr lang="en-US" sz="3600" b="1" i="0" u="none" strike="noStrike" cap="none" dirty="0" smtClean="0">
                 <a:solidFill>
                   <a:srgbClr val="00FF00"/>
                 </a:solidFill>
@@ -15680,7 +15691,7 @@
               <a:t>b</a:t>
             </a:r>
             <a:r>
-              <a:rPr lang="en-US" sz="3600" i="0" u="none" strike="noStrike" cap="none" dirty="0" smtClean="0">
+              <a:rPr lang="en-US" sz="3600" b="1" i="0" u="none" strike="noStrike" cap="none" dirty="0" smtClean="0">
                 <a:solidFill>
                   <a:schemeClr val="bg1"/>
                 </a:solidFill>
@@ -15691,7 +15702,7 @@
               </a:rPr>
               <a:t>)</a:t>
             </a:r>
-            <a:endParaRPr lang="en-US" sz="3600" i="0" u="none" strike="noStrike" cap="none" dirty="0">
+            <a:endParaRPr lang="en-US" sz="3600" b="1" i="0" u="none" strike="noStrike" cap="none" dirty="0">
               <a:solidFill>
                 <a:schemeClr val="bg1"/>
               </a:solidFill>
@@ -15720,7 +15731,7 @@
               <a:buNone/>
             </a:pPr>
             <a:r>
-              <a:rPr lang="en-US" sz="3600" i="0" u="none" strike="noStrike" cap="none" dirty="0" err="1">
+              <a:rPr lang="en-US" sz="3600" b="1" i="0" u="none" strike="noStrike" cap="none" dirty="0" err="1">
                 <a:solidFill>
                   <a:schemeClr val="lt1"/>
                 </a:solidFill>
@@ -15731,7 +15742,7 @@
               </a:rPr>
               <a:t>HelloThere</a:t>
             </a:r>
-            <a:endParaRPr lang="en-US" sz="3600" i="0" u="none" strike="noStrike" cap="none" dirty="0">
+            <a:endParaRPr lang="en-US" sz="3600" b="1" i="0" u="none" strike="noStrike" cap="none" dirty="0">
               <a:solidFill>
                 <a:schemeClr val="lt1"/>
               </a:solidFill>
@@ -15760,7 +15771,7 @@
               <a:buNone/>
             </a:pPr>
             <a:r>
-              <a:rPr lang="en-US" sz="3600" i="0" u="none" strike="noStrike" cap="none" dirty="0">
+              <a:rPr lang="en-US" sz="3600" b="1" i="0" u="none" strike="noStrike" cap="none" dirty="0">
                 <a:solidFill>
                   <a:schemeClr val="lt1"/>
                 </a:solidFill>
@@ -15772,7 +15783,7 @@
               <a:t>&gt;&gt;&gt; </a:t>
             </a:r>
             <a:r>
-              <a:rPr lang="en-US" sz="3600" i="0" u="none" strike="noStrike" cap="none" dirty="0">
+              <a:rPr lang="en-US" sz="3600" b="1" i="0" u="none" strike="noStrike" cap="none" dirty="0">
                 <a:solidFill>
                   <a:srgbClr val="00FF00"/>
                 </a:solidFill>
@@ -15784,7 +15795,7 @@
               <a:t>c</a:t>
             </a:r>
             <a:r>
-              <a:rPr lang="en-US" sz="3600" i="0" u="none" strike="noStrike" cap="none" dirty="0">
+              <a:rPr lang="en-US" sz="3600" b="1" i="0" u="none" strike="noStrike" cap="none" dirty="0">
                 <a:solidFill>
                   <a:schemeClr val="lt1"/>
                 </a:solidFill>
@@ -15796,7 +15807,7 @@
               <a:t> = </a:t>
             </a:r>
             <a:r>
-              <a:rPr lang="en-US" sz="3600" i="0" u="none" strike="noStrike" cap="none" dirty="0">
+              <a:rPr lang="en-US" sz="3600" b="1" i="0" u="none" strike="noStrike" cap="none" dirty="0">
                 <a:solidFill>
                   <a:srgbClr val="00FF00"/>
                 </a:solidFill>
@@ -15808,7 +15819,7 @@
               <a:t>a</a:t>
             </a:r>
             <a:r>
-              <a:rPr lang="en-US" sz="3600" i="0" u="none" strike="noStrike" cap="none" dirty="0">
+              <a:rPr lang="en-US" sz="3600" b="1" i="0" u="none" strike="noStrike" cap="none" dirty="0">
                 <a:solidFill>
                   <a:schemeClr val="lt1"/>
                 </a:solidFill>
@@ -15820,7 +15831,7 @@
               <a:t> </a:t>
             </a:r>
             <a:r>
-              <a:rPr lang="en-US" sz="3600" i="0" u="none" strike="noStrike" cap="none" dirty="0">
+              <a:rPr lang="en-US" sz="3600" b="1" i="0" u="none" strike="noStrike" cap="none" dirty="0">
                 <a:solidFill>
                   <a:srgbClr val="00FFFF"/>
                 </a:solidFill>
@@ -15832,7 +15843,7 @@
               <a:t>+</a:t>
             </a:r>
             <a:r>
-              <a:rPr lang="en-US" sz="3600" i="0" u="none" strike="noStrike" cap="none" dirty="0">
+              <a:rPr lang="en-US" sz="3600" b="1" i="0" u="none" strike="noStrike" cap="none" dirty="0">
                 <a:solidFill>
                   <a:schemeClr val="lt1"/>
                 </a:solidFill>
@@ -15844,7 +15855,7 @@
               <a:t> </a:t>
             </a:r>
             <a:r>
-              <a:rPr lang="en-US" sz="3600" i="0" u="none" strike="noStrike" cap="none" dirty="0">
+              <a:rPr lang="en-US" sz="3600" b="1" i="0" u="none" strike="noStrike" cap="none" dirty="0">
                 <a:solidFill>
                   <a:srgbClr val="FF7F00"/>
                 </a:solidFill>
@@ -15856,7 +15867,7 @@
               <a:t>'</a:t>
             </a:r>
             <a:r>
-              <a:rPr lang="en-US" sz="3600" dirty="0">
+              <a:rPr lang="en-US" sz="3600" b="1" dirty="0">
                 <a:solidFill>
                   <a:srgbClr val="FF7F00"/>
                 </a:solidFill>
@@ -15868,7 +15879,7 @@
               <a:t> </a:t>
             </a:r>
             <a:r>
-              <a:rPr lang="en-US" sz="3600" i="0" u="none" strike="noStrike" cap="none" dirty="0">
+              <a:rPr lang="en-US" sz="3600" b="1" i="0" u="none" strike="noStrike" cap="none" dirty="0">
                 <a:solidFill>
                   <a:srgbClr val="FF7F00"/>
                 </a:solidFill>
@@ -15880,7 +15891,7 @@
               <a:t>'</a:t>
             </a:r>
             <a:r>
-              <a:rPr lang="en-US" sz="3600" i="0" u="none" strike="noStrike" cap="none" dirty="0">
+              <a:rPr lang="en-US" sz="3600" b="1" i="0" u="none" strike="noStrike" cap="none" dirty="0">
                 <a:solidFill>
                   <a:schemeClr val="lt1"/>
                 </a:solidFill>
@@ -15892,7 +15903,7 @@
               <a:t> </a:t>
             </a:r>
             <a:r>
-              <a:rPr lang="en-US" sz="3600" i="0" u="none" strike="noStrike" cap="none" dirty="0">
+              <a:rPr lang="en-US" sz="3600" b="1" i="0" u="none" strike="noStrike" cap="none" dirty="0">
                 <a:solidFill>
                   <a:srgbClr val="00FFFF"/>
                 </a:solidFill>
@@ -15904,7 +15915,7 @@
               <a:t>+ </a:t>
             </a:r>
             <a:r>
-              <a:rPr lang="en-US" sz="3600" i="0" u="none" strike="noStrike" cap="none" dirty="0">
+              <a:rPr lang="en-US" sz="3600" b="1" i="0" u="none" strike="noStrike" cap="none" dirty="0">
                 <a:solidFill>
                   <a:srgbClr val="FF7F00"/>
                 </a:solidFill>
@@ -15935,7 +15946,7 @@
               <a:buNone/>
             </a:pPr>
             <a:r>
-              <a:rPr lang="en-US" sz="3600" i="0" u="none" strike="noStrike" cap="none" dirty="0">
+              <a:rPr lang="en-US" sz="3600" b="1" i="0" u="none" strike="noStrike" cap="none" dirty="0">
                 <a:solidFill>
                   <a:schemeClr val="lt1"/>
                 </a:solidFill>
@@ -15947,7 +15958,7 @@
               <a:t>&gt;&gt;&gt; </a:t>
             </a:r>
             <a:r>
-              <a:rPr lang="en-US" sz="3600" i="0" u="none" strike="noStrike" cap="none" dirty="0" smtClean="0">
+              <a:rPr lang="en-US" sz="3600" b="1" i="0" u="none" strike="noStrike" cap="none" dirty="0" smtClean="0">
                 <a:solidFill>
                   <a:srgbClr val="FFFF00"/>
                 </a:solidFill>
@@ -15959,7 +15970,7 @@
               <a:t>print</a:t>
             </a:r>
             <a:r>
-              <a:rPr lang="en-US" sz="3600" dirty="0" smtClean="0">
+              <a:rPr lang="en-US" sz="3600" b="1" dirty="0" smtClean="0">
                 <a:solidFill>
                   <a:schemeClr val="lt1"/>
                 </a:solidFill>
@@ -15971,7 +15982,7 @@
               <a:t>(</a:t>
             </a:r>
             <a:r>
-              <a:rPr lang="en-US" sz="3600" i="0" u="none" strike="noStrike" cap="none" dirty="0" smtClean="0">
+              <a:rPr lang="en-US" sz="3600" b="1" i="0" u="none" strike="noStrike" cap="none" dirty="0" smtClean="0">
                 <a:solidFill>
                   <a:srgbClr val="00FF00"/>
                 </a:solidFill>
@@ -15983,7 +15994,7 @@
               <a:t>c</a:t>
             </a:r>
             <a:r>
-              <a:rPr lang="en-US" sz="3600" i="0" u="none" strike="noStrike" cap="none" dirty="0" smtClean="0">
+              <a:rPr lang="en-US" sz="3600" b="1" i="0" u="none" strike="noStrike" cap="none" dirty="0" smtClean="0">
                 <a:solidFill>
                   <a:schemeClr val="bg1"/>
                 </a:solidFill>
@@ -15994,7 +16005,7 @@
               </a:rPr>
               <a:t>)</a:t>
             </a:r>
-            <a:endParaRPr lang="en-US" sz="3600" i="0" u="none" strike="noStrike" cap="none" dirty="0">
+            <a:endParaRPr lang="en-US" sz="3600" b="1" i="0" u="none" strike="noStrike" cap="none" dirty="0">
               <a:solidFill>
                 <a:schemeClr val="bg1"/>
               </a:solidFill>
@@ -16023,7 +16034,7 @@
               <a:buNone/>
             </a:pPr>
             <a:r>
-              <a:rPr lang="en-US" sz="3600" i="0" u="none" strike="noStrike" cap="none" dirty="0">
+              <a:rPr lang="en-US" sz="3600" b="1" i="0" u="none" strike="noStrike" cap="none" dirty="0">
                 <a:solidFill>
                   <a:schemeClr val="lt1"/>
                 </a:solidFill>
@@ -16054,7 +16065,7 @@
               <a:buNone/>
             </a:pPr>
             <a:r>
-              <a:rPr lang="en-US" sz="3600" i="0" u="none" strike="noStrike" cap="none" dirty="0">
+              <a:rPr lang="en-US" sz="3600" b="1" i="0" u="none" strike="noStrike" cap="none" dirty="0">
                 <a:solidFill>
                   <a:schemeClr val="lt1"/>
                 </a:solidFill>
@@ -16525,7 +16536,7 @@
               <a:buNone/>
             </a:pPr>
             <a:r>
-              <a:rPr lang="en-US" sz="3000" i="0" u="none" strike="noStrike" cap="none" dirty="0">
+              <a:rPr lang="en-US" sz="3000" b="1" i="0" u="none" strike="noStrike" cap="none" dirty="0">
                 <a:solidFill>
                   <a:schemeClr val="lt1"/>
                 </a:solidFill>
@@ -16537,7 +16548,7 @@
               <a:t>&gt;&gt;&gt; </a:t>
             </a:r>
             <a:r>
-              <a:rPr lang="en-US" sz="3000" i="0" u="none" strike="noStrike" cap="none" dirty="0">
+              <a:rPr lang="en-US" sz="3000" b="1" i="0" u="none" strike="noStrike" cap="none" dirty="0">
                 <a:solidFill>
                   <a:srgbClr val="00FF00"/>
                 </a:solidFill>
@@ -16549,7 +16560,7 @@
               <a:t>fruit</a:t>
             </a:r>
             <a:r>
-              <a:rPr lang="en-US" sz="3000" i="0" u="none" strike="noStrike" cap="none" dirty="0">
+              <a:rPr lang="en-US" sz="3000" b="1" i="0" u="none" strike="noStrike" cap="none" dirty="0">
                 <a:solidFill>
                   <a:schemeClr val="lt1"/>
                 </a:solidFill>
@@ -16561,7 +16572,7 @@
               <a:t> = </a:t>
             </a:r>
             <a:r>
-              <a:rPr lang="en-US" sz="3000" i="0" u="none" strike="noStrike" cap="none" dirty="0">
+              <a:rPr lang="en-US" sz="3000" b="1" i="0" u="none" strike="noStrike" cap="none" dirty="0">
                 <a:solidFill>
                   <a:srgbClr val="FF7F00"/>
                 </a:solidFill>
@@ -16573,7 +16584,7 @@
               <a:t>'banana</a:t>
             </a:r>
             <a:r>
-              <a:rPr lang="en-US" sz="3000" dirty="0">
+              <a:rPr lang="en-US" sz="3000" b="1" dirty="0">
                 <a:solidFill>
                   <a:srgbClr val="FF7F00"/>
                 </a:solidFill>
@@ -16604,7 +16615,7 @@
               <a:buNone/>
             </a:pPr>
             <a:r>
-              <a:rPr lang="en-US" sz="3000" i="0" u="none" strike="noStrike" cap="none" dirty="0">
+              <a:rPr lang="en-US" sz="3000" b="1" i="0" u="none" strike="noStrike" cap="none" dirty="0">
                 <a:solidFill>
                   <a:schemeClr val="lt1"/>
                 </a:solidFill>
@@ -16616,7 +16627,7 @@
               <a:t>&gt;&gt;&gt; </a:t>
             </a:r>
             <a:r>
-              <a:rPr lang="en-US" sz="3000" i="0" u="none" strike="noStrike" cap="none" dirty="0">
+              <a:rPr lang="en-US" sz="3000" b="1" i="0" u="none" strike="noStrike" cap="none" dirty="0">
                 <a:solidFill>
                   <a:srgbClr val="FF7F00"/>
                 </a:solidFill>
@@ -16628,7 +16639,7 @@
               <a:t>'n'</a:t>
             </a:r>
             <a:r>
-              <a:rPr lang="en-US" sz="3000" i="0" u="none" strike="noStrike" cap="none" dirty="0">
+              <a:rPr lang="en-US" sz="3000" b="1" i="0" u="none" strike="noStrike" cap="none" dirty="0">
                 <a:solidFill>
                   <a:schemeClr val="lt1"/>
                 </a:solidFill>
@@ -16640,7 +16651,7 @@
               <a:t> </a:t>
             </a:r>
             <a:r>
-              <a:rPr lang="en-US" sz="3000" i="0" u="none" strike="noStrike" cap="none" dirty="0">
+              <a:rPr lang="en-US" sz="3000" b="1" i="0" u="none" strike="noStrike" cap="none" dirty="0">
                 <a:solidFill>
                   <a:srgbClr val="FFFF00"/>
                 </a:solidFill>
@@ -16652,7 +16663,7 @@
               <a:t>in</a:t>
             </a:r>
             <a:r>
-              <a:rPr lang="en-US" sz="3000" i="0" u="none" strike="noStrike" cap="none" dirty="0">
+              <a:rPr lang="en-US" sz="3000" b="1" i="0" u="none" strike="noStrike" cap="none" dirty="0">
                 <a:solidFill>
                   <a:schemeClr val="lt1"/>
                 </a:solidFill>
@@ -16664,7 +16675,7 @@
               <a:t> </a:t>
             </a:r>
             <a:r>
-              <a:rPr lang="en-US" sz="3000" i="0" u="none" strike="noStrike" cap="none" dirty="0">
+              <a:rPr lang="en-US" sz="3000" b="1" i="0" u="none" strike="noStrike" cap="none" dirty="0">
                 <a:solidFill>
                   <a:srgbClr val="00FF00"/>
                 </a:solidFill>
@@ -16695,7 +16706,7 @@
               <a:buNone/>
             </a:pPr>
             <a:r>
-              <a:rPr lang="en-US" sz="3000" i="0" u="none" strike="noStrike" cap="none" dirty="0">
+              <a:rPr lang="en-US" sz="3000" b="1" i="0" u="none" strike="noStrike" cap="none" dirty="0">
                 <a:solidFill>
                   <a:schemeClr val="lt1"/>
                 </a:solidFill>
@@ -16726,7 +16737,7 @@
               <a:buNone/>
             </a:pPr>
             <a:r>
-              <a:rPr lang="en-US" sz="3000" i="0" u="none" strike="noStrike" cap="none" dirty="0">
+              <a:rPr lang="en-US" sz="3000" b="1" i="0" u="none" strike="noStrike" cap="none" dirty="0">
                 <a:solidFill>
                   <a:schemeClr val="lt1"/>
                 </a:solidFill>
@@ -16738,7 +16749,7 @@
               <a:t>&gt;&gt;&gt; </a:t>
             </a:r>
             <a:r>
-              <a:rPr lang="en-US" sz="3000" i="0" u="none" strike="noStrike" cap="none" dirty="0">
+              <a:rPr lang="en-US" sz="3000" b="1" i="0" u="none" strike="noStrike" cap="none" dirty="0">
                 <a:solidFill>
                   <a:srgbClr val="FF7F00"/>
                 </a:solidFill>
@@ -16750,7 +16761,7 @@
               <a:t>'m'</a:t>
             </a:r>
             <a:r>
-              <a:rPr lang="en-US" sz="3000" i="0" u="none" strike="noStrike" cap="none" dirty="0">
+              <a:rPr lang="en-US" sz="3000" b="1" i="0" u="none" strike="noStrike" cap="none" dirty="0">
                 <a:solidFill>
                   <a:schemeClr val="lt1"/>
                 </a:solidFill>
@@ -16762,7 +16773,7 @@
               <a:t> </a:t>
             </a:r>
             <a:r>
-              <a:rPr lang="en-US" sz="3000" i="0" u="none" strike="noStrike" cap="none" dirty="0">
+              <a:rPr lang="en-US" sz="3000" b="1" i="0" u="none" strike="noStrike" cap="none" dirty="0">
                 <a:solidFill>
                   <a:srgbClr val="FFFF00"/>
                 </a:solidFill>
@@ -16774,7 +16785,7 @@
               <a:t>in</a:t>
             </a:r>
             <a:r>
-              <a:rPr lang="en-US" sz="3000" i="0" u="none" strike="noStrike" cap="none" dirty="0">
+              <a:rPr lang="en-US" sz="3000" b="1" i="0" u="none" strike="noStrike" cap="none" dirty="0">
                 <a:solidFill>
                   <a:schemeClr val="lt1"/>
                 </a:solidFill>
@@ -16786,7 +16797,7 @@
               <a:t> </a:t>
             </a:r>
             <a:r>
-              <a:rPr lang="en-US" sz="3000" i="0" u="none" strike="noStrike" cap="none" dirty="0">
+              <a:rPr lang="en-US" sz="3000" b="1" i="0" u="none" strike="noStrike" cap="none" dirty="0">
                 <a:solidFill>
                   <a:srgbClr val="00FF00"/>
                 </a:solidFill>
@@ -16817,7 +16828,7 @@
               <a:buNone/>
             </a:pPr>
             <a:r>
-              <a:rPr lang="en-US" sz="3000" i="0" u="none" strike="noStrike" cap="none" dirty="0">
+              <a:rPr lang="en-US" sz="3000" b="1" i="0" u="none" strike="noStrike" cap="none" dirty="0">
                 <a:solidFill>
                   <a:schemeClr val="lt1"/>
                 </a:solidFill>
@@ -16848,7 +16859,7 @@
               <a:buNone/>
             </a:pPr>
             <a:r>
-              <a:rPr lang="en-US" sz="3000" i="0" u="none" strike="noStrike" cap="none" dirty="0">
+              <a:rPr lang="en-US" sz="3000" b="1" i="0" u="none" strike="noStrike" cap="none" dirty="0">
                 <a:solidFill>
                   <a:schemeClr val="lt1"/>
                 </a:solidFill>
@@ -16860,7 +16871,7 @@
               <a:t>&gt;&gt;&gt; </a:t>
             </a:r>
             <a:r>
-              <a:rPr lang="en-US" sz="3000" i="0" u="none" strike="noStrike" cap="none" dirty="0">
+              <a:rPr lang="en-US" sz="3000" b="1" i="0" u="none" strike="noStrike" cap="none" dirty="0">
                 <a:solidFill>
                   <a:srgbClr val="FF7F00"/>
                 </a:solidFill>
@@ -16872,7 +16883,7 @@
               <a:t>'nan'</a:t>
             </a:r>
             <a:r>
-              <a:rPr lang="en-US" sz="3000" i="0" u="none" strike="noStrike" cap="none" dirty="0">
+              <a:rPr lang="en-US" sz="3000" b="1" i="0" u="none" strike="noStrike" cap="none" dirty="0">
                 <a:solidFill>
                   <a:schemeClr val="lt1"/>
                 </a:solidFill>
@@ -16884,7 +16895,7 @@
               <a:t> </a:t>
             </a:r>
             <a:r>
-              <a:rPr lang="en-US" sz="3000" i="0" u="none" strike="noStrike" cap="none" dirty="0">
+              <a:rPr lang="en-US" sz="3000" b="1" i="0" u="none" strike="noStrike" cap="none" dirty="0">
                 <a:solidFill>
                   <a:srgbClr val="FFFF00"/>
                 </a:solidFill>
@@ -16896,7 +16907,7 @@
               <a:t>in </a:t>
             </a:r>
             <a:r>
-              <a:rPr lang="en-US" sz="3000" i="0" u="none" strike="noStrike" cap="none" dirty="0">
+              <a:rPr lang="en-US" sz="3000" b="1" i="0" u="none" strike="noStrike" cap="none" dirty="0">
                 <a:solidFill>
                   <a:srgbClr val="00FF00"/>
                 </a:solidFill>
@@ -16927,7 +16938,7 @@
               <a:buNone/>
             </a:pPr>
             <a:r>
-              <a:rPr lang="en-US" sz="3000" i="0" u="none" strike="noStrike" cap="none" dirty="0">
+              <a:rPr lang="en-US" sz="3000" b="1" i="0" u="none" strike="noStrike" cap="none" dirty="0">
                 <a:solidFill>
                   <a:schemeClr val="lt1"/>
                 </a:solidFill>
@@ -16958,7 +16969,7 @@
               <a:buNone/>
             </a:pPr>
             <a:r>
-              <a:rPr lang="en-US" sz="3000" i="0" u="none" strike="noStrike" cap="none" dirty="0">
+              <a:rPr lang="en-US" sz="3000" b="1" i="0" u="none" strike="noStrike" cap="none" dirty="0">
                 <a:solidFill>
                   <a:schemeClr val="lt1"/>
                 </a:solidFill>
@@ -16970,7 +16981,7 @@
               <a:t>&gt;&gt;&gt; </a:t>
             </a:r>
             <a:r>
-              <a:rPr lang="en-US" sz="3000" i="0" u="none" strike="noStrike" cap="none" dirty="0">
+              <a:rPr lang="en-US" sz="3000" b="1" i="0" u="none" strike="noStrike" cap="none" dirty="0">
                 <a:solidFill>
                   <a:srgbClr val="FFFF00"/>
                 </a:solidFill>
@@ -16982,7 +16993,7 @@
               <a:t>if</a:t>
             </a:r>
             <a:r>
-              <a:rPr lang="en-US" sz="3000" i="0" u="none" strike="noStrike" cap="none" dirty="0">
+              <a:rPr lang="en-US" sz="3000" b="1" i="0" u="none" strike="noStrike" cap="none" dirty="0">
                 <a:solidFill>
                   <a:schemeClr val="lt1"/>
                 </a:solidFill>
@@ -16994,7 +17005,7 @@
               <a:t> </a:t>
             </a:r>
             <a:r>
-              <a:rPr lang="en-US" sz="3000" i="0" u="none" strike="noStrike" cap="none" dirty="0">
+              <a:rPr lang="en-US" sz="3000" b="1" i="0" u="none" strike="noStrike" cap="none" dirty="0">
                 <a:solidFill>
                   <a:srgbClr val="FF7F00"/>
                 </a:solidFill>
@@ -17006,7 +17017,7 @@
               <a:t>'a'</a:t>
             </a:r>
             <a:r>
-              <a:rPr lang="en-US" sz="3000" i="0" u="none" strike="noStrike" cap="none" dirty="0">
+              <a:rPr lang="en-US" sz="3000" b="1" i="0" u="none" strike="noStrike" cap="none" dirty="0">
                 <a:solidFill>
                   <a:schemeClr val="lt1"/>
                 </a:solidFill>
@@ -17018,7 +17029,7 @@
               <a:t> </a:t>
             </a:r>
             <a:r>
-              <a:rPr lang="en-US" sz="3000" i="0" u="none" strike="noStrike" cap="none" dirty="0">
+              <a:rPr lang="en-US" sz="3000" b="1" i="0" u="none" strike="noStrike" cap="none" dirty="0">
                 <a:solidFill>
                   <a:srgbClr val="FFFF00"/>
                 </a:solidFill>
@@ -17030,7 +17041,7 @@
               <a:t>in</a:t>
             </a:r>
             <a:r>
-              <a:rPr lang="en-US" sz="3000" i="0" u="none" strike="noStrike" cap="none" dirty="0">
+              <a:rPr lang="en-US" sz="3000" b="1" i="0" u="none" strike="noStrike" cap="none" dirty="0">
                 <a:solidFill>
                   <a:schemeClr val="lt1"/>
                 </a:solidFill>
@@ -17042,7 +17053,7 @@
               <a:t> </a:t>
             </a:r>
             <a:r>
-              <a:rPr lang="en-US" sz="3000" i="0" u="none" strike="noStrike" cap="none" dirty="0">
+              <a:rPr lang="en-US" sz="3000" b="1" i="0" u="none" strike="noStrike" cap="none" dirty="0">
                 <a:solidFill>
                   <a:srgbClr val="00FF00"/>
                 </a:solidFill>
@@ -17054,7 +17065,7 @@
               <a:t>fruit</a:t>
             </a:r>
             <a:r>
-              <a:rPr lang="en-US" sz="3000" i="0" u="none" strike="noStrike" cap="none" dirty="0">
+              <a:rPr lang="en-US" sz="3000" b="1" i="0" u="none" strike="noStrike" cap="none" dirty="0">
                 <a:solidFill>
                   <a:schemeClr val="lt1"/>
                 </a:solidFill>
@@ -17085,7 +17096,7 @@
               <a:buNone/>
             </a:pPr>
             <a:r>
-              <a:rPr lang="en-US" sz="3000" i="0" u="none" strike="noStrike" cap="none" dirty="0">
+              <a:rPr lang="en-US" sz="3000" b="1" i="0" u="none" strike="noStrike" cap="none" dirty="0">
                 <a:solidFill>
                   <a:schemeClr val="lt1"/>
                 </a:solidFill>
@@ -17097,7 +17108,7 @@
               <a:t>...     </a:t>
             </a:r>
             <a:r>
-              <a:rPr lang="en-US" sz="3000" i="0" u="none" strike="noStrike" cap="none" dirty="0" smtClean="0">
+              <a:rPr lang="en-US" sz="3000" b="1" i="0" u="none" strike="noStrike" cap="none" dirty="0" smtClean="0">
                 <a:solidFill>
                   <a:srgbClr val="FFFF00"/>
                 </a:solidFill>
@@ -17109,7 +17120,7 @@
               <a:t>print</a:t>
             </a:r>
             <a:r>
-              <a:rPr lang="en-US" sz="3000" dirty="0">
+              <a:rPr lang="en-US" sz="3000" b="1" dirty="0">
                 <a:solidFill>
                   <a:schemeClr val="lt1"/>
                 </a:solidFill>
@@ -17121,7 +17132,7 @@
               <a:t>(</a:t>
             </a:r>
             <a:r>
-              <a:rPr lang="en-US" sz="3000" i="0" u="none" strike="noStrike" cap="none" dirty="0" smtClean="0">
+              <a:rPr lang="en-US" sz="3000" b="1" i="0" u="none" strike="noStrike" cap="none" dirty="0" smtClean="0">
                 <a:solidFill>
                   <a:srgbClr val="FF7F00"/>
                 </a:solidFill>
@@ -17133,7 +17144,7 @@
               <a:t>'Found </a:t>
             </a:r>
             <a:r>
-              <a:rPr lang="en-US" sz="3000" i="0" u="none" strike="noStrike" cap="none" dirty="0">
+              <a:rPr lang="en-US" sz="3000" b="1" i="0" u="none" strike="noStrike" cap="none" dirty="0">
                 <a:solidFill>
                   <a:srgbClr val="FF7F00"/>
                 </a:solidFill>
@@ -17145,7 +17156,7 @@
               <a:t>it</a:t>
             </a:r>
             <a:r>
-              <a:rPr lang="en-US" sz="3000" i="0" u="none" strike="noStrike" cap="none" dirty="0" smtClean="0">
+              <a:rPr lang="en-US" sz="3000" b="1" i="0" u="none" strike="noStrike" cap="none" dirty="0" smtClean="0">
                 <a:solidFill>
                   <a:srgbClr val="FF7F00"/>
                 </a:solidFill>
@@ -17157,7 +17168,7 @@
               <a:t>!</a:t>
             </a:r>
             <a:r>
-              <a:rPr lang="en-US" sz="3000" dirty="0" smtClean="0">
+              <a:rPr lang="en-US" sz="3000" b="1" dirty="0" smtClean="0">
                 <a:solidFill>
                   <a:srgbClr val="FF7F00"/>
                 </a:solidFill>
@@ -17169,7 +17180,7 @@
               <a:t>'</a:t>
             </a:r>
             <a:r>
-              <a:rPr lang="en-US" sz="3000" dirty="0" smtClean="0">
+              <a:rPr lang="en-US" sz="3000" b="1" dirty="0" smtClean="0">
                 <a:solidFill>
                   <a:schemeClr val="bg1"/>
                 </a:solidFill>
@@ -17180,7 +17191,7 @@
               </a:rPr>
               <a:t>)</a:t>
             </a:r>
-            <a:endParaRPr lang="en-US" sz="3000" dirty="0">
+            <a:endParaRPr lang="en-US" sz="3000" b="1" dirty="0">
               <a:solidFill>
                 <a:schemeClr val="bg1"/>
               </a:solidFill>
@@ -17209,7 +17220,7 @@
               <a:buNone/>
             </a:pPr>
             <a:r>
-              <a:rPr lang="en-US" sz="3000" i="0" u="none" strike="noStrike" cap="none" dirty="0">
+              <a:rPr lang="en-US" sz="3000" b="1" i="0" u="none" strike="noStrike" cap="none" dirty="0">
                 <a:solidFill>
                   <a:schemeClr val="lt1"/>
                 </a:solidFill>
@@ -17240,7 +17251,7 @@
               <a:buNone/>
             </a:pPr>
             <a:r>
-              <a:rPr lang="en-US" sz="3000" i="0" u="none" strike="noStrike" cap="none" dirty="0">
+              <a:rPr lang="en-US" sz="3000" b="1" i="0" u="none" strike="noStrike" cap="none" dirty="0">
                 <a:solidFill>
                   <a:schemeClr val="lt1"/>
                 </a:solidFill>
@@ -17271,7 +17282,7 @@
               <a:buNone/>
             </a:pPr>
             <a:r>
-              <a:rPr lang="en-US" sz="3000" i="0" u="none" strike="noStrike" cap="none" dirty="0">
+              <a:rPr lang="en-US" sz="3000" b="1" i="0" u="none" strike="noStrike" cap="none" dirty="0">
                 <a:solidFill>
                   <a:schemeClr val="lt1"/>
                 </a:solidFill>
@@ -17410,7 +17421,7 @@
               <a:buNone/>
             </a:pPr>
             <a:r>
-              <a:rPr lang="en-US" sz="3400" i="0" u="none" strike="noStrike" cap="none" dirty="0">
+              <a:rPr lang="en-US" sz="3400" b="1" i="0" u="none" strike="noStrike" cap="none" dirty="0">
                 <a:solidFill>
                   <a:srgbClr val="FFFF00"/>
                 </a:solidFill>
@@ -17422,7 +17433,7 @@
               <a:t>if</a:t>
             </a:r>
             <a:r>
-              <a:rPr lang="en-US" sz="3400" i="0" u="none" strike="noStrike" cap="none" dirty="0">
+              <a:rPr lang="en-US" sz="3400" b="1" i="0" u="none" strike="noStrike" cap="none" dirty="0">
                 <a:solidFill>
                   <a:schemeClr val="lt1"/>
                 </a:solidFill>
@@ -17434,7 +17445,7 @@
               <a:t> </a:t>
             </a:r>
             <a:r>
-              <a:rPr lang="en-US" sz="3400" i="0" u="none" strike="noStrike" cap="none" dirty="0">
+              <a:rPr lang="en-US" sz="3400" b="1" i="0" u="none" strike="noStrike" cap="none" dirty="0">
                 <a:solidFill>
                   <a:srgbClr val="00FF00"/>
                 </a:solidFill>
@@ -17446,7 +17457,7 @@
               <a:t>word</a:t>
             </a:r>
             <a:r>
-              <a:rPr lang="en-US" sz="3400" i="0" u="none" strike="noStrike" cap="none" dirty="0">
+              <a:rPr lang="en-US" sz="3400" b="1" i="0" u="none" strike="noStrike" cap="none" dirty="0">
                 <a:solidFill>
                   <a:schemeClr val="lt1"/>
                 </a:solidFill>
@@ -17458,7 +17469,7 @@
               <a:t> </a:t>
             </a:r>
             <a:r>
-              <a:rPr lang="en-US" sz="3400" i="0" u="none" strike="noStrike" cap="none" dirty="0">
+              <a:rPr lang="en-US" sz="3400" b="1" i="0" u="none" strike="noStrike" cap="none" dirty="0">
                 <a:solidFill>
                   <a:srgbClr val="00FFFF"/>
                 </a:solidFill>
@@ -17470,7 +17481,7 @@
               <a:t>==</a:t>
             </a:r>
             <a:r>
-              <a:rPr lang="en-US" sz="3400" i="0" u="none" strike="noStrike" cap="none" dirty="0">
+              <a:rPr lang="en-US" sz="3400" b="1" i="0" u="none" strike="noStrike" cap="none" dirty="0">
                 <a:solidFill>
                   <a:schemeClr val="lt1"/>
                 </a:solidFill>
@@ -17482,7 +17493,7 @@
               <a:t> </a:t>
             </a:r>
             <a:r>
-              <a:rPr lang="en-US" sz="3400" i="0" u="none" strike="noStrike" cap="none" dirty="0">
+              <a:rPr lang="en-US" sz="3400" b="1" i="0" u="none" strike="noStrike" cap="none" dirty="0">
                 <a:solidFill>
                   <a:srgbClr val="FF7F00"/>
                 </a:solidFill>
@@ -17494,7 +17505,7 @@
               <a:t>'banana'</a:t>
             </a:r>
             <a:r>
-              <a:rPr lang="en-US" sz="3400" i="0" u="none" strike="noStrike" cap="none" dirty="0">
+              <a:rPr lang="en-US" sz="3400" b="1" i="0" u="none" strike="noStrike" cap="none" dirty="0">
                 <a:solidFill>
                   <a:schemeClr val="lt1"/>
                 </a:solidFill>
@@ -17525,7 +17536,7 @@
               <a:buNone/>
             </a:pPr>
             <a:r>
-              <a:rPr lang="en-US" sz="3400" i="0" u="none" strike="noStrike" cap="none" dirty="0">
+              <a:rPr lang="en-US" sz="3400" b="1" i="0" u="none" strike="noStrike" cap="none" dirty="0">
                 <a:solidFill>
                   <a:schemeClr val="lt1"/>
                 </a:solidFill>
@@ -17537,7 +17548,7 @@
               <a:t>    </a:t>
             </a:r>
             <a:r>
-              <a:rPr lang="en-US" sz="3400" i="0" u="none" strike="noStrike" cap="none" dirty="0" smtClean="0">
+              <a:rPr lang="en-US" sz="3400" b="1" i="0" u="none" strike="noStrike" cap="none" dirty="0" smtClean="0">
                 <a:solidFill>
                   <a:srgbClr val="FFFF00"/>
                 </a:solidFill>
@@ -17549,7 +17560,7 @@
               <a:t>print</a:t>
             </a:r>
             <a:r>
-              <a:rPr lang="en-US" sz="3400" dirty="0">
+              <a:rPr lang="en-US" sz="3400" b="1" dirty="0">
                 <a:solidFill>
                   <a:schemeClr val="lt1"/>
                 </a:solidFill>
@@ -17561,7 +17572,7 @@
               <a:t>(</a:t>
             </a:r>
             <a:r>
-              <a:rPr lang="en-US" sz="3400" i="0" u="none" strike="noStrike" cap="none" dirty="0" smtClean="0">
+              <a:rPr lang="en-US" sz="3400" b="1" i="0" u="none" strike="noStrike" cap="none" dirty="0" smtClean="0">
                 <a:solidFill>
                   <a:srgbClr val="FF7F00"/>
                 </a:solidFill>
@@ -17573,7 +17584,7 @@
               <a:t>'All </a:t>
             </a:r>
             <a:r>
-              <a:rPr lang="en-US" sz="3400" i="0" u="none" strike="noStrike" cap="none" dirty="0">
+              <a:rPr lang="en-US" sz="3400" b="1" i="0" u="none" strike="noStrike" cap="none" dirty="0">
                 <a:solidFill>
                   <a:srgbClr val="FF7F00"/>
                 </a:solidFill>
@@ -17585,7 +17596,7 @@
               <a:t>right, bananas</a:t>
             </a:r>
             <a:r>
-              <a:rPr lang="en-US" sz="3400" i="0" u="none" strike="noStrike" cap="none" dirty="0" smtClean="0">
+              <a:rPr lang="en-US" sz="3400" b="1" i="0" u="none" strike="noStrike" cap="none" dirty="0" smtClean="0">
                 <a:solidFill>
                   <a:srgbClr val="FF7F00"/>
                 </a:solidFill>
@@ -17597,7 +17608,7 @@
               <a:t>.'</a:t>
             </a:r>
             <a:r>
-              <a:rPr lang="en-US" sz="3400" i="0" u="none" strike="noStrike" cap="none" dirty="0" smtClean="0">
+              <a:rPr lang="en-US" sz="3400" b="1" i="0" u="none" strike="noStrike" cap="none" dirty="0" smtClean="0">
                 <a:solidFill>
                   <a:schemeClr val="bg1"/>
                 </a:solidFill>
@@ -17608,7 +17619,7 @@
               </a:rPr>
               <a:t>)</a:t>
             </a:r>
-            <a:endParaRPr lang="en-US" sz="3400" i="0" u="none" strike="noStrike" cap="none" dirty="0">
+            <a:endParaRPr lang="en-US" sz="3400" b="1" i="0" u="none" strike="noStrike" cap="none" dirty="0">
               <a:solidFill>
                 <a:schemeClr val="bg1"/>
               </a:solidFill>
@@ -17631,7 +17642,7 @@
               </a:spcAft>
               <a:buNone/>
             </a:pPr>
-            <a:endParaRPr sz="3400" i="0" u="none" strike="noStrike" cap="none" dirty="0">
+            <a:endParaRPr sz="3400" b="1" i="0" u="none" strike="noStrike" cap="none" dirty="0">
               <a:solidFill>
                 <a:schemeClr val="lt1"/>
               </a:solidFill>
@@ -17660,7 +17671,7 @@
               <a:buNone/>
             </a:pPr>
             <a:r>
-              <a:rPr lang="en-US" sz="3400" i="0" u="none" strike="noStrike" cap="none" dirty="0">
+              <a:rPr lang="en-US" sz="3400" b="1" i="0" u="none" strike="noStrike" cap="none" dirty="0">
                 <a:solidFill>
                   <a:srgbClr val="FFFF00"/>
                 </a:solidFill>
@@ -17672,7 +17683,7 @@
               <a:t>if</a:t>
             </a:r>
             <a:r>
-              <a:rPr lang="en-US" sz="3400" i="0" u="none" strike="noStrike" cap="none" dirty="0">
+              <a:rPr lang="en-US" sz="3400" b="1" i="0" u="none" strike="noStrike" cap="none" dirty="0">
                 <a:solidFill>
                   <a:schemeClr val="lt1"/>
                 </a:solidFill>
@@ -17684,7 +17695,7 @@
               <a:t> </a:t>
             </a:r>
             <a:r>
-              <a:rPr lang="en-US" sz="3400" i="0" u="none" strike="noStrike" cap="none" dirty="0">
+              <a:rPr lang="en-US" sz="3400" b="1" i="0" u="none" strike="noStrike" cap="none" dirty="0">
                 <a:solidFill>
                   <a:srgbClr val="00FF00"/>
                 </a:solidFill>
@@ -17696,7 +17707,7 @@
               <a:t>word</a:t>
             </a:r>
             <a:r>
-              <a:rPr lang="en-US" sz="3400" i="0" u="none" strike="noStrike" cap="none" dirty="0">
+              <a:rPr lang="en-US" sz="3400" b="1" i="0" u="none" strike="noStrike" cap="none" dirty="0">
                 <a:solidFill>
                   <a:schemeClr val="lt1"/>
                 </a:solidFill>
@@ -17708,7 +17719,7 @@
               <a:t> </a:t>
             </a:r>
             <a:r>
-              <a:rPr lang="en-US" sz="3400" i="0" u="none" strike="noStrike" cap="none" dirty="0">
+              <a:rPr lang="en-US" sz="3400" b="1" i="0" u="none" strike="noStrike" cap="none" dirty="0">
                 <a:solidFill>
                   <a:srgbClr val="00FFFF"/>
                 </a:solidFill>
@@ -17720,7 +17731,7 @@
               <a:t>&lt;</a:t>
             </a:r>
             <a:r>
-              <a:rPr lang="en-US" sz="3400" i="0" u="none" strike="noStrike" cap="none" dirty="0">
+              <a:rPr lang="en-US" sz="3400" b="1" i="0" u="none" strike="noStrike" cap="none" dirty="0">
                 <a:solidFill>
                   <a:schemeClr val="lt1"/>
                 </a:solidFill>
@@ -17732,7 +17743,7 @@
               <a:t> </a:t>
             </a:r>
             <a:r>
-              <a:rPr lang="en-US" sz="3400" i="0" u="none" strike="noStrike" cap="none" dirty="0">
+              <a:rPr lang="en-US" sz="3400" b="1" i="0" u="none" strike="noStrike" cap="none" dirty="0">
                 <a:solidFill>
                   <a:srgbClr val="FF7F00"/>
                 </a:solidFill>
@@ -17744,7 +17755,7 @@
               <a:t>'banana'</a:t>
             </a:r>
             <a:r>
-              <a:rPr lang="en-US" sz="3400" i="0" u="none" strike="noStrike" cap="none" dirty="0">
+              <a:rPr lang="en-US" sz="3400" b="1" i="0" u="none" strike="noStrike" cap="none" dirty="0">
                 <a:solidFill>
                   <a:schemeClr val="lt1"/>
                 </a:solidFill>
@@ -17775,7 +17786,7 @@
               <a:buNone/>
             </a:pPr>
             <a:r>
-              <a:rPr lang="en-US" sz="3400" i="0" u="none" strike="noStrike" cap="none" dirty="0">
+              <a:rPr lang="en-US" sz="3400" b="1" i="0" u="none" strike="noStrike" cap="none" dirty="0">
                 <a:solidFill>
                   <a:schemeClr val="lt1"/>
                 </a:solidFill>
@@ -17787,7 +17798,7 @@
               <a:t>    </a:t>
             </a:r>
             <a:r>
-              <a:rPr lang="en-US" sz="3400" i="0" u="none" strike="noStrike" cap="none" dirty="0" smtClean="0">
+              <a:rPr lang="en-US" sz="3400" b="1" i="0" u="none" strike="noStrike" cap="none" dirty="0" smtClean="0">
                 <a:solidFill>
                   <a:srgbClr val="FFFF00"/>
                 </a:solidFill>
@@ -17799,7 +17810,7 @@
               <a:t>print</a:t>
             </a:r>
             <a:r>
-              <a:rPr lang="en-US" sz="3400" dirty="0">
+              <a:rPr lang="en-US" sz="3400" b="1" dirty="0">
                 <a:solidFill>
                   <a:schemeClr val="lt1"/>
                 </a:solidFill>
@@ -17811,7 +17822,7 @@
               <a:t>(</a:t>
             </a:r>
             <a:r>
-              <a:rPr lang="en-US" sz="3400" i="0" u="none" strike="noStrike" cap="none" dirty="0" smtClean="0">
+              <a:rPr lang="en-US" sz="3400" b="1" i="0" u="none" strike="noStrike" cap="none" dirty="0" smtClean="0">
                 <a:solidFill>
                   <a:srgbClr val="FF7F00"/>
                 </a:solidFill>
@@ -17823,7 +17834,7 @@
               <a:t>'Your </a:t>
             </a:r>
             <a:r>
-              <a:rPr lang="en-US" sz="3400" i="0" u="none" strike="noStrike" cap="none" dirty="0">
+              <a:rPr lang="en-US" sz="3400" b="1" i="0" u="none" strike="noStrike" cap="none" dirty="0">
                 <a:solidFill>
                   <a:srgbClr val="FF7F00"/>
                 </a:solidFill>
@@ -17835,7 +17846,7 @@
               <a:t>word,'</a:t>
             </a:r>
             <a:r>
-              <a:rPr lang="en-US" sz="3400" i="0" u="none" strike="noStrike" cap="none" dirty="0">
+              <a:rPr lang="en-US" sz="3400" b="1" i="0" u="none" strike="noStrike" cap="none" dirty="0">
                 <a:solidFill>
                   <a:schemeClr val="lt1"/>
                 </a:solidFill>
@@ -17847,7 +17858,7 @@
               <a:t> </a:t>
             </a:r>
             <a:r>
-              <a:rPr lang="en-US" sz="3400" i="0" u="none" strike="noStrike" cap="none" dirty="0">
+              <a:rPr lang="en-US" sz="3400" b="1" i="0" u="none" strike="noStrike" cap="none" dirty="0">
                 <a:solidFill>
                   <a:srgbClr val="00FFFF"/>
                 </a:solidFill>
@@ -17859,7 +17870,7 @@
               <a:t>+</a:t>
             </a:r>
             <a:r>
-              <a:rPr lang="en-US" sz="3400" i="0" u="none" strike="noStrike" cap="none" dirty="0">
+              <a:rPr lang="en-US" sz="3400" b="1" i="0" u="none" strike="noStrike" cap="none" dirty="0">
                 <a:solidFill>
                   <a:schemeClr val="lt1"/>
                 </a:solidFill>
@@ -17871,7 +17882,7 @@
               <a:t> </a:t>
             </a:r>
             <a:r>
-              <a:rPr lang="en-US" sz="3400" i="0" u="none" strike="noStrike" cap="none" dirty="0">
+              <a:rPr lang="en-US" sz="3400" b="1" i="0" u="none" strike="noStrike" cap="none" dirty="0">
                 <a:solidFill>
                   <a:srgbClr val="00FF00"/>
                 </a:solidFill>
@@ -17883,7 +17894,7 @@
               <a:t>word</a:t>
             </a:r>
             <a:r>
-              <a:rPr lang="en-US" sz="3400" i="0" u="none" strike="noStrike" cap="none" dirty="0">
+              <a:rPr lang="en-US" sz="3400" b="1" i="0" u="none" strike="noStrike" cap="none" dirty="0">
                 <a:solidFill>
                   <a:schemeClr val="lt1"/>
                 </a:solidFill>
@@ -17895,7 +17906,7 @@
               <a:t> </a:t>
             </a:r>
             <a:r>
-              <a:rPr lang="en-US" sz="3400" i="0" u="none" strike="noStrike" cap="none" dirty="0">
+              <a:rPr lang="en-US" sz="3400" b="1" i="0" u="none" strike="noStrike" cap="none" dirty="0">
                 <a:solidFill>
                   <a:srgbClr val="00FFFF"/>
                 </a:solidFill>
@@ -17907,7 +17918,7 @@
               <a:t>+</a:t>
             </a:r>
             <a:r>
-              <a:rPr lang="en-US" sz="3400" i="0" u="none" strike="noStrike" cap="none" dirty="0">
+              <a:rPr lang="en-US" sz="3400" b="1" i="0" u="none" strike="noStrike" cap="none" dirty="0">
                 <a:solidFill>
                   <a:schemeClr val="lt1"/>
                 </a:solidFill>
@@ -17919,7 +17930,7 @@
               <a:t> </a:t>
             </a:r>
             <a:r>
-              <a:rPr lang="en-US" sz="3400" i="0" u="none" strike="noStrike" cap="none" dirty="0">
+              <a:rPr lang="en-US" sz="3400" b="1" i="0" u="none" strike="noStrike" cap="none" dirty="0">
                 <a:solidFill>
                   <a:srgbClr val="FF7F00"/>
                 </a:solidFill>
@@ -17931,7 +17942,7 @@
               <a:t>', comes before banana</a:t>
             </a:r>
             <a:r>
-              <a:rPr lang="en-US" sz="3400" i="0" u="none" strike="noStrike" cap="none" dirty="0" smtClean="0">
+              <a:rPr lang="en-US" sz="3400" b="1" i="0" u="none" strike="noStrike" cap="none" dirty="0" smtClean="0">
                 <a:solidFill>
                   <a:srgbClr val="FF7F00"/>
                 </a:solidFill>
@@ -17943,7 +17954,7 @@
               <a:t>.</a:t>
             </a:r>
             <a:r>
-              <a:rPr lang="en-US" sz="3400" dirty="0" smtClean="0">
+              <a:rPr lang="en-US" sz="3400" b="1" dirty="0" smtClean="0">
                 <a:solidFill>
                   <a:srgbClr val="FF7F00"/>
                 </a:solidFill>
@@ -17955,7 +17966,7 @@
               <a:t>'</a:t>
             </a:r>
             <a:r>
-              <a:rPr lang="en-US" sz="3400" dirty="0" smtClean="0">
+              <a:rPr lang="en-US" sz="3400" b="1" dirty="0" smtClean="0">
                 <a:solidFill>
                   <a:schemeClr val="bg1"/>
                 </a:solidFill>
@@ -17966,7 +17977,7 @@
               </a:rPr>
               <a:t>)</a:t>
             </a:r>
-            <a:endParaRPr lang="en-US" sz="3400" dirty="0">
+            <a:endParaRPr lang="en-US" sz="3400" b="1" dirty="0">
               <a:solidFill>
                 <a:schemeClr val="bg1"/>
               </a:solidFill>
@@ -17995,7 +18006,7 @@
               <a:buNone/>
             </a:pPr>
             <a:r>
-              <a:rPr lang="en-US" sz="3400" i="0" u="none" strike="noStrike" cap="none" dirty="0" err="1">
+              <a:rPr lang="en-US" sz="3400" b="1" i="0" u="none" strike="noStrike" cap="none" dirty="0" err="1">
                 <a:solidFill>
                   <a:srgbClr val="FFFF00"/>
                 </a:solidFill>
@@ -18007,7 +18018,7 @@
               <a:t>elif</a:t>
             </a:r>
             <a:r>
-              <a:rPr lang="en-US" sz="3400" i="0" u="none" strike="noStrike" cap="none" dirty="0">
+              <a:rPr lang="en-US" sz="3400" b="1" i="0" u="none" strike="noStrike" cap="none" dirty="0">
                 <a:solidFill>
                   <a:schemeClr val="lt1"/>
                 </a:solidFill>
@@ -18019,7 +18030,7 @@
               <a:t> </a:t>
             </a:r>
             <a:r>
-              <a:rPr lang="en-US" sz="3400" i="0" u="none" strike="noStrike" cap="none" dirty="0">
+              <a:rPr lang="en-US" sz="3400" b="1" i="0" u="none" strike="noStrike" cap="none" dirty="0">
                 <a:solidFill>
                   <a:srgbClr val="00FF00"/>
                 </a:solidFill>
@@ -18031,7 +18042,7 @@
               <a:t>word</a:t>
             </a:r>
             <a:r>
-              <a:rPr lang="en-US" sz="3400" i="0" u="none" strike="noStrike" cap="none" dirty="0">
+              <a:rPr lang="en-US" sz="3400" b="1" i="0" u="none" strike="noStrike" cap="none" dirty="0">
                 <a:solidFill>
                   <a:schemeClr val="lt1"/>
                 </a:solidFill>
@@ -18043,7 +18054,7 @@
               <a:t> </a:t>
             </a:r>
             <a:r>
-              <a:rPr lang="en-US" sz="3400" i="0" u="none" strike="noStrike" cap="none" dirty="0">
+              <a:rPr lang="en-US" sz="3400" b="1" i="0" u="none" strike="noStrike" cap="none" dirty="0">
                 <a:solidFill>
                   <a:srgbClr val="00FFFF"/>
                 </a:solidFill>
@@ -18055,7 +18066,7 @@
               <a:t>&gt;</a:t>
             </a:r>
             <a:r>
-              <a:rPr lang="en-US" sz="3400" i="0" u="none" strike="noStrike" cap="none" dirty="0">
+              <a:rPr lang="en-US" sz="3400" b="1" i="0" u="none" strike="noStrike" cap="none" dirty="0">
                 <a:solidFill>
                   <a:schemeClr val="lt1"/>
                 </a:solidFill>
@@ -18067,7 +18078,7 @@
               <a:t> </a:t>
             </a:r>
             <a:r>
-              <a:rPr lang="en-US" sz="3400" i="0" u="none" strike="noStrike" cap="none" dirty="0">
+              <a:rPr lang="en-US" sz="3400" b="1" i="0" u="none" strike="noStrike" cap="none" dirty="0">
                 <a:solidFill>
                   <a:srgbClr val="FF7F00"/>
                 </a:solidFill>
@@ -18079,7 +18090,7 @@
               <a:t>'banana'</a:t>
             </a:r>
             <a:r>
-              <a:rPr lang="en-US" sz="3400" i="0" u="none" strike="noStrike" cap="none" dirty="0">
+              <a:rPr lang="en-US" sz="3400" b="1" i="0" u="none" strike="noStrike" cap="none" dirty="0">
                 <a:solidFill>
                   <a:schemeClr val="lt1"/>
                 </a:solidFill>
@@ -18110,7 +18121,7 @@
               <a:buNone/>
             </a:pPr>
             <a:r>
-              <a:rPr lang="en-US" sz="3400" i="0" u="none" strike="noStrike" cap="none" dirty="0">
+              <a:rPr lang="en-US" sz="3400" b="1" i="0" u="none" strike="noStrike" cap="none" dirty="0">
                 <a:solidFill>
                   <a:schemeClr val="lt1"/>
                 </a:solidFill>
@@ -18122,7 +18133,7 @@
               <a:t>    </a:t>
             </a:r>
             <a:r>
-              <a:rPr lang="en-US" sz="3400" i="0" u="none" strike="noStrike" cap="none" dirty="0" smtClean="0">
+              <a:rPr lang="en-US" sz="3400" b="1" i="0" u="none" strike="noStrike" cap="none" dirty="0" smtClean="0">
                 <a:solidFill>
                   <a:srgbClr val="FFFF00"/>
                 </a:solidFill>
@@ -18134,7 +18145,7 @@
               <a:t>print</a:t>
             </a:r>
             <a:r>
-              <a:rPr lang="en-US" sz="3400" dirty="0">
+              <a:rPr lang="en-US" sz="3400" b="1" dirty="0">
                 <a:solidFill>
                   <a:schemeClr val="lt1"/>
                 </a:solidFill>
@@ -18146,7 +18157,7 @@
               <a:t>(</a:t>
             </a:r>
             <a:r>
-              <a:rPr lang="en-US" sz="3400" i="0" u="none" strike="noStrike" cap="none" dirty="0" smtClean="0">
+              <a:rPr lang="en-US" sz="3400" b="1" i="0" u="none" strike="noStrike" cap="none" dirty="0" smtClean="0">
                 <a:solidFill>
                   <a:srgbClr val="FF7F00"/>
                 </a:solidFill>
@@ -18158,7 +18169,7 @@
               <a:t>'Your </a:t>
             </a:r>
             <a:r>
-              <a:rPr lang="en-US" sz="3400" i="0" u="none" strike="noStrike" cap="none" dirty="0">
+              <a:rPr lang="en-US" sz="3400" b="1" i="0" u="none" strike="noStrike" cap="none" dirty="0">
                 <a:solidFill>
                   <a:srgbClr val="FF7F00"/>
                 </a:solidFill>
@@ -18170,7 +18181,7 @@
               <a:t>word,'</a:t>
             </a:r>
             <a:r>
-              <a:rPr lang="en-US" sz="3400" i="0" u="none" strike="noStrike" cap="none" dirty="0">
+              <a:rPr lang="en-US" sz="3400" b="1" i="0" u="none" strike="noStrike" cap="none" dirty="0">
                 <a:solidFill>
                   <a:schemeClr val="lt1"/>
                 </a:solidFill>
@@ -18182,7 +18193,7 @@
               <a:t> </a:t>
             </a:r>
             <a:r>
-              <a:rPr lang="en-US" sz="3400" i="0" u="none" strike="noStrike" cap="none" dirty="0">
+              <a:rPr lang="en-US" sz="3400" b="1" i="0" u="none" strike="noStrike" cap="none" dirty="0">
                 <a:solidFill>
                   <a:srgbClr val="00FFFF"/>
                 </a:solidFill>
@@ -18194,7 +18205,7 @@
               <a:t>+</a:t>
             </a:r>
             <a:r>
-              <a:rPr lang="en-US" sz="3400" i="0" u="none" strike="noStrike" cap="none" dirty="0">
+              <a:rPr lang="en-US" sz="3400" b="1" i="0" u="none" strike="noStrike" cap="none" dirty="0">
                 <a:solidFill>
                   <a:schemeClr val="lt1"/>
                 </a:solidFill>
@@ -18206,7 +18217,7 @@
               <a:t> </a:t>
             </a:r>
             <a:r>
-              <a:rPr lang="en-US" sz="3400" i="0" u="none" strike="noStrike" cap="none" dirty="0">
+              <a:rPr lang="en-US" sz="3400" b="1" i="0" u="none" strike="noStrike" cap="none" dirty="0">
                 <a:solidFill>
                   <a:srgbClr val="00FF00"/>
                 </a:solidFill>
@@ -18218,7 +18229,7 @@
               <a:t>word</a:t>
             </a:r>
             <a:r>
-              <a:rPr lang="en-US" sz="3400" i="0" u="none" strike="noStrike" cap="none" dirty="0">
+              <a:rPr lang="en-US" sz="3400" b="1" i="0" u="none" strike="noStrike" cap="none" dirty="0">
                 <a:solidFill>
                   <a:schemeClr val="lt1"/>
                 </a:solidFill>
@@ -18230,7 +18241,7 @@
               <a:t> </a:t>
             </a:r>
             <a:r>
-              <a:rPr lang="en-US" sz="3400" i="0" u="none" strike="noStrike" cap="none" dirty="0">
+              <a:rPr lang="en-US" sz="3400" b="1" i="0" u="none" strike="noStrike" cap="none" dirty="0">
                 <a:solidFill>
                   <a:srgbClr val="00FFFF"/>
                 </a:solidFill>
@@ -18242,7 +18253,7 @@
               <a:t>+</a:t>
             </a:r>
             <a:r>
-              <a:rPr lang="en-US" sz="3400" i="0" u="none" strike="noStrike" cap="none" dirty="0">
+              <a:rPr lang="en-US" sz="3400" b="1" i="0" u="none" strike="noStrike" cap="none" dirty="0">
                 <a:solidFill>
                   <a:schemeClr val="lt1"/>
                 </a:solidFill>
@@ -18254,7 +18265,7 @@
               <a:t> </a:t>
             </a:r>
             <a:r>
-              <a:rPr lang="en-US" sz="3400" i="0" u="none" strike="noStrike" cap="none" dirty="0">
+              <a:rPr lang="en-US" sz="3400" b="1" i="0" u="none" strike="noStrike" cap="none" dirty="0">
                 <a:solidFill>
                   <a:srgbClr val="FF7F00"/>
                 </a:solidFill>
@@ -18266,7 +18277,7 @@
               <a:t>', comes after banana</a:t>
             </a:r>
             <a:r>
-              <a:rPr lang="en-US" sz="3400" i="0" u="none" strike="noStrike" cap="none" dirty="0" smtClean="0">
+              <a:rPr lang="en-US" sz="3400" b="1" i="0" u="none" strike="noStrike" cap="none" dirty="0" smtClean="0">
                 <a:solidFill>
                   <a:srgbClr val="FF7F00"/>
                 </a:solidFill>
@@ -18278,7 +18289,7 @@
               <a:t>.</a:t>
             </a:r>
             <a:r>
-              <a:rPr lang="en-US" sz="3400" dirty="0" smtClean="0">
+              <a:rPr lang="en-US" sz="3400" b="1" dirty="0" smtClean="0">
                 <a:solidFill>
                   <a:srgbClr val="FF7F00"/>
                 </a:solidFill>
@@ -18290,7 +18301,7 @@
               <a:t>'</a:t>
             </a:r>
             <a:r>
-              <a:rPr lang="en-US" sz="3400" dirty="0" smtClean="0">
+              <a:rPr lang="en-US" sz="3400" b="1" dirty="0" smtClean="0">
                 <a:solidFill>
                   <a:schemeClr val="bg1"/>
                 </a:solidFill>
@@ -18301,7 +18312,7 @@
               </a:rPr>
               <a:t>)</a:t>
             </a:r>
-            <a:endParaRPr lang="en-US" sz="3400" dirty="0">
+            <a:endParaRPr lang="en-US" sz="3400" b="1" dirty="0">
               <a:solidFill>
                 <a:schemeClr val="bg1"/>
               </a:solidFill>
@@ -18330,7 +18341,7 @@
               <a:buNone/>
             </a:pPr>
             <a:r>
-              <a:rPr lang="en-US" sz="3400" i="0" u="none" strike="noStrike" cap="none" dirty="0">
+              <a:rPr lang="en-US" sz="3400" b="1" i="0" u="none" strike="noStrike" cap="none" dirty="0">
                 <a:solidFill>
                   <a:srgbClr val="FFFF00"/>
                 </a:solidFill>
@@ -18342,7 +18353,7 @@
               <a:t>else</a:t>
             </a:r>
             <a:r>
-              <a:rPr lang="en-US" sz="3400" i="0" u="none" strike="noStrike" cap="none" dirty="0">
+              <a:rPr lang="en-US" sz="3400" b="1" i="0" u="none" strike="noStrike" cap="none" dirty="0">
                 <a:solidFill>
                   <a:schemeClr val="lt1"/>
                 </a:solidFill>
@@ -18373,7 +18384,7 @@
               <a:buNone/>
             </a:pPr>
             <a:r>
-              <a:rPr lang="en-US" sz="3400" i="0" u="none" strike="noStrike" cap="none" dirty="0">
+              <a:rPr lang="en-US" sz="3400" b="1" i="0" u="none" strike="noStrike" cap="none" dirty="0">
                 <a:solidFill>
                   <a:schemeClr val="lt1"/>
                 </a:solidFill>
@@ -18385,7 +18396,7 @@
               <a:t>    </a:t>
             </a:r>
             <a:r>
-              <a:rPr lang="en-US" sz="3400" i="0" u="none" strike="noStrike" cap="none" dirty="0" smtClean="0">
+              <a:rPr lang="en-US" sz="3400" b="1" i="0" u="none" strike="noStrike" cap="none" dirty="0" smtClean="0">
                 <a:solidFill>
                   <a:srgbClr val="FFFF00"/>
                 </a:solidFill>
@@ -18397,7 +18408,7 @@
               <a:t>print</a:t>
             </a:r>
             <a:r>
-              <a:rPr lang="en-US" sz="3400" dirty="0">
+              <a:rPr lang="en-US" sz="3400" b="1" dirty="0">
                 <a:solidFill>
                   <a:schemeClr val="lt1"/>
                 </a:solidFill>
@@ -18409,7 +18420,7 @@
               <a:t>(</a:t>
             </a:r>
             <a:r>
-              <a:rPr lang="en-US" sz="3400" i="0" u="none" strike="noStrike" cap="none" dirty="0" smtClean="0">
+              <a:rPr lang="en-US" sz="3400" b="1" i="0" u="none" strike="noStrike" cap="none" dirty="0" smtClean="0">
                 <a:solidFill>
                   <a:srgbClr val="FF7F00"/>
                 </a:solidFill>
@@ -18421,7 +18432,7 @@
               <a:t>'All </a:t>
             </a:r>
             <a:r>
-              <a:rPr lang="en-US" sz="3400" i="0" u="none" strike="noStrike" cap="none" dirty="0">
+              <a:rPr lang="en-US" sz="3400" b="1" i="0" u="none" strike="noStrike" cap="none" dirty="0">
                 <a:solidFill>
                   <a:srgbClr val="FF7F00"/>
                 </a:solidFill>
@@ -18433,7 +18444,7 @@
               <a:t>right, bananas</a:t>
             </a:r>
             <a:r>
-              <a:rPr lang="en-US" sz="3400" i="0" u="none" strike="noStrike" cap="none" dirty="0" smtClean="0">
+              <a:rPr lang="en-US" sz="3400" b="1" i="0" u="none" strike="noStrike" cap="none" dirty="0" smtClean="0">
                 <a:solidFill>
                   <a:srgbClr val="FF7F00"/>
                 </a:solidFill>
@@ -18444,7 +18455,7 @@
               </a:rPr>
               <a:t>.')</a:t>
             </a:r>
-            <a:endParaRPr lang="en-US" sz="3400" i="0" u="none" strike="noStrike" cap="none" dirty="0">
+            <a:endParaRPr lang="en-US" sz="3400" b="1" i="0" u="none" strike="noStrike" cap="none" dirty="0">
               <a:solidFill>
                 <a:srgbClr val="FF7F00"/>
               </a:solidFill>
@@ -18917,7 +18928,7 @@
               <a:buNone/>
             </a:pPr>
             <a:r>
-              <a:rPr lang="en-US" sz="2800" i="0" u="none" strike="noStrike" cap="none" dirty="0">
+              <a:rPr lang="en-US" sz="2800" b="1" i="0" u="none" strike="noStrike" cap="none" dirty="0">
                 <a:solidFill>
                   <a:schemeClr val="lt1"/>
                 </a:solidFill>
@@ -18929,7 +18940,7 @@
               <a:t>&gt;&gt;&gt; </a:t>
             </a:r>
             <a:r>
-              <a:rPr lang="en-US" sz="2800" i="0" u="none" strike="noStrike" cap="none" dirty="0">
+              <a:rPr lang="en-US" sz="2800" b="1" i="0" u="none" strike="noStrike" cap="none" dirty="0">
                 <a:solidFill>
                   <a:srgbClr val="FF00FF"/>
                 </a:solidFill>
@@ -18941,7 +18952,7 @@
               <a:t>str1 = "Hello</a:t>
             </a:r>
             <a:r>
-              <a:rPr lang="en-US" sz="2800" dirty="0">
+              <a:rPr lang="en-US" sz="2800" b="1" dirty="0">
                 <a:solidFill>
                   <a:srgbClr val="FF00FF"/>
                 </a:solidFill>
@@ -18972,7 +18983,7 @@
               <a:buNone/>
             </a:pPr>
             <a:r>
-              <a:rPr lang="en-US" sz="2800" i="0" u="none" strike="noStrike" cap="none" dirty="0">
+              <a:rPr lang="en-US" sz="2800" b="1" i="0" u="none" strike="noStrike" cap="none" dirty="0">
                 <a:solidFill>
                   <a:schemeClr val="lt1"/>
                 </a:solidFill>
@@ -18984,7 +18995,7 @@
               <a:t>&gt;&gt;&gt; </a:t>
             </a:r>
             <a:r>
-              <a:rPr lang="en-US" sz="2800" i="0" u="none" strike="noStrike" cap="none" dirty="0">
+              <a:rPr lang="en-US" sz="2800" b="1" i="0" u="none" strike="noStrike" cap="none" dirty="0">
                 <a:solidFill>
                   <a:srgbClr val="FF00FF"/>
                 </a:solidFill>
@@ -19015,7 +19026,7 @@
               <a:buNone/>
             </a:pPr>
             <a:r>
-              <a:rPr lang="en-US" sz="2800" i="0" u="none" strike="noStrike" cap="none" dirty="0">
+              <a:rPr lang="en-US" sz="2800" b="1" i="0" u="none" strike="noStrike" cap="none" dirty="0">
                 <a:solidFill>
                   <a:schemeClr val="lt1"/>
                 </a:solidFill>
@@ -19027,7 +19038,7 @@
               <a:t>&gt;&gt;&gt; </a:t>
             </a:r>
             <a:r>
-              <a:rPr lang="en-US" sz="2800" i="0" u="none" strike="noStrike" cap="none" dirty="0">
+              <a:rPr lang="en-US" sz="2800" b="1" i="0" u="none" strike="noStrike" cap="none" dirty="0">
                 <a:solidFill>
                   <a:srgbClr val="00FF00"/>
                 </a:solidFill>
@@ -19058,7 +19069,7 @@
               <a:buNone/>
             </a:pPr>
             <a:r>
-              <a:rPr lang="en-US" sz="2800" i="0" u="none" strike="noStrike" cap="none" dirty="0">
+              <a:rPr lang="en-US" sz="2800" b="1" i="0" u="none" strike="noStrike" cap="none" dirty="0">
                 <a:solidFill>
                   <a:schemeClr val="lt1"/>
                 </a:solidFill>
@@ -19070,7 +19081,7 @@
               <a:t>&gt;&gt;&gt; </a:t>
             </a:r>
             <a:r>
-              <a:rPr lang="en-US" sz="2800" i="0" u="none" strike="noStrike" cap="none" dirty="0" smtClean="0">
+              <a:rPr lang="en-US" sz="2800" b="1" i="0" u="none" strike="noStrike" cap="none" dirty="0" smtClean="0">
                 <a:solidFill>
                   <a:srgbClr val="FFFF00"/>
                 </a:solidFill>
@@ -19082,7 +19093,7 @@
               <a:t>print</a:t>
             </a:r>
             <a:r>
-              <a:rPr lang="en-US" sz="2800" dirty="0" smtClean="0">
+              <a:rPr lang="en-US" sz="2800" b="1" dirty="0" smtClean="0">
                 <a:solidFill>
                   <a:schemeClr val="bg1"/>
                 </a:solidFill>
@@ -19094,7 +19105,7 @@
               <a:t>(</a:t>
             </a:r>
             <a:r>
-              <a:rPr lang="en-US" sz="2800" i="0" u="none" strike="noStrike" cap="none" dirty="0" smtClean="0">
+              <a:rPr lang="en-US" sz="2800" b="1" i="0" u="none" strike="noStrike" cap="none" dirty="0" smtClean="0">
                 <a:solidFill>
                   <a:srgbClr val="00FF00"/>
                 </a:solidFill>
@@ -19106,7 +19117,7 @@
               <a:t>bob</a:t>
             </a:r>
             <a:r>
-              <a:rPr lang="en-US" sz="2800" i="0" u="none" strike="noStrike" cap="none" dirty="0" smtClean="0">
+              <a:rPr lang="en-US" sz="2800" b="1" i="0" u="none" strike="noStrike" cap="none" dirty="0" smtClean="0">
                 <a:solidFill>
                   <a:schemeClr val="bg1"/>
                 </a:solidFill>
@@ -19117,7 +19128,7 @@
               </a:rPr>
               <a:t>)</a:t>
             </a:r>
-            <a:endParaRPr lang="en-US" sz="2800" i="0" u="none" strike="noStrike" cap="none" dirty="0">
+            <a:endParaRPr lang="en-US" sz="2800" b="1" i="0" u="none" strike="noStrike" cap="none" dirty="0">
               <a:solidFill>
                 <a:schemeClr val="bg1"/>
               </a:solidFill>
@@ -19146,7 +19157,7 @@
               <a:buNone/>
             </a:pPr>
             <a:r>
-              <a:rPr lang="en-US" sz="2800" i="0" u="none" strike="noStrike" cap="none" dirty="0" err="1">
+              <a:rPr lang="en-US" sz="2800" b="1" i="0" u="none" strike="noStrike" cap="none" dirty="0" err="1">
                 <a:solidFill>
                   <a:srgbClr val="00FF00"/>
                 </a:solidFill>
@@ -19157,7 +19168,7 @@
               </a:rPr>
               <a:t>Hellothere</a:t>
             </a:r>
-            <a:endParaRPr lang="en-US" sz="2800" i="0" u="none" strike="noStrike" cap="none" dirty="0">
+            <a:endParaRPr lang="en-US" sz="2800" b="1" i="0" u="none" strike="noStrike" cap="none" dirty="0">
               <a:solidFill>
                 <a:srgbClr val="00FF00"/>
               </a:solidFill>
@@ -19186,7 +19197,7 @@
               <a:buNone/>
             </a:pPr>
             <a:r>
-              <a:rPr lang="en-US" sz="2800" i="0" u="none" strike="noStrike" cap="none" dirty="0">
+              <a:rPr lang="en-US" sz="2800" b="1" i="0" u="none" strike="noStrike" cap="none" dirty="0">
                 <a:solidFill>
                   <a:schemeClr val="lt1"/>
                 </a:solidFill>
@@ -19198,7 +19209,7 @@
               <a:t>&gt;&gt;&gt; </a:t>
             </a:r>
             <a:r>
-              <a:rPr lang="en-US" sz="2800" i="0" u="none" strike="noStrike" cap="none" dirty="0">
+              <a:rPr lang="en-US" sz="2800" b="1" i="0" u="none" strike="noStrike" cap="none" dirty="0">
                 <a:solidFill>
                   <a:srgbClr val="FF7F00"/>
                 </a:solidFill>
@@ -19229,7 +19240,7 @@
               <a:buNone/>
             </a:pPr>
             <a:r>
-              <a:rPr lang="en-US" sz="2800" i="0" u="none" strike="noStrike" cap="none" dirty="0">
+              <a:rPr lang="en-US" sz="2800" b="1" i="0" u="none" strike="noStrike" cap="none" dirty="0">
                 <a:solidFill>
                   <a:schemeClr val="lt1"/>
                 </a:solidFill>
@@ -19241,7 +19252,7 @@
               <a:t>&gt;&gt;&gt; </a:t>
             </a:r>
             <a:r>
-              <a:rPr lang="en-US" sz="2800" i="0" u="none" strike="noStrike" cap="none" dirty="0">
+              <a:rPr lang="en-US" sz="2800" b="1" i="0" u="none" strike="noStrike" cap="none" dirty="0">
                 <a:solidFill>
                   <a:srgbClr val="FF7F00"/>
                 </a:solidFill>
@@ -19272,7 +19283,7 @@
               <a:buNone/>
             </a:pPr>
             <a:r>
-              <a:rPr lang="en-US" sz="2800" i="0" u="none" strike="noStrike" cap="none" dirty="0" err="1">
+              <a:rPr lang="en-US" sz="2800" b="1" i="0" u="none" strike="noStrike" cap="none" dirty="0" err="1">
                 <a:solidFill>
                   <a:srgbClr val="E06666"/>
                 </a:solidFill>
@@ -19284,7 +19295,7 @@
               <a:t>Traceback</a:t>
             </a:r>
             <a:r>
-              <a:rPr lang="en-US" sz="2800" i="0" u="none" strike="noStrike" cap="none" dirty="0">
+              <a:rPr lang="en-US" sz="2800" b="1" i="0" u="none" strike="noStrike" cap="none" dirty="0">
                 <a:solidFill>
                   <a:srgbClr val="E06666"/>
                 </a:solidFill>
@@ -19296,7 +19307,7 @@
               <a:t> (most recent call last):  File "&lt;</a:t>
             </a:r>
             <a:r>
-              <a:rPr lang="en-US" sz="2800" i="0" u="none" strike="noStrike" cap="none" dirty="0" err="1">
+              <a:rPr lang="en-US" sz="2800" b="1" i="0" u="none" strike="noStrike" cap="none" dirty="0" err="1">
                 <a:solidFill>
                   <a:srgbClr val="E06666"/>
                 </a:solidFill>
@@ -19308,7 +19319,7 @@
               <a:t>stdin</a:t>
             </a:r>
             <a:r>
-              <a:rPr lang="en-US" sz="2800" i="0" u="none" strike="noStrike" cap="none" dirty="0">
+              <a:rPr lang="en-US" sz="2800" b="1" i="0" u="none" strike="noStrike" cap="none" dirty="0">
                 <a:solidFill>
                   <a:srgbClr val="E06666"/>
                 </a:solidFill>
@@ -19317,10 +19328,10 @@
                 <a:cs typeface="Courier New"/>
                 <a:sym typeface="Courier New"/>
               </a:rPr>
-              <a:t>&gt;", line 1, in &lt;module&gt;</a:t>
-            </a:r>
-            <a:r>
-              <a:rPr lang="en-US" sz="2800" i="0" u="none" strike="noStrike" cap="none" dirty="0" err="1">
+              <a:t>&gt;", line 1, in &lt;module</a:t>
+            </a:r>
+            <a:r>
+              <a:rPr lang="en-US" sz="2800" b="1" i="0" u="none" strike="noStrike" cap="none" dirty="0" smtClean="0">
                 <a:solidFill>
                   <a:srgbClr val="E06666"/>
                 </a:solidFill>
@@ -19329,10 +19340,41 @@
                 <a:cs typeface="Courier New"/>
                 <a:sym typeface="Courier New"/>
               </a:rPr>
+              <a:t>&gt;</a:t>
+            </a:r>
+          </a:p>
+          <a:p>
+            <a:pPr marL="0" marR="0" lvl="0" indent="0" algn="l" rtl="0">
+              <a:lnSpc>
+                <a:spcPct val="100000"/>
+              </a:lnSpc>
+              <a:spcBef>
+                <a:spcPts val="0"/>
+              </a:spcBef>
+              <a:spcAft>
+                <a:spcPts val="0"/>
+              </a:spcAft>
+              <a:buClr>
+                <a:srgbClr val="FF0000"/>
+              </a:buClr>
+              <a:buSzPct val="25000"/>
+              <a:buFont typeface="Cabin"/>
+              <a:buNone/>
+            </a:pPr>
+            <a:r>
+              <a:rPr lang="en-US" sz="2800" b="1" i="0" u="none" strike="noStrike" cap="none" dirty="0" err="1" smtClean="0">
+                <a:solidFill>
+                  <a:srgbClr val="E06666"/>
+                </a:solidFill>
+                <a:latin typeface="Courier New"/>
+                <a:ea typeface="Courier New"/>
+                <a:cs typeface="Courier New"/>
+                <a:sym typeface="Courier New"/>
+              </a:rPr>
               <a:t>TypeError</a:t>
             </a:r>
             <a:r>
-              <a:rPr lang="en-US" sz="2800" i="0" u="none" strike="noStrike" cap="none" dirty="0">
+              <a:rPr lang="en-US" sz="2800" b="1" i="0" u="none" strike="noStrike" cap="none" dirty="0">
                 <a:solidFill>
                   <a:srgbClr val="E06666"/>
                 </a:solidFill>
@@ -19344,7 +19386,7 @@
               <a:t>: cannot concatenate '</a:t>
             </a:r>
             <a:r>
-              <a:rPr lang="en-US" sz="2800" i="0" u="none" strike="noStrike" cap="none" dirty="0" err="1">
+              <a:rPr lang="en-US" sz="2800" b="1" i="0" u="none" strike="noStrike" cap="none" dirty="0" err="1">
                 <a:solidFill>
                   <a:srgbClr val="E06666"/>
                 </a:solidFill>
@@ -19356,7 +19398,7 @@
               <a:t>str</a:t>
             </a:r>
             <a:r>
-              <a:rPr lang="en-US" sz="2800" i="0" u="none" strike="noStrike" cap="none" dirty="0">
+              <a:rPr lang="en-US" sz="2800" b="1" i="0" u="none" strike="noStrike" cap="none" dirty="0">
                 <a:solidFill>
                   <a:srgbClr val="E06666"/>
                 </a:solidFill>
@@ -19368,7 +19410,7 @@
               <a:t>' and '</a:t>
             </a:r>
             <a:r>
-              <a:rPr lang="en-US" sz="2800" i="0" u="none" strike="noStrike" cap="none" dirty="0" err="1">
+              <a:rPr lang="en-US" sz="2800" b="1" i="0" u="none" strike="noStrike" cap="none" dirty="0" err="1">
                 <a:solidFill>
                   <a:srgbClr val="E06666"/>
                 </a:solidFill>
@@ -19380,7 +19422,7 @@
               <a:t>int</a:t>
             </a:r>
             <a:r>
-              <a:rPr lang="en-US" sz="2800" i="0" u="none" strike="noStrike" cap="none" dirty="0">
+              <a:rPr lang="en-US" sz="2800" b="1" i="0" u="none" strike="noStrike" cap="none" dirty="0">
                 <a:solidFill>
                   <a:srgbClr val="E06666"/>
                 </a:solidFill>
@@ -19411,7 +19453,7 @@
               <a:buNone/>
             </a:pPr>
             <a:r>
-              <a:rPr lang="en-US" sz="2800" i="0" u="none" strike="noStrike" cap="none" dirty="0">
+              <a:rPr lang="en-US" sz="2800" b="1" i="0" u="none" strike="noStrike" cap="none" dirty="0">
                 <a:solidFill>
                   <a:schemeClr val="lt1"/>
                 </a:solidFill>
@@ -19423,7 +19465,7 @@
               <a:t>&gt;&gt;&gt; </a:t>
             </a:r>
             <a:r>
-              <a:rPr lang="en-US" sz="2800" i="0" u="none" strike="noStrike" cap="none" dirty="0">
+              <a:rPr lang="en-US" sz="2800" b="1" i="0" u="none" strike="noStrike" cap="none" dirty="0">
                 <a:solidFill>
                   <a:srgbClr val="00FFFF"/>
                 </a:solidFill>
@@ -19435,7 +19477,7 @@
               <a:t>x = </a:t>
             </a:r>
             <a:r>
-              <a:rPr lang="en-US" sz="2800" i="0" u="none" strike="noStrike" cap="none" dirty="0" err="1">
+              <a:rPr lang="en-US" sz="2800" b="1" i="0" u="none" strike="noStrike" cap="none" dirty="0" err="1">
                 <a:solidFill>
                   <a:srgbClr val="FF00FF"/>
                 </a:solidFill>
@@ -19447,7 +19489,7 @@
               <a:t>int</a:t>
             </a:r>
             <a:r>
-              <a:rPr lang="en-US" sz="2800" i="0" u="none" strike="noStrike" cap="none" dirty="0">
+              <a:rPr lang="en-US" sz="2800" b="1" i="0" u="none" strike="noStrike" cap="none" dirty="0">
                 <a:solidFill>
                   <a:srgbClr val="00FFFF"/>
                 </a:solidFill>
@@ -19478,7 +19520,7 @@
               <a:buNone/>
             </a:pPr>
             <a:r>
-              <a:rPr lang="en-US" sz="2800" i="0" u="none" strike="noStrike" cap="none" dirty="0">
+              <a:rPr lang="en-US" sz="2800" b="1" i="0" u="none" strike="noStrike" cap="none" dirty="0">
                 <a:solidFill>
                   <a:schemeClr val="lt1"/>
                 </a:solidFill>
@@ -19490,7 +19532,7 @@
               <a:t>&gt;&gt;&gt; </a:t>
             </a:r>
             <a:r>
-              <a:rPr lang="en-US" sz="2800" i="0" u="none" strike="noStrike" cap="none" dirty="0" smtClean="0">
+              <a:rPr lang="en-US" sz="2800" b="1" i="0" u="none" strike="noStrike" cap="none" dirty="0" smtClean="0">
                 <a:solidFill>
                   <a:srgbClr val="FFFF00"/>
                 </a:solidFill>
@@ -19502,7 +19544,7 @@
               <a:t>print</a:t>
             </a:r>
             <a:r>
-              <a:rPr lang="en-US" sz="2800" dirty="0" smtClean="0">
+              <a:rPr lang="en-US" sz="2800" b="1" dirty="0" smtClean="0">
                 <a:solidFill>
                   <a:schemeClr val="bg1"/>
                 </a:solidFill>
@@ -19514,7 +19556,7 @@
               <a:t>(</a:t>
             </a:r>
             <a:r>
-              <a:rPr lang="en-US" sz="2800" i="0" u="none" strike="noStrike" cap="none" dirty="0" smtClean="0">
+              <a:rPr lang="en-US" sz="2800" b="1" i="0" u="none" strike="noStrike" cap="none" dirty="0" smtClean="0">
                 <a:solidFill>
                   <a:srgbClr val="00FFFF"/>
                 </a:solidFill>
@@ -19526,7 +19568,7 @@
               <a:t>x</a:t>
             </a:r>
             <a:r>
-              <a:rPr lang="en-US" sz="2800" i="0" u="none" strike="noStrike" cap="none" dirty="0" smtClean="0">
+              <a:rPr lang="en-US" sz="2800" b="1" i="0" u="none" strike="noStrike" cap="none" dirty="0" smtClean="0">
                 <a:solidFill>
                   <a:schemeClr val="bg1"/>
                 </a:solidFill>
@@ -19537,7 +19579,7 @@
               </a:rPr>
               <a:t>)</a:t>
             </a:r>
-            <a:endParaRPr lang="en-US" sz="2800" i="0" u="none" strike="noStrike" cap="none" dirty="0">
+            <a:endParaRPr lang="en-US" sz="2800" b="1" i="0" u="none" strike="noStrike" cap="none" dirty="0">
               <a:solidFill>
                 <a:schemeClr val="bg1"/>
               </a:solidFill>
@@ -19566,7 +19608,7 @@
               <a:buNone/>
             </a:pPr>
             <a:r>
-              <a:rPr lang="en-US" sz="2800" i="0" u="none" strike="noStrike" cap="none" dirty="0">
+              <a:rPr lang="en-US" sz="2800" b="1" i="0" u="none" strike="noStrike" cap="none" dirty="0">
                 <a:solidFill>
                   <a:srgbClr val="00FFFF"/>
                 </a:solidFill>
@@ -19597,18 +19639,6 @@
               <a:buNone/>
             </a:pPr>
             <a:r>
-              <a:rPr lang="en-US" sz="2800" i="0" u="none" strike="noStrike" cap="none" dirty="0">
-                <a:solidFill>
-                  <a:schemeClr val="lt1"/>
-                </a:solidFill>
-                <a:latin typeface="Courier New"/>
-                <a:ea typeface="Courier New"/>
-                <a:cs typeface="Courier New"/>
-                <a:sym typeface="Courier New"/>
-              </a:rPr>
-              <a:t>&gt;&gt;&gt;</a:t>
-            </a:r>
-            <a:r>
               <a:rPr lang="en-US" sz="2800" b="1" i="0" u="none" strike="noStrike" cap="none" dirty="0">
                 <a:solidFill>
                   <a:schemeClr val="lt1"/>
@@ -19618,7 +19648,7 @@
                 <a:cs typeface="Courier New"/>
                 <a:sym typeface="Courier New"/>
               </a:rPr>
-              <a:t> </a:t>
+              <a:t>&gt;&gt;&gt; </a:t>
             </a:r>
           </a:p>
         </p:txBody>
@@ -19983,7 +20013,7 @@
               <a:buNone/>
             </a:pPr>
             <a:r>
-              <a:rPr lang="en-US" sz="3400" i="0" u="none" strike="noStrike" cap="none" dirty="0">
+              <a:rPr lang="en-US" sz="3400" b="1" i="0" u="none" strike="noStrike" cap="none" dirty="0">
                 <a:solidFill>
                   <a:schemeClr val="lt1"/>
                 </a:solidFill>
@@ -19995,7 +20025,7 @@
               <a:t>&gt;&gt;&gt; </a:t>
             </a:r>
             <a:r>
-              <a:rPr lang="en-US" sz="3400" i="0" u="none" strike="noStrike" cap="none" dirty="0">
+              <a:rPr lang="en-US" sz="3400" b="1" i="0" u="none" strike="noStrike" cap="none" dirty="0">
                 <a:solidFill>
                   <a:srgbClr val="00FF00"/>
                 </a:solidFill>
@@ -20007,7 +20037,7 @@
               <a:t>greet</a:t>
             </a:r>
             <a:r>
-              <a:rPr lang="en-US" sz="3400" i="0" u="none" strike="noStrike" cap="none" dirty="0">
+              <a:rPr lang="en-US" sz="3400" b="1" i="0" u="none" strike="noStrike" cap="none" dirty="0">
                 <a:solidFill>
                   <a:srgbClr val="FF7F00"/>
                 </a:solidFill>
@@ -20019,7 +20049,7 @@
               <a:t> </a:t>
             </a:r>
             <a:r>
-              <a:rPr lang="en-US" sz="3400" i="0" u="none" strike="noStrike" cap="none" dirty="0">
+              <a:rPr lang="en-US" sz="3400" b="1" i="0" u="none" strike="noStrike" cap="none" dirty="0">
                 <a:solidFill>
                   <a:schemeClr val="lt1"/>
                 </a:solidFill>
@@ -20031,7 +20061,7 @@
               <a:t>=</a:t>
             </a:r>
             <a:r>
-              <a:rPr lang="en-US" sz="3400" i="0" u="none" strike="noStrike" cap="none" dirty="0">
+              <a:rPr lang="en-US" sz="3400" b="1" i="0" u="none" strike="noStrike" cap="none" dirty="0">
                 <a:solidFill>
                   <a:srgbClr val="FFFF00"/>
                 </a:solidFill>
@@ -20043,7 +20073,7 @@
               <a:t> </a:t>
             </a:r>
             <a:r>
-              <a:rPr lang="en-US" sz="3400" i="0" u="none" strike="noStrike" cap="none" dirty="0">
+              <a:rPr lang="en-US" sz="3400" b="1" i="0" u="none" strike="noStrike" cap="none" dirty="0">
                 <a:solidFill>
                   <a:srgbClr val="FF7F00"/>
                 </a:solidFill>
@@ -20074,7 +20104,7 @@
               <a:buNone/>
             </a:pPr>
             <a:r>
-              <a:rPr lang="en-US" sz="3400" i="0" u="none" strike="noStrike" cap="none" dirty="0">
+              <a:rPr lang="en-US" sz="3400" b="1" i="0" u="none" strike="noStrike" cap="none" dirty="0">
                 <a:solidFill>
                   <a:schemeClr val="lt1"/>
                 </a:solidFill>
@@ -20086,7 +20116,7 @@
               <a:t>&gt;&gt;&gt; </a:t>
             </a:r>
             <a:r>
-              <a:rPr lang="en-US" sz="3400" i="0" u="none" strike="noStrike" cap="none" dirty="0">
+              <a:rPr lang="en-US" sz="3400" b="1" i="0" u="none" strike="noStrike" cap="none" dirty="0">
                 <a:solidFill>
                   <a:srgbClr val="00FF00"/>
                 </a:solidFill>
@@ -20098,7 +20128,7 @@
               <a:t>zap</a:t>
             </a:r>
             <a:r>
-              <a:rPr lang="en-US" sz="3400" i="0" u="none" strike="noStrike" cap="none" dirty="0">
+              <a:rPr lang="en-US" sz="3400" b="1" i="0" u="none" strike="noStrike" cap="none" dirty="0">
                 <a:solidFill>
                   <a:srgbClr val="FF7F00"/>
                 </a:solidFill>
@@ -20110,7 +20140,7 @@
               <a:t> </a:t>
             </a:r>
             <a:r>
-              <a:rPr lang="en-US" sz="3400" i="0" u="none" strike="noStrike" cap="none" dirty="0">
+              <a:rPr lang="en-US" sz="3400" b="1" i="0" u="none" strike="noStrike" cap="none" dirty="0">
                 <a:solidFill>
                   <a:schemeClr val="lt1"/>
                 </a:solidFill>
@@ -20122,7 +20152,7 @@
               <a:t>=</a:t>
             </a:r>
             <a:r>
-              <a:rPr lang="en-US" sz="3400" i="0" u="none" strike="noStrike" cap="none" dirty="0">
+              <a:rPr lang="en-US" sz="3400" b="1" i="0" u="none" strike="noStrike" cap="none" dirty="0">
                 <a:solidFill>
                   <a:srgbClr val="FF7F00"/>
                 </a:solidFill>
@@ -20134,7 +20164,7 @@
               <a:t> </a:t>
             </a:r>
             <a:r>
-              <a:rPr lang="en-US" sz="3400" i="0" u="none" strike="noStrike" cap="none" dirty="0" err="1">
+              <a:rPr lang="en-US" sz="3400" b="1" i="0" u="none" strike="noStrike" cap="none" dirty="0" err="1">
                 <a:solidFill>
                   <a:srgbClr val="00FF00"/>
                 </a:solidFill>
@@ -20146,7 +20176,7 @@
               <a:t>greet</a:t>
             </a:r>
             <a:r>
-              <a:rPr lang="en-US" sz="3400" i="0" u="none" strike="noStrike" cap="none" dirty="0" err="1">
+              <a:rPr lang="en-US" sz="3400" b="1" i="0" u="none" strike="noStrike" cap="none" dirty="0" err="1">
                 <a:solidFill>
                   <a:srgbClr val="FF00FF"/>
                 </a:solidFill>
@@ -20158,7 +20188,7 @@
               <a:t>.lower</a:t>
             </a:r>
             <a:r>
-              <a:rPr lang="en-US" sz="3400" i="0" u="none" strike="noStrike" cap="none" dirty="0">
+              <a:rPr lang="en-US" sz="3400" b="1" i="0" u="none" strike="noStrike" cap="none" dirty="0">
                 <a:solidFill>
                   <a:schemeClr val="lt1"/>
                 </a:solidFill>
@@ -20189,7 +20219,7 @@
               <a:buNone/>
             </a:pPr>
             <a:r>
-              <a:rPr lang="en-US" sz="3400" i="0" u="none" strike="noStrike" cap="none" dirty="0">
+              <a:rPr lang="en-US" sz="3400" b="1" i="0" u="none" strike="noStrike" cap="none" dirty="0">
                 <a:solidFill>
                   <a:schemeClr val="lt1"/>
                 </a:solidFill>
@@ -20201,7 +20231,7 @@
               <a:t>&gt;&gt;&gt; </a:t>
             </a:r>
             <a:r>
-              <a:rPr lang="en-US" sz="3400" i="0" u="none" strike="noStrike" cap="none" dirty="0" smtClean="0">
+              <a:rPr lang="en-US" sz="3400" b="1" i="0" u="none" strike="noStrike" cap="none" dirty="0" smtClean="0">
                 <a:solidFill>
                   <a:srgbClr val="FFFF00"/>
                 </a:solidFill>
@@ -20213,7 +20243,7 @@
               <a:t>print</a:t>
             </a:r>
             <a:r>
-              <a:rPr lang="en-US" sz="3400" dirty="0" smtClean="0">
+              <a:rPr lang="en-US" sz="3400" b="1" dirty="0" smtClean="0">
                 <a:solidFill>
                   <a:schemeClr val="bg1"/>
                 </a:solidFill>
@@ -20225,7 +20255,7 @@
               <a:t>(</a:t>
             </a:r>
             <a:r>
-              <a:rPr lang="en-US" sz="3400" i="0" u="none" strike="noStrike" cap="none" dirty="0" smtClean="0">
+              <a:rPr lang="en-US" sz="3400" b="1" i="0" u="none" strike="noStrike" cap="none" dirty="0" smtClean="0">
                 <a:solidFill>
                   <a:srgbClr val="00FF00"/>
                 </a:solidFill>
@@ -20237,7 +20267,7 @@
               <a:t>zap</a:t>
             </a:r>
             <a:r>
-              <a:rPr lang="en-US" sz="3400" i="0" u="none" strike="noStrike" cap="none" dirty="0" smtClean="0">
+              <a:rPr lang="en-US" sz="3400" b="1" i="0" u="none" strike="noStrike" cap="none" dirty="0" smtClean="0">
                 <a:solidFill>
                   <a:schemeClr val="bg1"/>
                 </a:solidFill>
@@ -20248,7 +20278,7 @@
               </a:rPr>
               <a:t>)</a:t>
             </a:r>
-            <a:endParaRPr lang="en-US" sz="3400" i="0" u="none" strike="noStrike" cap="none" dirty="0">
+            <a:endParaRPr lang="en-US" sz="3400" b="1" i="0" u="none" strike="noStrike" cap="none" dirty="0">
               <a:solidFill>
                 <a:schemeClr val="bg1"/>
               </a:solidFill>
@@ -20277,7 +20307,7 @@
               <a:buNone/>
             </a:pPr>
             <a:r>
-              <a:rPr lang="en-US" sz="3400" i="0" u="none" strike="noStrike" cap="none" dirty="0">
+              <a:rPr lang="en-US" sz="3400" b="1" i="0" u="none" strike="noStrike" cap="none" dirty="0">
                 <a:solidFill>
                   <a:schemeClr val="lt1"/>
                 </a:solidFill>
@@ -20308,7 +20338,7 @@
               <a:buNone/>
             </a:pPr>
             <a:r>
-              <a:rPr lang="en-US" sz="3400" i="0" u="none" strike="noStrike" cap="none" dirty="0">
+              <a:rPr lang="en-US" sz="3400" b="1" i="0" u="none" strike="noStrike" cap="none" dirty="0">
                 <a:solidFill>
                   <a:schemeClr val="lt1"/>
                 </a:solidFill>
@@ -20320,7 +20350,7 @@
               <a:t>&gt;&gt;&gt; </a:t>
             </a:r>
             <a:r>
-              <a:rPr lang="en-US" sz="3400" i="0" u="none" strike="noStrike" cap="none" dirty="0" smtClean="0">
+              <a:rPr lang="en-US" sz="3400" b="1" i="0" u="none" strike="noStrike" cap="none" dirty="0" smtClean="0">
                 <a:solidFill>
                   <a:srgbClr val="FFFF00"/>
                 </a:solidFill>
@@ -20332,7 +20362,7 @@
               <a:t>print</a:t>
             </a:r>
             <a:r>
-              <a:rPr lang="en-US" sz="3400" dirty="0" smtClean="0">
+              <a:rPr lang="en-US" sz="3400" b="1" dirty="0" smtClean="0">
                 <a:solidFill>
                   <a:schemeClr val="lt1"/>
                 </a:solidFill>
@@ -20344,7 +20374,7 @@
               <a:t>(</a:t>
             </a:r>
             <a:r>
-              <a:rPr lang="en-US" sz="3400" i="0" u="none" strike="noStrike" cap="none" dirty="0" smtClean="0">
+              <a:rPr lang="en-US" sz="3400" b="1" i="0" u="none" strike="noStrike" cap="none" dirty="0" smtClean="0">
                 <a:solidFill>
                   <a:srgbClr val="00FF00"/>
                 </a:solidFill>
@@ -20355,7 +20385,7 @@
               </a:rPr>
               <a:t>greet)</a:t>
             </a:r>
-            <a:endParaRPr lang="en-US" sz="3400" i="0" u="none" strike="noStrike" cap="none" dirty="0">
+            <a:endParaRPr lang="en-US" sz="3400" b="1" i="0" u="none" strike="noStrike" cap="none" dirty="0">
               <a:solidFill>
                 <a:srgbClr val="00FF00"/>
               </a:solidFill>
@@ -20384,7 +20414,7 @@
               <a:buNone/>
             </a:pPr>
             <a:r>
-              <a:rPr lang="en-US" sz="3400" i="0" u="none" strike="noStrike" cap="none" dirty="0">
+              <a:rPr lang="en-US" sz="3400" b="1" i="0" u="none" strike="noStrike" cap="none" dirty="0">
                 <a:solidFill>
                   <a:schemeClr val="lt1"/>
                 </a:solidFill>
@@ -20415,7 +20445,7 @@
               <a:buNone/>
             </a:pPr>
             <a:r>
-              <a:rPr lang="en-US" sz="3400" i="0" u="none" strike="noStrike" cap="none" dirty="0">
+              <a:rPr lang="en-US" sz="3400" b="1" i="0" u="none" strike="noStrike" cap="none" dirty="0">
                 <a:solidFill>
                   <a:schemeClr val="lt1"/>
                 </a:solidFill>
@@ -20427,7 +20457,7 @@
               <a:t>&gt;&gt;&gt; </a:t>
             </a:r>
             <a:r>
-              <a:rPr lang="en-US" sz="3400" i="0" u="none" strike="noStrike" cap="none" dirty="0" smtClean="0">
+              <a:rPr lang="en-US" sz="3400" b="1" i="0" u="none" strike="noStrike" cap="none" dirty="0" smtClean="0">
                 <a:solidFill>
                   <a:srgbClr val="FFFF00"/>
                 </a:solidFill>
@@ -20439,7 +20469,7 @@
               <a:t>print</a:t>
             </a:r>
             <a:r>
-              <a:rPr lang="en-US" sz="3400" i="0" u="none" strike="noStrike" cap="none" dirty="0" smtClean="0">
+              <a:rPr lang="en-US" sz="3400" b="1" i="0" u="none" strike="noStrike" cap="none" dirty="0" smtClean="0">
                 <a:solidFill>
                   <a:schemeClr val="bg1"/>
                 </a:solidFill>
@@ -20451,7 +20481,7 @@
               <a:t>(</a:t>
             </a:r>
             <a:r>
-              <a:rPr lang="en-US" sz="3400" i="0" u="none" strike="noStrike" cap="none" dirty="0" smtClean="0">
+              <a:rPr lang="en-US" sz="3400" b="1" i="0" u="none" strike="noStrike" cap="none" dirty="0" smtClean="0">
                 <a:solidFill>
                   <a:srgbClr val="FF7F00"/>
                 </a:solidFill>
@@ -20463,7 +20493,7 @@
               <a:t>'Hi </a:t>
             </a:r>
             <a:r>
-              <a:rPr lang="en-US" sz="3400" i="0" u="none" strike="noStrike" cap="none" dirty="0" err="1">
+              <a:rPr lang="en-US" sz="3400" b="1" i="0" u="none" strike="noStrike" cap="none" dirty="0" err="1">
                 <a:solidFill>
                   <a:srgbClr val="FF7F00"/>
                 </a:solidFill>
@@ -20475,7 +20505,7 @@
               <a:t>There'</a:t>
             </a:r>
             <a:r>
-              <a:rPr lang="en-US" sz="3400" i="0" u="none" strike="noStrike" cap="none" dirty="0" err="1">
+              <a:rPr lang="en-US" sz="3400" b="1" i="0" u="none" strike="noStrike" cap="none" dirty="0" err="1">
                 <a:solidFill>
                   <a:srgbClr val="FF00FF"/>
                 </a:solidFill>
@@ -20487,7 +20517,7 @@
               <a:t>.lower</a:t>
             </a:r>
             <a:r>
-              <a:rPr lang="en-US" sz="3400" i="0" u="none" strike="noStrike" cap="none" dirty="0" smtClean="0">
+              <a:rPr lang="en-US" sz="3400" b="1" i="0" u="none" strike="noStrike" cap="none" dirty="0" smtClean="0">
                 <a:solidFill>
                   <a:schemeClr val="lt1"/>
                 </a:solidFill>
@@ -20498,7 +20528,7 @@
               </a:rPr>
               <a:t>())</a:t>
             </a:r>
-            <a:endParaRPr lang="en-US" sz="3400" i="0" u="none" strike="noStrike" cap="none" dirty="0">
+            <a:endParaRPr lang="en-US" sz="3400" b="1" i="0" u="none" strike="noStrike" cap="none" dirty="0">
               <a:solidFill>
                 <a:schemeClr val="lt1"/>
               </a:solidFill>
@@ -20527,7 +20557,7 @@
               <a:buNone/>
             </a:pPr>
             <a:r>
-              <a:rPr lang="en-US" sz="3400" i="0" u="none" strike="noStrike" cap="none" dirty="0">
+              <a:rPr lang="en-US" sz="3400" b="1" i="0" u="none" strike="noStrike" cap="none" dirty="0">
                 <a:solidFill>
                   <a:schemeClr val="lt1"/>
                 </a:solidFill>
@@ -20558,7 +20588,7 @@
               <a:buNone/>
             </a:pPr>
             <a:r>
-              <a:rPr lang="en-US" sz="3400" i="0" u="none" strike="noStrike" cap="none" dirty="0">
+              <a:rPr lang="en-US" sz="3400" b="1" i="0" u="none" strike="noStrike" cap="none" dirty="0">
                 <a:solidFill>
                   <a:schemeClr val="lt1"/>
                 </a:solidFill>
@@ -20640,7 +20670,7 @@
               <a:buNone/>
             </a:pPr>
             <a:r>
-              <a:rPr lang="en-US" sz="3000" i="0" u="none" strike="noStrike" cap="none" dirty="0">
+              <a:rPr lang="en-US" sz="3000" b="1" i="0" u="none" strike="noStrike" cap="none" dirty="0">
                 <a:solidFill>
                   <a:schemeClr val="lt1"/>
                 </a:solidFill>
@@ -20652,7 +20682,7 @@
               <a:t>&gt;&gt;&gt; </a:t>
             </a:r>
             <a:r>
-              <a:rPr lang="en-US" sz="3000" i="0" u="none" strike="noStrike" cap="none" dirty="0">
+              <a:rPr lang="en-US" sz="3000" b="1" i="0" u="none" strike="noStrike" cap="none" dirty="0">
                 <a:solidFill>
                   <a:srgbClr val="00FF00"/>
                 </a:solidFill>
@@ -20664,7 +20694,7 @@
               <a:t>stuff</a:t>
             </a:r>
             <a:r>
-              <a:rPr lang="en-US" sz="3000" i="0" u="none" strike="noStrike" cap="none" dirty="0">
+              <a:rPr lang="en-US" sz="3000" b="1" i="0" u="none" strike="noStrike" cap="none" dirty="0">
                 <a:solidFill>
                   <a:schemeClr val="lt1"/>
                 </a:solidFill>
@@ -20676,7 +20706,7 @@
               <a:t> = </a:t>
             </a:r>
             <a:r>
-              <a:rPr lang="en-US" sz="3000" i="0" u="none" strike="noStrike" cap="none" dirty="0">
+              <a:rPr lang="en-US" sz="3000" b="1" i="0" u="none" strike="noStrike" cap="none" dirty="0">
                 <a:solidFill>
                   <a:srgbClr val="FF7F00"/>
                 </a:solidFill>
@@ -20688,7 +20718,7 @@
               <a:t>'Hello world</a:t>
             </a:r>
             <a:r>
-              <a:rPr lang="en-US" sz="3000" dirty="0">
+              <a:rPr lang="en-US" sz="3000" b="1" dirty="0">
                 <a:solidFill>
                   <a:srgbClr val="FF7F00"/>
                 </a:solidFill>
@@ -20719,7 +20749,7 @@
               <a:buNone/>
             </a:pPr>
             <a:r>
-              <a:rPr lang="en-US" sz="3000" i="0" u="none" strike="noStrike" cap="none" dirty="0">
+              <a:rPr lang="en-US" sz="3000" b="1" i="0" u="none" strike="noStrike" cap="none" dirty="0">
                 <a:solidFill>
                   <a:schemeClr val="lt1"/>
                 </a:solidFill>
@@ -20731,7 +20761,7 @@
               <a:t>&gt;&gt;&gt; </a:t>
             </a:r>
             <a:r>
-              <a:rPr lang="en-US" sz="3000" i="0" u="none" strike="noStrike" cap="none" dirty="0">
+              <a:rPr lang="en-US" sz="3000" b="1" i="0" u="none" strike="noStrike" cap="none" dirty="0">
                 <a:solidFill>
                   <a:srgbClr val="FFFF00"/>
                 </a:solidFill>
@@ -20743,7 +20773,7 @@
               <a:t>type</a:t>
             </a:r>
             <a:r>
-              <a:rPr lang="en-US" sz="3000" i="0" u="none" strike="noStrike" cap="none" dirty="0">
+              <a:rPr lang="en-US" sz="3000" b="1" i="0" u="none" strike="noStrike" cap="none" dirty="0">
                 <a:solidFill>
                   <a:schemeClr val="lt1"/>
                 </a:solidFill>
@@ -20755,7 +20785,7 @@
               <a:t>(</a:t>
             </a:r>
             <a:r>
-              <a:rPr lang="en-US" sz="3000" i="0" u="none" strike="noStrike" cap="none" dirty="0">
+              <a:rPr lang="en-US" sz="3000" b="1" i="0" u="none" strike="noStrike" cap="none" dirty="0">
                 <a:solidFill>
                   <a:srgbClr val="00FF00"/>
                 </a:solidFill>
@@ -20767,7 +20797,7 @@
               <a:t>stuff</a:t>
             </a:r>
             <a:r>
-              <a:rPr lang="en-US" sz="3000" i="0" u="none" strike="noStrike" cap="none" dirty="0">
+              <a:rPr lang="en-US" sz="3000" b="1" i="0" u="none" strike="noStrike" cap="none" dirty="0">
                 <a:solidFill>
                   <a:schemeClr val="lt1"/>
                 </a:solidFill>
@@ -20798,7 +20828,7 @@
               <a:buNone/>
             </a:pPr>
             <a:r>
-              <a:rPr lang="en-US" sz="3000" i="0" u="none" strike="noStrike" cap="none" dirty="0" smtClean="0">
+              <a:rPr lang="en-US" sz="3000" b="1" i="0" u="none" strike="noStrike" cap="none" dirty="0" smtClean="0">
                 <a:solidFill>
                   <a:schemeClr val="lt1"/>
                 </a:solidFill>
@@ -20810,7 +20840,7 @@
               <a:t>&lt;class '</a:t>
             </a:r>
             <a:r>
-              <a:rPr lang="en-US" sz="3000" i="0" u="none" strike="noStrike" cap="none" dirty="0" err="1" smtClean="0">
+              <a:rPr lang="en-US" sz="3000" b="1" i="0" u="none" strike="noStrike" cap="none" dirty="0" err="1" smtClean="0">
                 <a:solidFill>
                   <a:schemeClr val="lt1"/>
                 </a:solidFill>
@@ -20822,7 +20852,7 @@
               <a:t>str</a:t>
             </a:r>
             <a:r>
-              <a:rPr lang="en-US" sz="3000" i="0" u="none" strike="noStrike" cap="none" dirty="0">
+              <a:rPr lang="en-US" sz="3000" b="1" i="0" u="none" strike="noStrike" cap="none" dirty="0">
                 <a:solidFill>
                   <a:schemeClr val="lt1"/>
                 </a:solidFill>
@@ -20853,7 +20883,7 @@
               <a:buNone/>
             </a:pPr>
             <a:r>
-              <a:rPr lang="en-US" sz="3000" i="0" u="none" strike="noStrike" cap="none" dirty="0">
+              <a:rPr lang="en-US" sz="3000" b="1" i="0" u="none" strike="noStrike" cap="none" dirty="0">
                 <a:solidFill>
                   <a:schemeClr val="lt1"/>
                 </a:solidFill>
@@ -20865,7 +20895,7 @@
               <a:t>&gt;&gt;&gt; </a:t>
             </a:r>
             <a:r>
-              <a:rPr lang="en-US" sz="3000" i="0" u="none" strike="noStrike" cap="none" dirty="0" err="1">
+              <a:rPr lang="en-US" sz="3000" b="1" i="0" u="none" strike="noStrike" cap="none" dirty="0" err="1">
                 <a:solidFill>
                   <a:srgbClr val="FFFF00"/>
                 </a:solidFill>
@@ -20877,7 +20907,7 @@
               <a:t>dir</a:t>
             </a:r>
             <a:r>
-              <a:rPr lang="en-US" sz="3000" i="0" u="none" strike="noStrike" cap="none" dirty="0">
+              <a:rPr lang="en-US" sz="3000" b="1" i="0" u="none" strike="noStrike" cap="none" dirty="0">
                 <a:solidFill>
                   <a:schemeClr val="lt1"/>
                 </a:solidFill>
@@ -20889,7 +20919,7 @@
               <a:t>(</a:t>
             </a:r>
             <a:r>
-              <a:rPr lang="en-US" sz="3000" i="0" u="none" strike="noStrike" cap="none" dirty="0">
+              <a:rPr lang="en-US" sz="3000" b="1" i="0" u="none" strike="noStrike" cap="none" dirty="0">
                 <a:solidFill>
                   <a:srgbClr val="00FF00"/>
                 </a:solidFill>
@@ -20901,7 +20931,7 @@
               <a:t>stuff</a:t>
             </a:r>
             <a:r>
-              <a:rPr lang="en-US" sz="3000" i="0" u="none" strike="noStrike" cap="none" dirty="0">
+              <a:rPr lang="en-US" sz="3000" b="1" i="0" u="none" strike="noStrike" cap="none" dirty="0">
                 <a:solidFill>
                   <a:schemeClr val="lt1"/>
                 </a:solidFill>
@@ -20921,7 +20951,7 @@
               <a:buSzPct val="25000"/>
             </a:pPr>
             <a:r>
-              <a:rPr lang="en-US" sz="3000" dirty="0">
+              <a:rPr lang="en-US" sz="3000" b="1" dirty="0">
                 <a:solidFill>
                   <a:schemeClr val="lt1"/>
                 </a:solidFill>
@@ -20933,7 +20963,7 @@
               <a:t>['capitalize', '</a:t>
             </a:r>
             <a:r>
-              <a:rPr lang="en-US" sz="3000" dirty="0" err="1">
+              <a:rPr lang="en-US" sz="3000" b="1" dirty="0" err="1">
                 <a:solidFill>
                   <a:schemeClr val="lt1"/>
                 </a:solidFill>
@@ -20945,7 +20975,7 @@
               <a:t>casefold</a:t>
             </a:r>
             <a:r>
-              <a:rPr lang="en-US" sz="3000" dirty="0">
+              <a:rPr lang="en-US" sz="3000" b="1" dirty="0">
                 <a:solidFill>
                   <a:schemeClr val="lt1"/>
                 </a:solidFill>
@@ -20957,7 +20987,7 @@
               <a:t>', 'center', 'count', 'encode', '</a:t>
             </a:r>
             <a:r>
-              <a:rPr lang="en-US" sz="3000" dirty="0" err="1">
+              <a:rPr lang="en-US" sz="3000" b="1" dirty="0" err="1">
                 <a:solidFill>
                   <a:schemeClr val="lt1"/>
                 </a:solidFill>
@@ -20969,7 +20999,7 @@
               <a:t>endswith</a:t>
             </a:r>
             <a:r>
-              <a:rPr lang="en-US" sz="3000" dirty="0">
+              <a:rPr lang="en-US" sz="3000" b="1" dirty="0">
                 <a:solidFill>
                   <a:schemeClr val="lt1"/>
                 </a:solidFill>
@@ -20981,7 +21011,7 @@
               <a:t>', '</a:t>
             </a:r>
             <a:r>
-              <a:rPr lang="en-US" sz="3000" dirty="0" err="1">
+              <a:rPr lang="en-US" sz="3000" b="1" dirty="0" err="1">
                 <a:solidFill>
                   <a:schemeClr val="lt1"/>
                 </a:solidFill>
@@ -20993,7 +21023,7 @@
               <a:t>expandtabs</a:t>
             </a:r>
             <a:r>
-              <a:rPr lang="en-US" sz="3000" dirty="0">
+              <a:rPr lang="en-US" sz="3000" b="1" dirty="0">
                 <a:solidFill>
                   <a:schemeClr val="lt1"/>
                 </a:solidFill>
@@ -21005,7 +21035,7 @@
               <a:t>', 'find', 'format', '</a:t>
             </a:r>
             <a:r>
-              <a:rPr lang="en-US" sz="3000" dirty="0" err="1">
+              <a:rPr lang="en-US" sz="3000" b="1" dirty="0" err="1">
                 <a:solidFill>
                   <a:schemeClr val="lt1"/>
                 </a:solidFill>
@@ -21017,7 +21047,7 @@
               <a:t>format_map</a:t>
             </a:r>
             <a:r>
-              <a:rPr lang="en-US" sz="3000" dirty="0">
+              <a:rPr lang="en-US" sz="3000" b="1" dirty="0">
                 <a:solidFill>
                   <a:schemeClr val="lt1"/>
                 </a:solidFill>
@@ -21029,7 +21059,7 @@
               <a:t>', 'index', '</a:t>
             </a:r>
             <a:r>
-              <a:rPr lang="en-US" sz="3000" dirty="0" err="1">
+              <a:rPr lang="en-US" sz="3000" b="1" dirty="0" err="1">
                 <a:solidFill>
                   <a:schemeClr val="lt1"/>
                 </a:solidFill>
@@ -21041,7 +21071,7 @@
               <a:t>isalnum</a:t>
             </a:r>
             <a:r>
-              <a:rPr lang="en-US" sz="3000" dirty="0">
+              <a:rPr lang="en-US" sz="3000" b="1" dirty="0">
                 <a:solidFill>
                   <a:schemeClr val="lt1"/>
                 </a:solidFill>
@@ -21053,7 +21083,7 @@
               <a:t>', '</a:t>
             </a:r>
             <a:r>
-              <a:rPr lang="en-US" sz="3000" dirty="0" err="1">
+              <a:rPr lang="en-US" sz="3000" b="1" dirty="0" err="1">
                 <a:solidFill>
                   <a:schemeClr val="lt1"/>
                 </a:solidFill>
@@ -21065,7 +21095,7 @@
               <a:t>isalpha</a:t>
             </a:r>
             <a:r>
-              <a:rPr lang="en-US" sz="3000" dirty="0">
+              <a:rPr lang="en-US" sz="3000" b="1" dirty="0">
                 <a:solidFill>
                   <a:schemeClr val="lt1"/>
                 </a:solidFill>
@@ -21077,7 +21107,7 @@
               <a:t>', '</a:t>
             </a:r>
             <a:r>
-              <a:rPr lang="en-US" sz="3000" dirty="0" err="1">
+              <a:rPr lang="en-US" sz="3000" b="1" dirty="0" err="1">
                 <a:solidFill>
                   <a:schemeClr val="lt1"/>
                 </a:solidFill>
@@ -21089,7 +21119,7 @@
               <a:t>isdecimal</a:t>
             </a:r>
             <a:r>
-              <a:rPr lang="en-US" sz="3000" dirty="0">
+              <a:rPr lang="en-US" sz="3000" b="1" dirty="0">
                 <a:solidFill>
                   <a:schemeClr val="lt1"/>
                 </a:solidFill>
@@ -21101,7 +21131,7 @@
               <a:t>', '</a:t>
             </a:r>
             <a:r>
-              <a:rPr lang="en-US" sz="3000" dirty="0" err="1">
+              <a:rPr lang="en-US" sz="3000" b="1" dirty="0" err="1">
                 <a:solidFill>
                   <a:schemeClr val="lt1"/>
                 </a:solidFill>
@@ -21113,7 +21143,7 @@
               <a:t>isdigit</a:t>
             </a:r>
             <a:r>
-              <a:rPr lang="en-US" sz="3000" dirty="0">
+              <a:rPr lang="en-US" sz="3000" b="1" dirty="0">
                 <a:solidFill>
                   <a:schemeClr val="lt1"/>
                 </a:solidFill>
@@ -21125,7 +21155,7 @@
               <a:t>', '</a:t>
             </a:r>
             <a:r>
-              <a:rPr lang="en-US" sz="3000" dirty="0" err="1">
+              <a:rPr lang="en-US" sz="3000" b="1" dirty="0" err="1">
                 <a:solidFill>
                   <a:schemeClr val="lt1"/>
                 </a:solidFill>
@@ -21137,7 +21167,7 @@
               <a:t>isidentifier</a:t>
             </a:r>
             <a:r>
-              <a:rPr lang="en-US" sz="3000" dirty="0">
+              <a:rPr lang="en-US" sz="3000" b="1" dirty="0">
                 <a:solidFill>
                   <a:schemeClr val="lt1"/>
                 </a:solidFill>
@@ -21149,7 +21179,7 @@
               <a:t>', '</a:t>
             </a:r>
             <a:r>
-              <a:rPr lang="en-US" sz="3000" dirty="0" err="1">
+              <a:rPr lang="en-US" sz="3000" b="1" dirty="0" err="1">
                 <a:solidFill>
                   <a:schemeClr val="lt1"/>
                 </a:solidFill>
@@ -21161,7 +21191,7 @@
               <a:t>islower</a:t>
             </a:r>
             <a:r>
-              <a:rPr lang="en-US" sz="3000" dirty="0">
+              <a:rPr lang="en-US" sz="3000" b="1" dirty="0">
                 <a:solidFill>
                   <a:schemeClr val="lt1"/>
                 </a:solidFill>
@@ -21173,7 +21203,7 @@
               <a:t>', '</a:t>
             </a:r>
             <a:r>
-              <a:rPr lang="en-US" sz="3000" dirty="0" err="1">
+              <a:rPr lang="en-US" sz="3000" b="1" dirty="0" err="1">
                 <a:solidFill>
                   <a:schemeClr val="lt1"/>
                 </a:solidFill>
@@ -21185,7 +21215,7 @@
               <a:t>isnumeric</a:t>
             </a:r>
             <a:r>
-              <a:rPr lang="en-US" sz="3000" dirty="0">
+              <a:rPr lang="en-US" sz="3000" b="1" dirty="0">
                 <a:solidFill>
                   <a:schemeClr val="lt1"/>
                 </a:solidFill>
@@ -21197,7 +21227,7 @@
               <a:t>', '</a:t>
             </a:r>
             <a:r>
-              <a:rPr lang="en-US" sz="3000" dirty="0" err="1">
+              <a:rPr lang="en-US" sz="3000" b="1" dirty="0" err="1">
                 <a:solidFill>
                   <a:schemeClr val="lt1"/>
                 </a:solidFill>
@@ -21209,7 +21239,7 @@
               <a:t>isprintable</a:t>
             </a:r>
             <a:r>
-              <a:rPr lang="en-US" sz="3000" dirty="0">
+              <a:rPr lang="en-US" sz="3000" b="1" dirty="0">
                 <a:solidFill>
                   <a:schemeClr val="lt1"/>
                 </a:solidFill>
@@ -21221,7 +21251,7 @@
               <a:t>', '</a:t>
             </a:r>
             <a:r>
-              <a:rPr lang="en-US" sz="3000" dirty="0" err="1">
+              <a:rPr lang="en-US" sz="3000" b="1" dirty="0" err="1">
                 <a:solidFill>
                   <a:schemeClr val="lt1"/>
                 </a:solidFill>
@@ -21233,7 +21263,7 @@
               <a:t>isspace</a:t>
             </a:r>
             <a:r>
-              <a:rPr lang="en-US" sz="3000" dirty="0">
+              <a:rPr lang="en-US" sz="3000" b="1" dirty="0">
                 <a:solidFill>
                   <a:schemeClr val="lt1"/>
                 </a:solidFill>
@@ -21245,7 +21275,7 @@
               <a:t>', '</a:t>
             </a:r>
             <a:r>
-              <a:rPr lang="en-US" sz="3000" dirty="0" err="1">
+              <a:rPr lang="en-US" sz="3000" b="1" dirty="0" err="1">
                 <a:solidFill>
                   <a:schemeClr val="lt1"/>
                 </a:solidFill>
@@ -21257,7 +21287,7 @@
               <a:t>istitle</a:t>
             </a:r>
             <a:r>
-              <a:rPr lang="en-US" sz="3000" dirty="0">
+              <a:rPr lang="en-US" sz="3000" b="1" dirty="0">
                 <a:solidFill>
                   <a:schemeClr val="lt1"/>
                 </a:solidFill>
@@ -21269,7 +21299,7 @@
               <a:t>', '</a:t>
             </a:r>
             <a:r>
-              <a:rPr lang="en-US" sz="3000" dirty="0" err="1">
+              <a:rPr lang="en-US" sz="3000" b="1" dirty="0" err="1">
                 <a:solidFill>
                   <a:schemeClr val="lt1"/>
                 </a:solidFill>
@@ -21281,7 +21311,7 @@
               <a:t>isupper</a:t>
             </a:r>
             <a:r>
-              <a:rPr lang="en-US" sz="3000" dirty="0">
+              <a:rPr lang="en-US" sz="3000" b="1" dirty="0">
                 <a:solidFill>
                   <a:schemeClr val="lt1"/>
                 </a:solidFill>
@@ -21293,7 +21323,7 @@
               <a:t>', 'join', '</a:t>
             </a:r>
             <a:r>
-              <a:rPr lang="en-US" sz="3000" dirty="0" err="1">
+              <a:rPr lang="en-US" sz="3000" b="1" dirty="0" err="1">
                 <a:solidFill>
                   <a:schemeClr val="lt1"/>
                 </a:solidFill>
@@ -21305,7 +21335,7 @@
               <a:t>ljust</a:t>
             </a:r>
             <a:r>
-              <a:rPr lang="en-US" sz="3000" dirty="0">
+              <a:rPr lang="en-US" sz="3000" b="1" dirty="0">
                 <a:solidFill>
                   <a:schemeClr val="lt1"/>
                 </a:solidFill>
@@ -21317,7 +21347,7 @@
               <a:t>', 'lower', '</a:t>
             </a:r>
             <a:r>
-              <a:rPr lang="en-US" sz="3000" dirty="0" err="1">
+              <a:rPr lang="en-US" sz="3000" b="1" dirty="0" err="1">
                 <a:solidFill>
                   <a:schemeClr val="lt1"/>
                 </a:solidFill>
@@ -21329,7 +21359,7 @@
               <a:t>lstrip</a:t>
             </a:r>
             <a:r>
-              <a:rPr lang="en-US" sz="3000" dirty="0">
+              <a:rPr lang="en-US" sz="3000" b="1" dirty="0">
                 <a:solidFill>
                   <a:schemeClr val="lt1"/>
                 </a:solidFill>
@@ -21341,7 +21371,7 @@
               <a:t>', '</a:t>
             </a:r>
             <a:r>
-              <a:rPr lang="en-US" sz="3000" dirty="0" err="1">
+              <a:rPr lang="en-US" sz="3000" b="1" dirty="0" err="1">
                 <a:solidFill>
                   <a:schemeClr val="lt1"/>
                 </a:solidFill>
@@ -21353,7 +21383,7 @@
               <a:t>maketrans</a:t>
             </a:r>
             <a:r>
-              <a:rPr lang="en-US" sz="3000" dirty="0">
+              <a:rPr lang="en-US" sz="3000" b="1" dirty="0">
                 <a:solidFill>
                   <a:schemeClr val="lt1"/>
                 </a:solidFill>
@@ -21365,7 +21395,7 @@
               <a:t>', 'partition', 'replace', '</a:t>
             </a:r>
             <a:r>
-              <a:rPr lang="en-US" sz="3000" dirty="0" err="1">
+              <a:rPr lang="en-US" sz="3000" b="1" dirty="0" err="1">
                 <a:solidFill>
                   <a:schemeClr val="lt1"/>
                 </a:solidFill>
@@ -21377,7 +21407,7 @@
               <a:t>rfind</a:t>
             </a:r>
             <a:r>
-              <a:rPr lang="en-US" sz="3000" dirty="0">
+              <a:rPr lang="en-US" sz="3000" b="1" dirty="0">
                 <a:solidFill>
                   <a:schemeClr val="lt1"/>
                 </a:solidFill>
@@ -21389,7 +21419,7 @@
               <a:t>', '</a:t>
             </a:r>
             <a:r>
-              <a:rPr lang="en-US" sz="3000" dirty="0" err="1">
+              <a:rPr lang="en-US" sz="3000" b="1" dirty="0" err="1">
                 <a:solidFill>
                   <a:schemeClr val="lt1"/>
                 </a:solidFill>
@@ -21401,7 +21431,7 @@
               <a:t>rindex</a:t>
             </a:r>
             <a:r>
-              <a:rPr lang="en-US" sz="3000" dirty="0">
+              <a:rPr lang="en-US" sz="3000" b="1" dirty="0">
                 <a:solidFill>
                   <a:schemeClr val="lt1"/>
                 </a:solidFill>
@@ -21413,7 +21443,7 @@
               <a:t>', '</a:t>
             </a:r>
             <a:r>
-              <a:rPr lang="en-US" sz="3000" dirty="0" err="1">
+              <a:rPr lang="en-US" sz="3000" b="1" dirty="0" err="1">
                 <a:solidFill>
                   <a:schemeClr val="lt1"/>
                 </a:solidFill>
@@ -21425,7 +21455,7 @@
               <a:t>rjust</a:t>
             </a:r>
             <a:r>
-              <a:rPr lang="en-US" sz="3000" dirty="0">
+              <a:rPr lang="en-US" sz="3000" b="1" dirty="0">
                 <a:solidFill>
                   <a:schemeClr val="lt1"/>
                 </a:solidFill>
@@ -21437,7 +21467,7 @@
               <a:t>', '</a:t>
             </a:r>
             <a:r>
-              <a:rPr lang="en-US" sz="3000" dirty="0" err="1">
+              <a:rPr lang="en-US" sz="3000" b="1" dirty="0" err="1">
                 <a:solidFill>
                   <a:schemeClr val="lt1"/>
                 </a:solidFill>
@@ -21449,7 +21479,7 @@
               <a:t>rpartition</a:t>
             </a:r>
             <a:r>
-              <a:rPr lang="en-US" sz="3000" dirty="0">
+              <a:rPr lang="en-US" sz="3000" b="1" dirty="0">
                 <a:solidFill>
                   <a:schemeClr val="lt1"/>
                 </a:solidFill>
@@ -21461,7 +21491,7 @@
               <a:t>', '</a:t>
             </a:r>
             <a:r>
-              <a:rPr lang="en-US" sz="3000" dirty="0" err="1">
+              <a:rPr lang="en-US" sz="3000" b="1" dirty="0" err="1">
                 <a:solidFill>
                   <a:schemeClr val="lt1"/>
                 </a:solidFill>
@@ -21473,7 +21503,7 @@
               <a:t>rsplit</a:t>
             </a:r>
             <a:r>
-              <a:rPr lang="en-US" sz="3000" dirty="0">
+              <a:rPr lang="en-US" sz="3000" b="1" dirty="0">
                 <a:solidFill>
                   <a:schemeClr val="lt1"/>
                 </a:solidFill>
@@ -21485,7 +21515,7 @@
               <a:t>', '</a:t>
             </a:r>
             <a:r>
-              <a:rPr lang="en-US" sz="3000" dirty="0" err="1">
+              <a:rPr lang="en-US" sz="3000" b="1" dirty="0" err="1">
                 <a:solidFill>
                   <a:schemeClr val="lt1"/>
                 </a:solidFill>
@@ -21497,7 +21527,7 @@
               <a:t>rstrip</a:t>
             </a:r>
             <a:r>
-              <a:rPr lang="en-US" sz="3000" dirty="0">
+              <a:rPr lang="en-US" sz="3000" b="1" dirty="0">
                 <a:solidFill>
                   <a:schemeClr val="lt1"/>
                 </a:solidFill>
@@ -21509,7 +21539,7 @@
               <a:t>', 'split', '</a:t>
             </a:r>
             <a:r>
-              <a:rPr lang="en-US" sz="3000" dirty="0" err="1">
+              <a:rPr lang="en-US" sz="3000" b="1" dirty="0" err="1">
                 <a:solidFill>
                   <a:schemeClr val="lt1"/>
                 </a:solidFill>
@@ -21521,7 +21551,7 @@
               <a:t>splitlines</a:t>
             </a:r>
             <a:r>
-              <a:rPr lang="en-US" sz="3000" dirty="0">
+              <a:rPr lang="en-US" sz="3000" b="1" dirty="0">
                 <a:solidFill>
                   <a:schemeClr val="lt1"/>
                 </a:solidFill>
@@ -21533,7 +21563,7 @@
               <a:t>', '</a:t>
             </a:r>
             <a:r>
-              <a:rPr lang="en-US" sz="3000" dirty="0" err="1">
+              <a:rPr lang="en-US" sz="3000" b="1" dirty="0" err="1">
                 <a:solidFill>
                   <a:schemeClr val="lt1"/>
                 </a:solidFill>
@@ -21545,7 +21575,7 @@
               <a:t>startswith</a:t>
             </a:r>
             <a:r>
-              <a:rPr lang="en-US" sz="3000" dirty="0">
+              <a:rPr lang="en-US" sz="3000" b="1" dirty="0">
                 <a:solidFill>
                   <a:schemeClr val="lt1"/>
                 </a:solidFill>
@@ -21557,7 +21587,7 @@
               <a:t>', 'strip', '</a:t>
             </a:r>
             <a:r>
-              <a:rPr lang="en-US" sz="3000" dirty="0" err="1">
+              <a:rPr lang="en-US" sz="3000" b="1" dirty="0" err="1">
                 <a:solidFill>
                   <a:schemeClr val="lt1"/>
                 </a:solidFill>
@@ -21569,7 +21599,7 @@
               <a:t>swapcase</a:t>
             </a:r>
             <a:r>
-              <a:rPr lang="en-US" sz="3000" dirty="0">
+              <a:rPr lang="en-US" sz="3000" b="1" dirty="0">
                 <a:solidFill>
                   <a:schemeClr val="lt1"/>
                 </a:solidFill>
@@ -21581,7 +21611,7 @@
               <a:t>', 'title', 'translate', 'upper', </a:t>
             </a:r>
             <a:r>
-              <a:rPr lang="en-US" sz="3000" dirty="0" smtClean="0">
+              <a:rPr lang="en-US" sz="3000" b="1" dirty="0" smtClean="0">
                 <a:solidFill>
                   <a:schemeClr val="lt1"/>
                 </a:solidFill>
@@ -21593,7 +21623,7 @@
               <a:t>'</a:t>
             </a:r>
             <a:r>
-              <a:rPr lang="en-US" sz="3000" dirty="0" err="1" smtClean="0">
+              <a:rPr lang="en-US" sz="3000" b="1" dirty="0" err="1" smtClean="0">
                 <a:solidFill>
                   <a:schemeClr val="lt1"/>
                 </a:solidFill>
@@ -21605,7 +21635,7 @@
               <a:t>zfill</a:t>
             </a:r>
             <a:r>
-              <a:rPr lang="en-US" sz="3000" dirty="0" smtClean="0">
+              <a:rPr lang="en-US" sz="3000" b="1" dirty="0" smtClean="0">
                 <a:solidFill>
                   <a:schemeClr val="lt1"/>
                 </a:solidFill>
@@ -21616,7 +21646,7 @@
               </a:rPr>
               <a:t>']</a:t>
             </a:r>
-            <a:endParaRPr lang="en-US" sz="3000" i="0" u="none" strike="noStrike" cap="none" dirty="0">
+            <a:endParaRPr lang="en-US" sz="3000" b="1" i="0" u="none" strike="noStrike" cap="none" dirty="0">
               <a:solidFill>
                 <a:schemeClr val="lt1"/>
               </a:solidFill>
@@ -21684,7 +21714,7 @@
               <a:t>          </a:t>
             </a:r>
             <a:r>
-              <a:rPr lang="en-US" sz="2800" u="sng" dirty="0" smtClean="0">
+              <a:rPr lang="en-US" sz="2800" b="1" u="sng" dirty="0" smtClean="0">
                 <a:solidFill>
                   <a:srgbClr val="FFFF00"/>
                 </a:solidFill>
@@ -21696,7 +21726,7 @@
               </a:rPr>
               <a:t>https://docs.python.org/3/library/stdtypes.html#string-methods</a:t>
             </a:r>
-            <a:endParaRPr lang="en-US" sz="2800" u="sng" dirty="0">
+            <a:endParaRPr lang="en-US" sz="2800" b="1" u="sng" dirty="0">
               <a:solidFill>
                 <a:srgbClr val="FFFF00"/>
               </a:solidFill>
@@ -21832,7 +21862,7 @@
               <a:buNone/>
             </a:pPr>
             <a:r>
-              <a:rPr lang="en-US" sz="2800" u="none" strike="noStrike" cap="none" dirty="0" err="1">
+              <a:rPr lang="en-US" sz="2800" b="1" u="none" strike="noStrike" cap="none" dirty="0" err="1">
                 <a:solidFill>
                   <a:srgbClr val="FF00FF"/>
                 </a:solidFill>
@@ -21844,7 +21874,7 @@
               <a:t>str.capitalize</a:t>
             </a:r>
             <a:r>
-              <a:rPr lang="en-US" sz="2800" u="none" strike="noStrike" cap="none" dirty="0">
+              <a:rPr lang="en-US" sz="2800" b="1" u="none" strike="noStrike" cap="none" dirty="0">
                 <a:solidFill>
                   <a:schemeClr val="lt1"/>
                 </a:solidFill>
@@ -21875,7 +21905,7 @@
               <a:buNone/>
             </a:pPr>
             <a:r>
-              <a:rPr lang="en-US" sz="2800" u="none" strike="noStrike" cap="none" dirty="0" err="1">
+              <a:rPr lang="en-US" sz="2800" b="1" u="none" strike="noStrike" cap="none" dirty="0" err="1">
                 <a:solidFill>
                   <a:srgbClr val="FF00FF"/>
                 </a:solidFill>
@@ -21887,7 +21917,7 @@
               <a:t>str.center</a:t>
             </a:r>
             <a:r>
-              <a:rPr lang="en-US" sz="2800" u="none" strike="noStrike" cap="none" dirty="0">
+              <a:rPr lang="en-US" sz="2800" b="1" u="none" strike="noStrike" cap="none" dirty="0">
                 <a:solidFill>
                   <a:schemeClr val="lt1"/>
                 </a:solidFill>
@@ -21899,7 +21929,7 @@
               <a:t>(width[, </a:t>
             </a:r>
             <a:r>
-              <a:rPr lang="en-US" sz="2800" u="none" strike="noStrike" cap="none" dirty="0" err="1">
+              <a:rPr lang="en-US" sz="2800" b="1" u="none" strike="noStrike" cap="none" dirty="0" err="1">
                 <a:solidFill>
                   <a:schemeClr val="lt1"/>
                 </a:solidFill>
@@ -21911,7 +21941,7 @@
               <a:t>fillchar</a:t>
             </a:r>
             <a:r>
-              <a:rPr lang="en-US" sz="2800" u="none" strike="noStrike" cap="none" dirty="0">
+              <a:rPr lang="en-US" sz="2800" b="1" u="none" strike="noStrike" cap="none" dirty="0">
                 <a:solidFill>
                   <a:schemeClr val="lt1"/>
                 </a:solidFill>
@@ -21942,7 +21972,7 @@
               <a:buNone/>
             </a:pPr>
             <a:r>
-              <a:rPr lang="en-US" sz="2800" u="none" strike="noStrike" cap="none" dirty="0" err="1">
+              <a:rPr lang="en-US" sz="2800" b="1" u="none" strike="noStrike" cap="none" dirty="0" err="1">
                 <a:solidFill>
                   <a:srgbClr val="FF00FF"/>
                 </a:solidFill>
@@ -21954,7 +21984,7 @@
               <a:t>str.endswith</a:t>
             </a:r>
             <a:r>
-              <a:rPr lang="en-US" sz="2800" u="none" strike="noStrike" cap="none" dirty="0">
+              <a:rPr lang="en-US" sz="2800" b="1" u="none" strike="noStrike" cap="none" dirty="0">
                 <a:solidFill>
                   <a:schemeClr val="lt1"/>
                 </a:solidFill>
@@ -21985,7 +22015,7 @@
               <a:buNone/>
             </a:pPr>
             <a:r>
-              <a:rPr lang="en-US" sz="2800" u="none" strike="noStrike" cap="none" dirty="0" err="1">
+              <a:rPr lang="en-US" sz="2800" b="1" u="none" strike="noStrike" cap="none" dirty="0" err="1">
                 <a:solidFill>
                   <a:srgbClr val="FF00FF"/>
                 </a:solidFill>
@@ -21997,7 +22027,7 @@
               <a:t>str.find</a:t>
             </a:r>
             <a:r>
-              <a:rPr lang="en-US" sz="2800" u="none" strike="noStrike" cap="none" dirty="0">
+              <a:rPr lang="en-US" sz="2800" b="1" u="none" strike="noStrike" cap="none" dirty="0">
                 <a:solidFill>
                   <a:schemeClr val="lt1"/>
                 </a:solidFill>
@@ -22028,7 +22058,7 @@
               <a:buNone/>
             </a:pPr>
             <a:r>
-              <a:rPr lang="en-US" sz="2800" u="none" strike="noStrike" cap="none" dirty="0" err="1">
+              <a:rPr lang="en-US" sz="2800" b="1" u="none" strike="noStrike" cap="none" dirty="0" err="1">
                 <a:solidFill>
                   <a:srgbClr val="FF00FF"/>
                 </a:solidFill>
@@ -22040,7 +22070,7 @@
               <a:t>str.lstrip</a:t>
             </a:r>
             <a:r>
-              <a:rPr lang="en-US" sz="2800" u="none" strike="noStrike" cap="none" dirty="0">
+              <a:rPr lang="en-US" sz="2800" b="1" u="none" strike="noStrike" cap="none" dirty="0">
                 <a:solidFill>
                   <a:schemeClr val="lt1"/>
                 </a:solidFill>
@@ -22097,7 +22127,7 @@
               <a:buNone/>
             </a:pPr>
             <a:r>
-              <a:rPr lang="en-US" sz="2800" u="none" strike="noStrike" cap="none" dirty="0" err="1">
+              <a:rPr lang="en-US" sz="2800" b="1" u="none" strike="noStrike" cap="none" dirty="0" err="1">
                 <a:solidFill>
                   <a:srgbClr val="FF00FF"/>
                 </a:solidFill>
@@ -22109,7 +22139,7 @@
               <a:t>str.replace</a:t>
             </a:r>
             <a:r>
-              <a:rPr lang="en-US" sz="2800" u="none" strike="noStrike" cap="none" dirty="0">
+              <a:rPr lang="en-US" sz="2800" b="1" u="none" strike="noStrike" cap="none" dirty="0">
                 <a:solidFill>
                   <a:schemeClr val="lt1"/>
                 </a:solidFill>
@@ -22140,7 +22170,7 @@
               <a:buNone/>
             </a:pPr>
             <a:r>
-              <a:rPr lang="en-US" sz="2800" u="none" strike="noStrike" cap="none" dirty="0" err="1">
+              <a:rPr lang="en-US" sz="2800" b="1" u="none" strike="noStrike" cap="none" dirty="0" err="1">
                 <a:solidFill>
                   <a:srgbClr val="FF00FF"/>
                 </a:solidFill>
@@ -22152,7 +22182,7 @@
               <a:t>str.lower</a:t>
             </a:r>
             <a:r>
-              <a:rPr lang="en-US" sz="2800" u="none" strike="noStrike" cap="none" dirty="0">
+              <a:rPr lang="en-US" sz="2800" b="1" u="none" strike="noStrike" cap="none" dirty="0">
                 <a:solidFill>
                   <a:schemeClr val="lt1"/>
                 </a:solidFill>
@@ -22183,7 +22213,7 @@
               <a:buNone/>
             </a:pPr>
             <a:r>
-              <a:rPr lang="en-US" sz="2800" u="none" strike="noStrike" cap="none" dirty="0" err="1">
+              <a:rPr lang="en-US" sz="2800" b="1" u="none" strike="noStrike" cap="none" dirty="0" err="1">
                 <a:solidFill>
                   <a:srgbClr val="FF00FF"/>
                 </a:solidFill>
@@ -22195,7 +22225,7 @@
               <a:t>str.rstrip</a:t>
             </a:r>
             <a:r>
-              <a:rPr lang="en-US" sz="2800" u="none" strike="noStrike" cap="none" dirty="0">
+              <a:rPr lang="en-US" sz="2800" b="1" u="none" strike="noStrike" cap="none" dirty="0">
                 <a:solidFill>
                   <a:schemeClr val="lt1"/>
                 </a:solidFill>
@@ -22226,7 +22256,7 @@
               <a:buNone/>
             </a:pPr>
             <a:r>
-              <a:rPr lang="en-US" sz="2800" u="none" strike="noStrike" cap="none" dirty="0" err="1">
+              <a:rPr lang="en-US" sz="2800" b="1" u="none" strike="noStrike" cap="none" dirty="0" err="1">
                 <a:solidFill>
                   <a:srgbClr val="FF00FF"/>
                 </a:solidFill>
@@ -22238,7 +22268,7 @@
               <a:t>str.strip</a:t>
             </a:r>
             <a:r>
-              <a:rPr lang="en-US" sz="2800" u="none" strike="noStrike" cap="none" dirty="0">
+              <a:rPr lang="en-US" sz="2800" b="1" u="none" strike="noStrike" cap="none" dirty="0">
                 <a:solidFill>
                   <a:schemeClr val="lt1"/>
                 </a:solidFill>
@@ -22269,7 +22299,7 @@
               <a:buNone/>
             </a:pPr>
             <a:r>
-              <a:rPr lang="en-US" sz="2800" u="none" strike="noStrike" cap="none" dirty="0" err="1">
+              <a:rPr lang="en-US" sz="2800" b="1" u="none" strike="noStrike" cap="none" dirty="0" err="1">
                 <a:solidFill>
                   <a:srgbClr val="FF00FF"/>
                 </a:solidFill>
@@ -22281,7 +22311,7 @@
               <a:t>str.upper</a:t>
             </a:r>
             <a:r>
-              <a:rPr lang="en-US" sz="2800" u="none" strike="noStrike" cap="none" dirty="0">
+              <a:rPr lang="en-US" sz="2800" b="1" u="none" strike="noStrike" cap="none" dirty="0">
                 <a:solidFill>
                   <a:schemeClr val="lt1"/>
                 </a:solidFill>
@@ -22731,7 +22761,7 @@
               <a:buNone/>
             </a:pPr>
             <a:r>
-              <a:rPr lang="en-US" sz="3000" i="0" u="none" strike="noStrike" cap="none" dirty="0">
+              <a:rPr lang="en-US" sz="3000" b="1" i="0" u="none" strike="noStrike" cap="none" dirty="0">
                 <a:solidFill>
                   <a:schemeClr val="lt1"/>
                 </a:solidFill>
@@ -22743,7 +22773,7 @@
               <a:t>&gt;&gt;&gt; </a:t>
             </a:r>
             <a:r>
-              <a:rPr lang="en-US" sz="3000" i="0" u="none" strike="noStrike" cap="none" dirty="0">
+              <a:rPr lang="en-US" sz="3000" b="1" i="0" u="none" strike="noStrike" cap="none" dirty="0">
                 <a:solidFill>
                   <a:srgbClr val="00FF00"/>
                 </a:solidFill>
@@ -22755,7 +22785,7 @@
               <a:t>fruit</a:t>
             </a:r>
             <a:r>
-              <a:rPr lang="en-US" sz="3000" i="0" u="none" strike="noStrike" cap="none" dirty="0">
+              <a:rPr lang="en-US" sz="3000" b="1" i="0" u="none" strike="noStrike" cap="none" dirty="0">
                 <a:solidFill>
                   <a:srgbClr val="FF7F00"/>
                 </a:solidFill>
@@ -22767,7 +22797,7 @@
               <a:t> </a:t>
             </a:r>
             <a:r>
-              <a:rPr lang="en-US" sz="3000" i="0" u="none" strike="noStrike" cap="none" dirty="0">
+              <a:rPr lang="en-US" sz="3000" b="1" i="0" u="none" strike="noStrike" cap="none" dirty="0">
                 <a:solidFill>
                   <a:schemeClr val="lt1"/>
                 </a:solidFill>
@@ -22779,7 +22809,7 @@
               <a:t>=</a:t>
             </a:r>
             <a:r>
-              <a:rPr lang="en-US" sz="3000" i="0" u="none" strike="noStrike" cap="none" dirty="0">
+              <a:rPr lang="en-US" sz="3000" b="1" i="0" u="none" strike="noStrike" cap="none" dirty="0">
                 <a:solidFill>
                   <a:srgbClr val="FF7F00"/>
                 </a:solidFill>
@@ -22810,7 +22840,7 @@
               <a:buNone/>
             </a:pPr>
             <a:r>
-              <a:rPr lang="en-US" sz="3000" i="0" u="none" strike="noStrike" cap="none" dirty="0">
+              <a:rPr lang="en-US" sz="3000" b="1" i="0" u="none" strike="noStrike" cap="none" dirty="0">
                 <a:solidFill>
                   <a:schemeClr val="lt1"/>
                 </a:solidFill>
@@ -22822,7 +22852,7 @@
               <a:t>&gt;&gt;&gt; </a:t>
             </a:r>
             <a:r>
-              <a:rPr lang="en-US" sz="3000" i="0" u="none" strike="noStrike" cap="none" dirty="0" err="1">
+              <a:rPr lang="en-US" sz="3000" b="1" i="0" u="none" strike="noStrike" cap="none" dirty="0" err="1">
                 <a:solidFill>
                   <a:srgbClr val="00FF00"/>
                 </a:solidFill>
@@ -22834,7 +22864,7 @@
               <a:t>pos</a:t>
             </a:r>
             <a:r>
-              <a:rPr lang="en-US" sz="3000" i="0" u="none" strike="noStrike" cap="none" dirty="0">
+              <a:rPr lang="en-US" sz="3000" b="1" i="0" u="none" strike="noStrike" cap="none" dirty="0">
                 <a:solidFill>
                   <a:srgbClr val="FF7F00"/>
                 </a:solidFill>
@@ -22846,7 +22876,7 @@
               <a:t> </a:t>
             </a:r>
             <a:r>
-              <a:rPr lang="en-US" sz="3000" i="0" u="none" strike="noStrike" cap="none" dirty="0">
+              <a:rPr lang="en-US" sz="3000" b="1" i="0" u="none" strike="noStrike" cap="none" dirty="0">
                 <a:solidFill>
                   <a:schemeClr val="lt1"/>
                 </a:solidFill>
@@ -22858,7 +22888,7 @@
               <a:t>=</a:t>
             </a:r>
             <a:r>
-              <a:rPr lang="en-US" sz="3000" i="0" u="none" strike="noStrike" cap="none" dirty="0">
+              <a:rPr lang="en-US" sz="3000" b="1" i="0" u="none" strike="noStrike" cap="none" dirty="0">
                 <a:solidFill>
                   <a:srgbClr val="00FF00"/>
                 </a:solidFill>
@@ -22870,7 +22900,7 @@
               <a:t> </a:t>
             </a:r>
             <a:r>
-              <a:rPr lang="en-US" sz="3000" i="0" u="none" strike="noStrike" cap="none" dirty="0" err="1">
+              <a:rPr lang="en-US" sz="3000" b="1" i="0" u="none" strike="noStrike" cap="none" dirty="0" err="1">
                 <a:solidFill>
                   <a:srgbClr val="00FF00"/>
                 </a:solidFill>
@@ -22882,7 +22912,7 @@
               <a:t>fruit</a:t>
             </a:r>
             <a:r>
-              <a:rPr lang="en-US" sz="3000" i="0" u="none" strike="noStrike" cap="none" dirty="0" err="1">
+              <a:rPr lang="en-US" sz="3000" b="1" i="0" u="none" strike="noStrike" cap="none" dirty="0" err="1">
                 <a:solidFill>
                   <a:srgbClr val="FF00FF"/>
                 </a:solidFill>
@@ -22894,7 +22924,7 @@
               <a:t>.find</a:t>
             </a:r>
             <a:r>
-              <a:rPr lang="en-US" sz="3000" i="0" u="none" strike="noStrike" cap="none" dirty="0">
+              <a:rPr lang="en-US" sz="3000" b="1" i="0" u="none" strike="noStrike" cap="none" dirty="0">
                 <a:solidFill>
                   <a:schemeClr val="lt1"/>
                 </a:solidFill>
@@ -22906,7 +22936,7 @@
               <a:t>(</a:t>
             </a:r>
             <a:r>
-              <a:rPr lang="en-US" sz="3000" i="0" u="none" strike="noStrike" cap="none" dirty="0">
+              <a:rPr lang="en-US" sz="3000" b="1" i="0" u="none" strike="noStrike" cap="none" dirty="0">
                 <a:solidFill>
                   <a:srgbClr val="FF7F00"/>
                 </a:solidFill>
@@ -22918,7 +22948,7 @@
               <a:t>'</a:t>
             </a:r>
             <a:r>
-              <a:rPr lang="en-US" sz="3000" i="0" u="none" strike="noStrike" cap="none" dirty="0" err="1">
+              <a:rPr lang="en-US" sz="3000" b="1" i="0" u="none" strike="noStrike" cap="none" dirty="0" err="1">
                 <a:solidFill>
                   <a:srgbClr val="FF7F00"/>
                 </a:solidFill>
@@ -22930,7 +22960,7 @@
               <a:t>na</a:t>
             </a:r>
             <a:r>
-              <a:rPr lang="en-US" sz="3000" i="0" u="none" strike="noStrike" cap="none" dirty="0">
+              <a:rPr lang="en-US" sz="3000" b="1" i="0" u="none" strike="noStrike" cap="none" dirty="0">
                 <a:solidFill>
                   <a:srgbClr val="FF7F00"/>
                 </a:solidFill>
@@ -22942,7 +22972,7 @@
               <a:t>'</a:t>
             </a:r>
             <a:r>
-              <a:rPr lang="en-US" sz="3000" i="0" u="none" strike="noStrike" cap="none" dirty="0">
+              <a:rPr lang="en-US" sz="3000" b="1" i="0" u="none" strike="noStrike" cap="none" dirty="0">
                 <a:solidFill>
                   <a:schemeClr val="lt1"/>
                 </a:solidFill>
@@ -22973,7 +23003,7 @@
               <a:buNone/>
             </a:pPr>
             <a:r>
-              <a:rPr lang="en-US" sz="3000" i="0" u="none" strike="noStrike" cap="none" dirty="0">
+              <a:rPr lang="en-US" sz="3000" b="1" i="0" u="none" strike="noStrike" cap="none" dirty="0">
                 <a:solidFill>
                   <a:schemeClr val="lt1"/>
                 </a:solidFill>
@@ -22985,7 +23015,7 @@
               <a:t>&gt;&gt;&gt; </a:t>
             </a:r>
             <a:r>
-              <a:rPr lang="en-US" sz="3000" i="0" u="none" strike="noStrike" cap="none" dirty="0" smtClean="0">
+              <a:rPr lang="en-US" sz="3000" b="1" i="0" u="none" strike="noStrike" cap="none" dirty="0" smtClean="0">
                 <a:solidFill>
                   <a:srgbClr val="FFFF00"/>
                 </a:solidFill>
@@ -22997,7 +23027,7 @@
               <a:t>print</a:t>
             </a:r>
             <a:r>
-              <a:rPr lang="en-US" sz="3000" dirty="0" smtClean="0">
+              <a:rPr lang="en-US" sz="3000" b="1" dirty="0" smtClean="0">
                 <a:solidFill>
                   <a:schemeClr val="bg1"/>
                 </a:solidFill>
@@ -23009,7 +23039,7 @@
               <a:t>(</a:t>
             </a:r>
             <a:r>
-              <a:rPr lang="en-US" sz="3000" i="0" u="none" strike="noStrike" cap="none" dirty="0" err="1" smtClean="0">
+              <a:rPr lang="en-US" sz="3000" b="1" i="0" u="none" strike="noStrike" cap="none" dirty="0" err="1" smtClean="0">
                 <a:solidFill>
                   <a:srgbClr val="00FF00"/>
                 </a:solidFill>
@@ -23021,7 +23051,7 @@
               <a:t>pos</a:t>
             </a:r>
             <a:r>
-              <a:rPr lang="en-US" sz="3000" i="0" u="none" strike="noStrike" cap="none" dirty="0" smtClean="0">
+              <a:rPr lang="en-US" sz="3000" b="1" i="0" u="none" strike="noStrike" cap="none" dirty="0" smtClean="0">
                 <a:solidFill>
                   <a:schemeClr val="bg1"/>
                 </a:solidFill>
@@ -23032,7 +23062,7 @@
               </a:rPr>
               <a:t>)</a:t>
             </a:r>
-            <a:endParaRPr lang="en-US" sz="3000" i="0" u="none" strike="noStrike" cap="none" dirty="0">
+            <a:endParaRPr lang="en-US" sz="3000" b="1" i="0" u="none" strike="noStrike" cap="none" dirty="0">
               <a:solidFill>
                 <a:schemeClr val="bg1"/>
               </a:solidFill>
@@ -23061,7 +23091,7 @@
               <a:buNone/>
             </a:pPr>
             <a:r>
-              <a:rPr lang="en-US" sz="3000" i="0" u="none" strike="noStrike" cap="none" dirty="0">
+              <a:rPr lang="en-US" sz="3000" b="1" i="0" u="none" strike="noStrike" cap="none" dirty="0">
                 <a:solidFill>
                   <a:schemeClr val="lt1"/>
                 </a:solidFill>
@@ -23092,7 +23122,7 @@
               <a:buNone/>
             </a:pPr>
             <a:r>
-              <a:rPr lang="en-US" sz="3000" i="0" u="none" strike="noStrike" cap="none" dirty="0">
+              <a:rPr lang="en-US" sz="3000" b="1" i="0" u="none" strike="noStrike" cap="none" dirty="0">
                 <a:solidFill>
                   <a:schemeClr val="lt1"/>
                 </a:solidFill>
@@ -23104,7 +23134,7 @@
               <a:t>&gt;&gt;&gt; </a:t>
             </a:r>
             <a:r>
-              <a:rPr lang="en-US" sz="3000" i="0" u="none" strike="noStrike" cap="none" dirty="0">
+              <a:rPr lang="en-US" sz="3000" b="1" i="0" u="none" strike="noStrike" cap="none" dirty="0">
                 <a:solidFill>
                   <a:srgbClr val="00FF00"/>
                 </a:solidFill>
@@ -23116,7 +23146,7 @@
               <a:t>aa</a:t>
             </a:r>
             <a:r>
-              <a:rPr lang="en-US" sz="3000" i="0" u="none" strike="noStrike" cap="none" dirty="0">
+              <a:rPr lang="en-US" sz="3000" b="1" i="0" u="none" strike="noStrike" cap="none" dirty="0">
                 <a:solidFill>
                   <a:srgbClr val="FF7F00"/>
                 </a:solidFill>
@@ -23128,7 +23158,7 @@
               <a:t> </a:t>
             </a:r>
             <a:r>
-              <a:rPr lang="en-US" sz="3000" i="0" u="none" strike="noStrike" cap="none" dirty="0">
+              <a:rPr lang="en-US" sz="3000" b="1" i="0" u="none" strike="noStrike" cap="none" dirty="0">
                 <a:solidFill>
                   <a:schemeClr val="lt1"/>
                 </a:solidFill>
@@ -23140,7 +23170,7 @@
               <a:t>=</a:t>
             </a:r>
             <a:r>
-              <a:rPr lang="en-US" sz="3000" i="0" u="none" strike="noStrike" cap="none" dirty="0">
+              <a:rPr lang="en-US" sz="3000" b="1" i="0" u="none" strike="noStrike" cap="none" dirty="0">
                 <a:solidFill>
                   <a:srgbClr val="FF7F00"/>
                 </a:solidFill>
@@ -23152,7 +23182,7 @@
               <a:t> </a:t>
             </a:r>
             <a:r>
-              <a:rPr lang="en-US" sz="3000" i="0" u="none" strike="noStrike" cap="none" dirty="0" err="1">
+              <a:rPr lang="en-US" sz="3000" b="1" i="0" u="none" strike="noStrike" cap="none" dirty="0" err="1">
                 <a:solidFill>
                   <a:srgbClr val="00FF00"/>
                 </a:solidFill>
@@ -23164,7 +23194,7 @@
               <a:t>fruit</a:t>
             </a:r>
             <a:r>
-              <a:rPr lang="en-US" sz="3000" i="0" u="none" strike="noStrike" cap="none" dirty="0" err="1">
+              <a:rPr lang="en-US" sz="3000" b="1" i="0" u="none" strike="noStrike" cap="none" dirty="0" err="1">
                 <a:solidFill>
                   <a:srgbClr val="FF00FF"/>
                 </a:solidFill>
@@ -23176,7 +23206,7 @@
               <a:t>.find</a:t>
             </a:r>
             <a:r>
-              <a:rPr lang="en-US" sz="3000" i="0" u="none" strike="noStrike" cap="none" dirty="0">
+              <a:rPr lang="en-US" sz="3000" b="1" i="0" u="none" strike="noStrike" cap="none" dirty="0">
                 <a:solidFill>
                   <a:schemeClr val="lt1"/>
                 </a:solidFill>
@@ -23188,7 +23218,7 @@
               <a:t>(</a:t>
             </a:r>
             <a:r>
-              <a:rPr lang="en-US" sz="3000" i="0" u="none" strike="noStrike" cap="none" dirty="0">
+              <a:rPr lang="en-US" sz="3000" b="1" i="0" u="none" strike="noStrike" cap="none" dirty="0">
                 <a:solidFill>
                   <a:srgbClr val="FF7F00"/>
                 </a:solidFill>
@@ -23200,7 +23230,7 @@
               <a:t>'z'</a:t>
             </a:r>
             <a:r>
-              <a:rPr lang="en-US" sz="3000" i="0" u="none" strike="noStrike" cap="none" dirty="0">
+              <a:rPr lang="en-US" sz="3000" b="1" i="0" u="none" strike="noStrike" cap="none" dirty="0">
                 <a:solidFill>
                   <a:schemeClr val="lt1"/>
                 </a:solidFill>
@@ -23231,7 +23261,7 @@
               <a:buNone/>
             </a:pPr>
             <a:r>
-              <a:rPr lang="en-US" sz="3000" i="0" u="none" strike="noStrike" cap="none" dirty="0">
+              <a:rPr lang="en-US" sz="3000" b="1" i="0" u="none" strike="noStrike" cap="none" dirty="0">
                 <a:solidFill>
                   <a:schemeClr val="lt1"/>
                 </a:solidFill>
@@ -23243,7 +23273,7 @@
               <a:t>&gt;&gt;&gt; </a:t>
             </a:r>
             <a:r>
-              <a:rPr lang="en-US" sz="3000" i="0" u="none" strike="noStrike" cap="none" dirty="0" smtClean="0">
+              <a:rPr lang="en-US" sz="3000" b="1" i="0" u="none" strike="noStrike" cap="none" dirty="0" smtClean="0">
                 <a:solidFill>
                   <a:srgbClr val="FFFF00"/>
                 </a:solidFill>
@@ -23255,7 +23285,7 @@
               <a:t>print</a:t>
             </a:r>
             <a:r>
-              <a:rPr lang="en-US" sz="3000" dirty="0" smtClean="0">
+              <a:rPr lang="en-US" sz="3000" b="1" dirty="0" smtClean="0">
                 <a:solidFill>
                   <a:schemeClr val="bg1"/>
                 </a:solidFill>
@@ -23267,7 +23297,7 @@
               <a:t>(</a:t>
             </a:r>
             <a:r>
-              <a:rPr lang="en-US" sz="3000" i="0" u="none" strike="noStrike" cap="none" dirty="0" smtClean="0">
+              <a:rPr lang="en-US" sz="3000" b="1" i="0" u="none" strike="noStrike" cap="none" dirty="0" smtClean="0">
                 <a:solidFill>
                   <a:srgbClr val="00FF00"/>
                 </a:solidFill>
@@ -23279,7 +23309,7 @@
               <a:t>aa</a:t>
             </a:r>
             <a:r>
-              <a:rPr lang="en-US" sz="3000" i="0" u="none" strike="noStrike" cap="none" dirty="0" smtClean="0">
+              <a:rPr lang="en-US" sz="3000" b="1" i="0" u="none" strike="noStrike" cap="none" dirty="0" smtClean="0">
                 <a:solidFill>
                   <a:schemeClr val="bg1"/>
                 </a:solidFill>
@@ -23290,7 +23320,7 @@
               </a:rPr>
               <a:t>)</a:t>
             </a:r>
-            <a:endParaRPr lang="en-US" sz="3000" i="0" u="none" strike="noStrike" cap="none" dirty="0">
+            <a:endParaRPr lang="en-US" sz="3000" b="1" i="0" u="none" strike="noStrike" cap="none" dirty="0">
               <a:solidFill>
                 <a:schemeClr val="bg1"/>
               </a:solidFill>
@@ -23319,7 +23349,7 @@
               <a:buNone/>
             </a:pPr>
             <a:r>
-              <a:rPr lang="en-US" sz="3000" i="0" u="none" strike="noStrike" cap="none" dirty="0">
+              <a:rPr lang="en-US" sz="3000" b="1" i="0" u="none" strike="noStrike" cap="none" dirty="0">
                 <a:solidFill>
                   <a:schemeClr val="lt1"/>
                 </a:solidFill>
@@ -24392,7 +24422,7 @@
               <a:buNone/>
             </a:pPr>
             <a:r>
-              <a:rPr lang="en-US" sz="3600" i="0" u="none" strike="noStrike" cap="none" dirty="0">
+              <a:rPr lang="en-US" sz="3600" b="1" i="0" u="none" strike="noStrike" cap="none" dirty="0">
                 <a:solidFill>
                   <a:schemeClr val="lt1"/>
                 </a:solidFill>
@@ -24404,7 +24434,7 @@
               <a:t>&gt;&gt;&gt; </a:t>
             </a:r>
             <a:r>
-              <a:rPr lang="en-US" sz="3600" i="0" u="none" strike="noStrike" cap="none" dirty="0">
+              <a:rPr lang="en-US" sz="3600" b="1" i="0" u="none" strike="noStrike" cap="none" dirty="0">
                 <a:solidFill>
                   <a:srgbClr val="00FF00"/>
                 </a:solidFill>
@@ -24416,7 +24446,7 @@
               <a:t>greet</a:t>
             </a:r>
             <a:r>
-              <a:rPr lang="en-US" sz="3600" i="0" u="none" strike="noStrike" cap="none" dirty="0">
+              <a:rPr lang="en-US" sz="3600" b="1" i="0" u="none" strike="noStrike" cap="none" dirty="0">
                 <a:solidFill>
                   <a:srgbClr val="FF7F00"/>
                 </a:solidFill>
@@ -24428,7 +24458,7 @@
               <a:t> </a:t>
             </a:r>
             <a:r>
-              <a:rPr lang="en-US" sz="3600" i="0" u="none" strike="noStrike" cap="none" dirty="0">
+              <a:rPr lang="en-US" sz="3600" b="1" i="0" u="none" strike="noStrike" cap="none" dirty="0">
                 <a:solidFill>
                   <a:schemeClr val="lt1"/>
                 </a:solidFill>
@@ -24440,7 +24470,7 @@
               <a:t>=</a:t>
             </a:r>
             <a:r>
-              <a:rPr lang="en-US" sz="3600" i="0" u="none" strike="noStrike" cap="none" dirty="0">
+              <a:rPr lang="en-US" sz="3600" b="1" i="0" u="none" strike="noStrike" cap="none" dirty="0">
                 <a:solidFill>
                   <a:srgbClr val="FF7F00"/>
                 </a:solidFill>
@@ -24471,7 +24501,7 @@
               <a:buNone/>
             </a:pPr>
             <a:r>
-              <a:rPr lang="en-US" sz="3600" i="0" u="none" strike="noStrike" cap="none" dirty="0">
+              <a:rPr lang="en-US" sz="3600" b="1" i="0" u="none" strike="noStrike" cap="none" dirty="0">
                 <a:solidFill>
                   <a:schemeClr val="lt1"/>
                 </a:solidFill>
@@ -24483,7 +24513,7 @@
               <a:t>&gt;&gt;&gt; </a:t>
             </a:r>
             <a:r>
-              <a:rPr lang="en-US" sz="3600" i="0" u="none" strike="noStrike" cap="none" dirty="0" err="1">
+              <a:rPr lang="en-US" sz="3600" b="1" i="0" u="none" strike="noStrike" cap="none" dirty="0" err="1">
                 <a:solidFill>
                   <a:srgbClr val="00FF00"/>
                 </a:solidFill>
@@ -24495,7 +24525,7 @@
               <a:t>nnn</a:t>
             </a:r>
             <a:r>
-              <a:rPr lang="en-US" sz="3600" i="0" u="none" strike="noStrike" cap="none" dirty="0">
+              <a:rPr lang="en-US" sz="3600" b="1" i="0" u="none" strike="noStrike" cap="none" dirty="0">
                 <a:solidFill>
                   <a:srgbClr val="FF7F00"/>
                 </a:solidFill>
@@ -24507,7 +24537,7 @@
               <a:t> </a:t>
             </a:r>
             <a:r>
-              <a:rPr lang="en-US" sz="3600" i="0" u="none" strike="noStrike" cap="none" dirty="0">
+              <a:rPr lang="en-US" sz="3600" b="1" i="0" u="none" strike="noStrike" cap="none" dirty="0">
                 <a:solidFill>
                   <a:schemeClr val="lt1"/>
                 </a:solidFill>
@@ -24519,7 +24549,7 @@
               <a:t>= </a:t>
             </a:r>
             <a:r>
-              <a:rPr lang="en-US" sz="3600" i="0" u="none" strike="noStrike" cap="none" dirty="0" err="1">
+              <a:rPr lang="en-US" sz="3600" b="1" i="0" u="none" strike="noStrike" cap="none" dirty="0" err="1">
                 <a:solidFill>
                   <a:srgbClr val="00FF00"/>
                 </a:solidFill>
@@ -24531,7 +24561,7 @@
               <a:t>greet</a:t>
             </a:r>
             <a:r>
-              <a:rPr lang="en-US" sz="3600" i="0" u="none" strike="noStrike" cap="none" dirty="0" err="1">
+              <a:rPr lang="en-US" sz="3600" b="1" i="0" u="none" strike="noStrike" cap="none" dirty="0" err="1">
                 <a:solidFill>
                   <a:srgbClr val="FF00FF"/>
                 </a:solidFill>
@@ -24543,7 +24573,7 @@
               <a:t>.upper</a:t>
             </a:r>
             <a:r>
-              <a:rPr lang="en-US" sz="3600" i="0" u="none" strike="noStrike" cap="none" dirty="0">
+              <a:rPr lang="en-US" sz="3600" b="1" i="0" u="none" strike="noStrike" cap="none" dirty="0">
                 <a:solidFill>
                   <a:schemeClr val="lt1"/>
                 </a:solidFill>
@@ -24574,7 +24604,7 @@
               <a:buNone/>
             </a:pPr>
             <a:r>
-              <a:rPr lang="en-US" sz="3600" i="0" u="none" strike="noStrike" cap="none" dirty="0">
+              <a:rPr lang="en-US" sz="3600" b="1" i="0" u="none" strike="noStrike" cap="none" dirty="0">
                 <a:solidFill>
                   <a:schemeClr val="lt1"/>
                 </a:solidFill>
@@ -24586,7 +24616,7 @@
               <a:t>&gt;&gt;&gt; </a:t>
             </a:r>
             <a:r>
-              <a:rPr lang="en-US" sz="3600" i="0" u="none" strike="noStrike" cap="none" dirty="0" smtClean="0">
+              <a:rPr lang="en-US" sz="3600" b="1" i="0" u="none" strike="noStrike" cap="none" dirty="0" smtClean="0">
                 <a:solidFill>
                   <a:srgbClr val="FFFF00"/>
                 </a:solidFill>
@@ -24598,7 +24628,7 @@
               <a:t>print</a:t>
             </a:r>
             <a:r>
-              <a:rPr lang="en-US" sz="3600" dirty="0" smtClean="0">
+              <a:rPr lang="en-US" sz="3600" b="1" dirty="0" smtClean="0">
                 <a:solidFill>
                   <a:schemeClr val="bg1"/>
                 </a:solidFill>
@@ -24610,7 +24640,7 @@
               <a:t>(</a:t>
             </a:r>
             <a:r>
-              <a:rPr lang="en-US" sz="3600" i="0" u="none" strike="noStrike" cap="none" dirty="0" err="1" smtClean="0">
+              <a:rPr lang="en-US" sz="3600" b="1" i="0" u="none" strike="noStrike" cap="none" dirty="0" err="1" smtClean="0">
                 <a:solidFill>
                   <a:srgbClr val="00FF00"/>
                 </a:solidFill>
@@ -24622,7 +24652,7 @@
               <a:t>nnn</a:t>
             </a:r>
             <a:r>
-              <a:rPr lang="en-US" sz="3600" i="0" u="none" strike="noStrike" cap="none" dirty="0" smtClean="0">
+              <a:rPr lang="en-US" sz="3600" b="1" i="0" u="none" strike="noStrike" cap="none" dirty="0" smtClean="0">
                 <a:solidFill>
                   <a:schemeClr val="bg1"/>
                 </a:solidFill>
@@ -24633,7 +24663,7 @@
               </a:rPr>
               <a:t>)</a:t>
             </a:r>
-            <a:endParaRPr lang="en-US" sz="3600" i="0" u="none" strike="noStrike" cap="none" dirty="0">
+            <a:endParaRPr lang="en-US" sz="3600" b="1" i="0" u="none" strike="noStrike" cap="none" dirty="0">
               <a:solidFill>
                 <a:schemeClr val="bg1"/>
               </a:solidFill>
@@ -24662,7 +24692,7 @@
               <a:buNone/>
             </a:pPr>
             <a:r>
-              <a:rPr lang="en-US" sz="3600" i="0" u="none" strike="noStrike" cap="none" dirty="0">
+              <a:rPr lang="en-US" sz="3600" b="1" i="0" u="none" strike="noStrike" cap="none" dirty="0">
                 <a:solidFill>
                   <a:schemeClr val="lt1"/>
                 </a:solidFill>
@@ -24693,7 +24723,7 @@
               <a:buNone/>
             </a:pPr>
             <a:r>
-              <a:rPr lang="en-US" sz="3600" i="0" u="none" strike="noStrike" cap="none" dirty="0">
+              <a:rPr lang="en-US" sz="3600" b="1" i="0" u="none" strike="noStrike" cap="none" dirty="0">
                 <a:solidFill>
                   <a:schemeClr val="lt1"/>
                 </a:solidFill>
@@ -24705,7 +24735,7 @@
               <a:t>&gt;&gt;&gt; </a:t>
             </a:r>
             <a:r>
-              <a:rPr lang="en-US" sz="3600" i="0" u="none" strike="noStrike" cap="none" dirty="0">
+              <a:rPr lang="en-US" sz="3600" b="1" i="0" u="none" strike="noStrike" cap="none" dirty="0">
                 <a:solidFill>
                   <a:srgbClr val="00FF00"/>
                 </a:solidFill>
@@ -24717,7 +24747,7 @@
               <a:t>www</a:t>
             </a:r>
             <a:r>
-              <a:rPr lang="en-US" sz="3600" i="0" u="none" strike="noStrike" cap="none" dirty="0">
+              <a:rPr lang="en-US" sz="3600" b="1" i="0" u="none" strike="noStrike" cap="none" dirty="0">
                 <a:solidFill>
                   <a:srgbClr val="FF7F00"/>
                 </a:solidFill>
@@ -24729,7 +24759,7 @@
               <a:t> </a:t>
             </a:r>
             <a:r>
-              <a:rPr lang="en-US" sz="3600" i="0" u="none" strike="noStrike" cap="none" dirty="0">
+              <a:rPr lang="en-US" sz="3600" b="1" i="0" u="none" strike="noStrike" cap="none" dirty="0">
                 <a:solidFill>
                   <a:schemeClr val="lt1"/>
                 </a:solidFill>
@@ -24741,7 +24771,7 @@
               <a:t>=</a:t>
             </a:r>
             <a:r>
-              <a:rPr lang="en-US" sz="3600" i="0" u="none" strike="noStrike" cap="none" dirty="0">
+              <a:rPr lang="en-US" sz="3600" b="1" i="0" u="none" strike="noStrike" cap="none" dirty="0">
                 <a:solidFill>
                   <a:srgbClr val="FF7F00"/>
                 </a:solidFill>
@@ -24753,7 +24783,7 @@
               <a:t> </a:t>
             </a:r>
             <a:r>
-              <a:rPr lang="en-US" sz="3600" i="0" u="none" strike="noStrike" cap="none" dirty="0" err="1">
+              <a:rPr lang="en-US" sz="3600" b="1" i="0" u="none" strike="noStrike" cap="none" dirty="0" err="1">
                 <a:solidFill>
                   <a:srgbClr val="00FF00"/>
                 </a:solidFill>
@@ -24765,7 +24795,7 @@
               <a:t>greet</a:t>
             </a:r>
             <a:r>
-              <a:rPr lang="en-US" sz="3600" i="0" u="none" strike="noStrike" cap="none" dirty="0" err="1">
+              <a:rPr lang="en-US" sz="3600" b="1" i="0" u="none" strike="noStrike" cap="none" dirty="0" err="1">
                 <a:solidFill>
                   <a:srgbClr val="FF00FF"/>
                 </a:solidFill>
@@ -24777,7 +24807,7 @@
               <a:t>.lower</a:t>
             </a:r>
             <a:r>
-              <a:rPr lang="en-US" sz="3600" i="0" u="none" strike="noStrike" cap="none" dirty="0">
+              <a:rPr lang="en-US" sz="3600" b="1" i="0" u="none" strike="noStrike" cap="none" dirty="0">
                 <a:solidFill>
                   <a:srgbClr val="FFFF00"/>
                 </a:solidFill>
@@ -24808,7 +24838,7 @@
               <a:buNone/>
             </a:pPr>
             <a:r>
-              <a:rPr lang="en-US" sz="3600" i="0" u="none" strike="noStrike" cap="none" dirty="0">
+              <a:rPr lang="en-US" sz="3600" b="1" i="0" u="none" strike="noStrike" cap="none" dirty="0">
                 <a:solidFill>
                   <a:schemeClr val="lt1"/>
                 </a:solidFill>
@@ -24820,7 +24850,7 @@
               <a:t>&gt;&gt;&gt; </a:t>
             </a:r>
             <a:r>
-              <a:rPr lang="en-US" sz="3600" i="0" u="none" strike="noStrike" cap="none" dirty="0" smtClean="0">
+              <a:rPr lang="en-US" sz="3600" b="1" i="0" u="none" strike="noStrike" cap="none" dirty="0" smtClean="0">
                 <a:solidFill>
                   <a:srgbClr val="FFFF00"/>
                 </a:solidFill>
@@ -24832,7 +24862,7 @@
               <a:t>print</a:t>
             </a:r>
             <a:r>
-              <a:rPr lang="en-US" sz="3600" dirty="0" smtClean="0">
+              <a:rPr lang="en-US" sz="3600" b="1" dirty="0" smtClean="0">
                 <a:solidFill>
                   <a:schemeClr val="bg1"/>
                 </a:solidFill>
@@ -24844,7 +24874,7 @@
               <a:t>(</a:t>
             </a:r>
             <a:r>
-              <a:rPr lang="en-US" sz="3600" i="0" u="none" strike="noStrike" cap="none" dirty="0" smtClean="0">
+              <a:rPr lang="en-US" sz="3600" b="1" i="0" u="none" strike="noStrike" cap="none" dirty="0" smtClean="0">
                 <a:solidFill>
                   <a:srgbClr val="00FF00"/>
                 </a:solidFill>
@@ -24856,7 +24886,7 @@
               <a:t>www</a:t>
             </a:r>
             <a:r>
-              <a:rPr lang="en-US" sz="3600" i="0" u="none" strike="noStrike" cap="none" dirty="0" smtClean="0">
+              <a:rPr lang="en-US" sz="3600" b="1" i="0" u="none" strike="noStrike" cap="none" dirty="0" smtClean="0">
                 <a:solidFill>
                   <a:schemeClr val="bg1"/>
                 </a:solidFill>
@@ -24867,7 +24897,7 @@
               </a:rPr>
               <a:t>)</a:t>
             </a:r>
-            <a:endParaRPr lang="en-US" sz="3600" i="0" u="none" strike="noStrike" cap="none" dirty="0">
+            <a:endParaRPr lang="en-US" sz="3600" b="1" i="0" u="none" strike="noStrike" cap="none" dirty="0">
               <a:solidFill>
                 <a:schemeClr val="bg1"/>
               </a:solidFill>
@@ -24896,7 +24926,7 @@
               <a:buNone/>
             </a:pPr>
             <a:r>
-              <a:rPr lang="en-US" sz="3600" i="0" u="none" strike="noStrike" cap="none" dirty="0">
+              <a:rPr lang="en-US" sz="3600" b="1" i="0" u="none" strike="noStrike" cap="none" dirty="0">
                 <a:solidFill>
                   <a:schemeClr val="lt1"/>
                 </a:solidFill>
@@ -24927,7 +24957,7 @@
               <a:buNone/>
             </a:pPr>
             <a:r>
-              <a:rPr lang="en-US" sz="3600" i="0" u="none" strike="noStrike" cap="none" dirty="0">
+              <a:rPr lang="en-US" sz="3600" b="1" i="0" u="none" strike="noStrike" cap="none" dirty="0">
                 <a:solidFill>
                   <a:schemeClr val="lt1"/>
                 </a:solidFill>
@@ -25302,7 +25332,7 @@
               <a:buNone/>
             </a:pPr>
             <a:r>
-              <a:rPr lang="en-US" sz="3000" i="0" u="none" strike="noStrike" cap="none" dirty="0">
+              <a:rPr lang="en-US" sz="3000" b="1" i="0" u="none" strike="noStrike" cap="none" dirty="0">
                 <a:solidFill>
                   <a:schemeClr val="lt1"/>
                 </a:solidFill>
@@ -25314,7 +25344,7 @@
               <a:t>&gt;&gt;&gt; </a:t>
             </a:r>
             <a:r>
-              <a:rPr lang="en-US" sz="3000" i="0" u="none" strike="noStrike" cap="none" dirty="0">
+              <a:rPr lang="en-US" sz="3000" b="1" i="0" u="none" strike="noStrike" cap="none" dirty="0">
                 <a:solidFill>
                   <a:srgbClr val="FF7F00"/>
                 </a:solidFill>
@@ -25326,7 +25356,7 @@
               <a:t>greet = 'Hello </a:t>
             </a:r>
             <a:r>
-              <a:rPr lang="en-US" sz="3000" i="0" u="none" strike="noStrike" cap="none" dirty="0">
+              <a:rPr lang="en-US" sz="3000" b="1" i="0" u="none" strike="noStrike" cap="none" dirty="0">
                 <a:solidFill>
                   <a:srgbClr val="00FF00"/>
                 </a:solidFill>
@@ -25338,7 +25368,7 @@
               <a:t>Bob</a:t>
             </a:r>
             <a:r>
-              <a:rPr lang="en-US" sz="3000" i="0" u="none" strike="noStrike" cap="none" dirty="0">
+              <a:rPr lang="en-US" sz="3000" b="1" i="0" u="none" strike="noStrike" cap="none" dirty="0">
                 <a:solidFill>
                   <a:srgbClr val="FF7F00"/>
                 </a:solidFill>
@@ -25369,7 +25399,7 @@
               <a:buNone/>
             </a:pPr>
             <a:r>
-              <a:rPr lang="en-US" sz="3000" i="0" u="none" strike="noStrike" cap="none" dirty="0">
+              <a:rPr lang="en-US" sz="3000" b="1" i="0" u="none" strike="noStrike" cap="none" dirty="0">
                 <a:solidFill>
                   <a:schemeClr val="lt1"/>
                 </a:solidFill>
@@ -25381,7 +25411,7 @@
               <a:t>&gt;&gt;&gt; </a:t>
             </a:r>
             <a:r>
-              <a:rPr lang="en-US" sz="3000" i="0" u="none" strike="noStrike" cap="none" dirty="0" err="1">
+              <a:rPr lang="en-US" sz="3000" b="1" i="0" u="none" strike="noStrike" cap="none" dirty="0" err="1">
                 <a:solidFill>
                   <a:srgbClr val="FF7F00"/>
                 </a:solidFill>
@@ -25393,7 +25423,7 @@
               <a:t>nstr</a:t>
             </a:r>
             <a:r>
-              <a:rPr lang="en-US" sz="3000" i="0" u="none" strike="noStrike" cap="none" dirty="0">
+              <a:rPr lang="en-US" sz="3000" b="1" i="0" u="none" strike="noStrike" cap="none" dirty="0">
                 <a:solidFill>
                   <a:srgbClr val="FF7F00"/>
                 </a:solidFill>
@@ -25405,7 +25435,7 @@
               <a:t> = </a:t>
             </a:r>
             <a:r>
-              <a:rPr lang="en-US" sz="3000" i="0" u="none" strike="noStrike" cap="none" dirty="0" err="1">
+              <a:rPr lang="en-US" sz="3000" b="1" i="0" u="none" strike="noStrike" cap="none" dirty="0" err="1">
                 <a:solidFill>
                   <a:srgbClr val="FF7F00"/>
                 </a:solidFill>
@@ -25417,7 +25447,7 @@
               <a:t>greet.</a:t>
             </a:r>
             <a:r>
-              <a:rPr lang="en-US" sz="3000" i="0" u="none" strike="noStrike" cap="none" dirty="0" err="1">
+              <a:rPr lang="en-US" sz="3000" b="1" i="0" u="none" strike="noStrike" cap="none" dirty="0" err="1">
                 <a:solidFill>
                   <a:srgbClr val="FF00FF"/>
                 </a:solidFill>
@@ -25429,7 +25459,7 @@
               <a:t>replace</a:t>
             </a:r>
             <a:r>
-              <a:rPr lang="en-US" sz="3000" i="0" u="none" strike="noStrike" cap="none" dirty="0">
+              <a:rPr lang="en-US" sz="3000" b="1" i="0" u="none" strike="noStrike" cap="none" dirty="0">
                 <a:solidFill>
                   <a:srgbClr val="FF7F00"/>
                 </a:solidFill>
@@ -25441,7 +25471,7 @@
               <a:t>(</a:t>
             </a:r>
             <a:r>
-              <a:rPr lang="en-US" sz="3000" i="0" u="none" strike="noStrike" cap="none" dirty="0">
+              <a:rPr lang="en-US" sz="3000" b="1" i="0" u="none" strike="noStrike" cap="none" dirty="0">
                 <a:solidFill>
                   <a:srgbClr val="00FF00"/>
                 </a:solidFill>
@@ -25453,7 +25483,7 @@
               <a:t>'</a:t>
             </a:r>
             <a:r>
-              <a:rPr lang="en-US" sz="3000" i="0" u="none" strike="noStrike" cap="none" dirty="0" err="1">
+              <a:rPr lang="en-US" sz="3000" b="1" i="0" u="none" strike="noStrike" cap="none" dirty="0" err="1">
                 <a:solidFill>
                   <a:srgbClr val="00FF00"/>
                 </a:solidFill>
@@ -25465,7 +25495,7 @@
               <a:t>Bob'</a:t>
             </a:r>
             <a:r>
-              <a:rPr lang="en-US" sz="3000" i="0" u="none" strike="noStrike" cap="none" dirty="0" err="1">
+              <a:rPr lang="en-US" sz="3000" b="1" i="0" u="none" strike="noStrike" cap="none" dirty="0" err="1">
                 <a:solidFill>
                   <a:srgbClr val="FF7F00"/>
                 </a:solidFill>
@@ -25477,7 +25507,7 @@
               <a:t>,</a:t>
             </a:r>
             <a:r>
-              <a:rPr lang="en-US" sz="3000" i="0" u="none" strike="noStrike" cap="none" dirty="0" err="1">
+              <a:rPr lang="en-US" sz="3000" b="1" i="0" u="none" strike="noStrike" cap="none" dirty="0" err="1">
                 <a:solidFill>
                   <a:srgbClr val="00FFFF"/>
                 </a:solidFill>
@@ -25489,7 +25519,7 @@
               <a:t>'Jane</a:t>
             </a:r>
             <a:r>
-              <a:rPr lang="en-US" sz="3000" i="0" u="none" strike="noStrike" cap="none" dirty="0">
+              <a:rPr lang="en-US" sz="3000" b="1" i="0" u="none" strike="noStrike" cap="none" dirty="0">
                 <a:solidFill>
                   <a:srgbClr val="00FFFF"/>
                 </a:solidFill>
@@ -25501,7 +25531,7 @@
               <a:t>'</a:t>
             </a:r>
             <a:r>
-              <a:rPr lang="en-US" sz="3000" i="0" u="none" strike="noStrike" cap="none" dirty="0">
+              <a:rPr lang="en-US" sz="3000" b="1" i="0" u="none" strike="noStrike" cap="none" dirty="0">
                 <a:solidFill>
                   <a:srgbClr val="FF7F00"/>
                 </a:solidFill>
@@ -25532,7 +25562,7 @@
               <a:buNone/>
             </a:pPr>
             <a:r>
-              <a:rPr lang="en-US" sz="3000" i="0" u="none" strike="noStrike" cap="none" dirty="0">
+              <a:rPr lang="en-US" sz="3000" b="1" i="0" u="none" strike="noStrike" cap="none" dirty="0">
                 <a:solidFill>
                   <a:schemeClr val="lt1"/>
                 </a:solidFill>
@@ -25544,7 +25574,7 @@
               <a:t>&gt;&gt;&gt; </a:t>
             </a:r>
             <a:r>
-              <a:rPr lang="en-US" sz="3000" i="0" u="none" strike="noStrike" cap="none" dirty="0" smtClean="0">
+              <a:rPr lang="en-US" sz="3000" b="1" i="0" u="none" strike="noStrike" cap="none" dirty="0" smtClean="0">
                 <a:solidFill>
                   <a:srgbClr val="FFFF00"/>
                 </a:solidFill>
@@ -25556,7 +25586,7 @@
               <a:t>print</a:t>
             </a:r>
             <a:r>
-              <a:rPr lang="en-US" sz="3000" dirty="0" smtClean="0">
+              <a:rPr lang="en-US" sz="3000" b="1" dirty="0" smtClean="0">
                 <a:solidFill>
                   <a:schemeClr val="bg1"/>
                 </a:solidFill>
@@ -25568,7 +25598,7 @@
               <a:t>(</a:t>
             </a:r>
             <a:r>
-              <a:rPr lang="en-US" sz="3000" i="0" u="none" strike="noStrike" cap="none" dirty="0" err="1" smtClean="0">
+              <a:rPr lang="en-US" sz="3000" b="1" i="0" u="none" strike="noStrike" cap="none" dirty="0" err="1" smtClean="0">
                 <a:solidFill>
                   <a:srgbClr val="FF7F00"/>
                 </a:solidFill>
@@ -25580,7 +25610,7 @@
               <a:t>nstr</a:t>
             </a:r>
             <a:r>
-              <a:rPr lang="en-US" sz="3000" i="0" u="none" strike="noStrike" cap="none" dirty="0" smtClean="0">
+              <a:rPr lang="en-US" sz="3000" b="1" i="0" u="none" strike="noStrike" cap="none" dirty="0" smtClean="0">
                 <a:solidFill>
                   <a:schemeClr val="bg1"/>
                 </a:solidFill>
@@ -25591,7 +25621,7 @@
               </a:rPr>
               <a:t>)</a:t>
             </a:r>
-            <a:endParaRPr lang="en-US" sz="3000" i="0" u="none" strike="noStrike" cap="none" dirty="0">
+            <a:endParaRPr lang="en-US" sz="3000" b="1" i="0" u="none" strike="noStrike" cap="none" dirty="0">
               <a:solidFill>
                 <a:schemeClr val="bg1"/>
               </a:solidFill>
@@ -25620,7 +25650,7 @@
               <a:buNone/>
             </a:pPr>
             <a:r>
-              <a:rPr lang="en-US" sz="3000" i="0" u="none" strike="noStrike" cap="none" dirty="0">
+              <a:rPr lang="en-US" sz="3000" b="1" i="0" u="none" strike="noStrike" cap="none" dirty="0">
                 <a:solidFill>
                   <a:schemeClr val="lt1"/>
                 </a:solidFill>
@@ -25632,7 +25662,7 @@
               <a:t>Hello </a:t>
             </a:r>
             <a:r>
-              <a:rPr lang="en-US" sz="3000" i="0" u="none" strike="noStrike" cap="none" dirty="0">
+              <a:rPr lang="en-US" sz="3000" b="1" i="0" u="none" strike="noStrike" cap="none" dirty="0">
                 <a:solidFill>
                   <a:srgbClr val="00FFFF"/>
                 </a:solidFill>
@@ -25663,7 +25693,7 @@
               <a:buNone/>
             </a:pPr>
             <a:r>
-              <a:rPr lang="en-US" sz="3000" i="0" u="none" strike="noStrike" cap="none" dirty="0">
+              <a:rPr lang="en-US" sz="3000" b="1" i="0" u="none" strike="noStrike" cap="none" dirty="0">
                 <a:solidFill>
                   <a:schemeClr val="lt1"/>
                 </a:solidFill>
@@ -25675,7 +25705,7 @@
               <a:t>&gt;&gt;&gt; </a:t>
             </a:r>
             <a:r>
-              <a:rPr lang="en-US" sz="3000" i="0" u="none" strike="noStrike" cap="none" dirty="0" err="1">
+              <a:rPr lang="en-US" sz="3000" b="1" i="0" u="none" strike="noStrike" cap="none" dirty="0" err="1">
                 <a:solidFill>
                   <a:srgbClr val="FF7F00"/>
                 </a:solidFill>
@@ -25687,7 +25717,7 @@
               <a:t>nstr</a:t>
             </a:r>
             <a:r>
-              <a:rPr lang="en-US" sz="3000" i="0" u="none" strike="noStrike" cap="none" dirty="0">
+              <a:rPr lang="en-US" sz="3000" b="1" i="0" u="none" strike="noStrike" cap="none" dirty="0">
                 <a:solidFill>
                   <a:srgbClr val="FF7F00"/>
                 </a:solidFill>
@@ -25699,7 +25729,7 @@
               <a:t> = </a:t>
             </a:r>
             <a:r>
-              <a:rPr lang="en-US" sz="3000" i="0" u="none" strike="noStrike" cap="none" dirty="0" err="1">
+              <a:rPr lang="en-US" sz="3000" b="1" i="0" u="none" strike="noStrike" cap="none" dirty="0" err="1">
                 <a:solidFill>
                   <a:srgbClr val="FF7F00"/>
                 </a:solidFill>
@@ -25711,7 +25741,7 @@
               <a:t>greet.</a:t>
             </a:r>
             <a:r>
-              <a:rPr lang="en-US" sz="3000" i="0" u="none" strike="noStrike" cap="none" dirty="0" err="1">
+              <a:rPr lang="en-US" sz="3000" b="1" i="0" u="none" strike="noStrike" cap="none" dirty="0" err="1">
                 <a:solidFill>
                   <a:srgbClr val="FF00FF"/>
                 </a:solidFill>
@@ -25723,7 +25753,7 @@
               <a:t>replace</a:t>
             </a:r>
             <a:r>
-              <a:rPr lang="en-US" sz="3000" i="0" u="none" strike="noStrike" cap="none" dirty="0">
+              <a:rPr lang="en-US" sz="3000" b="1" i="0" u="none" strike="noStrike" cap="none" dirty="0">
                 <a:solidFill>
                   <a:srgbClr val="FF7F00"/>
                 </a:solidFill>
@@ -25735,7 +25765,7 @@
               <a:t>(</a:t>
             </a:r>
             <a:r>
-              <a:rPr lang="en-US" sz="3000" i="0" u="none" strike="noStrike" cap="none" dirty="0">
+              <a:rPr lang="en-US" sz="3000" b="1" i="0" u="none" strike="noStrike" cap="none" dirty="0">
                 <a:solidFill>
                   <a:srgbClr val="00FF00"/>
                 </a:solidFill>
@@ -25747,7 +25777,7 @@
               <a:t>'</a:t>
             </a:r>
             <a:r>
-              <a:rPr lang="en-US" sz="3000" i="0" u="none" strike="noStrike" cap="none" dirty="0" err="1">
+              <a:rPr lang="en-US" sz="3000" b="1" i="0" u="none" strike="noStrike" cap="none" dirty="0" err="1">
                 <a:solidFill>
                   <a:srgbClr val="00FF00"/>
                 </a:solidFill>
@@ -25759,7 +25789,7 @@
               <a:t>o'</a:t>
             </a:r>
             <a:r>
-              <a:rPr lang="en-US" sz="3000" i="0" u="none" strike="noStrike" cap="none" dirty="0" err="1">
+              <a:rPr lang="en-US" sz="3000" b="1" i="0" u="none" strike="noStrike" cap="none" dirty="0" err="1">
                 <a:solidFill>
                   <a:srgbClr val="FF7F00"/>
                 </a:solidFill>
@@ -25771,7 +25801,7 @@
               <a:t>,</a:t>
             </a:r>
             <a:r>
-              <a:rPr lang="en-US" sz="3000" i="0" u="none" strike="noStrike" cap="none" dirty="0" err="1">
+              <a:rPr lang="en-US" sz="3000" b="1" i="0" u="none" strike="noStrike" cap="none" dirty="0" err="1">
                 <a:solidFill>
                   <a:srgbClr val="00FFFF"/>
                 </a:solidFill>
@@ -25783,7 +25813,7 @@
               <a:t>'X</a:t>
             </a:r>
             <a:r>
-              <a:rPr lang="en-US" sz="3000" i="0" u="none" strike="noStrike" cap="none" dirty="0">
+              <a:rPr lang="en-US" sz="3000" b="1" i="0" u="none" strike="noStrike" cap="none" dirty="0">
                 <a:solidFill>
                   <a:srgbClr val="00FFFF"/>
                 </a:solidFill>
@@ -25795,7 +25825,7 @@
               <a:t>'</a:t>
             </a:r>
             <a:r>
-              <a:rPr lang="en-US" sz="3000" i="0" u="none" strike="noStrike" cap="none" dirty="0">
+              <a:rPr lang="en-US" sz="3000" b="1" i="0" u="none" strike="noStrike" cap="none" dirty="0">
                 <a:solidFill>
                   <a:srgbClr val="FF7F00"/>
                 </a:solidFill>
@@ -25826,7 +25856,7 @@
               <a:buNone/>
             </a:pPr>
             <a:r>
-              <a:rPr lang="en-US" sz="3000" i="0" u="none" strike="noStrike" cap="none" dirty="0">
+              <a:rPr lang="en-US" sz="3000" b="1" i="0" u="none" strike="noStrike" cap="none" dirty="0">
                 <a:solidFill>
                   <a:schemeClr val="lt1"/>
                 </a:solidFill>
@@ -25838,7 +25868,7 @@
               <a:t>&gt;&gt;&gt; </a:t>
             </a:r>
             <a:r>
-              <a:rPr lang="en-US" sz="3000" i="0" u="none" strike="noStrike" cap="none" dirty="0" smtClean="0">
+              <a:rPr lang="en-US" sz="3000" b="1" i="0" u="none" strike="noStrike" cap="none" dirty="0" smtClean="0">
                 <a:solidFill>
                   <a:srgbClr val="FFFF00"/>
                 </a:solidFill>
@@ -25850,7 +25880,7 @@
               <a:t>print</a:t>
             </a:r>
             <a:r>
-              <a:rPr lang="en-US" sz="3000" dirty="0" smtClean="0">
+              <a:rPr lang="en-US" sz="3000" b="1" dirty="0" smtClean="0">
                 <a:solidFill>
                   <a:schemeClr val="lt1"/>
                 </a:solidFill>
@@ -25862,7 +25892,7 @@
               <a:t>(</a:t>
             </a:r>
             <a:r>
-              <a:rPr lang="en-US" sz="3000" i="0" u="none" strike="noStrike" cap="none" dirty="0" err="1" smtClean="0">
+              <a:rPr lang="en-US" sz="3000" b="1" i="0" u="none" strike="noStrike" cap="none" dirty="0" err="1" smtClean="0">
                 <a:solidFill>
                   <a:srgbClr val="FF7F00"/>
                 </a:solidFill>
@@ -25874,7 +25904,7 @@
               <a:t>nstr</a:t>
             </a:r>
             <a:r>
-              <a:rPr lang="en-US" sz="3000" i="0" u="none" strike="noStrike" cap="none" dirty="0" smtClean="0">
+              <a:rPr lang="en-US" sz="3000" b="1" i="0" u="none" strike="noStrike" cap="none" dirty="0" smtClean="0">
                 <a:solidFill>
                   <a:schemeClr val="bg1"/>
                 </a:solidFill>
@@ -25885,7 +25915,7 @@
               </a:rPr>
               <a:t>)</a:t>
             </a:r>
-            <a:endParaRPr lang="en-US" sz="3000" i="0" u="none" strike="noStrike" cap="none" dirty="0">
+            <a:endParaRPr lang="en-US" sz="3000" b="1" i="0" u="none" strike="noStrike" cap="none" dirty="0">
               <a:solidFill>
                 <a:schemeClr val="bg1"/>
               </a:solidFill>
@@ -25914,7 +25944,7 @@
               <a:buNone/>
             </a:pPr>
             <a:r>
-              <a:rPr lang="en-US" sz="3000" i="0" u="none" strike="noStrike" cap="none" dirty="0" err="1">
+              <a:rPr lang="en-US" sz="3000" b="1" i="0" u="none" strike="noStrike" cap="none" dirty="0" err="1">
                 <a:solidFill>
                   <a:schemeClr val="lt1"/>
                 </a:solidFill>
@@ -25926,7 +25956,7 @@
               <a:t>Hell</a:t>
             </a:r>
             <a:r>
-              <a:rPr lang="en-US" sz="3000" i="0" u="none" strike="noStrike" cap="none" dirty="0" err="1">
+              <a:rPr lang="en-US" sz="3000" b="1" i="0" u="none" strike="noStrike" cap="none" dirty="0" err="1">
                 <a:solidFill>
                   <a:srgbClr val="00FFFF"/>
                 </a:solidFill>
@@ -25938,7 +25968,7 @@
               <a:t>X</a:t>
             </a:r>
             <a:r>
-              <a:rPr lang="en-US" sz="3000" i="0" u="none" strike="noStrike" cap="none" dirty="0">
+              <a:rPr lang="en-US" sz="3000" b="1" i="0" u="none" strike="noStrike" cap="none" dirty="0">
                 <a:solidFill>
                   <a:schemeClr val="lt1"/>
                 </a:solidFill>
@@ -25950,7 +25980,7 @@
               <a:t> </a:t>
             </a:r>
             <a:r>
-              <a:rPr lang="en-US" sz="3000" i="0" u="none" strike="noStrike" cap="none" dirty="0" err="1">
+              <a:rPr lang="en-US" sz="3000" b="1" i="0" u="none" strike="noStrike" cap="none" dirty="0" err="1">
                 <a:solidFill>
                   <a:schemeClr val="lt1"/>
                 </a:solidFill>
@@ -25962,7 +25992,7 @@
               <a:t>B</a:t>
             </a:r>
             <a:r>
-              <a:rPr lang="en-US" sz="3000" i="0" u="none" strike="noStrike" cap="none" dirty="0" err="1">
+              <a:rPr lang="en-US" sz="3000" b="1" i="0" u="none" strike="noStrike" cap="none" dirty="0" err="1">
                 <a:solidFill>
                   <a:srgbClr val="00FFFF"/>
                 </a:solidFill>
@@ -25974,7 +26004,7 @@
               <a:t>X</a:t>
             </a:r>
             <a:r>
-              <a:rPr lang="en-US" sz="3000" i="0" u="none" strike="noStrike" cap="none" dirty="0" err="1">
+              <a:rPr lang="en-US" sz="3000" b="1" i="0" u="none" strike="noStrike" cap="none" dirty="0" err="1">
                 <a:solidFill>
                   <a:schemeClr val="lt1"/>
                 </a:solidFill>
@@ -25985,7 +26015,7 @@
               </a:rPr>
               <a:t>b</a:t>
             </a:r>
-            <a:endParaRPr lang="en-US" sz="3000" i="0" u="none" strike="noStrike" cap="none" dirty="0">
+            <a:endParaRPr lang="en-US" sz="3000" b="1" i="0" u="none" strike="noStrike" cap="none" dirty="0">
               <a:solidFill>
                 <a:schemeClr val="lt1"/>
               </a:solidFill>
@@ -26014,7 +26044,7 @@
               <a:buNone/>
             </a:pPr>
             <a:r>
-              <a:rPr lang="en-US" sz="3000" i="0" u="none" strike="noStrike" cap="none" dirty="0">
+              <a:rPr lang="en-US" sz="3000" b="1" i="0" u="none" strike="noStrike" cap="none" dirty="0">
                 <a:solidFill>
                   <a:schemeClr val="lt1"/>
                 </a:solidFill>
@@ -26408,7 +26438,7 @@
               <a:buNone/>
             </a:pPr>
             <a:r>
-              <a:rPr lang="en-US" sz="3000" i="0" u="none" strike="noStrike" cap="none" dirty="0">
+              <a:rPr lang="en-US" sz="3000" b="1" i="0" u="none" strike="noStrike" cap="none" dirty="0">
                 <a:solidFill>
                   <a:schemeClr val="lt1"/>
                 </a:solidFill>
@@ -26420,7 +26450,7 @@
               <a:t>&gt;&gt;&gt; </a:t>
             </a:r>
             <a:r>
-              <a:rPr lang="en-US" sz="3000" i="0" u="none" strike="noStrike" cap="none" dirty="0">
+              <a:rPr lang="en-US" sz="3000" b="1" i="0" u="none" strike="noStrike" cap="none" dirty="0">
                 <a:solidFill>
                   <a:srgbClr val="00FF00"/>
                 </a:solidFill>
@@ -26432,7 +26462,7 @@
               <a:t>greet</a:t>
             </a:r>
             <a:r>
-              <a:rPr lang="en-US" sz="3000" i="0" u="none" strike="noStrike" cap="none" dirty="0">
+              <a:rPr lang="en-US" sz="3000" b="1" i="0" u="none" strike="noStrike" cap="none" dirty="0">
                 <a:solidFill>
                   <a:srgbClr val="FF7F00"/>
                 </a:solidFill>
@@ -26444,7 +26474,7 @@
               <a:t> </a:t>
             </a:r>
             <a:r>
-              <a:rPr lang="en-US" sz="3000" i="0" u="none" strike="noStrike" cap="none" dirty="0">
+              <a:rPr lang="en-US" sz="3000" b="1" i="0" u="none" strike="noStrike" cap="none" dirty="0">
                 <a:solidFill>
                   <a:schemeClr val="lt1"/>
                 </a:solidFill>
@@ -26456,7 +26486,7 @@
               <a:t>=</a:t>
             </a:r>
             <a:r>
-              <a:rPr lang="en-US" sz="3000" i="0" u="none" strike="noStrike" cap="none" dirty="0">
+              <a:rPr lang="en-US" sz="3000" b="1" i="0" u="none" strike="noStrike" cap="none" dirty="0">
                 <a:solidFill>
                   <a:srgbClr val="FF7F00"/>
                 </a:solidFill>
@@ -26487,7 +26517,7 @@
               <a:buNone/>
             </a:pPr>
             <a:r>
-              <a:rPr lang="en-US" sz="3000" i="0" u="none" strike="noStrike" cap="none" dirty="0">
+              <a:rPr lang="en-US" sz="3000" b="1" i="0" u="none" strike="noStrike" cap="none" dirty="0">
                 <a:solidFill>
                   <a:schemeClr val="lt1"/>
                 </a:solidFill>
@@ -26499,7 +26529,7 @@
               <a:t>&gt;&gt;&gt; </a:t>
             </a:r>
             <a:r>
-              <a:rPr lang="en-US" sz="3000" i="0" u="none" strike="noStrike" cap="none" dirty="0" err="1">
+              <a:rPr lang="en-US" sz="3000" b="1" i="0" u="none" strike="noStrike" cap="none" dirty="0" err="1">
                 <a:solidFill>
                   <a:srgbClr val="00FF00"/>
                 </a:solidFill>
@@ -26511,7 +26541,7 @@
               <a:t>greet</a:t>
             </a:r>
             <a:r>
-              <a:rPr lang="en-US" sz="3000" i="0" u="none" strike="noStrike" cap="none" dirty="0" err="1">
+              <a:rPr lang="en-US" sz="3000" b="1" i="0" u="none" strike="noStrike" cap="none" dirty="0" err="1">
                 <a:solidFill>
                   <a:srgbClr val="FF00FF"/>
                 </a:solidFill>
@@ -26523,7 +26553,7 @@
               <a:t>.lstrip</a:t>
             </a:r>
             <a:r>
-              <a:rPr lang="en-US" sz="3000" i="0" u="none" strike="noStrike" cap="none" dirty="0">
+              <a:rPr lang="en-US" sz="3000" b="1" i="0" u="none" strike="noStrike" cap="none" dirty="0">
                 <a:solidFill>
                   <a:schemeClr val="lt1"/>
                 </a:solidFill>
@@ -26554,7 +26584,7 @@
               <a:buNone/>
             </a:pPr>
             <a:r>
-              <a:rPr lang="en-US" sz="3000" i="0" u="none" strike="noStrike" cap="none" dirty="0">
+              <a:rPr lang="en-US" sz="3000" b="1" i="0" u="none" strike="noStrike" cap="none" dirty="0">
                 <a:solidFill>
                   <a:schemeClr val="lt1"/>
                 </a:solidFill>
@@ -26585,7 +26615,7 @@
               <a:buNone/>
             </a:pPr>
             <a:r>
-              <a:rPr lang="en-US" sz="3000" i="0" u="none" strike="noStrike" cap="none" dirty="0">
+              <a:rPr lang="en-US" sz="3000" b="1" i="0" u="none" strike="noStrike" cap="none" dirty="0">
                 <a:solidFill>
                   <a:schemeClr val="lt1"/>
                 </a:solidFill>
@@ -26597,7 +26627,7 @@
               <a:t>&gt;&gt;&gt; </a:t>
             </a:r>
             <a:r>
-              <a:rPr lang="en-US" sz="3000" i="0" u="none" strike="noStrike" cap="none" dirty="0" err="1">
+              <a:rPr lang="en-US" sz="3000" b="1" i="0" u="none" strike="noStrike" cap="none" dirty="0" err="1">
                 <a:solidFill>
                   <a:srgbClr val="00FF00"/>
                 </a:solidFill>
@@ -26609,7 +26639,7 @@
               <a:t>greet</a:t>
             </a:r>
             <a:r>
-              <a:rPr lang="en-US" sz="3000" i="0" u="none" strike="noStrike" cap="none" dirty="0" err="1">
+              <a:rPr lang="en-US" sz="3000" b="1" i="0" u="none" strike="noStrike" cap="none" dirty="0" err="1">
                 <a:solidFill>
                   <a:srgbClr val="FF00FF"/>
                 </a:solidFill>
@@ -26621,7 +26651,7 @@
               <a:t>.rstrip</a:t>
             </a:r>
             <a:r>
-              <a:rPr lang="en-US" sz="3000" i="0" u="none" strike="noStrike" cap="none" dirty="0">
+              <a:rPr lang="en-US" sz="3000" b="1" i="0" u="none" strike="noStrike" cap="none" dirty="0">
                 <a:solidFill>
                   <a:schemeClr val="lt1"/>
                 </a:solidFill>
@@ -26652,7 +26682,7 @@
               <a:buNone/>
             </a:pPr>
             <a:r>
-              <a:rPr lang="en-US" sz="3000" i="0" u="none" strike="noStrike" cap="none" dirty="0">
+              <a:rPr lang="en-US" sz="3000" b="1" i="0" u="none" strike="noStrike" cap="none" dirty="0">
                 <a:solidFill>
                   <a:schemeClr val="lt1"/>
                 </a:solidFill>
@@ -26683,7 +26713,7 @@
               <a:buNone/>
             </a:pPr>
             <a:r>
-              <a:rPr lang="en-US" sz="3000" i="0" u="none" strike="noStrike" cap="none" dirty="0">
+              <a:rPr lang="en-US" sz="3000" b="1" i="0" u="none" strike="noStrike" cap="none" dirty="0">
                 <a:solidFill>
                   <a:schemeClr val="lt1"/>
                 </a:solidFill>
@@ -26695,7 +26725,7 @@
               <a:t>&gt;&gt;&gt; </a:t>
             </a:r>
             <a:r>
-              <a:rPr lang="en-US" sz="3000" i="0" u="none" strike="noStrike" cap="none" dirty="0" err="1">
+              <a:rPr lang="en-US" sz="3000" b="1" i="0" u="none" strike="noStrike" cap="none" dirty="0" err="1">
                 <a:solidFill>
                   <a:srgbClr val="00FF00"/>
                 </a:solidFill>
@@ -26707,7 +26737,7 @@
               <a:t>greet</a:t>
             </a:r>
             <a:r>
-              <a:rPr lang="en-US" sz="3000" i="0" u="none" strike="noStrike" cap="none" dirty="0" err="1">
+              <a:rPr lang="en-US" sz="3000" b="1" i="0" u="none" strike="noStrike" cap="none" dirty="0" err="1">
                 <a:solidFill>
                   <a:srgbClr val="FF00FF"/>
                 </a:solidFill>
@@ -26719,7 +26749,7 @@
               <a:t>.strip</a:t>
             </a:r>
             <a:r>
-              <a:rPr lang="en-US" sz="3000" i="0" u="none" strike="noStrike" cap="none" dirty="0">
+              <a:rPr lang="en-US" sz="3000" b="1" i="0" u="none" strike="noStrike" cap="none" dirty="0">
                 <a:solidFill>
                   <a:schemeClr val="lt1"/>
                 </a:solidFill>
@@ -26750,7 +26780,7 @@
               <a:buNone/>
             </a:pPr>
             <a:r>
-              <a:rPr lang="en-US" sz="3000" i="0" u="none" strike="noStrike" cap="none" dirty="0">
+              <a:rPr lang="en-US" sz="3000" b="1" i="0" u="none" strike="noStrike" cap="none" dirty="0">
                 <a:solidFill>
                   <a:schemeClr val="lt1"/>
                 </a:solidFill>
@@ -26781,7 +26811,7 @@
               <a:buNone/>
             </a:pPr>
             <a:r>
-              <a:rPr lang="en-US" sz="3000" i="0" u="none" strike="noStrike" cap="none" dirty="0">
+              <a:rPr lang="en-US" sz="3000" b="1" i="0" u="none" strike="noStrike" cap="none" dirty="0">
                 <a:solidFill>
                   <a:schemeClr val="lt1"/>
                 </a:solidFill>
@@ -26863,7 +26893,7 @@
               <a:buNone/>
             </a:pPr>
             <a:r>
-              <a:rPr lang="en-US" sz="3600" i="0" u="none" strike="noStrike" cap="none" dirty="0">
+              <a:rPr lang="en-US" sz="3600" b="1" i="0" u="none" strike="noStrike" cap="none" dirty="0">
                 <a:solidFill>
                   <a:schemeClr val="lt1"/>
                 </a:solidFill>
@@ -26875,7 +26905,7 @@
               <a:t>&gt;&gt;&gt; </a:t>
             </a:r>
             <a:r>
-              <a:rPr lang="en-US" sz="3600" i="0" u="none" strike="noStrike" cap="none" dirty="0">
+              <a:rPr lang="en-US" sz="3600" b="1" i="0" u="none" strike="noStrike" cap="none" dirty="0">
                 <a:solidFill>
                   <a:srgbClr val="00FF00"/>
                 </a:solidFill>
@@ -26887,7 +26917,7 @@
               <a:t>line</a:t>
             </a:r>
             <a:r>
-              <a:rPr lang="en-US" sz="3600" i="0" u="none" strike="noStrike" cap="none" dirty="0">
+              <a:rPr lang="en-US" sz="3600" b="1" i="0" u="none" strike="noStrike" cap="none" dirty="0">
                 <a:solidFill>
                   <a:schemeClr val="lt1"/>
                 </a:solidFill>
@@ -26899,7 +26929,7 @@
               <a:t> = </a:t>
             </a:r>
             <a:r>
-              <a:rPr lang="en-US" sz="3600" i="0" u="none" strike="noStrike" cap="none" dirty="0">
+              <a:rPr lang="en-US" sz="3600" b="1" i="0" u="none" strike="noStrike" cap="none" dirty="0">
                 <a:solidFill>
                   <a:srgbClr val="FF7F00"/>
                 </a:solidFill>
@@ -26911,7 +26941,7 @@
               <a:t>'Please have a nice day</a:t>
             </a:r>
             <a:r>
-              <a:rPr lang="en-US" sz="3600" dirty="0">
+              <a:rPr lang="en-US" sz="3600" b="1" dirty="0">
                 <a:solidFill>
                   <a:srgbClr val="FF7F00"/>
                 </a:solidFill>
@@ -26942,7 +26972,7 @@
               <a:buNone/>
             </a:pPr>
             <a:r>
-              <a:rPr lang="en-US" sz="3600" i="0" u="none" strike="noStrike" cap="none" dirty="0">
+              <a:rPr lang="en-US" sz="3600" b="1" i="0" u="none" strike="noStrike" cap="none" dirty="0">
                 <a:solidFill>
                   <a:schemeClr val="lt1"/>
                 </a:solidFill>
@@ -26954,7 +26984,7 @@
               <a:t>&gt;&gt;&gt; </a:t>
             </a:r>
             <a:r>
-              <a:rPr lang="en-US" sz="3600" i="0" u="none" strike="noStrike" cap="none" dirty="0" err="1">
+              <a:rPr lang="en-US" sz="3600" b="1" i="0" u="none" strike="noStrike" cap="none" dirty="0" err="1">
                 <a:solidFill>
                   <a:srgbClr val="00FF00"/>
                 </a:solidFill>
@@ -26966,7 +26996,7 @@
               <a:t>line</a:t>
             </a:r>
             <a:r>
-              <a:rPr lang="en-US" sz="3600" i="0" u="none" strike="noStrike" cap="none" dirty="0" err="1">
+              <a:rPr lang="en-US" sz="3600" b="1" i="0" u="none" strike="noStrike" cap="none" dirty="0" err="1">
                 <a:solidFill>
                   <a:srgbClr val="FF00FF"/>
                 </a:solidFill>
@@ -26978,7 +27008,7 @@
               <a:t>.startswith</a:t>
             </a:r>
             <a:r>
-              <a:rPr lang="en-US" sz="3600" i="0" u="none" strike="noStrike" cap="none" dirty="0">
+              <a:rPr lang="en-US" sz="3600" b="1" i="0" u="none" strike="noStrike" cap="none" dirty="0">
                 <a:solidFill>
                   <a:schemeClr val="lt1"/>
                 </a:solidFill>
@@ -26990,7 +27020,7 @@
               <a:t>(</a:t>
             </a:r>
             <a:r>
-              <a:rPr lang="en-US" sz="3600" i="0" u="none" strike="noStrike" cap="none" dirty="0">
+              <a:rPr lang="en-US" sz="3600" b="1" i="0" u="none" strike="noStrike" cap="none" dirty="0">
                 <a:solidFill>
                   <a:srgbClr val="FF7F00"/>
                 </a:solidFill>
@@ -27002,7 +27032,7 @@
               <a:t>'Please'</a:t>
             </a:r>
             <a:r>
-              <a:rPr lang="en-US" sz="3600" i="0" u="none" strike="noStrike" cap="none" dirty="0">
+              <a:rPr lang="en-US" sz="3600" b="1" i="0" u="none" strike="noStrike" cap="none" dirty="0">
                 <a:solidFill>
                   <a:schemeClr val="lt1"/>
                 </a:solidFill>
@@ -27033,7 +27063,7 @@
               <a:buNone/>
             </a:pPr>
             <a:r>
-              <a:rPr lang="en-US" sz="3600" i="0" u="none" strike="noStrike" cap="none" dirty="0">
+              <a:rPr lang="en-US" sz="3600" b="1" i="0" u="none" strike="noStrike" cap="none" dirty="0">
                 <a:solidFill>
                   <a:schemeClr val="lt1"/>
                 </a:solidFill>
@@ -27064,7 +27094,7 @@
               <a:buNone/>
             </a:pPr>
             <a:r>
-              <a:rPr lang="en-US" sz="3600" i="0" u="none" strike="noStrike" cap="none" dirty="0">
+              <a:rPr lang="en-US" sz="3600" b="1" i="0" u="none" strike="noStrike" cap="none" dirty="0">
                 <a:solidFill>
                   <a:schemeClr val="lt1"/>
                 </a:solidFill>
@@ -27076,7 +27106,7 @@
               <a:t>&gt;&gt;&gt; </a:t>
             </a:r>
             <a:r>
-              <a:rPr lang="en-US" sz="3600" i="0" u="none" strike="noStrike" cap="none" dirty="0" err="1">
+              <a:rPr lang="en-US" sz="3600" b="1" i="0" u="none" strike="noStrike" cap="none" dirty="0" err="1">
                 <a:solidFill>
                   <a:srgbClr val="00FF00"/>
                 </a:solidFill>
@@ -27088,7 +27118,7 @@
               <a:t>line</a:t>
             </a:r>
             <a:r>
-              <a:rPr lang="en-US" sz="3600" i="0" u="none" strike="noStrike" cap="none" dirty="0" err="1">
+              <a:rPr lang="en-US" sz="3600" b="1" i="0" u="none" strike="noStrike" cap="none" dirty="0" err="1">
                 <a:solidFill>
                   <a:srgbClr val="FF00FF"/>
                 </a:solidFill>
@@ -27100,7 +27130,7 @@
               <a:t>.startswith</a:t>
             </a:r>
             <a:r>
-              <a:rPr lang="en-US" sz="3600" i="0" u="none" strike="noStrike" cap="none" dirty="0">
+              <a:rPr lang="en-US" sz="3600" b="1" i="0" u="none" strike="noStrike" cap="none" dirty="0">
                 <a:solidFill>
                   <a:schemeClr val="lt1"/>
                 </a:solidFill>
@@ -27112,7 +27142,7 @@
               <a:t>(</a:t>
             </a:r>
             <a:r>
-              <a:rPr lang="en-US" sz="3600" i="0" u="none" strike="noStrike" cap="none" dirty="0">
+              <a:rPr lang="en-US" sz="3600" b="1" i="0" u="none" strike="noStrike" cap="none" dirty="0">
                 <a:solidFill>
                   <a:srgbClr val="FF7F00"/>
                 </a:solidFill>
@@ -27124,7 +27154,7 @@
               <a:t>'p'</a:t>
             </a:r>
             <a:r>
-              <a:rPr lang="en-US" sz="3600" i="0" u="none" strike="noStrike" cap="none" dirty="0">
+              <a:rPr lang="en-US" sz="3600" b="1" i="0" u="none" strike="noStrike" cap="none" dirty="0">
                 <a:solidFill>
                   <a:schemeClr val="lt1"/>
                 </a:solidFill>
@@ -27155,7 +27185,7 @@
               <a:buNone/>
             </a:pPr>
             <a:r>
-              <a:rPr lang="en-US" sz="3600" i="0" u="none" strike="noStrike" cap="none" dirty="0">
+              <a:rPr lang="en-US" sz="3600" b="1" i="0" u="none" strike="noStrike" cap="none" dirty="0">
                 <a:solidFill>
                   <a:schemeClr val="lt1"/>
                 </a:solidFill>
@@ -27294,7 +27324,7 @@
               <a:buNone/>
             </a:pPr>
             <a:r>
-              <a:rPr lang="en-US" sz="2800" i="0" u="none" strike="noStrike" cap="none" dirty="0">
+              <a:rPr lang="en-US" sz="2800" b="1" i="0" u="none" strike="noStrike" cap="none" dirty="0">
                 <a:solidFill>
                   <a:schemeClr val="lt1"/>
                 </a:solidFill>
@@ -27306,7 +27336,7 @@
               <a:t>&gt;&gt;&gt; </a:t>
             </a:r>
             <a:r>
-              <a:rPr lang="en-US" sz="2800" i="0" u="none" strike="noStrike" cap="none" dirty="0">
+              <a:rPr lang="en-US" sz="2800" b="1" i="0" u="none" strike="noStrike" cap="none" dirty="0">
                 <a:solidFill>
                   <a:srgbClr val="00FF00"/>
                 </a:solidFill>
@@ -27318,7 +27348,7 @@
               <a:t>data</a:t>
             </a:r>
             <a:r>
-              <a:rPr lang="en-US" sz="2800" i="0" u="none" strike="noStrike" cap="none" dirty="0">
+              <a:rPr lang="en-US" sz="2800" b="1" i="0" u="none" strike="noStrike" cap="none" dirty="0">
                 <a:solidFill>
                   <a:schemeClr val="lt1"/>
                 </a:solidFill>
@@ -27330,7 +27360,7 @@
               <a:t> = </a:t>
             </a:r>
             <a:r>
-              <a:rPr lang="en-US" sz="2800" i="0" u="none" strike="noStrike" cap="none" dirty="0">
+              <a:rPr lang="en-US" sz="2800" b="1" i="0" u="none" strike="noStrike" cap="none" dirty="0">
                 <a:solidFill>
                   <a:srgbClr val="FF7F00"/>
                 </a:solidFill>
@@ -27342,7 +27372,7 @@
               <a:t>'From </a:t>
             </a:r>
             <a:r>
-              <a:rPr lang="en-US" sz="2800" i="0" u="none" strike="noStrike" cap="none" dirty="0" err="1">
+              <a:rPr lang="en-US" sz="2800" b="1" i="0" u="none" strike="noStrike" cap="none" dirty="0" err="1">
                 <a:solidFill>
                   <a:srgbClr val="FF7F00"/>
                 </a:solidFill>
@@ -27354,7 +27384,7 @@
               <a:t>stephen.marquard@uct.ac.za</a:t>
             </a:r>
             <a:r>
-              <a:rPr lang="en-US" sz="2800" i="0" u="none" strike="noStrike" cap="none" dirty="0">
+              <a:rPr lang="en-US" sz="2800" b="1" i="0" u="none" strike="noStrike" cap="none" dirty="0">
                 <a:solidFill>
                   <a:srgbClr val="FF7F00"/>
                 </a:solidFill>
@@ -27366,7 +27396,7 @@
               <a:t> Sat Jan  5 09:14:16 2008</a:t>
             </a:r>
             <a:r>
-              <a:rPr lang="en-US" sz="2800" dirty="0">
+              <a:rPr lang="en-US" sz="2800" b="1" dirty="0">
                 <a:solidFill>
                   <a:srgbClr val="FF7F00"/>
                 </a:solidFill>
@@ -27397,7 +27427,7 @@
               <a:buNone/>
             </a:pPr>
             <a:r>
-              <a:rPr lang="en-US" sz="2800" i="0" u="none" strike="noStrike" cap="none" dirty="0">
+              <a:rPr lang="en-US" sz="2800" b="1" i="0" u="none" strike="noStrike" cap="none" dirty="0">
                 <a:solidFill>
                   <a:schemeClr val="lt1"/>
                 </a:solidFill>
@@ -27409,7 +27439,7 @@
               <a:t>&gt;&gt;&gt; </a:t>
             </a:r>
             <a:r>
-              <a:rPr lang="en-US" sz="2800" i="0" u="none" strike="noStrike" cap="none" dirty="0" err="1">
+              <a:rPr lang="en-US" sz="2800" b="1" i="0" u="none" strike="noStrike" cap="none" dirty="0" err="1">
                 <a:solidFill>
                   <a:srgbClr val="00FF00"/>
                 </a:solidFill>
@@ -27421,7 +27451,7 @@
               <a:t>atpos</a:t>
             </a:r>
             <a:r>
-              <a:rPr lang="en-US" sz="2800" i="0" u="none" strike="noStrike" cap="none" dirty="0">
+              <a:rPr lang="en-US" sz="2800" b="1" i="0" u="none" strike="noStrike" cap="none" dirty="0">
                 <a:solidFill>
                   <a:schemeClr val="lt1"/>
                 </a:solidFill>
@@ -27433,7 +27463,7 @@
               <a:t> = </a:t>
             </a:r>
             <a:r>
-              <a:rPr lang="en-US" sz="2800" i="0" u="none" strike="noStrike" cap="none" dirty="0" err="1">
+              <a:rPr lang="en-US" sz="2800" b="1" i="0" u="none" strike="noStrike" cap="none" dirty="0" err="1">
                 <a:solidFill>
                   <a:srgbClr val="00FF00"/>
                 </a:solidFill>
@@ -27445,7 +27475,7 @@
               <a:t>data</a:t>
             </a:r>
             <a:r>
-              <a:rPr lang="en-US" sz="2800" i="0" u="none" strike="noStrike" cap="none" dirty="0" err="1">
+              <a:rPr lang="en-US" sz="2800" b="1" i="0" u="none" strike="noStrike" cap="none" dirty="0" err="1">
                 <a:solidFill>
                   <a:srgbClr val="FF00FF"/>
                 </a:solidFill>
@@ -27457,7 +27487,7 @@
               <a:t>.find</a:t>
             </a:r>
             <a:r>
-              <a:rPr lang="en-US" sz="2800" i="0" u="none" strike="noStrike" cap="none" dirty="0">
+              <a:rPr lang="en-US" sz="2800" b="1" i="0" u="none" strike="noStrike" cap="none" dirty="0">
                 <a:solidFill>
                   <a:schemeClr val="lt1"/>
                 </a:solidFill>
@@ -27469,7 +27499,7 @@
               <a:t>(</a:t>
             </a:r>
             <a:r>
-              <a:rPr lang="en-US" sz="2800" i="0" u="none" strike="noStrike" cap="none" dirty="0">
+              <a:rPr lang="en-US" sz="2800" b="1" i="0" u="none" strike="noStrike" cap="none" dirty="0">
                 <a:solidFill>
                   <a:srgbClr val="FF7F00"/>
                 </a:solidFill>
@@ -27481,7 +27511,7 @@
               <a:t>'@</a:t>
             </a:r>
             <a:r>
-              <a:rPr lang="en-US" sz="2800" i="0" u="none" strike="noStrike" cap="none" dirty="0">
+              <a:rPr lang="en-US" sz="2800" b="1" i="0" u="none" strike="noStrike" cap="none" dirty="0">
                 <a:solidFill>
                   <a:schemeClr val="lt1"/>
                 </a:solidFill>
@@ -27512,7 +27542,7 @@
               <a:buNone/>
             </a:pPr>
             <a:r>
-              <a:rPr lang="en-US" sz="2800" i="0" u="none" strike="noStrike" cap="none" dirty="0">
+              <a:rPr lang="en-US" sz="2800" b="1" i="0" u="none" strike="noStrike" cap="none" dirty="0">
                 <a:solidFill>
                   <a:schemeClr val="lt1"/>
                 </a:solidFill>
@@ -27524,7 +27554,7 @@
               <a:t>&gt;&gt;&gt; </a:t>
             </a:r>
             <a:r>
-              <a:rPr lang="en-US" sz="2800" i="0" u="none" strike="noStrike" cap="none" dirty="0">
+              <a:rPr lang="en-US" sz="2800" b="1" i="0" u="none" strike="noStrike" cap="none" dirty="0">
                 <a:solidFill>
                   <a:srgbClr val="FFFF00"/>
                 </a:solidFill>
@@ -27536,7 +27566,7 @@
               <a:t>print</a:t>
             </a:r>
             <a:r>
-              <a:rPr lang="en-US" sz="2800" i="0" u="none" strike="noStrike" cap="none" dirty="0">
+              <a:rPr lang="en-US" sz="2800" b="1" i="0" u="none" strike="noStrike" cap="none" dirty="0">
                 <a:solidFill>
                   <a:schemeClr val="lt1"/>
                 </a:solidFill>
@@ -27548,7 +27578,7 @@
               <a:t> </a:t>
             </a:r>
             <a:r>
-              <a:rPr lang="en-US" sz="2800" i="0" u="none" strike="noStrike" cap="none" dirty="0" err="1">
+              <a:rPr lang="en-US" sz="2800" b="1" i="0" u="none" strike="noStrike" cap="none" dirty="0" err="1">
                 <a:solidFill>
                   <a:srgbClr val="00FF00"/>
                 </a:solidFill>
@@ -27559,7 +27589,7 @@
               </a:rPr>
               <a:t>atpos</a:t>
             </a:r>
-            <a:endParaRPr lang="en-US" sz="2800" i="0" u="none" strike="noStrike" cap="none" dirty="0">
+            <a:endParaRPr lang="en-US" sz="2800" b="1" i="0" u="none" strike="noStrike" cap="none" dirty="0">
               <a:solidFill>
                 <a:srgbClr val="00FF00"/>
               </a:solidFill>
@@ -27588,7 +27618,7 @@
               <a:buNone/>
             </a:pPr>
             <a:r>
-              <a:rPr lang="en-US" sz="2800" i="0" u="none" strike="noStrike" cap="none" dirty="0">
+              <a:rPr lang="en-US" sz="2800" b="1" i="0" u="none" strike="noStrike" cap="none" dirty="0">
                 <a:solidFill>
                   <a:schemeClr val="lt1"/>
                 </a:solidFill>
@@ -27619,7 +27649,7 @@
               <a:buNone/>
             </a:pPr>
             <a:r>
-              <a:rPr lang="en-US" sz="2800" i="0" u="none" strike="noStrike" cap="none" dirty="0">
+              <a:rPr lang="en-US" sz="2800" b="1" i="0" u="none" strike="noStrike" cap="none" dirty="0">
                 <a:solidFill>
                   <a:schemeClr val="lt1"/>
                 </a:solidFill>
@@ -27631,7 +27661,7 @@
               <a:t>&gt;&gt;&gt; </a:t>
             </a:r>
             <a:r>
-              <a:rPr lang="en-US" sz="2800" i="0" u="none" strike="noStrike" cap="none" dirty="0" err="1">
+              <a:rPr lang="en-US" sz="2800" b="1" i="0" u="none" strike="noStrike" cap="none" dirty="0" err="1">
                 <a:solidFill>
                   <a:srgbClr val="00FF00"/>
                 </a:solidFill>
@@ -27643,7 +27673,7 @@
               <a:t>sppos</a:t>
             </a:r>
             <a:r>
-              <a:rPr lang="en-US" sz="2800" i="0" u="none" strike="noStrike" cap="none" dirty="0">
+              <a:rPr lang="en-US" sz="2800" b="1" i="0" u="none" strike="noStrike" cap="none" dirty="0">
                 <a:solidFill>
                   <a:schemeClr val="lt1"/>
                 </a:solidFill>
@@ -27655,7 +27685,7 @@
               <a:t> = </a:t>
             </a:r>
             <a:r>
-              <a:rPr lang="en-US" sz="2800" i="0" u="none" strike="noStrike" cap="none" dirty="0" err="1">
+              <a:rPr lang="en-US" sz="2800" b="1" i="0" u="none" strike="noStrike" cap="none" dirty="0" err="1">
                 <a:solidFill>
                   <a:srgbClr val="00FF00"/>
                 </a:solidFill>
@@ -27667,7 +27697,7 @@
               <a:t>data</a:t>
             </a:r>
             <a:r>
-              <a:rPr lang="en-US" sz="2800" i="0" u="none" strike="noStrike" cap="none" dirty="0" err="1">
+              <a:rPr lang="en-US" sz="2800" b="1" i="0" u="none" strike="noStrike" cap="none" dirty="0" err="1">
                 <a:solidFill>
                   <a:srgbClr val="FF00FF"/>
                 </a:solidFill>
@@ -27679,7 +27709,7 @@
               <a:t>.find</a:t>
             </a:r>
             <a:r>
-              <a:rPr lang="en-US" sz="2800" i="0" u="none" strike="noStrike" cap="none" dirty="0">
+              <a:rPr lang="en-US" sz="2800" b="1" i="0" u="none" strike="noStrike" cap="none" dirty="0">
                 <a:solidFill>
                   <a:schemeClr val="lt1"/>
                 </a:solidFill>
@@ -27691,7 +27721,7 @@
               <a:t>(</a:t>
             </a:r>
             <a:r>
-              <a:rPr lang="en-US" sz="2800" i="0" u="none" strike="noStrike" cap="none" dirty="0">
+              <a:rPr lang="en-US" sz="2800" b="1" i="0" u="none" strike="noStrike" cap="none" dirty="0">
                 <a:solidFill>
                   <a:srgbClr val="FF7F00"/>
                 </a:solidFill>
@@ -27703,7 +27733,7 @@
               <a:t>' '</a:t>
             </a:r>
             <a:r>
-              <a:rPr lang="en-US" sz="2800" i="0" u="none" strike="noStrike" cap="none" dirty="0">
+              <a:rPr lang="en-US" sz="2800" b="1" i="0" u="none" strike="noStrike" cap="none" dirty="0">
                 <a:solidFill>
                   <a:schemeClr val="lt1"/>
                 </a:solidFill>
@@ -27715,7 +27745,7 @@
               <a:t>,</a:t>
             </a:r>
             <a:r>
-              <a:rPr lang="en-US" sz="2800" i="0" u="none" strike="noStrike" cap="none" dirty="0" err="1">
+              <a:rPr lang="en-US" sz="2800" b="1" i="0" u="none" strike="noStrike" cap="none" dirty="0" err="1">
                 <a:solidFill>
                   <a:srgbClr val="00FF00"/>
                 </a:solidFill>
@@ -27727,7 +27757,7 @@
               <a:t>atpos</a:t>
             </a:r>
             <a:r>
-              <a:rPr lang="en-US" sz="2800" i="0" u="none" strike="noStrike" cap="none" dirty="0">
+              <a:rPr lang="en-US" sz="2800" b="1" i="0" u="none" strike="noStrike" cap="none" dirty="0">
                 <a:solidFill>
                   <a:schemeClr val="lt1"/>
                 </a:solidFill>
@@ -27758,7 +27788,7 @@
               <a:buNone/>
             </a:pPr>
             <a:r>
-              <a:rPr lang="en-US" sz="2800" i="0" u="none" strike="noStrike" cap="none" dirty="0">
+              <a:rPr lang="en-US" sz="2800" b="1" i="0" u="none" strike="noStrike" cap="none" dirty="0">
                 <a:solidFill>
                   <a:schemeClr val="lt1"/>
                 </a:solidFill>
@@ -27770,7 +27800,7 @@
               <a:t>&gt;&gt;&gt; </a:t>
             </a:r>
             <a:r>
-              <a:rPr lang="en-US" sz="2800" i="0" u="none" strike="noStrike" cap="none" dirty="0">
+              <a:rPr lang="en-US" sz="2800" b="1" i="0" u="none" strike="noStrike" cap="none" dirty="0">
                 <a:solidFill>
                   <a:srgbClr val="FFFF00"/>
                 </a:solidFill>
@@ -27782,7 +27812,7 @@
               <a:t>print</a:t>
             </a:r>
             <a:r>
-              <a:rPr lang="en-US" sz="2800" i="0" u="none" strike="noStrike" cap="none" dirty="0">
+              <a:rPr lang="en-US" sz="2800" b="1" i="0" u="none" strike="noStrike" cap="none" dirty="0">
                 <a:solidFill>
                   <a:schemeClr val="lt1"/>
                 </a:solidFill>
@@ -27794,7 +27824,7 @@
               <a:t> </a:t>
             </a:r>
             <a:r>
-              <a:rPr lang="en-US" sz="2800" i="0" u="none" strike="noStrike" cap="none" dirty="0" err="1">
+              <a:rPr lang="en-US" sz="2800" b="1" i="0" u="none" strike="noStrike" cap="none" dirty="0" err="1">
                 <a:solidFill>
                   <a:srgbClr val="00FF00"/>
                 </a:solidFill>
@@ -27805,7 +27835,7 @@
               </a:rPr>
               <a:t>sppos</a:t>
             </a:r>
-            <a:endParaRPr lang="en-US" sz="2800" i="0" u="none" strike="noStrike" cap="none" dirty="0">
+            <a:endParaRPr lang="en-US" sz="2800" b="1" i="0" u="none" strike="noStrike" cap="none" dirty="0">
               <a:solidFill>
                 <a:srgbClr val="00FF00"/>
               </a:solidFill>
@@ -27834,7 +27864,7 @@
               <a:buNone/>
             </a:pPr>
             <a:r>
-              <a:rPr lang="en-US" sz="2800" i="0" u="none" strike="noStrike" cap="none" dirty="0">
+              <a:rPr lang="en-US" sz="2800" b="1" i="0" u="none" strike="noStrike" cap="none" dirty="0">
                 <a:solidFill>
                   <a:schemeClr val="lt1"/>
                 </a:solidFill>
@@ -27865,7 +27895,7 @@
               <a:buNone/>
             </a:pPr>
             <a:r>
-              <a:rPr lang="en-US" sz="2800" i="0" u="none" strike="noStrike" cap="none" dirty="0">
+              <a:rPr lang="en-US" sz="2800" b="1" i="0" u="none" strike="noStrike" cap="none" dirty="0">
                 <a:solidFill>
                   <a:schemeClr val="lt1"/>
                 </a:solidFill>
@@ -27877,7 +27907,7 @@
               <a:t>&gt;&gt;&gt; </a:t>
             </a:r>
             <a:r>
-              <a:rPr lang="en-US" sz="2800" i="0" u="none" strike="noStrike" cap="none" dirty="0">
+              <a:rPr lang="en-US" sz="2800" b="1" i="0" u="none" strike="noStrike" cap="none" dirty="0">
                 <a:solidFill>
                   <a:srgbClr val="00FF00"/>
                 </a:solidFill>
@@ -27889,7 +27919,7 @@
               <a:t>host</a:t>
             </a:r>
             <a:r>
-              <a:rPr lang="en-US" sz="2800" i="0" u="none" strike="noStrike" cap="none" dirty="0">
+              <a:rPr lang="en-US" sz="2800" b="1" i="0" u="none" strike="noStrike" cap="none" dirty="0">
                 <a:solidFill>
                   <a:schemeClr val="lt1"/>
                 </a:solidFill>
@@ -27901,7 +27931,7 @@
               <a:t> = </a:t>
             </a:r>
             <a:r>
-              <a:rPr lang="en-US" sz="2800" i="0" u="none" strike="noStrike" cap="none" dirty="0">
+              <a:rPr lang="en-US" sz="2800" b="1" i="0" u="none" strike="noStrike" cap="none" dirty="0">
                 <a:solidFill>
                   <a:srgbClr val="00FF00"/>
                 </a:solidFill>
@@ -27913,7 +27943,7 @@
               <a:t>data</a:t>
             </a:r>
             <a:r>
-              <a:rPr lang="en-US" sz="2800" i="0" u="none" strike="noStrike" cap="none" dirty="0">
+              <a:rPr lang="en-US" sz="2800" b="1" i="0" u="none" strike="noStrike" cap="none" dirty="0">
                 <a:solidFill>
                   <a:srgbClr val="00FFFF"/>
                 </a:solidFill>
@@ -27925,7 +27955,7 @@
               <a:t>[</a:t>
             </a:r>
             <a:r>
-              <a:rPr lang="en-US" sz="2800" i="0" u="none" strike="noStrike" cap="none" dirty="0">
+              <a:rPr lang="en-US" sz="2800" b="1" i="0" u="none" strike="noStrike" cap="none" dirty="0">
                 <a:solidFill>
                   <a:srgbClr val="00FF00"/>
                 </a:solidFill>
@@ -27937,7 +27967,7 @@
               <a:t>atpos</a:t>
             </a:r>
             <a:r>
-              <a:rPr lang="en-US" sz="2800" i="0" u="none" strike="noStrike" cap="none" dirty="0">
+              <a:rPr lang="en-US" sz="2800" b="1" i="0" u="none" strike="noStrike" cap="none" dirty="0">
                 <a:solidFill>
                   <a:srgbClr val="00FFFF"/>
                 </a:solidFill>
@@ -27949,7 +27979,7 @@
               <a:t>+</a:t>
             </a:r>
             <a:r>
-              <a:rPr lang="en-US" sz="2800" i="0" u="none" strike="noStrike" cap="none" dirty="0">
+              <a:rPr lang="en-US" sz="2800" b="1" i="0" u="none" strike="noStrike" cap="none" dirty="0">
                 <a:solidFill>
                   <a:srgbClr val="FF7F00"/>
                 </a:solidFill>
@@ -27961,7 +27991,7 @@
               <a:t>1</a:t>
             </a:r>
             <a:r>
-              <a:rPr lang="en-US" sz="2800" i="0" u="none" strike="noStrike" cap="none" dirty="0">
+              <a:rPr lang="en-US" sz="2800" b="1" i="0" u="none" strike="noStrike" cap="none" dirty="0">
                 <a:solidFill>
                   <a:srgbClr val="00FFFF"/>
                 </a:solidFill>
@@ -27973,7 +28003,7 @@
               <a:t> : </a:t>
             </a:r>
             <a:r>
-              <a:rPr lang="en-US" sz="2800" i="0" u="none" strike="noStrike" cap="none" dirty="0" err="1">
+              <a:rPr lang="en-US" sz="2800" b="1" i="0" u="none" strike="noStrike" cap="none" dirty="0" err="1">
                 <a:solidFill>
                   <a:srgbClr val="00FF00"/>
                 </a:solidFill>
@@ -27985,7 +28015,7 @@
               <a:t>sppos</a:t>
             </a:r>
             <a:r>
-              <a:rPr lang="en-US" sz="2800" i="0" u="none" strike="noStrike" cap="none" dirty="0">
+              <a:rPr lang="en-US" sz="2800" b="1" i="0" u="none" strike="noStrike" cap="none" dirty="0">
                 <a:solidFill>
                   <a:srgbClr val="00FFFF"/>
                 </a:solidFill>
@@ -28016,7 +28046,7 @@
               <a:buNone/>
             </a:pPr>
             <a:r>
-              <a:rPr lang="en-US" sz="2800" i="0" u="none" strike="noStrike" cap="none" dirty="0">
+              <a:rPr lang="en-US" sz="2800" b="1" i="0" u="none" strike="noStrike" cap="none" dirty="0">
                 <a:solidFill>
                   <a:schemeClr val="lt1"/>
                 </a:solidFill>
@@ -28028,7 +28058,7 @@
               <a:t>&gt;&gt;&gt; </a:t>
             </a:r>
             <a:r>
-              <a:rPr lang="en-US" sz="2800" i="0" u="none" strike="noStrike" cap="none" dirty="0">
+              <a:rPr lang="en-US" sz="2800" b="1" i="0" u="none" strike="noStrike" cap="none" dirty="0">
                 <a:solidFill>
                   <a:srgbClr val="FFFF00"/>
                 </a:solidFill>
@@ -28040,7 +28070,7 @@
               <a:t>print</a:t>
             </a:r>
             <a:r>
-              <a:rPr lang="en-US" sz="2800" i="0" u="none" strike="noStrike" cap="none" dirty="0">
+              <a:rPr lang="en-US" sz="2800" b="1" i="0" u="none" strike="noStrike" cap="none" dirty="0">
                 <a:solidFill>
                   <a:schemeClr val="lt1"/>
                 </a:solidFill>
@@ -28052,7 +28082,7 @@
               <a:t> </a:t>
             </a:r>
             <a:r>
-              <a:rPr lang="en-US" sz="2800" i="0" u="none" strike="noStrike" cap="none" dirty="0">
+              <a:rPr lang="en-US" sz="2800" b="1" i="0" u="none" strike="noStrike" cap="none" dirty="0">
                 <a:solidFill>
                   <a:srgbClr val="00FF00"/>
                 </a:solidFill>
@@ -28083,7 +28113,7 @@
               <a:buNone/>
             </a:pPr>
             <a:r>
-              <a:rPr lang="en-US" sz="2800" i="0" u="none" strike="noStrike" cap="none" dirty="0" err="1">
+              <a:rPr lang="en-US" sz="2800" b="1" i="0" u="none" strike="noStrike" cap="none" dirty="0" err="1">
                 <a:solidFill>
                   <a:schemeClr val="lt1"/>
                 </a:solidFill>
@@ -28094,7 +28124,7 @@
               </a:rPr>
               <a:t>uct.ac.za</a:t>
             </a:r>
-            <a:endParaRPr lang="en-US" sz="2800" i="0" u="none" strike="noStrike" cap="none" dirty="0">
+            <a:endParaRPr lang="en-US" sz="2800" b="1" i="0" u="none" strike="noStrike" cap="none" dirty="0">
               <a:solidFill>
                 <a:schemeClr val="lt1"/>
               </a:solidFill>
@@ -28149,19 +28179,31 @@
               <a:buNone/>
             </a:pPr>
             <a:r>
-              <a:rPr lang="en-US" sz="3000" b="0" i="0" u="none" strike="noStrike" cap="none">
-                <a:solidFill>
-                  <a:schemeClr val="lt1"/>
-                </a:solidFill>
-                <a:latin typeface="Courier New"/>
-                <a:ea typeface="Courier New"/>
-                <a:cs typeface="Courier New"/>
-                <a:sym typeface="Courier New"/>
-              </a:rPr>
-              <a:t>From stephen.marquard</a:t>
-            </a:r>
-            <a:r>
-              <a:rPr lang="en-US" sz="3000" b="0" i="0" u="none" strike="noStrike" cap="none">
+              <a:rPr lang="en-US" sz="3000" b="1" i="0" u="none" strike="noStrike" cap="none" dirty="0">
+                <a:solidFill>
+                  <a:schemeClr val="lt1"/>
+                </a:solidFill>
+                <a:latin typeface="Courier New"/>
+                <a:ea typeface="Courier New"/>
+                <a:cs typeface="Courier New"/>
+                <a:sym typeface="Courier New"/>
+              </a:rPr>
+              <a:t>From </a:t>
+            </a:r>
+            <a:r>
+              <a:rPr lang="en-US" sz="3000" b="1" i="0" u="none" strike="noStrike" cap="none" dirty="0" err="1">
+                <a:solidFill>
+                  <a:schemeClr val="lt1"/>
+                </a:solidFill>
+                <a:latin typeface="Courier New"/>
+                <a:ea typeface="Courier New"/>
+                <a:cs typeface="Courier New"/>
+                <a:sym typeface="Courier New"/>
+              </a:rPr>
+              <a:t>stephen.marquard</a:t>
+            </a:r>
+            <a:r>
+              <a:rPr lang="en-US" sz="3000" b="1" i="0" u="none" strike="noStrike" cap="none" dirty="0" err="1">
                 <a:solidFill>
                   <a:srgbClr val="FFFF00"/>
                 </a:solidFill>
@@ -28173,16 +28215,28 @@
               <a:t>@</a:t>
             </a:r>
             <a:r>
-              <a:rPr lang="en-US" sz="3000" b="0" i="0" u="none" strike="noStrike" cap="none">
-                <a:solidFill>
-                  <a:schemeClr val="lt1"/>
-                </a:solidFill>
-                <a:latin typeface="Courier New"/>
-                <a:ea typeface="Courier New"/>
-                <a:cs typeface="Courier New"/>
-                <a:sym typeface="Courier New"/>
-              </a:rPr>
-              <a:t>uct.ac.za Sat Jan  5 09:14:16 2008</a:t>
+              <a:rPr lang="en-US" sz="3000" b="1" i="0" u="none" strike="noStrike" cap="none" dirty="0" err="1">
+                <a:solidFill>
+                  <a:schemeClr val="lt1"/>
+                </a:solidFill>
+                <a:latin typeface="Courier New"/>
+                <a:ea typeface="Courier New"/>
+                <a:cs typeface="Courier New"/>
+                <a:sym typeface="Courier New"/>
+              </a:rPr>
+              <a:t>uct.ac.za</a:t>
+            </a:r>
+            <a:r>
+              <a:rPr lang="en-US" sz="3000" b="1" i="0" u="none" strike="noStrike" cap="none" dirty="0">
+                <a:solidFill>
+                  <a:schemeClr val="lt1"/>
+                </a:solidFill>
+                <a:latin typeface="Courier New"/>
+                <a:ea typeface="Courier New"/>
+                <a:cs typeface="Courier New"/>
+                <a:sym typeface="Courier New"/>
+              </a:rPr>
+              <a:t> Sat Jan  5 09:14:16 2008</a:t>
             </a:r>
           </a:p>
         </p:txBody>
@@ -28763,7 +28817,7 @@
               <a:buNone/>
             </a:pPr>
             <a:r>
-              <a:rPr lang="en-US" sz="3000" i="0" u="none" strike="noStrike" cap="none" dirty="0">
+              <a:rPr lang="en-US" sz="3000" b="1" i="0" u="none" strike="noStrike" cap="none" dirty="0">
                 <a:solidFill>
                   <a:schemeClr val="lt1"/>
                 </a:solidFill>
@@ -28775,7 +28829,7 @@
               <a:t>&gt;&gt;&gt; </a:t>
             </a:r>
             <a:r>
-              <a:rPr lang="en-US" sz="3000" i="0" u="none" strike="noStrike" cap="none" dirty="0">
+              <a:rPr lang="en-US" sz="3000" b="1" i="0" u="none" strike="noStrike" cap="none" dirty="0">
                 <a:solidFill>
                   <a:srgbClr val="00FF00"/>
                 </a:solidFill>
@@ -28787,7 +28841,7 @@
               <a:t>name</a:t>
             </a:r>
             <a:r>
-              <a:rPr lang="en-US" sz="3000" i="0" u="none" strike="noStrike" cap="none" dirty="0">
+              <a:rPr lang="en-US" sz="3000" b="1" i="0" u="none" strike="noStrike" cap="none" dirty="0">
                 <a:solidFill>
                   <a:srgbClr val="FF7F00"/>
                 </a:solidFill>
@@ -28799,7 +28853,7 @@
               <a:t> </a:t>
             </a:r>
             <a:r>
-              <a:rPr lang="en-US" sz="3000" i="0" u="none" strike="noStrike" cap="none" dirty="0">
+              <a:rPr lang="en-US" sz="3000" b="1" i="0" u="none" strike="noStrike" cap="none" dirty="0">
                 <a:solidFill>
                   <a:schemeClr val="lt1"/>
                 </a:solidFill>
@@ -28811,7 +28865,7 @@
               <a:t>=</a:t>
             </a:r>
             <a:r>
-              <a:rPr lang="en-US" sz="3000" i="0" u="none" strike="noStrike" cap="none" dirty="0">
+              <a:rPr lang="en-US" sz="3000" b="1" i="0" u="none" strike="noStrike" cap="none" dirty="0">
                 <a:solidFill>
                   <a:srgbClr val="FF7F00"/>
                 </a:solidFill>
@@ -28823,7 +28877,7 @@
               <a:t> </a:t>
             </a:r>
             <a:r>
-              <a:rPr lang="en-US" sz="3000" i="0" u="none" strike="noStrike" cap="none" dirty="0" smtClean="0">
+              <a:rPr lang="en-US" sz="3000" b="1" i="0" u="none" strike="noStrike" cap="none" dirty="0" smtClean="0">
                 <a:solidFill>
                   <a:srgbClr val="FF00FF"/>
                 </a:solidFill>
@@ -28835,7 +28889,7 @@
               <a:t>input</a:t>
             </a:r>
             <a:r>
-              <a:rPr lang="en-US" sz="3000" i="0" u="none" strike="noStrike" cap="none" dirty="0">
+              <a:rPr lang="en-US" sz="3000" b="1" i="0" u="none" strike="noStrike" cap="none" dirty="0">
                 <a:solidFill>
                   <a:schemeClr val="lt1"/>
                 </a:solidFill>
@@ -28847,7 +28901,7 @@
               <a:t>(</a:t>
             </a:r>
             <a:r>
-              <a:rPr lang="en-US" sz="3000" i="0" u="none" strike="noStrike" cap="none" dirty="0">
+              <a:rPr lang="en-US" sz="3000" b="1" i="0" u="none" strike="noStrike" cap="none" dirty="0">
                 <a:solidFill>
                   <a:srgbClr val="FF7F00"/>
                 </a:solidFill>
@@ -28859,7 +28913,7 @@
               <a:t>'Enter:'</a:t>
             </a:r>
             <a:r>
-              <a:rPr lang="en-US" sz="3000" i="0" u="none" strike="noStrike" cap="none" dirty="0">
+              <a:rPr lang="en-US" sz="3000" b="1" i="0" u="none" strike="noStrike" cap="none" dirty="0">
                 <a:solidFill>
                   <a:schemeClr val="lt1"/>
                 </a:solidFill>
@@ -28890,7 +28944,7 @@
               <a:buNone/>
             </a:pPr>
             <a:r>
-              <a:rPr lang="en-US" sz="3000" i="0" u="none" strike="noStrike" cap="none" dirty="0" err="1">
+              <a:rPr lang="en-US" sz="3000" b="1" i="0" u="none" strike="noStrike" cap="none" dirty="0" err="1">
                 <a:solidFill>
                   <a:schemeClr val="lt1"/>
                 </a:solidFill>
@@ -28902,7 +28956,7 @@
               <a:t>Enter:</a:t>
             </a:r>
             <a:r>
-              <a:rPr lang="en-US" sz="3000" i="0" u="none" strike="noStrike" cap="none" dirty="0" err="1">
+              <a:rPr lang="en-US" sz="3000" b="1" i="0" u="none" strike="noStrike" cap="none" dirty="0" err="1">
                 <a:solidFill>
                   <a:srgbClr val="00FF00"/>
                 </a:solidFill>
@@ -28913,7 +28967,7 @@
               </a:rPr>
               <a:t>Chuck</a:t>
             </a:r>
-            <a:endParaRPr lang="en-US" sz="3000" i="0" u="none" strike="noStrike" cap="none" dirty="0">
+            <a:endParaRPr lang="en-US" sz="3000" b="1" i="0" u="none" strike="noStrike" cap="none" dirty="0">
               <a:solidFill>
                 <a:srgbClr val="00FF00"/>
               </a:solidFill>
@@ -28942,7 +28996,7 @@
               <a:buNone/>
             </a:pPr>
             <a:r>
-              <a:rPr lang="en-US" sz="3000" i="0" u="none" strike="noStrike" cap="none" dirty="0">
+              <a:rPr lang="en-US" sz="3000" b="1" i="0" u="none" strike="noStrike" cap="none" dirty="0">
                 <a:solidFill>
                   <a:schemeClr val="lt1"/>
                 </a:solidFill>
@@ -28954,7 +29008,7 @@
               <a:t>&gt;&gt;&gt; </a:t>
             </a:r>
             <a:r>
-              <a:rPr lang="en-US" sz="3000" i="0" u="none" strike="noStrike" cap="none" dirty="0" smtClean="0">
+              <a:rPr lang="en-US" sz="3000" b="1" i="0" u="none" strike="noStrike" cap="none" dirty="0" smtClean="0">
                 <a:solidFill>
                   <a:srgbClr val="FFFF00"/>
                 </a:solidFill>
@@ -28966,7 +29020,7 @@
               <a:t>print</a:t>
             </a:r>
             <a:r>
-              <a:rPr lang="en-US" sz="3000" dirty="0" smtClean="0">
+              <a:rPr lang="en-US" sz="3000" b="1" dirty="0" smtClean="0">
                 <a:solidFill>
                   <a:schemeClr val="lt1"/>
                 </a:solidFill>
@@ -28978,7 +29032,7 @@
               <a:t>(</a:t>
             </a:r>
             <a:r>
-              <a:rPr lang="en-US" sz="3000" i="0" u="none" strike="noStrike" cap="none" dirty="0" smtClean="0">
+              <a:rPr lang="en-US" sz="3000" b="1" i="0" u="none" strike="noStrike" cap="none" dirty="0" smtClean="0">
                 <a:solidFill>
                   <a:srgbClr val="FF7F00"/>
                 </a:solidFill>
@@ -28990,7 +29044,7 @@
               <a:t>name</a:t>
             </a:r>
             <a:r>
-              <a:rPr lang="en-US" sz="3000" i="0" u="none" strike="noStrike" cap="none" dirty="0" smtClean="0">
+              <a:rPr lang="en-US" sz="3000" b="1" i="0" u="none" strike="noStrike" cap="none" dirty="0" smtClean="0">
                 <a:solidFill>
                   <a:schemeClr val="bg1"/>
                 </a:solidFill>
@@ -29001,7 +29055,7 @@
               </a:rPr>
               <a:t>)</a:t>
             </a:r>
-            <a:endParaRPr lang="en-US" sz="3000" i="0" u="none" strike="noStrike" cap="none" dirty="0">
+            <a:endParaRPr lang="en-US" sz="3000" b="1" i="0" u="none" strike="noStrike" cap="none" dirty="0">
               <a:solidFill>
                 <a:schemeClr val="bg1"/>
               </a:solidFill>
@@ -29030,7 +29084,7 @@
               <a:buNone/>
             </a:pPr>
             <a:r>
-              <a:rPr lang="en-US" sz="3000" i="0" u="none" strike="noStrike" cap="none" dirty="0">
+              <a:rPr lang="en-US" sz="3000" b="1" i="0" u="none" strike="noStrike" cap="none" dirty="0">
                 <a:solidFill>
                   <a:schemeClr val="lt1"/>
                 </a:solidFill>
@@ -29061,7 +29115,7 @@
               <a:buNone/>
             </a:pPr>
             <a:r>
-              <a:rPr lang="en-US" sz="3000" i="0" u="none" strike="noStrike" cap="none" dirty="0">
+              <a:rPr lang="en-US" sz="3000" b="1" i="0" u="none" strike="noStrike" cap="none" dirty="0">
                 <a:solidFill>
                   <a:schemeClr val="lt1"/>
                 </a:solidFill>
@@ -29073,7 +29127,7 @@
               <a:t>&gt;&gt;&gt; </a:t>
             </a:r>
             <a:r>
-              <a:rPr lang="en-US" sz="3000" i="0" u="none" strike="noStrike" cap="none" dirty="0">
+              <a:rPr lang="en-US" sz="3000" b="1" i="0" u="none" strike="noStrike" cap="none" dirty="0">
                 <a:solidFill>
                   <a:srgbClr val="00FF00"/>
                 </a:solidFill>
@@ -29085,7 +29139,7 @@
               <a:t>apple</a:t>
             </a:r>
             <a:r>
-              <a:rPr lang="en-US" sz="3000" i="0" u="none" strike="noStrike" cap="none" dirty="0">
+              <a:rPr lang="en-US" sz="3000" b="1" i="0" u="none" strike="noStrike" cap="none" dirty="0">
                 <a:solidFill>
                   <a:srgbClr val="FF7F00"/>
                 </a:solidFill>
@@ -29097,7 +29151,7 @@
               <a:t> </a:t>
             </a:r>
             <a:r>
-              <a:rPr lang="en-US" sz="3000" i="0" u="none" strike="noStrike" cap="none" dirty="0">
+              <a:rPr lang="en-US" sz="3000" b="1" i="0" u="none" strike="noStrike" cap="none" dirty="0">
                 <a:solidFill>
                   <a:schemeClr val="lt1"/>
                 </a:solidFill>
@@ -29109,7 +29163,7 @@
               <a:t>=</a:t>
             </a:r>
             <a:r>
-              <a:rPr lang="en-US" sz="3000" i="0" u="none" strike="noStrike" cap="none" dirty="0">
+              <a:rPr lang="en-US" sz="3000" b="1" i="0" u="none" strike="noStrike" cap="none" dirty="0">
                 <a:solidFill>
                   <a:srgbClr val="FF7F00"/>
                 </a:solidFill>
@@ -29121,7 +29175,7 @@
               <a:t> </a:t>
             </a:r>
             <a:r>
-              <a:rPr lang="en-US" sz="3000" i="0" u="none" strike="noStrike" cap="none" dirty="0" smtClean="0">
+              <a:rPr lang="en-US" sz="3000" b="1" i="0" u="none" strike="noStrike" cap="none" dirty="0" smtClean="0">
                 <a:solidFill>
                   <a:srgbClr val="FF00FF"/>
                 </a:solidFill>
@@ -29133,7 +29187,7 @@
               <a:t>input</a:t>
             </a:r>
             <a:r>
-              <a:rPr lang="en-US" sz="3000" i="0" u="none" strike="noStrike" cap="none" dirty="0">
+              <a:rPr lang="en-US" sz="3000" b="1" i="0" u="none" strike="noStrike" cap="none" dirty="0">
                 <a:solidFill>
                   <a:schemeClr val="lt1"/>
                 </a:solidFill>
@@ -29145,7 +29199,7 @@
               <a:t>(</a:t>
             </a:r>
             <a:r>
-              <a:rPr lang="en-US" sz="3000" i="0" u="none" strike="noStrike" cap="none" dirty="0">
+              <a:rPr lang="en-US" sz="3000" b="1" i="0" u="none" strike="noStrike" cap="none" dirty="0">
                 <a:solidFill>
                   <a:srgbClr val="FF7F00"/>
                 </a:solidFill>
@@ -29157,7 +29211,7 @@
               <a:t>'Enter:'</a:t>
             </a:r>
             <a:r>
-              <a:rPr lang="en-US" sz="3000" i="0" u="none" strike="noStrike" cap="none" dirty="0">
+              <a:rPr lang="en-US" sz="3000" b="1" i="0" u="none" strike="noStrike" cap="none" dirty="0">
                 <a:solidFill>
                   <a:schemeClr val="lt1"/>
                 </a:solidFill>
@@ -29188,7 +29242,7 @@
               <a:buNone/>
             </a:pPr>
             <a:r>
-              <a:rPr lang="en-US" sz="3000" i="0" u="none" strike="noStrike" cap="none" dirty="0">
+              <a:rPr lang="en-US" sz="3000" b="1" i="0" u="none" strike="noStrike" cap="none" dirty="0">
                 <a:solidFill>
                   <a:schemeClr val="lt1"/>
                 </a:solidFill>
@@ -29200,7 +29254,7 @@
               <a:t>Enter:</a:t>
             </a:r>
             <a:r>
-              <a:rPr lang="en-US" sz="3000" i="0" u="none" strike="noStrike" cap="none" dirty="0">
+              <a:rPr lang="en-US" sz="3000" b="1" i="0" u="none" strike="noStrike" cap="none" dirty="0">
                 <a:solidFill>
                   <a:srgbClr val="00FF00"/>
                 </a:solidFill>
@@ -29231,7 +29285,7 @@
               <a:buNone/>
             </a:pPr>
             <a:r>
-              <a:rPr lang="en-US" sz="3000" i="0" u="none" strike="noStrike" cap="none" dirty="0">
+              <a:rPr lang="en-US" sz="3000" b="1" i="0" u="none" strike="noStrike" cap="none" dirty="0">
                 <a:solidFill>
                   <a:schemeClr val="lt1"/>
                 </a:solidFill>
@@ -29243,7 +29297,7 @@
               <a:t>&gt;&gt;&gt; </a:t>
             </a:r>
             <a:r>
-              <a:rPr lang="en-US" sz="3000" i="0" u="none" strike="noStrike" cap="none" dirty="0">
+              <a:rPr lang="en-US" sz="3000" b="1" i="0" u="none" strike="noStrike" cap="none" dirty="0">
                 <a:solidFill>
                   <a:srgbClr val="00FF00"/>
                 </a:solidFill>
@@ -29255,7 +29309,7 @@
               <a:t>x </a:t>
             </a:r>
             <a:r>
-              <a:rPr lang="en-US" sz="3000" i="0" u="none" strike="noStrike" cap="none" dirty="0">
+              <a:rPr lang="en-US" sz="3000" b="1" i="0" u="none" strike="noStrike" cap="none" dirty="0">
                 <a:solidFill>
                   <a:schemeClr val="lt1"/>
                 </a:solidFill>
@@ -29267,7 +29321,7 @@
               <a:t>=</a:t>
             </a:r>
             <a:r>
-              <a:rPr lang="en-US" sz="3000" i="0" u="none" strike="noStrike" cap="none" dirty="0">
+              <a:rPr lang="en-US" sz="3000" b="1" i="0" u="none" strike="noStrike" cap="none" dirty="0">
                 <a:solidFill>
                   <a:srgbClr val="FF7F00"/>
                 </a:solidFill>
@@ -29279,7 +29333,7 @@
               <a:t> </a:t>
             </a:r>
             <a:r>
-              <a:rPr lang="en-US" sz="3000" i="0" u="none" strike="noStrike" cap="none" dirty="0">
+              <a:rPr lang="en-US" sz="3000" b="1" i="0" u="none" strike="noStrike" cap="none" dirty="0">
                 <a:solidFill>
                   <a:srgbClr val="00FF00"/>
                 </a:solidFill>
@@ -29291,7 +29345,7 @@
               <a:t>apple</a:t>
             </a:r>
             <a:r>
-              <a:rPr lang="en-US" sz="3000" i="0" u="none" strike="noStrike" cap="none" dirty="0">
+              <a:rPr lang="en-US" sz="3000" b="1" i="0" u="none" strike="noStrike" cap="none" dirty="0">
                 <a:solidFill>
                   <a:srgbClr val="FF7F00"/>
                 </a:solidFill>
@@ -29303,7 +29357,7 @@
               <a:t> </a:t>
             </a:r>
             <a:r>
-              <a:rPr lang="en-US" sz="3000" i="0" u="none" strike="noStrike" cap="none" dirty="0">
+              <a:rPr lang="en-US" sz="3000" b="1" i="0" u="none" strike="noStrike" cap="none" dirty="0">
                 <a:solidFill>
                   <a:srgbClr val="00FFFF"/>
                 </a:solidFill>
@@ -29315,7 +29369,7 @@
               <a:t>– </a:t>
             </a:r>
             <a:r>
-              <a:rPr lang="en-US" sz="3000" i="0" u="none" strike="noStrike" cap="none" dirty="0">
+              <a:rPr lang="en-US" sz="3000" b="1" i="0" u="none" strike="noStrike" cap="none" dirty="0">
                 <a:solidFill>
                   <a:srgbClr val="FF7F00"/>
                 </a:solidFill>
@@ -29346,7 +29400,7 @@
               <a:buNone/>
             </a:pPr>
             <a:r>
-              <a:rPr lang="en-US" sz="3000" i="0" u="none" strike="noStrike" cap="none" dirty="0" err="1">
+              <a:rPr lang="en-US" sz="3000" b="1" i="0" u="none" strike="noStrike" cap="none" dirty="0" err="1">
                 <a:solidFill>
                   <a:srgbClr val="E06666"/>
                 </a:solidFill>
@@ -29358,7 +29412,7 @@
               <a:t>Traceback</a:t>
             </a:r>
             <a:r>
-              <a:rPr lang="en-US" sz="3000" i="0" u="none" strike="noStrike" cap="none" dirty="0">
+              <a:rPr lang="en-US" sz="3000" b="1" i="0" u="none" strike="noStrike" cap="none" dirty="0">
                 <a:solidFill>
                   <a:srgbClr val="E06666"/>
                 </a:solidFill>
@@ -29370,7 +29424,7 @@
               <a:t> (most recent call last):  File "&lt;</a:t>
             </a:r>
             <a:r>
-              <a:rPr lang="en-US" sz="3000" i="0" u="none" strike="noStrike" cap="none" dirty="0" err="1">
+              <a:rPr lang="en-US" sz="3000" b="1" i="0" u="none" strike="noStrike" cap="none" dirty="0" err="1">
                 <a:solidFill>
                   <a:srgbClr val="E06666"/>
                 </a:solidFill>
@@ -29382,7 +29436,7 @@
               <a:t>stdin</a:t>
             </a:r>
             <a:r>
-              <a:rPr lang="en-US" sz="3000" i="0" u="none" strike="noStrike" cap="none" dirty="0">
+              <a:rPr lang="en-US" sz="3000" b="1" i="0" u="none" strike="noStrike" cap="none" dirty="0">
                 <a:solidFill>
                   <a:srgbClr val="E06666"/>
                 </a:solidFill>
@@ -29391,10 +29445,10 @@
                 <a:cs typeface="Courier New"/>
                 <a:sym typeface="Courier New"/>
               </a:rPr>
-              <a:t>&gt;", line 1, in &lt;module&gt;</a:t>
-            </a:r>
-            <a:r>
-              <a:rPr lang="en-US" sz="3000" i="0" u="none" strike="noStrike" cap="none" dirty="0" err="1">
+              <a:t>&gt;", line 1, in &lt;module</a:t>
+            </a:r>
+            <a:r>
+              <a:rPr lang="en-US" sz="3000" b="1" i="0" u="none" strike="noStrike" cap="none" dirty="0" smtClean="0">
                 <a:solidFill>
                   <a:srgbClr val="E06666"/>
                 </a:solidFill>
@@ -29403,10 +29457,41 @@
                 <a:cs typeface="Courier New"/>
                 <a:sym typeface="Courier New"/>
               </a:rPr>
+              <a:t>&gt;</a:t>
+            </a:r>
+          </a:p>
+          <a:p>
+            <a:pPr marL="0" marR="0" lvl="0" indent="0" algn="l" rtl="0">
+              <a:lnSpc>
+                <a:spcPct val="100000"/>
+              </a:lnSpc>
+              <a:spcBef>
+                <a:spcPts val="0"/>
+              </a:spcBef>
+              <a:spcAft>
+                <a:spcPts val="0"/>
+              </a:spcAft>
+              <a:buClr>
+                <a:srgbClr val="FF0000"/>
+              </a:buClr>
+              <a:buSzPct val="25000"/>
+              <a:buFont typeface="Cabin"/>
+              <a:buNone/>
+            </a:pPr>
+            <a:r>
+              <a:rPr lang="en-US" sz="3000" b="1" i="0" u="none" strike="noStrike" cap="none" dirty="0" err="1" smtClean="0">
+                <a:solidFill>
+                  <a:srgbClr val="E06666"/>
+                </a:solidFill>
+                <a:latin typeface="Courier New"/>
+                <a:ea typeface="Courier New"/>
+                <a:cs typeface="Courier New"/>
+                <a:sym typeface="Courier New"/>
+              </a:rPr>
               <a:t>TypeError</a:t>
             </a:r>
             <a:r>
-              <a:rPr lang="en-US" sz="3000" i="0" u="none" strike="noStrike" cap="none" dirty="0">
+              <a:rPr lang="en-US" sz="3000" b="1" i="0" u="none" strike="noStrike" cap="none" dirty="0">
                 <a:solidFill>
                   <a:srgbClr val="E06666"/>
                 </a:solidFill>
@@ -29418,7 +29503,7 @@
               <a:t>: unsupported operand type(s) for -: '</a:t>
             </a:r>
             <a:r>
-              <a:rPr lang="en-US" sz="3000" i="0" u="none" strike="noStrike" cap="none" dirty="0" err="1">
+              <a:rPr lang="en-US" sz="3000" b="1" i="0" u="none" strike="noStrike" cap="none" dirty="0" err="1">
                 <a:solidFill>
                   <a:srgbClr val="E06666"/>
                 </a:solidFill>
@@ -29430,7 +29515,7 @@
               <a:t>str</a:t>
             </a:r>
             <a:r>
-              <a:rPr lang="en-US" sz="3000" i="0" u="none" strike="noStrike" cap="none" dirty="0">
+              <a:rPr lang="en-US" sz="3000" b="1" i="0" u="none" strike="noStrike" cap="none" dirty="0">
                 <a:solidFill>
                   <a:srgbClr val="E06666"/>
                 </a:solidFill>
@@ -29442,7 +29527,7 @@
               <a:t>' and '</a:t>
             </a:r>
             <a:r>
-              <a:rPr lang="en-US" sz="3000" i="0" u="none" strike="noStrike" cap="none" dirty="0" err="1">
+              <a:rPr lang="en-US" sz="3000" b="1" i="0" u="none" strike="noStrike" cap="none" dirty="0" err="1">
                 <a:solidFill>
                   <a:srgbClr val="E06666"/>
                 </a:solidFill>
@@ -29454,7 +29539,7 @@
               <a:t>int</a:t>
             </a:r>
             <a:r>
-              <a:rPr lang="en-US" sz="3000" i="0" u="none" strike="noStrike" cap="none" dirty="0">
+              <a:rPr lang="en-US" sz="3000" b="1" i="0" u="none" strike="noStrike" cap="none" dirty="0">
                 <a:solidFill>
                   <a:srgbClr val="E06666"/>
                 </a:solidFill>
@@ -29485,7 +29570,7 @@
               <a:buNone/>
             </a:pPr>
             <a:r>
-              <a:rPr lang="en-US" sz="3000" i="0" u="none" strike="noStrike" cap="none" dirty="0">
+              <a:rPr lang="en-US" sz="3000" b="1" i="0" u="none" strike="noStrike" cap="none" dirty="0">
                 <a:solidFill>
                   <a:schemeClr val="lt1"/>
                 </a:solidFill>
@@ -29497,7 +29582,7 @@
               <a:t>&gt;&gt;&gt; </a:t>
             </a:r>
             <a:r>
-              <a:rPr lang="en-US" sz="3000" i="0" u="none" strike="noStrike" cap="none" dirty="0">
+              <a:rPr lang="en-US" sz="3000" b="1" i="0" u="none" strike="noStrike" cap="none" dirty="0">
                 <a:solidFill>
                   <a:srgbClr val="00FF00"/>
                 </a:solidFill>
@@ -29509,7 +29594,7 @@
               <a:t>x</a:t>
             </a:r>
             <a:r>
-              <a:rPr lang="en-US" sz="3000" i="0" u="none" strike="noStrike" cap="none" dirty="0">
+              <a:rPr lang="en-US" sz="3000" b="1" i="0" u="none" strike="noStrike" cap="none" dirty="0">
                 <a:solidFill>
                   <a:srgbClr val="FF7F00"/>
                 </a:solidFill>
@@ -29521,7 +29606,7 @@
               <a:t> </a:t>
             </a:r>
             <a:r>
-              <a:rPr lang="en-US" sz="3000" i="0" u="none" strike="noStrike" cap="none" dirty="0">
+              <a:rPr lang="en-US" sz="3000" b="1" i="0" u="none" strike="noStrike" cap="none" dirty="0">
                 <a:solidFill>
                   <a:schemeClr val="lt1"/>
                 </a:solidFill>
@@ -29533,7 +29618,7 @@
               <a:t>=</a:t>
             </a:r>
             <a:r>
-              <a:rPr lang="en-US" sz="3000" i="0" u="none" strike="noStrike" cap="none" dirty="0">
+              <a:rPr lang="en-US" sz="3000" b="1" i="0" u="none" strike="noStrike" cap="none" dirty="0">
                 <a:solidFill>
                   <a:srgbClr val="FF7F00"/>
                 </a:solidFill>
@@ -29545,7 +29630,7 @@
               <a:t> </a:t>
             </a:r>
             <a:r>
-              <a:rPr lang="en-US" sz="3000" i="0" u="none" strike="noStrike" cap="none" dirty="0" err="1">
+              <a:rPr lang="en-US" sz="3000" b="1" i="0" u="none" strike="noStrike" cap="none" dirty="0" err="1">
                 <a:solidFill>
                   <a:srgbClr val="FF00FF"/>
                 </a:solidFill>
@@ -29557,7 +29642,7 @@
               <a:t>int</a:t>
             </a:r>
             <a:r>
-              <a:rPr lang="en-US" sz="3000" i="0" u="none" strike="noStrike" cap="none" dirty="0">
+              <a:rPr lang="en-US" sz="3000" b="1" i="0" u="none" strike="noStrike" cap="none" dirty="0">
                 <a:solidFill>
                   <a:srgbClr val="FF7F00"/>
                 </a:solidFill>
@@ -29569,7 +29654,7 @@
               <a:t>(</a:t>
             </a:r>
             <a:r>
-              <a:rPr lang="en-US" sz="3000" i="0" u="none" strike="noStrike" cap="none" dirty="0">
+              <a:rPr lang="en-US" sz="3000" b="1" i="0" u="none" strike="noStrike" cap="none" dirty="0">
                 <a:solidFill>
                   <a:srgbClr val="00FF00"/>
                 </a:solidFill>
@@ -29581,7 +29666,7 @@
               <a:t>apple</a:t>
             </a:r>
             <a:r>
-              <a:rPr lang="en-US" sz="3000" i="0" u="none" strike="noStrike" cap="none" dirty="0">
+              <a:rPr lang="en-US" sz="3000" b="1" i="0" u="none" strike="noStrike" cap="none" dirty="0">
                 <a:solidFill>
                   <a:srgbClr val="FF7F00"/>
                 </a:solidFill>
@@ -29593,7 +29678,7 @@
               <a:t>) </a:t>
             </a:r>
             <a:r>
-              <a:rPr lang="en-US" sz="3000" i="0" u="none" strike="noStrike" cap="none" dirty="0">
+              <a:rPr lang="en-US" sz="3000" b="1" i="0" u="none" strike="noStrike" cap="none" dirty="0">
                 <a:solidFill>
                   <a:srgbClr val="00FFFF"/>
                 </a:solidFill>
@@ -29605,7 +29690,7 @@
               <a:t>–</a:t>
             </a:r>
             <a:r>
-              <a:rPr lang="en-US" sz="3000" i="0" u="none" strike="noStrike" cap="none" dirty="0">
+              <a:rPr lang="en-US" sz="3000" b="1" i="0" u="none" strike="noStrike" cap="none" dirty="0">
                 <a:solidFill>
                   <a:srgbClr val="FF7F00"/>
                 </a:solidFill>
@@ -29636,7 +29721,7 @@
               <a:buNone/>
             </a:pPr>
             <a:r>
-              <a:rPr lang="en-US" sz="3000" i="0" u="none" strike="noStrike" cap="none" dirty="0">
+              <a:rPr lang="en-US" sz="3000" b="1" i="0" u="none" strike="noStrike" cap="none" dirty="0">
                 <a:solidFill>
                   <a:schemeClr val="lt1"/>
                 </a:solidFill>
@@ -29648,7 +29733,7 @@
               <a:t>&gt;&gt;&gt; </a:t>
             </a:r>
             <a:r>
-              <a:rPr lang="en-US" sz="3000" i="0" u="none" strike="noStrike" cap="none" dirty="0" smtClean="0">
+              <a:rPr lang="en-US" sz="3000" b="1" i="0" u="none" strike="noStrike" cap="none" dirty="0" smtClean="0">
                 <a:solidFill>
                   <a:srgbClr val="FFFF00"/>
                 </a:solidFill>
@@ -29660,7 +29745,7 @@
               <a:t>print</a:t>
             </a:r>
             <a:r>
-              <a:rPr lang="en-US" sz="3000" dirty="0" smtClean="0">
+              <a:rPr lang="en-US" sz="3000" b="1" dirty="0" smtClean="0">
                 <a:solidFill>
                   <a:schemeClr val="lt1"/>
                 </a:solidFill>
@@ -29672,7 +29757,7 @@
               <a:t>(</a:t>
             </a:r>
             <a:r>
-              <a:rPr lang="en-US" sz="3000" i="0" u="none" strike="noStrike" cap="none" dirty="0" smtClean="0">
+              <a:rPr lang="en-US" sz="3000" b="1" i="0" u="none" strike="noStrike" cap="none" dirty="0" smtClean="0">
                 <a:solidFill>
                   <a:srgbClr val="00FF00"/>
                 </a:solidFill>
@@ -29684,7 +29769,7 @@
               <a:t>x</a:t>
             </a:r>
             <a:r>
-              <a:rPr lang="en-US" sz="3000" i="0" u="none" strike="noStrike" cap="none" dirty="0" smtClean="0">
+              <a:rPr lang="en-US" sz="3000" b="1" i="0" u="none" strike="noStrike" cap="none" dirty="0" smtClean="0">
                 <a:solidFill>
                   <a:schemeClr val="bg1"/>
                 </a:solidFill>
@@ -29695,7 +29780,7 @@
               </a:rPr>
               <a:t>)</a:t>
             </a:r>
-            <a:endParaRPr lang="en-US" sz="3000" i="0" u="none" strike="noStrike" cap="none" dirty="0">
+            <a:endParaRPr lang="en-US" sz="3000" b="1" i="0" u="none" strike="noStrike" cap="none" dirty="0">
               <a:solidFill>
                 <a:schemeClr val="bg1"/>
               </a:solidFill>
@@ -29724,7 +29809,7 @@
               <a:buNone/>
             </a:pPr>
             <a:r>
-              <a:rPr lang="en-US" sz="3000" i="0" u="none" strike="noStrike" cap="none" dirty="0">
+              <a:rPr lang="en-US" sz="3000" b="1" i="0" u="none" strike="noStrike" cap="none" dirty="0">
                 <a:solidFill>
                   <a:schemeClr val="lt1"/>
                 </a:solidFill>
@@ -30936,7 +31021,7 @@
               <a:buNone/>
             </a:pPr>
             <a:r>
-              <a:rPr lang="en-US" sz="3000" i="0" u="none" strike="noStrike" cap="none" dirty="0">
+              <a:rPr lang="en-US" sz="3000" b="1" i="0" u="none" strike="noStrike" cap="none" dirty="0">
                 <a:solidFill>
                   <a:schemeClr val="lt1"/>
                 </a:solidFill>
@@ -30948,7 +31033,7 @@
               <a:t>&gt;&gt;&gt; </a:t>
             </a:r>
             <a:r>
-              <a:rPr lang="en-US" sz="3000" i="0" u="none" strike="noStrike" cap="none" dirty="0">
+              <a:rPr lang="en-US" sz="3000" b="1" i="0" u="none" strike="noStrike" cap="none" dirty="0">
                 <a:solidFill>
                   <a:srgbClr val="00FF00"/>
                 </a:solidFill>
@@ -30960,7 +31045,7 @@
               <a:t>fruit</a:t>
             </a:r>
             <a:r>
-              <a:rPr lang="en-US" sz="3000" i="0" u="none" strike="noStrike" cap="none" dirty="0">
+              <a:rPr lang="en-US" sz="3000" b="1" i="0" u="none" strike="noStrike" cap="none" dirty="0">
                 <a:solidFill>
                   <a:schemeClr val="lt1"/>
                 </a:solidFill>
@@ -30972,7 +31057,7 @@
               <a:t> = </a:t>
             </a:r>
             <a:r>
-              <a:rPr lang="en-US" sz="3000" i="0" u="none" strike="noStrike" cap="none" dirty="0">
+              <a:rPr lang="en-US" sz="3000" b="1" i="0" u="none" strike="noStrike" cap="none" dirty="0">
                 <a:solidFill>
                   <a:srgbClr val="FF7F00"/>
                 </a:solidFill>
@@ -31003,7 +31088,7 @@
               <a:buNone/>
             </a:pPr>
             <a:r>
-              <a:rPr lang="en-US" sz="3000" i="0" u="none" strike="noStrike" cap="none" dirty="0">
+              <a:rPr lang="en-US" sz="3000" b="1" i="0" u="none" strike="noStrike" cap="none" dirty="0">
                 <a:solidFill>
                   <a:schemeClr val="lt1"/>
                 </a:solidFill>
@@ -31015,7 +31100,7 @@
               <a:t>&gt;&gt;&gt; </a:t>
             </a:r>
             <a:r>
-              <a:rPr lang="en-US" sz="3000" i="0" u="none" strike="noStrike" cap="none" dirty="0">
+              <a:rPr lang="en-US" sz="3000" b="1" i="0" u="none" strike="noStrike" cap="none" dirty="0">
                 <a:solidFill>
                   <a:srgbClr val="00FF00"/>
                 </a:solidFill>
@@ -31027,7 +31112,7 @@
               <a:t>letter</a:t>
             </a:r>
             <a:r>
-              <a:rPr lang="en-US" sz="3000" i="0" u="none" strike="noStrike" cap="none" dirty="0">
+              <a:rPr lang="en-US" sz="3000" b="1" i="0" u="none" strike="noStrike" cap="none" dirty="0">
                 <a:solidFill>
                   <a:schemeClr val="lt1"/>
                 </a:solidFill>
@@ -31039,7 +31124,7 @@
               <a:t> = </a:t>
             </a:r>
             <a:r>
-              <a:rPr lang="en-US" sz="3000" i="0" u="none" strike="noStrike" cap="none" dirty="0">
+              <a:rPr lang="en-US" sz="3000" b="1" i="0" u="none" strike="noStrike" cap="none" dirty="0">
                 <a:solidFill>
                   <a:srgbClr val="00FF00"/>
                 </a:solidFill>
@@ -31051,7 +31136,7 @@
               <a:t>fruit</a:t>
             </a:r>
             <a:r>
-              <a:rPr lang="en-US" sz="3000" i="0" u="none" strike="noStrike" cap="none" dirty="0">
+              <a:rPr lang="en-US" sz="3000" b="1" i="0" u="none" strike="noStrike" cap="none" dirty="0">
                 <a:solidFill>
                   <a:srgbClr val="00FFFF"/>
                 </a:solidFill>
@@ -31063,7 +31148,7 @@
               <a:t>[</a:t>
             </a:r>
             <a:r>
-              <a:rPr lang="en-US" sz="3000" i="0" u="none" strike="noStrike" cap="none" dirty="0">
+              <a:rPr lang="en-US" sz="3000" b="1" i="0" u="none" strike="noStrike" cap="none" dirty="0">
                 <a:solidFill>
                   <a:srgbClr val="FF7F00"/>
                 </a:solidFill>
@@ -31075,7 +31160,7 @@
               <a:t>1</a:t>
             </a:r>
             <a:r>
-              <a:rPr lang="en-US" sz="3000" i="0" u="none" strike="noStrike" cap="none" dirty="0">
+              <a:rPr lang="en-US" sz="3000" b="1" i="0" u="none" strike="noStrike" cap="none" dirty="0">
                 <a:solidFill>
                   <a:srgbClr val="00FFFF"/>
                 </a:solidFill>
@@ -31106,7 +31191,7 @@
               <a:buNone/>
             </a:pPr>
             <a:r>
-              <a:rPr lang="en-US" sz="3000" i="0" u="none" strike="noStrike" cap="none" dirty="0">
+              <a:rPr lang="en-US" sz="3000" b="1" i="0" u="none" strike="noStrike" cap="none" dirty="0">
                 <a:solidFill>
                   <a:schemeClr val="lt1"/>
                 </a:solidFill>
@@ -31118,7 +31203,7 @@
               <a:t>&gt;&gt;&gt; </a:t>
             </a:r>
             <a:r>
-              <a:rPr lang="en-US" sz="3000" i="0" u="none" strike="noStrike" cap="none" dirty="0" smtClean="0">
+              <a:rPr lang="en-US" sz="3000" b="1" i="0" u="none" strike="noStrike" cap="none" dirty="0" smtClean="0">
                 <a:solidFill>
                   <a:srgbClr val="FFFF00"/>
                 </a:solidFill>
@@ -31130,7 +31215,7 @@
               <a:t>print</a:t>
             </a:r>
             <a:r>
-              <a:rPr lang="en-US" sz="3000" dirty="0" smtClean="0">
+              <a:rPr lang="en-US" sz="3000" b="1" dirty="0" smtClean="0">
                 <a:solidFill>
                   <a:schemeClr val="lt1"/>
                 </a:solidFill>
@@ -31142,7 +31227,7 @@
               <a:t>(</a:t>
             </a:r>
             <a:r>
-              <a:rPr lang="en-US" sz="3000" i="0" u="none" strike="noStrike" cap="none" dirty="0" smtClean="0">
+              <a:rPr lang="en-US" sz="3000" b="1" i="0" u="none" strike="noStrike" cap="none" dirty="0" smtClean="0">
                 <a:solidFill>
                   <a:srgbClr val="00FF00"/>
                 </a:solidFill>
@@ -31154,7 +31239,7 @@
               <a:t>letter</a:t>
             </a:r>
             <a:r>
-              <a:rPr lang="en-US" sz="3000" i="0" u="none" strike="noStrike" cap="none" dirty="0" smtClean="0">
+              <a:rPr lang="en-US" sz="3000" b="1" i="0" u="none" strike="noStrike" cap="none" dirty="0" smtClean="0">
                 <a:solidFill>
                   <a:schemeClr val="bg1"/>
                 </a:solidFill>
@@ -31165,7 +31250,7 @@
               </a:rPr>
               <a:t>)</a:t>
             </a:r>
-            <a:endParaRPr lang="en-US" sz="3000" i="0" u="none" strike="noStrike" cap="none" dirty="0">
+            <a:endParaRPr lang="en-US" sz="3000" b="1" i="0" u="none" strike="noStrike" cap="none" dirty="0">
               <a:solidFill>
                 <a:schemeClr val="bg1"/>
               </a:solidFill>
@@ -31194,7 +31279,7 @@
               <a:buNone/>
             </a:pPr>
             <a:r>
-              <a:rPr lang="en-US" sz="3000" i="0" u="none" strike="noStrike" cap="none" dirty="0">
+              <a:rPr lang="en-US" sz="3000" b="1" i="0" u="none" strike="noStrike" cap="none" dirty="0">
                 <a:solidFill>
                   <a:schemeClr val="lt1"/>
                 </a:solidFill>
@@ -31225,7 +31310,7 @@
               <a:buNone/>
             </a:pPr>
             <a:r>
-              <a:rPr lang="en-US" sz="3000" i="0" u="none" strike="noStrike" cap="none" dirty="0">
+              <a:rPr lang="en-US" sz="3000" b="1" i="0" u="none" strike="noStrike" cap="none" dirty="0">
                 <a:solidFill>
                   <a:schemeClr val="lt1"/>
                 </a:solidFill>
@@ -31237,7 +31322,7 @@
               <a:t>&gt;&gt;&gt; </a:t>
             </a:r>
             <a:r>
-              <a:rPr lang="en-US" sz="3000" dirty="0">
+              <a:rPr lang="en-US" sz="3000" b="1" dirty="0">
                 <a:solidFill>
                   <a:srgbClr val="00FF00"/>
                 </a:solidFill>
@@ -31249,7 +31334,7 @@
               <a:t>x</a:t>
             </a:r>
             <a:r>
-              <a:rPr lang="en-US" sz="3000" i="0" u="none" strike="noStrike" cap="none" dirty="0">
+              <a:rPr lang="en-US" sz="3000" b="1" i="0" u="none" strike="noStrike" cap="none" dirty="0">
                 <a:solidFill>
                   <a:schemeClr val="lt1"/>
                 </a:solidFill>
@@ -31261,7 +31346,7 @@
               <a:t> = </a:t>
             </a:r>
             <a:r>
-              <a:rPr lang="en-US" sz="3000" i="0" u="none" strike="noStrike" cap="none" dirty="0">
+              <a:rPr lang="en-US" sz="3000" b="1" i="0" u="none" strike="noStrike" cap="none" dirty="0">
                 <a:solidFill>
                   <a:srgbClr val="FF7F00"/>
                 </a:solidFill>
@@ -31292,7 +31377,7 @@
               <a:buNone/>
             </a:pPr>
             <a:r>
-              <a:rPr lang="en-US" sz="3000" i="0" u="none" strike="noStrike" cap="none" dirty="0">
+              <a:rPr lang="en-US" sz="3000" b="1" i="0" u="none" strike="noStrike" cap="none" dirty="0">
                 <a:solidFill>
                   <a:schemeClr val="lt1"/>
                 </a:solidFill>
@@ -31304,7 +31389,7 @@
               <a:t>&gt;&gt;&gt; </a:t>
             </a:r>
             <a:r>
-              <a:rPr lang="en-US" sz="3000" i="0" u="none" strike="noStrike" cap="none" dirty="0">
+              <a:rPr lang="en-US" sz="3000" b="1" i="0" u="none" strike="noStrike" cap="none" dirty="0">
                 <a:solidFill>
                   <a:srgbClr val="00FF00"/>
                 </a:solidFill>
@@ -31316,7 +31401,7 @@
               <a:t>w</a:t>
             </a:r>
             <a:r>
-              <a:rPr lang="en-US" sz="3000" i="0" u="none" strike="noStrike" cap="none" dirty="0">
+              <a:rPr lang="en-US" sz="3000" b="1" i="0" u="none" strike="noStrike" cap="none" dirty="0">
                 <a:solidFill>
                   <a:schemeClr val="lt1"/>
                 </a:solidFill>
@@ -31328,7 +31413,7 @@
               <a:t> = </a:t>
             </a:r>
             <a:r>
-              <a:rPr lang="en-US" sz="3000" i="0" u="none" strike="noStrike" cap="none" dirty="0">
+              <a:rPr lang="en-US" sz="3000" b="1" i="0" u="none" strike="noStrike" cap="none" dirty="0">
                 <a:solidFill>
                   <a:srgbClr val="00FF00"/>
                 </a:solidFill>
@@ -31340,7 +31425,7 @@
               <a:t>fruit</a:t>
             </a:r>
             <a:r>
-              <a:rPr lang="en-US" sz="3000" i="0" u="none" strike="noStrike" cap="none" dirty="0">
+              <a:rPr lang="en-US" sz="3000" b="1" i="0" u="none" strike="noStrike" cap="none" dirty="0">
                 <a:solidFill>
                   <a:srgbClr val="00FFFF"/>
                 </a:solidFill>
@@ -31352,7 +31437,7 @@
               <a:t>[</a:t>
             </a:r>
             <a:r>
-              <a:rPr lang="en-US" sz="3000" dirty="0">
+              <a:rPr lang="en-US" sz="3000" b="1" dirty="0">
                 <a:solidFill>
                   <a:srgbClr val="00FF00"/>
                 </a:solidFill>
@@ -31364,7 +31449,7 @@
               <a:t>x</a:t>
             </a:r>
             <a:r>
-              <a:rPr lang="en-US" sz="3000" i="0" u="none" strike="noStrike" cap="none" dirty="0">
+              <a:rPr lang="en-US" sz="3000" b="1" i="0" u="none" strike="noStrike" cap="none" dirty="0">
                 <a:solidFill>
                   <a:srgbClr val="00FFFF"/>
                 </a:solidFill>
@@ -31376,7 +31461,7 @@
               <a:t> - </a:t>
             </a:r>
             <a:r>
-              <a:rPr lang="en-US" sz="3000" i="0" u="none" strike="noStrike" cap="none" dirty="0">
+              <a:rPr lang="en-US" sz="3000" b="1" i="0" u="none" strike="noStrike" cap="none" dirty="0">
                 <a:solidFill>
                   <a:srgbClr val="FF7F00"/>
                 </a:solidFill>
@@ -31388,7 +31473,7 @@
               <a:t>1</a:t>
             </a:r>
             <a:r>
-              <a:rPr lang="en-US" sz="3000" i="0" u="none" strike="noStrike" cap="none" dirty="0">
+              <a:rPr lang="en-US" sz="3000" b="1" i="0" u="none" strike="noStrike" cap="none" dirty="0">
                 <a:solidFill>
                   <a:srgbClr val="00FFFF"/>
                 </a:solidFill>
@@ -31419,7 +31504,7 @@
               <a:buNone/>
             </a:pPr>
             <a:r>
-              <a:rPr lang="en-US" sz="3000" i="0" u="none" strike="noStrike" cap="none" dirty="0">
+              <a:rPr lang="en-US" sz="3000" b="1" i="0" u="none" strike="noStrike" cap="none" dirty="0">
                 <a:solidFill>
                   <a:schemeClr val="lt1"/>
                 </a:solidFill>
@@ -31431,7 +31516,7 @@
               <a:t>&gt;&gt;&gt; </a:t>
             </a:r>
             <a:r>
-              <a:rPr lang="en-US" sz="3000" i="0" u="none" strike="noStrike" cap="none" dirty="0" smtClean="0">
+              <a:rPr lang="en-US" sz="3000" b="1" i="0" u="none" strike="noStrike" cap="none" dirty="0" smtClean="0">
                 <a:solidFill>
                   <a:srgbClr val="FFFF00"/>
                 </a:solidFill>
@@ -31443,7 +31528,7 @@
               <a:t>print</a:t>
             </a:r>
             <a:r>
-              <a:rPr lang="en-US" sz="3000" dirty="0" smtClean="0">
+              <a:rPr lang="en-US" sz="3000" b="1" dirty="0" smtClean="0">
                 <a:solidFill>
                   <a:schemeClr val="lt1"/>
                 </a:solidFill>
@@ -31455,7 +31540,7 @@
               <a:t>(</a:t>
             </a:r>
             <a:r>
-              <a:rPr lang="en-US" sz="3000" i="0" u="none" strike="noStrike" cap="none" dirty="0" smtClean="0">
+              <a:rPr lang="en-US" sz="3000" b="1" i="0" u="none" strike="noStrike" cap="none" dirty="0" smtClean="0">
                 <a:solidFill>
                   <a:srgbClr val="00FF00"/>
                 </a:solidFill>
@@ -31467,7 +31552,7 @@
               <a:t>w</a:t>
             </a:r>
             <a:r>
-              <a:rPr lang="en-US" sz="3000" i="0" u="none" strike="noStrike" cap="none" dirty="0" smtClean="0">
+              <a:rPr lang="en-US" sz="3000" b="1" i="0" u="none" strike="noStrike" cap="none" dirty="0" smtClean="0">
                 <a:solidFill>
                   <a:schemeClr val="bg1"/>
                 </a:solidFill>
@@ -31478,7 +31563,7 @@
               </a:rPr>
               <a:t>)</a:t>
             </a:r>
-            <a:endParaRPr lang="en-US" sz="3000" i="0" u="none" strike="noStrike" cap="none" dirty="0">
+            <a:endParaRPr lang="en-US" sz="3000" b="1" i="0" u="none" strike="noStrike" cap="none" dirty="0">
               <a:solidFill>
                 <a:schemeClr val="bg1"/>
               </a:solidFill>
@@ -31507,7 +31592,7 @@
               <a:buNone/>
             </a:pPr>
             <a:r>
-              <a:rPr lang="en-US" sz="3000" i="0" u="none" strike="noStrike" cap="none" dirty="0">
+              <a:rPr lang="en-US" sz="3000" b="1" i="0" u="none" strike="noStrike" cap="none" dirty="0">
                 <a:solidFill>
                   <a:schemeClr val="lt1"/>
                 </a:solidFill>
@@ -32509,7 +32594,7 @@
               <a:buNone/>
             </a:pPr>
             <a:r>
-              <a:rPr lang="en-US" sz="3000" i="0" u="none" strike="noStrike" cap="none" dirty="0">
+              <a:rPr lang="en-US" sz="3000" b="1" i="0" u="none" strike="noStrike" cap="none" dirty="0">
                 <a:solidFill>
                   <a:schemeClr val="lt1"/>
                 </a:solidFill>
@@ -32521,7 +32606,7 @@
               <a:t>&gt;&gt;&gt;</a:t>
             </a:r>
             <a:r>
-              <a:rPr lang="en-US" sz="3000" i="0" u="none" strike="noStrike" cap="none" dirty="0">
+              <a:rPr lang="en-US" sz="3000" b="1" i="0" u="none" strike="noStrike" cap="none" dirty="0">
                 <a:solidFill>
                   <a:srgbClr val="FF7F00"/>
                 </a:solidFill>
@@ -32533,7 +32618,7 @@
               <a:t> </a:t>
             </a:r>
             <a:r>
-              <a:rPr lang="en-US" sz="3000" i="0" u="none" strike="noStrike" cap="none" dirty="0">
+              <a:rPr lang="en-US" sz="3000" b="1" i="0" u="none" strike="noStrike" cap="none" dirty="0">
                 <a:solidFill>
                   <a:srgbClr val="00FF00"/>
                 </a:solidFill>
@@ -32545,7 +32630,7 @@
               <a:t>zot</a:t>
             </a:r>
             <a:r>
-              <a:rPr lang="en-US" sz="3000" i="0" u="none" strike="noStrike" cap="none" dirty="0">
+              <a:rPr lang="en-US" sz="3000" b="1" i="0" u="none" strike="noStrike" cap="none" dirty="0">
                 <a:solidFill>
                   <a:srgbClr val="FF7F00"/>
                 </a:solidFill>
@@ -32557,7 +32642,7 @@
               <a:t> </a:t>
             </a:r>
             <a:r>
-              <a:rPr lang="en-US" sz="3000" i="0" u="none" strike="noStrike" cap="none" dirty="0">
+              <a:rPr lang="en-US" sz="3000" b="1" i="0" u="none" strike="noStrike" cap="none" dirty="0">
                 <a:solidFill>
                   <a:schemeClr val="lt1"/>
                 </a:solidFill>
@@ -32569,7 +32654,7 @@
               <a:t>=</a:t>
             </a:r>
             <a:r>
-              <a:rPr lang="en-US" sz="3000" i="0" u="none" strike="noStrike" cap="none" dirty="0">
+              <a:rPr lang="en-US" sz="3000" b="1" i="0" u="none" strike="noStrike" cap="none" dirty="0">
                 <a:solidFill>
                   <a:srgbClr val="FF7F00"/>
                 </a:solidFill>
@@ -32581,7 +32666,7 @@
               <a:t> '</a:t>
             </a:r>
             <a:r>
-              <a:rPr lang="en-US" sz="3000" i="0" u="none" strike="noStrike" cap="none" dirty="0" err="1">
+              <a:rPr lang="en-US" sz="3000" b="1" i="0" u="none" strike="noStrike" cap="none" dirty="0" err="1">
                 <a:solidFill>
                   <a:srgbClr val="FF7F00"/>
                 </a:solidFill>
@@ -32593,7 +32678,7 @@
               <a:t>abc</a:t>
             </a:r>
             <a:r>
-              <a:rPr lang="en-US" sz="3000" i="0" u="none" strike="noStrike" cap="none" dirty="0">
+              <a:rPr lang="en-US" sz="3000" b="1" i="0" u="none" strike="noStrike" cap="none" dirty="0">
                 <a:solidFill>
                   <a:srgbClr val="FF7F00"/>
                 </a:solidFill>
@@ -32624,7 +32709,7 @@
               <a:buNone/>
             </a:pPr>
             <a:r>
-              <a:rPr lang="en-US" sz="3000" i="0" u="none" strike="noStrike" cap="none" dirty="0">
+              <a:rPr lang="en-US" sz="3000" b="1" i="0" u="none" strike="noStrike" cap="none" dirty="0">
                 <a:solidFill>
                   <a:schemeClr val="lt1"/>
                 </a:solidFill>
@@ -32636,7 +32721,7 @@
               <a:t>&gt;&gt;&gt; </a:t>
             </a:r>
             <a:r>
-              <a:rPr lang="en-US" sz="3000" i="0" u="none" strike="noStrike" cap="none" dirty="0" smtClean="0">
+              <a:rPr lang="en-US" sz="3000" b="1" i="0" u="none" strike="noStrike" cap="none" dirty="0" smtClean="0">
                 <a:solidFill>
                   <a:srgbClr val="FFFF00"/>
                 </a:solidFill>
@@ -32648,7 +32733,7 @@
               <a:t>print</a:t>
             </a:r>
             <a:r>
-              <a:rPr lang="en-US" sz="3000" i="0" u="none" strike="noStrike" cap="none" dirty="0" smtClean="0">
+              <a:rPr lang="en-US" sz="3000" b="1" i="0" u="none" strike="noStrike" cap="none" dirty="0" smtClean="0">
                 <a:solidFill>
                   <a:schemeClr val="bg1"/>
                 </a:solidFill>
@@ -32660,7 +32745,7 @@
               <a:t>(</a:t>
             </a:r>
             <a:r>
-              <a:rPr lang="en-US" sz="3000" i="0" u="none" strike="noStrike" cap="none" dirty="0" smtClean="0">
+              <a:rPr lang="en-US" sz="3000" b="1" i="0" u="none" strike="noStrike" cap="none" dirty="0" smtClean="0">
                 <a:solidFill>
                   <a:srgbClr val="00FF00"/>
                 </a:solidFill>
@@ -32672,7 +32757,7 @@
               <a:t>zot</a:t>
             </a:r>
             <a:r>
-              <a:rPr lang="en-US" sz="3000" i="0" u="none" strike="noStrike" cap="none" dirty="0" smtClean="0">
+              <a:rPr lang="en-US" sz="3000" b="1" i="0" u="none" strike="noStrike" cap="none" dirty="0" smtClean="0">
                 <a:solidFill>
                   <a:srgbClr val="00FFFF"/>
                 </a:solidFill>
@@ -32684,7 +32769,7 @@
               <a:t>[</a:t>
             </a:r>
             <a:r>
-              <a:rPr lang="en-US" sz="3000" i="0" u="none" strike="noStrike" cap="none" dirty="0" smtClean="0">
+              <a:rPr lang="en-US" sz="3000" b="1" i="0" u="none" strike="noStrike" cap="none" dirty="0" smtClean="0">
                 <a:solidFill>
                   <a:srgbClr val="FF7F00"/>
                 </a:solidFill>
@@ -32696,7 +32781,7 @@
               <a:t>5</a:t>
             </a:r>
             <a:r>
-              <a:rPr lang="en-US" sz="3000" i="0" u="none" strike="noStrike" cap="none" dirty="0" smtClean="0">
+              <a:rPr lang="en-US" sz="3000" b="1" i="0" u="none" strike="noStrike" cap="none" dirty="0" smtClean="0">
                 <a:solidFill>
                   <a:srgbClr val="00FFFF"/>
                 </a:solidFill>
@@ -32708,7 +32793,7 @@
               <a:t>]</a:t>
             </a:r>
             <a:r>
-              <a:rPr lang="en-US" sz="3000" i="0" u="none" strike="noStrike" cap="none" dirty="0" smtClean="0">
+              <a:rPr lang="en-US" sz="3000" b="1" i="0" u="none" strike="noStrike" cap="none" dirty="0" smtClean="0">
                 <a:solidFill>
                   <a:schemeClr val="bg1"/>
                 </a:solidFill>
@@ -32719,7 +32804,7 @@
               </a:rPr>
               <a:t>)</a:t>
             </a:r>
-            <a:endParaRPr lang="en-US" sz="3000" i="0" u="none" strike="noStrike" cap="none" dirty="0">
+            <a:endParaRPr lang="en-US" sz="3000" b="1" i="0" u="none" strike="noStrike" cap="none" dirty="0">
               <a:solidFill>
                 <a:schemeClr val="bg1"/>
               </a:solidFill>
@@ -32748,7 +32833,7 @@
               <a:buNone/>
             </a:pPr>
             <a:r>
-              <a:rPr lang="en-US" sz="3000" i="0" u="none" strike="noStrike" cap="none" dirty="0" err="1">
+              <a:rPr lang="en-US" sz="3000" b="1" i="0" u="none" strike="noStrike" cap="none" dirty="0" err="1">
                 <a:solidFill>
                   <a:srgbClr val="E06666"/>
                 </a:solidFill>
@@ -32760,7 +32845,7 @@
               <a:t>Traceback</a:t>
             </a:r>
             <a:r>
-              <a:rPr lang="en-US" sz="3000" i="0" u="none" strike="noStrike" cap="none" dirty="0">
+              <a:rPr lang="en-US" sz="3000" b="1" i="0" u="none" strike="noStrike" cap="none" dirty="0">
                 <a:solidFill>
                   <a:srgbClr val="E06666"/>
                 </a:solidFill>
@@ -32772,7 +32857,7 @@
               <a:t> (most recent call last):  File "&lt;</a:t>
             </a:r>
             <a:r>
-              <a:rPr lang="en-US" sz="3000" i="0" u="none" strike="noStrike" cap="none" dirty="0" err="1">
+              <a:rPr lang="en-US" sz="3000" b="1" i="0" u="none" strike="noStrike" cap="none" dirty="0" err="1">
                 <a:solidFill>
                   <a:srgbClr val="E06666"/>
                 </a:solidFill>
@@ -32784,7 +32869,7 @@
               <a:t>stdin</a:t>
             </a:r>
             <a:r>
-              <a:rPr lang="en-US" sz="3000" i="0" u="none" strike="noStrike" cap="none" dirty="0">
+              <a:rPr lang="en-US" sz="3000" b="1" i="0" u="none" strike="noStrike" cap="none" dirty="0">
                 <a:solidFill>
                   <a:srgbClr val="E06666"/>
                 </a:solidFill>
@@ -32796,7 +32881,7 @@
               <a:t>&gt;", line 1, in &lt;module&gt;</a:t>
             </a:r>
             <a:r>
-              <a:rPr lang="en-US" sz="3000" i="0" u="none" strike="noStrike" cap="none" dirty="0" err="1">
+              <a:rPr lang="en-US" sz="3000" b="1" i="0" u="none" strike="noStrike" cap="none" dirty="0" err="1">
                 <a:solidFill>
                   <a:srgbClr val="E06666"/>
                 </a:solidFill>
@@ -32808,7 +32893,7 @@
               <a:t>IndexError</a:t>
             </a:r>
             <a:r>
-              <a:rPr lang="en-US" sz="3000" i="0" u="none" strike="noStrike" cap="none" dirty="0">
+              <a:rPr lang="en-US" sz="3000" b="1" i="0" u="none" strike="noStrike" cap="none" dirty="0">
                 <a:solidFill>
                   <a:srgbClr val="E06666"/>
                 </a:solidFill>
@@ -32839,7 +32924,7 @@
               <a:buNone/>
             </a:pPr>
             <a:r>
-              <a:rPr lang="en-US" sz="3000" i="0" u="none" strike="noStrike" cap="none" dirty="0">
+              <a:rPr lang="en-US" sz="3000" b="1" i="0" u="none" strike="noStrike" cap="none" dirty="0">
                 <a:solidFill>
                   <a:schemeClr val="lt1"/>
                 </a:solidFill>
@@ -33098,7 +33183,7 @@
               <a:buNone/>
             </a:pPr>
             <a:r>
-              <a:rPr lang="en-US" sz="3600" i="0" u="none" strike="noStrike" cap="none" dirty="0">
+              <a:rPr lang="en-US" sz="3600" b="1" i="0" u="none" strike="noStrike" cap="none" dirty="0">
                 <a:solidFill>
                   <a:schemeClr val="lt1"/>
                 </a:solidFill>
@@ -33110,7 +33195,7 @@
               <a:t>&gt;&gt;&gt; </a:t>
             </a:r>
             <a:r>
-              <a:rPr lang="en-US" sz="3600" i="0" u="none" strike="noStrike" cap="none" dirty="0">
+              <a:rPr lang="en-US" sz="3600" b="1" i="0" u="none" strike="noStrike" cap="none" dirty="0">
                 <a:solidFill>
                   <a:srgbClr val="00FF00"/>
                 </a:solidFill>
@@ -33122,7 +33207,7 @@
               <a:t>fruit</a:t>
             </a:r>
             <a:r>
-              <a:rPr lang="en-US" sz="3600" i="0" u="none" strike="noStrike" cap="none" dirty="0">
+              <a:rPr lang="en-US" sz="3600" b="1" i="0" u="none" strike="noStrike" cap="none" dirty="0">
                 <a:solidFill>
                   <a:schemeClr val="lt1"/>
                 </a:solidFill>
@@ -33134,7 +33219,7 @@
               <a:t> = </a:t>
             </a:r>
             <a:r>
-              <a:rPr lang="en-US" sz="3600" i="0" u="none" strike="noStrike" cap="none" dirty="0">
+              <a:rPr lang="en-US" sz="3600" b="1" i="0" u="none" strike="noStrike" cap="none" dirty="0">
                 <a:solidFill>
                   <a:srgbClr val="FF7F00"/>
                 </a:solidFill>
@@ -33165,7 +33250,7 @@
               <a:buNone/>
             </a:pPr>
             <a:r>
-              <a:rPr lang="en-US" sz="3600" i="0" u="none" strike="noStrike" cap="none" dirty="0">
+              <a:rPr lang="en-US" sz="3600" b="1" i="0" u="none" strike="noStrike" cap="none" dirty="0">
                 <a:solidFill>
                   <a:schemeClr val="lt1"/>
                 </a:solidFill>
@@ -33177,7 +33262,7 @@
               <a:t>&gt;&gt;&gt; </a:t>
             </a:r>
             <a:r>
-              <a:rPr lang="en-US" sz="3600" i="0" u="none" strike="noStrike" cap="none" dirty="0" smtClean="0">
+              <a:rPr lang="en-US" sz="3600" b="1" i="0" u="none" strike="noStrike" cap="none" dirty="0" smtClean="0">
                 <a:solidFill>
                   <a:srgbClr val="FFFF00"/>
                 </a:solidFill>
@@ -33189,7 +33274,7 @@
               <a:t>print</a:t>
             </a:r>
             <a:r>
-              <a:rPr lang="en-US" sz="3600" dirty="0">
+              <a:rPr lang="en-US" sz="3600" b="1" dirty="0">
                 <a:solidFill>
                   <a:schemeClr val="lt1"/>
                 </a:solidFill>
@@ -33201,7 +33286,7 @@
               <a:t>(</a:t>
             </a:r>
             <a:r>
-              <a:rPr lang="en-US" sz="3600" i="0" u="none" strike="noStrike" cap="none" dirty="0" err="1" smtClean="0">
+              <a:rPr lang="en-US" sz="3600" b="1" i="0" u="none" strike="noStrike" cap="none" dirty="0" err="1" smtClean="0">
                 <a:solidFill>
                   <a:srgbClr val="FF00FF"/>
                 </a:solidFill>
@@ -33213,7 +33298,7 @@
               <a:t>len</a:t>
             </a:r>
             <a:r>
-              <a:rPr lang="en-US" sz="3600" i="0" u="none" strike="noStrike" cap="none" dirty="0" smtClean="0">
+              <a:rPr lang="en-US" sz="3600" b="1" i="0" u="none" strike="noStrike" cap="none" dirty="0" smtClean="0">
                 <a:solidFill>
                   <a:schemeClr val="lt1"/>
                 </a:solidFill>
@@ -33225,7 +33310,7 @@
               <a:t>(</a:t>
             </a:r>
             <a:r>
-              <a:rPr lang="en-US" sz="3600" i="0" u="none" strike="noStrike" cap="none" dirty="0" smtClean="0">
+              <a:rPr lang="en-US" sz="3600" b="1" i="0" u="none" strike="noStrike" cap="none" dirty="0" smtClean="0">
                 <a:solidFill>
                   <a:srgbClr val="00FF00"/>
                 </a:solidFill>
@@ -33237,7 +33322,7 @@
               <a:t>fruit</a:t>
             </a:r>
             <a:r>
-              <a:rPr lang="en-US" sz="3600" i="0" u="none" strike="noStrike" cap="none" dirty="0" smtClean="0">
+              <a:rPr lang="en-US" sz="3600" b="1" i="0" u="none" strike="noStrike" cap="none" dirty="0" smtClean="0">
                 <a:solidFill>
                   <a:schemeClr val="lt1"/>
                 </a:solidFill>
@@ -33248,7 +33333,7 @@
               </a:rPr>
               <a:t>))</a:t>
             </a:r>
-            <a:endParaRPr lang="en-US" sz="3600" i="0" u="none" strike="noStrike" cap="none" dirty="0">
+            <a:endParaRPr lang="en-US" sz="3600" b="1" i="0" u="none" strike="noStrike" cap="none" dirty="0">
               <a:solidFill>
                 <a:schemeClr val="lt1"/>
               </a:solidFill>
@@ -33277,7 +33362,7 @@
               <a:buNone/>
             </a:pPr>
             <a:r>
-              <a:rPr lang="en-US" sz="3600" i="0" u="none" strike="noStrike" cap="none" dirty="0">
+              <a:rPr lang="en-US" sz="3600" b="1" i="0" u="none" strike="noStrike" cap="none" dirty="0">
                 <a:solidFill>
                   <a:schemeClr val="lt1"/>
                 </a:solidFill>
@@ -34136,7 +34221,7 @@
               <a:buNone/>
             </a:pPr>
             <a:r>
-              <a:rPr lang="en-US" sz="3600" i="0" u="none" strike="noStrike" cap="none" dirty="0">
+              <a:rPr lang="en-US" sz="3600" b="1" i="0" u="none" strike="noStrike" cap="none" dirty="0">
                 <a:solidFill>
                   <a:schemeClr val="lt1"/>
                 </a:solidFill>
@@ -34148,7 +34233,7 @@
               <a:t>&gt;&gt;&gt; </a:t>
             </a:r>
             <a:r>
-              <a:rPr lang="en-US" sz="3600" i="0" u="none" strike="noStrike" cap="none" dirty="0">
+              <a:rPr lang="en-US" sz="3600" b="1" i="0" u="none" strike="noStrike" cap="none" dirty="0">
                 <a:solidFill>
                   <a:srgbClr val="00FF00"/>
                 </a:solidFill>
@@ -34160,7 +34245,7 @@
               <a:t>fruit</a:t>
             </a:r>
             <a:r>
-              <a:rPr lang="en-US" sz="3600" i="0" u="none" strike="noStrike" cap="none" dirty="0">
+              <a:rPr lang="en-US" sz="3600" b="1" i="0" u="none" strike="noStrike" cap="none" dirty="0">
                 <a:solidFill>
                   <a:srgbClr val="FF7F00"/>
                 </a:solidFill>
@@ -34172,7 +34257,7 @@
               <a:t> </a:t>
             </a:r>
             <a:r>
-              <a:rPr lang="en-US" sz="3600" i="0" u="none" strike="noStrike" cap="none" dirty="0">
+              <a:rPr lang="en-US" sz="3600" b="1" i="0" u="none" strike="noStrike" cap="none" dirty="0">
                 <a:solidFill>
                   <a:schemeClr val="lt1"/>
                 </a:solidFill>
@@ -34184,7 +34269,7 @@
               <a:t>=</a:t>
             </a:r>
             <a:r>
-              <a:rPr lang="en-US" sz="3600" i="0" u="none" strike="noStrike" cap="none" dirty="0">
+              <a:rPr lang="en-US" sz="3600" b="1" i="0" u="none" strike="noStrike" cap="none" dirty="0">
                 <a:solidFill>
                   <a:srgbClr val="FF7F00"/>
                 </a:solidFill>
@@ -34215,7 +34300,7 @@
               <a:buNone/>
             </a:pPr>
             <a:r>
-              <a:rPr lang="en-US" sz="3600" i="0" u="none" strike="noStrike" cap="none" dirty="0">
+              <a:rPr lang="en-US" sz="3600" b="1" i="0" u="none" strike="noStrike" cap="none" dirty="0">
                 <a:solidFill>
                   <a:schemeClr val="lt1"/>
                 </a:solidFill>
@@ -34227,7 +34312,7 @@
               <a:t>&gt;&gt;&gt; </a:t>
             </a:r>
             <a:r>
-              <a:rPr lang="en-US" sz="3600" i="0" u="none" strike="noStrike" cap="none" dirty="0">
+              <a:rPr lang="en-US" sz="3600" b="1" i="0" u="none" strike="noStrike" cap="none" dirty="0">
                 <a:solidFill>
                   <a:srgbClr val="00FF00"/>
                 </a:solidFill>
@@ -34239,7 +34324,7 @@
               <a:t>x</a:t>
             </a:r>
             <a:r>
-              <a:rPr lang="en-US" sz="3600" i="0" u="none" strike="noStrike" cap="none" dirty="0">
+              <a:rPr lang="en-US" sz="3600" b="1" i="0" u="none" strike="noStrike" cap="none" dirty="0">
                 <a:solidFill>
                   <a:srgbClr val="FF7F00"/>
                 </a:solidFill>
@@ -34251,7 +34336,7 @@
               <a:t> </a:t>
             </a:r>
             <a:r>
-              <a:rPr lang="en-US" sz="3600" i="0" u="none" strike="noStrike" cap="none" dirty="0">
+              <a:rPr lang="en-US" sz="3600" b="1" i="0" u="none" strike="noStrike" cap="none" dirty="0">
                 <a:solidFill>
                   <a:schemeClr val="lt1"/>
                 </a:solidFill>
@@ -34263,7 +34348,7 @@
               <a:t>= </a:t>
             </a:r>
             <a:r>
-              <a:rPr lang="en-US" sz="3600" i="0" u="none" strike="noStrike" cap="none" dirty="0" err="1">
+              <a:rPr lang="en-US" sz="3600" b="1" i="0" u="none" strike="noStrike" cap="none" dirty="0" err="1">
                 <a:solidFill>
                   <a:srgbClr val="FF00FF"/>
                 </a:solidFill>
@@ -34275,7 +34360,7 @@
               <a:t>len</a:t>
             </a:r>
             <a:r>
-              <a:rPr lang="en-US" sz="3600" i="0" u="none" strike="noStrike" cap="none" dirty="0">
+              <a:rPr lang="en-US" sz="3600" b="1" i="0" u="none" strike="noStrike" cap="none" dirty="0">
                 <a:solidFill>
                   <a:srgbClr val="FF00FF"/>
                 </a:solidFill>
@@ -34287,7 +34372,7 @@
               <a:t>(</a:t>
             </a:r>
             <a:r>
-              <a:rPr lang="en-US" sz="3600" i="0" u="none" strike="noStrike" cap="none" dirty="0">
+              <a:rPr lang="en-US" sz="3600" b="1" i="0" u="none" strike="noStrike" cap="none" dirty="0">
                 <a:solidFill>
                   <a:srgbClr val="00FF00"/>
                 </a:solidFill>
@@ -34299,7 +34384,7 @@
               <a:t>fruit</a:t>
             </a:r>
             <a:r>
-              <a:rPr lang="en-US" sz="3600" i="0" u="none" strike="noStrike" cap="none" dirty="0">
+              <a:rPr lang="en-US" sz="3600" b="1" i="0" u="none" strike="noStrike" cap="none" dirty="0">
                 <a:solidFill>
                   <a:srgbClr val="FF00FF"/>
                 </a:solidFill>
@@ -34330,7 +34415,7 @@
               <a:buNone/>
             </a:pPr>
             <a:r>
-              <a:rPr lang="en-US" sz="3600" i="0" u="none" strike="noStrike" cap="none" dirty="0">
+              <a:rPr lang="en-US" sz="3600" b="1" i="0" u="none" strike="noStrike" cap="none" dirty="0">
                 <a:solidFill>
                   <a:schemeClr val="lt1"/>
                 </a:solidFill>
@@ -34342,7 +34427,7 @@
               <a:t>&gt;&gt;&gt; </a:t>
             </a:r>
             <a:r>
-              <a:rPr lang="en-US" sz="3600" i="0" u="none" strike="noStrike" cap="none" dirty="0" smtClean="0">
+              <a:rPr lang="en-US" sz="3600" b="1" i="0" u="none" strike="noStrike" cap="none" dirty="0" smtClean="0">
                 <a:solidFill>
                   <a:srgbClr val="FFFF00"/>
                 </a:solidFill>
@@ -34354,7 +34439,7 @@
               <a:t>print</a:t>
             </a:r>
             <a:r>
-              <a:rPr lang="en-US" sz="3600" dirty="0" smtClean="0">
+              <a:rPr lang="en-US" sz="3600" b="1" dirty="0" smtClean="0">
                 <a:solidFill>
                   <a:schemeClr val="bg1"/>
                 </a:solidFill>
@@ -34366,7 +34451,7 @@
               <a:t>(</a:t>
             </a:r>
             <a:r>
-              <a:rPr lang="en-US" sz="3600" i="0" u="none" strike="noStrike" cap="none" dirty="0" smtClean="0">
+              <a:rPr lang="en-US" sz="3600" b="1" i="0" u="none" strike="noStrike" cap="none" dirty="0" smtClean="0">
                 <a:solidFill>
                   <a:srgbClr val="00FF00"/>
                 </a:solidFill>
@@ -34378,7 +34463,7 @@
               <a:t>x</a:t>
             </a:r>
             <a:r>
-              <a:rPr lang="en-US" sz="3600" i="0" u="none" strike="noStrike" cap="none" dirty="0" smtClean="0">
+              <a:rPr lang="en-US" sz="3600" b="1" i="0" u="none" strike="noStrike" cap="none" dirty="0" smtClean="0">
                 <a:solidFill>
                   <a:schemeClr val="bg1"/>
                 </a:solidFill>
@@ -34389,7 +34474,7 @@
               </a:rPr>
               <a:t>)</a:t>
             </a:r>
-            <a:endParaRPr lang="en-US" sz="3600" i="0" u="none" strike="noStrike" cap="none" dirty="0">
+            <a:endParaRPr lang="en-US" sz="3600" b="1" i="0" u="none" strike="noStrike" cap="none" dirty="0">
               <a:solidFill>
                 <a:schemeClr val="bg1"/>
               </a:solidFill>
@@ -34418,7 +34503,7 @@
               <a:buNone/>
             </a:pPr>
             <a:r>
-              <a:rPr lang="en-US" sz="3600" i="0" u="none" strike="noStrike" cap="none" dirty="0">
+              <a:rPr lang="en-US" sz="3600" b="1" i="0" u="none" strike="noStrike" cap="none" dirty="0">
                 <a:solidFill>
                   <a:schemeClr val="lt1"/>
                 </a:solidFill>
@@ -35043,7 +35128,7 @@
               <a:buNone/>
             </a:pPr>
             <a:r>
-              <a:rPr lang="en-US" sz="3600" i="0" u="none" strike="noStrike" cap="none" dirty="0">
+              <a:rPr lang="en-US" sz="3600" b="1" i="0" u="none" strike="noStrike" cap="none" dirty="0">
                 <a:solidFill>
                   <a:schemeClr val="lt1"/>
                 </a:solidFill>
@@ -35055,7 +35140,7 @@
               <a:t>&gt;&gt;&gt; </a:t>
             </a:r>
             <a:r>
-              <a:rPr lang="en-US" sz="3600" i="0" u="none" strike="noStrike" cap="none" dirty="0">
+              <a:rPr lang="en-US" sz="3600" b="1" i="0" u="none" strike="noStrike" cap="none" dirty="0">
                 <a:solidFill>
                   <a:srgbClr val="00FF00"/>
                 </a:solidFill>
@@ -35067,7 +35152,7 @@
               <a:t>fruit</a:t>
             </a:r>
             <a:r>
-              <a:rPr lang="en-US" sz="3600" i="0" u="none" strike="noStrike" cap="none" dirty="0">
+              <a:rPr lang="en-US" sz="3600" b="1" i="0" u="none" strike="noStrike" cap="none" dirty="0">
                 <a:solidFill>
                   <a:srgbClr val="FF7F00"/>
                 </a:solidFill>
@@ -35079,7 +35164,7 @@
               <a:t> </a:t>
             </a:r>
             <a:r>
-              <a:rPr lang="en-US" sz="3600" i="0" u="none" strike="noStrike" cap="none" dirty="0">
+              <a:rPr lang="en-US" sz="3600" b="1" i="0" u="none" strike="noStrike" cap="none" dirty="0">
                 <a:solidFill>
                   <a:schemeClr val="lt1"/>
                 </a:solidFill>
@@ -35091,7 +35176,7 @@
               <a:t>=</a:t>
             </a:r>
             <a:r>
-              <a:rPr lang="en-US" sz="3600" i="0" u="none" strike="noStrike" cap="none" dirty="0">
+              <a:rPr lang="en-US" sz="3600" b="1" i="0" u="none" strike="noStrike" cap="none" dirty="0">
                 <a:solidFill>
                   <a:srgbClr val="FF7F00"/>
                 </a:solidFill>
@@ -35122,7 +35207,7 @@
               <a:buNone/>
             </a:pPr>
             <a:r>
-              <a:rPr lang="en-US" sz="3600" i="0" u="none" strike="noStrike" cap="none" dirty="0">
+              <a:rPr lang="en-US" sz="3600" b="1" i="0" u="none" strike="noStrike" cap="none" dirty="0">
                 <a:solidFill>
                   <a:schemeClr val="lt1"/>
                 </a:solidFill>
@@ -35134,7 +35219,7 @@
               <a:t>&gt;&gt;&gt; </a:t>
             </a:r>
             <a:r>
-              <a:rPr lang="en-US" sz="3600" i="0" u="none" strike="noStrike" cap="none" dirty="0">
+              <a:rPr lang="en-US" sz="3600" b="1" i="0" u="none" strike="noStrike" cap="none" dirty="0">
                 <a:solidFill>
                   <a:srgbClr val="00FF00"/>
                 </a:solidFill>
@@ -35146,7 +35231,7 @@
               <a:t>x</a:t>
             </a:r>
             <a:r>
-              <a:rPr lang="en-US" sz="3600" i="0" u="none" strike="noStrike" cap="none" dirty="0">
+              <a:rPr lang="en-US" sz="3600" b="1" i="0" u="none" strike="noStrike" cap="none" dirty="0">
                 <a:solidFill>
                   <a:srgbClr val="FF7F00"/>
                 </a:solidFill>
@@ -35158,7 +35243,7 @@
               <a:t> </a:t>
             </a:r>
             <a:r>
-              <a:rPr lang="en-US" sz="3600" i="0" u="none" strike="noStrike" cap="none" dirty="0">
+              <a:rPr lang="en-US" sz="3600" b="1" i="0" u="none" strike="noStrike" cap="none" dirty="0">
                 <a:solidFill>
                   <a:schemeClr val="lt1"/>
                 </a:solidFill>
@@ -35170,7 +35255,7 @@
               <a:t>= </a:t>
             </a:r>
             <a:r>
-              <a:rPr lang="en-US" sz="3600" i="0" u="none" strike="noStrike" cap="none" dirty="0" err="1">
+              <a:rPr lang="en-US" sz="3600" b="1" i="0" u="none" strike="noStrike" cap="none" dirty="0" err="1">
                 <a:solidFill>
                   <a:srgbClr val="FF00FF"/>
                 </a:solidFill>
@@ -35182,7 +35267,7 @@
               <a:t>len</a:t>
             </a:r>
             <a:r>
-              <a:rPr lang="en-US" sz="3600" i="0" u="none" strike="noStrike" cap="none" dirty="0">
+              <a:rPr lang="en-US" sz="3600" b="1" i="0" u="none" strike="noStrike" cap="none" dirty="0">
                 <a:solidFill>
                   <a:srgbClr val="FF00FF"/>
                 </a:solidFill>
@@ -35194,7 +35279,7 @@
               <a:t>(</a:t>
             </a:r>
             <a:r>
-              <a:rPr lang="en-US" sz="3600" i="0" u="none" strike="noStrike" cap="none" dirty="0">
+              <a:rPr lang="en-US" sz="3600" b="1" i="0" u="none" strike="noStrike" cap="none" dirty="0">
                 <a:solidFill>
                   <a:srgbClr val="00FF00"/>
                 </a:solidFill>
@@ -35206,7 +35291,7 @@
               <a:t>fruit</a:t>
             </a:r>
             <a:r>
-              <a:rPr lang="en-US" sz="3600" i="0" u="none" strike="noStrike" cap="none" dirty="0">
+              <a:rPr lang="en-US" sz="3600" b="1" i="0" u="none" strike="noStrike" cap="none" dirty="0">
                 <a:solidFill>
                   <a:srgbClr val="FF00FF"/>
                 </a:solidFill>
@@ -35237,7 +35322,7 @@
               <a:buNone/>
             </a:pPr>
             <a:r>
-              <a:rPr lang="en-US" sz="3600" i="0" u="none" strike="noStrike" cap="none" dirty="0">
+              <a:rPr lang="en-US" sz="3600" b="1" i="0" u="none" strike="noStrike" cap="none" dirty="0">
                 <a:solidFill>
                   <a:schemeClr val="lt1"/>
                 </a:solidFill>
@@ -35249,7 +35334,7 @@
               <a:t>&gt;&gt;&gt; </a:t>
             </a:r>
             <a:r>
-              <a:rPr lang="en-US" sz="3600" i="0" u="none" strike="noStrike" cap="none" dirty="0" smtClean="0">
+              <a:rPr lang="en-US" sz="3600" b="1" i="0" u="none" strike="noStrike" cap="none" dirty="0" smtClean="0">
                 <a:solidFill>
                   <a:srgbClr val="FFFF00"/>
                 </a:solidFill>
@@ -35261,7 +35346,7 @@
               <a:t>print</a:t>
             </a:r>
             <a:r>
-              <a:rPr lang="en-US" sz="3600" dirty="0" smtClean="0">
+              <a:rPr lang="en-US" sz="3600" b="1" dirty="0" smtClean="0">
                 <a:solidFill>
                   <a:schemeClr val="bg1"/>
                 </a:solidFill>
@@ -35273,7 +35358,7 @@
               <a:t>(</a:t>
             </a:r>
             <a:r>
-              <a:rPr lang="en-US" sz="3600" i="0" u="none" strike="noStrike" cap="none" dirty="0" smtClean="0">
+              <a:rPr lang="en-US" sz="3600" b="1" i="0" u="none" strike="noStrike" cap="none" dirty="0" smtClean="0">
                 <a:solidFill>
                   <a:srgbClr val="00FF00"/>
                 </a:solidFill>
@@ -35285,7 +35370,7 @@
               <a:t>x</a:t>
             </a:r>
             <a:r>
-              <a:rPr lang="en-US" sz="3600" i="0" u="none" strike="noStrike" cap="none" dirty="0" smtClean="0">
+              <a:rPr lang="en-US" sz="3600" b="1" i="0" u="none" strike="noStrike" cap="none" dirty="0" smtClean="0">
                 <a:solidFill>
                   <a:schemeClr val="bg1"/>
                 </a:solidFill>
@@ -35296,7 +35381,7 @@
               </a:rPr>
               <a:t>)</a:t>
             </a:r>
-            <a:endParaRPr lang="en-US" sz="3600" i="0" u="none" strike="noStrike" cap="none" dirty="0">
+            <a:endParaRPr lang="en-US" sz="3600" b="1" i="0" u="none" strike="noStrike" cap="none" dirty="0">
               <a:solidFill>
                 <a:schemeClr val="bg1"/>
               </a:solidFill>
@@ -35325,7 +35410,7 @@
               <a:buNone/>
             </a:pPr>
             <a:r>
-              <a:rPr lang="en-US" sz="3600" i="0" u="none" strike="noStrike" cap="none" dirty="0">
+              <a:rPr lang="en-US" sz="3600" b="1" i="0" u="none" strike="noStrike" cap="none" dirty="0">
                 <a:solidFill>
                   <a:schemeClr val="lt1"/>
                 </a:solidFill>
@@ -36253,7 +36338,7 @@
               <a:buNone/>
             </a:pPr>
             <a:r>
-              <a:rPr lang="en-US" sz="3000" i="0" u="none" strike="noStrike" cap="none" dirty="0">
+              <a:rPr lang="en-US" sz="3000" b="1" i="0" u="none" strike="noStrike" cap="none" dirty="0">
                 <a:solidFill>
                   <a:srgbClr val="00FF00"/>
                 </a:solidFill>
@@ -36284,7 +36369,7 @@
               <a:buNone/>
             </a:pPr>
             <a:r>
-              <a:rPr lang="en-US" sz="3000" i="0" u="none" strike="noStrike" cap="none" dirty="0">
+              <a:rPr lang="en-US" sz="3000" b="1" i="0" u="none" strike="noStrike" cap="none" dirty="0">
                 <a:solidFill>
                   <a:srgbClr val="00FF00"/>
                 </a:solidFill>
@@ -36296,7 +36381,7 @@
               <a:t>index</a:t>
             </a:r>
             <a:r>
-              <a:rPr lang="en-US" sz="3000" i="0" u="none" strike="noStrike" cap="none" dirty="0">
+              <a:rPr lang="en-US" sz="3000" b="1" i="0" u="none" strike="noStrike" cap="none" dirty="0">
                 <a:solidFill>
                   <a:schemeClr val="lt1"/>
                 </a:solidFill>
@@ -36308,7 +36393,7 @@
               <a:t> = </a:t>
             </a:r>
             <a:r>
-              <a:rPr lang="en-US" sz="3000" i="0" u="none" strike="noStrike" cap="none" dirty="0">
+              <a:rPr lang="en-US" sz="3000" b="1" i="0" u="none" strike="noStrike" cap="none" dirty="0">
                 <a:solidFill>
                   <a:srgbClr val="FF7F00"/>
                 </a:solidFill>
@@ -36339,7 +36424,7 @@
               <a:buNone/>
             </a:pPr>
             <a:r>
-              <a:rPr lang="en-US" sz="3000" i="0" u="none" strike="noStrike" cap="none" dirty="0">
+              <a:rPr lang="en-US" sz="3000" b="1" i="0" u="none" strike="noStrike" cap="none" dirty="0">
                 <a:solidFill>
                   <a:srgbClr val="FFFF00"/>
                 </a:solidFill>
@@ -36351,7 +36436,7 @@
               <a:t>while</a:t>
             </a:r>
             <a:r>
-              <a:rPr lang="en-US" sz="3000" i="0" u="none" strike="noStrike" cap="none" dirty="0">
+              <a:rPr lang="en-US" sz="3000" b="1" i="0" u="none" strike="noStrike" cap="none" dirty="0">
                 <a:solidFill>
                   <a:schemeClr val="lt1"/>
                 </a:solidFill>
@@ -36363,7 +36448,7 @@
               <a:t> </a:t>
             </a:r>
             <a:r>
-              <a:rPr lang="en-US" sz="3000" i="0" u="none" strike="noStrike" cap="none" dirty="0">
+              <a:rPr lang="en-US" sz="3000" b="1" i="0" u="none" strike="noStrike" cap="none" dirty="0">
                 <a:solidFill>
                   <a:srgbClr val="00FF00"/>
                 </a:solidFill>
@@ -36375,7 +36460,7 @@
               <a:t>index</a:t>
             </a:r>
             <a:r>
-              <a:rPr lang="en-US" sz="3000" i="0" u="none" strike="noStrike" cap="none" dirty="0">
+              <a:rPr lang="en-US" sz="3000" b="1" i="0" u="none" strike="noStrike" cap="none" dirty="0">
                 <a:solidFill>
                   <a:schemeClr val="lt1"/>
                 </a:solidFill>
@@ -36387,7 +36472,7 @@
               <a:t> &lt; </a:t>
             </a:r>
             <a:r>
-              <a:rPr lang="en-US" sz="3000" i="0" u="none" strike="noStrike" cap="none" dirty="0" err="1">
+              <a:rPr lang="en-US" sz="3000" b="1" i="0" u="none" strike="noStrike" cap="none" dirty="0" err="1">
                 <a:solidFill>
                   <a:srgbClr val="FF00FF"/>
                 </a:solidFill>
@@ -36399,7 +36484,7 @@
               <a:t>len</a:t>
             </a:r>
             <a:r>
-              <a:rPr lang="en-US" sz="3000" i="0" u="none" strike="noStrike" cap="none" dirty="0">
+              <a:rPr lang="en-US" sz="3000" b="1" i="0" u="none" strike="noStrike" cap="none" dirty="0">
                 <a:solidFill>
                   <a:schemeClr val="lt1"/>
                 </a:solidFill>
@@ -36411,7 +36496,7 @@
               <a:t>(</a:t>
             </a:r>
             <a:r>
-              <a:rPr lang="en-US" sz="3000" i="0" u="none" strike="noStrike" cap="none" dirty="0">
+              <a:rPr lang="en-US" sz="3000" b="1" i="0" u="none" strike="noStrike" cap="none" dirty="0">
                 <a:solidFill>
                   <a:srgbClr val="00FF00"/>
                 </a:solidFill>
@@ -36423,7 +36508,7 @@
               <a:t>fruit</a:t>
             </a:r>
             <a:r>
-              <a:rPr lang="en-US" sz="3000" i="0" u="none" strike="noStrike" cap="none" dirty="0">
+              <a:rPr lang="en-US" sz="3000" b="1" i="0" u="none" strike="noStrike" cap="none" dirty="0">
                 <a:solidFill>
                   <a:schemeClr val="lt1"/>
                 </a:solidFill>
@@ -36454,7 +36539,7 @@
               <a:buNone/>
             </a:pPr>
             <a:r>
-              <a:rPr lang="en-US" sz="3000" i="0" u="none" strike="noStrike" cap="none" dirty="0">
+              <a:rPr lang="en-US" sz="3000" b="1" i="0" u="none" strike="noStrike" cap="none" dirty="0">
                 <a:solidFill>
                   <a:schemeClr val="lt1"/>
                 </a:solidFill>
@@ -36466,7 +36551,7 @@
               <a:t>    </a:t>
             </a:r>
             <a:r>
-              <a:rPr lang="en-US" sz="3000" i="0" u="none" strike="noStrike" cap="none" dirty="0">
+              <a:rPr lang="en-US" sz="3000" b="1" i="0" u="none" strike="noStrike" cap="none" dirty="0">
                 <a:solidFill>
                   <a:srgbClr val="00FF00"/>
                 </a:solidFill>
@@ -36478,7 +36563,7 @@
               <a:t>letter</a:t>
             </a:r>
             <a:r>
-              <a:rPr lang="en-US" sz="3000" i="0" u="none" strike="noStrike" cap="none" dirty="0">
+              <a:rPr lang="en-US" sz="3000" b="1" i="0" u="none" strike="noStrike" cap="none" dirty="0">
                 <a:solidFill>
                   <a:schemeClr val="lt1"/>
                 </a:solidFill>
@@ -36490,7 +36575,7 @@
               <a:t> = </a:t>
             </a:r>
             <a:r>
-              <a:rPr lang="en-US" sz="3000" i="0" u="none" strike="noStrike" cap="none" dirty="0">
+              <a:rPr lang="en-US" sz="3000" b="1" i="0" u="none" strike="noStrike" cap="none" dirty="0">
                 <a:solidFill>
                   <a:srgbClr val="00FF00"/>
                 </a:solidFill>
@@ -36502,7 +36587,7 @@
               <a:t>fruit</a:t>
             </a:r>
             <a:r>
-              <a:rPr lang="en-US" sz="3000" i="0" u="none" strike="noStrike" cap="none" dirty="0">
+              <a:rPr lang="en-US" sz="3000" b="1" i="0" u="none" strike="noStrike" cap="none" dirty="0">
                 <a:solidFill>
                   <a:srgbClr val="00FFFF"/>
                 </a:solidFill>
@@ -36514,7 +36599,7 @@
               <a:t>[</a:t>
             </a:r>
             <a:r>
-              <a:rPr lang="en-US" sz="3000" i="0" u="none" strike="noStrike" cap="none" dirty="0">
+              <a:rPr lang="en-US" sz="3000" b="1" i="0" u="none" strike="noStrike" cap="none" dirty="0">
                 <a:solidFill>
                   <a:srgbClr val="00FF00"/>
                 </a:solidFill>
@@ -36526,7 +36611,7 @@
               <a:t>index</a:t>
             </a:r>
             <a:r>
-              <a:rPr lang="en-US" sz="3000" i="0" u="none" strike="noStrike" cap="none" dirty="0">
+              <a:rPr lang="en-US" sz="3000" b="1" i="0" u="none" strike="noStrike" cap="none" dirty="0">
                 <a:solidFill>
                   <a:srgbClr val="00FFFF"/>
                 </a:solidFill>
@@ -36557,7 +36642,7 @@
               <a:buNone/>
             </a:pPr>
             <a:r>
-              <a:rPr lang="en-US" sz="3000" i="0" u="none" strike="noStrike" cap="none" dirty="0">
+              <a:rPr lang="en-US" sz="3000" b="1" i="0" u="none" strike="noStrike" cap="none" dirty="0">
                 <a:solidFill>
                   <a:schemeClr val="lt1"/>
                 </a:solidFill>
@@ -36569,7 +36654,7 @@
               <a:t>    </a:t>
             </a:r>
             <a:r>
-              <a:rPr lang="en-US" sz="3000" i="0" u="none" strike="noStrike" cap="none" dirty="0" smtClean="0">
+              <a:rPr lang="en-US" sz="3000" b="1" i="0" u="none" strike="noStrike" cap="none" dirty="0" smtClean="0">
                 <a:solidFill>
                   <a:srgbClr val="FFFF00"/>
                 </a:solidFill>
@@ -36581,7 +36666,7 @@
               <a:t>print</a:t>
             </a:r>
             <a:r>
-              <a:rPr lang="en-US" sz="3000" dirty="0">
+              <a:rPr lang="en-US" sz="3000" b="1" dirty="0">
                 <a:solidFill>
                   <a:schemeClr val="lt1"/>
                 </a:solidFill>
@@ -36593,7 +36678,7 @@
               <a:t>(</a:t>
             </a:r>
             <a:r>
-              <a:rPr lang="en-US" sz="3000" i="0" u="none" strike="noStrike" cap="none" dirty="0" smtClean="0">
+              <a:rPr lang="en-US" sz="3000" b="1" i="0" u="none" strike="noStrike" cap="none" dirty="0" smtClean="0">
                 <a:solidFill>
                   <a:schemeClr val="lt1"/>
                 </a:solidFill>
@@ -36605,7 +36690,7 @@
               <a:t>index</a:t>
             </a:r>
             <a:r>
-              <a:rPr lang="en-US" sz="3000" i="0" u="none" strike="noStrike" cap="none" dirty="0">
+              <a:rPr lang="en-US" sz="3000" b="1" i="0" u="none" strike="noStrike" cap="none" dirty="0">
                 <a:solidFill>
                   <a:schemeClr val="lt1"/>
                 </a:solidFill>
@@ -36617,7 +36702,7 @@
               <a:t>, </a:t>
             </a:r>
             <a:r>
-              <a:rPr lang="en-US" sz="3000" i="0" u="none" strike="noStrike" cap="none" dirty="0" smtClean="0">
+              <a:rPr lang="en-US" sz="3000" b="1" i="0" u="none" strike="noStrike" cap="none" dirty="0" smtClean="0">
                 <a:solidFill>
                   <a:srgbClr val="00FF00"/>
                 </a:solidFill>
@@ -36629,7 +36714,7 @@
               <a:t>letter</a:t>
             </a:r>
             <a:r>
-              <a:rPr lang="en-US" sz="3000" i="0" u="none" strike="noStrike" cap="none" dirty="0" smtClean="0">
+              <a:rPr lang="en-US" sz="3000" b="1" i="0" u="none" strike="noStrike" cap="none" dirty="0" smtClean="0">
                 <a:solidFill>
                   <a:schemeClr val="bg1"/>
                 </a:solidFill>
@@ -36640,7 +36725,7 @@
               </a:rPr>
               <a:t>)</a:t>
             </a:r>
-            <a:endParaRPr lang="en-US" sz="3000" i="0" u="none" strike="noStrike" cap="none" dirty="0">
+            <a:endParaRPr lang="en-US" sz="3000" b="1" i="0" u="none" strike="noStrike" cap="none" dirty="0">
               <a:solidFill>
                 <a:schemeClr val="bg1"/>
               </a:solidFill>
@@ -36669,7 +36754,7 @@
               <a:buNone/>
             </a:pPr>
             <a:r>
-              <a:rPr lang="en-US" sz="3000" i="0" u="none" strike="noStrike" cap="none" dirty="0">
+              <a:rPr lang="en-US" sz="3000" b="1" i="0" u="none" strike="noStrike" cap="none" dirty="0">
                 <a:solidFill>
                   <a:schemeClr val="lt1"/>
                 </a:solidFill>
@@ -36681,7 +36766,7 @@
               <a:t>    </a:t>
             </a:r>
             <a:r>
-              <a:rPr lang="en-US" sz="3000" i="0" u="none" strike="noStrike" cap="none" dirty="0">
+              <a:rPr lang="en-US" sz="3000" b="1" i="0" u="none" strike="noStrike" cap="none" dirty="0">
                 <a:solidFill>
                   <a:srgbClr val="00FF00"/>
                 </a:solidFill>
@@ -36693,7 +36778,7 @@
               <a:t>index</a:t>
             </a:r>
             <a:r>
-              <a:rPr lang="en-US" sz="3000" i="0" u="none" strike="noStrike" cap="none" dirty="0">
+              <a:rPr lang="en-US" sz="3000" b="1" i="0" u="none" strike="noStrike" cap="none" dirty="0">
                 <a:solidFill>
                   <a:schemeClr val="lt1"/>
                 </a:solidFill>
@@ -36705,7 +36790,7 @@
               <a:t> = </a:t>
             </a:r>
             <a:r>
-              <a:rPr lang="en-US" sz="3000" i="0" u="none" strike="noStrike" cap="none" dirty="0">
+              <a:rPr lang="en-US" sz="3000" b="1" i="0" u="none" strike="noStrike" cap="none" dirty="0">
                 <a:solidFill>
                   <a:srgbClr val="00FF00"/>
                 </a:solidFill>
@@ -36717,7 +36802,7 @@
               <a:t>index</a:t>
             </a:r>
             <a:r>
-              <a:rPr lang="en-US" sz="3000" i="0" u="none" strike="noStrike" cap="none" dirty="0">
+              <a:rPr lang="en-US" sz="3000" b="1" i="0" u="none" strike="noStrike" cap="none" dirty="0">
                 <a:solidFill>
                   <a:schemeClr val="lt1"/>
                 </a:solidFill>
@@ -36729,7 +36814,7 @@
               <a:t> </a:t>
             </a:r>
             <a:r>
-              <a:rPr lang="en-US" sz="3000" i="0" u="none" strike="noStrike" cap="none" dirty="0">
+              <a:rPr lang="en-US" sz="3000" b="1" i="0" u="none" strike="noStrike" cap="none" dirty="0">
                 <a:solidFill>
                   <a:srgbClr val="00FFFF"/>
                 </a:solidFill>
@@ -36741,7 +36826,7 @@
               <a:t>+</a:t>
             </a:r>
             <a:r>
-              <a:rPr lang="en-US" sz="3000" i="0" u="none" strike="noStrike" cap="none" dirty="0">
+              <a:rPr lang="en-US" sz="3000" b="1" i="0" u="none" strike="noStrike" cap="none" dirty="0">
                 <a:solidFill>
                   <a:schemeClr val="lt1"/>
                 </a:solidFill>
@@ -36753,7 +36838,7 @@
               <a:t> </a:t>
             </a:r>
             <a:r>
-              <a:rPr lang="en-US" sz="3000" i="0" u="none" strike="noStrike" cap="none" dirty="0">
+              <a:rPr lang="en-US" sz="3000" b="1" i="0" u="none" strike="noStrike" cap="none" dirty="0">
                 <a:solidFill>
                   <a:srgbClr val="FF7F00"/>
                 </a:solidFill>

--- a/lectures3/Pythonlearn-06-Strings.pptx
+++ b/lectures3/Pythonlearn-06-Strings.pptx
@@ -578,13 +578,34 @@
               <a:buNone/>
             </a:pPr>
             <a:r>
-              <a:rPr lang="en-US">
+              <a:rPr lang="en-US" dirty="0" smtClean="0">
                 <a:solidFill>
                   <a:schemeClr val="dk2"/>
                 </a:solidFill>
               </a:rPr>
-              <a:t>Note from Chuck.  If you are using these materials, you can remove the UM logo and replace it with your own, but please retain the CC-BY logo on the first page as well as retain the entire last page.</a:t>
-            </a:r>
+              <a:t>Note from Chuck.  </a:t>
+            </a:r>
+            <a:r>
+              <a:rPr lang="en-US" smtClean="0">
+                <a:solidFill>
+                  <a:schemeClr val="dk2"/>
+                </a:solidFill>
+              </a:rPr>
+              <a:t>If you are using these materials, you can remove the UM logo and replace it with your own, but please retain the CC-BY logo on the first page as well as retain the acknowledgement page(s)</a:t>
+            </a:r>
+            <a:r>
+              <a:rPr lang="en-US" baseline="0" smtClean="0">
+                <a:solidFill>
+                  <a:schemeClr val="dk2"/>
+                </a:solidFill>
+              </a:rPr>
+              <a:t> at the end.</a:t>
+            </a:r>
+            <a:endParaRPr lang="en-US" dirty="0">
+              <a:solidFill>
+                <a:schemeClr val="dk2"/>
+              </a:solidFill>
+            </a:endParaRPr>
           </a:p>
         </p:txBody>
       </p:sp>

--- a/lectures3/Pythonlearn-06-Strings.pptx
+++ b/lectures3/Pythonlearn-06-Strings.pptx
@@ -27575,8 +27575,243 @@
               <a:t>&gt;&gt;&gt; </a:t>
             </a:r>
             <a:r>
+              <a:rPr lang="en-US" sz="2800" b="1" i="0" u="none" strike="noStrike" cap="none" dirty="0" smtClean="0">
+                <a:solidFill>
+                  <a:srgbClr val="FFFF00"/>
+                </a:solidFill>
+                <a:latin typeface="Courier New"/>
+                <a:ea typeface="Courier New"/>
+                <a:cs typeface="Courier New"/>
+                <a:sym typeface="Courier New"/>
+              </a:rPr>
+              <a:t>print(</a:t>
+            </a:r>
+            <a:r>
+              <a:rPr lang="en-US" sz="2800" b="1" i="0" u="none" strike="noStrike" cap="none" dirty="0" err="1" smtClean="0">
+                <a:solidFill>
+                  <a:srgbClr val="00FF00"/>
+                </a:solidFill>
+                <a:latin typeface="Courier New"/>
+                <a:ea typeface="Courier New"/>
+                <a:cs typeface="Courier New"/>
+                <a:sym typeface="Courier New"/>
+              </a:rPr>
+              <a:t>atpos</a:t>
+            </a:r>
+            <a:r>
+              <a:rPr lang="en-US" sz="2800" b="1" i="0" u="none" strike="noStrike" cap="none" dirty="0" smtClean="0">
+                <a:solidFill>
+                  <a:srgbClr val="FFFF00"/>
+                </a:solidFill>
+                <a:latin typeface="Courier New"/>
+                <a:ea typeface="Courier New"/>
+                <a:cs typeface="Courier New"/>
+                <a:sym typeface="Courier New"/>
+              </a:rPr>
+              <a:t>)</a:t>
+            </a:r>
+            <a:endParaRPr lang="en-US" sz="2800" b="1" i="0" u="none" strike="noStrike" cap="none" dirty="0">
+              <a:solidFill>
+                <a:srgbClr val="FFFF00"/>
+              </a:solidFill>
+              <a:latin typeface="Courier New"/>
+              <a:ea typeface="Courier New"/>
+              <a:cs typeface="Courier New"/>
+              <a:sym typeface="Courier New"/>
+            </a:endParaRPr>
+          </a:p>
+          <a:p>
+            <a:pPr marL="0" marR="0" lvl="0" indent="0" algn="l" rtl="0">
+              <a:lnSpc>
+                <a:spcPct val="100000"/>
+              </a:lnSpc>
+              <a:spcBef>
+                <a:spcPts val="0"/>
+              </a:spcBef>
+              <a:spcAft>
+                <a:spcPts val="0"/>
+              </a:spcAft>
+              <a:buClr>
+                <a:schemeClr val="lt1"/>
+              </a:buClr>
+              <a:buSzPct val="25000"/>
+              <a:buFont typeface="Cabin"/>
+              <a:buNone/>
+            </a:pPr>
+            <a:r>
               <a:rPr lang="en-US" sz="2800" b="1" i="0" u="none" strike="noStrike" cap="none" dirty="0">
                 <a:solidFill>
+                  <a:schemeClr val="lt1"/>
+                </a:solidFill>
+                <a:latin typeface="Courier New"/>
+                <a:ea typeface="Courier New"/>
+                <a:cs typeface="Courier New"/>
+                <a:sym typeface="Courier New"/>
+              </a:rPr>
+              <a:t>21</a:t>
+            </a:r>
+          </a:p>
+          <a:p>
+            <a:pPr marL="0" marR="0" lvl="0" indent="0" algn="l" rtl="0">
+              <a:lnSpc>
+                <a:spcPct val="100000"/>
+              </a:lnSpc>
+              <a:spcBef>
+                <a:spcPts val="0"/>
+              </a:spcBef>
+              <a:spcAft>
+                <a:spcPts val="0"/>
+              </a:spcAft>
+              <a:buClr>
+                <a:schemeClr val="lt1"/>
+              </a:buClr>
+              <a:buSzPct val="25000"/>
+              <a:buFont typeface="Cabin"/>
+              <a:buNone/>
+            </a:pPr>
+            <a:r>
+              <a:rPr lang="en-US" sz="2800" b="1" i="0" u="none" strike="noStrike" cap="none" dirty="0">
+                <a:solidFill>
+                  <a:schemeClr val="lt1"/>
+                </a:solidFill>
+                <a:latin typeface="Courier New"/>
+                <a:ea typeface="Courier New"/>
+                <a:cs typeface="Courier New"/>
+                <a:sym typeface="Courier New"/>
+              </a:rPr>
+              <a:t>&gt;&gt;&gt; </a:t>
+            </a:r>
+            <a:r>
+              <a:rPr lang="en-US" sz="2800" b="1" i="0" u="none" strike="noStrike" cap="none" dirty="0" err="1">
+                <a:solidFill>
+                  <a:srgbClr val="00FF00"/>
+                </a:solidFill>
+                <a:latin typeface="Courier New"/>
+                <a:ea typeface="Courier New"/>
+                <a:cs typeface="Courier New"/>
+                <a:sym typeface="Courier New"/>
+              </a:rPr>
+              <a:t>sppos</a:t>
+            </a:r>
+            <a:r>
+              <a:rPr lang="en-US" sz="2800" b="1" i="0" u="none" strike="noStrike" cap="none" dirty="0">
+                <a:solidFill>
+                  <a:schemeClr val="lt1"/>
+                </a:solidFill>
+                <a:latin typeface="Courier New"/>
+                <a:ea typeface="Courier New"/>
+                <a:cs typeface="Courier New"/>
+                <a:sym typeface="Courier New"/>
+              </a:rPr>
+              <a:t> = </a:t>
+            </a:r>
+            <a:r>
+              <a:rPr lang="en-US" sz="2800" b="1" i="0" u="none" strike="noStrike" cap="none" dirty="0" err="1">
+                <a:solidFill>
+                  <a:srgbClr val="00FF00"/>
+                </a:solidFill>
+                <a:latin typeface="Courier New"/>
+                <a:ea typeface="Courier New"/>
+                <a:cs typeface="Courier New"/>
+                <a:sym typeface="Courier New"/>
+              </a:rPr>
+              <a:t>data</a:t>
+            </a:r>
+            <a:r>
+              <a:rPr lang="en-US" sz="2800" b="1" i="0" u="none" strike="noStrike" cap="none" dirty="0" err="1">
+                <a:solidFill>
+                  <a:srgbClr val="FF00FF"/>
+                </a:solidFill>
+                <a:latin typeface="Courier New"/>
+                <a:ea typeface="Courier New"/>
+                <a:cs typeface="Courier New"/>
+                <a:sym typeface="Courier New"/>
+              </a:rPr>
+              <a:t>.find</a:t>
+            </a:r>
+            <a:r>
+              <a:rPr lang="en-US" sz="2800" b="1" i="0" u="none" strike="noStrike" cap="none" dirty="0">
+                <a:solidFill>
+                  <a:schemeClr val="lt1"/>
+                </a:solidFill>
+                <a:latin typeface="Courier New"/>
+                <a:ea typeface="Courier New"/>
+                <a:cs typeface="Courier New"/>
+                <a:sym typeface="Courier New"/>
+              </a:rPr>
+              <a:t>(</a:t>
+            </a:r>
+            <a:r>
+              <a:rPr lang="en-US" sz="2800" b="1" i="0" u="none" strike="noStrike" cap="none" dirty="0">
+                <a:solidFill>
+                  <a:srgbClr val="FF7F00"/>
+                </a:solidFill>
+                <a:latin typeface="Courier New"/>
+                <a:ea typeface="Courier New"/>
+                <a:cs typeface="Courier New"/>
+                <a:sym typeface="Courier New"/>
+              </a:rPr>
+              <a:t>' '</a:t>
+            </a:r>
+            <a:r>
+              <a:rPr lang="en-US" sz="2800" b="1" i="0" u="none" strike="noStrike" cap="none" dirty="0">
+                <a:solidFill>
+                  <a:schemeClr val="lt1"/>
+                </a:solidFill>
+                <a:latin typeface="Courier New"/>
+                <a:ea typeface="Courier New"/>
+                <a:cs typeface="Courier New"/>
+                <a:sym typeface="Courier New"/>
+              </a:rPr>
+              <a:t>,</a:t>
+            </a:r>
+            <a:r>
+              <a:rPr lang="en-US" sz="2800" b="1" i="0" u="none" strike="noStrike" cap="none" dirty="0" err="1">
+                <a:solidFill>
+                  <a:srgbClr val="00FF00"/>
+                </a:solidFill>
+                <a:latin typeface="Courier New"/>
+                <a:ea typeface="Courier New"/>
+                <a:cs typeface="Courier New"/>
+                <a:sym typeface="Courier New"/>
+              </a:rPr>
+              <a:t>atpos</a:t>
+            </a:r>
+            <a:r>
+              <a:rPr lang="en-US" sz="2800" b="1" i="0" u="none" strike="noStrike" cap="none" dirty="0">
+                <a:solidFill>
+                  <a:schemeClr val="lt1"/>
+                </a:solidFill>
+                <a:latin typeface="Courier New"/>
+                <a:ea typeface="Courier New"/>
+                <a:cs typeface="Courier New"/>
+                <a:sym typeface="Courier New"/>
+              </a:rPr>
+              <a:t>)</a:t>
+            </a:r>
+          </a:p>
+          <a:p>
+            <a:pPr>
+              <a:buClr>
+                <a:schemeClr val="lt1"/>
+              </a:buClr>
+              <a:buSzPct val="25000"/>
+            </a:pPr>
+            <a:r>
+              <a:rPr lang="en-US" sz="2800" b="1" i="0" u="none" strike="noStrike" cap="none" dirty="0">
+                <a:solidFill>
+                  <a:schemeClr val="lt1"/>
+                </a:solidFill>
+                <a:latin typeface="Courier New"/>
+                <a:ea typeface="Courier New"/>
+                <a:cs typeface="Courier New"/>
+                <a:sym typeface="Courier New"/>
+              </a:rPr>
+              <a:t>&gt;&gt;&gt; </a:t>
+            </a:r>
+            <a:r>
+              <a:rPr lang="en-US" sz="2800" b="1" i="0" u="none" strike="noStrike" cap="none" dirty="0" smtClean="0">
+                <a:solidFill>
                   <a:srgbClr val="FFFF00"/>
                 </a:solidFill>
                 <a:latin typeface="Courier New"/>
@@ -27584,22 +27819,10 @@
                 <a:cs typeface="Courier New"/>
                 <a:sym typeface="Courier New"/>
               </a:rPr>
-              <a:t>print</a:t>
-            </a:r>
-            <a:r>
-              <a:rPr lang="en-US" sz="2800" b="1" i="0" u="none" strike="noStrike" cap="none" dirty="0">
-                <a:solidFill>
-                  <a:schemeClr val="lt1"/>
-                </a:solidFill>
-                <a:latin typeface="Courier New"/>
-                <a:ea typeface="Courier New"/>
-                <a:cs typeface="Courier New"/>
-                <a:sym typeface="Courier New"/>
-              </a:rPr>
-              <a:t> </a:t>
-            </a:r>
-            <a:r>
-              <a:rPr lang="en-US" sz="2800" b="1" i="0" u="none" strike="noStrike" cap="none" dirty="0" err="1">
+              <a:t>print(</a:t>
+            </a:r>
+            <a:r>
+              <a:rPr lang="en-US" sz="2800" b="1" i="0" u="none" strike="noStrike" cap="none" dirty="0" err="1" smtClean="0">
                 <a:solidFill>
                   <a:srgbClr val="00FF00"/>
                 </a:solidFill>
@@ -27608,7 +27831,19 @@
                 <a:cs typeface="Courier New"/>
                 <a:sym typeface="Courier New"/>
               </a:rPr>
-              <a:t>atpos</a:t>
+              <a:t>sppos</a:t>
+            </a:r>
+            <a:r>
+              <a:rPr lang="en-US" sz="2800" b="1" dirty="0" smtClean="0">
+                <a:solidFill>
+                  <a:srgbClr val="FFFF00"/>
+                </a:solidFill>
+                <a:latin typeface="Courier New"/>
+                <a:ea typeface="Courier New"/>
+                <a:cs typeface="Courier New"/>
+                <a:sym typeface="Courier New"/>
+              </a:rPr>
+              <a:t>)</a:t>
             </a:r>
             <a:endParaRPr lang="en-US" sz="2800" b="1" i="0" u="none" strike="noStrike" cap="none" dirty="0">
               <a:solidFill>
@@ -27648,7 +27883,7 @@
                 <a:cs typeface="Courier New"/>
                 <a:sym typeface="Courier New"/>
               </a:rPr>
-              <a:t>21</a:t>
+              <a:t>31</a:t>
             </a:r>
           </a:p>
           <a:p>
@@ -27682,6 +27917,102 @@
               <a:t>&gt;&gt;&gt; </a:t>
             </a:r>
             <a:r>
+              <a:rPr lang="en-US" sz="2800" b="1" i="0" u="none" strike="noStrike" cap="none" dirty="0">
+                <a:solidFill>
+                  <a:srgbClr val="00FF00"/>
+                </a:solidFill>
+                <a:latin typeface="Courier New"/>
+                <a:ea typeface="Courier New"/>
+                <a:cs typeface="Courier New"/>
+                <a:sym typeface="Courier New"/>
+              </a:rPr>
+              <a:t>host</a:t>
+            </a:r>
+            <a:r>
+              <a:rPr lang="en-US" sz="2800" b="1" i="0" u="none" strike="noStrike" cap="none" dirty="0">
+                <a:solidFill>
+                  <a:schemeClr val="lt1"/>
+                </a:solidFill>
+                <a:latin typeface="Courier New"/>
+                <a:ea typeface="Courier New"/>
+                <a:cs typeface="Courier New"/>
+                <a:sym typeface="Courier New"/>
+              </a:rPr>
+              <a:t> = </a:t>
+            </a:r>
+            <a:r>
+              <a:rPr lang="en-US" sz="2800" b="1" i="0" u="none" strike="noStrike" cap="none" dirty="0">
+                <a:solidFill>
+                  <a:srgbClr val="00FF00"/>
+                </a:solidFill>
+                <a:latin typeface="Courier New"/>
+                <a:ea typeface="Courier New"/>
+                <a:cs typeface="Courier New"/>
+                <a:sym typeface="Courier New"/>
+              </a:rPr>
+              <a:t>data</a:t>
+            </a:r>
+            <a:r>
+              <a:rPr lang="en-US" sz="2800" b="1" i="0" u="none" strike="noStrike" cap="none" dirty="0">
+                <a:solidFill>
+                  <a:srgbClr val="00FFFF"/>
+                </a:solidFill>
+                <a:latin typeface="Courier New"/>
+                <a:ea typeface="Courier New"/>
+                <a:cs typeface="Courier New"/>
+                <a:sym typeface="Courier New"/>
+              </a:rPr>
+              <a:t>[</a:t>
+            </a:r>
+            <a:r>
+              <a:rPr lang="en-US" sz="2800" b="1" i="0" u="none" strike="noStrike" cap="none" dirty="0">
+                <a:solidFill>
+                  <a:srgbClr val="00FF00"/>
+                </a:solidFill>
+                <a:latin typeface="Courier New"/>
+                <a:ea typeface="Courier New"/>
+                <a:cs typeface="Courier New"/>
+                <a:sym typeface="Courier New"/>
+              </a:rPr>
+              <a:t>atpos</a:t>
+            </a:r>
+            <a:r>
+              <a:rPr lang="en-US" sz="2800" b="1" i="0" u="none" strike="noStrike" cap="none" dirty="0">
+                <a:solidFill>
+                  <a:srgbClr val="00FFFF"/>
+                </a:solidFill>
+                <a:latin typeface="Courier New"/>
+                <a:ea typeface="Courier New"/>
+                <a:cs typeface="Courier New"/>
+                <a:sym typeface="Courier New"/>
+              </a:rPr>
+              <a:t>+</a:t>
+            </a:r>
+            <a:r>
+              <a:rPr lang="en-US" sz="2800" b="1" i="0" u="none" strike="noStrike" cap="none" dirty="0">
+                <a:solidFill>
+                  <a:srgbClr val="FF7F00"/>
+                </a:solidFill>
+                <a:latin typeface="Courier New"/>
+                <a:ea typeface="Courier New"/>
+                <a:cs typeface="Courier New"/>
+                <a:sym typeface="Courier New"/>
+              </a:rPr>
+              <a:t>1</a:t>
+            </a:r>
+            <a:r>
+              <a:rPr lang="en-US" sz="2800" b="1" i="0" u="none" strike="noStrike" cap="none" dirty="0">
+                <a:solidFill>
+                  <a:srgbClr val="00FFFF"/>
+                </a:solidFill>
+                <a:latin typeface="Courier New"/>
+                <a:ea typeface="Courier New"/>
+                <a:cs typeface="Courier New"/>
+                <a:sym typeface="Courier New"/>
+              </a:rPr>
+              <a:t> : </a:t>
+            </a:r>
+            <a:r>
               <a:rPr lang="en-US" sz="2800" b="1" i="0" u="none" strike="noStrike" cap="none" dirty="0" err="1">
                 <a:solidFill>
                   <a:srgbClr val="00FF00"/>
@@ -27696,17 +28027,49 @@
             <a:r>
               <a:rPr lang="en-US" sz="2800" b="1" i="0" u="none" strike="noStrike" cap="none" dirty="0">
                 <a:solidFill>
-                  <a:schemeClr val="lt1"/>
-                </a:solidFill>
-                <a:latin typeface="Courier New"/>
-                <a:ea typeface="Courier New"/>
-                <a:cs typeface="Courier New"/>
-                <a:sym typeface="Courier New"/>
-              </a:rPr>
-              <a:t> = </a:t>
-            </a:r>
-            <a:r>
-              <a:rPr lang="en-US" sz="2800" b="1" i="0" u="none" strike="noStrike" cap="none" dirty="0" err="1">
+                  <a:srgbClr val="00FFFF"/>
+                </a:solidFill>
+                <a:latin typeface="Courier New"/>
+                <a:ea typeface="Courier New"/>
+                <a:cs typeface="Courier New"/>
+                <a:sym typeface="Courier New"/>
+              </a:rPr>
+              <a:t>]</a:t>
+            </a:r>
+          </a:p>
+          <a:p>
+            <a:pPr>
+              <a:buClr>
+                <a:schemeClr val="lt1"/>
+              </a:buClr>
+              <a:buSzPct val="25000"/>
+            </a:pPr>
+            <a:r>
+              <a:rPr lang="en-US" sz="2800" b="1" i="0" u="none" strike="noStrike" cap="none">
+                <a:solidFill>
+                  <a:schemeClr val="lt1"/>
+                </a:solidFill>
+                <a:latin typeface="Courier New"/>
+                <a:ea typeface="Courier New"/>
+                <a:cs typeface="Courier New"/>
+                <a:sym typeface="Courier New"/>
+              </a:rPr>
+              <a:t>&gt;&gt;&gt; </a:t>
+            </a:r>
+            <a:r>
+              <a:rPr lang="en-US" sz="2800" b="1" i="0" u="none" strike="noStrike" cap="none" smtClean="0">
+                <a:solidFill>
+                  <a:srgbClr val="FFFF00"/>
+                </a:solidFill>
+                <a:latin typeface="Courier New"/>
+                <a:ea typeface="Courier New"/>
+                <a:cs typeface="Courier New"/>
+                <a:sym typeface="Courier New"/>
+              </a:rPr>
+              <a:t>print(</a:t>
+            </a:r>
+            <a:r>
+              <a:rPr lang="en-US" sz="2800" b="1" i="0" u="none" strike="noStrike" cap="none" smtClean="0">
                 <a:solidFill>
                   <a:srgbClr val="00FF00"/>
                 </a:solidFill>
@@ -27715,72 +28078,12 @@
                 <a:cs typeface="Courier New"/>
                 <a:sym typeface="Courier New"/>
               </a:rPr>
-              <a:t>data</a:t>
-            </a:r>
-            <a:r>
-              <a:rPr lang="en-US" sz="2800" b="1" i="0" u="none" strike="noStrike" cap="none" dirty="0" err="1">
-                <a:solidFill>
-                  <a:srgbClr val="FF00FF"/>
-                </a:solidFill>
-                <a:latin typeface="Courier New"/>
-                <a:ea typeface="Courier New"/>
-                <a:cs typeface="Courier New"/>
-                <a:sym typeface="Courier New"/>
-              </a:rPr>
-              <a:t>.find</a:t>
-            </a:r>
-            <a:r>
-              <a:rPr lang="en-US" sz="2800" b="1" i="0" u="none" strike="noStrike" cap="none" dirty="0">
-                <a:solidFill>
-                  <a:schemeClr val="lt1"/>
-                </a:solidFill>
-                <a:latin typeface="Courier New"/>
-                <a:ea typeface="Courier New"/>
-                <a:cs typeface="Courier New"/>
-                <a:sym typeface="Courier New"/>
-              </a:rPr>
-              <a:t>(</a:t>
-            </a:r>
-            <a:r>
-              <a:rPr lang="en-US" sz="2800" b="1" i="0" u="none" strike="noStrike" cap="none" dirty="0">
-                <a:solidFill>
-                  <a:srgbClr val="FF7F00"/>
-                </a:solidFill>
-                <a:latin typeface="Courier New"/>
-                <a:ea typeface="Courier New"/>
-                <a:cs typeface="Courier New"/>
-                <a:sym typeface="Courier New"/>
-              </a:rPr>
-              <a:t>' '</a:t>
-            </a:r>
-            <a:r>
-              <a:rPr lang="en-US" sz="2800" b="1" i="0" u="none" strike="noStrike" cap="none" dirty="0">
-                <a:solidFill>
-                  <a:schemeClr val="lt1"/>
-                </a:solidFill>
-                <a:latin typeface="Courier New"/>
-                <a:ea typeface="Courier New"/>
-                <a:cs typeface="Courier New"/>
-                <a:sym typeface="Courier New"/>
-              </a:rPr>
-              <a:t>,</a:t>
-            </a:r>
-            <a:r>
-              <a:rPr lang="en-US" sz="2800" b="1" i="0" u="none" strike="noStrike" cap="none" dirty="0" err="1">
-                <a:solidFill>
-                  <a:srgbClr val="00FF00"/>
-                </a:solidFill>
-                <a:latin typeface="Courier New"/>
-                <a:ea typeface="Courier New"/>
-                <a:cs typeface="Courier New"/>
-                <a:sym typeface="Courier New"/>
-              </a:rPr>
-              <a:t>atpos</a:t>
-            </a:r>
-            <a:r>
-              <a:rPr lang="en-US" sz="2800" b="1" i="0" u="none" strike="noStrike" cap="none" dirty="0">
-                <a:solidFill>
-                  <a:schemeClr val="lt1"/>
+              <a:t>host</a:t>
+            </a:r>
+            <a:r>
+              <a:rPr lang="en-US" sz="2800" b="1" smtClean="0">
+                <a:solidFill>
+                  <a:srgbClr val="FFFF00"/>
                 </a:solidFill>
                 <a:latin typeface="Courier New"/>
                 <a:ea typeface="Courier New"/>
@@ -27788,73 +28091,6 @@
                 <a:sym typeface="Courier New"/>
               </a:rPr>
               <a:t>)</a:t>
-            </a:r>
-          </a:p>
-          <a:p>
-            <a:pPr marL="0" marR="0" lvl="0" indent="0" algn="l" rtl="0">
-              <a:lnSpc>
-                <a:spcPct val="100000"/>
-              </a:lnSpc>
-              <a:spcBef>
-                <a:spcPts val="0"/>
-              </a:spcBef>
-              <a:spcAft>
-                <a:spcPts val="0"/>
-              </a:spcAft>
-              <a:buClr>
-                <a:schemeClr val="lt1"/>
-              </a:buClr>
-              <a:buSzPct val="25000"/>
-              <a:buFont typeface="Cabin"/>
-              <a:buNone/>
-            </a:pPr>
-            <a:r>
-              <a:rPr lang="en-US" sz="2800" b="1" i="0" u="none" strike="noStrike" cap="none" dirty="0">
-                <a:solidFill>
-                  <a:schemeClr val="lt1"/>
-                </a:solidFill>
-                <a:latin typeface="Courier New"/>
-                <a:ea typeface="Courier New"/>
-                <a:cs typeface="Courier New"/>
-                <a:sym typeface="Courier New"/>
-              </a:rPr>
-              <a:t>&gt;&gt;&gt; </a:t>
-            </a:r>
-            <a:r>
-              <a:rPr lang="en-US" sz="2800" b="1" i="0" u="none" strike="noStrike" cap="none" dirty="0">
-                <a:solidFill>
-                  <a:srgbClr val="FFFF00"/>
-                </a:solidFill>
-                <a:latin typeface="Courier New"/>
-                <a:ea typeface="Courier New"/>
-                <a:cs typeface="Courier New"/>
-                <a:sym typeface="Courier New"/>
-              </a:rPr>
-              <a:t>print</a:t>
-            </a:r>
-            <a:r>
-              <a:rPr lang="en-US" sz="2800" b="1" i="0" u="none" strike="noStrike" cap="none" dirty="0">
-                <a:solidFill>
-                  <a:schemeClr val="lt1"/>
-                </a:solidFill>
-                <a:latin typeface="Courier New"/>
-                <a:ea typeface="Courier New"/>
-                <a:cs typeface="Courier New"/>
-                <a:sym typeface="Courier New"/>
-              </a:rPr>
-              <a:t> </a:t>
-            </a:r>
-            <a:r>
-              <a:rPr lang="en-US" sz="2800" b="1" i="0" u="none" strike="noStrike" cap="none" dirty="0" err="1">
-                <a:solidFill>
-                  <a:srgbClr val="00FF00"/>
-                </a:solidFill>
-                <a:latin typeface="Courier New"/>
-                <a:ea typeface="Courier New"/>
-                <a:cs typeface="Courier New"/>
-                <a:sym typeface="Courier New"/>
-              </a:rPr>
-              <a:t>sppos</a:t>
             </a:r>
             <a:endParaRPr lang="en-US" sz="2800" b="1" i="0" u="none" strike="noStrike" cap="none" dirty="0">
               <a:solidFill>
@@ -27865,255 +28101,6 @@
               <a:cs typeface="Courier New"/>
               <a:sym typeface="Courier New"/>
             </a:endParaRPr>
-          </a:p>
-          <a:p>
-            <a:pPr marL="0" marR="0" lvl="0" indent="0" algn="l" rtl="0">
-              <a:lnSpc>
-                <a:spcPct val="100000"/>
-              </a:lnSpc>
-              <a:spcBef>
-                <a:spcPts val="0"/>
-              </a:spcBef>
-              <a:spcAft>
-                <a:spcPts val="0"/>
-              </a:spcAft>
-              <a:buClr>
-                <a:schemeClr val="lt1"/>
-              </a:buClr>
-              <a:buSzPct val="25000"/>
-              <a:buFont typeface="Cabin"/>
-              <a:buNone/>
-            </a:pPr>
-            <a:r>
-              <a:rPr lang="en-US" sz="2800" b="1" i="0" u="none" strike="noStrike" cap="none" dirty="0">
-                <a:solidFill>
-                  <a:schemeClr val="lt1"/>
-                </a:solidFill>
-                <a:latin typeface="Courier New"/>
-                <a:ea typeface="Courier New"/>
-                <a:cs typeface="Courier New"/>
-                <a:sym typeface="Courier New"/>
-              </a:rPr>
-              <a:t>31</a:t>
-            </a:r>
-          </a:p>
-          <a:p>
-            <a:pPr marL="0" marR="0" lvl="0" indent="0" algn="l" rtl="0">
-              <a:lnSpc>
-                <a:spcPct val="100000"/>
-              </a:lnSpc>
-              <a:spcBef>
-                <a:spcPts val="0"/>
-              </a:spcBef>
-              <a:spcAft>
-                <a:spcPts val="0"/>
-              </a:spcAft>
-              <a:buClr>
-                <a:schemeClr val="lt1"/>
-              </a:buClr>
-              <a:buSzPct val="25000"/>
-              <a:buFont typeface="Cabin"/>
-              <a:buNone/>
-            </a:pPr>
-            <a:r>
-              <a:rPr lang="en-US" sz="2800" b="1" i="0" u="none" strike="noStrike" cap="none" dirty="0">
-                <a:solidFill>
-                  <a:schemeClr val="lt1"/>
-                </a:solidFill>
-                <a:latin typeface="Courier New"/>
-                <a:ea typeface="Courier New"/>
-                <a:cs typeface="Courier New"/>
-                <a:sym typeface="Courier New"/>
-              </a:rPr>
-              <a:t>&gt;&gt;&gt; </a:t>
-            </a:r>
-            <a:r>
-              <a:rPr lang="en-US" sz="2800" b="1" i="0" u="none" strike="noStrike" cap="none" dirty="0">
-                <a:solidFill>
-                  <a:srgbClr val="00FF00"/>
-                </a:solidFill>
-                <a:latin typeface="Courier New"/>
-                <a:ea typeface="Courier New"/>
-                <a:cs typeface="Courier New"/>
-                <a:sym typeface="Courier New"/>
-              </a:rPr>
-              <a:t>host</a:t>
-            </a:r>
-            <a:r>
-              <a:rPr lang="en-US" sz="2800" b="1" i="0" u="none" strike="noStrike" cap="none" dirty="0">
-                <a:solidFill>
-                  <a:schemeClr val="lt1"/>
-                </a:solidFill>
-                <a:latin typeface="Courier New"/>
-                <a:ea typeface="Courier New"/>
-                <a:cs typeface="Courier New"/>
-                <a:sym typeface="Courier New"/>
-              </a:rPr>
-              <a:t> = </a:t>
-            </a:r>
-            <a:r>
-              <a:rPr lang="en-US" sz="2800" b="1" i="0" u="none" strike="noStrike" cap="none" dirty="0">
-                <a:solidFill>
-                  <a:srgbClr val="00FF00"/>
-                </a:solidFill>
-                <a:latin typeface="Courier New"/>
-                <a:ea typeface="Courier New"/>
-                <a:cs typeface="Courier New"/>
-                <a:sym typeface="Courier New"/>
-              </a:rPr>
-              <a:t>data</a:t>
-            </a:r>
-            <a:r>
-              <a:rPr lang="en-US" sz="2800" b="1" i="0" u="none" strike="noStrike" cap="none" dirty="0">
-                <a:solidFill>
-                  <a:srgbClr val="00FFFF"/>
-                </a:solidFill>
-                <a:latin typeface="Courier New"/>
-                <a:ea typeface="Courier New"/>
-                <a:cs typeface="Courier New"/>
-                <a:sym typeface="Courier New"/>
-              </a:rPr>
-              <a:t>[</a:t>
-            </a:r>
-            <a:r>
-              <a:rPr lang="en-US" sz="2800" b="1" i="0" u="none" strike="noStrike" cap="none" dirty="0">
-                <a:solidFill>
-                  <a:srgbClr val="00FF00"/>
-                </a:solidFill>
-                <a:latin typeface="Courier New"/>
-                <a:ea typeface="Courier New"/>
-                <a:cs typeface="Courier New"/>
-                <a:sym typeface="Courier New"/>
-              </a:rPr>
-              <a:t>atpos</a:t>
-            </a:r>
-            <a:r>
-              <a:rPr lang="en-US" sz="2800" b="1" i="0" u="none" strike="noStrike" cap="none" dirty="0">
-                <a:solidFill>
-                  <a:srgbClr val="00FFFF"/>
-                </a:solidFill>
-                <a:latin typeface="Courier New"/>
-                <a:ea typeface="Courier New"/>
-                <a:cs typeface="Courier New"/>
-                <a:sym typeface="Courier New"/>
-              </a:rPr>
-              <a:t>+</a:t>
-            </a:r>
-            <a:r>
-              <a:rPr lang="en-US" sz="2800" b="1" i="0" u="none" strike="noStrike" cap="none" dirty="0">
-                <a:solidFill>
-                  <a:srgbClr val="FF7F00"/>
-                </a:solidFill>
-                <a:latin typeface="Courier New"/>
-                <a:ea typeface="Courier New"/>
-                <a:cs typeface="Courier New"/>
-                <a:sym typeface="Courier New"/>
-              </a:rPr>
-              <a:t>1</a:t>
-            </a:r>
-            <a:r>
-              <a:rPr lang="en-US" sz="2800" b="1" i="0" u="none" strike="noStrike" cap="none" dirty="0">
-                <a:solidFill>
-                  <a:srgbClr val="00FFFF"/>
-                </a:solidFill>
-                <a:latin typeface="Courier New"/>
-                <a:ea typeface="Courier New"/>
-                <a:cs typeface="Courier New"/>
-                <a:sym typeface="Courier New"/>
-              </a:rPr>
-              <a:t> : </a:t>
-            </a:r>
-            <a:r>
-              <a:rPr lang="en-US" sz="2800" b="1" i="0" u="none" strike="noStrike" cap="none" dirty="0" err="1">
-                <a:solidFill>
-                  <a:srgbClr val="00FF00"/>
-                </a:solidFill>
-                <a:latin typeface="Courier New"/>
-                <a:ea typeface="Courier New"/>
-                <a:cs typeface="Courier New"/>
-                <a:sym typeface="Courier New"/>
-              </a:rPr>
-              <a:t>sppos</a:t>
-            </a:r>
-            <a:r>
-              <a:rPr lang="en-US" sz="2800" b="1" i="0" u="none" strike="noStrike" cap="none" dirty="0">
-                <a:solidFill>
-                  <a:srgbClr val="00FFFF"/>
-                </a:solidFill>
-                <a:latin typeface="Courier New"/>
-                <a:ea typeface="Courier New"/>
-                <a:cs typeface="Courier New"/>
-                <a:sym typeface="Courier New"/>
-              </a:rPr>
-              <a:t>]</a:t>
-            </a:r>
-          </a:p>
-          <a:p>
-            <a:pPr marL="0" marR="0" lvl="0" indent="0" algn="l" rtl="0">
-              <a:lnSpc>
-                <a:spcPct val="100000"/>
-              </a:lnSpc>
-              <a:spcBef>
-                <a:spcPts val="0"/>
-              </a:spcBef>
-              <a:spcAft>
-                <a:spcPts val="0"/>
-              </a:spcAft>
-              <a:buClr>
-                <a:schemeClr val="lt1"/>
-              </a:buClr>
-              <a:buSzPct val="25000"/>
-              <a:buFont typeface="Cabin"/>
-              <a:buNone/>
-            </a:pPr>
-            <a:r>
-              <a:rPr lang="en-US" sz="2800" b="1" i="0" u="none" strike="noStrike" cap="none" dirty="0">
-                <a:solidFill>
-                  <a:schemeClr val="lt1"/>
-                </a:solidFill>
-                <a:latin typeface="Courier New"/>
-                <a:ea typeface="Courier New"/>
-                <a:cs typeface="Courier New"/>
-                <a:sym typeface="Courier New"/>
-              </a:rPr>
-              <a:t>&gt;&gt;&gt; </a:t>
-            </a:r>
-            <a:r>
-              <a:rPr lang="en-US" sz="2800" b="1" i="0" u="none" strike="noStrike" cap="none" dirty="0">
-                <a:solidFill>
-                  <a:srgbClr val="FFFF00"/>
-                </a:solidFill>
-                <a:latin typeface="Courier New"/>
-                <a:ea typeface="Courier New"/>
-                <a:cs typeface="Courier New"/>
-                <a:sym typeface="Courier New"/>
-              </a:rPr>
-              <a:t>print</a:t>
-            </a:r>
-            <a:r>
-              <a:rPr lang="en-US" sz="2800" b="1" i="0" u="none" strike="noStrike" cap="none" dirty="0">
-                <a:solidFill>
-                  <a:schemeClr val="lt1"/>
-                </a:solidFill>
-                <a:latin typeface="Courier New"/>
-                <a:ea typeface="Courier New"/>
-                <a:cs typeface="Courier New"/>
-                <a:sym typeface="Courier New"/>
-              </a:rPr>
-              <a:t> </a:t>
-            </a:r>
-            <a:r>
-              <a:rPr lang="en-US" sz="2800" b="1" i="0" u="none" strike="noStrike" cap="none" dirty="0">
-                <a:solidFill>
-                  <a:srgbClr val="00FF00"/>
-                </a:solidFill>
-                <a:latin typeface="Courier New"/>
-                <a:ea typeface="Courier New"/>
-                <a:cs typeface="Courier New"/>
-                <a:sym typeface="Courier New"/>
-              </a:rPr>
-              <a:t>host</a:t>
-            </a:r>
           </a:p>
           <a:p>
             <a:pPr marL="0" marR="0" lvl="0" indent="0" algn="l" rtl="0">

--- a/lectures3/Pythonlearn-06-Strings.pptx
+++ b/lectures3/Pythonlearn-06-Strings.pptx
@@ -5,7 +5,7 @@
     <p:sldMasterId id="2147483703" r:id="rId1"/>
   </p:sldMasterIdLst>
   <p:notesMasterIdLst>
-    <p:notesMasterId r:id="rId33"/>
+    <p:notesMasterId r:id="rId35"/>
   </p:notesMasterIdLst>
   <p:sldIdLst>
     <p:sldId id="256" r:id="rId2"/>
@@ -22,23 +22,25 @@
     <p:sldId id="267" r:id="rId13"/>
     <p:sldId id="268" r:id="rId14"/>
     <p:sldId id="269" r:id="rId15"/>
-    <p:sldId id="270" r:id="rId16"/>
-    <p:sldId id="288" r:id="rId17"/>
-    <p:sldId id="272" r:id="rId18"/>
-    <p:sldId id="273" r:id="rId19"/>
-    <p:sldId id="274" r:id="rId20"/>
-    <p:sldId id="275" r:id="rId21"/>
-    <p:sldId id="276" r:id="rId22"/>
-    <p:sldId id="277" r:id="rId23"/>
-    <p:sldId id="278" r:id="rId24"/>
-    <p:sldId id="279" r:id="rId25"/>
-    <p:sldId id="280" r:id="rId26"/>
-    <p:sldId id="281" r:id="rId27"/>
-    <p:sldId id="282" r:id="rId28"/>
-    <p:sldId id="283" r:id="rId29"/>
-    <p:sldId id="284" r:id="rId30"/>
-    <p:sldId id="285" r:id="rId31"/>
-    <p:sldId id="286" r:id="rId32"/>
+    <p:sldId id="290" r:id="rId16"/>
+    <p:sldId id="270" r:id="rId17"/>
+    <p:sldId id="288" r:id="rId18"/>
+    <p:sldId id="272" r:id="rId19"/>
+    <p:sldId id="273" r:id="rId20"/>
+    <p:sldId id="274" r:id="rId21"/>
+    <p:sldId id="275" r:id="rId22"/>
+    <p:sldId id="276" r:id="rId23"/>
+    <p:sldId id="277" r:id="rId24"/>
+    <p:sldId id="278" r:id="rId25"/>
+    <p:sldId id="279" r:id="rId26"/>
+    <p:sldId id="280" r:id="rId27"/>
+    <p:sldId id="281" r:id="rId28"/>
+    <p:sldId id="282" r:id="rId29"/>
+    <p:sldId id="283" r:id="rId30"/>
+    <p:sldId id="284" r:id="rId31"/>
+    <p:sldId id="289" r:id="rId32"/>
+    <p:sldId id="285" r:id="rId33"/>
+    <p:sldId id="286" r:id="rId34"/>
   </p:sldIdLst>
   <p:sldSz cx="16256000" cy="9144000"/>
   <p:notesSz cx="6858000" cy="9144000"/>
@@ -4817,7 +4819,7 @@
             </a:lvl9pPr>
           </a:lstStyle>
           <a:p>
-            <a:endParaRPr/>
+            <a:endParaRPr dirty="0"/>
           </a:p>
         </p:txBody>
       </p:sp>
@@ -4930,7 +4932,7 @@
             </a:lvl9pPr>
           </a:lstStyle>
           <a:p>
-            <a:endParaRPr/>
+            <a:endParaRPr dirty="0"/>
           </a:p>
         </p:txBody>
       </p:sp>
@@ -5268,9 +5270,9 @@
           <a:spcPts val="0"/>
         </a:spcAft>
         <a:buNone/>
-        <a:defRPr sz="1400" b="0" i="0" u="none" strike="noStrike" cap="none">
+        <a:defRPr sz="6600" b="0" i="0" u="none" strike="noStrike" cap="none">
           <a:solidFill>
-            <a:srgbClr val="000000"/>
+            <a:srgbClr val="FFFF00"/>
           </a:solidFill>
           <a:latin typeface="Arial"/>
           <a:ea typeface="Arial"/>
@@ -5302,9 +5304,9 @@
           <a:spcPts val="0"/>
         </a:spcAft>
         <a:buNone/>
-        <a:defRPr sz="1400" b="0" i="0" u="none" strike="noStrike" cap="none">
+        <a:defRPr sz="3200" b="0" i="0" u="none" strike="noStrike" cap="none">
           <a:solidFill>
-            <a:srgbClr val="000000"/>
+            <a:schemeClr val="bg1"/>
           </a:solidFill>
           <a:latin typeface="Arial"/>
           <a:ea typeface="Arial"/>
@@ -10807,6 +10809,78 @@
   <p:cSld>
     <p:spTree>
       <p:nvGrpSpPr>
+        <p:cNvPr id="1" name=""/>
+        <p:cNvGrpSpPr/>
+        <p:nvPr/>
+      </p:nvGrpSpPr>
+      <p:grpSpPr>
+        <a:xfrm>
+          <a:off x="0" y="0"/>
+          <a:ext cx="0" cy="0"/>
+          <a:chOff x="0" y="0"/>
+          <a:chExt cx="0" cy="0"/>
+        </a:xfrm>
+      </p:grpSpPr>
+      <p:sp>
+        <p:nvSpPr>
+          <p:cNvPr id="2" name="Title 1"/>
+          <p:cNvSpPr>
+            <a:spLocks noGrp="1"/>
+          </p:cNvSpPr>
+          <p:nvPr>
+            <p:ph type="title"/>
+          </p:nvPr>
+        </p:nvSpPr>
+        <p:spPr/>
+        <p:txBody>
+          <a:bodyPr/>
+          <a:lstStyle/>
+          <a:p>
+            <a:r>
+              <a:rPr lang="en-US" dirty="0" smtClean="0"/>
+              <a:t>More String Operations</a:t>
+            </a:r>
+            <a:endParaRPr lang="en-US" dirty="0"/>
+          </a:p>
+        </p:txBody>
+      </p:sp>
+      <p:sp>
+        <p:nvSpPr>
+          <p:cNvPr id="3" name="Text Placeholder 2"/>
+          <p:cNvSpPr>
+            <a:spLocks noGrp="1"/>
+          </p:cNvSpPr>
+          <p:nvPr>
+            <p:ph type="body" idx="1"/>
+          </p:nvPr>
+        </p:nvSpPr>
+        <p:spPr/>
+        <p:txBody>
+          <a:bodyPr/>
+          <a:lstStyle/>
+          <a:p>
+            <a:endParaRPr lang="en-US"/>
+          </a:p>
+        </p:txBody>
+      </p:sp>
+    </p:spTree>
+    <p:extLst>
+      <p:ext uri="{BB962C8B-B14F-4D97-AF65-F5344CB8AC3E}">
+        <p14:creationId xmlns:p14="http://schemas.microsoft.com/office/powerpoint/2010/main" val="910235261"/>
+      </p:ext>
+    </p:extLst>
+  </p:cSld>
+  <p:clrMapOvr>
+    <a:masterClrMapping/>
+  </p:clrMapOvr>
+</p:sld>
+</file>
+
+<file path=ppt/slides/slide16.xml><?xml version="1.0" encoding="utf-8"?>
+<p:sld xmlns:a="http://schemas.openxmlformats.org/drawingml/2006/main" xmlns:r="http://schemas.openxmlformats.org/officeDocument/2006/relationships" xmlns:p="http://schemas.openxmlformats.org/presentationml/2006/main">
+  <p:cSld>
+    <p:spTree>
+      <p:nvGrpSpPr>
         <p:cNvPr id="1" name="Shape 368"/>
         <p:cNvGrpSpPr/>
         <p:nvPr/>
@@ -13117,7 +13191,7 @@
 </p:sld>
 </file>
 
-<file path=ppt/slides/slide16.xml><?xml version="1.0" encoding="utf-8"?>
+<file path=ppt/slides/slide17.xml><?xml version="1.0" encoding="utf-8"?>
 <p:sld xmlns:a="http://schemas.openxmlformats.org/drawingml/2006/main" xmlns:r="http://schemas.openxmlformats.org/officeDocument/2006/relationships" xmlns:p="http://schemas.openxmlformats.org/presentationml/2006/main">
   <p:cSld>
     <p:spTree>
@@ -15245,7 +15319,7 @@
 </p:sld>
 </file>
 
-<file path=ppt/slides/slide17.xml><?xml version="1.0" encoding="utf-8"?>
+<file path=ppt/slides/slide18.xml><?xml version="1.0" encoding="utf-8"?>
 <p:sld xmlns:a="http://schemas.openxmlformats.org/drawingml/2006/main" xmlns:r="http://schemas.openxmlformats.org/officeDocument/2006/relationships" xmlns:p="http://schemas.openxmlformats.org/presentationml/2006/main">
   <p:cSld>
     <p:spTree>
@@ -16108,7 +16182,7 @@
 </p:sld>
 </file>
 
-<file path=ppt/slides/slide18.xml><?xml version="1.0" encoding="utf-8"?>
+<file path=ppt/slides/slide19.xml><?xml version="1.0" encoding="utf-8"?>
 <p:sld xmlns:a="http://schemas.openxmlformats.org/drawingml/2006/main" xmlns:r="http://schemas.openxmlformats.org/officeDocument/2006/relationships" xmlns:p="http://schemas.openxmlformats.org/presentationml/2006/main">
   <p:cSld>
     <p:spTree>
@@ -17314,1177 +17388,6 @@
               </a:rPr>
               <a:t>&gt;&gt;&gt; </a:t>
             </a:r>
-          </a:p>
-        </p:txBody>
-      </p:sp>
-    </p:spTree>
-  </p:cSld>
-  <p:clrMapOvr>
-    <a:masterClrMapping/>
-  </p:clrMapOvr>
-</p:sld>
-</file>
-
-<file path=ppt/slides/slide19.xml><?xml version="1.0" encoding="utf-8"?>
-<p:sld xmlns:a="http://schemas.openxmlformats.org/drawingml/2006/main" xmlns:r="http://schemas.openxmlformats.org/officeDocument/2006/relationships" xmlns:p="http://schemas.openxmlformats.org/presentationml/2006/main">
-  <p:cSld>
-    <p:spTree>
-      <p:nvGrpSpPr>
-        <p:cNvPr id="1" name="Shape 444"/>
-        <p:cNvGrpSpPr/>
-        <p:nvPr/>
-      </p:nvGrpSpPr>
-      <p:grpSpPr>
-        <a:xfrm>
-          <a:off x="0" y="0"/>
-          <a:ext cx="0" cy="0"/>
-          <a:chOff x="0" y="0"/>
-          <a:chExt cx="0" cy="0"/>
-        </a:xfrm>
-      </p:grpSpPr>
-      <p:sp>
-        <p:nvSpPr>
-          <p:cNvPr id="445" name="Shape 445"/>
-          <p:cNvSpPr txBox="1">
-            <a:spLocks noGrp="1"/>
-          </p:cNvSpPr>
-          <p:nvPr>
-            <p:ph type="title"/>
-          </p:nvPr>
-        </p:nvSpPr>
-        <p:spPr>
-          <a:prstGeom prst="rect">
-            <a:avLst/>
-          </a:prstGeom>
-          <a:noFill/>
-          <a:ln>
-            <a:noFill/>
-          </a:ln>
-        </p:spPr>
-        <p:txBody>
-          <a:bodyPr lIns="38100" tIns="38100" rIns="38100" bIns="38100" anchor="ctr" anchorCtr="0">
-            <a:noAutofit/>
-          </a:bodyPr>
-          <a:lstStyle/>
-          <a:p>
-            <a:pPr marL="0" marR="0" lvl="0" indent="0" algn="ctr" rtl="0">
-              <a:lnSpc>
-                <a:spcPct val="100000"/>
-              </a:lnSpc>
-              <a:spcBef>
-                <a:spcPts val="0"/>
-              </a:spcBef>
-              <a:spcAft>
-                <a:spcPts val="0"/>
-              </a:spcAft>
-              <a:buClr>
-                <a:srgbClr val="00FFFF"/>
-              </a:buClr>
-              <a:buSzPct val="25000"/>
-              <a:buFont typeface="Cabin"/>
-              <a:buNone/>
-            </a:pPr>
-            <a:r>
-              <a:rPr lang="en-US" sz="7600" u="none" strike="noStrike" cap="none">
-                <a:solidFill>
-                  <a:srgbClr val="FFFF00"/>
-                </a:solidFill>
-                <a:latin typeface="Arial" charset="0"/>
-                <a:ea typeface="Arial" charset="0"/>
-                <a:cs typeface="Arial" charset="0"/>
-                <a:sym typeface="Cabin"/>
-              </a:rPr>
-              <a:t>String Comparison</a:t>
-            </a:r>
-          </a:p>
-        </p:txBody>
-      </p:sp>
-      <p:sp>
-        <p:nvSpPr>
-          <p:cNvPr id="446" name="Shape 446"/>
-          <p:cNvSpPr txBox="1"/>
-          <p:nvPr/>
-        </p:nvSpPr>
-        <p:spPr>
-          <a:xfrm>
-            <a:off x="927100" y="2667000"/>
-            <a:ext cx="15328900" cy="5321400"/>
-          </a:xfrm>
-          <a:prstGeom prst="rect">
-            <a:avLst/>
-          </a:prstGeom>
-          <a:noFill/>
-          <a:ln>
-            <a:noFill/>
-          </a:ln>
-        </p:spPr>
-        <p:txBody>
-          <a:bodyPr lIns="0" tIns="0" rIns="0" bIns="0" anchor="ctr" anchorCtr="0">
-            <a:noAutofit/>
-          </a:bodyPr>
-          <a:lstStyle/>
-          <a:p>
-            <a:pPr marL="0" marR="0" lvl="0" indent="0" algn="l" rtl="0">
-              <a:lnSpc>
-                <a:spcPct val="100000"/>
-              </a:lnSpc>
-              <a:spcBef>
-                <a:spcPts val="0"/>
-              </a:spcBef>
-              <a:spcAft>
-                <a:spcPts val="0"/>
-              </a:spcAft>
-              <a:buClr>
-                <a:srgbClr val="FFFF00"/>
-              </a:buClr>
-              <a:buSzPct val="25000"/>
-              <a:buFont typeface="Arial"/>
-              <a:buNone/>
-            </a:pPr>
-            <a:r>
-              <a:rPr lang="en-US" sz="3400" b="1" i="0" u="none" strike="noStrike" cap="none" dirty="0">
-                <a:solidFill>
-                  <a:srgbClr val="FFFF00"/>
-                </a:solidFill>
-                <a:latin typeface="Courier New"/>
-                <a:ea typeface="Courier New"/>
-                <a:cs typeface="Courier New"/>
-                <a:sym typeface="Courier New"/>
-              </a:rPr>
-              <a:t>if</a:t>
-            </a:r>
-            <a:r>
-              <a:rPr lang="en-US" sz="3400" b="1" i="0" u="none" strike="noStrike" cap="none" dirty="0">
-                <a:solidFill>
-                  <a:schemeClr val="lt1"/>
-                </a:solidFill>
-                <a:latin typeface="Courier New"/>
-                <a:ea typeface="Courier New"/>
-                <a:cs typeface="Courier New"/>
-                <a:sym typeface="Courier New"/>
-              </a:rPr>
-              <a:t> </a:t>
-            </a:r>
-            <a:r>
-              <a:rPr lang="en-US" sz="3400" b="1" i="0" u="none" strike="noStrike" cap="none" dirty="0">
-                <a:solidFill>
-                  <a:srgbClr val="00FF00"/>
-                </a:solidFill>
-                <a:latin typeface="Courier New"/>
-                <a:ea typeface="Courier New"/>
-                <a:cs typeface="Courier New"/>
-                <a:sym typeface="Courier New"/>
-              </a:rPr>
-              <a:t>word</a:t>
-            </a:r>
-            <a:r>
-              <a:rPr lang="en-US" sz="3400" b="1" i="0" u="none" strike="noStrike" cap="none" dirty="0">
-                <a:solidFill>
-                  <a:schemeClr val="lt1"/>
-                </a:solidFill>
-                <a:latin typeface="Courier New"/>
-                <a:ea typeface="Courier New"/>
-                <a:cs typeface="Courier New"/>
-                <a:sym typeface="Courier New"/>
-              </a:rPr>
-              <a:t> </a:t>
-            </a:r>
-            <a:r>
-              <a:rPr lang="en-US" sz="3400" b="1" i="0" u="none" strike="noStrike" cap="none" dirty="0">
-                <a:solidFill>
-                  <a:srgbClr val="00FFFF"/>
-                </a:solidFill>
-                <a:latin typeface="Courier New"/>
-                <a:ea typeface="Courier New"/>
-                <a:cs typeface="Courier New"/>
-                <a:sym typeface="Courier New"/>
-              </a:rPr>
-              <a:t>==</a:t>
-            </a:r>
-            <a:r>
-              <a:rPr lang="en-US" sz="3400" b="1" i="0" u="none" strike="noStrike" cap="none" dirty="0">
-                <a:solidFill>
-                  <a:schemeClr val="lt1"/>
-                </a:solidFill>
-                <a:latin typeface="Courier New"/>
-                <a:ea typeface="Courier New"/>
-                <a:cs typeface="Courier New"/>
-                <a:sym typeface="Courier New"/>
-              </a:rPr>
-              <a:t> </a:t>
-            </a:r>
-            <a:r>
-              <a:rPr lang="en-US" sz="3400" b="1" i="0" u="none" strike="noStrike" cap="none" dirty="0">
-                <a:solidFill>
-                  <a:srgbClr val="FF7F00"/>
-                </a:solidFill>
-                <a:latin typeface="Courier New"/>
-                <a:ea typeface="Courier New"/>
-                <a:cs typeface="Courier New"/>
-                <a:sym typeface="Courier New"/>
-              </a:rPr>
-              <a:t>'banana'</a:t>
-            </a:r>
-            <a:r>
-              <a:rPr lang="en-US" sz="3400" b="1" i="0" u="none" strike="noStrike" cap="none" dirty="0">
-                <a:solidFill>
-                  <a:schemeClr val="lt1"/>
-                </a:solidFill>
-                <a:latin typeface="Courier New"/>
-                <a:ea typeface="Courier New"/>
-                <a:cs typeface="Courier New"/>
-                <a:sym typeface="Courier New"/>
-              </a:rPr>
-              <a:t>:</a:t>
-            </a:r>
-          </a:p>
-          <a:p>
-            <a:pPr marL="0" marR="0" lvl="0" indent="0" algn="l" rtl="0">
-              <a:lnSpc>
-                <a:spcPct val="100000"/>
-              </a:lnSpc>
-              <a:spcBef>
-                <a:spcPts val="0"/>
-              </a:spcBef>
-              <a:spcAft>
-                <a:spcPts val="0"/>
-              </a:spcAft>
-              <a:buClr>
-                <a:schemeClr val="lt1"/>
-              </a:buClr>
-              <a:buSzPct val="25000"/>
-              <a:buFont typeface="Arial"/>
-              <a:buNone/>
-            </a:pPr>
-            <a:r>
-              <a:rPr lang="en-US" sz="3400" b="1" i="0" u="none" strike="noStrike" cap="none" dirty="0">
-                <a:solidFill>
-                  <a:schemeClr val="lt1"/>
-                </a:solidFill>
-                <a:latin typeface="Courier New"/>
-                <a:ea typeface="Courier New"/>
-                <a:cs typeface="Courier New"/>
-                <a:sym typeface="Courier New"/>
-              </a:rPr>
-              <a:t>    </a:t>
-            </a:r>
-            <a:r>
-              <a:rPr lang="en-US" sz="3400" b="1" i="0" u="none" strike="noStrike" cap="none" dirty="0" smtClean="0">
-                <a:solidFill>
-                  <a:srgbClr val="FFFF00"/>
-                </a:solidFill>
-                <a:latin typeface="Courier New"/>
-                <a:ea typeface="Courier New"/>
-                <a:cs typeface="Courier New"/>
-                <a:sym typeface="Courier New"/>
-              </a:rPr>
-              <a:t>print</a:t>
-            </a:r>
-            <a:r>
-              <a:rPr lang="en-US" sz="3400" b="1" dirty="0">
-                <a:solidFill>
-                  <a:schemeClr val="lt1"/>
-                </a:solidFill>
-                <a:latin typeface="Courier New"/>
-                <a:ea typeface="Courier New"/>
-                <a:cs typeface="Courier New"/>
-                <a:sym typeface="Courier New"/>
-              </a:rPr>
-              <a:t>(</a:t>
-            </a:r>
-            <a:r>
-              <a:rPr lang="en-US" sz="3400" b="1" i="0" u="none" strike="noStrike" cap="none" dirty="0" smtClean="0">
-                <a:solidFill>
-                  <a:srgbClr val="FF7F00"/>
-                </a:solidFill>
-                <a:latin typeface="Courier New"/>
-                <a:ea typeface="Courier New"/>
-                <a:cs typeface="Courier New"/>
-                <a:sym typeface="Courier New"/>
-              </a:rPr>
-              <a:t>'All </a:t>
-            </a:r>
-            <a:r>
-              <a:rPr lang="en-US" sz="3400" b="1" i="0" u="none" strike="noStrike" cap="none" dirty="0">
-                <a:solidFill>
-                  <a:srgbClr val="FF7F00"/>
-                </a:solidFill>
-                <a:latin typeface="Courier New"/>
-                <a:ea typeface="Courier New"/>
-                <a:cs typeface="Courier New"/>
-                <a:sym typeface="Courier New"/>
-              </a:rPr>
-              <a:t>right, bananas</a:t>
-            </a:r>
-            <a:r>
-              <a:rPr lang="en-US" sz="3400" b="1" i="0" u="none" strike="noStrike" cap="none" dirty="0" smtClean="0">
-                <a:solidFill>
-                  <a:srgbClr val="FF7F00"/>
-                </a:solidFill>
-                <a:latin typeface="Courier New"/>
-                <a:ea typeface="Courier New"/>
-                <a:cs typeface="Courier New"/>
-                <a:sym typeface="Courier New"/>
-              </a:rPr>
-              <a:t>.'</a:t>
-            </a:r>
-            <a:r>
-              <a:rPr lang="en-US" sz="3400" b="1" i="0" u="none" strike="noStrike" cap="none" dirty="0" smtClean="0">
-                <a:solidFill>
-                  <a:schemeClr val="bg1"/>
-                </a:solidFill>
-                <a:latin typeface="Courier New"/>
-                <a:ea typeface="Courier New"/>
-                <a:cs typeface="Courier New"/>
-                <a:sym typeface="Courier New"/>
-              </a:rPr>
-              <a:t>)</a:t>
-            </a:r>
-            <a:endParaRPr lang="en-US" sz="3400" b="1" i="0" u="none" strike="noStrike" cap="none" dirty="0">
-              <a:solidFill>
-                <a:schemeClr val="bg1"/>
-              </a:solidFill>
-              <a:latin typeface="Courier New"/>
-              <a:ea typeface="Courier New"/>
-              <a:cs typeface="Courier New"/>
-              <a:sym typeface="Courier New"/>
-            </a:endParaRPr>
-          </a:p>
-          <a:p>
-            <a:pPr marL="0" marR="0" lvl="0" indent="0" algn="ctr" rtl="0">
-              <a:lnSpc>
-                <a:spcPct val="100000"/>
-              </a:lnSpc>
-              <a:spcBef>
-                <a:spcPts val="0"/>
-              </a:spcBef>
-              <a:spcAft>
-                <a:spcPts val="0"/>
-              </a:spcAft>
-              <a:buNone/>
-            </a:pPr>
-            <a:endParaRPr sz="3400" b="1" i="0" u="none" strike="noStrike" cap="none" dirty="0">
-              <a:solidFill>
-                <a:schemeClr val="lt1"/>
-              </a:solidFill>
-              <a:latin typeface="Courier New"/>
-              <a:ea typeface="Courier New"/>
-              <a:cs typeface="Courier New"/>
-              <a:sym typeface="Courier New"/>
-            </a:endParaRPr>
-          </a:p>
-          <a:p>
-            <a:pPr marL="0" marR="0" lvl="0" indent="0" algn="l" rtl="0">
-              <a:lnSpc>
-                <a:spcPct val="100000"/>
-              </a:lnSpc>
-              <a:spcBef>
-                <a:spcPts val="0"/>
-              </a:spcBef>
-              <a:spcAft>
-                <a:spcPts val="0"/>
-              </a:spcAft>
-              <a:buClr>
-                <a:srgbClr val="FFFF00"/>
-              </a:buClr>
-              <a:buSzPct val="25000"/>
-              <a:buFont typeface="Arial"/>
-              <a:buNone/>
-            </a:pPr>
-            <a:r>
-              <a:rPr lang="en-US" sz="3400" b="1" i="0" u="none" strike="noStrike" cap="none" dirty="0">
-                <a:solidFill>
-                  <a:srgbClr val="FFFF00"/>
-                </a:solidFill>
-                <a:latin typeface="Courier New"/>
-                <a:ea typeface="Courier New"/>
-                <a:cs typeface="Courier New"/>
-                <a:sym typeface="Courier New"/>
-              </a:rPr>
-              <a:t>if</a:t>
-            </a:r>
-            <a:r>
-              <a:rPr lang="en-US" sz="3400" b="1" i="0" u="none" strike="noStrike" cap="none" dirty="0">
-                <a:solidFill>
-                  <a:schemeClr val="lt1"/>
-                </a:solidFill>
-                <a:latin typeface="Courier New"/>
-                <a:ea typeface="Courier New"/>
-                <a:cs typeface="Courier New"/>
-                <a:sym typeface="Courier New"/>
-              </a:rPr>
-              <a:t> </a:t>
-            </a:r>
-            <a:r>
-              <a:rPr lang="en-US" sz="3400" b="1" i="0" u="none" strike="noStrike" cap="none" dirty="0">
-                <a:solidFill>
-                  <a:srgbClr val="00FF00"/>
-                </a:solidFill>
-                <a:latin typeface="Courier New"/>
-                <a:ea typeface="Courier New"/>
-                <a:cs typeface="Courier New"/>
-                <a:sym typeface="Courier New"/>
-              </a:rPr>
-              <a:t>word</a:t>
-            </a:r>
-            <a:r>
-              <a:rPr lang="en-US" sz="3400" b="1" i="0" u="none" strike="noStrike" cap="none" dirty="0">
-                <a:solidFill>
-                  <a:schemeClr val="lt1"/>
-                </a:solidFill>
-                <a:latin typeface="Courier New"/>
-                <a:ea typeface="Courier New"/>
-                <a:cs typeface="Courier New"/>
-                <a:sym typeface="Courier New"/>
-              </a:rPr>
-              <a:t> </a:t>
-            </a:r>
-            <a:r>
-              <a:rPr lang="en-US" sz="3400" b="1" i="0" u="none" strike="noStrike" cap="none" dirty="0">
-                <a:solidFill>
-                  <a:srgbClr val="00FFFF"/>
-                </a:solidFill>
-                <a:latin typeface="Courier New"/>
-                <a:ea typeface="Courier New"/>
-                <a:cs typeface="Courier New"/>
-                <a:sym typeface="Courier New"/>
-              </a:rPr>
-              <a:t>&lt;</a:t>
-            </a:r>
-            <a:r>
-              <a:rPr lang="en-US" sz="3400" b="1" i="0" u="none" strike="noStrike" cap="none" dirty="0">
-                <a:solidFill>
-                  <a:schemeClr val="lt1"/>
-                </a:solidFill>
-                <a:latin typeface="Courier New"/>
-                <a:ea typeface="Courier New"/>
-                <a:cs typeface="Courier New"/>
-                <a:sym typeface="Courier New"/>
-              </a:rPr>
-              <a:t> </a:t>
-            </a:r>
-            <a:r>
-              <a:rPr lang="en-US" sz="3400" b="1" i="0" u="none" strike="noStrike" cap="none" dirty="0">
-                <a:solidFill>
-                  <a:srgbClr val="FF7F00"/>
-                </a:solidFill>
-                <a:latin typeface="Courier New"/>
-                <a:ea typeface="Courier New"/>
-                <a:cs typeface="Courier New"/>
-                <a:sym typeface="Courier New"/>
-              </a:rPr>
-              <a:t>'banana'</a:t>
-            </a:r>
-            <a:r>
-              <a:rPr lang="en-US" sz="3400" b="1" i="0" u="none" strike="noStrike" cap="none" dirty="0">
-                <a:solidFill>
-                  <a:schemeClr val="lt1"/>
-                </a:solidFill>
-                <a:latin typeface="Courier New"/>
-                <a:ea typeface="Courier New"/>
-                <a:cs typeface="Courier New"/>
-                <a:sym typeface="Courier New"/>
-              </a:rPr>
-              <a:t>:</a:t>
-            </a:r>
-          </a:p>
-          <a:p>
-            <a:pPr marL="0" marR="0" lvl="0" indent="0" algn="l" rtl="0">
-              <a:lnSpc>
-                <a:spcPct val="100000"/>
-              </a:lnSpc>
-              <a:spcBef>
-                <a:spcPts val="0"/>
-              </a:spcBef>
-              <a:spcAft>
-                <a:spcPts val="0"/>
-              </a:spcAft>
-              <a:buClr>
-                <a:schemeClr val="lt1"/>
-              </a:buClr>
-              <a:buSzPct val="25000"/>
-              <a:buFont typeface="Arial"/>
-              <a:buNone/>
-            </a:pPr>
-            <a:r>
-              <a:rPr lang="en-US" sz="3400" b="1" i="0" u="none" strike="noStrike" cap="none" dirty="0">
-                <a:solidFill>
-                  <a:schemeClr val="lt1"/>
-                </a:solidFill>
-                <a:latin typeface="Courier New"/>
-                <a:ea typeface="Courier New"/>
-                <a:cs typeface="Courier New"/>
-                <a:sym typeface="Courier New"/>
-              </a:rPr>
-              <a:t>    </a:t>
-            </a:r>
-            <a:r>
-              <a:rPr lang="en-US" sz="3400" b="1" i="0" u="none" strike="noStrike" cap="none" dirty="0" smtClean="0">
-                <a:solidFill>
-                  <a:srgbClr val="FFFF00"/>
-                </a:solidFill>
-                <a:latin typeface="Courier New"/>
-                <a:ea typeface="Courier New"/>
-                <a:cs typeface="Courier New"/>
-                <a:sym typeface="Courier New"/>
-              </a:rPr>
-              <a:t>print</a:t>
-            </a:r>
-            <a:r>
-              <a:rPr lang="en-US" sz="3400" b="1" dirty="0">
-                <a:solidFill>
-                  <a:schemeClr val="lt1"/>
-                </a:solidFill>
-                <a:latin typeface="Courier New"/>
-                <a:ea typeface="Courier New"/>
-                <a:cs typeface="Courier New"/>
-                <a:sym typeface="Courier New"/>
-              </a:rPr>
-              <a:t>(</a:t>
-            </a:r>
-            <a:r>
-              <a:rPr lang="en-US" sz="3400" b="1" i="0" u="none" strike="noStrike" cap="none" dirty="0" smtClean="0">
-                <a:solidFill>
-                  <a:srgbClr val="FF7F00"/>
-                </a:solidFill>
-                <a:latin typeface="Courier New"/>
-                <a:ea typeface="Courier New"/>
-                <a:cs typeface="Courier New"/>
-                <a:sym typeface="Courier New"/>
-              </a:rPr>
-              <a:t>'Your </a:t>
-            </a:r>
-            <a:r>
-              <a:rPr lang="en-US" sz="3400" b="1" i="0" u="none" strike="noStrike" cap="none" dirty="0">
-                <a:solidFill>
-                  <a:srgbClr val="FF7F00"/>
-                </a:solidFill>
-                <a:latin typeface="Courier New"/>
-                <a:ea typeface="Courier New"/>
-                <a:cs typeface="Courier New"/>
-                <a:sym typeface="Courier New"/>
-              </a:rPr>
-              <a:t>word,'</a:t>
-            </a:r>
-            <a:r>
-              <a:rPr lang="en-US" sz="3400" b="1" i="0" u="none" strike="noStrike" cap="none" dirty="0">
-                <a:solidFill>
-                  <a:schemeClr val="lt1"/>
-                </a:solidFill>
-                <a:latin typeface="Courier New"/>
-                <a:ea typeface="Courier New"/>
-                <a:cs typeface="Courier New"/>
-                <a:sym typeface="Courier New"/>
-              </a:rPr>
-              <a:t> </a:t>
-            </a:r>
-            <a:r>
-              <a:rPr lang="en-US" sz="3400" b="1" i="0" u="none" strike="noStrike" cap="none" dirty="0">
-                <a:solidFill>
-                  <a:srgbClr val="00FFFF"/>
-                </a:solidFill>
-                <a:latin typeface="Courier New"/>
-                <a:ea typeface="Courier New"/>
-                <a:cs typeface="Courier New"/>
-                <a:sym typeface="Courier New"/>
-              </a:rPr>
-              <a:t>+</a:t>
-            </a:r>
-            <a:r>
-              <a:rPr lang="en-US" sz="3400" b="1" i="0" u="none" strike="noStrike" cap="none" dirty="0">
-                <a:solidFill>
-                  <a:schemeClr val="lt1"/>
-                </a:solidFill>
-                <a:latin typeface="Courier New"/>
-                <a:ea typeface="Courier New"/>
-                <a:cs typeface="Courier New"/>
-                <a:sym typeface="Courier New"/>
-              </a:rPr>
-              <a:t> </a:t>
-            </a:r>
-            <a:r>
-              <a:rPr lang="en-US" sz="3400" b="1" i="0" u="none" strike="noStrike" cap="none" dirty="0">
-                <a:solidFill>
-                  <a:srgbClr val="00FF00"/>
-                </a:solidFill>
-                <a:latin typeface="Courier New"/>
-                <a:ea typeface="Courier New"/>
-                <a:cs typeface="Courier New"/>
-                <a:sym typeface="Courier New"/>
-              </a:rPr>
-              <a:t>word</a:t>
-            </a:r>
-            <a:r>
-              <a:rPr lang="en-US" sz="3400" b="1" i="0" u="none" strike="noStrike" cap="none" dirty="0">
-                <a:solidFill>
-                  <a:schemeClr val="lt1"/>
-                </a:solidFill>
-                <a:latin typeface="Courier New"/>
-                <a:ea typeface="Courier New"/>
-                <a:cs typeface="Courier New"/>
-                <a:sym typeface="Courier New"/>
-              </a:rPr>
-              <a:t> </a:t>
-            </a:r>
-            <a:r>
-              <a:rPr lang="en-US" sz="3400" b="1" i="0" u="none" strike="noStrike" cap="none" dirty="0">
-                <a:solidFill>
-                  <a:srgbClr val="00FFFF"/>
-                </a:solidFill>
-                <a:latin typeface="Courier New"/>
-                <a:ea typeface="Courier New"/>
-                <a:cs typeface="Courier New"/>
-                <a:sym typeface="Courier New"/>
-              </a:rPr>
-              <a:t>+</a:t>
-            </a:r>
-            <a:r>
-              <a:rPr lang="en-US" sz="3400" b="1" i="0" u="none" strike="noStrike" cap="none" dirty="0">
-                <a:solidFill>
-                  <a:schemeClr val="lt1"/>
-                </a:solidFill>
-                <a:latin typeface="Courier New"/>
-                <a:ea typeface="Courier New"/>
-                <a:cs typeface="Courier New"/>
-                <a:sym typeface="Courier New"/>
-              </a:rPr>
-              <a:t> </a:t>
-            </a:r>
-            <a:r>
-              <a:rPr lang="en-US" sz="3400" b="1" i="0" u="none" strike="noStrike" cap="none" dirty="0">
-                <a:solidFill>
-                  <a:srgbClr val="FF7F00"/>
-                </a:solidFill>
-                <a:latin typeface="Courier New"/>
-                <a:ea typeface="Courier New"/>
-                <a:cs typeface="Courier New"/>
-                <a:sym typeface="Courier New"/>
-              </a:rPr>
-              <a:t>', comes before banana</a:t>
-            </a:r>
-            <a:r>
-              <a:rPr lang="en-US" sz="3400" b="1" i="0" u="none" strike="noStrike" cap="none" dirty="0" smtClean="0">
-                <a:solidFill>
-                  <a:srgbClr val="FF7F00"/>
-                </a:solidFill>
-                <a:latin typeface="Courier New"/>
-                <a:ea typeface="Courier New"/>
-                <a:cs typeface="Courier New"/>
-                <a:sym typeface="Courier New"/>
-              </a:rPr>
-              <a:t>.</a:t>
-            </a:r>
-            <a:r>
-              <a:rPr lang="en-US" sz="3400" b="1" dirty="0" smtClean="0">
-                <a:solidFill>
-                  <a:srgbClr val="FF7F00"/>
-                </a:solidFill>
-                <a:latin typeface="Courier New"/>
-                <a:ea typeface="Courier New"/>
-                <a:cs typeface="Courier New"/>
-                <a:sym typeface="Courier New"/>
-              </a:rPr>
-              <a:t>'</a:t>
-            </a:r>
-            <a:r>
-              <a:rPr lang="en-US" sz="3400" b="1" dirty="0" smtClean="0">
-                <a:solidFill>
-                  <a:schemeClr val="bg1"/>
-                </a:solidFill>
-                <a:latin typeface="Courier New"/>
-                <a:ea typeface="Courier New"/>
-                <a:cs typeface="Courier New"/>
-                <a:sym typeface="Courier New"/>
-              </a:rPr>
-              <a:t>)</a:t>
-            </a:r>
-            <a:endParaRPr lang="en-US" sz="3400" b="1" dirty="0">
-              <a:solidFill>
-                <a:schemeClr val="bg1"/>
-              </a:solidFill>
-              <a:latin typeface="Courier New"/>
-              <a:ea typeface="Courier New"/>
-              <a:cs typeface="Courier New"/>
-              <a:sym typeface="Courier New"/>
-            </a:endParaRPr>
-          </a:p>
-          <a:p>
-            <a:pPr marL="0" marR="0" lvl="0" indent="0" algn="l" rtl="0">
-              <a:lnSpc>
-                <a:spcPct val="100000"/>
-              </a:lnSpc>
-              <a:spcBef>
-                <a:spcPts val="0"/>
-              </a:spcBef>
-              <a:spcAft>
-                <a:spcPts val="0"/>
-              </a:spcAft>
-              <a:buClr>
-                <a:srgbClr val="FFFF00"/>
-              </a:buClr>
-              <a:buSzPct val="25000"/>
-              <a:buFont typeface="Arial"/>
-              <a:buNone/>
-            </a:pPr>
-            <a:r>
-              <a:rPr lang="en-US" sz="3400" b="1" i="0" u="none" strike="noStrike" cap="none" dirty="0" err="1">
-                <a:solidFill>
-                  <a:srgbClr val="FFFF00"/>
-                </a:solidFill>
-                <a:latin typeface="Courier New"/>
-                <a:ea typeface="Courier New"/>
-                <a:cs typeface="Courier New"/>
-                <a:sym typeface="Courier New"/>
-              </a:rPr>
-              <a:t>elif</a:t>
-            </a:r>
-            <a:r>
-              <a:rPr lang="en-US" sz="3400" b="1" i="0" u="none" strike="noStrike" cap="none" dirty="0">
-                <a:solidFill>
-                  <a:schemeClr val="lt1"/>
-                </a:solidFill>
-                <a:latin typeface="Courier New"/>
-                <a:ea typeface="Courier New"/>
-                <a:cs typeface="Courier New"/>
-                <a:sym typeface="Courier New"/>
-              </a:rPr>
-              <a:t> </a:t>
-            </a:r>
-            <a:r>
-              <a:rPr lang="en-US" sz="3400" b="1" i="0" u="none" strike="noStrike" cap="none" dirty="0">
-                <a:solidFill>
-                  <a:srgbClr val="00FF00"/>
-                </a:solidFill>
-                <a:latin typeface="Courier New"/>
-                <a:ea typeface="Courier New"/>
-                <a:cs typeface="Courier New"/>
-                <a:sym typeface="Courier New"/>
-              </a:rPr>
-              <a:t>word</a:t>
-            </a:r>
-            <a:r>
-              <a:rPr lang="en-US" sz="3400" b="1" i="0" u="none" strike="noStrike" cap="none" dirty="0">
-                <a:solidFill>
-                  <a:schemeClr val="lt1"/>
-                </a:solidFill>
-                <a:latin typeface="Courier New"/>
-                <a:ea typeface="Courier New"/>
-                <a:cs typeface="Courier New"/>
-                <a:sym typeface="Courier New"/>
-              </a:rPr>
-              <a:t> </a:t>
-            </a:r>
-            <a:r>
-              <a:rPr lang="en-US" sz="3400" b="1" i="0" u="none" strike="noStrike" cap="none" dirty="0">
-                <a:solidFill>
-                  <a:srgbClr val="00FFFF"/>
-                </a:solidFill>
-                <a:latin typeface="Courier New"/>
-                <a:ea typeface="Courier New"/>
-                <a:cs typeface="Courier New"/>
-                <a:sym typeface="Courier New"/>
-              </a:rPr>
-              <a:t>&gt;</a:t>
-            </a:r>
-            <a:r>
-              <a:rPr lang="en-US" sz="3400" b="1" i="0" u="none" strike="noStrike" cap="none" dirty="0">
-                <a:solidFill>
-                  <a:schemeClr val="lt1"/>
-                </a:solidFill>
-                <a:latin typeface="Courier New"/>
-                <a:ea typeface="Courier New"/>
-                <a:cs typeface="Courier New"/>
-                <a:sym typeface="Courier New"/>
-              </a:rPr>
-              <a:t> </a:t>
-            </a:r>
-            <a:r>
-              <a:rPr lang="en-US" sz="3400" b="1" i="0" u="none" strike="noStrike" cap="none" dirty="0">
-                <a:solidFill>
-                  <a:srgbClr val="FF7F00"/>
-                </a:solidFill>
-                <a:latin typeface="Courier New"/>
-                <a:ea typeface="Courier New"/>
-                <a:cs typeface="Courier New"/>
-                <a:sym typeface="Courier New"/>
-              </a:rPr>
-              <a:t>'banana'</a:t>
-            </a:r>
-            <a:r>
-              <a:rPr lang="en-US" sz="3400" b="1" i="0" u="none" strike="noStrike" cap="none" dirty="0">
-                <a:solidFill>
-                  <a:schemeClr val="lt1"/>
-                </a:solidFill>
-                <a:latin typeface="Courier New"/>
-                <a:ea typeface="Courier New"/>
-                <a:cs typeface="Courier New"/>
-                <a:sym typeface="Courier New"/>
-              </a:rPr>
-              <a:t>:</a:t>
-            </a:r>
-          </a:p>
-          <a:p>
-            <a:pPr marL="0" marR="0" lvl="0" indent="0" algn="l" rtl="0">
-              <a:lnSpc>
-                <a:spcPct val="100000"/>
-              </a:lnSpc>
-              <a:spcBef>
-                <a:spcPts val="0"/>
-              </a:spcBef>
-              <a:spcAft>
-                <a:spcPts val="0"/>
-              </a:spcAft>
-              <a:buClr>
-                <a:schemeClr val="lt1"/>
-              </a:buClr>
-              <a:buSzPct val="25000"/>
-              <a:buFont typeface="Arial"/>
-              <a:buNone/>
-            </a:pPr>
-            <a:r>
-              <a:rPr lang="en-US" sz="3400" b="1" i="0" u="none" strike="noStrike" cap="none" dirty="0">
-                <a:solidFill>
-                  <a:schemeClr val="lt1"/>
-                </a:solidFill>
-                <a:latin typeface="Courier New"/>
-                <a:ea typeface="Courier New"/>
-                <a:cs typeface="Courier New"/>
-                <a:sym typeface="Courier New"/>
-              </a:rPr>
-              <a:t>    </a:t>
-            </a:r>
-            <a:r>
-              <a:rPr lang="en-US" sz="3400" b="1" i="0" u="none" strike="noStrike" cap="none" dirty="0" smtClean="0">
-                <a:solidFill>
-                  <a:srgbClr val="FFFF00"/>
-                </a:solidFill>
-                <a:latin typeface="Courier New"/>
-                <a:ea typeface="Courier New"/>
-                <a:cs typeface="Courier New"/>
-                <a:sym typeface="Courier New"/>
-              </a:rPr>
-              <a:t>print</a:t>
-            </a:r>
-            <a:r>
-              <a:rPr lang="en-US" sz="3400" b="1" dirty="0">
-                <a:solidFill>
-                  <a:schemeClr val="lt1"/>
-                </a:solidFill>
-                <a:latin typeface="Courier New"/>
-                <a:ea typeface="Courier New"/>
-                <a:cs typeface="Courier New"/>
-                <a:sym typeface="Courier New"/>
-              </a:rPr>
-              <a:t>(</a:t>
-            </a:r>
-            <a:r>
-              <a:rPr lang="en-US" sz="3400" b="1" i="0" u="none" strike="noStrike" cap="none" dirty="0" smtClean="0">
-                <a:solidFill>
-                  <a:srgbClr val="FF7F00"/>
-                </a:solidFill>
-                <a:latin typeface="Courier New"/>
-                <a:ea typeface="Courier New"/>
-                <a:cs typeface="Courier New"/>
-                <a:sym typeface="Courier New"/>
-              </a:rPr>
-              <a:t>'Your </a:t>
-            </a:r>
-            <a:r>
-              <a:rPr lang="en-US" sz="3400" b="1" i="0" u="none" strike="noStrike" cap="none" dirty="0">
-                <a:solidFill>
-                  <a:srgbClr val="FF7F00"/>
-                </a:solidFill>
-                <a:latin typeface="Courier New"/>
-                <a:ea typeface="Courier New"/>
-                <a:cs typeface="Courier New"/>
-                <a:sym typeface="Courier New"/>
-              </a:rPr>
-              <a:t>word,'</a:t>
-            </a:r>
-            <a:r>
-              <a:rPr lang="en-US" sz="3400" b="1" i="0" u="none" strike="noStrike" cap="none" dirty="0">
-                <a:solidFill>
-                  <a:schemeClr val="lt1"/>
-                </a:solidFill>
-                <a:latin typeface="Courier New"/>
-                <a:ea typeface="Courier New"/>
-                <a:cs typeface="Courier New"/>
-                <a:sym typeface="Courier New"/>
-              </a:rPr>
-              <a:t> </a:t>
-            </a:r>
-            <a:r>
-              <a:rPr lang="en-US" sz="3400" b="1" i="0" u="none" strike="noStrike" cap="none" dirty="0">
-                <a:solidFill>
-                  <a:srgbClr val="00FFFF"/>
-                </a:solidFill>
-                <a:latin typeface="Courier New"/>
-                <a:ea typeface="Courier New"/>
-                <a:cs typeface="Courier New"/>
-                <a:sym typeface="Courier New"/>
-              </a:rPr>
-              <a:t>+</a:t>
-            </a:r>
-            <a:r>
-              <a:rPr lang="en-US" sz="3400" b="1" i="0" u="none" strike="noStrike" cap="none" dirty="0">
-                <a:solidFill>
-                  <a:schemeClr val="lt1"/>
-                </a:solidFill>
-                <a:latin typeface="Courier New"/>
-                <a:ea typeface="Courier New"/>
-                <a:cs typeface="Courier New"/>
-                <a:sym typeface="Courier New"/>
-              </a:rPr>
-              <a:t> </a:t>
-            </a:r>
-            <a:r>
-              <a:rPr lang="en-US" sz="3400" b="1" i="0" u="none" strike="noStrike" cap="none" dirty="0">
-                <a:solidFill>
-                  <a:srgbClr val="00FF00"/>
-                </a:solidFill>
-                <a:latin typeface="Courier New"/>
-                <a:ea typeface="Courier New"/>
-                <a:cs typeface="Courier New"/>
-                <a:sym typeface="Courier New"/>
-              </a:rPr>
-              <a:t>word</a:t>
-            </a:r>
-            <a:r>
-              <a:rPr lang="en-US" sz="3400" b="1" i="0" u="none" strike="noStrike" cap="none" dirty="0">
-                <a:solidFill>
-                  <a:schemeClr val="lt1"/>
-                </a:solidFill>
-                <a:latin typeface="Courier New"/>
-                <a:ea typeface="Courier New"/>
-                <a:cs typeface="Courier New"/>
-                <a:sym typeface="Courier New"/>
-              </a:rPr>
-              <a:t> </a:t>
-            </a:r>
-            <a:r>
-              <a:rPr lang="en-US" sz="3400" b="1" i="0" u="none" strike="noStrike" cap="none" dirty="0">
-                <a:solidFill>
-                  <a:srgbClr val="00FFFF"/>
-                </a:solidFill>
-                <a:latin typeface="Courier New"/>
-                <a:ea typeface="Courier New"/>
-                <a:cs typeface="Courier New"/>
-                <a:sym typeface="Courier New"/>
-              </a:rPr>
-              <a:t>+</a:t>
-            </a:r>
-            <a:r>
-              <a:rPr lang="en-US" sz="3400" b="1" i="0" u="none" strike="noStrike" cap="none" dirty="0">
-                <a:solidFill>
-                  <a:schemeClr val="lt1"/>
-                </a:solidFill>
-                <a:latin typeface="Courier New"/>
-                <a:ea typeface="Courier New"/>
-                <a:cs typeface="Courier New"/>
-                <a:sym typeface="Courier New"/>
-              </a:rPr>
-              <a:t> </a:t>
-            </a:r>
-            <a:r>
-              <a:rPr lang="en-US" sz="3400" b="1" i="0" u="none" strike="noStrike" cap="none" dirty="0">
-                <a:solidFill>
-                  <a:srgbClr val="FF7F00"/>
-                </a:solidFill>
-                <a:latin typeface="Courier New"/>
-                <a:ea typeface="Courier New"/>
-                <a:cs typeface="Courier New"/>
-                <a:sym typeface="Courier New"/>
-              </a:rPr>
-              <a:t>', comes after banana</a:t>
-            </a:r>
-            <a:r>
-              <a:rPr lang="en-US" sz="3400" b="1" i="0" u="none" strike="noStrike" cap="none" dirty="0" smtClean="0">
-                <a:solidFill>
-                  <a:srgbClr val="FF7F00"/>
-                </a:solidFill>
-                <a:latin typeface="Courier New"/>
-                <a:ea typeface="Courier New"/>
-                <a:cs typeface="Courier New"/>
-                <a:sym typeface="Courier New"/>
-              </a:rPr>
-              <a:t>.</a:t>
-            </a:r>
-            <a:r>
-              <a:rPr lang="en-US" sz="3400" b="1" dirty="0" smtClean="0">
-                <a:solidFill>
-                  <a:srgbClr val="FF7F00"/>
-                </a:solidFill>
-                <a:latin typeface="Courier New"/>
-                <a:ea typeface="Courier New"/>
-                <a:cs typeface="Courier New"/>
-                <a:sym typeface="Courier New"/>
-              </a:rPr>
-              <a:t>'</a:t>
-            </a:r>
-            <a:r>
-              <a:rPr lang="en-US" sz="3400" b="1" dirty="0" smtClean="0">
-                <a:solidFill>
-                  <a:schemeClr val="bg1"/>
-                </a:solidFill>
-                <a:latin typeface="Courier New"/>
-                <a:ea typeface="Courier New"/>
-                <a:cs typeface="Courier New"/>
-                <a:sym typeface="Courier New"/>
-              </a:rPr>
-              <a:t>)</a:t>
-            </a:r>
-            <a:endParaRPr lang="en-US" sz="3400" b="1" dirty="0">
-              <a:solidFill>
-                <a:schemeClr val="bg1"/>
-              </a:solidFill>
-              <a:latin typeface="Courier New"/>
-              <a:ea typeface="Courier New"/>
-              <a:cs typeface="Courier New"/>
-              <a:sym typeface="Courier New"/>
-            </a:endParaRPr>
-          </a:p>
-          <a:p>
-            <a:pPr marL="0" marR="0" lvl="0" indent="0" algn="l" rtl="0">
-              <a:lnSpc>
-                <a:spcPct val="100000"/>
-              </a:lnSpc>
-              <a:spcBef>
-                <a:spcPts val="0"/>
-              </a:spcBef>
-              <a:spcAft>
-                <a:spcPts val="0"/>
-              </a:spcAft>
-              <a:buClr>
-                <a:srgbClr val="FFFF00"/>
-              </a:buClr>
-              <a:buSzPct val="25000"/>
-              <a:buFont typeface="Arial"/>
-              <a:buNone/>
-            </a:pPr>
-            <a:r>
-              <a:rPr lang="en-US" sz="3400" b="1" i="0" u="none" strike="noStrike" cap="none" dirty="0">
-                <a:solidFill>
-                  <a:srgbClr val="FFFF00"/>
-                </a:solidFill>
-                <a:latin typeface="Courier New"/>
-                <a:ea typeface="Courier New"/>
-                <a:cs typeface="Courier New"/>
-                <a:sym typeface="Courier New"/>
-              </a:rPr>
-              <a:t>else</a:t>
-            </a:r>
-            <a:r>
-              <a:rPr lang="en-US" sz="3400" b="1" i="0" u="none" strike="noStrike" cap="none" dirty="0">
-                <a:solidFill>
-                  <a:schemeClr val="lt1"/>
-                </a:solidFill>
-                <a:latin typeface="Courier New"/>
-                <a:ea typeface="Courier New"/>
-                <a:cs typeface="Courier New"/>
-                <a:sym typeface="Courier New"/>
-              </a:rPr>
-              <a:t>:</a:t>
-            </a:r>
-          </a:p>
-          <a:p>
-            <a:pPr marL="0" marR="0" lvl="0" indent="0" algn="l" rtl="0">
-              <a:lnSpc>
-                <a:spcPct val="100000"/>
-              </a:lnSpc>
-              <a:spcBef>
-                <a:spcPts val="0"/>
-              </a:spcBef>
-              <a:spcAft>
-                <a:spcPts val="0"/>
-              </a:spcAft>
-              <a:buClr>
-                <a:schemeClr val="lt1"/>
-              </a:buClr>
-              <a:buSzPct val="25000"/>
-              <a:buFont typeface="Arial"/>
-              <a:buNone/>
-            </a:pPr>
-            <a:r>
-              <a:rPr lang="en-US" sz="3400" b="1" i="0" u="none" strike="noStrike" cap="none" dirty="0">
-                <a:solidFill>
-                  <a:schemeClr val="lt1"/>
-                </a:solidFill>
-                <a:latin typeface="Courier New"/>
-                <a:ea typeface="Courier New"/>
-                <a:cs typeface="Courier New"/>
-                <a:sym typeface="Courier New"/>
-              </a:rPr>
-              <a:t>    </a:t>
-            </a:r>
-            <a:r>
-              <a:rPr lang="en-US" sz="3400" b="1" i="0" u="none" strike="noStrike" cap="none" dirty="0" smtClean="0">
-                <a:solidFill>
-                  <a:srgbClr val="FFFF00"/>
-                </a:solidFill>
-                <a:latin typeface="Courier New"/>
-                <a:ea typeface="Courier New"/>
-                <a:cs typeface="Courier New"/>
-                <a:sym typeface="Courier New"/>
-              </a:rPr>
-              <a:t>print</a:t>
-            </a:r>
-            <a:r>
-              <a:rPr lang="en-US" sz="3400" b="1" dirty="0">
-                <a:solidFill>
-                  <a:schemeClr val="lt1"/>
-                </a:solidFill>
-                <a:latin typeface="Courier New"/>
-                <a:ea typeface="Courier New"/>
-                <a:cs typeface="Courier New"/>
-                <a:sym typeface="Courier New"/>
-              </a:rPr>
-              <a:t>(</a:t>
-            </a:r>
-            <a:r>
-              <a:rPr lang="en-US" sz="3400" b="1" i="0" u="none" strike="noStrike" cap="none" dirty="0" smtClean="0">
-                <a:solidFill>
-                  <a:srgbClr val="FF7F00"/>
-                </a:solidFill>
-                <a:latin typeface="Courier New"/>
-                <a:ea typeface="Courier New"/>
-                <a:cs typeface="Courier New"/>
-                <a:sym typeface="Courier New"/>
-              </a:rPr>
-              <a:t>'All </a:t>
-            </a:r>
-            <a:r>
-              <a:rPr lang="en-US" sz="3400" b="1" i="0" u="none" strike="noStrike" cap="none" dirty="0">
-                <a:solidFill>
-                  <a:srgbClr val="FF7F00"/>
-                </a:solidFill>
-                <a:latin typeface="Courier New"/>
-                <a:ea typeface="Courier New"/>
-                <a:cs typeface="Courier New"/>
-                <a:sym typeface="Courier New"/>
-              </a:rPr>
-              <a:t>right, bananas</a:t>
-            </a:r>
-            <a:r>
-              <a:rPr lang="en-US" sz="3400" b="1" i="0" u="none" strike="noStrike" cap="none" dirty="0" smtClean="0">
-                <a:solidFill>
-                  <a:srgbClr val="FF7F00"/>
-                </a:solidFill>
-                <a:latin typeface="Courier New"/>
-                <a:ea typeface="Courier New"/>
-                <a:cs typeface="Courier New"/>
-                <a:sym typeface="Courier New"/>
-              </a:rPr>
-              <a:t>.')</a:t>
-            </a:r>
-            <a:endParaRPr lang="en-US" sz="3400" b="1" i="0" u="none" strike="noStrike" cap="none" dirty="0">
-              <a:solidFill>
-                <a:srgbClr val="FF7F00"/>
-              </a:solidFill>
-              <a:latin typeface="Courier New"/>
-              <a:ea typeface="Courier New"/>
-              <a:cs typeface="Courier New"/>
-              <a:sym typeface="Courier New"/>
-            </a:endParaRPr>
           </a:p>
         </p:txBody>
       </p:sp>
@@ -19687,6 +18590,1177 @@
   <p:cSld>
     <p:spTree>
       <p:nvGrpSpPr>
+        <p:cNvPr id="1" name="Shape 444"/>
+        <p:cNvGrpSpPr/>
+        <p:nvPr/>
+      </p:nvGrpSpPr>
+      <p:grpSpPr>
+        <a:xfrm>
+          <a:off x="0" y="0"/>
+          <a:ext cx="0" cy="0"/>
+          <a:chOff x="0" y="0"/>
+          <a:chExt cx="0" cy="0"/>
+        </a:xfrm>
+      </p:grpSpPr>
+      <p:sp>
+        <p:nvSpPr>
+          <p:cNvPr id="445" name="Shape 445"/>
+          <p:cNvSpPr txBox="1">
+            <a:spLocks noGrp="1"/>
+          </p:cNvSpPr>
+          <p:nvPr>
+            <p:ph type="title"/>
+          </p:nvPr>
+        </p:nvSpPr>
+        <p:spPr>
+          <a:prstGeom prst="rect">
+            <a:avLst/>
+          </a:prstGeom>
+          <a:noFill/>
+          <a:ln>
+            <a:noFill/>
+          </a:ln>
+        </p:spPr>
+        <p:txBody>
+          <a:bodyPr lIns="38100" tIns="38100" rIns="38100" bIns="38100" anchor="ctr" anchorCtr="0">
+            <a:noAutofit/>
+          </a:bodyPr>
+          <a:lstStyle/>
+          <a:p>
+            <a:pPr marL="0" marR="0" lvl="0" indent="0" algn="ctr" rtl="0">
+              <a:lnSpc>
+                <a:spcPct val="100000"/>
+              </a:lnSpc>
+              <a:spcBef>
+                <a:spcPts val="0"/>
+              </a:spcBef>
+              <a:spcAft>
+                <a:spcPts val="0"/>
+              </a:spcAft>
+              <a:buClr>
+                <a:srgbClr val="00FFFF"/>
+              </a:buClr>
+              <a:buSzPct val="25000"/>
+              <a:buFont typeface="Cabin"/>
+              <a:buNone/>
+            </a:pPr>
+            <a:r>
+              <a:rPr lang="en-US" sz="7600" u="none" strike="noStrike" cap="none">
+                <a:solidFill>
+                  <a:srgbClr val="FFFF00"/>
+                </a:solidFill>
+                <a:latin typeface="Arial" charset="0"/>
+                <a:ea typeface="Arial" charset="0"/>
+                <a:cs typeface="Arial" charset="0"/>
+                <a:sym typeface="Cabin"/>
+              </a:rPr>
+              <a:t>String Comparison</a:t>
+            </a:r>
+          </a:p>
+        </p:txBody>
+      </p:sp>
+      <p:sp>
+        <p:nvSpPr>
+          <p:cNvPr id="446" name="Shape 446"/>
+          <p:cNvSpPr txBox="1"/>
+          <p:nvPr/>
+        </p:nvSpPr>
+        <p:spPr>
+          <a:xfrm>
+            <a:off x="927100" y="2667000"/>
+            <a:ext cx="15328900" cy="5321400"/>
+          </a:xfrm>
+          <a:prstGeom prst="rect">
+            <a:avLst/>
+          </a:prstGeom>
+          <a:noFill/>
+          <a:ln>
+            <a:noFill/>
+          </a:ln>
+        </p:spPr>
+        <p:txBody>
+          <a:bodyPr lIns="0" tIns="0" rIns="0" bIns="0" anchor="ctr" anchorCtr="0">
+            <a:noAutofit/>
+          </a:bodyPr>
+          <a:lstStyle/>
+          <a:p>
+            <a:pPr marL="0" marR="0" lvl="0" indent="0" algn="l" rtl="0">
+              <a:lnSpc>
+                <a:spcPct val="100000"/>
+              </a:lnSpc>
+              <a:spcBef>
+                <a:spcPts val="0"/>
+              </a:spcBef>
+              <a:spcAft>
+                <a:spcPts val="0"/>
+              </a:spcAft>
+              <a:buClr>
+                <a:srgbClr val="FFFF00"/>
+              </a:buClr>
+              <a:buSzPct val="25000"/>
+              <a:buFont typeface="Arial"/>
+              <a:buNone/>
+            </a:pPr>
+            <a:r>
+              <a:rPr lang="en-US" sz="3400" b="1" i="0" u="none" strike="noStrike" cap="none" dirty="0">
+                <a:solidFill>
+                  <a:srgbClr val="FFFF00"/>
+                </a:solidFill>
+                <a:latin typeface="Courier New"/>
+                <a:ea typeface="Courier New"/>
+                <a:cs typeface="Courier New"/>
+                <a:sym typeface="Courier New"/>
+              </a:rPr>
+              <a:t>if</a:t>
+            </a:r>
+            <a:r>
+              <a:rPr lang="en-US" sz="3400" b="1" i="0" u="none" strike="noStrike" cap="none" dirty="0">
+                <a:solidFill>
+                  <a:schemeClr val="lt1"/>
+                </a:solidFill>
+                <a:latin typeface="Courier New"/>
+                <a:ea typeface="Courier New"/>
+                <a:cs typeface="Courier New"/>
+                <a:sym typeface="Courier New"/>
+              </a:rPr>
+              <a:t> </a:t>
+            </a:r>
+            <a:r>
+              <a:rPr lang="en-US" sz="3400" b="1" i="0" u="none" strike="noStrike" cap="none" dirty="0">
+                <a:solidFill>
+                  <a:srgbClr val="00FF00"/>
+                </a:solidFill>
+                <a:latin typeface="Courier New"/>
+                <a:ea typeface="Courier New"/>
+                <a:cs typeface="Courier New"/>
+                <a:sym typeface="Courier New"/>
+              </a:rPr>
+              <a:t>word</a:t>
+            </a:r>
+            <a:r>
+              <a:rPr lang="en-US" sz="3400" b="1" i="0" u="none" strike="noStrike" cap="none" dirty="0">
+                <a:solidFill>
+                  <a:schemeClr val="lt1"/>
+                </a:solidFill>
+                <a:latin typeface="Courier New"/>
+                <a:ea typeface="Courier New"/>
+                <a:cs typeface="Courier New"/>
+                <a:sym typeface="Courier New"/>
+              </a:rPr>
+              <a:t> </a:t>
+            </a:r>
+            <a:r>
+              <a:rPr lang="en-US" sz="3400" b="1" i="0" u="none" strike="noStrike" cap="none" dirty="0">
+                <a:solidFill>
+                  <a:srgbClr val="00FFFF"/>
+                </a:solidFill>
+                <a:latin typeface="Courier New"/>
+                <a:ea typeface="Courier New"/>
+                <a:cs typeface="Courier New"/>
+                <a:sym typeface="Courier New"/>
+              </a:rPr>
+              <a:t>==</a:t>
+            </a:r>
+            <a:r>
+              <a:rPr lang="en-US" sz="3400" b="1" i="0" u="none" strike="noStrike" cap="none" dirty="0">
+                <a:solidFill>
+                  <a:schemeClr val="lt1"/>
+                </a:solidFill>
+                <a:latin typeface="Courier New"/>
+                <a:ea typeface="Courier New"/>
+                <a:cs typeface="Courier New"/>
+                <a:sym typeface="Courier New"/>
+              </a:rPr>
+              <a:t> </a:t>
+            </a:r>
+            <a:r>
+              <a:rPr lang="en-US" sz="3400" b="1" i="0" u="none" strike="noStrike" cap="none" dirty="0">
+                <a:solidFill>
+                  <a:srgbClr val="FF7F00"/>
+                </a:solidFill>
+                <a:latin typeface="Courier New"/>
+                <a:ea typeface="Courier New"/>
+                <a:cs typeface="Courier New"/>
+                <a:sym typeface="Courier New"/>
+              </a:rPr>
+              <a:t>'banana'</a:t>
+            </a:r>
+            <a:r>
+              <a:rPr lang="en-US" sz="3400" b="1" i="0" u="none" strike="noStrike" cap="none" dirty="0">
+                <a:solidFill>
+                  <a:schemeClr val="lt1"/>
+                </a:solidFill>
+                <a:latin typeface="Courier New"/>
+                <a:ea typeface="Courier New"/>
+                <a:cs typeface="Courier New"/>
+                <a:sym typeface="Courier New"/>
+              </a:rPr>
+              <a:t>:</a:t>
+            </a:r>
+          </a:p>
+          <a:p>
+            <a:pPr marL="0" marR="0" lvl="0" indent="0" algn="l" rtl="0">
+              <a:lnSpc>
+                <a:spcPct val="100000"/>
+              </a:lnSpc>
+              <a:spcBef>
+                <a:spcPts val="0"/>
+              </a:spcBef>
+              <a:spcAft>
+                <a:spcPts val="0"/>
+              </a:spcAft>
+              <a:buClr>
+                <a:schemeClr val="lt1"/>
+              </a:buClr>
+              <a:buSzPct val="25000"/>
+              <a:buFont typeface="Arial"/>
+              <a:buNone/>
+            </a:pPr>
+            <a:r>
+              <a:rPr lang="en-US" sz="3400" b="1" i="0" u="none" strike="noStrike" cap="none" dirty="0">
+                <a:solidFill>
+                  <a:schemeClr val="lt1"/>
+                </a:solidFill>
+                <a:latin typeface="Courier New"/>
+                <a:ea typeface="Courier New"/>
+                <a:cs typeface="Courier New"/>
+                <a:sym typeface="Courier New"/>
+              </a:rPr>
+              <a:t>    </a:t>
+            </a:r>
+            <a:r>
+              <a:rPr lang="en-US" sz="3400" b="1" i="0" u="none" strike="noStrike" cap="none" dirty="0" smtClean="0">
+                <a:solidFill>
+                  <a:srgbClr val="FFFF00"/>
+                </a:solidFill>
+                <a:latin typeface="Courier New"/>
+                <a:ea typeface="Courier New"/>
+                <a:cs typeface="Courier New"/>
+                <a:sym typeface="Courier New"/>
+              </a:rPr>
+              <a:t>print</a:t>
+            </a:r>
+            <a:r>
+              <a:rPr lang="en-US" sz="3400" b="1" dirty="0">
+                <a:solidFill>
+                  <a:schemeClr val="lt1"/>
+                </a:solidFill>
+                <a:latin typeface="Courier New"/>
+                <a:ea typeface="Courier New"/>
+                <a:cs typeface="Courier New"/>
+                <a:sym typeface="Courier New"/>
+              </a:rPr>
+              <a:t>(</a:t>
+            </a:r>
+            <a:r>
+              <a:rPr lang="en-US" sz="3400" b="1" i="0" u="none" strike="noStrike" cap="none" dirty="0" smtClean="0">
+                <a:solidFill>
+                  <a:srgbClr val="FF7F00"/>
+                </a:solidFill>
+                <a:latin typeface="Courier New"/>
+                <a:ea typeface="Courier New"/>
+                <a:cs typeface="Courier New"/>
+                <a:sym typeface="Courier New"/>
+              </a:rPr>
+              <a:t>'All </a:t>
+            </a:r>
+            <a:r>
+              <a:rPr lang="en-US" sz="3400" b="1" i="0" u="none" strike="noStrike" cap="none" dirty="0">
+                <a:solidFill>
+                  <a:srgbClr val="FF7F00"/>
+                </a:solidFill>
+                <a:latin typeface="Courier New"/>
+                <a:ea typeface="Courier New"/>
+                <a:cs typeface="Courier New"/>
+                <a:sym typeface="Courier New"/>
+              </a:rPr>
+              <a:t>right, bananas</a:t>
+            </a:r>
+            <a:r>
+              <a:rPr lang="en-US" sz="3400" b="1" i="0" u="none" strike="noStrike" cap="none" dirty="0" smtClean="0">
+                <a:solidFill>
+                  <a:srgbClr val="FF7F00"/>
+                </a:solidFill>
+                <a:latin typeface="Courier New"/>
+                <a:ea typeface="Courier New"/>
+                <a:cs typeface="Courier New"/>
+                <a:sym typeface="Courier New"/>
+              </a:rPr>
+              <a:t>.'</a:t>
+            </a:r>
+            <a:r>
+              <a:rPr lang="en-US" sz="3400" b="1" i="0" u="none" strike="noStrike" cap="none" dirty="0" smtClean="0">
+                <a:solidFill>
+                  <a:schemeClr val="bg1"/>
+                </a:solidFill>
+                <a:latin typeface="Courier New"/>
+                <a:ea typeface="Courier New"/>
+                <a:cs typeface="Courier New"/>
+                <a:sym typeface="Courier New"/>
+              </a:rPr>
+              <a:t>)</a:t>
+            </a:r>
+            <a:endParaRPr lang="en-US" sz="3400" b="1" i="0" u="none" strike="noStrike" cap="none" dirty="0">
+              <a:solidFill>
+                <a:schemeClr val="bg1"/>
+              </a:solidFill>
+              <a:latin typeface="Courier New"/>
+              <a:ea typeface="Courier New"/>
+              <a:cs typeface="Courier New"/>
+              <a:sym typeface="Courier New"/>
+            </a:endParaRPr>
+          </a:p>
+          <a:p>
+            <a:pPr marL="0" marR="0" lvl="0" indent="0" algn="ctr" rtl="0">
+              <a:lnSpc>
+                <a:spcPct val="100000"/>
+              </a:lnSpc>
+              <a:spcBef>
+                <a:spcPts val="0"/>
+              </a:spcBef>
+              <a:spcAft>
+                <a:spcPts val="0"/>
+              </a:spcAft>
+              <a:buNone/>
+            </a:pPr>
+            <a:endParaRPr sz="3400" b="1" i="0" u="none" strike="noStrike" cap="none" dirty="0">
+              <a:solidFill>
+                <a:schemeClr val="lt1"/>
+              </a:solidFill>
+              <a:latin typeface="Courier New"/>
+              <a:ea typeface="Courier New"/>
+              <a:cs typeface="Courier New"/>
+              <a:sym typeface="Courier New"/>
+            </a:endParaRPr>
+          </a:p>
+          <a:p>
+            <a:pPr marL="0" marR="0" lvl="0" indent="0" algn="l" rtl="0">
+              <a:lnSpc>
+                <a:spcPct val="100000"/>
+              </a:lnSpc>
+              <a:spcBef>
+                <a:spcPts val="0"/>
+              </a:spcBef>
+              <a:spcAft>
+                <a:spcPts val="0"/>
+              </a:spcAft>
+              <a:buClr>
+                <a:srgbClr val="FFFF00"/>
+              </a:buClr>
+              <a:buSzPct val="25000"/>
+              <a:buFont typeface="Arial"/>
+              <a:buNone/>
+            </a:pPr>
+            <a:r>
+              <a:rPr lang="en-US" sz="3400" b="1" i="0" u="none" strike="noStrike" cap="none" dirty="0">
+                <a:solidFill>
+                  <a:srgbClr val="FFFF00"/>
+                </a:solidFill>
+                <a:latin typeface="Courier New"/>
+                <a:ea typeface="Courier New"/>
+                <a:cs typeface="Courier New"/>
+                <a:sym typeface="Courier New"/>
+              </a:rPr>
+              <a:t>if</a:t>
+            </a:r>
+            <a:r>
+              <a:rPr lang="en-US" sz="3400" b="1" i="0" u="none" strike="noStrike" cap="none" dirty="0">
+                <a:solidFill>
+                  <a:schemeClr val="lt1"/>
+                </a:solidFill>
+                <a:latin typeface="Courier New"/>
+                <a:ea typeface="Courier New"/>
+                <a:cs typeface="Courier New"/>
+                <a:sym typeface="Courier New"/>
+              </a:rPr>
+              <a:t> </a:t>
+            </a:r>
+            <a:r>
+              <a:rPr lang="en-US" sz="3400" b="1" i="0" u="none" strike="noStrike" cap="none" dirty="0">
+                <a:solidFill>
+                  <a:srgbClr val="00FF00"/>
+                </a:solidFill>
+                <a:latin typeface="Courier New"/>
+                <a:ea typeface="Courier New"/>
+                <a:cs typeface="Courier New"/>
+                <a:sym typeface="Courier New"/>
+              </a:rPr>
+              <a:t>word</a:t>
+            </a:r>
+            <a:r>
+              <a:rPr lang="en-US" sz="3400" b="1" i="0" u="none" strike="noStrike" cap="none" dirty="0">
+                <a:solidFill>
+                  <a:schemeClr val="lt1"/>
+                </a:solidFill>
+                <a:latin typeface="Courier New"/>
+                <a:ea typeface="Courier New"/>
+                <a:cs typeface="Courier New"/>
+                <a:sym typeface="Courier New"/>
+              </a:rPr>
+              <a:t> </a:t>
+            </a:r>
+            <a:r>
+              <a:rPr lang="en-US" sz="3400" b="1" i="0" u="none" strike="noStrike" cap="none" dirty="0">
+                <a:solidFill>
+                  <a:srgbClr val="00FFFF"/>
+                </a:solidFill>
+                <a:latin typeface="Courier New"/>
+                <a:ea typeface="Courier New"/>
+                <a:cs typeface="Courier New"/>
+                <a:sym typeface="Courier New"/>
+              </a:rPr>
+              <a:t>&lt;</a:t>
+            </a:r>
+            <a:r>
+              <a:rPr lang="en-US" sz="3400" b="1" i="0" u="none" strike="noStrike" cap="none" dirty="0">
+                <a:solidFill>
+                  <a:schemeClr val="lt1"/>
+                </a:solidFill>
+                <a:latin typeface="Courier New"/>
+                <a:ea typeface="Courier New"/>
+                <a:cs typeface="Courier New"/>
+                <a:sym typeface="Courier New"/>
+              </a:rPr>
+              <a:t> </a:t>
+            </a:r>
+            <a:r>
+              <a:rPr lang="en-US" sz="3400" b="1" i="0" u="none" strike="noStrike" cap="none" dirty="0">
+                <a:solidFill>
+                  <a:srgbClr val="FF7F00"/>
+                </a:solidFill>
+                <a:latin typeface="Courier New"/>
+                <a:ea typeface="Courier New"/>
+                <a:cs typeface="Courier New"/>
+                <a:sym typeface="Courier New"/>
+              </a:rPr>
+              <a:t>'banana'</a:t>
+            </a:r>
+            <a:r>
+              <a:rPr lang="en-US" sz="3400" b="1" i="0" u="none" strike="noStrike" cap="none" dirty="0">
+                <a:solidFill>
+                  <a:schemeClr val="lt1"/>
+                </a:solidFill>
+                <a:latin typeface="Courier New"/>
+                <a:ea typeface="Courier New"/>
+                <a:cs typeface="Courier New"/>
+                <a:sym typeface="Courier New"/>
+              </a:rPr>
+              <a:t>:</a:t>
+            </a:r>
+          </a:p>
+          <a:p>
+            <a:pPr marL="0" marR="0" lvl="0" indent="0" algn="l" rtl="0">
+              <a:lnSpc>
+                <a:spcPct val="100000"/>
+              </a:lnSpc>
+              <a:spcBef>
+                <a:spcPts val="0"/>
+              </a:spcBef>
+              <a:spcAft>
+                <a:spcPts val="0"/>
+              </a:spcAft>
+              <a:buClr>
+                <a:schemeClr val="lt1"/>
+              </a:buClr>
+              <a:buSzPct val="25000"/>
+              <a:buFont typeface="Arial"/>
+              <a:buNone/>
+            </a:pPr>
+            <a:r>
+              <a:rPr lang="en-US" sz="3400" b="1" i="0" u="none" strike="noStrike" cap="none" dirty="0">
+                <a:solidFill>
+                  <a:schemeClr val="lt1"/>
+                </a:solidFill>
+                <a:latin typeface="Courier New"/>
+                <a:ea typeface="Courier New"/>
+                <a:cs typeface="Courier New"/>
+                <a:sym typeface="Courier New"/>
+              </a:rPr>
+              <a:t>    </a:t>
+            </a:r>
+            <a:r>
+              <a:rPr lang="en-US" sz="3400" b="1" i="0" u="none" strike="noStrike" cap="none" dirty="0" smtClean="0">
+                <a:solidFill>
+                  <a:srgbClr val="FFFF00"/>
+                </a:solidFill>
+                <a:latin typeface="Courier New"/>
+                <a:ea typeface="Courier New"/>
+                <a:cs typeface="Courier New"/>
+                <a:sym typeface="Courier New"/>
+              </a:rPr>
+              <a:t>print</a:t>
+            </a:r>
+            <a:r>
+              <a:rPr lang="en-US" sz="3400" b="1" dirty="0">
+                <a:solidFill>
+                  <a:schemeClr val="lt1"/>
+                </a:solidFill>
+                <a:latin typeface="Courier New"/>
+                <a:ea typeface="Courier New"/>
+                <a:cs typeface="Courier New"/>
+                <a:sym typeface="Courier New"/>
+              </a:rPr>
+              <a:t>(</a:t>
+            </a:r>
+            <a:r>
+              <a:rPr lang="en-US" sz="3400" b="1" i="0" u="none" strike="noStrike" cap="none" dirty="0" smtClean="0">
+                <a:solidFill>
+                  <a:srgbClr val="FF7F00"/>
+                </a:solidFill>
+                <a:latin typeface="Courier New"/>
+                <a:ea typeface="Courier New"/>
+                <a:cs typeface="Courier New"/>
+                <a:sym typeface="Courier New"/>
+              </a:rPr>
+              <a:t>'Your </a:t>
+            </a:r>
+            <a:r>
+              <a:rPr lang="en-US" sz="3400" b="1" i="0" u="none" strike="noStrike" cap="none" dirty="0">
+                <a:solidFill>
+                  <a:srgbClr val="FF7F00"/>
+                </a:solidFill>
+                <a:latin typeface="Courier New"/>
+                <a:ea typeface="Courier New"/>
+                <a:cs typeface="Courier New"/>
+                <a:sym typeface="Courier New"/>
+              </a:rPr>
+              <a:t>word,'</a:t>
+            </a:r>
+            <a:r>
+              <a:rPr lang="en-US" sz="3400" b="1" i="0" u="none" strike="noStrike" cap="none" dirty="0">
+                <a:solidFill>
+                  <a:schemeClr val="lt1"/>
+                </a:solidFill>
+                <a:latin typeface="Courier New"/>
+                <a:ea typeface="Courier New"/>
+                <a:cs typeface="Courier New"/>
+                <a:sym typeface="Courier New"/>
+              </a:rPr>
+              <a:t> </a:t>
+            </a:r>
+            <a:r>
+              <a:rPr lang="en-US" sz="3400" b="1" i="0" u="none" strike="noStrike" cap="none" dirty="0">
+                <a:solidFill>
+                  <a:srgbClr val="00FFFF"/>
+                </a:solidFill>
+                <a:latin typeface="Courier New"/>
+                <a:ea typeface="Courier New"/>
+                <a:cs typeface="Courier New"/>
+                <a:sym typeface="Courier New"/>
+              </a:rPr>
+              <a:t>+</a:t>
+            </a:r>
+            <a:r>
+              <a:rPr lang="en-US" sz="3400" b="1" i="0" u="none" strike="noStrike" cap="none" dirty="0">
+                <a:solidFill>
+                  <a:schemeClr val="lt1"/>
+                </a:solidFill>
+                <a:latin typeface="Courier New"/>
+                <a:ea typeface="Courier New"/>
+                <a:cs typeface="Courier New"/>
+                <a:sym typeface="Courier New"/>
+              </a:rPr>
+              <a:t> </a:t>
+            </a:r>
+            <a:r>
+              <a:rPr lang="en-US" sz="3400" b="1" i="0" u="none" strike="noStrike" cap="none" dirty="0">
+                <a:solidFill>
+                  <a:srgbClr val="00FF00"/>
+                </a:solidFill>
+                <a:latin typeface="Courier New"/>
+                <a:ea typeface="Courier New"/>
+                <a:cs typeface="Courier New"/>
+                <a:sym typeface="Courier New"/>
+              </a:rPr>
+              <a:t>word</a:t>
+            </a:r>
+            <a:r>
+              <a:rPr lang="en-US" sz="3400" b="1" i="0" u="none" strike="noStrike" cap="none" dirty="0">
+                <a:solidFill>
+                  <a:schemeClr val="lt1"/>
+                </a:solidFill>
+                <a:latin typeface="Courier New"/>
+                <a:ea typeface="Courier New"/>
+                <a:cs typeface="Courier New"/>
+                <a:sym typeface="Courier New"/>
+              </a:rPr>
+              <a:t> </a:t>
+            </a:r>
+            <a:r>
+              <a:rPr lang="en-US" sz="3400" b="1" i="0" u="none" strike="noStrike" cap="none" dirty="0">
+                <a:solidFill>
+                  <a:srgbClr val="00FFFF"/>
+                </a:solidFill>
+                <a:latin typeface="Courier New"/>
+                <a:ea typeface="Courier New"/>
+                <a:cs typeface="Courier New"/>
+                <a:sym typeface="Courier New"/>
+              </a:rPr>
+              <a:t>+</a:t>
+            </a:r>
+            <a:r>
+              <a:rPr lang="en-US" sz="3400" b="1" i="0" u="none" strike="noStrike" cap="none" dirty="0">
+                <a:solidFill>
+                  <a:schemeClr val="lt1"/>
+                </a:solidFill>
+                <a:latin typeface="Courier New"/>
+                <a:ea typeface="Courier New"/>
+                <a:cs typeface="Courier New"/>
+                <a:sym typeface="Courier New"/>
+              </a:rPr>
+              <a:t> </a:t>
+            </a:r>
+            <a:r>
+              <a:rPr lang="en-US" sz="3400" b="1" i="0" u="none" strike="noStrike" cap="none" dirty="0">
+                <a:solidFill>
+                  <a:srgbClr val="FF7F00"/>
+                </a:solidFill>
+                <a:latin typeface="Courier New"/>
+                <a:ea typeface="Courier New"/>
+                <a:cs typeface="Courier New"/>
+                <a:sym typeface="Courier New"/>
+              </a:rPr>
+              <a:t>', comes before banana</a:t>
+            </a:r>
+            <a:r>
+              <a:rPr lang="en-US" sz="3400" b="1" i="0" u="none" strike="noStrike" cap="none" dirty="0" smtClean="0">
+                <a:solidFill>
+                  <a:srgbClr val="FF7F00"/>
+                </a:solidFill>
+                <a:latin typeface="Courier New"/>
+                <a:ea typeface="Courier New"/>
+                <a:cs typeface="Courier New"/>
+                <a:sym typeface="Courier New"/>
+              </a:rPr>
+              <a:t>.</a:t>
+            </a:r>
+            <a:r>
+              <a:rPr lang="en-US" sz="3400" b="1" dirty="0" smtClean="0">
+                <a:solidFill>
+                  <a:srgbClr val="FF7F00"/>
+                </a:solidFill>
+                <a:latin typeface="Courier New"/>
+                <a:ea typeface="Courier New"/>
+                <a:cs typeface="Courier New"/>
+                <a:sym typeface="Courier New"/>
+              </a:rPr>
+              <a:t>'</a:t>
+            </a:r>
+            <a:r>
+              <a:rPr lang="en-US" sz="3400" b="1" dirty="0" smtClean="0">
+                <a:solidFill>
+                  <a:schemeClr val="bg1"/>
+                </a:solidFill>
+                <a:latin typeface="Courier New"/>
+                <a:ea typeface="Courier New"/>
+                <a:cs typeface="Courier New"/>
+                <a:sym typeface="Courier New"/>
+              </a:rPr>
+              <a:t>)</a:t>
+            </a:r>
+            <a:endParaRPr lang="en-US" sz="3400" b="1" dirty="0">
+              <a:solidFill>
+                <a:schemeClr val="bg1"/>
+              </a:solidFill>
+              <a:latin typeface="Courier New"/>
+              <a:ea typeface="Courier New"/>
+              <a:cs typeface="Courier New"/>
+              <a:sym typeface="Courier New"/>
+            </a:endParaRPr>
+          </a:p>
+          <a:p>
+            <a:pPr marL="0" marR="0" lvl="0" indent="0" algn="l" rtl="0">
+              <a:lnSpc>
+                <a:spcPct val="100000"/>
+              </a:lnSpc>
+              <a:spcBef>
+                <a:spcPts val="0"/>
+              </a:spcBef>
+              <a:spcAft>
+                <a:spcPts val="0"/>
+              </a:spcAft>
+              <a:buClr>
+                <a:srgbClr val="FFFF00"/>
+              </a:buClr>
+              <a:buSzPct val="25000"/>
+              <a:buFont typeface="Arial"/>
+              <a:buNone/>
+            </a:pPr>
+            <a:r>
+              <a:rPr lang="en-US" sz="3400" b="1" i="0" u="none" strike="noStrike" cap="none" dirty="0" err="1">
+                <a:solidFill>
+                  <a:srgbClr val="FFFF00"/>
+                </a:solidFill>
+                <a:latin typeface="Courier New"/>
+                <a:ea typeface="Courier New"/>
+                <a:cs typeface="Courier New"/>
+                <a:sym typeface="Courier New"/>
+              </a:rPr>
+              <a:t>elif</a:t>
+            </a:r>
+            <a:r>
+              <a:rPr lang="en-US" sz="3400" b="1" i="0" u="none" strike="noStrike" cap="none" dirty="0">
+                <a:solidFill>
+                  <a:schemeClr val="lt1"/>
+                </a:solidFill>
+                <a:latin typeface="Courier New"/>
+                <a:ea typeface="Courier New"/>
+                <a:cs typeface="Courier New"/>
+                <a:sym typeface="Courier New"/>
+              </a:rPr>
+              <a:t> </a:t>
+            </a:r>
+            <a:r>
+              <a:rPr lang="en-US" sz="3400" b="1" i="0" u="none" strike="noStrike" cap="none" dirty="0">
+                <a:solidFill>
+                  <a:srgbClr val="00FF00"/>
+                </a:solidFill>
+                <a:latin typeface="Courier New"/>
+                <a:ea typeface="Courier New"/>
+                <a:cs typeface="Courier New"/>
+                <a:sym typeface="Courier New"/>
+              </a:rPr>
+              <a:t>word</a:t>
+            </a:r>
+            <a:r>
+              <a:rPr lang="en-US" sz="3400" b="1" i="0" u="none" strike="noStrike" cap="none" dirty="0">
+                <a:solidFill>
+                  <a:schemeClr val="lt1"/>
+                </a:solidFill>
+                <a:latin typeface="Courier New"/>
+                <a:ea typeface="Courier New"/>
+                <a:cs typeface="Courier New"/>
+                <a:sym typeface="Courier New"/>
+              </a:rPr>
+              <a:t> </a:t>
+            </a:r>
+            <a:r>
+              <a:rPr lang="en-US" sz="3400" b="1" i="0" u="none" strike="noStrike" cap="none" dirty="0">
+                <a:solidFill>
+                  <a:srgbClr val="00FFFF"/>
+                </a:solidFill>
+                <a:latin typeface="Courier New"/>
+                <a:ea typeface="Courier New"/>
+                <a:cs typeface="Courier New"/>
+                <a:sym typeface="Courier New"/>
+              </a:rPr>
+              <a:t>&gt;</a:t>
+            </a:r>
+            <a:r>
+              <a:rPr lang="en-US" sz="3400" b="1" i="0" u="none" strike="noStrike" cap="none" dirty="0">
+                <a:solidFill>
+                  <a:schemeClr val="lt1"/>
+                </a:solidFill>
+                <a:latin typeface="Courier New"/>
+                <a:ea typeface="Courier New"/>
+                <a:cs typeface="Courier New"/>
+                <a:sym typeface="Courier New"/>
+              </a:rPr>
+              <a:t> </a:t>
+            </a:r>
+            <a:r>
+              <a:rPr lang="en-US" sz="3400" b="1" i="0" u="none" strike="noStrike" cap="none" dirty="0">
+                <a:solidFill>
+                  <a:srgbClr val="FF7F00"/>
+                </a:solidFill>
+                <a:latin typeface="Courier New"/>
+                <a:ea typeface="Courier New"/>
+                <a:cs typeface="Courier New"/>
+                <a:sym typeface="Courier New"/>
+              </a:rPr>
+              <a:t>'banana'</a:t>
+            </a:r>
+            <a:r>
+              <a:rPr lang="en-US" sz="3400" b="1" i="0" u="none" strike="noStrike" cap="none" dirty="0">
+                <a:solidFill>
+                  <a:schemeClr val="lt1"/>
+                </a:solidFill>
+                <a:latin typeface="Courier New"/>
+                <a:ea typeface="Courier New"/>
+                <a:cs typeface="Courier New"/>
+                <a:sym typeface="Courier New"/>
+              </a:rPr>
+              <a:t>:</a:t>
+            </a:r>
+          </a:p>
+          <a:p>
+            <a:pPr marL="0" marR="0" lvl="0" indent="0" algn="l" rtl="0">
+              <a:lnSpc>
+                <a:spcPct val="100000"/>
+              </a:lnSpc>
+              <a:spcBef>
+                <a:spcPts val="0"/>
+              </a:spcBef>
+              <a:spcAft>
+                <a:spcPts val="0"/>
+              </a:spcAft>
+              <a:buClr>
+                <a:schemeClr val="lt1"/>
+              </a:buClr>
+              <a:buSzPct val="25000"/>
+              <a:buFont typeface="Arial"/>
+              <a:buNone/>
+            </a:pPr>
+            <a:r>
+              <a:rPr lang="en-US" sz="3400" b="1" i="0" u="none" strike="noStrike" cap="none" dirty="0">
+                <a:solidFill>
+                  <a:schemeClr val="lt1"/>
+                </a:solidFill>
+                <a:latin typeface="Courier New"/>
+                <a:ea typeface="Courier New"/>
+                <a:cs typeface="Courier New"/>
+                <a:sym typeface="Courier New"/>
+              </a:rPr>
+              <a:t>    </a:t>
+            </a:r>
+            <a:r>
+              <a:rPr lang="en-US" sz="3400" b="1" i="0" u="none" strike="noStrike" cap="none" dirty="0" smtClean="0">
+                <a:solidFill>
+                  <a:srgbClr val="FFFF00"/>
+                </a:solidFill>
+                <a:latin typeface="Courier New"/>
+                <a:ea typeface="Courier New"/>
+                <a:cs typeface="Courier New"/>
+                <a:sym typeface="Courier New"/>
+              </a:rPr>
+              <a:t>print</a:t>
+            </a:r>
+            <a:r>
+              <a:rPr lang="en-US" sz="3400" b="1" dirty="0">
+                <a:solidFill>
+                  <a:schemeClr val="lt1"/>
+                </a:solidFill>
+                <a:latin typeface="Courier New"/>
+                <a:ea typeface="Courier New"/>
+                <a:cs typeface="Courier New"/>
+                <a:sym typeface="Courier New"/>
+              </a:rPr>
+              <a:t>(</a:t>
+            </a:r>
+            <a:r>
+              <a:rPr lang="en-US" sz="3400" b="1" i="0" u="none" strike="noStrike" cap="none" dirty="0" smtClean="0">
+                <a:solidFill>
+                  <a:srgbClr val="FF7F00"/>
+                </a:solidFill>
+                <a:latin typeface="Courier New"/>
+                <a:ea typeface="Courier New"/>
+                <a:cs typeface="Courier New"/>
+                <a:sym typeface="Courier New"/>
+              </a:rPr>
+              <a:t>'Your </a:t>
+            </a:r>
+            <a:r>
+              <a:rPr lang="en-US" sz="3400" b="1" i="0" u="none" strike="noStrike" cap="none" dirty="0">
+                <a:solidFill>
+                  <a:srgbClr val="FF7F00"/>
+                </a:solidFill>
+                <a:latin typeface="Courier New"/>
+                <a:ea typeface="Courier New"/>
+                <a:cs typeface="Courier New"/>
+                <a:sym typeface="Courier New"/>
+              </a:rPr>
+              <a:t>word,'</a:t>
+            </a:r>
+            <a:r>
+              <a:rPr lang="en-US" sz="3400" b="1" i="0" u="none" strike="noStrike" cap="none" dirty="0">
+                <a:solidFill>
+                  <a:schemeClr val="lt1"/>
+                </a:solidFill>
+                <a:latin typeface="Courier New"/>
+                <a:ea typeface="Courier New"/>
+                <a:cs typeface="Courier New"/>
+                <a:sym typeface="Courier New"/>
+              </a:rPr>
+              <a:t> </a:t>
+            </a:r>
+            <a:r>
+              <a:rPr lang="en-US" sz="3400" b="1" i="0" u="none" strike="noStrike" cap="none" dirty="0">
+                <a:solidFill>
+                  <a:srgbClr val="00FFFF"/>
+                </a:solidFill>
+                <a:latin typeface="Courier New"/>
+                <a:ea typeface="Courier New"/>
+                <a:cs typeface="Courier New"/>
+                <a:sym typeface="Courier New"/>
+              </a:rPr>
+              <a:t>+</a:t>
+            </a:r>
+            <a:r>
+              <a:rPr lang="en-US" sz="3400" b="1" i="0" u="none" strike="noStrike" cap="none" dirty="0">
+                <a:solidFill>
+                  <a:schemeClr val="lt1"/>
+                </a:solidFill>
+                <a:latin typeface="Courier New"/>
+                <a:ea typeface="Courier New"/>
+                <a:cs typeface="Courier New"/>
+                <a:sym typeface="Courier New"/>
+              </a:rPr>
+              <a:t> </a:t>
+            </a:r>
+            <a:r>
+              <a:rPr lang="en-US" sz="3400" b="1" i="0" u="none" strike="noStrike" cap="none" dirty="0">
+                <a:solidFill>
+                  <a:srgbClr val="00FF00"/>
+                </a:solidFill>
+                <a:latin typeface="Courier New"/>
+                <a:ea typeface="Courier New"/>
+                <a:cs typeface="Courier New"/>
+                <a:sym typeface="Courier New"/>
+              </a:rPr>
+              <a:t>word</a:t>
+            </a:r>
+            <a:r>
+              <a:rPr lang="en-US" sz="3400" b="1" i="0" u="none" strike="noStrike" cap="none" dirty="0">
+                <a:solidFill>
+                  <a:schemeClr val="lt1"/>
+                </a:solidFill>
+                <a:latin typeface="Courier New"/>
+                <a:ea typeface="Courier New"/>
+                <a:cs typeface="Courier New"/>
+                <a:sym typeface="Courier New"/>
+              </a:rPr>
+              <a:t> </a:t>
+            </a:r>
+            <a:r>
+              <a:rPr lang="en-US" sz="3400" b="1" i="0" u="none" strike="noStrike" cap="none" dirty="0">
+                <a:solidFill>
+                  <a:srgbClr val="00FFFF"/>
+                </a:solidFill>
+                <a:latin typeface="Courier New"/>
+                <a:ea typeface="Courier New"/>
+                <a:cs typeface="Courier New"/>
+                <a:sym typeface="Courier New"/>
+              </a:rPr>
+              <a:t>+</a:t>
+            </a:r>
+            <a:r>
+              <a:rPr lang="en-US" sz="3400" b="1" i="0" u="none" strike="noStrike" cap="none" dirty="0">
+                <a:solidFill>
+                  <a:schemeClr val="lt1"/>
+                </a:solidFill>
+                <a:latin typeface="Courier New"/>
+                <a:ea typeface="Courier New"/>
+                <a:cs typeface="Courier New"/>
+                <a:sym typeface="Courier New"/>
+              </a:rPr>
+              <a:t> </a:t>
+            </a:r>
+            <a:r>
+              <a:rPr lang="en-US" sz="3400" b="1" i="0" u="none" strike="noStrike" cap="none" dirty="0">
+                <a:solidFill>
+                  <a:srgbClr val="FF7F00"/>
+                </a:solidFill>
+                <a:latin typeface="Courier New"/>
+                <a:ea typeface="Courier New"/>
+                <a:cs typeface="Courier New"/>
+                <a:sym typeface="Courier New"/>
+              </a:rPr>
+              <a:t>', comes after banana</a:t>
+            </a:r>
+            <a:r>
+              <a:rPr lang="en-US" sz="3400" b="1" i="0" u="none" strike="noStrike" cap="none" dirty="0" smtClean="0">
+                <a:solidFill>
+                  <a:srgbClr val="FF7F00"/>
+                </a:solidFill>
+                <a:latin typeface="Courier New"/>
+                <a:ea typeface="Courier New"/>
+                <a:cs typeface="Courier New"/>
+                <a:sym typeface="Courier New"/>
+              </a:rPr>
+              <a:t>.</a:t>
+            </a:r>
+            <a:r>
+              <a:rPr lang="en-US" sz="3400" b="1" dirty="0" smtClean="0">
+                <a:solidFill>
+                  <a:srgbClr val="FF7F00"/>
+                </a:solidFill>
+                <a:latin typeface="Courier New"/>
+                <a:ea typeface="Courier New"/>
+                <a:cs typeface="Courier New"/>
+                <a:sym typeface="Courier New"/>
+              </a:rPr>
+              <a:t>'</a:t>
+            </a:r>
+            <a:r>
+              <a:rPr lang="en-US" sz="3400" b="1" dirty="0" smtClean="0">
+                <a:solidFill>
+                  <a:schemeClr val="bg1"/>
+                </a:solidFill>
+                <a:latin typeface="Courier New"/>
+                <a:ea typeface="Courier New"/>
+                <a:cs typeface="Courier New"/>
+                <a:sym typeface="Courier New"/>
+              </a:rPr>
+              <a:t>)</a:t>
+            </a:r>
+            <a:endParaRPr lang="en-US" sz="3400" b="1" dirty="0">
+              <a:solidFill>
+                <a:schemeClr val="bg1"/>
+              </a:solidFill>
+              <a:latin typeface="Courier New"/>
+              <a:ea typeface="Courier New"/>
+              <a:cs typeface="Courier New"/>
+              <a:sym typeface="Courier New"/>
+            </a:endParaRPr>
+          </a:p>
+          <a:p>
+            <a:pPr marL="0" marR="0" lvl="0" indent="0" algn="l" rtl="0">
+              <a:lnSpc>
+                <a:spcPct val="100000"/>
+              </a:lnSpc>
+              <a:spcBef>
+                <a:spcPts val="0"/>
+              </a:spcBef>
+              <a:spcAft>
+                <a:spcPts val="0"/>
+              </a:spcAft>
+              <a:buClr>
+                <a:srgbClr val="FFFF00"/>
+              </a:buClr>
+              <a:buSzPct val="25000"/>
+              <a:buFont typeface="Arial"/>
+              <a:buNone/>
+            </a:pPr>
+            <a:r>
+              <a:rPr lang="en-US" sz="3400" b="1" i="0" u="none" strike="noStrike" cap="none" dirty="0">
+                <a:solidFill>
+                  <a:srgbClr val="FFFF00"/>
+                </a:solidFill>
+                <a:latin typeface="Courier New"/>
+                <a:ea typeface="Courier New"/>
+                <a:cs typeface="Courier New"/>
+                <a:sym typeface="Courier New"/>
+              </a:rPr>
+              <a:t>else</a:t>
+            </a:r>
+            <a:r>
+              <a:rPr lang="en-US" sz="3400" b="1" i="0" u="none" strike="noStrike" cap="none" dirty="0">
+                <a:solidFill>
+                  <a:schemeClr val="lt1"/>
+                </a:solidFill>
+                <a:latin typeface="Courier New"/>
+                <a:ea typeface="Courier New"/>
+                <a:cs typeface="Courier New"/>
+                <a:sym typeface="Courier New"/>
+              </a:rPr>
+              <a:t>:</a:t>
+            </a:r>
+          </a:p>
+          <a:p>
+            <a:pPr marL="0" marR="0" lvl="0" indent="0" algn="l" rtl="0">
+              <a:lnSpc>
+                <a:spcPct val="100000"/>
+              </a:lnSpc>
+              <a:spcBef>
+                <a:spcPts val="0"/>
+              </a:spcBef>
+              <a:spcAft>
+                <a:spcPts val="0"/>
+              </a:spcAft>
+              <a:buClr>
+                <a:schemeClr val="lt1"/>
+              </a:buClr>
+              <a:buSzPct val="25000"/>
+              <a:buFont typeface="Arial"/>
+              <a:buNone/>
+            </a:pPr>
+            <a:r>
+              <a:rPr lang="en-US" sz="3400" b="1" i="0" u="none" strike="noStrike" cap="none" dirty="0">
+                <a:solidFill>
+                  <a:schemeClr val="lt1"/>
+                </a:solidFill>
+                <a:latin typeface="Courier New"/>
+                <a:ea typeface="Courier New"/>
+                <a:cs typeface="Courier New"/>
+                <a:sym typeface="Courier New"/>
+              </a:rPr>
+              <a:t>    </a:t>
+            </a:r>
+            <a:r>
+              <a:rPr lang="en-US" sz="3400" b="1" i="0" u="none" strike="noStrike" cap="none" dirty="0" smtClean="0">
+                <a:solidFill>
+                  <a:srgbClr val="FFFF00"/>
+                </a:solidFill>
+                <a:latin typeface="Courier New"/>
+                <a:ea typeface="Courier New"/>
+                <a:cs typeface="Courier New"/>
+                <a:sym typeface="Courier New"/>
+              </a:rPr>
+              <a:t>print</a:t>
+            </a:r>
+            <a:r>
+              <a:rPr lang="en-US" sz="3400" b="1" dirty="0">
+                <a:solidFill>
+                  <a:schemeClr val="lt1"/>
+                </a:solidFill>
+                <a:latin typeface="Courier New"/>
+                <a:ea typeface="Courier New"/>
+                <a:cs typeface="Courier New"/>
+                <a:sym typeface="Courier New"/>
+              </a:rPr>
+              <a:t>(</a:t>
+            </a:r>
+            <a:r>
+              <a:rPr lang="en-US" sz="3400" b="1" i="0" u="none" strike="noStrike" cap="none" dirty="0" smtClean="0">
+                <a:solidFill>
+                  <a:srgbClr val="FF7F00"/>
+                </a:solidFill>
+                <a:latin typeface="Courier New"/>
+                <a:ea typeface="Courier New"/>
+                <a:cs typeface="Courier New"/>
+                <a:sym typeface="Courier New"/>
+              </a:rPr>
+              <a:t>'All </a:t>
+            </a:r>
+            <a:r>
+              <a:rPr lang="en-US" sz="3400" b="1" i="0" u="none" strike="noStrike" cap="none" dirty="0">
+                <a:solidFill>
+                  <a:srgbClr val="FF7F00"/>
+                </a:solidFill>
+                <a:latin typeface="Courier New"/>
+                <a:ea typeface="Courier New"/>
+                <a:cs typeface="Courier New"/>
+                <a:sym typeface="Courier New"/>
+              </a:rPr>
+              <a:t>right, bananas</a:t>
+            </a:r>
+            <a:r>
+              <a:rPr lang="en-US" sz="3400" b="1" i="0" u="none" strike="noStrike" cap="none" dirty="0" smtClean="0">
+                <a:solidFill>
+                  <a:srgbClr val="FF7F00"/>
+                </a:solidFill>
+                <a:latin typeface="Courier New"/>
+                <a:ea typeface="Courier New"/>
+                <a:cs typeface="Courier New"/>
+                <a:sym typeface="Courier New"/>
+              </a:rPr>
+              <a:t>.')</a:t>
+            </a:r>
+            <a:endParaRPr lang="en-US" sz="3400" b="1" i="0" u="none" strike="noStrike" cap="none" dirty="0">
+              <a:solidFill>
+                <a:srgbClr val="FF7F00"/>
+              </a:solidFill>
+              <a:latin typeface="Courier New"/>
+              <a:ea typeface="Courier New"/>
+              <a:cs typeface="Courier New"/>
+              <a:sym typeface="Courier New"/>
+            </a:endParaRPr>
+          </a:p>
+        </p:txBody>
+      </p:sp>
+    </p:spTree>
+  </p:cSld>
+  <p:clrMapOvr>
+    <a:masterClrMapping/>
+  </p:clrMapOvr>
+</p:sld>
+</file>
+
+<file path=ppt/slides/slide21.xml><?xml version="1.0" encoding="utf-8"?>
+<p:sld xmlns:a="http://schemas.openxmlformats.org/drawingml/2006/main" xmlns:r="http://schemas.openxmlformats.org/officeDocument/2006/relationships" xmlns:p="http://schemas.openxmlformats.org/presentationml/2006/main">
+  <p:cSld>
+    <p:spTree>
+      <p:nvGrpSpPr>
         <p:cNvPr id="1" name="Shape 450"/>
         <p:cNvGrpSpPr/>
         <p:nvPr/>
@@ -20631,7 +20705,7 @@
 </p:sld>
 </file>
 
-<file path=ppt/slides/slide21.xml><?xml version="1.0" encoding="utf-8"?>
+<file path=ppt/slides/slide22.xml><?xml version="1.0" encoding="utf-8"?>
 <p:sld xmlns:a="http://schemas.openxmlformats.org/drawingml/2006/main" xmlns:r="http://schemas.openxmlformats.org/officeDocument/2006/relationships" xmlns:p="http://schemas.openxmlformats.org/presentationml/2006/main">
   <p:cSld>
     <p:spTree>
@@ -21768,7 +21842,7 @@
 </p:sld>
 </file>
 
-<file path=ppt/slides/slide22.xml><?xml version="1.0" encoding="utf-8"?>
+<file path=ppt/slides/slide23.xml><?xml version="1.0" encoding="utf-8"?>
 <p:sld xmlns:a="http://schemas.openxmlformats.org/drawingml/2006/main" xmlns:r="http://schemas.openxmlformats.org/officeDocument/2006/relationships" xmlns:p="http://schemas.openxmlformats.org/presentationml/2006/main">
   <p:cSld>
     <p:spTree>
@@ -21823,7 +21897,7 @@
 </p:sld>
 </file>
 
-<file path=ppt/slides/slide23.xml><?xml version="1.0" encoding="utf-8"?>
+<file path=ppt/slides/slide24.xml><?xml version="1.0" encoding="utf-8"?>
 <p:sld xmlns:a="http://schemas.openxmlformats.org/drawingml/2006/main" xmlns:r="http://schemas.openxmlformats.org/officeDocument/2006/relationships" xmlns:p="http://schemas.openxmlformats.org/presentationml/2006/main">
   <p:cSld>
     <p:spTree>
@@ -22411,7 +22485,7 @@
 </p:sld>
 </file>
 
-<file path=ppt/slides/slide24.xml><?xml version="1.0" encoding="utf-8"?>
+<file path=ppt/slides/slide25.xml><?xml version="1.0" encoding="utf-8"?>
 <p:sld xmlns:a="http://schemas.openxmlformats.org/drawingml/2006/main" xmlns:r="http://schemas.openxmlformats.org/officeDocument/2006/relationships" xmlns:p="http://schemas.openxmlformats.org/presentationml/2006/main">
   <p:cSld>
     <p:spTree>
@@ -24138,7 +24212,7 @@
 </p:sld>
 </file>
 
-<file path=ppt/slides/slide25.xml><?xml version="1.0" encoding="utf-8"?>
+<file path=ppt/slides/slide26.xml><?xml version="1.0" encoding="utf-8"?>
 <p:sld xmlns:a="http://schemas.openxmlformats.org/drawingml/2006/main" xmlns:r="http://schemas.openxmlformats.org/officeDocument/2006/relationships" xmlns:p="http://schemas.openxmlformats.org/presentationml/2006/main">
   <p:cSld>
     <p:spTree>
@@ -25000,7 +25074,7 @@
 </p:sld>
 </file>
 
-<file path=ppt/slides/slide26.xml><?xml version="1.0" encoding="utf-8"?>
+<file path=ppt/slides/slide27.xml><?xml version="1.0" encoding="utf-8"?>
 <p:sld xmlns:a="http://schemas.openxmlformats.org/drawingml/2006/main" xmlns:r="http://schemas.openxmlformats.org/officeDocument/2006/relationships" xmlns:p="http://schemas.openxmlformats.org/presentationml/2006/main">
   <p:cSld>
     <p:spTree>
@@ -26087,7 +26161,7 @@
 </p:sld>
 </file>
 
-<file path=ppt/slides/slide27.xml><?xml version="1.0" encoding="utf-8"?>
+<file path=ppt/slides/slide28.xml><?xml version="1.0" encoding="utf-8"?>
 <p:sld xmlns:a="http://schemas.openxmlformats.org/drawingml/2006/main" xmlns:r="http://schemas.openxmlformats.org/officeDocument/2006/relationships" xmlns:p="http://schemas.openxmlformats.org/presentationml/2006/main">
   <p:cSld>
     <p:spTree>
@@ -26854,7 +26928,7 @@
 </p:sld>
 </file>
 
-<file path=ppt/slides/slide28.xml><?xml version="1.0" encoding="utf-8"?>
+<file path=ppt/slides/slide29.xml><?xml version="1.0" encoding="utf-8"?>
 <p:sld xmlns:a="http://schemas.openxmlformats.org/drawingml/2006/main" xmlns:r="http://schemas.openxmlformats.org/officeDocument/2006/relationships" xmlns:p="http://schemas.openxmlformats.org/presentationml/2006/main">
   <p:cSld>
     <p:spTree>
@@ -27285,7 +27359,1313 @@
 </p:sld>
 </file>
 
-<file path=ppt/slides/slide29.xml><?xml version="1.0" encoding="utf-8"?>
+<file path=ppt/slides/slide3.xml><?xml version="1.0" encoding="utf-8"?>
+<p:sld xmlns:a="http://schemas.openxmlformats.org/drawingml/2006/main" xmlns:r="http://schemas.openxmlformats.org/officeDocument/2006/relationships" xmlns:p="http://schemas.openxmlformats.org/presentationml/2006/main">
+  <p:cSld>
+    <p:spTree>
+      <p:nvGrpSpPr>
+        <p:cNvPr id="1" name="Shape 219"/>
+        <p:cNvGrpSpPr/>
+        <p:nvPr/>
+      </p:nvGrpSpPr>
+      <p:grpSpPr>
+        <a:xfrm>
+          <a:off x="0" y="0"/>
+          <a:ext cx="0" cy="0"/>
+          <a:chOff x="0" y="0"/>
+          <a:chExt cx="0" cy="0"/>
+        </a:xfrm>
+      </p:grpSpPr>
+      <p:sp>
+        <p:nvSpPr>
+          <p:cNvPr id="220" name="Shape 220"/>
+          <p:cNvSpPr txBox="1">
+            <a:spLocks noGrp="1"/>
+          </p:cNvSpPr>
+          <p:nvPr>
+            <p:ph type="title"/>
+          </p:nvPr>
+        </p:nvSpPr>
+        <p:spPr>
+          <a:xfrm>
+            <a:off x="1155700" y="833718"/>
+            <a:ext cx="6416675" cy="1706182"/>
+          </a:xfrm>
+          <a:prstGeom prst="rect">
+            <a:avLst/>
+          </a:prstGeom>
+          <a:noFill/>
+          <a:ln>
+            <a:noFill/>
+          </a:ln>
+        </p:spPr>
+        <p:txBody>
+          <a:bodyPr lIns="38100" tIns="38100" rIns="38100" bIns="38100" anchor="ctr" anchorCtr="0">
+            <a:noAutofit/>
+          </a:bodyPr>
+          <a:lstStyle/>
+          <a:p>
+            <a:pPr marL="0" marR="0" lvl="0" indent="0" algn="ctr" rtl="0">
+              <a:lnSpc>
+                <a:spcPct val="100000"/>
+              </a:lnSpc>
+              <a:spcBef>
+                <a:spcPts val="0"/>
+              </a:spcBef>
+              <a:spcAft>
+                <a:spcPts val="0"/>
+              </a:spcAft>
+              <a:buClr>
+                <a:srgbClr val="FF7F00"/>
+              </a:buClr>
+              <a:buSzPct val="25000"/>
+              <a:buFont typeface="Cabin"/>
+              <a:buNone/>
+            </a:pPr>
+            <a:r>
+              <a:rPr lang="en-US" sz="6700" u="none" strike="noStrike" cap="none">
+                <a:solidFill>
+                  <a:srgbClr val="FFFF00"/>
+                </a:solidFill>
+                <a:latin typeface="Arial" charset="0"/>
+                <a:ea typeface="Arial" charset="0"/>
+                <a:cs typeface="Arial" charset="0"/>
+                <a:sym typeface="Cabin"/>
+              </a:rPr>
+              <a:t>Reading and Converting</a:t>
+            </a:r>
+          </a:p>
+        </p:txBody>
+      </p:sp>
+      <p:sp>
+        <p:nvSpPr>
+          <p:cNvPr id="221" name="Shape 221"/>
+          <p:cNvSpPr txBox="1">
+            <a:spLocks noGrp="1"/>
+          </p:cNvSpPr>
+          <p:nvPr>
+            <p:ph type="body" idx="1"/>
+          </p:nvPr>
+        </p:nvSpPr>
+        <p:spPr>
+          <a:xfrm>
+            <a:off x="1155700" y="2603500"/>
+            <a:ext cx="6416675" cy="5702399"/>
+          </a:xfrm>
+          <a:prstGeom prst="rect">
+            <a:avLst/>
+          </a:prstGeom>
+          <a:noFill/>
+          <a:ln>
+            <a:noFill/>
+          </a:ln>
+        </p:spPr>
+        <p:txBody>
+          <a:bodyPr lIns="38100" tIns="38100" rIns="38100" bIns="38100" anchor="ctr" anchorCtr="0">
+            <a:noAutofit/>
+          </a:bodyPr>
+          <a:lstStyle/>
+          <a:p>
+            <a:pPr marL="749300" marR="0" lvl="0" indent="-332994" algn="l" rtl="0">
+              <a:lnSpc>
+                <a:spcPct val="100000"/>
+              </a:lnSpc>
+              <a:spcBef>
+                <a:spcPts val="0"/>
+              </a:spcBef>
+              <a:spcAft>
+                <a:spcPts val="0"/>
+              </a:spcAft>
+              <a:buClr>
+                <a:schemeClr val="lt1"/>
+              </a:buClr>
+              <a:buSzPct val="100000"/>
+              <a:buFont typeface="Cabin"/>
+              <a:buChar char="•"/>
+            </a:pPr>
+            <a:r>
+              <a:rPr lang="en-US" sz="3000" u="none" strike="noStrike" cap="none" dirty="0">
+                <a:solidFill>
+                  <a:schemeClr val="lt1"/>
+                </a:solidFill>
+                <a:latin typeface="Arial" charset="0"/>
+                <a:ea typeface="Arial" charset="0"/>
+                <a:cs typeface="Arial" charset="0"/>
+                <a:sym typeface="Cabin"/>
+              </a:rPr>
+              <a:t>We prefer to read data in using </a:t>
+            </a:r>
+            <a:r>
+              <a:rPr lang="en-US" sz="3000" u="none" strike="noStrike" cap="none" dirty="0">
+                <a:solidFill>
+                  <a:srgbClr val="FF7F00"/>
+                </a:solidFill>
+                <a:latin typeface="Arial" charset="0"/>
+                <a:ea typeface="Arial" charset="0"/>
+                <a:cs typeface="Arial" charset="0"/>
+                <a:sym typeface="Cabin"/>
+              </a:rPr>
+              <a:t>strings</a:t>
+            </a:r>
+            <a:r>
+              <a:rPr lang="en-US" sz="3000" u="none" strike="noStrike" cap="none" dirty="0">
+                <a:solidFill>
+                  <a:schemeClr val="lt1"/>
+                </a:solidFill>
+                <a:latin typeface="Arial" charset="0"/>
+                <a:ea typeface="Arial" charset="0"/>
+                <a:cs typeface="Arial" charset="0"/>
+                <a:sym typeface="Cabin"/>
+              </a:rPr>
+              <a:t> and then parse and convert the data as we need</a:t>
+            </a:r>
+          </a:p>
+          <a:p>
+            <a:pPr marL="749300" marR="0" lvl="0" indent="-332994" algn="l" rtl="0">
+              <a:lnSpc>
+                <a:spcPct val="100000"/>
+              </a:lnSpc>
+              <a:spcBef>
+                <a:spcPts val="3500"/>
+              </a:spcBef>
+              <a:spcAft>
+                <a:spcPts val="0"/>
+              </a:spcAft>
+              <a:buClr>
+                <a:schemeClr val="lt1"/>
+              </a:buClr>
+              <a:buSzPct val="100000"/>
+              <a:buFont typeface="Cabin"/>
+              <a:buChar char="•"/>
+            </a:pPr>
+            <a:r>
+              <a:rPr lang="en-US" sz="3000" u="none" strike="noStrike" cap="none" dirty="0">
+                <a:solidFill>
+                  <a:schemeClr val="lt1"/>
+                </a:solidFill>
+                <a:latin typeface="Arial" charset="0"/>
+                <a:ea typeface="Arial" charset="0"/>
+                <a:cs typeface="Arial" charset="0"/>
+                <a:sym typeface="Cabin"/>
+              </a:rPr>
+              <a:t>This gives us more control over error situations and/or bad user input</a:t>
+            </a:r>
+          </a:p>
+          <a:p>
+            <a:pPr marL="749300" marR="0" lvl="0" indent="-332994" algn="l" rtl="0">
+              <a:lnSpc>
+                <a:spcPct val="100000"/>
+              </a:lnSpc>
+              <a:spcBef>
+                <a:spcPts val="3500"/>
+              </a:spcBef>
+              <a:spcAft>
+                <a:spcPts val="0"/>
+              </a:spcAft>
+              <a:buClr>
+                <a:schemeClr val="lt1"/>
+              </a:buClr>
+              <a:buSzPct val="100000"/>
+              <a:buFont typeface="Cabin"/>
+              <a:buChar char="•"/>
+            </a:pPr>
+            <a:r>
+              <a:rPr lang="en-US" sz="3000" u="none" strike="noStrike" cap="none" dirty="0">
+                <a:solidFill>
+                  <a:schemeClr val="lt1"/>
+                </a:solidFill>
+                <a:latin typeface="Arial" charset="0"/>
+                <a:ea typeface="Arial" charset="0"/>
+                <a:cs typeface="Arial" charset="0"/>
+                <a:sym typeface="Cabin"/>
+              </a:rPr>
+              <a:t>Raw input numbers must be </a:t>
+            </a:r>
+            <a:r>
+              <a:rPr lang="en-US" sz="3000" u="none" strike="noStrike" cap="none" dirty="0">
+                <a:solidFill>
+                  <a:srgbClr val="FF00FF"/>
+                </a:solidFill>
+                <a:latin typeface="Arial" charset="0"/>
+                <a:ea typeface="Arial" charset="0"/>
+                <a:cs typeface="Arial" charset="0"/>
+                <a:sym typeface="Cabin"/>
+              </a:rPr>
+              <a:t>converted</a:t>
+            </a:r>
+            <a:r>
+              <a:rPr lang="en-US" sz="3000" u="none" strike="noStrike" cap="none" dirty="0">
+                <a:solidFill>
+                  <a:schemeClr val="lt1"/>
+                </a:solidFill>
+                <a:latin typeface="Arial" charset="0"/>
+                <a:ea typeface="Arial" charset="0"/>
+                <a:cs typeface="Arial" charset="0"/>
+                <a:sym typeface="Cabin"/>
+              </a:rPr>
+              <a:t> from strings</a:t>
+            </a:r>
+          </a:p>
+        </p:txBody>
+      </p:sp>
+      <p:sp>
+        <p:nvSpPr>
+          <p:cNvPr id="222" name="Shape 222"/>
+          <p:cNvSpPr txBox="1"/>
+          <p:nvPr/>
+        </p:nvSpPr>
+        <p:spPr>
+          <a:xfrm>
+            <a:off x="8342311" y="869950"/>
+            <a:ext cx="7099200" cy="7391399"/>
+          </a:xfrm>
+          <a:prstGeom prst="rect">
+            <a:avLst/>
+          </a:prstGeom>
+          <a:noFill/>
+          <a:ln>
+            <a:noFill/>
+          </a:ln>
+        </p:spPr>
+        <p:txBody>
+          <a:bodyPr lIns="0" tIns="0" rIns="0" bIns="0" anchor="ctr" anchorCtr="0">
+            <a:noAutofit/>
+          </a:bodyPr>
+          <a:lstStyle/>
+          <a:p>
+            <a:pPr marL="0" marR="0" lvl="0" indent="0" algn="l" rtl="0">
+              <a:lnSpc>
+                <a:spcPct val="100000"/>
+              </a:lnSpc>
+              <a:spcBef>
+                <a:spcPts val="0"/>
+              </a:spcBef>
+              <a:spcAft>
+                <a:spcPts val="0"/>
+              </a:spcAft>
+              <a:buClr>
+                <a:schemeClr val="lt1"/>
+              </a:buClr>
+              <a:buSzPct val="25000"/>
+              <a:buFont typeface="Cabin"/>
+              <a:buNone/>
+            </a:pPr>
+            <a:r>
+              <a:rPr lang="en-US" sz="3000" b="1" i="0" u="none" strike="noStrike" cap="none" dirty="0">
+                <a:solidFill>
+                  <a:schemeClr val="lt1"/>
+                </a:solidFill>
+                <a:latin typeface="Courier New"/>
+                <a:ea typeface="Courier New"/>
+                <a:cs typeface="Courier New"/>
+                <a:sym typeface="Courier New"/>
+              </a:rPr>
+              <a:t>&gt;&gt;&gt; </a:t>
+            </a:r>
+            <a:r>
+              <a:rPr lang="en-US" sz="3000" b="1" i="0" u="none" strike="noStrike" cap="none" dirty="0">
+                <a:solidFill>
+                  <a:srgbClr val="00FF00"/>
+                </a:solidFill>
+                <a:latin typeface="Courier New"/>
+                <a:ea typeface="Courier New"/>
+                <a:cs typeface="Courier New"/>
+                <a:sym typeface="Courier New"/>
+              </a:rPr>
+              <a:t>name</a:t>
+            </a:r>
+            <a:r>
+              <a:rPr lang="en-US" sz="3000" b="1" i="0" u="none" strike="noStrike" cap="none" dirty="0">
+                <a:solidFill>
+                  <a:srgbClr val="FF7F00"/>
+                </a:solidFill>
+                <a:latin typeface="Courier New"/>
+                <a:ea typeface="Courier New"/>
+                <a:cs typeface="Courier New"/>
+                <a:sym typeface="Courier New"/>
+              </a:rPr>
+              <a:t> </a:t>
+            </a:r>
+            <a:r>
+              <a:rPr lang="en-US" sz="3000" b="1" i="0" u="none" strike="noStrike" cap="none" dirty="0">
+                <a:solidFill>
+                  <a:schemeClr val="lt1"/>
+                </a:solidFill>
+                <a:latin typeface="Courier New"/>
+                <a:ea typeface="Courier New"/>
+                <a:cs typeface="Courier New"/>
+                <a:sym typeface="Courier New"/>
+              </a:rPr>
+              <a:t>=</a:t>
+            </a:r>
+            <a:r>
+              <a:rPr lang="en-US" sz="3000" b="1" i="0" u="none" strike="noStrike" cap="none" dirty="0">
+                <a:solidFill>
+                  <a:srgbClr val="FF7F00"/>
+                </a:solidFill>
+                <a:latin typeface="Courier New"/>
+                <a:ea typeface="Courier New"/>
+                <a:cs typeface="Courier New"/>
+                <a:sym typeface="Courier New"/>
+              </a:rPr>
+              <a:t> </a:t>
+            </a:r>
+            <a:r>
+              <a:rPr lang="en-US" sz="3000" b="1" i="0" u="none" strike="noStrike" cap="none" dirty="0" smtClean="0">
+                <a:solidFill>
+                  <a:srgbClr val="FF00FF"/>
+                </a:solidFill>
+                <a:latin typeface="Courier New"/>
+                <a:ea typeface="Courier New"/>
+                <a:cs typeface="Courier New"/>
+                <a:sym typeface="Courier New"/>
+              </a:rPr>
+              <a:t>input</a:t>
+            </a:r>
+            <a:r>
+              <a:rPr lang="en-US" sz="3000" b="1" i="0" u="none" strike="noStrike" cap="none" dirty="0">
+                <a:solidFill>
+                  <a:schemeClr val="lt1"/>
+                </a:solidFill>
+                <a:latin typeface="Courier New"/>
+                <a:ea typeface="Courier New"/>
+                <a:cs typeface="Courier New"/>
+                <a:sym typeface="Courier New"/>
+              </a:rPr>
+              <a:t>(</a:t>
+            </a:r>
+            <a:r>
+              <a:rPr lang="en-US" sz="3000" b="1" i="0" u="none" strike="noStrike" cap="none" dirty="0">
+                <a:solidFill>
+                  <a:srgbClr val="FF7F00"/>
+                </a:solidFill>
+                <a:latin typeface="Courier New"/>
+                <a:ea typeface="Courier New"/>
+                <a:cs typeface="Courier New"/>
+                <a:sym typeface="Courier New"/>
+              </a:rPr>
+              <a:t>'Enter:'</a:t>
+            </a:r>
+            <a:r>
+              <a:rPr lang="en-US" sz="3000" b="1" i="0" u="none" strike="noStrike" cap="none" dirty="0">
+                <a:solidFill>
+                  <a:schemeClr val="lt1"/>
+                </a:solidFill>
+                <a:latin typeface="Courier New"/>
+                <a:ea typeface="Courier New"/>
+                <a:cs typeface="Courier New"/>
+                <a:sym typeface="Courier New"/>
+              </a:rPr>
+              <a:t>)</a:t>
+            </a:r>
+          </a:p>
+          <a:p>
+            <a:pPr marL="0" marR="0" lvl="0" indent="0" algn="l" rtl="0">
+              <a:lnSpc>
+                <a:spcPct val="100000"/>
+              </a:lnSpc>
+              <a:spcBef>
+                <a:spcPts val="0"/>
+              </a:spcBef>
+              <a:spcAft>
+                <a:spcPts val="0"/>
+              </a:spcAft>
+              <a:buClr>
+                <a:schemeClr val="lt1"/>
+              </a:buClr>
+              <a:buSzPct val="25000"/>
+              <a:buFont typeface="Cabin"/>
+              <a:buNone/>
+            </a:pPr>
+            <a:r>
+              <a:rPr lang="en-US" sz="3000" b="1" i="0" u="none" strike="noStrike" cap="none" dirty="0" err="1">
+                <a:solidFill>
+                  <a:schemeClr val="lt1"/>
+                </a:solidFill>
+                <a:latin typeface="Courier New"/>
+                <a:ea typeface="Courier New"/>
+                <a:cs typeface="Courier New"/>
+                <a:sym typeface="Courier New"/>
+              </a:rPr>
+              <a:t>Enter:</a:t>
+            </a:r>
+            <a:r>
+              <a:rPr lang="en-US" sz="3000" b="1" i="0" u="none" strike="noStrike" cap="none" dirty="0" err="1">
+                <a:solidFill>
+                  <a:srgbClr val="00FF00"/>
+                </a:solidFill>
+                <a:latin typeface="Courier New"/>
+                <a:ea typeface="Courier New"/>
+                <a:cs typeface="Courier New"/>
+                <a:sym typeface="Courier New"/>
+              </a:rPr>
+              <a:t>Chuck</a:t>
+            </a:r>
+            <a:endParaRPr lang="en-US" sz="3000" b="1" i="0" u="none" strike="noStrike" cap="none" dirty="0">
+              <a:solidFill>
+                <a:srgbClr val="00FF00"/>
+              </a:solidFill>
+              <a:latin typeface="Courier New"/>
+              <a:ea typeface="Courier New"/>
+              <a:cs typeface="Courier New"/>
+              <a:sym typeface="Courier New"/>
+            </a:endParaRPr>
+          </a:p>
+          <a:p>
+            <a:pPr marL="0" marR="0" lvl="0" indent="0" algn="l" rtl="0">
+              <a:lnSpc>
+                <a:spcPct val="100000"/>
+              </a:lnSpc>
+              <a:spcBef>
+                <a:spcPts val="0"/>
+              </a:spcBef>
+              <a:spcAft>
+                <a:spcPts val="0"/>
+              </a:spcAft>
+              <a:buClr>
+                <a:schemeClr val="lt1"/>
+              </a:buClr>
+              <a:buSzPct val="25000"/>
+              <a:buFont typeface="Cabin"/>
+              <a:buNone/>
+            </a:pPr>
+            <a:r>
+              <a:rPr lang="en-US" sz="3000" b="1" i="0" u="none" strike="noStrike" cap="none" dirty="0">
+                <a:solidFill>
+                  <a:schemeClr val="lt1"/>
+                </a:solidFill>
+                <a:latin typeface="Courier New"/>
+                <a:ea typeface="Courier New"/>
+                <a:cs typeface="Courier New"/>
+                <a:sym typeface="Courier New"/>
+              </a:rPr>
+              <a:t>&gt;&gt;&gt; </a:t>
+            </a:r>
+            <a:r>
+              <a:rPr lang="en-US" sz="3000" b="1" i="0" u="none" strike="noStrike" cap="none" dirty="0" smtClean="0">
+                <a:solidFill>
+                  <a:srgbClr val="FFFF00"/>
+                </a:solidFill>
+                <a:latin typeface="Courier New"/>
+                <a:ea typeface="Courier New"/>
+                <a:cs typeface="Courier New"/>
+                <a:sym typeface="Courier New"/>
+              </a:rPr>
+              <a:t>print</a:t>
+            </a:r>
+            <a:r>
+              <a:rPr lang="en-US" sz="3000" b="1" dirty="0" smtClean="0">
+                <a:solidFill>
+                  <a:schemeClr val="lt1"/>
+                </a:solidFill>
+                <a:latin typeface="Courier New"/>
+                <a:ea typeface="Courier New"/>
+                <a:cs typeface="Courier New"/>
+                <a:sym typeface="Courier New"/>
+              </a:rPr>
+              <a:t>(</a:t>
+            </a:r>
+            <a:r>
+              <a:rPr lang="en-US" sz="3000" b="1" i="0" u="none" strike="noStrike" cap="none" dirty="0" smtClean="0">
+                <a:solidFill>
+                  <a:srgbClr val="FF7F00"/>
+                </a:solidFill>
+                <a:latin typeface="Courier New"/>
+                <a:ea typeface="Courier New"/>
+                <a:cs typeface="Courier New"/>
+                <a:sym typeface="Courier New"/>
+              </a:rPr>
+              <a:t>name</a:t>
+            </a:r>
+            <a:r>
+              <a:rPr lang="en-US" sz="3000" b="1" i="0" u="none" strike="noStrike" cap="none" dirty="0" smtClean="0">
+                <a:solidFill>
+                  <a:schemeClr val="bg1"/>
+                </a:solidFill>
+                <a:latin typeface="Courier New"/>
+                <a:ea typeface="Courier New"/>
+                <a:cs typeface="Courier New"/>
+                <a:sym typeface="Courier New"/>
+              </a:rPr>
+              <a:t>)</a:t>
+            </a:r>
+            <a:endParaRPr lang="en-US" sz="3000" b="1" i="0" u="none" strike="noStrike" cap="none" dirty="0">
+              <a:solidFill>
+                <a:schemeClr val="bg1"/>
+              </a:solidFill>
+              <a:latin typeface="Courier New"/>
+              <a:ea typeface="Courier New"/>
+              <a:cs typeface="Courier New"/>
+              <a:sym typeface="Courier New"/>
+            </a:endParaRPr>
+          </a:p>
+          <a:p>
+            <a:pPr marL="0" marR="0" lvl="0" indent="0" algn="l" rtl="0">
+              <a:lnSpc>
+                <a:spcPct val="100000"/>
+              </a:lnSpc>
+              <a:spcBef>
+                <a:spcPts val="0"/>
+              </a:spcBef>
+              <a:spcAft>
+                <a:spcPts val="0"/>
+              </a:spcAft>
+              <a:buClr>
+                <a:schemeClr val="lt1"/>
+              </a:buClr>
+              <a:buSzPct val="25000"/>
+              <a:buFont typeface="Cabin"/>
+              <a:buNone/>
+            </a:pPr>
+            <a:r>
+              <a:rPr lang="en-US" sz="3000" b="1" i="0" u="none" strike="noStrike" cap="none" dirty="0">
+                <a:solidFill>
+                  <a:schemeClr val="lt1"/>
+                </a:solidFill>
+                <a:latin typeface="Courier New"/>
+                <a:ea typeface="Courier New"/>
+                <a:cs typeface="Courier New"/>
+                <a:sym typeface="Courier New"/>
+              </a:rPr>
+              <a:t>Chuck</a:t>
+            </a:r>
+          </a:p>
+          <a:p>
+            <a:pPr marL="0" marR="0" lvl="0" indent="0" algn="l" rtl="0">
+              <a:lnSpc>
+                <a:spcPct val="100000"/>
+              </a:lnSpc>
+              <a:spcBef>
+                <a:spcPts val="0"/>
+              </a:spcBef>
+              <a:spcAft>
+                <a:spcPts val="0"/>
+              </a:spcAft>
+              <a:buClr>
+                <a:schemeClr val="lt1"/>
+              </a:buClr>
+              <a:buSzPct val="25000"/>
+              <a:buFont typeface="Cabin"/>
+              <a:buNone/>
+            </a:pPr>
+            <a:r>
+              <a:rPr lang="en-US" sz="3000" b="1" i="0" u="none" strike="noStrike" cap="none" dirty="0">
+                <a:solidFill>
+                  <a:schemeClr val="lt1"/>
+                </a:solidFill>
+                <a:latin typeface="Courier New"/>
+                <a:ea typeface="Courier New"/>
+                <a:cs typeface="Courier New"/>
+                <a:sym typeface="Courier New"/>
+              </a:rPr>
+              <a:t>&gt;&gt;&gt; </a:t>
+            </a:r>
+            <a:r>
+              <a:rPr lang="en-US" sz="3000" b="1" i="0" u="none" strike="noStrike" cap="none" dirty="0">
+                <a:solidFill>
+                  <a:srgbClr val="00FF00"/>
+                </a:solidFill>
+                <a:latin typeface="Courier New"/>
+                <a:ea typeface="Courier New"/>
+                <a:cs typeface="Courier New"/>
+                <a:sym typeface="Courier New"/>
+              </a:rPr>
+              <a:t>apple</a:t>
+            </a:r>
+            <a:r>
+              <a:rPr lang="en-US" sz="3000" b="1" i="0" u="none" strike="noStrike" cap="none" dirty="0">
+                <a:solidFill>
+                  <a:srgbClr val="FF7F00"/>
+                </a:solidFill>
+                <a:latin typeface="Courier New"/>
+                <a:ea typeface="Courier New"/>
+                <a:cs typeface="Courier New"/>
+                <a:sym typeface="Courier New"/>
+              </a:rPr>
+              <a:t> </a:t>
+            </a:r>
+            <a:r>
+              <a:rPr lang="en-US" sz="3000" b="1" i="0" u="none" strike="noStrike" cap="none" dirty="0">
+                <a:solidFill>
+                  <a:schemeClr val="lt1"/>
+                </a:solidFill>
+                <a:latin typeface="Courier New"/>
+                <a:ea typeface="Courier New"/>
+                <a:cs typeface="Courier New"/>
+                <a:sym typeface="Courier New"/>
+              </a:rPr>
+              <a:t>=</a:t>
+            </a:r>
+            <a:r>
+              <a:rPr lang="en-US" sz="3000" b="1" i="0" u="none" strike="noStrike" cap="none" dirty="0">
+                <a:solidFill>
+                  <a:srgbClr val="FF7F00"/>
+                </a:solidFill>
+                <a:latin typeface="Courier New"/>
+                <a:ea typeface="Courier New"/>
+                <a:cs typeface="Courier New"/>
+                <a:sym typeface="Courier New"/>
+              </a:rPr>
+              <a:t> </a:t>
+            </a:r>
+            <a:r>
+              <a:rPr lang="en-US" sz="3000" b="1" i="0" u="none" strike="noStrike" cap="none" dirty="0" smtClean="0">
+                <a:solidFill>
+                  <a:srgbClr val="FF00FF"/>
+                </a:solidFill>
+                <a:latin typeface="Courier New"/>
+                <a:ea typeface="Courier New"/>
+                <a:cs typeface="Courier New"/>
+                <a:sym typeface="Courier New"/>
+              </a:rPr>
+              <a:t>input</a:t>
+            </a:r>
+            <a:r>
+              <a:rPr lang="en-US" sz="3000" b="1" i="0" u="none" strike="noStrike" cap="none" dirty="0">
+                <a:solidFill>
+                  <a:schemeClr val="lt1"/>
+                </a:solidFill>
+                <a:latin typeface="Courier New"/>
+                <a:ea typeface="Courier New"/>
+                <a:cs typeface="Courier New"/>
+                <a:sym typeface="Courier New"/>
+              </a:rPr>
+              <a:t>(</a:t>
+            </a:r>
+            <a:r>
+              <a:rPr lang="en-US" sz="3000" b="1" i="0" u="none" strike="noStrike" cap="none" dirty="0">
+                <a:solidFill>
+                  <a:srgbClr val="FF7F00"/>
+                </a:solidFill>
+                <a:latin typeface="Courier New"/>
+                <a:ea typeface="Courier New"/>
+                <a:cs typeface="Courier New"/>
+                <a:sym typeface="Courier New"/>
+              </a:rPr>
+              <a:t>'Enter:'</a:t>
+            </a:r>
+            <a:r>
+              <a:rPr lang="en-US" sz="3000" b="1" i="0" u="none" strike="noStrike" cap="none" dirty="0">
+                <a:solidFill>
+                  <a:schemeClr val="lt1"/>
+                </a:solidFill>
+                <a:latin typeface="Courier New"/>
+                <a:ea typeface="Courier New"/>
+                <a:cs typeface="Courier New"/>
+                <a:sym typeface="Courier New"/>
+              </a:rPr>
+              <a:t>)</a:t>
+            </a:r>
+          </a:p>
+          <a:p>
+            <a:pPr marL="0" marR="0" lvl="0" indent="0" algn="l" rtl="0">
+              <a:lnSpc>
+                <a:spcPct val="100000"/>
+              </a:lnSpc>
+              <a:spcBef>
+                <a:spcPts val="0"/>
+              </a:spcBef>
+              <a:spcAft>
+                <a:spcPts val="0"/>
+              </a:spcAft>
+              <a:buClr>
+                <a:schemeClr val="lt1"/>
+              </a:buClr>
+              <a:buSzPct val="25000"/>
+              <a:buFont typeface="Cabin"/>
+              <a:buNone/>
+            </a:pPr>
+            <a:r>
+              <a:rPr lang="en-US" sz="3000" b="1" i="0" u="none" strike="noStrike" cap="none" dirty="0">
+                <a:solidFill>
+                  <a:schemeClr val="lt1"/>
+                </a:solidFill>
+                <a:latin typeface="Courier New"/>
+                <a:ea typeface="Courier New"/>
+                <a:cs typeface="Courier New"/>
+                <a:sym typeface="Courier New"/>
+              </a:rPr>
+              <a:t>Enter:</a:t>
+            </a:r>
+            <a:r>
+              <a:rPr lang="en-US" sz="3000" b="1" i="0" u="none" strike="noStrike" cap="none" dirty="0">
+                <a:solidFill>
+                  <a:srgbClr val="00FF00"/>
+                </a:solidFill>
+                <a:latin typeface="Courier New"/>
+                <a:ea typeface="Courier New"/>
+                <a:cs typeface="Courier New"/>
+                <a:sym typeface="Courier New"/>
+              </a:rPr>
+              <a:t>100</a:t>
+            </a:r>
+          </a:p>
+          <a:p>
+            <a:pPr marL="0" marR="0" lvl="0" indent="0" algn="l" rtl="0">
+              <a:lnSpc>
+                <a:spcPct val="100000"/>
+              </a:lnSpc>
+              <a:spcBef>
+                <a:spcPts val="0"/>
+              </a:spcBef>
+              <a:spcAft>
+                <a:spcPts val="0"/>
+              </a:spcAft>
+              <a:buClr>
+                <a:schemeClr val="lt1"/>
+              </a:buClr>
+              <a:buSzPct val="25000"/>
+              <a:buFont typeface="Cabin"/>
+              <a:buNone/>
+            </a:pPr>
+            <a:r>
+              <a:rPr lang="en-US" sz="3000" b="1" i="0" u="none" strike="noStrike" cap="none" dirty="0">
+                <a:solidFill>
+                  <a:schemeClr val="lt1"/>
+                </a:solidFill>
+                <a:latin typeface="Courier New"/>
+                <a:ea typeface="Courier New"/>
+                <a:cs typeface="Courier New"/>
+                <a:sym typeface="Courier New"/>
+              </a:rPr>
+              <a:t>&gt;&gt;&gt; </a:t>
+            </a:r>
+            <a:r>
+              <a:rPr lang="en-US" sz="3000" b="1" i="0" u="none" strike="noStrike" cap="none" dirty="0">
+                <a:solidFill>
+                  <a:srgbClr val="00FF00"/>
+                </a:solidFill>
+                <a:latin typeface="Courier New"/>
+                <a:ea typeface="Courier New"/>
+                <a:cs typeface="Courier New"/>
+                <a:sym typeface="Courier New"/>
+              </a:rPr>
+              <a:t>x </a:t>
+            </a:r>
+            <a:r>
+              <a:rPr lang="en-US" sz="3000" b="1" i="0" u="none" strike="noStrike" cap="none" dirty="0">
+                <a:solidFill>
+                  <a:schemeClr val="lt1"/>
+                </a:solidFill>
+                <a:latin typeface="Courier New"/>
+                <a:ea typeface="Courier New"/>
+                <a:cs typeface="Courier New"/>
+                <a:sym typeface="Courier New"/>
+              </a:rPr>
+              <a:t>=</a:t>
+            </a:r>
+            <a:r>
+              <a:rPr lang="en-US" sz="3000" b="1" i="0" u="none" strike="noStrike" cap="none" dirty="0">
+                <a:solidFill>
+                  <a:srgbClr val="FF7F00"/>
+                </a:solidFill>
+                <a:latin typeface="Courier New"/>
+                <a:ea typeface="Courier New"/>
+                <a:cs typeface="Courier New"/>
+                <a:sym typeface="Courier New"/>
+              </a:rPr>
+              <a:t> </a:t>
+            </a:r>
+            <a:r>
+              <a:rPr lang="en-US" sz="3000" b="1" i="0" u="none" strike="noStrike" cap="none" dirty="0">
+                <a:solidFill>
+                  <a:srgbClr val="00FF00"/>
+                </a:solidFill>
+                <a:latin typeface="Courier New"/>
+                <a:ea typeface="Courier New"/>
+                <a:cs typeface="Courier New"/>
+                <a:sym typeface="Courier New"/>
+              </a:rPr>
+              <a:t>apple</a:t>
+            </a:r>
+            <a:r>
+              <a:rPr lang="en-US" sz="3000" b="1" i="0" u="none" strike="noStrike" cap="none" dirty="0">
+                <a:solidFill>
+                  <a:srgbClr val="FF7F00"/>
+                </a:solidFill>
+                <a:latin typeface="Courier New"/>
+                <a:ea typeface="Courier New"/>
+                <a:cs typeface="Courier New"/>
+                <a:sym typeface="Courier New"/>
+              </a:rPr>
+              <a:t> </a:t>
+            </a:r>
+            <a:r>
+              <a:rPr lang="en-US" sz="3000" b="1" i="0" u="none" strike="noStrike" cap="none" dirty="0">
+                <a:solidFill>
+                  <a:srgbClr val="00FFFF"/>
+                </a:solidFill>
+                <a:latin typeface="Courier New"/>
+                <a:ea typeface="Courier New"/>
+                <a:cs typeface="Courier New"/>
+                <a:sym typeface="Courier New"/>
+              </a:rPr>
+              <a:t>– </a:t>
+            </a:r>
+            <a:r>
+              <a:rPr lang="en-US" sz="3000" b="1" i="0" u="none" strike="noStrike" cap="none" dirty="0">
+                <a:solidFill>
+                  <a:srgbClr val="FF7F00"/>
+                </a:solidFill>
+                <a:latin typeface="Courier New"/>
+                <a:ea typeface="Courier New"/>
+                <a:cs typeface="Courier New"/>
+                <a:sym typeface="Courier New"/>
+              </a:rPr>
+              <a:t>10</a:t>
+            </a:r>
+          </a:p>
+          <a:p>
+            <a:pPr marL="0" marR="0" lvl="0" indent="0" algn="l" rtl="0">
+              <a:lnSpc>
+                <a:spcPct val="100000"/>
+              </a:lnSpc>
+              <a:spcBef>
+                <a:spcPts val="0"/>
+              </a:spcBef>
+              <a:spcAft>
+                <a:spcPts val="0"/>
+              </a:spcAft>
+              <a:buClr>
+                <a:srgbClr val="FF0000"/>
+              </a:buClr>
+              <a:buSzPct val="25000"/>
+              <a:buFont typeface="Cabin"/>
+              <a:buNone/>
+            </a:pPr>
+            <a:r>
+              <a:rPr lang="en-US" sz="3000" b="1" i="0" u="none" strike="noStrike" cap="none" dirty="0" err="1">
+                <a:solidFill>
+                  <a:srgbClr val="E06666"/>
+                </a:solidFill>
+                <a:latin typeface="Courier New"/>
+                <a:ea typeface="Courier New"/>
+                <a:cs typeface="Courier New"/>
+                <a:sym typeface="Courier New"/>
+              </a:rPr>
+              <a:t>Traceback</a:t>
+            </a:r>
+            <a:r>
+              <a:rPr lang="en-US" sz="3000" b="1" i="0" u="none" strike="noStrike" cap="none" dirty="0">
+                <a:solidFill>
+                  <a:srgbClr val="E06666"/>
+                </a:solidFill>
+                <a:latin typeface="Courier New"/>
+                <a:ea typeface="Courier New"/>
+                <a:cs typeface="Courier New"/>
+                <a:sym typeface="Courier New"/>
+              </a:rPr>
+              <a:t> (most recent call last):  File "&lt;</a:t>
+            </a:r>
+            <a:r>
+              <a:rPr lang="en-US" sz="3000" b="1" i="0" u="none" strike="noStrike" cap="none" dirty="0" err="1">
+                <a:solidFill>
+                  <a:srgbClr val="E06666"/>
+                </a:solidFill>
+                <a:latin typeface="Courier New"/>
+                <a:ea typeface="Courier New"/>
+                <a:cs typeface="Courier New"/>
+                <a:sym typeface="Courier New"/>
+              </a:rPr>
+              <a:t>stdin</a:t>
+            </a:r>
+            <a:r>
+              <a:rPr lang="en-US" sz="3000" b="1" i="0" u="none" strike="noStrike" cap="none" dirty="0">
+                <a:solidFill>
+                  <a:srgbClr val="E06666"/>
+                </a:solidFill>
+                <a:latin typeface="Courier New"/>
+                <a:ea typeface="Courier New"/>
+                <a:cs typeface="Courier New"/>
+                <a:sym typeface="Courier New"/>
+              </a:rPr>
+              <a:t>&gt;", line 1, in &lt;module</a:t>
+            </a:r>
+            <a:r>
+              <a:rPr lang="en-US" sz="3000" b="1" i="0" u="none" strike="noStrike" cap="none" dirty="0" smtClean="0">
+                <a:solidFill>
+                  <a:srgbClr val="E06666"/>
+                </a:solidFill>
+                <a:latin typeface="Courier New"/>
+                <a:ea typeface="Courier New"/>
+                <a:cs typeface="Courier New"/>
+                <a:sym typeface="Courier New"/>
+              </a:rPr>
+              <a:t>&gt;</a:t>
+            </a:r>
+          </a:p>
+          <a:p>
+            <a:pPr marL="0" marR="0" lvl="0" indent="0" algn="l" rtl="0">
+              <a:lnSpc>
+                <a:spcPct val="100000"/>
+              </a:lnSpc>
+              <a:spcBef>
+                <a:spcPts val="0"/>
+              </a:spcBef>
+              <a:spcAft>
+                <a:spcPts val="0"/>
+              </a:spcAft>
+              <a:buClr>
+                <a:srgbClr val="FF0000"/>
+              </a:buClr>
+              <a:buSzPct val="25000"/>
+              <a:buFont typeface="Cabin"/>
+              <a:buNone/>
+            </a:pPr>
+            <a:r>
+              <a:rPr lang="en-US" sz="3000" b="1" i="0" u="none" strike="noStrike" cap="none" dirty="0" err="1" smtClean="0">
+                <a:solidFill>
+                  <a:srgbClr val="E06666"/>
+                </a:solidFill>
+                <a:latin typeface="Courier New"/>
+                <a:ea typeface="Courier New"/>
+                <a:cs typeface="Courier New"/>
+                <a:sym typeface="Courier New"/>
+              </a:rPr>
+              <a:t>TypeError</a:t>
+            </a:r>
+            <a:r>
+              <a:rPr lang="en-US" sz="3000" b="1" i="0" u="none" strike="noStrike" cap="none" dirty="0">
+                <a:solidFill>
+                  <a:srgbClr val="E06666"/>
+                </a:solidFill>
+                <a:latin typeface="Courier New"/>
+                <a:ea typeface="Courier New"/>
+                <a:cs typeface="Courier New"/>
+                <a:sym typeface="Courier New"/>
+              </a:rPr>
+              <a:t>: unsupported operand type(s) for -: '</a:t>
+            </a:r>
+            <a:r>
+              <a:rPr lang="en-US" sz="3000" b="1" i="0" u="none" strike="noStrike" cap="none" dirty="0" err="1">
+                <a:solidFill>
+                  <a:srgbClr val="E06666"/>
+                </a:solidFill>
+                <a:latin typeface="Courier New"/>
+                <a:ea typeface="Courier New"/>
+                <a:cs typeface="Courier New"/>
+                <a:sym typeface="Courier New"/>
+              </a:rPr>
+              <a:t>str</a:t>
+            </a:r>
+            <a:r>
+              <a:rPr lang="en-US" sz="3000" b="1" i="0" u="none" strike="noStrike" cap="none" dirty="0">
+                <a:solidFill>
+                  <a:srgbClr val="E06666"/>
+                </a:solidFill>
+                <a:latin typeface="Courier New"/>
+                <a:ea typeface="Courier New"/>
+                <a:cs typeface="Courier New"/>
+                <a:sym typeface="Courier New"/>
+              </a:rPr>
+              <a:t>' and '</a:t>
+            </a:r>
+            <a:r>
+              <a:rPr lang="en-US" sz="3000" b="1" i="0" u="none" strike="noStrike" cap="none" dirty="0" err="1">
+                <a:solidFill>
+                  <a:srgbClr val="E06666"/>
+                </a:solidFill>
+                <a:latin typeface="Courier New"/>
+                <a:ea typeface="Courier New"/>
+                <a:cs typeface="Courier New"/>
+                <a:sym typeface="Courier New"/>
+              </a:rPr>
+              <a:t>int</a:t>
+            </a:r>
+            <a:r>
+              <a:rPr lang="en-US" sz="3000" b="1" i="0" u="none" strike="noStrike" cap="none" dirty="0">
+                <a:solidFill>
+                  <a:srgbClr val="E06666"/>
+                </a:solidFill>
+                <a:latin typeface="Courier New"/>
+                <a:ea typeface="Courier New"/>
+                <a:cs typeface="Courier New"/>
+                <a:sym typeface="Courier New"/>
+              </a:rPr>
+              <a:t>'</a:t>
+            </a:r>
+          </a:p>
+          <a:p>
+            <a:pPr marL="0" marR="0" lvl="0" indent="0" algn="l" rtl="0">
+              <a:lnSpc>
+                <a:spcPct val="100000"/>
+              </a:lnSpc>
+              <a:spcBef>
+                <a:spcPts val="0"/>
+              </a:spcBef>
+              <a:spcAft>
+                <a:spcPts val="0"/>
+              </a:spcAft>
+              <a:buClr>
+                <a:schemeClr val="lt1"/>
+              </a:buClr>
+              <a:buSzPct val="25000"/>
+              <a:buFont typeface="Cabin"/>
+              <a:buNone/>
+            </a:pPr>
+            <a:r>
+              <a:rPr lang="en-US" sz="3000" b="1" i="0" u="none" strike="noStrike" cap="none" dirty="0">
+                <a:solidFill>
+                  <a:schemeClr val="lt1"/>
+                </a:solidFill>
+                <a:latin typeface="Courier New"/>
+                <a:ea typeface="Courier New"/>
+                <a:cs typeface="Courier New"/>
+                <a:sym typeface="Courier New"/>
+              </a:rPr>
+              <a:t>&gt;&gt;&gt; </a:t>
+            </a:r>
+            <a:r>
+              <a:rPr lang="en-US" sz="3000" b="1" i="0" u="none" strike="noStrike" cap="none" dirty="0">
+                <a:solidFill>
+                  <a:srgbClr val="00FF00"/>
+                </a:solidFill>
+                <a:latin typeface="Courier New"/>
+                <a:ea typeface="Courier New"/>
+                <a:cs typeface="Courier New"/>
+                <a:sym typeface="Courier New"/>
+              </a:rPr>
+              <a:t>x</a:t>
+            </a:r>
+            <a:r>
+              <a:rPr lang="en-US" sz="3000" b="1" i="0" u="none" strike="noStrike" cap="none" dirty="0">
+                <a:solidFill>
+                  <a:srgbClr val="FF7F00"/>
+                </a:solidFill>
+                <a:latin typeface="Courier New"/>
+                <a:ea typeface="Courier New"/>
+                <a:cs typeface="Courier New"/>
+                <a:sym typeface="Courier New"/>
+              </a:rPr>
+              <a:t> </a:t>
+            </a:r>
+            <a:r>
+              <a:rPr lang="en-US" sz="3000" b="1" i="0" u="none" strike="noStrike" cap="none" dirty="0">
+                <a:solidFill>
+                  <a:schemeClr val="lt1"/>
+                </a:solidFill>
+                <a:latin typeface="Courier New"/>
+                <a:ea typeface="Courier New"/>
+                <a:cs typeface="Courier New"/>
+                <a:sym typeface="Courier New"/>
+              </a:rPr>
+              <a:t>=</a:t>
+            </a:r>
+            <a:r>
+              <a:rPr lang="en-US" sz="3000" b="1" i="0" u="none" strike="noStrike" cap="none" dirty="0">
+                <a:solidFill>
+                  <a:srgbClr val="FF7F00"/>
+                </a:solidFill>
+                <a:latin typeface="Courier New"/>
+                <a:ea typeface="Courier New"/>
+                <a:cs typeface="Courier New"/>
+                <a:sym typeface="Courier New"/>
+              </a:rPr>
+              <a:t> </a:t>
+            </a:r>
+            <a:r>
+              <a:rPr lang="en-US" sz="3000" b="1" i="0" u="none" strike="noStrike" cap="none" dirty="0" err="1">
+                <a:solidFill>
+                  <a:srgbClr val="FF00FF"/>
+                </a:solidFill>
+                <a:latin typeface="Courier New"/>
+                <a:ea typeface="Courier New"/>
+                <a:cs typeface="Courier New"/>
+                <a:sym typeface="Courier New"/>
+              </a:rPr>
+              <a:t>int</a:t>
+            </a:r>
+            <a:r>
+              <a:rPr lang="en-US" sz="3000" b="1" i="0" u="none" strike="noStrike" cap="none" dirty="0">
+                <a:solidFill>
+                  <a:srgbClr val="FF7F00"/>
+                </a:solidFill>
+                <a:latin typeface="Courier New"/>
+                <a:ea typeface="Courier New"/>
+                <a:cs typeface="Courier New"/>
+                <a:sym typeface="Courier New"/>
+              </a:rPr>
+              <a:t>(</a:t>
+            </a:r>
+            <a:r>
+              <a:rPr lang="en-US" sz="3000" b="1" i="0" u="none" strike="noStrike" cap="none" dirty="0">
+                <a:solidFill>
+                  <a:srgbClr val="00FF00"/>
+                </a:solidFill>
+                <a:latin typeface="Courier New"/>
+                <a:ea typeface="Courier New"/>
+                <a:cs typeface="Courier New"/>
+                <a:sym typeface="Courier New"/>
+              </a:rPr>
+              <a:t>apple</a:t>
+            </a:r>
+            <a:r>
+              <a:rPr lang="en-US" sz="3000" b="1" i="0" u="none" strike="noStrike" cap="none" dirty="0">
+                <a:solidFill>
+                  <a:srgbClr val="FF7F00"/>
+                </a:solidFill>
+                <a:latin typeface="Courier New"/>
+                <a:ea typeface="Courier New"/>
+                <a:cs typeface="Courier New"/>
+                <a:sym typeface="Courier New"/>
+              </a:rPr>
+              <a:t>) </a:t>
+            </a:r>
+            <a:r>
+              <a:rPr lang="en-US" sz="3000" b="1" i="0" u="none" strike="noStrike" cap="none" dirty="0">
+                <a:solidFill>
+                  <a:srgbClr val="00FFFF"/>
+                </a:solidFill>
+                <a:latin typeface="Courier New"/>
+                <a:ea typeface="Courier New"/>
+                <a:cs typeface="Courier New"/>
+                <a:sym typeface="Courier New"/>
+              </a:rPr>
+              <a:t>–</a:t>
+            </a:r>
+            <a:r>
+              <a:rPr lang="en-US" sz="3000" b="1" i="0" u="none" strike="noStrike" cap="none" dirty="0">
+                <a:solidFill>
+                  <a:srgbClr val="FF7F00"/>
+                </a:solidFill>
+                <a:latin typeface="Courier New"/>
+                <a:ea typeface="Courier New"/>
+                <a:cs typeface="Courier New"/>
+                <a:sym typeface="Courier New"/>
+              </a:rPr>
+              <a:t> 10</a:t>
+            </a:r>
+          </a:p>
+          <a:p>
+            <a:pPr marL="0" marR="0" lvl="0" indent="0" algn="l" rtl="0">
+              <a:lnSpc>
+                <a:spcPct val="100000"/>
+              </a:lnSpc>
+              <a:spcBef>
+                <a:spcPts val="0"/>
+              </a:spcBef>
+              <a:spcAft>
+                <a:spcPts val="0"/>
+              </a:spcAft>
+              <a:buClr>
+                <a:schemeClr val="lt1"/>
+              </a:buClr>
+              <a:buSzPct val="25000"/>
+              <a:buFont typeface="Cabin"/>
+              <a:buNone/>
+            </a:pPr>
+            <a:r>
+              <a:rPr lang="en-US" sz="3000" b="1" i="0" u="none" strike="noStrike" cap="none" dirty="0">
+                <a:solidFill>
+                  <a:schemeClr val="lt1"/>
+                </a:solidFill>
+                <a:latin typeface="Courier New"/>
+                <a:ea typeface="Courier New"/>
+                <a:cs typeface="Courier New"/>
+                <a:sym typeface="Courier New"/>
+              </a:rPr>
+              <a:t>&gt;&gt;&gt; </a:t>
+            </a:r>
+            <a:r>
+              <a:rPr lang="en-US" sz="3000" b="1" i="0" u="none" strike="noStrike" cap="none" dirty="0" smtClean="0">
+                <a:solidFill>
+                  <a:srgbClr val="FFFF00"/>
+                </a:solidFill>
+                <a:latin typeface="Courier New"/>
+                <a:ea typeface="Courier New"/>
+                <a:cs typeface="Courier New"/>
+                <a:sym typeface="Courier New"/>
+              </a:rPr>
+              <a:t>print</a:t>
+            </a:r>
+            <a:r>
+              <a:rPr lang="en-US" sz="3000" b="1" dirty="0" smtClean="0">
+                <a:solidFill>
+                  <a:schemeClr val="lt1"/>
+                </a:solidFill>
+                <a:latin typeface="Courier New"/>
+                <a:ea typeface="Courier New"/>
+                <a:cs typeface="Courier New"/>
+                <a:sym typeface="Courier New"/>
+              </a:rPr>
+              <a:t>(</a:t>
+            </a:r>
+            <a:r>
+              <a:rPr lang="en-US" sz="3000" b="1" i="0" u="none" strike="noStrike" cap="none" dirty="0" smtClean="0">
+                <a:solidFill>
+                  <a:srgbClr val="00FF00"/>
+                </a:solidFill>
+                <a:latin typeface="Courier New"/>
+                <a:ea typeface="Courier New"/>
+                <a:cs typeface="Courier New"/>
+                <a:sym typeface="Courier New"/>
+              </a:rPr>
+              <a:t>x</a:t>
+            </a:r>
+            <a:r>
+              <a:rPr lang="en-US" sz="3000" b="1" i="0" u="none" strike="noStrike" cap="none" dirty="0" smtClean="0">
+                <a:solidFill>
+                  <a:schemeClr val="bg1"/>
+                </a:solidFill>
+                <a:latin typeface="Courier New"/>
+                <a:ea typeface="Courier New"/>
+                <a:cs typeface="Courier New"/>
+                <a:sym typeface="Courier New"/>
+              </a:rPr>
+              <a:t>)</a:t>
+            </a:r>
+            <a:endParaRPr lang="en-US" sz="3000" b="1" i="0" u="none" strike="noStrike" cap="none" dirty="0">
+              <a:solidFill>
+                <a:schemeClr val="bg1"/>
+              </a:solidFill>
+              <a:latin typeface="Courier New"/>
+              <a:ea typeface="Courier New"/>
+              <a:cs typeface="Courier New"/>
+              <a:sym typeface="Courier New"/>
+            </a:endParaRPr>
+          </a:p>
+          <a:p>
+            <a:pPr marL="0" marR="0" lvl="0" indent="0" algn="l" rtl="0">
+              <a:lnSpc>
+                <a:spcPct val="100000"/>
+              </a:lnSpc>
+              <a:spcBef>
+                <a:spcPts val="0"/>
+              </a:spcBef>
+              <a:spcAft>
+                <a:spcPts val="0"/>
+              </a:spcAft>
+              <a:buClr>
+                <a:schemeClr val="lt1"/>
+              </a:buClr>
+              <a:buSzPct val="25000"/>
+              <a:buFont typeface="Cabin"/>
+              <a:buNone/>
+            </a:pPr>
+            <a:r>
+              <a:rPr lang="en-US" sz="3000" b="1" i="0" u="none" strike="noStrike" cap="none" dirty="0">
+                <a:solidFill>
+                  <a:schemeClr val="lt1"/>
+                </a:solidFill>
+                <a:latin typeface="Courier New"/>
+                <a:ea typeface="Courier New"/>
+                <a:cs typeface="Courier New"/>
+                <a:sym typeface="Courier New"/>
+              </a:rPr>
+              <a:t>90</a:t>
+            </a:r>
+          </a:p>
+        </p:txBody>
+      </p:sp>
+    </p:spTree>
+  </p:cSld>
+  <p:clrMapOvr>
+    <a:masterClrMapping/>
+  </p:clrMapOvr>
+</p:sld>
+</file>
+
+<file path=ppt/slides/slide30.xml><?xml version="1.0" encoding="utf-8"?>
 <p:sld xmlns:a="http://schemas.openxmlformats.org/drawingml/2006/main" xmlns:r="http://schemas.openxmlformats.org/officeDocument/2006/relationships" xmlns:p="http://schemas.openxmlformats.org/presentationml/2006/main">
   <p:cSld>
     <p:spTree>
@@ -28533,12 +29913,12 @@
 </p:sld>
 </file>
 
-<file path=ppt/slides/slide3.xml><?xml version="1.0" encoding="utf-8"?>
+<file path=ppt/slides/slide31.xml><?xml version="1.0" encoding="utf-8"?>
 <p:sld xmlns:a="http://schemas.openxmlformats.org/drawingml/2006/main" xmlns:r="http://schemas.openxmlformats.org/officeDocument/2006/relationships" xmlns:p="http://schemas.openxmlformats.org/presentationml/2006/main">
   <p:cSld>
     <p:spTree>
       <p:nvGrpSpPr>
-        <p:cNvPr id="1" name="Shape 219"/>
+        <p:cNvPr id="1" name=""/>
         <p:cNvGrpSpPr/>
         <p:nvPr/>
       </p:nvGrpSpPr>
@@ -28552,1286 +29932,638 @@
       </p:grpSpPr>
       <p:sp>
         <p:nvSpPr>
-          <p:cNvPr id="220" name="Shape 220"/>
-          <p:cNvSpPr txBox="1">
+          <p:cNvPr id="4" name="Title 3"/>
+          <p:cNvSpPr>
             <a:spLocks noGrp="1"/>
           </p:cNvSpPr>
           <p:nvPr>
             <p:ph type="title"/>
           </p:nvPr>
         </p:nvSpPr>
+        <p:spPr/>
+        <p:txBody>
+          <a:bodyPr/>
+          <a:lstStyle/>
+          <a:p>
+            <a:r>
+              <a:rPr lang="en-US" dirty="0" smtClean="0"/>
+              <a:t>Two Kinds of Strings</a:t>
+            </a:r>
+            <a:endParaRPr lang="en-US" dirty="0"/>
+          </a:p>
+        </p:txBody>
+      </p:sp>
+      <p:sp>
+        <p:nvSpPr>
+          <p:cNvPr id="5" name="TextBox 4"/>
+          <p:cNvSpPr txBox="1"/>
+          <p:nvPr/>
+        </p:nvSpPr>
         <p:spPr>
           <a:xfrm>
-            <a:off x="1155700" y="833718"/>
-            <a:ext cx="6416675" cy="1706182"/>
+            <a:off x="8719694" y="2723853"/>
+            <a:ext cx="6284186" cy="4031873"/>
           </a:xfrm>
           <a:prstGeom prst="rect">
             <a:avLst/>
           </a:prstGeom>
           <a:noFill/>
-          <a:ln>
-            <a:noFill/>
-          </a:ln>
         </p:spPr>
         <p:txBody>
-          <a:bodyPr lIns="38100" tIns="38100" rIns="38100" bIns="38100" anchor="ctr" anchorCtr="0">
-            <a:noAutofit/>
+          <a:bodyPr wrap="square" rtlCol="0">
+            <a:spAutoFit/>
           </a:bodyPr>
           <a:lstStyle/>
           <a:p>
-            <a:pPr marL="0" marR="0" lvl="0" indent="0" algn="ctr" rtl="0">
-              <a:lnSpc>
-                <a:spcPct val="100000"/>
-              </a:lnSpc>
-              <a:spcBef>
-                <a:spcPts val="0"/>
-              </a:spcBef>
-              <a:spcAft>
-                <a:spcPts val="0"/>
-              </a:spcAft>
-              <a:buClr>
-                <a:srgbClr val="FF7F00"/>
-              </a:buClr>
-              <a:buSzPct val="25000"/>
-              <a:buFont typeface="Cabin"/>
-              <a:buNone/>
-            </a:pPr>
-            <a:r>
-              <a:rPr lang="en-US" sz="6700" u="none" strike="noStrike" cap="none">
-                <a:solidFill>
-                  <a:srgbClr val="FFFF00"/>
-                </a:solidFill>
-                <a:latin typeface="Arial" charset="0"/>
-                <a:ea typeface="Arial" charset="0"/>
-                <a:cs typeface="Arial" charset="0"/>
-                <a:sym typeface="Cabin"/>
-              </a:rPr>
-              <a:t>Reading and Converting</a:t>
-            </a:r>
+            <a:r>
+              <a:rPr lang="en-US" sz="3200" b="1" dirty="0">
+                <a:solidFill>
+                  <a:srgbClr val="FF40FF"/>
+                </a:solidFill>
+                <a:latin typeface="Courier" charset="0"/>
+                <a:ea typeface="Courier" charset="0"/>
+                <a:cs typeface="Courier" charset="0"/>
+              </a:rPr>
+              <a:t>Python </a:t>
+            </a:r>
+            <a:r>
+              <a:rPr lang="en-US" sz="3200" b="1" dirty="0" smtClean="0">
+                <a:solidFill>
+                  <a:srgbClr val="FF40FF"/>
+                </a:solidFill>
+                <a:latin typeface="Courier" charset="0"/>
+                <a:ea typeface="Courier" charset="0"/>
+                <a:cs typeface="Courier" charset="0"/>
+              </a:rPr>
+              <a:t>3.5.1</a:t>
+            </a:r>
+          </a:p>
+          <a:p>
+            <a:r>
+              <a:rPr lang="en-US" sz="3200" b="1" dirty="0" smtClean="0">
+                <a:solidFill>
+                  <a:schemeClr val="bg1"/>
+                </a:solidFill>
+                <a:latin typeface="Courier" charset="0"/>
+                <a:ea typeface="Courier" charset="0"/>
+                <a:cs typeface="Courier" charset="0"/>
+              </a:rPr>
+              <a:t>&gt;&gt;&gt; </a:t>
+            </a:r>
+            <a:r>
+              <a:rPr lang="en-US" sz="3200" b="1" dirty="0">
+                <a:solidFill>
+                  <a:schemeClr val="bg1"/>
+                </a:solidFill>
+                <a:latin typeface="Courier" charset="0"/>
+                <a:ea typeface="Courier" charset="0"/>
+                <a:cs typeface="Courier" charset="0"/>
+              </a:rPr>
+              <a:t>x = '이광춘</a:t>
+            </a:r>
+            <a:r>
+              <a:rPr lang="en-US" sz="3200" b="1" dirty="0" smtClean="0">
+                <a:solidFill>
+                  <a:schemeClr val="bg1"/>
+                </a:solidFill>
+                <a:latin typeface="Courier" charset="0"/>
+                <a:ea typeface="Courier" charset="0"/>
+                <a:cs typeface="Courier" charset="0"/>
+              </a:rPr>
+              <a:t>'</a:t>
+            </a:r>
+          </a:p>
+          <a:p>
+            <a:r>
+              <a:rPr lang="en-US" sz="3200" b="1" dirty="0" smtClean="0">
+                <a:solidFill>
+                  <a:schemeClr val="bg1"/>
+                </a:solidFill>
+                <a:latin typeface="Courier" charset="0"/>
+                <a:ea typeface="Courier" charset="0"/>
+                <a:cs typeface="Courier" charset="0"/>
+              </a:rPr>
+              <a:t>&gt;&gt;&gt; type(x)</a:t>
+            </a:r>
+          </a:p>
+          <a:p>
+            <a:r>
+              <a:rPr lang="en-US" sz="3200" b="1" dirty="0" smtClean="0">
+                <a:solidFill>
+                  <a:schemeClr val="bg1"/>
+                </a:solidFill>
+                <a:latin typeface="Courier" charset="0"/>
+                <a:ea typeface="Courier" charset="0"/>
+                <a:cs typeface="Courier" charset="0"/>
+              </a:rPr>
+              <a:t>&lt;</a:t>
+            </a:r>
+            <a:r>
+              <a:rPr lang="en-US" sz="3200" b="1" dirty="0">
+                <a:solidFill>
+                  <a:schemeClr val="bg1"/>
+                </a:solidFill>
+                <a:latin typeface="Courier" charset="0"/>
+                <a:ea typeface="Courier" charset="0"/>
+                <a:cs typeface="Courier" charset="0"/>
+              </a:rPr>
+              <a:t>class '</a:t>
+            </a:r>
+            <a:r>
+              <a:rPr lang="en-US" sz="3200" b="1" dirty="0" err="1">
+                <a:solidFill>
+                  <a:schemeClr val="bg1"/>
+                </a:solidFill>
+                <a:latin typeface="Courier" charset="0"/>
+                <a:ea typeface="Courier" charset="0"/>
+                <a:cs typeface="Courier" charset="0"/>
+              </a:rPr>
+              <a:t>str</a:t>
+            </a:r>
+            <a:r>
+              <a:rPr lang="en-US" sz="3200" b="1" dirty="0" smtClean="0">
+                <a:solidFill>
+                  <a:schemeClr val="bg1"/>
+                </a:solidFill>
+                <a:latin typeface="Courier" charset="0"/>
+                <a:ea typeface="Courier" charset="0"/>
+                <a:cs typeface="Courier" charset="0"/>
+              </a:rPr>
+              <a:t>'&gt;</a:t>
+            </a:r>
+          </a:p>
+          <a:p>
+            <a:r>
+              <a:rPr lang="en-US" sz="3200" b="1" dirty="0" smtClean="0">
+                <a:solidFill>
+                  <a:schemeClr val="bg1"/>
+                </a:solidFill>
+                <a:latin typeface="Courier" charset="0"/>
+                <a:ea typeface="Courier" charset="0"/>
+                <a:cs typeface="Courier" charset="0"/>
+              </a:rPr>
+              <a:t>&gt;&gt;&gt; </a:t>
+            </a:r>
+            <a:r>
+              <a:rPr lang="en-US" sz="3200" b="1" dirty="0">
+                <a:solidFill>
+                  <a:schemeClr val="bg1"/>
+                </a:solidFill>
+                <a:latin typeface="Courier" charset="0"/>
+                <a:ea typeface="Courier" charset="0"/>
+                <a:cs typeface="Courier" charset="0"/>
+              </a:rPr>
+              <a:t>x = </a:t>
+            </a:r>
+            <a:r>
+              <a:rPr lang="en-US" sz="3200" b="1" dirty="0" err="1">
+                <a:solidFill>
+                  <a:schemeClr val="bg1"/>
+                </a:solidFill>
+                <a:latin typeface="Courier" charset="0"/>
+                <a:ea typeface="Courier" charset="0"/>
+                <a:cs typeface="Courier" charset="0"/>
+              </a:rPr>
+              <a:t>u'이광춘</a:t>
+            </a:r>
+            <a:r>
+              <a:rPr lang="en-US" sz="3200" b="1" dirty="0" smtClean="0">
+                <a:solidFill>
+                  <a:schemeClr val="bg1"/>
+                </a:solidFill>
+                <a:latin typeface="Courier" charset="0"/>
+                <a:ea typeface="Courier" charset="0"/>
+                <a:cs typeface="Courier" charset="0"/>
+              </a:rPr>
+              <a:t>'</a:t>
+            </a:r>
+          </a:p>
+          <a:p>
+            <a:r>
+              <a:rPr lang="en-US" sz="3200" b="1" dirty="0" smtClean="0">
+                <a:solidFill>
+                  <a:schemeClr val="bg1"/>
+                </a:solidFill>
+                <a:latin typeface="Courier" charset="0"/>
+                <a:ea typeface="Courier" charset="0"/>
+                <a:cs typeface="Courier" charset="0"/>
+              </a:rPr>
+              <a:t>&gt;&gt;&gt; type(x)</a:t>
+            </a:r>
+          </a:p>
+          <a:p>
+            <a:r>
+              <a:rPr lang="en-US" sz="3200" b="1" dirty="0" smtClean="0">
+                <a:solidFill>
+                  <a:srgbClr val="00FA00"/>
+                </a:solidFill>
+                <a:latin typeface="Courier" charset="0"/>
+                <a:ea typeface="Courier" charset="0"/>
+                <a:cs typeface="Courier" charset="0"/>
+              </a:rPr>
+              <a:t>&lt;</a:t>
+            </a:r>
+            <a:r>
+              <a:rPr lang="en-US" sz="3200" b="1" dirty="0">
+                <a:solidFill>
+                  <a:srgbClr val="00FA00"/>
+                </a:solidFill>
+                <a:latin typeface="Courier" charset="0"/>
+                <a:ea typeface="Courier" charset="0"/>
+                <a:cs typeface="Courier" charset="0"/>
+              </a:rPr>
+              <a:t>class '</a:t>
+            </a:r>
+            <a:r>
+              <a:rPr lang="en-US" sz="3200" b="1" dirty="0" err="1">
+                <a:solidFill>
+                  <a:srgbClr val="00FA00"/>
+                </a:solidFill>
+                <a:latin typeface="Courier" charset="0"/>
+                <a:ea typeface="Courier" charset="0"/>
+                <a:cs typeface="Courier" charset="0"/>
+              </a:rPr>
+              <a:t>str</a:t>
+            </a:r>
+            <a:r>
+              <a:rPr lang="en-US" sz="3200" b="1" dirty="0" smtClean="0">
+                <a:solidFill>
+                  <a:srgbClr val="00FA00"/>
+                </a:solidFill>
+                <a:latin typeface="Courier" charset="0"/>
+                <a:ea typeface="Courier" charset="0"/>
+                <a:cs typeface="Courier" charset="0"/>
+              </a:rPr>
+              <a:t>'&gt;</a:t>
+            </a:r>
+          </a:p>
+          <a:p>
+            <a:r>
+              <a:rPr lang="en-US" sz="3200" b="1" dirty="0" smtClean="0">
+                <a:solidFill>
+                  <a:schemeClr val="bg1"/>
+                </a:solidFill>
+                <a:latin typeface="Courier" charset="0"/>
+                <a:ea typeface="Courier" charset="0"/>
+                <a:cs typeface="Courier" charset="0"/>
+              </a:rPr>
+              <a:t>&gt;&gt;&gt; </a:t>
+            </a:r>
+            <a:endParaRPr lang="en-US" sz="3200" b="1" dirty="0">
+              <a:solidFill>
+                <a:schemeClr val="bg1"/>
+              </a:solidFill>
+              <a:latin typeface="Courier" charset="0"/>
+              <a:ea typeface="Courier" charset="0"/>
+              <a:cs typeface="Courier" charset="0"/>
+            </a:endParaRPr>
           </a:p>
         </p:txBody>
       </p:sp>
       <p:sp>
         <p:nvSpPr>
-          <p:cNvPr id="221" name="Shape 221"/>
-          <p:cNvSpPr txBox="1">
-            <a:spLocks noGrp="1"/>
-          </p:cNvSpPr>
-          <p:nvPr>
-            <p:ph type="body" idx="1"/>
-          </p:nvPr>
+          <p:cNvPr id="6" name="TextBox 5"/>
+          <p:cNvSpPr txBox="1"/>
+          <p:nvPr/>
         </p:nvSpPr>
         <p:spPr>
           <a:xfrm>
-            <a:off x="1155700" y="2603500"/>
-            <a:ext cx="6416675" cy="5702399"/>
+            <a:off x="1727137" y="2723853"/>
+            <a:ext cx="6360160" cy="4031873"/>
           </a:xfrm>
           <a:prstGeom prst="rect">
             <a:avLst/>
           </a:prstGeom>
           <a:noFill/>
-          <a:ln>
-            <a:noFill/>
-          </a:ln>
         </p:spPr>
         <p:txBody>
-          <a:bodyPr lIns="38100" tIns="38100" rIns="38100" bIns="38100" anchor="ctr" anchorCtr="0">
-            <a:noAutofit/>
+          <a:bodyPr wrap="square" rtlCol="0">
+            <a:spAutoFit/>
           </a:bodyPr>
           <a:lstStyle/>
           <a:p>
-            <a:pPr marL="749300" marR="0" lvl="0" indent="-332994" algn="l" rtl="0">
-              <a:lnSpc>
-                <a:spcPct val="100000"/>
-              </a:lnSpc>
-              <a:spcBef>
-                <a:spcPts val="0"/>
-              </a:spcBef>
-              <a:spcAft>
-                <a:spcPts val="0"/>
-              </a:spcAft>
-              <a:buClr>
-                <a:schemeClr val="lt1"/>
-              </a:buClr>
-              <a:buSzPct val="100000"/>
-              <a:buFont typeface="Cabin"/>
-              <a:buChar char="•"/>
-            </a:pPr>
-            <a:r>
-              <a:rPr lang="en-US" sz="3000" u="none" strike="noStrike" cap="none" dirty="0">
-                <a:solidFill>
-                  <a:schemeClr val="lt1"/>
-                </a:solidFill>
-                <a:latin typeface="Arial" charset="0"/>
-                <a:ea typeface="Arial" charset="0"/>
-                <a:cs typeface="Arial" charset="0"/>
-                <a:sym typeface="Cabin"/>
-              </a:rPr>
-              <a:t>We prefer to read data in using </a:t>
-            </a:r>
-            <a:r>
-              <a:rPr lang="en-US" sz="3000" u="none" strike="noStrike" cap="none" dirty="0">
-                <a:solidFill>
-                  <a:srgbClr val="FF7F00"/>
-                </a:solidFill>
-                <a:latin typeface="Arial" charset="0"/>
-                <a:ea typeface="Arial" charset="0"/>
-                <a:cs typeface="Arial" charset="0"/>
-                <a:sym typeface="Cabin"/>
-              </a:rPr>
-              <a:t>strings</a:t>
-            </a:r>
-            <a:r>
-              <a:rPr lang="en-US" sz="3000" u="none" strike="noStrike" cap="none" dirty="0">
-                <a:solidFill>
-                  <a:schemeClr val="lt1"/>
-                </a:solidFill>
-                <a:latin typeface="Arial" charset="0"/>
-                <a:ea typeface="Arial" charset="0"/>
-                <a:cs typeface="Arial" charset="0"/>
-                <a:sym typeface="Cabin"/>
-              </a:rPr>
-              <a:t> and then parse and convert the data as we need</a:t>
-            </a:r>
-          </a:p>
-          <a:p>
-            <a:pPr marL="749300" marR="0" lvl="0" indent="-332994" algn="l" rtl="0">
-              <a:lnSpc>
-                <a:spcPct val="100000"/>
-              </a:lnSpc>
-              <a:spcBef>
-                <a:spcPts val="3500"/>
-              </a:spcBef>
-              <a:spcAft>
-                <a:spcPts val="0"/>
-              </a:spcAft>
-              <a:buClr>
-                <a:schemeClr val="lt1"/>
-              </a:buClr>
-              <a:buSzPct val="100000"/>
-              <a:buFont typeface="Cabin"/>
-              <a:buChar char="•"/>
-            </a:pPr>
-            <a:r>
-              <a:rPr lang="en-US" sz="3000" u="none" strike="noStrike" cap="none" dirty="0">
-                <a:solidFill>
-                  <a:schemeClr val="lt1"/>
-                </a:solidFill>
-                <a:latin typeface="Arial" charset="0"/>
-                <a:ea typeface="Arial" charset="0"/>
-                <a:cs typeface="Arial" charset="0"/>
-                <a:sym typeface="Cabin"/>
-              </a:rPr>
-              <a:t>This gives us more control over error situations and/or bad user input</a:t>
-            </a:r>
-          </a:p>
-          <a:p>
-            <a:pPr marL="749300" marR="0" lvl="0" indent="-332994" algn="l" rtl="0">
-              <a:lnSpc>
-                <a:spcPct val="100000"/>
-              </a:lnSpc>
-              <a:spcBef>
-                <a:spcPts val="3500"/>
-              </a:spcBef>
-              <a:spcAft>
-                <a:spcPts val="0"/>
-              </a:spcAft>
-              <a:buClr>
-                <a:schemeClr val="lt1"/>
-              </a:buClr>
-              <a:buSzPct val="100000"/>
-              <a:buFont typeface="Cabin"/>
-              <a:buChar char="•"/>
-            </a:pPr>
-            <a:r>
-              <a:rPr lang="en-US" sz="3000" u="none" strike="noStrike" cap="none" dirty="0">
-                <a:solidFill>
-                  <a:schemeClr val="lt1"/>
-                </a:solidFill>
-                <a:latin typeface="Arial" charset="0"/>
-                <a:ea typeface="Arial" charset="0"/>
-                <a:cs typeface="Arial" charset="0"/>
-                <a:sym typeface="Cabin"/>
-              </a:rPr>
-              <a:t>Raw input numbers must be </a:t>
-            </a:r>
-            <a:r>
-              <a:rPr lang="en-US" sz="3000" u="none" strike="noStrike" cap="none" dirty="0">
-                <a:solidFill>
-                  <a:srgbClr val="FF00FF"/>
-                </a:solidFill>
-                <a:latin typeface="Arial" charset="0"/>
-                <a:ea typeface="Arial" charset="0"/>
-                <a:cs typeface="Arial" charset="0"/>
-                <a:sym typeface="Cabin"/>
-              </a:rPr>
-              <a:t>converted</a:t>
-            </a:r>
-            <a:r>
-              <a:rPr lang="en-US" sz="3000" u="none" strike="noStrike" cap="none" dirty="0">
-                <a:solidFill>
-                  <a:schemeClr val="lt1"/>
-                </a:solidFill>
-                <a:latin typeface="Arial" charset="0"/>
-                <a:ea typeface="Arial" charset="0"/>
-                <a:cs typeface="Arial" charset="0"/>
-                <a:sym typeface="Cabin"/>
-              </a:rPr>
-              <a:t> from strings</a:t>
-            </a:r>
+            <a:r>
+              <a:rPr lang="en-US" sz="3200" b="1" dirty="0">
+                <a:solidFill>
+                  <a:srgbClr val="FF40FF"/>
+                </a:solidFill>
+                <a:latin typeface="Courier" charset="0"/>
+                <a:ea typeface="Courier" charset="0"/>
+                <a:cs typeface="Courier" charset="0"/>
+              </a:rPr>
+              <a:t>Python 2.7.10 </a:t>
+            </a:r>
+          </a:p>
+          <a:p>
+            <a:r>
+              <a:rPr lang="en-US" sz="3200" b="1" dirty="0" smtClean="0">
+                <a:solidFill>
+                  <a:schemeClr val="bg1"/>
+                </a:solidFill>
+                <a:latin typeface="Courier" charset="0"/>
+                <a:ea typeface="Courier" charset="0"/>
+                <a:cs typeface="Courier" charset="0"/>
+              </a:rPr>
+              <a:t>&gt;&gt;&gt; </a:t>
+            </a:r>
+            <a:r>
+              <a:rPr lang="en-US" sz="3200" b="1" dirty="0">
+                <a:solidFill>
+                  <a:schemeClr val="bg1"/>
+                </a:solidFill>
+                <a:latin typeface="Courier" charset="0"/>
+                <a:ea typeface="Courier" charset="0"/>
+                <a:cs typeface="Courier" charset="0"/>
+              </a:rPr>
+              <a:t>x = '이광춘</a:t>
+            </a:r>
+            <a:r>
+              <a:rPr lang="en-US" sz="3200" b="1" dirty="0" smtClean="0">
+                <a:solidFill>
+                  <a:schemeClr val="bg1"/>
+                </a:solidFill>
+                <a:latin typeface="Courier" charset="0"/>
+                <a:ea typeface="Courier" charset="0"/>
+                <a:cs typeface="Courier" charset="0"/>
+              </a:rPr>
+              <a:t>'</a:t>
+            </a:r>
+          </a:p>
+          <a:p>
+            <a:r>
+              <a:rPr lang="en-US" sz="3200" b="1" dirty="0" smtClean="0">
+                <a:solidFill>
+                  <a:schemeClr val="bg1"/>
+                </a:solidFill>
+                <a:latin typeface="Courier" charset="0"/>
+                <a:ea typeface="Courier" charset="0"/>
+                <a:cs typeface="Courier" charset="0"/>
+              </a:rPr>
+              <a:t>&gt;&gt;&gt; </a:t>
+            </a:r>
+            <a:r>
+              <a:rPr lang="en-US" sz="3200" b="1" dirty="0">
+                <a:solidFill>
+                  <a:schemeClr val="bg1"/>
+                </a:solidFill>
+                <a:latin typeface="Courier" charset="0"/>
+                <a:ea typeface="Courier" charset="0"/>
+                <a:cs typeface="Courier" charset="0"/>
+              </a:rPr>
+              <a:t>type(x</a:t>
+            </a:r>
+            <a:r>
+              <a:rPr lang="en-US" sz="3200" b="1" dirty="0" smtClean="0">
+                <a:solidFill>
+                  <a:schemeClr val="bg1"/>
+                </a:solidFill>
+                <a:latin typeface="Courier" charset="0"/>
+                <a:ea typeface="Courier" charset="0"/>
+                <a:cs typeface="Courier" charset="0"/>
+              </a:rPr>
+              <a:t>)</a:t>
+            </a:r>
+          </a:p>
+          <a:p>
+            <a:r>
+              <a:rPr lang="en-US" sz="3200" b="1" dirty="0" smtClean="0">
+                <a:solidFill>
+                  <a:schemeClr val="bg1"/>
+                </a:solidFill>
+                <a:latin typeface="Courier" charset="0"/>
+                <a:ea typeface="Courier" charset="0"/>
+                <a:cs typeface="Courier" charset="0"/>
+              </a:rPr>
+              <a:t>&lt;</a:t>
+            </a:r>
+            <a:r>
+              <a:rPr lang="en-US" sz="3200" b="1" dirty="0">
+                <a:solidFill>
+                  <a:schemeClr val="bg1"/>
+                </a:solidFill>
+                <a:latin typeface="Courier" charset="0"/>
+                <a:ea typeface="Courier" charset="0"/>
+                <a:cs typeface="Courier" charset="0"/>
+              </a:rPr>
+              <a:t>type '</a:t>
+            </a:r>
+            <a:r>
+              <a:rPr lang="en-US" sz="3200" b="1" dirty="0" err="1">
+                <a:solidFill>
+                  <a:schemeClr val="bg1"/>
+                </a:solidFill>
+                <a:latin typeface="Courier" charset="0"/>
+                <a:ea typeface="Courier" charset="0"/>
+                <a:cs typeface="Courier" charset="0"/>
+              </a:rPr>
+              <a:t>str</a:t>
+            </a:r>
+            <a:r>
+              <a:rPr lang="en-US" sz="3200" b="1" dirty="0" smtClean="0">
+                <a:solidFill>
+                  <a:schemeClr val="bg1"/>
+                </a:solidFill>
+                <a:latin typeface="Courier" charset="0"/>
+                <a:ea typeface="Courier" charset="0"/>
+                <a:cs typeface="Courier" charset="0"/>
+              </a:rPr>
+              <a:t>'&gt;</a:t>
+            </a:r>
+          </a:p>
+          <a:p>
+            <a:r>
+              <a:rPr lang="en-US" sz="3200" b="1" dirty="0" smtClean="0">
+                <a:solidFill>
+                  <a:schemeClr val="bg1"/>
+                </a:solidFill>
+                <a:latin typeface="Courier" charset="0"/>
+                <a:ea typeface="Courier" charset="0"/>
+                <a:cs typeface="Courier" charset="0"/>
+              </a:rPr>
+              <a:t>&gt;&gt;&gt; </a:t>
+            </a:r>
+            <a:r>
+              <a:rPr lang="en-US" sz="3200" b="1" dirty="0">
+                <a:solidFill>
+                  <a:schemeClr val="bg1"/>
+                </a:solidFill>
+                <a:latin typeface="Courier" charset="0"/>
+                <a:ea typeface="Courier" charset="0"/>
+                <a:cs typeface="Courier" charset="0"/>
+              </a:rPr>
+              <a:t>x = </a:t>
+            </a:r>
+            <a:r>
+              <a:rPr lang="en-US" sz="3200" b="1" dirty="0" err="1">
+                <a:solidFill>
+                  <a:schemeClr val="bg1"/>
+                </a:solidFill>
+                <a:latin typeface="Courier" charset="0"/>
+                <a:ea typeface="Courier" charset="0"/>
+                <a:cs typeface="Courier" charset="0"/>
+              </a:rPr>
+              <a:t>u'이광춘</a:t>
+            </a:r>
+            <a:r>
+              <a:rPr lang="en-US" sz="3200" b="1" dirty="0" smtClean="0">
+                <a:solidFill>
+                  <a:schemeClr val="bg1"/>
+                </a:solidFill>
+                <a:latin typeface="Courier" charset="0"/>
+                <a:ea typeface="Courier" charset="0"/>
+                <a:cs typeface="Courier" charset="0"/>
+              </a:rPr>
+              <a:t>'</a:t>
+            </a:r>
+          </a:p>
+          <a:p>
+            <a:r>
+              <a:rPr lang="en-US" sz="3200" b="1" dirty="0" smtClean="0">
+                <a:solidFill>
+                  <a:schemeClr val="bg1"/>
+                </a:solidFill>
+                <a:latin typeface="Courier" charset="0"/>
+                <a:ea typeface="Courier" charset="0"/>
+                <a:cs typeface="Courier" charset="0"/>
+              </a:rPr>
+              <a:t>&gt;&gt;&gt; </a:t>
+            </a:r>
+            <a:r>
+              <a:rPr lang="en-US" sz="3200" b="1" dirty="0">
+                <a:solidFill>
+                  <a:schemeClr val="bg1"/>
+                </a:solidFill>
+                <a:latin typeface="Courier" charset="0"/>
+                <a:ea typeface="Courier" charset="0"/>
+                <a:cs typeface="Courier" charset="0"/>
+              </a:rPr>
+              <a:t>type(x</a:t>
+            </a:r>
+            <a:r>
+              <a:rPr lang="en-US" sz="3200" b="1" dirty="0" smtClean="0">
+                <a:solidFill>
+                  <a:schemeClr val="bg1"/>
+                </a:solidFill>
+                <a:latin typeface="Courier" charset="0"/>
+                <a:ea typeface="Courier" charset="0"/>
+                <a:cs typeface="Courier" charset="0"/>
+              </a:rPr>
+              <a:t>)</a:t>
+            </a:r>
+          </a:p>
+          <a:p>
+            <a:r>
+              <a:rPr lang="en-US" sz="3200" b="1" dirty="0" smtClean="0">
+                <a:solidFill>
+                  <a:srgbClr val="00FA00"/>
+                </a:solidFill>
+                <a:latin typeface="Courier" charset="0"/>
+                <a:ea typeface="Courier" charset="0"/>
+                <a:cs typeface="Courier" charset="0"/>
+              </a:rPr>
+              <a:t>&lt;</a:t>
+            </a:r>
+            <a:r>
+              <a:rPr lang="en-US" sz="3200" b="1" dirty="0">
+                <a:solidFill>
+                  <a:srgbClr val="00FA00"/>
+                </a:solidFill>
+                <a:latin typeface="Courier" charset="0"/>
+                <a:ea typeface="Courier" charset="0"/>
+                <a:cs typeface="Courier" charset="0"/>
+              </a:rPr>
+              <a:t>type '</a:t>
+            </a:r>
+            <a:r>
+              <a:rPr lang="en-US" sz="3200" b="1" dirty="0" err="1">
+                <a:solidFill>
+                  <a:srgbClr val="00FA00"/>
+                </a:solidFill>
+                <a:latin typeface="Courier" charset="0"/>
+                <a:ea typeface="Courier" charset="0"/>
+                <a:cs typeface="Courier" charset="0"/>
+              </a:rPr>
+              <a:t>unicode</a:t>
+            </a:r>
+            <a:r>
+              <a:rPr lang="en-US" sz="3200" b="1" dirty="0" smtClean="0">
+                <a:solidFill>
+                  <a:srgbClr val="00FA00"/>
+                </a:solidFill>
+                <a:latin typeface="Courier" charset="0"/>
+                <a:ea typeface="Courier" charset="0"/>
+                <a:cs typeface="Courier" charset="0"/>
+              </a:rPr>
+              <a:t>'&gt;</a:t>
+            </a:r>
+          </a:p>
+          <a:p>
+            <a:r>
+              <a:rPr lang="en-US" sz="3200" b="1" dirty="0" smtClean="0">
+                <a:solidFill>
+                  <a:schemeClr val="bg1"/>
+                </a:solidFill>
+                <a:latin typeface="Courier" charset="0"/>
+                <a:ea typeface="Courier" charset="0"/>
+                <a:cs typeface="Courier" charset="0"/>
+              </a:rPr>
+              <a:t>&gt;&gt;&gt; </a:t>
+            </a:r>
+            <a:endParaRPr lang="en-US" sz="3200" b="1" dirty="0">
+              <a:solidFill>
+                <a:schemeClr val="bg1"/>
+              </a:solidFill>
+              <a:latin typeface="Courier" charset="0"/>
+              <a:ea typeface="Courier" charset="0"/>
+              <a:cs typeface="Courier" charset="0"/>
+            </a:endParaRPr>
           </a:p>
         </p:txBody>
       </p:sp>
       <p:sp>
         <p:nvSpPr>
-          <p:cNvPr id="222" name="Shape 222"/>
+          <p:cNvPr id="7" name="TextBox 6"/>
           <p:cNvSpPr txBox="1"/>
           <p:nvPr/>
         </p:nvSpPr>
         <p:spPr>
           <a:xfrm>
-            <a:off x="8342311" y="869950"/>
-            <a:ext cx="7099200" cy="7391399"/>
+            <a:off x="4413300" y="7366599"/>
+            <a:ext cx="7416800" cy="646331"/>
           </a:xfrm>
           <a:prstGeom prst="rect">
             <a:avLst/>
           </a:prstGeom>
           <a:noFill/>
-          <a:ln>
-            <a:noFill/>
-          </a:ln>
         </p:spPr>
         <p:txBody>
-          <a:bodyPr lIns="0" tIns="0" rIns="0" bIns="0" anchor="ctr" anchorCtr="0">
-            <a:noAutofit/>
+          <a:bodyPr wrap="square" rtlCol="0">
+            <a:spAutoFit/>
           </a:bodyPr>
           <a:lstStyle/>
           <a:p>
-            <a:pPr marL="0" marR="0" lvl="0" indent="0" algn="l" rtl="0">
-              <a:lnSpc>
-                <a:spcPct val="100000"/>
-              </a:lnSpc>
-              <a:spcBef>
-                <a:spcPts val="0"/>
-              </a:spcBef>
-              <a:spcAft>
-                <a:spcPts val="0"/>
-              </a:spcAft>
-              <a:buClr>
-                <a:schemeClr val="lt1"/>
-              </a:buClr>
-              <a:buSzPct val="25000"/>
-              <a:buFont typeface="Cabin"/>
-              <a:buNone/>
-            </a:pPr>
-            <a:r>
-              <a:rPr lang="en-US" sz="3000" b="1" i="0" u="none" strike="noStrike" cap="none" dirty="0">
-                <a:solidFill>
-                  <a:schemeClr val="lt1"/>
-                </a:solidFill>
-                <a:latin typeface="Courier New"/>
-                <a:ea typeface="Courier New"/>
-                <a:cs typeface="Courier New"/>
-                <a:sym typeface="Courier New"/>
-              </a:rPr>
-              <a:t>&gt;&gt;&gt; </a:t>
-            </a:r>
-            <a:r>
-              <a:rPr lang="en-US" sz="3000" b="1" i="0" u="none" strike="noStrike" cap="none" dirty="0">
-                <a:solidFill>
-                  <a:srgbClr val="00FF00"/>
-                </a:solidFill>
-                <a:latin typeface="Courier New"/>
-                <a:ea typeface="Courier New"/>
-                <a:cs typeface="Courier New"/>
-                <a:sym typeface="Courier New"/>
-              </a:rPr>
-              <a:t>name</a:t>
-            </a:r>
-            <a:r>
-              <a:rPr lang="en-US" sz="3000" b="1" i="0" u="none" strike="noStrike" cap="none" dirty="0">
-                <a:solidFill>
-                  <a:srgbClr val="FF7F00"/>
-                </a:solidFill>
-                <a:latin typeface="Courier New"/>
-                <a:ea typeface="Courier New"/>
-                <a:cs typeface="Courier New"/>
-                <a:sym typeface="Courier New"/>
-              </a:rPr>
-              <a:t> </a:t>
-            </a:r>
-            <a:r>
-              <a:rPr lang="en-US" sz="3000" b="1" i="0" u="none" strike="noStrike" cap="none" dirty="0">
-                <a:solidFill>
-                  <a:schemeClr val="lt1"/>
-                </a:solidFill>
-                <a:latin typeface="Courier New"/>
-                <a:ea typeface="Courier New"/>
-                <a:cs typeface="Courier New"/>
-                <a:sym typeface="Courier New"/>
-              </a:rPr>
-              <a:t>=</a:t>
-            </a:r>
-            <a:r>
-              <a:rPr lang="en-US" sz="3000" b="1" i="0" u="none" strike="noStrike" cap="none" dirty="0">
-                <a:solidFill>
-                  <a:srgbClr val="FF7F00"/>
-                </a:solidFill>
-                <a:latin typeface="Courier New"/>
-                <a:ea typeface="Courier New"/>
-                <a:cs typeface="Courier New"/>
-                <a:sym typeface="Courier New"/>
-              </a:rPr>
-              <a:t> </a:t>
-            </a:r>
-            <a:r>
-              <a:rPr lang="en-US" sz="3000" b="1" i="0" u="none" strike="noStrike" cap="none" dirty="0" smtClean="0">
-                <a:solidFill>
-                  <a:srgbClr val="FF00FF"/>
-                </a:solidFill>
-                <a:latin typeface="Courier New"/>
-                <a:ea typeface="Courier New"/>
-                <a:cs typeface="Courier New"/>
-                <a:sym typeface="Courier New"/>
-              </a:rPr>
-              <a:t>input</a:t>
-            </a:r>
-            <a:r>
-              <a:rPr lang="en-US" sz="3000" b="1" i="0" u="none" strike="noStrike" cap="none" dirty="0">
-                <a:solidFill>
-                  <a:schemeClr val="lt1"/>
-                </a:solidFill>
-                <a:latin typeface="Courier New"/>
-                <a:ea typeface="Courier New"/>
-                <a:cs typeface="Courier New"/>
-                <a:sym typeface="Courier New"/>
-              </a:rPr>
-              <a:t>(</a:t>
-            </a:r>
-            <a:r>
-              <a:rPr lang="en-US" sz="3000" b="1" i="0" u="none" strike="noStrike" cap="none" dirty="0">
-                <a:solidFill>
-                  <a:srgbClr val="FF7F00"/>
-                </a:solidFill>
-                <a:latin typeface="Courier New"/>
-                <a:ea typeface="Courier New"/>
-                <a:cs typeface="Courier New"/>
-                <a:sym typeface="Courier New"/>
-              </a:rPr>
-              <a:t>'Enter:'</a:t>
-            </a:r>
-            <a:r>
-              <a:rPr lang="en-US" sz="3000" b="1" i="0" u="none" strike="noStrike" cap="none" dirty="0">
-                <a:solidFill>
-                  <a:schemeClr val="lt1"/>
-                </a:solidFill>
-                <a:latin typeface="Courier New"/>
-                <a:ea typeface="Courier New"/>
-                <a:cs typeface="Courier New"/>
-                <a:sym typeface="Courier New"/>
-              </a:rPr>
-              <a:t>)</a:t>
-            </a:r>
-          </a:p>
-          <a:p>
-            <a:pPr marL="0" marR="0" lvl="0" indent="0" algn="l" rtl="0">
-              <a:lnSpc>
-                <a:spcPct val="100000"/>
-              </a:lnSpc>
-              <a:spcBef>
-                <a:spcPts val="0"/>
-              </a:spcBef>
-              <a:spcAft>
-                <a:spcPts val="0"/>
-              </a:spcAft>
-              <a:buClr>
-                <a:schemeClr val="lt1"/>
-              </a:buClr>
-              <a:buSzPct val="25000"/>
-              <a:buFont typeface="Cabin"/>
-              <a:buNone/>
-            </a:pPr>
-            <a:r>
-              <a:rPr lang="en-US" sz="3000" b="1" i="0" u="none" strike="noStrike" cap="none" dirty="0" err="1">
-                <a:solidFill>
-                  <a:schemeClr val="lt1"/>
-                </a:solidFill>
-                <a:latin typeface="Courier New"/>
-                <a:ea typeface="Courier New"/>
-                <a:cs typeface="Courier New"/>
-                <a:sym typeface="Courier New"/>
-              </a:rPr>
-              <a:t>Enter:</a:t>
-            </a:r>
-            <a:r>
-              <a:rPr lang="en-US" sz="3000" b="1" i="0" u="none" strike="noStrike" cap="none" dirty="0" err="1">
-                <a:solidFill>
-                  <a:srgbClr val="00FF00"/>
-                </a:solidFill>
-                <a:latin typeface="Courier New"/>
-                <a:ea typeface="Courier New"/>
-                <a:cs typeface="Courier New"/>
-                <a:sym typeface="Courier New"/>
-              </a:rPr>
-              <a:t>Chuck</a:t>
-            </a:r>
-            <a:endParaRPr lang="en-US" sz="3000" b="1" i="0" u="none" strike="noStrike" cap="none" dirty="0">
+            <a:r>
+              <a:rPr lang="en-US" sz="3600" dirty="0" smtClean="0">
+                <a:solidFill>
+                  <a:srgbClr val="00FA00"/>
+                </a:solidFill>
+              </a:rPr>
+              <a:t>In Python 3, all strings are Unicode</a:t>
+            </a:r>
+            <a:endParaRPr lang="en-US" sz="3600" dirty="0">
               <a:solidFill>
-                <a:srgbClr val="00FF00"/>
+                <a:srgbClr val="00FA00"/>
               </a:solidFill>
-              <a:latin typeface="Courier New"/>
-              <a:ea typeface="Courier New"/>
-              <a:cs typeface="Courier New"/>
-              <a:sym typeface="Courier New"/>
             </a:endParaRPr>
-          </a:p>
-          <a:p>
-            <a:pPr marL="0" marR="0" lvl="0" indent="0" algn="l" rtl="0">
-              <a:lnSpc>
-                <a:spcPct val="100000"/>
-              </a:lnSpc>
-              <a:spcBef>
-                <a:spcPts val="0"/>
-              </a:spcBef>
-              <a:spcAft>
-                <a:spcPts val="0"/>
-              </a:spcAft>
-              <a:buClr>
-                <a:schemeClr val="lt1"/>
-              </a:buClr>
-              <a:buSzPct val="25000"/>
-              <a:buFont typeface="Cabin"/>
-              <a:buNone/>
-            </a:pPr>
-            <a:r>
-              <a:rPr lang="en-US" sz="3000" b="1" i="0" u="none" strike="noStrike" cap="none" dirty="0">
-                <a:solidFill>
-                  <a:schemeClr val="lt1"/>
-                </a:solidFill>
-                <a:latin typeface="Courier New"/>
-                <a:ea typeface="Courier New"/>
-                <a:cs typeface="Courier New"/>
-                <a:sym typeface="Courier New"/>
-              </a:rPr>
-              <a:t>&gt;&gt;&gt; </a:t>
-            </a:r>
-            <a:r>
-              <a:rPr lang="en-US" sz="3000" b="1" i="0" u="none" strike="noStrike" cap="none" dirty="0" smtClean="0">
-                <a:solidFill>
-                  <a:srgbClr val="FFFF00"/>
-                </a:solidFill>
-                <a:latin typeface="Courier New"/>
-                <a:ea typeface="Courier New"/>
-                <a:cs typeface="Courier New"/>
-                <a:sym typeface="Courier New"/>
-              </a:rPr>
-              <a:t>print</a:t>
-            </a:r>
-            <a:r>
-              <a:rPr lang="en-US" sz="3000" b="1" dirty="0" smtClean="0">
-                <a:solidFill>
-                  <a:schemeClr val="lt1"/>
-                </a:solidFill>
-                <a:latin typeface="Courier New"/>
-                <a:ea typeface="Courier New"/>
-                <a:cs typeface="Courier New"/>
-                <a:sym typeface="Courier New"/>
-              </a:rPr>
-              <a:t>(</a:t>
-            </a:r>
-            <a:r>
-              <a:rPr lang="en-US" sz="3000" b="1" i="0" u="none" strike="noStrike" cap="none" dirty="0" smtClean="0">
-                <a:solidFill>
-                  <a:srgbClr val="FF7F00"/>
-                </a:solidFill>
-                <a:latin typeface="Courier New"/>
-                <a:ea typeface="Courier New"/>
-                <a:cs typeface="Courier New"/>
-                <a:sym typeface="Courier New"/>
-              </a:rPr>
-              <a:t>name</a:t>
-            </a:r>
-            <a:r>
-              <a:rPr lang="en-US" sz="3000" b="1" i="0" u="none" strike="noStrike" cap="none" dirty="0" smtClean="0">
-                <a:solidFill>
-                  <a:schemeClr val="bg1"/>
-                </a:solidFill>
-                <a:latin typeface="Courier New"/>
-                <a:ea typeface="Courier New"/>
-                <a:cs typeface="Courier New"/>
-                <a:sym typeface="Courier New"/>
-              </a:rPr>
-              <a:t>)</a:t>
-            </a:r>
-            <a:endParaRPr lang="en-US" sz="3000" b="1" i="0" u="none" strike="noStrike" cap="none" dirty="0">
-              <a:solidFill>
-                <a:schemeClr val="bg1"/>
-              </a:solidFill>
-              <a:latin typeface="Courier New"/>
-              <a:ea typeface="Courier New"/>
-              <a:cs typeface="Courier New"/>
-              <a:sym typeface="Courier New"/>
-            </a:endParaRPr>
-          </a:p>
-          <a:p>
-            <a:pPr marL="0" marR="0" lvl="0" indent="0" algn="l" rtl="0">
-              <a:lnSpc>
-                <a:spcPct val="100000"/>
-              </a:lnSpc>
-              <a:spcBef>
-                <a:spcPts val="0"/>
-              </a:spcBef>
-              <a:spcAft>
-                <a:spcPts val="0"/>
-              </a:spcAft>
-              <a:buClr>
-                <a:schemeClr val="lt1"/>
-              </a:buClr>
-              <a:buSzPct val="25000"/>
-              <a:buFont typeface="Cabin"/>
-              <a:buNone/>
-            </a:pPr>
-            <a:r>
-              <a:rPr lang="en-US" sz="3000" b="1" i="0" u="none" strike="noStrike" cap="none" dirty="0">
-                <a:solidFill>
-                  <a:schemeClr val="lt1"/>
-                </a:solidFill>
-                <a:latin typeface="Courier New"/>
-                <a:ea typeface="Courier New"/>
-                <a:cs typeface="Courier New"/>
-                <a:sym typeface="Courier New"/>
-              </a:rPr>
-              <a:t>Chuck</a:t>
-            </a:r>
-          </a:p>
-          <a:p>
-            <a:pPr marL="0" marR="0" lvl="0" indent="0" algn="l" rtl="0">
-              <a:lnSpc>
-                <a:spcPct val="100000"/>
-              </a:lnSpc>
-              <a:spcBef>
-                <a:spcPts val="0"/>
-              </a:spcBef>
-              <a:spcAft>
-                <a:spcPts val="0"/>
-              </a:spcAft>
-              <a:buClr>
-                <a:schemeClr val="lt1"/>
-              </a:buClr>
-              <a:buSzPct val="25000"/>
-              <a:buFont typeface="Cabin"/>
-              <a:buNone/>
-            </a:pPr>
-            <a:r>
-              <a:rPr lang="en-US" sz="3000" b="1" i="0" u="none" strike="noStrike" cap="none" dirty="0">
-                <a:solidFill>
-                  <a:schemeClr val="lt1"/>
-                </a:solidFill>
-                <a:latin typeface="Courier New"/>
-                <a:ea typeface="Courier New"/>
-                <a:cs typeface="Courier New"/>
-                <a:sym typeface="Courier New"/>
-              </a:rPr>
-              <a:t>&gt;&gt;&gt; </a:t>
-            </a:r>
-            <a:r>
-              <a:rPr lang="en-US" sz="3000" b="1" i="0" u="none" strike="noStrike" cap="none" dirty="0">
-                <a:solidFill>
-                  <a:srgbClr val="00FF00"/>
-                </a:solidFill>
-                <a:latin typeface="Courier New"/>
-                <a:ea typeface="Courier New"/>
-                <a:cs typeface="Courier New"/>
-                <a:sym typeface="Courier New"/>
-              </a:rPr>
-              <a:t>apple</a:t>
-            </a:r>
-            <a:r>
-              <a:rPr lang="en-US" sz="3000" b="1" i="0" u="none" strike="noStrike" cap="none" dirty="0">
-                <a:solidFill>
-                  <a:srgbClr val="FF7F00"/>
-                </a:solidFill>
-                <a:latin typeface="Courier New"/>
-                <a:ea typeface="Courier New"/>
-                <a:cs typeface="Courier New"/>
-                <a:sym typeface="Courier New"/>
-              </a:rPr>
-              <a:t> </a:t>
-            </a:r>
-            <a:r>
-              <a:rPr lang="en-US" sz="3000" b="1" i="0" u="none" strike="noStrike" cap="none" dirty="0">
-                <a:solidFill>
-                  <a:schemeClr val="lt1"/>
-                </a:solidFill>
-                <a:latin typeface="Courier New"/>
-                <a:ea typeface="Courier New"/>
-                <a:cs typeface="Courier New"/>
-                <a:sym typeface="Courier New"/>
-              </a:rPr>
-              <a:t>=</a:t>
-            </a:r>
-            <a:r>
-              <a:rPr lang="en-US" sz="3000" b="1" i="0" u="none" strike="noStrike" cap="none" dirty="0">
-                <a:solidFill>
-                  <a:srgbClr val="FF7F00"/>
-                </a:solidFill>
-                <a:latin typeface="Courier New"/>
-                <a:ea typeface="Courier New"/>
-                <a:cs typeface="Courier New"/>
-                <a:sym typeface="Courier New"/>
-              </a:rPr>
-              <a:t> </a:t>
-            </a:r>
-            <a:r>
-              <a:rPr lang="en-US" sz="3000" b="1" i="0" u="none" strike="noStrike" cap="none" dirty="0" smtClean="0">
-                <a:solidFill>
-                  <a:srgbClr val="FF00FF"/>
-                </a:solidFill>
-                <a:latin typeface="Courier New"/>
-                <a:ea typeface="Courier New"/>
-                <a:cs typeface="Courier New"/>
-                <a:sym typeface="Courier New"/>
-              </a:rPr>
-              <a:t>input</a:t>
-            </a:r>
-            <a:r>
-              <a:rPr lang="en-US" sz="3000" b="1" i="0" u="none" strike="noStrike" cap="none" dirty="0">
-                <a:solidFill>
-                  <a:schemeClr val="lt1"/>
-                </a:solidFill>
-                <a:latin typeface="Courier New"/>
-                <a:ea typeface="Courier New"/>
-                <a:cs typeface="Courier New"/>
-                <a:sym typeface="Courier New"/>
-              </a:rPr>
-              <a:t>(</a:t>
-            </a:r>
-            <a:r>
-              <a:rPr lang="en-US" sz="3000" b="1" i="0" u="none" strike="noStrike" cap="none" dirty="0">
-                <a:solidFill>
-                  <a:srgbClr val="FF7F00"/>
-                </a:solidFill>
-                <a:latin typeface="Courier New"/>
-                <a:ea typeface="Courier New"/>
-                <a:cs typeface="Courier New"/>
-                <a:sym typeface="Courier New"/>
-              </a:rPr>
-              <a:t>'Enter:'</a:t>
-            </a:r>
-            <a:r>
-              <a:rPr lang="en-US" sz="3000" b="1" i="0" u="none" strike="noStrike" cap="none" dirty="0">
-                <a:solidFill>
-                  <a:schemeClr val="lt1"/>
-                </a:solidFill>
-                <a:latin typeface="Courier New"/>
-                <a:ea typeface="Courier New"/>
-                <a:cs typeface="Courier New"/>
-                <a:sym typeface="Courier New"/>
-              </a:rPr>
-              <a:t>)</a:t>
-            </a:r>
-          </a:p>
-          <a:p>
-            <a:pPr marL="0" marR="0" lvl="0" indent="0" algn="l" rtl="0">
-              <a:lnSpc>
-                <a:spcPct val="100000"/>
-              </a:lnSpc>
-              <a:spcBef>
-                <a:spcPts val="0"/>
-              </a:spcBef>
-              <a:spcAft>
-                <a:spcPts val="0"/>
-              </a:spcAft>
-              <a:buClr>
-                <a:schemeClr val="lt1"/>
-              </a:buClr>
-              <a:buSzPct val="25000"/>
-              <a:buFont typeface="Cabin"/>
-              <a:buNone/>
-            </a:pPr>
-            <a:r>
-              <a:rPr lang="en-US" sz="3000" b="1" i="0" u="none" strike="noStrike" cap="none" dirty="0">
-                <a:solidFill>
-                  <a:schemeClr val="lt1"/>
-                </a:solidFill>
-                <a:latin typeface="Courier New"/>
-                <a:ea typeface="Courier New"/>
-                <a:cs typeface="Courier New"/>
-                <a:sym typeface="Courier New"/>
-              </a:rPr>
-              <a:t>Enter:</a:t>
-            </a:r>
-            <a:r>
-              <a:rPr lang="en-US" sz="3000" b="1" i="0" u="none" strike="noStrike" cap="none" dirty="0">
-                <a:solidFill>
-                  <a:srgbClr val="00FF00"/>
-                </a:solidFill>
-                <a:latin typeface="Courier New"/>
-                <a:ea typeface="Courier New"/>
-                <a:cs typeface="Courier New"/>
-                <a:sym typeface="Courier New"/>
-              </a:rPr>
-              <a:t>100</a:t>
-            </a:r>
-          </a:p>
-          <a:p>
-            <a:pPr marL="0" marR="0" lvl="0" indent="0" algn="l" rtl="0">
-              <a:lnSpc>
-                <a:spcPct val="100000"/>
-              </a:lnSpc>
-              <a:spcBef>
-                <a:spcPts val="0"/>
-              </a:spcBef>
-              <a:spcAft>
-                <a:spcPts val="0"/>
-              </a:spcAft>
-              <a:buClr>
-                <a:schemeClr val="lt1"/>
-              </a:buClr>
-              <a:buSzPct val="25000"/>
-              <a:buFont typeface="Cabin"/>
-              <a:buNone/>
-            </a:pPr>
-            <a:r>
-              <a:rPr lang="en-US" sz="3000" b="1" i="0" u="none" strike="noStrike" cap="none" dirty="0">
-                <a:solidFill>
-                  <a:schemeClr val="lt1"/>
-                </a:solidFill>
-                <a:latin typeface="Courier New"/>
-                <a:ea typeface="Courier New"/>
-                <a:cs typeface="Courier New"/>
-                <a:sym typeface="Courier New"/>
-              </a:rPr>
-              <a:t>&gt;&gt;&gt; </a:t>
-            </a:r>
-            <a:r>
-              <a:rPr lang="en-US" sz="3000" b="1" i="0" u="none" strike="noStrike" cap="none" dirty="0">
-                <a:solidFill>
-                  <a:srgbClr val="00FF00"/>
-                </a:solidFill>
-                <a:latin typeface="Courier New"/>
-                <a:ea typeface="Courier New"/>
-                <a:cs typeface="Courier New"/>
-                <a:sym typeface="Courier New"/>
-              </a:rPr>
-              <a:t>x </a:t>
-            </a:r>
-            <a:r>
-              <a:rPr lang="en-US" sz="3000" b="1" i="0" u="none" strike="noStrike" cap="none" dirty="0">
-                <a:solidFill>
-                  <a:schemeClr val="lt1"/>
-                </a:solidFill>
-                <a:latin typeface="Courier New"/>
-                <a:ea typeface="Courier New"/>
-                <a:cs typeface="Courier New"/>
-                <a:sym typeface="Courier New"/>
-              </a:rPr>
-              <a:t>=</a:t>
-            </a:r>
-            <a:r>
-              <a:rPr lang="en-US" sz="3000" b="1" i="0" u="none" strike="noStrike" cap="none" dirty="0">
-                <a:solidFill>
-                  <a:srgbClr val="FF7F00"/>
-                </a:solidFill>
-                <a:latin typeface="Courier New"/>
-                <a:ea typeface="Courier New"/>
-                <a:cs typeface="Courier New"/>
-                <a:sym typeface="Courier New"/>
-              </a:rPr>
-              <a:t> </a:t>
-            </a:r>
-            <a:r>
-              <a:rPr lang="en-US" sz="3000" b="1" i="0" u="none" strike="noStrike" cap="none" dirty="0">
-                <a:solidFill>
-                  <a:srgbClr val="00FF00"/>
-                </a:solidFill>
-                <a:latin typeface="Courier New"/>
-                <a:ea typeface="Courier New"/>
-                <a:cs typeface="Courier New"/>
-                <a:sym typeface="Courier New"/>
-              </a:rPr>
-              <a:t>apple</a:t>
-            </a:r>
-            <a:r>
-              <a:rPr lang="en-US" sz="3000" b="1" i="0" u="none" strike="noStrike" cap="none" dirty="0">
-                <a:solidFill>
-                  <a:srgbClr val="FF7F00"/>
-                </a:solidFill>
-                <a:latin typeface="Courier New"/>
-                <a:ea typeface="Courier New"/>
-                <a:cs typeface="Courier New"/>
-                <a:sym typeface="Courier New"/>
-              </a:rPr>
-              <a:t> </a:t>
-            </a:r>
-            <a:r>
-              <a:rPr lang="en-US" sz="3000" b="1" i="0" u="none" strike="noStrike" cap="none" dirty="0">
-                <a:solidFill>
-                  <a:srgbClr val="00FFFF"/>
-                </a:solidFill>
-                <a:latin typeface="Courier New"/>
-                <a:ea typeface="Courier New"/>
-                <a:cs typeface="Courier New"/>
-                <a:sym typeface="Courier New"/>
-              </a:rPr>
-              <a:t>– </a:t>
-            </a:r>
-            <a:r>
-              <a:rPr lang="en-US" sz="3000" b="1" i="0" u="none" strike="noStrike" cap="none" dirty="0">
-                <a:solidFill>
-                  <a:srgbClr val="FF7F00"/>
-                </a:solidFill>
-                <a:latin typeface="Courier New"/>
-                <a:ea typeface="Courier New"/>
-                <a:cs typeface="Courier New"/>
-                <a:sym typeface="Courier New"/>
-              </a:rPr>
-              <a:t>10</a:t>
-            </a:r>
-          </a:p>
-          <a:p>
-            <a:pPr marL="0" marR="0" lvl="0" indent="0" algn="l" rtl="0">
-              <a:lnSpc>
-                <a:spcPct val="100000"/>
-              </a:lnSpc>
-              <a:spcBef>
-                <a:spcPts val="0"/>
-              </a:spcBef>
-              <a:spcAft>
-                <a:spcPts val="0"/>
-              </a:spcAft>
-              <a:buClr>
-                <a:srgbClr val="FF0000"/>
-              </a:buClr>
-              <a:buSzPct val="25000"/>
-              <a:buFont typeface="Cabin"/>
-              <a:buNone/>
-            </a:pPr>
-            <a:r>
-              <a:rPr lang="en-US" sz="3000" b="1" i="0" u="none" strike="noStrike" cap="none" dirty="0" err="1">
-                <a:solidFill>
-                  <a:srgbClr val="E06666"/>
-                </a:solidFill>
-                <a:latin typeface="Courier New"/>
-                <a:ea typeface="Courier New"/>
-                <a:cs typeface="Courier New"/>
-                <a:sym typeface="Courier New"/>
-              </a:rPr>
-              <a:t>Traceback</a:t>
-            </a:r>
-            <a:r>
-              <a:rPr lang="en-US" sz="3000" b="1" i="0" u="none" strike="noStrike" cap="none" dirty="0">
-                <a:solidFill>
-                  <a:srgbClr val="E06666"/>
-                </a:solidFill>
-                <a:latin typeface="Courier New"/>
-                <a:ea typeface="Courier New"/>
-                <a:cs typeface="Courier New"/>
-                <a:sym typeface="Courier New"/>
-              </a:rPr>
-              <a:t> (most recent call last):  File "&lt;</a:t>
-            </a:r>
-            <a:r>
-              <a:rPr lang="en-US" sz="3000" b="1" i="0" u="none" strike="noStrike" cap="none" dirty="0" err="1">
-                <a:solidFill>
-                  <a:srgbClr val="E06666"/>
-                </a:solidFill>
-                <a:latin typeface="Courier New"/>
-                <a:ea typeface="Courier New"/>
-                <a:cs typeface="Courier New"/>
-                <a:sym typeface="Courier New"/>
-              </a:rPr>
-              <a:t>stdin</a:t>
-            </a:r>
-            <a:r>
-              <a:rPr lang="en-US" sz="3000" b="1" i="0" u="none" strike="noStrike" cap="none" dirty="0">
-                <a:solidFill>
-                  <a:srgbClr val="E06666"/>
-                </a:solidFill>
-                <a:latin typeface="Courier New"/>
-                <a:ea typeface="Courier New"/>
-                <a:cs typeface="Courier New"/>
-                <a:sym typeface="Courier New"/>
-              </a:rPr>
-              <a:t>&gt;", line 1, in &lt;module</a:t>
-            </a:r>
-            <a:r>
-              <a:rPr lang="en-US" sz="3000" b="1" i="0" u="none" strike="noStrike" cap="none" dirty="0" smtClean="0">
-                <a:solidFill>
-                  <a:srgbClr val="E06666"/>
-                </a:solidFill>
-                <a:latin typeface="Courier New"/>
-                <a:ea typeface="Courier New"/>
-                <a:cs typeface="Courier New"/>
-                <a:sym typeface="Courier New"/>
-              </a:rPr>
-              <a:t>&gt;</a:t>
-            </a:r>
-          </a:p>
-          <a:p>
-            <a:pPr marL="0" marR="0" lvl="0" indent="0" algn="l" rtl="0">
-              <a:lnSpc>
-                <a:spcPct val="100000"/>
-              </a:lnSpc>
-              <a:spcBef>
-                <a:spcPts val="0"/>
-              </a:spcBef>
-              <a:spcAft>
-                <a:spcPts val="0"/>
-              </a:spcAft>
-              <a:buClr>
-                <a:srgbClr val="FF0000"/>
-              </a:buClr>
-              <a:buSzPct val="25000"/>
-              <a:buFont typeface="Cabin"/>
-              <a:buNone/>
-            </a:pPr>
-            <a:r>
-              <a:rPr lang="en-US" sz="3000" b="1" i="0" u="none" strike="noStrike" cap="none" dirty="0" err="1" smtClean="0">
-                <a:solidFill>
-                  <a:srgbClr val="E06666"/>
-                </a:solidFill>
-                <a:latin typeface="Courier New"/>
-                <a:ea typeface="Courier New"/>
-                <a:cs typeface="Courier New"/>
-                <a:sym typeface="Courier New"/>
-              </a:rPr>
-              <a:t>TypeError</a:t>
-            </a:r>
-            <a:r>
-              <a:rPr lang="en-US" sz="3000" b="1" i="0" u="none" strike="noStrike" cap="none" dirty="0">
-                <a:solidFill>
-                  <a:srgbClr val="E06666"/>
-                </a:solidFill>
-                <a:latin typeface="Courier New"/>
-                <a:ea typeface="Courier New"/>
-                <a:cs typeface="Courier New"/>
-                <a:sym typeface="Courier New"/>
-              </a:rPr>
-              <a:t>: unsupported operand type(s) for -: '</a:t>
-            </a:r>
-            <a:r>
-              <a:rPr lang="en-US" sz="3000" b="1" i="0" u="none" strike="noStrike" cap="none" dirty="0" err="1">
-                <a:solidFill>
-                  <a:srgbClr val="E06666"/>
-                </a:solidFill>
-                <a:latin typeface="Courier New"/>
-                <a:ea typeface="Courier New"/>
-                <a:cs typeface="Courier New"/>
-                <a:sym typeface="Courier New"/>
-              </a:rPr>
-              <a:t>str</a:t>
-            </a:r>
-            <a:r>
-              <a:rPr lang="en-US" sz="3000" b="1" i="0" u="none" strike="noStrike" cap="none" dirty="0">
-                <a:solidFill>
-                  <a:srgbClr val="E06666"/>
-                </a:solidFill>
-                <a:latin typeface="Courier New"/>
-                <a:ea typeface="Courier New"/>
-                <a:cs typeface="Courier New"/>
-                <a:sym typeface="Courier New"/>
-              </a:rPr>
-              <a:t>' and '</a:t>
-            </a:r>
-            <a:r>
-              <a:rPr lang="en-US" sz="3000" b="1" i="0" u="none" strike="noStrike" cap="none" dirty="0" err="1">
-                <a:solidFill>
-                  <a:srgbClr val="E06666"/>
-                </a:solidFill>
-                <a:latin typeface="Courier New"/>
-                <a:ea typeface="Courier New"/>
-                <a:cs typeface="Courier New"/>
-                <a:sym typeface="Courier New"/>
-              </a:rPr>
-              <a:t>int</a:t>
-            </a:r>
-            <a:r>
-              <a:rPr lang="en-US" sz="3000" b="1" i="0" u="none" strike="noStrike" cap="none" dirty="0">
-                <a:solidFill>
-                  <a:srgbClr val="E06666"/>
-                </a:solidFill>
-                <a:latin typeface="Courier New"/>
-                <a:ea typeface="Courier New"/>
-                <a:cs typeface="Courier New"/>
-                <a:sym typeface="Courier New"/>
-              </a:rPr>
-              <a:t>'</a:t>
-            </a:r>
-          </a:p>
-          <a:p>
-            <a:pPr marL="0" marR="0" lvl="0" indent="0" algn="l" rtl="0">
-              <a:lnSpc>
-                <a:spcPct val="100000"/>
-              </a:lnSpc>
-              <a:spcBef>
-                <a:spcPts val="0"/>
-              </a:spcBef>
-              <a:spcAft>
-                <a:spcPts val="0"/>
-              </a:spcAft>
-              <a:buClr>
-                <a:schemeClr val="lt1"/>
-              </a:buClr>
-              <a:buSzPct val="25000"/>
-              <a:buFont typeface="Cabin"/>
-              <a:buNone/>
-            </a:pPr>
-            <a:r>
-              <a:rPr lang="en-US" sz="3000" b="1" i="0" u="none" strike="noStrike" cap="none" dirty="0">
-                <a:solidFill>
-                  <a:schemeClr val="lt1"/>
-                </a:solidFill>
-                <a:latin typeface="Courier New"/>
-                <a:ea typeface="Courier New"/>
-                <a:cs typeface="Courier New"/>
-                <a:sym typeface="Courier New"/>
-              </a:rPr>
-              <a:t>&gt;&gt;&gt; </a:t>
-            </a:r>
-            <a:r>
-              <a:rPr lang="en-US" sz="3000" b="1" i="0" u="none" strike="noStrike" cap="none" dirty="0">
-                <a:solidFill>
-                  <a:srgbClr val="00FF00"/>
-                </a:solidFill>
-                <a:latin typeface="Courier New"/>
-                <a:ea typeface="Courier New"/>
-                <a:cs typeface="Courier New"/>
-                <a:sym typeface="Courier New"/>
-              </a:rPr>
-              <a:t>x</a:t>
-            </a:r>
-            <a:r>
-              <a:rPr lang="en-US" sz="3000" b="1" i="0" u="none" strike="noStrike" cap="none" dirty="0">
-                <a:solidFill>
-                  <a:srgbClr val="FF7F00"/>
-                </a:solidFill>
-                <a:latin typeface="Courier New"/>
-                <a:ea typeface="Courier New"/>
-                <a:cs typeface="Courier New"/>
-                <a:sym typeface="Courier New"/>
-              </a:rPr>
-              <a:t> </a:t>
-            </a:r>
-            <a:r>
-              <a:rPr lang="en-US" sz="3000" b="1" i="0" u="none" strike="noStrike" cap="none" dirty="0">
-                <a:solidFill>
-                  <a:schemeClr val="lt1"/>
-                </a:solidFill>
-                <a:latin typeface="Courier New"/>
-                <a:ea typeface="Courier New"/>
-                <a:cs typeface="Courier New"/>
-                <a:sym typeface="Courier New"/>
-              </a:rPr>
-              <a:t>=</a:t>
-            </a:r>
-            <a:r>
-              <a:rPr lang="en-US" sz="3000" b="1" i="0" u="none" strike="noStrike" cap="none" dirty="0">
-                <a:solidFill>
-                  <a:srgbClr val="FF7F00"/>
-                </a:solidFill>
-                <a:latin typeface="Courier New"/>
-                <a:ea typeface="Courier New"/>
-                <a:cs typeface="Courier New"/>
-                <a:sym typeface="Courier New"/>
-              </a:rPr>
-              <a:t> </a:t>
-            </a:r>
-            <a:r>
-              <a:rPr lang="en-US" sz="3000" b="1" i="0" u="none" strike="noStrike" cap="none" dirty="0" err="1">
-                <a:solidFill>
-                  <a:srgbClr val="FF00FF"/>
-                </a:solidFill>
-                <a:latin typeface="Courier New"/>
-                <a:ea typeface="Courier New"/>
-                <a:cs typeface="Courier New"/>
-                <a:sym typeface="Courier New"/>
-              </a:rPr>
-              <a:t>int</a:t>
-            </a:r>
-            <a:r>
-              <a:rPr lang="en-US" sz="3000" b="1" i="0" u="none" strike="noStrike" cap="none" dirty="0">
-                <a:solidFill>
-                  <a:srgbClr val="FF7F00"/>
-                </a:solidFill>
-                <a:latin typeface="Courier New"/>
-                <a:ea typeface="Courier New"/>
-                <a:cs typeface="Courier New"/>
-                <a:sym typeface="Courier New"/>
-              </a:rPr>
-              <a:t>(</a:t>
-            </a:r>
-            <a:r>
-              <a:rPr lang="en-US" sz="3000" b="1" i="0" u="none" strike="noStrike" cap="none" dirty="0">
-                <a:solidFill>
-                  <a:srgbClr val="00FF00"/>
-                </a:solidFill>
-                <a:latin typeface="Courier New"/>
-                <a:ea typeface="Courier New"/>
-                <a:cs typeface="Courier New"/>
-                <a:sym typeface="Courier New"/>
-              </a:rPr>
-              <a:t>apple</a:t>
-            </a:r>
-            <a:r>
-              <a:rPr lang="en-US" sz="3000" b="1" i="0" u="none" strike="noStrike" cap="none" dirty="0">
-                <a:solidFill>
-                  <a:srgbClr val="FF7F00"/>
-                </a:solidFill>
-                <a:latin typeface="Courier New"/>
-                <a:ea typeface="Courier New"/>
-                <a:cs typeface="Courier New"/>
-                <a:sym typeface="Courier New"/>
-              </a:rPr>
-              <a:t>) </a:t>
-            </a:r>
-            <a:r>
-              <a:rPr lang="en-US" sz="3000" b="1" i="0" u="none" strike="noStrike" cap="none" dirty="0">
-                <a:solidFill>
-                  <a:srgbClr val="00FFFF"/>
-                </a:solidFill>
-                <a:latin typeface="Courier New"/>
-                <a:ea typeface="Courier New"/>
-                <a:cs typeface="Courier New"/>
-                <a:sym typeface="Courier New"/>
-              </a:rPr>
-              <a:t>–</a:t>
-            </a:r>
-            <a:r>
-              <a:rPr lang="en-US" sz="3000" b="1" i="0" u="none" strike="noStrike" cap="none" dirty="0">
-                <a:solidFill>
-                  <a:srgbClr val="FF7F00"/>
-                </a:solidFill>
-                <a:latin typeface="Courier New"/>
-                <a:ea typeface="Courier New"/>
-                <a:cs typeface="Courier New"/>
-                <a:sym typeface="Courier New"/>
-              </a:rPr>
-              <a:t> 10</a:t>
-            </a:r>
-          </a:p>
-          <a:p>
-            <a:pPr marL="0" marR="0" lvl="0" indent="0" algn="l" rtl="0">
-              <a:lnSpc>
-                <a:spcPct val="100000"/>
-              </a:lnSpc>
-              <a:spcBef>
-                <a:spcPts val="0"/>
-              </a:spcBef>
-              <a:spcAft>
-                <a:spcPts val="0"/>
-              </a:spcAft>
-              <a:buClr>
-                <a:schemeClr val="lt1"/>
-              </a:buClr>
-              <a:buSzPct val="25000"/>
-              <a:buFont typeface="Cabin"/>
-              <a:buNone/>
-            </a:pPr>
-            <a:r>
-              <a:rPr lang="en-US" sz="3000" b="1" i="0" u="none" strike="noStrike" cap="none" dirty="0">
-                <a:solidFill>
-                  <a:schemeClr val="lt1"/>
-                </a:solidFill>
-                <a:latin typeface="Courier New"/>
-                <a:ea typeface="Courier New"/>
-                <a:cs typeface="Courier New"/>
-                <a:sym typeface="Courier New"/>
-              </a:rPr>
-              <a:t>&gt;&gt;&gt; </a:t>
-            </a:r>
-            <a:r>
-              <a:rPr lang="en-US" sz="3000" b="1" i="0" u="none" strike="noStrike" cap="none" dirty="0" smtClean="0">
-                <a:solidFill>
-                  <a:srgbClr val="FFFF00"/>
-                </a:solidFill>
-                <a:latin typeface="Courier New"/>
-                <a:ea typeface="Courier New"/>
-                <a:cs typeface="Courier New"/>
-                <a:sym typeface="Courier New"/>
-              </a:rPr>
-              <a:t>print</a:t>
-            </a:r>
-            <a:r>
-              <a:rPr lang="en-US" sz="3000" b="1" dirty="0" smtClean="0">
-                <a:solidFill>
-                  <a:schemeClr val="lt1"/>
-                </a:solidFill>
-                <a:latin typeface="Courier New"/>
-                <a:ea typeface="Courier New"/>
-                <a:cs typeface="Courier New"/>
-                <a:sym typeface="Courier New"/>
-              </a:rPr>
-              <a:t>(</a:t>
-            </a:r>
-            <a:r>
-              <a:rPr lang="en-US" sz="3000" b="1" i="0" u="none" strike="noStrike" cap="none" dirty="0" smtClean="0">
-                <a:solidFill>
-                  <a:srgbClr val="00FF00"/>
-                </a:solidFill>
-                <a:latin typeface="Courier New"/>
-                <a:ea typeface="Courier New"/>
-                <a:cs typeface="Courier New"/>
-                <a:sym typeface="Courier New"/>
-              </a:rPr>
-              <a:t>x</a:t>
-            </a:r>
-            <a:r>
-              <a:rPr lang="en-US" sz="3000" b="1" i="0" u="none" strike="noStrike" cap="none" dirty="0" smtClean="0">
-                <a:solidFill>
-                  <a:schemeClr val="bg1"/>
-                </a:solidFill>
-                <a:latin typeface="Courier New"/>
-                <a:ea typeface="Courier New"/>
-                <a:cs typeface="Courier New"/>
-                <a:sym typeface="Courier New"/>
-              </a:rPr>
-              <a:t>)</a:t>
-            </a:r>
-            <a:endParaRPr lang="en-US" sz="3000" b="1" i="0" u="none" strike="noStrike" cap="none" dirty="0">
-              <a:solidFill>
-                <a:schemeClr val="bg1"/>
-              </a:solidFill>
-              <a:latin typeface="Courier New"/>
-              <a:ea typeface="Courier New"/>
-              <a:cs typeface="Courier New"/>
-              <a:sym typeface="Courier New"/>
-            </a:endParaRPr>
-          </a:p>
-          <a:p>
-            <a:pPr marL="0" marR="0" lvl="0" indent="0" algn="l" rtl="0">
-              <a:lnSpc>
-                <a:spcPct val="100000"/>
-              </a:lnSpc>
-              <a:spcBef>
-                <a:spcPts val="0"/>
-              </a:spcBef>
-              <a:spcAft>
-                <a:spcPts val="0"/>
-              </a:spcAft>
-              <a:buClr>
-                <a:schemeClr val="lt1"/>
-              </a:buClr>
-              <a:buSzPct val="25000"/>
-              <a:buFont typeface="Cabin"/>
-              <a:buNone/>
-            </a:pPr>
-            <a:r>
-              <a:rPr lang="en-US" sz="3000" b="1" i="0" u="none" strike="noStrike" cap="none" dirty="0">
-                <a:solidFill>
-                  <a:schemeClr val="lt1"/>
-                </a:solidFill>
-                <a:latin typeface="Courier New"/>
-                <a:ea typeface="Courier New"/>
-                <a:cs typeface="Courier New"/>
-                <a:sym typeface="Courier New"/>
-              </a:rPr>
-              <a:t>90</a:t>
-            </a:r>
           </a:p>
         </p:txBody>
       </p:sp>
     </p:spTree>
+    <p:extLst>
+      <p:ext uri="{BB962C8B-B14F-4D97-AF65-F5344CB8AC3E}">
+        <p14:creationId xmlns:p14="http://schemas.microsoft.com/office/powerpoint/2010/main" val="157962144"/>
+      </p:ext>
+    </p:extLst>
   </p:cSld>
   <p:clrMapOvr>
     <a:masterClrMapping/>
@@ -29839,7 +30571,7 @@
 </p:sld>
 </file>
 
-<file path=ppt/slides/slide30.xml><?xml version="1.0" encoding="utf-8"?>
+<file path=ppt/slides/slide32.xml><?xml version="1.0" encoding="utf-8"?>
 <p:sld xmlns:a="http://schemas.openxmlformats.org/drawingml/2006/main" xmlns:r="http://schemas.openxmlformats.org/officeDocument/2006/relationships" xmlns:p="http://schemas.openxmlformats.org/presentationml/2006/main">
   <p:cSld>
     <p:spTree>
@@ -30472,7 +31204,7 @@
 </p:sld>
 </file>
 
-<file path=ppt/slides/slide31.xml><?xml version="1.0" encoding="utf-8"?>
+<file path=ppt/slides/slide33.xml><?xml version="1.0" encoding="utf-8"?>
 <p:sld xmlns:a="http://schemas.openxmlformats.org/drawingml/2006/main" xmlns:r="http://schemas.openxmlformats.org/officeDocument/2006/relationships" xmlns:p="http://schemas.openxmlformats.org/presentationml/2006/main">
   <p:cSld>
     <p:spTree>
@@ -32886,10 +33618,41 @@
                 <a:cs typeface="Courier New"/>
                 <a:sym typeface="Courier New"/>
               </a:rPr>
-              <a:t>&gt;", line 1, in &lt;module&gt;</a:t>
-            </a:r>
-            <a:r>
-              <a:rPr lang="en-US" sz="3000" b="1" i="0" u="none" strike="noStrike" cap="none" dirty="0" err="1">
+              <a:t>&gt;", line 1, in &lt;module</a:t>
+            </a:r>
+            <a:r>
+              <a:rPr lang="en-US" sz="3000" b="1" i="0" u="none" strike="noStrike" cap="none" dirty="0" smtClean="0">
+                <a:solidFill>
+                  <a:srgbClr val="E06666"/>
+                </a:solidFill>
+                <a:latin typeface="Courier New"/>
+                <a:ea typeface="Courier New"/>
+                <a:cs typeface="Courier New"/>
+                <a:sym typeface="Courier New"/>
+              </a:rPr>
+              <a:t>&gt;</a:t>
+            </a:r>
+          </a:p>
+          <a:p>
+            <a:pPr marL="0" marR="0" lvl="0" indent="0" algn="l" rtl="0">
+              <a:lnSpc>
+                <a:spcPct val="100000"/>
+              </a:lnSpc>
+              <a:spcBef>
+                <a:spcPts val="0"/>
+              </a:spcBef>
+              <a:spcAft>
+                <a:spcPts val="0"/>
+              </a:spcAft>
+              <a:buClr>
+                <a:srgbClr val="FF66FF"/>
+              </a:buClr>
+              <a:buSzPct val="25000"/>
+              <a:buFont typeface="Cabin"/>
+              <a:buNone/>
+            </a:pPr>
+            <a:r>
+              <a:rPr lang="en-US" sz="3000" b="1" i="0" u="none" strike="noStrike" cap="none" dirty="0" err="1" smtClean="0">
                 <a:solidFill>
                   <a:srgbClr val="E06666"/>
                 </a:solidFill>
@@ -35698,7 +36461,19 @@
                 <a:cs typeface="Courier New"/>
                 <a:sym typeface="Courier New"/>
               </a:rPr>
-              <a:t>      blah</a:t>
+              <a:t>      </a:t>
+            </a:r>
+            <a:r>
+              <a:rPr lang="en-US" sz="2400" dirty="0" smtClean="0">
+                <a:solidFill>
+                  <a:schemeClr val="lt1"/>
+                </a:solidFill>
+                <a:latin typeface="Courier New"/>
+                <a:ea typeface="Courier New"/>
+                <a:cs typeface="Courier New"/>
+                <a:sym typeface="Courier New"/>
+              </a:rPr>
+              <a:t>blah</a:t>
             </a:r>
           </a:p>
         </p:txBody>

--- a/lectures3/Pythonlearn-06-Strings.pptx
+++ b/lectures3/Pythonlearn-06-Strings.pptx
@@ -248,7 +248,7 @@
   </p:defaultTextStyle>
   <p:extLst>
     <p:ext uri="{EFAFB233-063F-42B5-8137-9DF3F51BA10A}">
-      <p15:sldGuideLst xmlns="" xmlns:p15="http://schemas.microsoft.com/office/powerpoint/2012/main">
+      <p15:sldGuideLst xmlns:p15="http://schemas.microsoft.com/office/powerpoint/2012/main" xmlns="">
         <p15:guide id="1" orient="horz" pos="2880">
           <p15:clr>
             <a:srgbClr val="A4A3A4"/>
@@ -5751,7 +5751,7 @@
             <a:r>
               <a:rPr lang="en-US" sz="7600" u="none" strike="noStrike" cap="none">
                 <a:solidFill>
-                  <a:srgbClr val="FFFF00"/>
+                  <a:srgbClr val="FFD966"/>
                 </a:solidFill>
                 <a:latin typeface="Arial" charset="0"/>
                 <a:ea typeface="Arial" charset="0"/>
@@ -6052,7 +6052,7 @@
             <a:r>
               <a:rPr lang="en-US" sz="7600" u="none" strike="noStrike" cap="none">
                 <a:solidFill>
-                  <a:srgbClr val="FFFF00"/>
+                  <a:srgbClr val="FFD966"/>
                 </a:solidFill>
                 <a:latin typeface="Arial" charset="0"/>
                 <a:ea typeface="Arial" charset="0"/>
@@ -6770,7 +6770,7 @@
             <a:r>
               <a:rPr lang="en-US" sz="7600" u="none" strike="noStrike" cap="none">
                 <a:solidFill>
-                  <a:srgbClr val="FFFF00"/>
+                  <a:srgbClr val="FFD966"/>
                 </a:solidFill>
                 <a:latin typeface="Arial" charset="0"/>
                 <a:ea typeface="Arial" charset="0"/>
@@ -7978,7 +7978,7 @@
             <a:r>
               <a:rPr lang="en-US" sz="7600" u="none" strike="noStrike" cap="none">
                 <a:solidFill>
-                  <a:srgbClr val="FFFF00"/>
+                  <a:srgbClr val="FFD966"/>
                 </a:solidFill>
                 <a:latin typeface="Arial" charset="0"/>
                 <a:ea typeface="Arial" charset="0"/>
@@ -8641,7 +8641,7 @@
             <a:r>
               <a:rPr lang="en-US" sz="7600" u="none" strike="noStrike" cap="none">
                 <a:solidFill>
-                  <a:schemeClr val="lt1"/>
+                  <a:srgbClr val="FFD966"/>
                 </a:solidFill>
                 <a:latin typeface="Arial" charset="0"/>
                 <a:ea typeface="Arial" charset="0"/>
@@ -10837,10 +10837,18 @@
           <a:lstStyle/>
           <a:p>
             <a:r>
-              <a:rPr lang="en-US" dirty="0" smtClean="0"/>
+              <a:rPr lang="en-US" sz="7200" dirty="0" smtClean="0">
+                <a:solidFill>
+                  <a:srgbClr val="FFD966"/>
+                </a:solidFill>
+              </a:rPr>
               <a:t>More String Operations</a:t>
             </a:r>
-            <a:endParaRPr lang="en-US" dirty="0"/>
+            <a:endParaRPr lang="en-US" sz="7200" dirty="0">
+              <a:solidFill>
+                <a:srgbClr val="FFD966"/>
+              </a:solidFill>
+            </a:endParaRPr>
           </a:p>
         </p:txBody>
       </p:sp>
@@ -10923,7 +10931,7 @@
             <a:r>
               <a:rPr lang="en-US" sz="6000" u="none" strike="noStrike" cap="none">
                 <a:solidFill>
-                  <a:srgbClr val="FFFF00"/>
+                  <a:srgbClr val="FFD966"/>
                 </a:solidFill>
                 <a:latin typeface="Arial" charset="0"/>
                 <a:ea typeface="Arial" charset="0"/>
@@ -13784,7 +13792,7 @@
             <a:r>
               <a:rPr lang="en-US" sz="6000" u="none" strike="noStrike" cap="none">
                 <a:solidFill>
-                  <a:srgbClr val="FFFF00"/>
+                  <a:srgbClr val="FFD966"/>
                 </a:solidFill>
                 <a:latin typeface="Arial" charset="0"/>
                 <a:ea typeface="Arial" charset="0"/>
@@ -15362,7 +15370,7 @@
             <a:r>
               <a:rPr lang="en-US" sz="7600" u="none" strike="noStrike" cap="none">
                 <a:solidFill>
-                  <a:srgbClr val="FFFF00"/>
+                  <a:srgbClr val="FFD966"/>
                 </a:solidFill>
                 <a:latin typeface="Arial" charset="0"/>
                 <a:ea typeface="Arial" charset="0"/>
@@ -16237,6 +16245,18 @@
             <a:r>
               <a:rPr lang="en-US" sz="7600" u="none" strike="noStrike" cap="none">
                 <a:solidFill>
+                  <a:srgbClr val="FFD966"/>
+                </a:solidFill>
+                <a:latin typeface="Arial" charset="0"/>
+                <a:ea typeface="Arial" charset="0"/>
+                <a:cs typeface="Arial" charset="0"/>
+                <a:sym typeface="Cabin"/>
+              </a:rPr>
+              <a:t>Using</a:t>
+            </a:r>
+            <a:r>
+              <a:rPr lang="en-US" sz="7600" u="none" strike="noStrike" cap="none">
+                <a:solidFill>
                   <a:srgbClr val="FFFFFF"/>
                 </a:solidFill>
                 <a:latin typeface="Arial" charset="0"/>
@@ -16244,7 +16264,7 @@
                 <a:cs typeface="Arial" charset="0"/>
                 <a:sym typeface="Cabin"/>
               </a:rPr>
-              <a:t>Using </a:t>
+              <a:t> </a:t>
             </a:r>
             <a:r>
               <a:rPr lang="en-US" sz="7600" u="none" strike="noStrike" cap="none">
@@ -16268,12 +16288,24 @@
                 <a:cs typeface="Arial" charset="0"/>
                 <a:sym typeface="Cabin"/>
               </a:rPr>
-              <a:t> as a</a:t>
+              <a:t> </a:t>
+            </a:r>
+            <a:r>
+              <a:rPr lang="en-US" sz="7600" u="none" strike="noStrike" cap="none">
+                <a:solidFill>
+                  <a:srgbClr val="FFD966"/>
+                </a:solidFill>
+                <a:latin typeface="Arial" charset="0"/>
+                <a:ea typeface="Arial" charset="0"/>
+                <a:cs typeface="Arial" charset="0"/>
+                <a:sym typeface="Cabin"/>
+              </a:rPr>
+              <a:t>as a</a:t>
             </a:r>
             <a:r>
               <a:rPr lang="en-US" sz="7600">
                 <a:solidFill>
-                  <a:srgbClr val="FFFFFF"/>
+                  <a:srgbClr val="FFD966"/>
                 </a:solidFill>
                 <a:latin typeface="Arial" charset="0"/>
                 <a:ea typeface="Arial" charset="0"/>
@@ -16285,7 +16317,7 @@
             <a:r>
               <a:rPr lang="en-US" sz="7600" u="none" strike="noStrike" cap="none">
                 <a:solidFill>
-                  <a:srgbClr val="FFFFFF"/>
+                  <a:srgbClr val="FFD966"/>
                 </a:solidFill>
                 <a:latin typeface="Arial" charset="0"/>
                 <a:ea typeface="Arial" charset="0"/>
@@ -17458,7 +17490,7 @@
             <a:r>
               <a:rPr lang="en-US" sz="7600" u="none" strike="noStrike" cap="none">
                 <a:solidFill>
-                  <a:srgbClr val="FFFF00"/>
+                  <a:srgbClr val="FFD966"/>
                 </a:solidFill>
                 <a:latin typeface="Arial" charset="0"/>
                 <a:ea typeface="Arial" charset="0"/>
@@ -18640,7 +18672,7 @@
             <a:r>
               <a:rPr lang="en-US" sz="7600" u="none" strike="noStrike" cap="none">
                 <a:solidFill>
-                  <a:srgbClr val="FFFF00"/>
+                  <a:srgbClr val="FFD966"/>
                 </a:solidFill>
                 <a:latin typeface="Arial" charset="0"/>
                 <a:ea typeface="Arial" charset="0"/>
@@ -19815,7 +19847,7 @@
             <a:r>
               <a:rPr lang="en-US" sz="7600" u="none" strike="noStrike" cap="none" dirty="0">
                 <a:solidFill>
-                  <a:srgbClr val="FFFF00"/>
+                  <a:srgbClr val="FFD966"/>
                 </a:solidFill>
                 <a:latin typeface="Arial" charset="0"/>
                 <a:ea typeface="Arial" charset="0"/>
@@ -22489,7 +22521,7 @@
             <a:r>
               <a:rPr lang="en-US" sz="7600" u="none" strike="noStrike" cap="none" dirty="0">
                 <a:solidFill>
-                  <a:srgbClr val="FFFF00"/>
+                  <a:srgbClr val="FFD966"/>
                 </a:solidFill>
                 <a:latin typeface="Arial" charset="0"/>
                 <a:ea typeface="Arial" charset="0"/>
@@ -22575,7 +22607,7 @@
             <a:r>
               <a:rPr lang="en-US" sz="6700" u="none" strike="noStrike" cap="none">
                 <a:solidFill>
-                  <a:srgbClr val="FFFF00"/>
+                  <a:srgbClr val="FFD966"/>
                 </a:solidFill>
                 <a:latin typeface="Arial" charset="0"/>
                 <a:ea typeface="Arial" charset="0"/>
@@ -24298,7 +24330,7 @@
             <a:r>
               <a:rPr lang="en-US" sz="6000" u="none" strike="noStrike" cap="none" dirty="0">
                 <a:solidFill>
-                  <a:srgbClr val="FFFF00"/>
+                  <a:srgbClr val="FFD966"/>
                 </a:solidFill>
                 <a:latin typeface="Arial" charset="0"/>
                 <a:ea typeface="Arial" charset="0"/>
@@ -25160,7 +25192,7 @@
             <a:r>
               <a:rPr lang="en-US" sz="7600" u="none" strike="noStrike" cap="none">
                 <a:solidFill>
-                  <a:srgbClr val="FFFF00"/>
+                  <a:srgbClr val="FFD966"/>
                 </a:solidFill>
                 <a:latin typeface="Arial" charset="0"/>
                 <a:ea typeface="Arial" charset="0"/>
@@ -26247,7 +26279,7 @@
             <a:r>
               <a:rPr lang="en-US" sz="7600" u="none" strike="noStrike" cap="none">
                 <a:solidFill>
-                  <a:srgbClr val="FFFF00"/>
+                  <a:srgbClr val="FFD966"/>
                 </a:solidFill>
                 <a:latin typeface="Arial" charset="0"/>
                 <a:ea typeface="Arial" charset="0"/>
@@ -27363,7 +27395,7 @@
             <a:r>
               <a:rPr lang="en-US" sz="7600" u="none" strike="noStrike" cap="none">
                 <a:solidFill>
-                  <a:srgbClr val="FFFF00"/>
+                  <a:srgbClr val="FFD966"/>
                 </a:solidFill>
                 <a:latin typeface="Arial" charset="0"/>
                 <a:ea typeface="Arial" charset="0"/>
@@ -27449,7 +27481,7 @@
             <a:r>
               <a:rPr lang="en-US" sz="6700" u="none" strike="noStrike" cap="none">
                 <a:solidFill>
-                  <a:srgbClr val="FFFF00"/>
+                  <a:srgbClr val="FFD966"/>
                 </a:solidFill>
                 <a:latin typeface="Arial" charset="0"/>
                 <a:ea typeface="Arial" charset="0"/>
@@ -29890,7 +29922,7 @@
             <a:r>
               <a:rPr lang="en-US" sz="6000" u="none" strike="noStrike" cap="none">
                 <a:solidFill>
-                  <a:srgbClr val="FFFF00"/>
+                  <a:srgbClr val="FFD966"/>
                 </a:solidFill>
                 <a:latin typeface="Arial" charset="0"/>
                 <a:ea typeface="Arial" charset="0"/>
@@ -29975,10 +30007,18 @@
           <a:lstStyle/>
           <a:p>
             <a:r>
-              <a:rPr lang="en-US" dirty="0" smtClean="0"/>
+              <a:rPr lang="en-US" sz="7200" dirty="0" smtClean="0">
+                <a:solidFill>
+                  <a:srgbClr val="FFD966"/>
+                </a:solidFill>
+              </a:rPr>
               <a:t>Two Kinds of Strings</a:t>
             </a:r>
-            <a:endParaRPr lang="en-US" dirty="0"/>
+            <a:endParaRPr lang="en-US" sz="7200" dirty="0">
+              <a:solidFill>
+                <a:srgbClr val="FFD966"/>
+              </a:solidFill>
+            </a:endParaRPr>
           </a:p>
         </p:txBody>
       </p:sp>
@@ -30666,7 +30706,7 @@
             <a:r>
               <a:rPr lang="en-US" sz="7600" u="none" strike="noStrike" cap="none" dirty="0">
                 <a:solidFill>
-                  <a:srgbClr val="FFFF00"/>
+                  <a:srgbClr val="FFD966"/>
                 </a:solidFill>
                 <a:latin typeface="Arial" charset="0"/>
                 <a:ea typeface="Arial" charset="0"/>
@@ -31600,7 +31640,7 @@
             <a:r>
               <a:rPr lang="en-US" sz="7600" u="none" strike="noStrike" cap="none">
                 <a:solidFill>
-                  <a:srgbClr val="FFFF00"/>
+                  <a:srgbClr val="FFD966"/>
                 </a:solidFill>
                 <a:latin typeface="Arial" charset="0"/>
                 <a:ea typeface="Arial" charset="0"/>
@@ -33192,7 +33232,7 @@
             <a:r>
               <a:rPr lang="en-US" sz="7600" u="none" strike="noStrike" cap="none">
                 <a:solidFill>
-                  <a:srgbClr val="FFFF00"/>
+                  <a:srgbClr val="FFD966"/>
                 </a:solidFill>
                 <a:latin typeface="Arial" charset="0"/>
                 <a:ea typeface="Arial" charset="0"/>
@@ -33808,7 +33848,7 @@
             <a:r>
               <a:rPr lang="en-US" sz="7600" u="none" strike="noStrike" cap="none">
                 <a:solidFill>
-                  <a:srgbClr val="FFFF00"/>
+                  <a:srgbClr val="FFD966"/>
                 </a:solidFill>
                 <a:latin typeface="Arial" charset="0"/>
                 <a:ea typeface="Arial" charset="0"/>
@@ -34985,7 +35025,19 @@
                 <a:cs typeface="Arial" charset="0"/>
                 <a:sym typeface="Cabin"/>
               </a:rPr>
-              <a:t> Function</a:t>
+              <a:t> </a:t>
+            </a:r>
+            <a:r>
+              <a:rPr lang="en-US" sz="7600" u="none" strike="noStrike" cap="none">
+                <a:solidFill>
+                  <a:srgbClr val="FFD966"/>
+                </a:solidFill>
+                <a:latin typeface="Arial" charset="0"/>
+                <a:ea typeface="Arial" charset="0"/>
+                <a:cs typeface="Arial" charset="0"/>
+                <a:sym typeface="Cabin"/>
+              </a:rPr>
+              <a:t>Function</a:t>
             </a:r>
           </a:p>
         </p:txBody>
@@ -35904,7 +35956,19 @@
                 <a:cs typeface="Arial" charset="0"/>
                 <a:sym typeface="Cabin"/>
               </a:rPr>
-              <a:t> Function</a:t>
+              <a:t> </a:t>
+            </a:r>
+            <a:r>
+              <a:rPr lang="en-US" sz="7600" u="none" strike="noStrike" cap="none">
+                <a:solidFill>
+                  <a:srgbClr val="FFD966"/>
+                </a:solidFill>
+                <a:latin typeface="Arial" charset="0"/>
+                <a:ea typeface="Arial" charset="0"/>
+                <a:cs typeface="Arial" charset="0"/>
+                <a:sym typeface="Cabin"/>
+              </a:rPr>
+              <a:t>Function</a:t>
             </a:r>
           </a:p>
         </p:txBody>
@@ -36987,7 +37051,7 @@
             <a:r>
               <a:rPr lang="en-US" sz="7600" u="none" strike="noStrike" cap="none">
                 <a:solidFill>
-                  <a:srgbClr val="FFFF00"/>
+                  <a:srgbClr val="FFD966"/>
                 </a:solidFill>
                 <a:latin typeface="Arial" charset="0"/>
                 <a:ea typeface="Arial" charset="0"/>

--- a/lectures3/Pythonlearn-06-Strings.pptx
+++ b/lectures3/Pythonlearn-06-Strings.pptx
@@ -248,7 +248,7 @@
   </p:defaultTextStyle>
   <p:extLst>
     <p:ext uri="{EFAFB233-063F-42B5-8137-9DF3F51BA10A}">
-      <p15:sldGuideLst xmlns:p15="http://schemas.microsoft.com/office/powerpoint/2012/main" xmlns="">
+      <p15:sldGuideLst xmlns:p15="http://schemas.microsoft.com/office/powerpoint/2012/main">
         <p15:guide id="1" orient="horz" pos="2880">
           <p15:clr>
             <a:srgbClr val="A4A3A4"/>
@@ -11202,7 +11202,31 @@
                 <a:cs typeface="Courier"/>
                 <a:sym typeface="Courier New"/>
               </a:rPr>
-              <a:t> = </a:t>
+              <a:t> </a:t>
+            </a:r>
+            <a:r>
+              <a:rPr lang="en-US" sz="3600" i="0" u="none" strike="noStrike" cap="none">
+                <a:solidFill>
+                  <a:schemeClr val="lt1"/>
+                </a:solidFill>
+                <a:latin typeface="Courier"/>
+                <a:ea typeface="Courier"/>
+                <a:cs typeface="Courier"/>
+                <a:sym typeface="Courier New"/>
+              </a:rPr>
+              <a:t>= </a:t>
+            </a:r>
+            <a:r>
+              <a:rPr lang="en-US" sz="3600" i="0" u="none" strike="noStrike" cap="none" smtClean="0">
+                <a:solidFill>
+                  <a:srgbClr val="FF7F00"/>
+                </a:solidFill>
+                <a:latin typeface="Courier"/>
+                <a:ea typeface="Courier"/>
+                <a:cs typeface="Courier"/>
+                <a:sym typeface="Courier New"/>
+              </a:rPr>
+              <a:t>'Monty </a:t>
             </a:r>
             <a:r>
               <a:rPr lang="en-US" sz="3600" i="0" u="none" strike="noStrike" cap="none" dirty="0">
@@ -11214,7 +11238,7 @@
                 <a:cs typeface="Courier"/>
                 <a:sym typeface="Courier New"/>
               </a:rPr>
-              <a:t>'Monty Python'</a:t>
+              <a:t>Python'</a:t>
             </a:r>
           </a:p>
           <a:p>
